--- a/thesis_v1/Pictures/figure_chapter2.pptx
+++ b/thesis_v1/Pictures/figure_chapter2.pptx
@@ -7,8 +7,10 @@
   <p:sldIdLst>
     <p:sldId id="257" r:id="rId2"/>
     <p:sldId id="258" r:id="rId3"/>
-    <p:sldId id="256" r:id="rId4"/>
-    <p:sldId id="259" r:id="rId5"/>
+    <p:sldId id="260" r:id="rId4"/>
+    <p:sldId id="256" r:id="rId5"/>
+    <p:sldId id="259" r:id="rId6"/>
+    <p:sldId id="261" r:id="rId7"/>
   </p:sldIdLst>
   <p:sldSz cx="12192000" cy="6858000"/>
   <p:notesSz cx="6858000" cy="9144000"/>
@@ -107,6 +109,11 @@
       </a:defRPr>
     </a:lvl9pPr>
   </p:defaultTextStyle>
+  <p:extLst>
+    <p:ext uri="{EFAFB233-063F-42B5-8137-9DF3F51BA10A}">
+      <p15:sldGuideLst xmlns:p15="http://schemas.microsoft.com/office/powerpoint/2012/main"/>
+    </p:ext>
+  </p:extLst>
 </p:presentation>
 </file>
 
@@ -241,7 +248,7 @@
           <a:p>
             <a:fld id="{0AB158F5-A420-42E5-A89A-E1DF478DA356}" type="datetimeFigureOut">
               <a:rPr lang="en-US" smtClean="0"/>
-              <a:t>2/29/2016</a:t>
+              <a:t>3/1/2016</a:t>
             </a:fld>
             <a:endParaRPr lang="en-US"/>
           </a:p>
@@ -411,7 +418,7 @@
           <a:p>
             <a:fld id="{0AB158F5-A420-42E5-A89A-E1DF478DA356}" type="datetimeFigureOut">
               <a:rPr lang="en-US" smtClean="0"/>
-              <a:t>2/29/2016</a:t>
+              <a:t>3/1/2016</a:t>
             </a:fld>
             <a:endParaRPr lang="en-US"/>
           </a:p>
@@ -591,7 +598,7 @@
           <a:p>
             <a:fld id="{0AB158F5-A420-42E5-A89A-E1DF478DA356}" type="datetimeFigureOut">
               <a:rPr lang="en-US" smtClean="0"/>
-              <a:t>2/29/2016</a:t>
+              <a:t>3/1/2016</a:t>
             </a:fld>
             <a:endParaRPr lang="en-US"/>
           </a:p>
@@ -761,7 +768,7 @@
           <a:p>
             <a:fld id="{0AB158F5-A420-42E5-A89A-E1DF478DA356}" type="datetimeFigureOut">
               <a:rPr lang="en-US" smtClean="0"/>
-              <a:t>2/29/2016</a:t>
+              <a:t>3/1/2016</a:t>
             </a:fld>
             <a:endParaRPr lang="en-US"/>
           </a:p>
@@ -1014,7 +1021,7 @@
           <a:p>
             <a:fld id="{0AB158F5-A420-42E5-A89A-E1DF478DA356}" type="datetimeFigureOut">
               <a:rPr lang="en-US" smtClean="0"/>
-              <a:t>2/29/2016</a:t>
+              <a:t>3/1/2016</a:t>
             </a:fld>
             <a:endParaRPr lang="en-US"/>
           </a:p>
@@ -1246,7 +1253,7 @@
           <a:p>
             <a:fld id="{0AB158F5-A420-42E5-A89A-E1DF478DA356}" type="datetimeFigureOut">
               <a:rPr lang="en-US" smtClean="0"/>
-              <a:t>2/29/2016</a:t>
+              <a:t>3/1/2016</a:t>
             </a:fld>
             <a:endParaRPr lang="en-US"/>
           </a:p>
@@ -1613,7 +1620,7 @@
           <a:p>
             <a:fld id="{0AB158F5-A420-42E5-A89A-E1DF478DA356}" type="datetimeFigureOut">
               <a:rPr lang="en-US" smtClean="0"/>
-              <a:t>2/29/2016</a:t>
+              <a:t>3/1/2016</a:t>
             </a:fld>
             <a:endParaRPr lang="en-US"/>
           </a:p>
@@ -1731,7 +1738,7 @@
           <a:p>
             <a:fld id="{0AB158F5-A420-42E5-A89A-E1DF478DA356}" type="datetimeFigureOut">
               <a:rPr lang="en-US" smtClean="0"/>
-              <a:t>2/29/2016</a:t>
+              <a:t>3/1/2016</a:t>
             </a:fld>
             <a:endParaRPr lang="en-US"/>
           </a:p>
@@ -1826,7 +1833,7 @@
           <a:p>
             <a:fld id="{0AB158F5-A420-42E5-A89A-E1DF478DA356}" type="datetimeFigureOut">
               <a:rPr lang="en-US" smtClean="0"/>
-              <a:t>2/29/2016</a:t>
+              <a:t>3/1/2016</a:t>
             </a:fld>
             <a:endParaRPr lang="en-US"/>
           </a:p>
@@ -2103,7 +2110,7 @@
           <a:p>
             <a:fld id="{0AB158F5-A420-42E5-A89A-E1DF478DA356}" type="datetimeFigureOut">
               <a:rPr lang="en-US" smtClean="0"/>
-              <a:t>2/29/2016</a:t>
+              <a:t>3/1/2016</a:t>
             </a:fld>
             <a:endParaRPr lang="en-US"/>
           </a:p>
@@ -2356,7 +2363,7 @@
           <a:p>
             <a:fld id="{0AB158F5-A420-42E5-A89A-E1DF478DA356}" type="datetimeFigureOut">
               <a:rPr lang="en-US" smtClean="0"/>
-              <a:t>2/29/2016</a:t>
+              <a:t>3/1/2016</a:t>
             </a:fld>
             <a:endParaRPr lang="en-US"/>
           </a:p>
@@ -2569,7 +2576,7 @@
           <a:p>
             <a:fld id="{0AB158F5-A420-42E5-A89A-E1DF478DA356}" type="datetimeFigureOut">
               <a:rPr lang="en-US" smtClean="0"/>
-              <a:t>2/29/2016</a:t>
+              <a:t>3/1/2016</a:t>
             </a:fld>
             <a:endParaRPr lang="en-US"/>
           </a:p>
@@ -2974,207 +2981,114 @@
           <a:chExt cx="0" cy="0"/>
         </a:xfrm>
       </p:grpSpPr>
+      <p:sp>
+        <p:nvSpPr>
+          <p:cNvPr id="69" name="TextBox 68"/>
+          <p:cNvSpPr txBox="1"/>
+          <p:nvPr/>
+        </p:nvSpPr>
+        <p:spPr>
+          <a:xfrm>
+            <a:off x="1288738" y="6376046"/>
+            <a:ext cx="8896448" cy="369332"/>
+          </a:xfrm>
+          <a:prstGeom prst="rect">
+            <a:avLst/>
+          </a:prstGeom>
+          <a:noFill/>
+        </p:spPr>
+        <p:txBody>
+          <a:bodyPr wrap="square" rtlCol="0">
+            <a:spAutoFit/>
+          </a:bodyPr>
+          <a:lstStyle/>
+          <a:p>
+            <a:r>
+              <a:rPr lang="zh-CN" altLang="en-US" dirty="0" smtClean="0"/>
+              <a:t>量子阱的能带和波函数的示意图（</a:t>
+            </a:r>
+            <a:r>
+              <a:rPr lang="en-US" altLang="zh-CN" dirty="0" smtClean="0"/>
+              <a:t>a</a:t>
+            </a:r>
+            <a:r>
+              <a:rPr lang="zh-CN" altLang="en-US" dirty="0" smtClean="0"/>
+              <a:t>）没有外界加电场下；（</a:t>
+            </a:r>
+            <a:r>
+              <a:rPr lang="en-US" altLang="zh-CN" dirty="0" smtClean="0"/>
+              <a:t>b</a:t>
+            </a:r>
+            <a:r>
+              <a:rPr lang="zh-CN" altLang="en-US" dirty="0" smtClean="0"/>
+              <a:t>）在外界电场的时候</a:t>
+            </a:r>
+            <a:endParaRPr lang="en-US" dirty="0"/>
+          </a:p>
+        </p:txBody>
+      </p:sp>
       <p:grpSp>
         <p:nvGrpSpPr>
-          <p:cNvPr id="68" name="Group 67"/>
+          <p:cNvPr id="3" name="Group 2"/>
           <p:cNvGrpSpPr/>
           <p:nvPr/>
         </p:nvGrpSpPr>
         <p:grpSpPr>
           <a:xfrm>
-            <a:off x="2998306" y="1527881"/>
-            <a:ext cx="6253383" cy="3083300"/>
-            <a:chOff x="3041337" y="1721518"/>
-            <a:chExt cx="6253383" cy="3083300"/>
+            <a:off x="2671456" y="1527881"/>
+            <a:ext cx="6580233" cy="3083300"/>
+            <a:chOff x="2671456" y="1527881"/>
+            <a:chExt cx="6580233" cy="3083300"/>
           </a:xfrm>
         </p:grpSpPr>
         <p:grpSp>
           <p:nvGrpSpPr>
-            <p:cNvPr id="63" name="Group 62"/>
+            <p:cNvPr id="68" name="Group 67"/>
             <p:cNvGrpSpPr/>
             <p:nvPr/>
           </p:nvGrpSpPr>
           <p:grpSpPr>
             <a:xfrm>
-              <a:off x="6317022" y="1721518"/>
-              <a:ext cx="2977698" cy="3083300"/>
-              <a:chOff x="2907962" y="1864938"/>
-              <a:chExt cx="2977698" cy="3083300"/>
+              <a:off x="2998306" y="1527881"/>
+              <a:ext cx="6253383" cy="3083300"/>
+              <a:chOff x="3041337" y="1721518"/>
+              <a:chExt cx="6253383" cy="3083300"/>
             </a:xfrm>
           </p:grpSpPr>
-          <p:cxnSp>
-            <p:nvCxnSpPr>
-              <p:cNvPr id="57" name="Straight Arrow Connector 56"/>
-              <p:cNvCxnSpPr/>
-              <p:nvPr/>
-            </p:nvCxnSpPr>
-            <p:spPr>
-              <a:xfrm>
-                <a:off x="3746126" y="3289332"/>
-                <a:ext cx="0" cy="868680"/>
-              </a:xfrm>
-              <a:prstGeom prst="straightConnector1">
-                <a:avLst/>
-              </a:prstGeom>
-              <a:ln>
-                <a:solidFill>
-                  <a:schemeClr val="tx1"/>
-                </a:solidFill>
-                <a:headEnd type="triangle"/>
-                <a:tailEnd type="triangle"/>
-              </a:ln>
-            </p:spPr>
-            <p:style>
-              <a:lnRef idx="1">
-                <a:schemeClr val="accent1"/>
-              </a:lnRef>
-              <a:fillRef idx="0">
-                <a:schemeClr val="accent1"/>
-              </a:fillRef>
-              <a:effectRef idx="0">
-                <a:schemeClr val="accent1"/>
-              </a:effectRef>
-              <a:fontRef idx="minor">
-                <a:schemeClr val="tx1"/>
-              </a:fontRef>
-            </p:style>
-          </p:cxnSp>
           <p:grpSp>
             <p:nvGrpSpPr>
-              <p:cNvPr id="4" name="Group 3"/>
+              <p:cNvPr id="63" name="Group 62"/>
               <p:cNvGrpSpPr/>
               <p:nvPr/>
             </p:nvGrpSpPr>
             <p:grpSpPr>
               <a:xfrm>
-                <a:off x="2907962" y="1864938"/>
+                <a:off x="6317022" y="1721518"/>
                 <a:ext cx="2977698" cy="3083300"/>
-                <a:chOff x="1376818" y="1826984"/>
+                <a:chOff x="2907962" y="1864938"/>
                 <a:chExt cx="2977698" cy="3083300"/>
               </a:xfrm>
             </p:grpSpPr>
-            <p:sp>
-              <p:nvSpPr>
-                <p:cNvPr id="5" name="文本框 53"/>
-                <p:cNvSpPr txBox="1"/>
-                <p:nvPr/>
-              </p:nvSpPr>
-              <p:spPr>
-                <a:xfrm flipH="1">
-                  <a:off x="1813989" y="1826984"/>
-                  <a:ext cx="1332963" cy="369332"/>
-                </a:xfrm>
-                <a:prstGeom prst="rect">
-                  <a:avLst/>
-                </a:prstGeom>
-                <a:noFill/>
-              </p:spPr>
-              <p:txBody>
-                <a:bodyPr wrap="square" rtlCol="0">
-                  <a:spAutoFit/>
-                </a:bodyPr>
-                <a:lstStyle/>
-                <a:p>
-                  <a:pPr algn="ctr"/>
-                  <a:r>
-                    <a:rPr lang="en-US" altLang="zh-CN" i="1" dirty="0" smtClean="0"/>
-                    <a:t>F</a:t>
-                  </a:r>
-                  <a:r>
-                    <a:rPr lang="en-US" i="1" dirty="0" smtClean="0"/>
-                    <a:t>&lt;0</a:t>
-                  </a:r>
-                  <a:endParaRPr lang="en-US" i="1" dirty="0"/>
-                </a:p>
-              </p:txBody>
-            </p:sp>
-            <p:sp>
-              <p:nvSpPr>
-                <p:cNvPr id="6" name="文本框 60"/>
-                <p:cNvSpPr txBox="1"/>
-                <p:nvPr/>
-              </p:nvSpPr>
-              <p:spPr>
-                <a:xfrm flipH="1">
-                  <a:off x="3684494" y="3011392"/>
-                  <a:ext cx="540913" cy="369332"/>
-                </a:xfrm>
-                <a:prstGeom prst="rect">
-                  <a:avLst/>
-                </a:prstGeom>
-                <a:noFill/>
-              </p:spPr>
-              <p:txBody>
-                <a:bodyPr wrap="square" rtlCol="0">
-                  <a:spAutoFit/>
-                </a:bodyPr>
-                <a:lstStyle/>
-                <a:p>
-                  <a:r>
-                    <a:rPr lang="en-US" altLang="zh-CN" i="1" dirty="0" smtClean="0"/>
-                    <a:t>E</a:t>
-                  </a:r>
-                  <a:r>
-                    <a:rPr lang="en-US" altLang="zh-CN" i="1" baseline="-25000" dirty="0" smtClean="0"/>
-                    <a:t>e1</a:t>
-                  </a:r>
-                  <a:endParaRPr lang="en-US" i="1" baseline="-25000" dirty="0"/>
-                </a:p>
-              </p:txBody>
-            </p:sp>
-            <p:sp>
-              <p:nvSpPr>
-                <p:cNvPr id="7" name="文本框 61"/>
-                <p:cNvSpPr txBox="1"/>
-                <p:nvPr/>
-              </p:nvSpPr>
-              <p:spPr>
-                <a:xfrm flipH="1">
-                  <a:off x="3674096" y="3944537"/>
-                  <a:ext cx="680420" cy="369332"/>
-                </a:xfrm>
-                <a:prstGeom prst="rect">
-                  <a:avLst/>
-                </a:prstGeom>
-                <a:noFill/>
-              </p:spPr>
-              <p:txBody>
-                <a:bodyPr wrap="square" rtlCol="0">
-                  <a:spAutoFit/>
-                </a:bodyPr>
-                <a:lstStyle/>
-                <a:p>
-                  <a:r>
-                    <a:rPr lang="en-US" altLang="zh-CN" i="1" dirty="0" smtClean="0"/>
-                    <a:t>E</a:t>
-                  </a:r>
-                  <a:r>
-                    <a:rPr lang="en-US" altLang="zh-CN" i="1" baseline="-25000" dirty="0" smtClean="0"/>
-                    <a:t>hh1</a:t>
-                  </a:r>
-                  <a:endParaRPr lang="en-US" i="1" baseline="-25000" dirty="0"/>
-                </a:p>
-              </p:txBody>
-            </p:sp>
             <p:cxnSp>
               <p:nvCxnSpPr>
-                <p:cNvPr id="8" name="直接连接符 63"/>
+                <p:cNvPr id="57" name="Straight Arrow Connector 56"/>
                 <p:cNvCxnSpPr/>
                 <p:nvPr/>
               </p:nvCxnSpPr>
               <p:spPr>
-                <a:xfrm flipH="1">
-                  <a:off x="1695894" y="3653263"/>
-                  <a:ext cx="1988600" cy="0"/>
+                <a:xfrm>
+                  <a:off x="3746126" y="3289332"/>
+                  <a:ext cx="0" cy="868680"/>
                 </a:xfrm>
-                <a:prstGeom prst="line">
+                <a:prstGeom prst="straightConnector1">
                   <a:avLst/>
                 </a:prstGeom>
                 <a:ln>
                   <a:solidFill>
-                    <a:schemeClr val="accent1"/>
+                    <a:schemeClr val="tx1"/>
                   </a:solidFill>
-                  <a:prstDash val="dash"/>
+                  <a:headEnd type="triangle"/>
+                  <a:tailEnd type="triangle"/>
                 </a:ln>
               </p:spPr>
               <p:style>
@@ -3192,638 +3106,142 @@
                 </a:fontRef>
               </p:style>
             </p:cxnSp>
-            <p:sp>
-              <p:nvSpPr>
-                <p:cNvPr id="9" name="文本框 64"/>
-                <p:cNvSpPr txBox="1"/>
-                <p:nvPr/>
-              </p:nvSpPr>
-              <p:spPr>
-                <a:xfrm flipH="1">
-                  <a:off x="3680937" y="3462474"/>
-                  <a:ext cx="540913" cy="369332"/>
-                </a:xfrm>
-                <a:prstGeom prst="rect">
-                  <a:avLst/>
-                </a:prstGeom>
-                <a:noFill/>
-              </p:spPr>
-              <p:txBody>
-                <a:bodyPr wrap="square" rtlCol="0">
-                  <a:spAutoFit/>
-                </a:bodyPr>
-                <a:lstStyle/>
-                <a:p>
-                  <a:r>
-                    <a:rPr lang="en-US" altLang="zh-CN" i="1" dirty="0" smtClean="0"/>
-                    <a:t>E</a:t>
-                  </a:r>
-                  <a:r>
-                    <a:rPr lang="en-US" altLang="zh-CN" i="1" baseline="-25000" dirty="0" smtClean="0"/>
-                    <a:t>F</a:t>
-                  </a:r>
-                  <a:endParaRPr lang="en-US" i="1" baseline="-25000" dirty="0"/>
-                </a:p>
-              </p:txBody>
-            </p:sp>
             <p:grpSp>
               <p:nvGrpSpPr>
-                <p:cNvPr id="10" name="组合 83"/>
+                <p:cNvPr id="4" name="Group 3"/>
                 <p:cNvGrpSpPr/>
                 <p:nvPr/>
               </p:nvGrpSpPr>
               <p:grpSpPr>
-                <a:xfrm flipH="1">
-                  <a:off x="1912026" y="2859308"/>
-                  <a:ext cx="1313330" cy="385720"/>
-                  <a:chOff x="5022850" y="3192169"/>
-                  <a:chExt cx="1351474" cy="385720"/>
+                <a:xfrm>
+                  <a:off x="2907962" y="1864938"/>
+                  <a:ext cx="2977698" cy="3083300"/>
+                  <a:chOff x="1376818" y="1826984"/>
+                  <a:chExt cx="2977698" cy="3083300"/>
                 </a:xfrm>
               </p:grpSpPr>
               <p:sp>
                 <p:nvSpPr>
-                  <p:cNvPr id="30" name="任意多边形 84"/>
-                  <p:cNvSpPr/>
+                  <p:cNvPr id="5" name="文本框 53"/>
+                  <p:cNvSpPr txBox="1"/>
                   <p:nvPr/>
                 </p:nvSpPr>
                 <p:spPr>
-                  <a:xfrm>
-                    <a:off x="5022850" y="3192169"/>
-                    <a:ext cx="946246" cy="385720"/>
+                  <a:xfrm flipH="1">
+                    <a:off x="1813989" y="1826984"/>
+                    <a:ext cx="1332963" cy="369332"/>
                   </a:xfrm>
-                  <a:custGeom>
+                  <a:prstGeom prst="rect">
                     <a:avLst/>
-                    <a:gdLst>
-                      <a:gd name="connsiteX0" fmla="*/ 0 w 711200"/>
-                      <a:gd name="connsiteY0" fmla="*/ 382881 h 385720"/>
-                      <a:gd name="connsiteX1" fmla="*/ 203200 w 711200"/>
-                      <a:gd name="connsiteY1" fmla="*/ 376531 h 385720"/>
-                      <a:gd name="connsiteX2" fmla="*/ 323850 w 711200"/>
-                      <a:gd name="connsiteY2" fmla="*/ 306681 h 385720"/>
-                      <a:gd name="connsiteX3" fmla="*/ 412750 w 711200"/>
-                      <a:gd name="connsiteY3" fmla="*/ 192381 h 385720"/>
-                      <a:gd name="connsiteX4" fmla="*/ 463550 w 711200"/>
-                      <a:gd name="connsiteY4" fmla="*/ 103481 h 385720"/>
-                      <a:gd name="connsiteX5" fmla="*/ 539750 w 711200"/>
-                      <a:gd name="connsiteY5" fmla="*/ 27281 h 385720"/>
-                      <a:gd name="connsiteX6" fmla="*/ 628650 w 711200"/>
-                      <a:gd name="connsiteY6" fmla="*/ 1881 h 385720"/>
-                      <a:gd name="connsiteX7" fmla="*/ 711200 w 711200"/>
-                      <a:gd name="connsiteY7" fmla="*/ 1881 h 385720"/>
-                    </a:gdLst>
-                    <a:ahLst/>
-                    <a:cxnLst>
-                      <a:cxn ang="0">
-                        <a:pos x="connsiteX0" y="connsiteY0"/>
-                      </a:cxn>
-                      <a:cxn ang="0">
-                        <a:pos x="connsiteX1" y="connsiteY1"/>
-                      </a:cxn>
-                      <a:cxn ang="0">
-                        <a:pos x="connsiteX2" y="connsiteY2"/>
-                      </a:cxn>
-                      <a:cxn ang="0">
-                        <a:pos x="connsiteX3" y="connsiteY3"/>
-                      </a:cxn>
-                      <a:cxn ang="0">
-                        <a:pos x="connsiteX4" y="connsiteY4"/>
-                      </a:cxn>
-                      <a:cxn ang="0">
-                        <a:pos x="connsiteX5" y="connsiteY5"/>
-                      </a:cxn>
-                      <a:cxn ang="0">
-                        <a:pos x="connsiteX6" y="connsiteY6"/>
-                      </a:cxn>
-                      <a:cxn ang="0">
-                        <a:pos x="connsiteX7" y="connsiteY7"/>
-                      </a:cxn>
-                    </a:cxnLst>
-                    <a:rect l="l" t="t" r="r" b="b"/>
-                    <a:pathLst>
-                      <a:path w="711200" h="385720">
-                        <a:moveTo>
-                          <a:pt x="0" y="382881"/>
-                        </a:moveTo>
-                        <a:cubicBezTo>
-                          <a:pt x="74612" y="386056"/>
-                          <a:pt x="149225" y="389231"/>
-                          <a:pt x="203200" y="376531"/>
-                        </a:cubicBezTo>
-                        <a:cubicBezTo>
-                          <a:pt x="257175" y="363831"/>
-                          <a:pt x="288925" y="337373"/>
-                          <a:pt x="323850" y="306681"/>
-                        </a:cubicBezTo>
-                        <a:cubicBezTo>
-                          <a:pt x="358775" y="275989"/>
-                          <a:pt x="389467" y="226248"/>
-                          <a:pt x="412750" y="192381"/>
-                        </a:cubicBezTo>
-                        <a:cubicBezTo>
-                          <a:pt x="436033" y="158514"/>
-                          <a:pt x="442383" y="130998"/>
-                          <a:pt x="463550" y="103481"/>
-                        </a:cubicBezTo>
-                        <a:cubicBezTo>
-                          <a:pt x="484717" y="75964"/>
-                          <a:pt x="512233" y="44214"/>
-                          <a:pt x="539750" y="27281"/>
-                        </a:cubicBezTo>
-                        <a:cubicBezTo>
-                          <a:pt x="567267" y="10348"/>
-                          <a:pt x="600075" y="6114"/>
-                          <a:pt x="628650" y="1881"/>
-                        </a:cubicBezTo>
-                        <a:cubicBezTo>
-                          <a:pt x="657225" y="-2352"/>
-                          <a:pt x="711200" y="1881"/>
-                          <a:pt x="711200" y="1881"/>
-                        </a:cubicBezTo>
-                      </a:path>
-                    </a:pathLst>
-                  </a:custGeom>
+                  </a:prstGeom>
                   <a:noFill/>
-                  <a:ln>
-                    <a:solidFill>
-                      <a:schemeClr val="accent6"/>
-                    </a:solidFill>
-                  </a:ln>
                 </p:spPr>
-                <p:style>
-                  <a:lnRef idx="2">
-                    <a:schemeClr val="accent1">
-                      <a:shade val="50000"/>
-                    </a:schemeClr>
-                  </a:lnRef>
-                  <a:fillRef idx="1">
-                    <a:schemeClr val="accent1"/>
-                  </a:fillRef>
-                  <a:effectRef idx="0">
-                    <a:schemeClr val="accent1"/>
-                  </a:effectRef>
-                  <a:fontRef idx="minor">
-                    <a:schemeClr val="lt1"/>
-                  </a:fontRef>
-                </p:style>
                 <p:txBody>
-                  <a:bodyPr rtlCol="0" anchor="ctr"/>
+                  <a:bodyPr wrap="square" rtlCol="0">
+                    <a:spAutoFit/>
+                  </a:bodyPr>
                   <a:lstStyle/>
                   <a:p>
                     <a:pPr algn="ctr"/>
-                    <a:endParaRPr lang="en-US"/>
+                    <a:r>
+                      <a:rPr lang="en-US" altLang="zh-CN" i="1" dirty="0" smtClean="0"/>
+                      <a:t>F</a:t>
+                    </a:r>
+                    <a:r>
+                      <a:rPr lang="en-US" i="1" dirty="0" smtClean="0"/>
+                      <a:t>&lt;0</a:t>
+                    </a:r>
+                    <a:endParaRPr lang="en-US" i="1" dirty="0"/>
                   </a:p>
                 </p:txBody>
               </p:sp>
               <p:sp>
                 <p:nvSpPr>
-                  <p:cNvPr id="31" name="任意多边形 85"/>
-                  <p:cNvSpPr/>
+                  <p:cNvPr id="6" name="文本框 60"/>
+                  <p:cNvSpPr txBox="1"/>
                   <p:nvPr/>
                 </p:nvSpPr>
                 <p:spPr>
                   <a:xfrm flipH="1">
-                    <a:off x="5964109" y="3192169"/>
-                    <a:ext cx="410215" cy="385720"/>
+                    <a:off x="3684494" y="3011392"/>
+                    <a:ext cx="540913" cy="369332"/>
                   </a:xfrm>
-                  <a:custGeom>
+                  <a:prstGeom prst="rect">
                     <a:avLst/>
-                    <a:gdLst>
-                      <a:gd name="connsiteX0" fmla="*/ 0 w 711200"/>
-                      <a:gd name="connsiteY0" fmla="*/ 382881 h 385720"/>
-                      <a:gd name="connsiteX1" fmla="*/ 203200 w 711200"/>
-                      <a:gd name="connsiteY1" fmla="*/ 376531 h 385720"/>
-                      <a:gd name="connsiteX2" fmla="*/ 323850 w 711200"/>
-                      <a:gd name="connsiteY2" fmla="*/ 306681 h 385720"/>
-                      <a:gd name="connsiteX3" fmla="*/ 412750 w 711200"/>
-                      <a:gd name="connsiteY3" fmla="*/ 192381 h 385720"/>
-                      <a:gd name="connsiteX4" fmla="*/ 463550 w 711200"/>
-                      <a:gd name="connsiteY4" fmla="*/ 103481 h 385720"/>
-                      <a:gd name="connsiteX5" fmla="*/ 539750 w 711200"/>
-                      <a:gd name="connsiteY5" fmla="*/ 27281 h 385720"/>
-                      <a:gd name="connsiteX6" fmla="*/ 628650 w 711200"/>
-                      <a:gd name="connsiteY6" fmla="*/ 1881 h 385720"/>
-                      <a:gd name="connsiteX7" fmla="*/ 711200 w 711200"/>
-                      <a:gd name="connsiteY7" fmla="*/ 1881 h 385720"/>
-                    </a:gdLst>
-                    <a:ahLst/>
-                    <a:cxnLst>
-                      <a:cxn ang="0">
-                        <a:pos x="connsiteX0" y="connsiteY0"/>
-                      </a:cxn>
-                      <a:cxn ang="0">
-                        <a:pos x="connsiteX1" y="connsiteY1"/>
-                      </a:cxn>
-                      <a:cxn ang="0">
-                        <a:pos x="connsiteX2" y="connsiteY2"/>
-                      </a:cxn>
-                      <a:cxn ang="0">
-                        <a:pos x="connsiteX3" y="connsiteY3"/>
-                      </a:cxn>
-                      <a:cxn ang="0">
-                        <a:pos x="connsiteX4" y="connsiteY4"/>
-                      </a:cxn>
-                      <a:cxn ang="0">
-                        <a:pos x="connsiteX5" y="connsiteY5"/>
-                      </a:cxn>
-                      <a:cxn ang="0">
-                        <a:pos x="connsiteX6" y="connsiteY6"/>
-                      </a:cxn>
-                      <a:cxn ang="0">
-                        <a:pos x="connsiteX7" y="connsiteY7"/>
-                      </a:cxn>
-                    </a:cxnLst>
-                    <a:rect l="l" t="t" r="r" b="b"/>
-                    <a:pathLst>
-                      <a:path w="711200" h="385720">
-                        <a:moveTo>
-                          <a:pt x="0" y="382881"/>
-                        </a:moveTo>
-                        <a:cubicBezTo>
-                          <a:pt x="74612" y="386056"/>
-                          <a:pt x="149225" y="389231"/>
-                          <a:pt x="203200" y="376531"/>
-                        </a:cubicBezTo>
-                        <a:cubicBezTo>
-                          <a:pt x="257175" y="363831"/>
-                          <a:pt x="288925" y="337373"/>
-                          <a:pt x="323850" y="306681"/>
-                        </a:cubicBezTo>
-                        <a:cubicBezTo>
-                          <a:pt x="358775" y="275989"/>
-                          <a:pt x="389467" y="226248"/>
-                          <a:pt x="412750" y="192381"/>
-                        </a:cubicBezTo>
-                        <a:cubicBezTo>
-                          <a:pt x="436033" y="158514"/>
-                          <a:pt x="442383" y="130998"/>
-                          <a:pt x="463550" y="103481"/>
-                        </a:cubicBezTo>
-                        <a:cubicBezTo>
-                          <a:pt x="484717" y="75964"/>
-                          <a:pt x="512233" y="44214"/>
-                          <a:pt x="539750" y="27281"/>
-                        </a:cubicBezTo>
-                        <a:cubicBezTo>
-                          <a:pt x="567267" y="10348"/>
-                          <a:pt x="600075" y="6114"/>
-                          <a:pt x="628650" y="1881"/>
-                        </a:cubicBezTo>
-                        <a:cubicBezTo>
-                          <a:pt x="657225" y="-2352"/>
-                          <a:pt x="711200" y="1881"/>
-                          <a:pt x="711200" y="1881"/>
-                        </a:cubicBezTo>
-                      </a:path>
-                    </a:pathLst>
-                  </a:custGeom>
+                  </a:prstGeom>
                   <a:noFill/>
-                  <a:ln>
-                    <a:solidFill>
-                      <a:schemeClr val="accent6"/>
-                    </a:solidFill>
-                  </a:ln>
                 </p:spPr>
-                <p:style>
-                  <a:lnRef idx="2">
-                    <a:schemeClr val="accent1">
-                      <a:shade val="50000"/>
-                    </a:schemeClr>
-                  </a:lnRef>
-                  <a:fillRef idx="1">
-                    <a:schemeClr val="accent1"/>
-                  </a:fillRef>
-                  <a:effectRef idx="0">
-                    <a:schemeClr val="accent1"/>
-                  </a:effectRef>
-                  <a:fontRef idx="minor">
-                    <a:schemeClr val="lt1"/>
-                  </a:fontRef>
-                </p:style>
                 <p:txBody>
-                  <a:bodyPr rtlCol="0" anchor="ctr"/>
+                  <a:bodyPr wrap="square" rtlCol="0">
+                    <a:spAutoFit/>
+                  </a:bodyPr>
                   <a:lstStyle/>
                   <a:p>
-                    <a:pPr algn="ctr"/>
-                    <a:endParaRPr lang="en-US"/>
-                  </a:p>
-                </p:txBody>
-              </p:sp>
-            </p:grpSp>
-            <p:grpSp>
-              <p:nvGrpSpPr>
-                <p:cNvPr id="11" name="组合 87"/>
-                <p:cNvGrpSpPr/>
-                <p:nvPr/>
-              </p:nvGrpSpPr>
-              <p:grpSpPr>
-                <a:xfrm rot="10800000" flipH="1">
-                  <a:off x="2154312" y="4125971"/>
-                  <a:ext cx="1285630" cy="343051"/>
-                  <a:chOff x="5088695" y="3092410"/>
-                  <a:chExt cx="1285630" cy="485488"/>
-                </a:xfrm>
-              </p:grpSpPr>
-              <p:sp>
-                <p:nvSpPr>
-                  <p:cNvPr id="28" name="任意多边形 88"/>
-                  <p:cNvSpPr/>
-                  <p:nvPr/>
-                </p:nvSpPr>
-                <p:spPr>
-                  <a:xfrm>
-                    <a:off x="5088695" y="3092410"/>
-                    <a:ext cx="805784" cy="477917"/>
-                  </a:xfrm>
-                  <a:custGeom>
-                    <a:avLst/>
-                    <a:gdLst>
-                      <a:gd name="connsiteX0" fmla="*/ 0 w 711200"/>
-                      <a:gd name="connsiteY0" fmla="*/ 382881 h 385720"/>
-                      <a:gd name="connsiteX1" fmla="*/ 203200 w 711200"/>
-                      <a:gd name="connsiteY1" fmla="*/ 376531 h 385720"/>
-                      <a:gd name="connsiteX2" fmla="*/ 323850 w 711200"/>
-                      <a:gd name="connsiteY2" fmla="*/ 306681 h 385720"/>
-                      <a:gd name="connsiteX3" fmla="*/ 412750 w 711200"/>
-                      <a:gd name="connsiteY3" fmla="*/ 192381 h 385720"/>
-                      <a:gd name="connsiteX4" fmla="*/ 463550 w 711200"/>
-                      <a:gd name="connsiteY4" fmla="*/ 103481 h 385720"/>
-                      <a:gd name="connsiteX5" fmla="*/ 539750 w 711200"/>
-                      <a:gd name="connsiteY5" fmla="*/ 27281 h 385720"/>
-                      <a:gd name="connsiteX6" fmla="*/ 628650 w 711200"/>
-                      <a:gd name="connsiteY6" fmla="*/ 1881 h 385720"/>
-                      <a:gd name="connsiteX7" fmla="*/ 711200 w 711200"/>
-                      <a:gd name="connsiteY7" fmla="*/ 1881 h 385720"/>
-                    </a:gdLst>
-                    <a:ahLst/>
-                    <a:cxnLst>
-                      <a:cxn ang="0">
-                        <a:pos x="connsiteX0" y="connsiteY0"/>
-                      </a:cxn>
-                      <a:cxn ang="0">
-                        <a:pos x="connsiteX1" y="connsiteY1"/>
-                      </a:cxn>
-                      <a:cxn ang="0">
-                        <a:pos x="connsiteX2" y="connsiteY2"/>
-                      </a:cxn>
-                      <a:cxn ang="0">
-                        <a:pos x="connsiteX3" y="connsiteY3"/>
-                      </a:cxn>
-                      <a:cxn ang="0">
-                        <a:pos x="connsiteX4" y="connsiteY4"/>
-                      </a:cxn>
-                      <a:cxn ang="0">
-                        <a:pos x="connsiteX5" y="connsiteY5"/>
-                      </a:cxn>
-                      <a:cxn ang="0">
-                        <a:pos x="connsiteX6" y="connsiteY6"/>
-                      </a:cxn>
-                      <a:cxn ang="0">
-                        <a:pos x="connsiteX7" y="connsiteY7"/>
-                      </a:cxn>
-                    </a:cxnLst>
-                    <a:rect l="l" t="t" r="r" b="b"/>
-                    <a:pathLst>
-                      <a:path w="711200" h="385720">
-                        <a:moveTo>
-                          <a:pt x="0" y="382881"/>
-                        </a:moveTo>
-                        <a:cubicBezTo>
-                          <a:pt x="74612" y="386056"/>
-                          <a:pt x="149225" y="389231"/>
-                          <a:pt x="203200" y="376531"/>
-                        </a:cubicBezTo>
-                        <a:cubicBezTo>
-                          <a:pt x="257175" y="363831"/>
-                          <a:pt x="288925" y="337373"/>
-                          <a:pt x="323850" y="306681"/>
-                        </a:cubicBezTo>
-                        <a:cubicBezTo>
-                          <a:pt x="358775" y="275989"/>
-                          <a:pt x="389467" y="226248"/>
-                          <a:pt x="412750" y="192381"/>
-                        </a:cubicBezTo>
-                        <a:cubicBezTo>
-                          <a:pt x="436033" y="158514"/>
-                          <a:pt x="442383" y="130998"/>
-                          <a:pt x="463550" y="103481"/>
-                        </a:cubicBezTo>
-                        <a:cubicBezTo>
-                          <a:pt x="484717" y="75964"/>
-                          <a:pt x="512233" y="44214"/>
-                          <a:pt x="539750" y="27281"/>
-                        </a:cubicBezTo>
-                        <a:cubicBezTo>
-                          <a:pt x="567267" y="10348"/>
-                          <a:pt x="600075" y="6114"/>
-                          <a:pt x="628650" y="1881"/>
-                        </a:cubicBezTo>
-                        <a:cubicBezTo>
-                          <a:pt x="657225" y="-2352"/>
-                          <a:pt x="711200" y="1881"/>
-                          <a:pt x="711200" y="1881"/>
-                        </a:cubicBezTo>
-                      </a:path>
-                    </a:pathLst>
-                  </a:custGeom>
-                  <a:noFill/>
-                  <a:ln>
-                    <a:solidFill>
-                      <a:schemeClr val="accent6"/>
-                    </a:solidFill>
-                  </a:ln>
-                </p:spPr>
-                <p:style>
-                  <a:lnRef idx="2">
-                    <a:schemeClr val="accent1">
-                      <a:shade val="50000"/>
-                    </a:schemeClr>
-                  </a:lnRef>
-                  <a:fillRef idx="1">
-                    <a:schemeClr val="accent1"/>
-                  </a:fillRef>
-                  <a:effectRef idx="0">
-                    <a:schemeClr val="accent1"/>
-                  </a:effectRef>
-                  <a:fontRef idx="minor">
-                    <a:schemeClr val="lt1"/>
-                  </a:fontRef>
-                </p:style>
-                <p:txBody>
-                  <a:bodyPr rtlCol="0" anchor="ctr"/>
-                  <a:lstStyle/>
-                  <a:p>
-                    <a:pPr algn="ctr"/>
-                    <a:endParaRPr lang="en-US"/>
+                    <a:r>
+                      <a:rPr lang="en-US" altLang="zh-CN" i="1" dirty="0" smtClean="0"/>
+                      <a:t>E</a:t>
+                    </a:r>
+                    <a:r>
+                      <a:rPr lang="en-US" altLang="zh-CN" i="1" baseline="-25000" dirty="0" smtClean="0"/>
+                      <a:t>e1</a:t>
+                    </a:r>
+                    <a:endParaRPr lang="en-US" i="1" baseline="-25000" dirty="0"/>
                   </a:p>
                 </p:txBody>
               </p:sp>
               <p:sp>
                 <p:nvSpPr>
-                  <p:cNvPr id="29" name="任意多边形 89"/>
-                  <p:cNvSpPr/>
+                  <p:cNvPr id="7" name="文本框 61"/>
+                  <p:cNvSpPr txBox="1"/>
                   <p:nvPr/>
                 </p:nvSpPr>
                 <p:spPr>
                   <a:xfrm flipH="1">
-                    <a:off x="5859137" y="3092419"/>
-                    <a:ext cx="515188" cy="485479"/>
+                    <a:off x="3674096" y="3944537"/>
+                    <a:ext cx="680420" cy="369332"/>
                   </a:xfrm>
-                  <a:custGeom>
+                  <a:prstGeom prst="rect">
                     <a:avLst/>
-                    <a:gdLst>
-                      <a:gd name="connsiteX0" fmla="*/ 0 w 711200"/>
-                      <a:gd name="connsiteY0" fmla="*/ 382881 h 385720"/>
-                      <a:gd name="connsiteX1" fmla="*/ 203200 w 711200"/>
-                      <a:gd name="connsiteY1" fmla="*/ 376531 h 385720"/>
-                      <a:gd name="connsiteX2" fmla="*/ 323850 w 711200"/>
-                      <a:gd name="connsiteY2" fmla="*/ 306681 h 385720"/>
-                      <a:gd name="connsiteX3" fmla="*/ 412750 w 711200"/>
-                      <a:gd name="connsiteY3" fmla="*/ 192381 h 385720"/>
-                      <a:gd name="connsiteX4" fmla="*/ 463550 w 711200"/>
-                      <a:gd name="connsiteY4" fmla="*/ 103481 h 385720"/>
-                      <a:gd name="connsiteX5" fmla="*/ 539750 w 711200"/>
-                      <a:gd name="connsiteY5" fmla="*/ 27281 h 385720"/>
-                      <a:gd name="connsiteX6" fmla="*/ 628650 w 711200"/>
-                      <a:gd name="connsiteY6" fmla="*/ 1881 h 385720"/>
-                      <a:gd name="connsiteX7" fmla="*/ 711200 w 711200"/>
-                      <a:gd name="connsiteY7" fmla="*/ 1881 h 385720"/>
-                    </a:gdLst>
-                    <a:ahLst/>
-                    <a:cxnLst>
-                      <a:cxn ang="0">
-                        <a:pos x="connsiteX0" y="connsiteY0"/>
-                      </a:cxn>
-                      <a:cxn ang="0">
-                        <a:pos x="connsiteX1" y="connsiteY1"/>
-                      </a:cxn>
-                      <a:cxn ang="0">
-                        <a:pos x="connsiteX2" y="connsiteY2"/>
-                      </a:cxn>
-                      <a:cxn ang="0">
-                        <a:pos x="connsiteX3" y="connsiteY3"/>
-                      </a:cxn>
-                      <a:cxn ang="0">
-                        <a:pos x="connsiteX4" y="connsiteY4"/>
-                      </a:cxn>
-                      <a:cxn ang="0">
-                        <a:pos x="connsiteX5" y="connsiteY5"/>
-                      </a:cxn>
-                      <a:cxn ang="0">
-                        <a:pos x="connsiteX6" y="connsiteY6"/>
-                      </a:cxn>
-                      <a:cxn ang="0">
-                        <a:pos x="connsiteX7" y="connsiteY7"/>
-                      </a:cxn>
-                    </a:cxnLst>
-                    <a:rect l="l" t="t" r="r" b="b"/>
-                    <a:pathLst>
-                      <a:path w="711200" h="385720">
-                        <a:moveTo>
-                          <a:pt x="0" y="382881"/>
-                        </a:moveTo>
-                        <a:cubicBezTo>
-                          <a:pt x="74612" y="386056"/>
-                          <a:pt x="149225" y="389231"/>
-                          <a:pt x="203200" y="376531"/>
-                        </a:cubicBezTo>
-                        <a:cubicBezTo>
-                          <a:pt x="257175" y="363831"/>
-                          <a:pt x="288925" y="337373"/>
-                          <a:pt x="323850" y="306681"/>
-                        </a:cubicBezTo>
-                        <a:cubicBezTo>
-                          <a:pt x="358775" y="275989"/>
-                          <a:pt x="389467" y="226248"/>
-                          <a:pt x="412750" y="192381"/>
-                        </a:cubicBezTo>
-                        <a:cubicBezTo>
-                          <a:pt x="436033" y="158514"/>
-                          <a:pt x="442383" y="130998"/>
-                          <a:pt x="463550" y="103481"/>
-                        </a:cubicBezTo>
-                        <a:cubicBezTo>
-                          <a:pt x="484717" y="75964"/>
-                          <a:pt x="512233" y="44214"/>
-                          <a:pt x="539750" y="27281"/>
-                        </a:cubicBezTo>
-                        <a:cubicBezTo>
-                          <a:pt x="567267" y="10348"/>
-                          <a:pt x="600075" y="6114"/>
-                          <a:pt x="628650" y="1881"/>
-                        </a:cubicBezTo>
-                        <a:cubicBezTo>
-                          <a:pt x="657225" y="-2352"/>
-                          <a:pt x="711200" y="1881"/>
-                          <a:pt x="711200" y="1881"/>
-                        </a:cubicBezTo>
-                      </a:path>
-                    </a:pathLst>
-                  </a:custGeom>
+                  </a:prstGeom>
                   <a:noFill/>
-                  <a:ln>
-                    <a:solidFill>
-                      <a:schemeClr val="accent6"/>
-                    </a:solidFill>
-                  </a:ln>
                 </p:spPr>
-                <p:style>
-                  <a:lnRef idx="2">
-                    <a:schemeClr val="accent1">
-                      <a:shade val="50000"/>
-                    </a:schemeClr>
-                  </a:lnRef>
-                  <a:fillRef idx="1">
-                    <a:schemeClr val="accent1"/>
-                  </a:fillRef>
-                  <a:effectRef idx="0">
-                    <a:schemeClr val="accent1"/>
-                  </a:effectRef>
-                  <a:fontRef idx="minor">
-                    <a:schemeClr val="lt1"/>
-                  </a:fontRef>
-                </p:style>
                 <p:txBody>
-                  <a:bodyPr rtlCol="0" anchor="ctr"/>
+                  <a:bodyPr wrap="square" rtlCol="0">
+                    <a:spAutoFit/>
+                  </a:bodyPr>
                   <a:lstStyle/>
                   <a:p>
-                    <a:pPr algn="ctr"/>
-                    <a:endParaRPr lang="en-US"/>
+                    <a:r>
+                      <a:rPr lang="en-US" altLang="zh-CN" i="1" dirty="0" smtClean="0"/>
+                      <a:t>E</a:t>
+                    </a:r>
+                    <a:r>
+                      <a:rPr lang="en-US" altLang="zh-CN" i="1" baseline="-25000" dirty="0" smtClean="0"/>
+                      <a:t>hh1</a:t>
+                    </a:r>
+                    <a:endParaRPr lang="en-US" i="1" baseline="-25000" dirty="0"/>
                   </a:p>
                 </p:txBody>
               </p:sp>
-            </p:grpSp>
-            <p:grpSp>
-              <p:nvGrpSpPr>
-                <p:cNvPr id="12" name="Group 11"/>
-                <p:cNvGrpSpPr/>
-                <p:nvPr/>
-              </p:nvGrpSpPr>
-              <p:grpSpPr>
-                <a:xfrm flipH="1">
-                  <a:off x="1376818" y="2447568"/>
-                  <a:ext cx="2503319" cy="2462716"/>
-                  <a:chOff x="986082" y="2447568"/>
-                  <a:chExt cx="2503319" cy="2462716"/>
-                </a:xfrm>
-              </p:grpSpPr>
               <p:cxnSp>
                 <p:nvCxnSpPr>
-                  <p:cNvPr id="15" name="Straight Connector 14"/>
+                  <p:cNvPr id="8" name="直接连接符 63"/>
                   <p:cNvCxnSpPr/>
                   <p:nvPr/>
                 </p:nvCxnSpPr>
                 <p:spPr>
-                  <a:xfrm>
-                    <a:off x="1657350" y="3898900"/>
-                    <a:ext cx="1140084" cy="161925"/>
+                  <a:xfrm flipH="1">
+                    <a:off x="1695894" y="3653263"/>
+                    <a:ext cx="1988600" cy="0"/>
                   </a:xfrm>
                   <a:prstGeom prst="line">
                     <a:avLst/>
                   </a:prstGeom>
                   <a:ln>
                     <a:solidFill>
-                      <a:schemeClr val="tx1"/>
+                      <a:schemeClr val="accent1"/>
                     </a:solidFill>
+                    <a:prstDash val="dash"/>
                   </a:ln>
                 </p:spPr>
                 <p:style>
@@ -3841,65 +3259,630 @@
                   </a:fontRef>
                 </p:style>
               </p:cxnSp>
-              <p:cxnSp>
-                <p:nvCxnSpPr>
-                  <p:cNvPr id="16" name="Straight Connector 15"/>
-                  <p:cNvCxnSpPr/>
+              <p:sp>
+                <p:nvSpPr>
+                  <p:cNvPr id="9" name="文本框 64"/>
+                  <p:cNvSpPr txBox="1"/>
                   <p:nvPr/>
-                </p:nvCxnSpPr>
+                </p:nvSpPr>
                 <p:spPr>
-                  <a:xfrm flipH="1" flipV="1">
-                    <a:off x="1211117" y="2447568"/>
-                    <a:ext cx="463969" cy="70362"/>
+                  <a:xfrm flipH="1">
+                    <a:off x="3680937" y="3462474"/>
+                    <a:ext cx="540913" cy="369332"/>
                   </a:xfrm>
-                  <a:prstGeom prst="line">
+                  <a:prstGeom prst="rect">
                     <a:avLst/>
                   </a:prstGeom>
-                  <a:ln>
-                    <a:solidFill>
-                      <a:schemeClr val="tx1"/>
-                    </a:solidFill>
-                  </a:ln>
+                  <a:noFill/>
                 </p:spPr>
-                <p:style>
-                  <a:lnRef idx="1">
-                    <a:schemeClr val="accent1"/>
-                  </a:lnRef>
-                  <a:fillRef idx="0">
-                    <a:schemeClr val="accent1"/>
-                  </a:fillRef>
-                  <a:effectRef idx="0">
-                    <a:schemeClr val="accent1"/>
-                  </a:effectRef>
-                  <a:fontRef idx="minor">
-                    <a:schemeClr val="tx1"/>
-                  </a:fontRef>
-                </p:style>
-              </p:cxnSp>
+                <p:txBody>
+                  <a:bodyPr wrap="square" rtlCol="0">
+                    <a:spAutoFit/>
+                  </a:bodyPr>
+                  <a:lstStyle/>
+                  <a:p>
+                    <a:r>
+                      <a:rPr lang="en-US" altLang="zh-CN" i="1" dirty="0" smtClean="0"/>
+                      <a:t>E</a:t>
+                    </a:r>
+                    <a:r>
+                      <a:rPr lang="en-US" altLang="zh-CN" i="1" baseline="-25000" dirty="0" smtClean="0"/>
+                      <a:t>F</a:t>
+                    </a:r>
+                    <a:endParaRPr lang="en-US" i="1" baseline="-25000" dirty="0"/>
+                  </a:p>
+                </p:txBody>
+              </p:sp>
               <p:grpSp>
                 <p:nvGrpSpPr>
-                  <p:cNvPr id="17" name="Group 16"/>
+                  <p:cNvPr id="10" name="组合 83"/>
                   <p:cNvGrpSpPr/>
                   <p:nvPr/>
                 </p:nvGrpSpPr>
                 <p:grpSpPr>
-                  <a:xfrm>
-                    <a:off x="986082" y="2517930"/>
-                    <a:ext cx="2503319" cy="2392354"/>
-                    <a:chOff x="986082" y="2517930"/>
-                    <a:chExt cx="2503319" cy="2392354"/>
+                  <a:xfrm flipH="1">
+                    <a:off x="1912026" y="2859308"/>
+                    <a:ext cx="1313330" cy="385720"/>
+                    <a:chOff x="5022850" y="3192169"/>
+                    <a:chExt cx="1351474" cy="385720"/>
+                  </a:xfrm>
+                </p:grpSpPr>
+                <p:sp>
+                  <p:nvSpPr>
+                    <p:cNvPr id="30" name="任意多边形 84"/>
+                    <p:cNvSpPr/>
+                    <p:nvPr/>
+                  </p:nvSpPr>
+                  <p:spPr>
+                    <a:xfrm>
+                      <a:off x="5022850" y="3192169"/>
+                      <a:ext cx="946246" cy="385720"/>
+                    </a:xfrm>
+                    <a:custGeom>
+                      <a:avLst/>
+                      <a:gdLst>
+                        <a:gd name="connsiteX0" fmla="*/ 0 w 711200"/>
+                        <a:gd name="connsiteY0" fmla="*/ 382881 h 385720"/>
+                        <a:gd name="connsiteX1" fmla="*/ 203200 w 711200"/>
+                        <a:gd name="connsiteY1" fmla="*/ 376531 h 385720"/>
+                        <a:gd name="connsiteX2" fmla="*/ 323850 w 711200"/>
+                        <a:gd name="connsiteY2" fmla="*/ 306681 h 385720"/>
+                        <a:gd name="connsiteX3" fmla="*/ 412750 w 711200"/>
+                        <a:gd name="connsiteY3" fmla="*/ 192381 h 385720"/>
+                        <a:gd name="connsiteX4" fmla="*/ 463550 w 711200"/>
+                        <a:gd name="connsiteY4" fmla="*/ 103481 h 385720"/>
+                        <a:gd name="connsiteX5" fmla="*/ 539750 w 711200"/>
+                        <a:gd name="connsiteY5" fmla="*/ 27281 h 385720"/>
+                        <a:gd name="connsiteX6" fmla="*/ 628650 w 711200"/>
+                        <a:gd name="connsiteY6" fmla="*/ 1881 h 385720"/>
+                        <a:gd name="connsiteX7" fmla="*/ 711200 w 711200"/>
+                        <a:gd name="connsiteY7" fmla="*/ 1881 h 385720"/>
+                      </a:gdLst>
+                      <a:ahLst/>
+                      <a:cxnLst>
+                        <a:cxn ang="0">
+                          <a:pos x="connsiteX0" y="connsiteY0"/>
+                        </a:cxn>
+                        <a:cxn ang="0">
+                          <a:pos x="connsiteX1" y="connsiteY1"/>
+                        </a:cxn>
+                        <a:cxn ang="0">
+                          <a:pos x="connsiteX2" y="connsiteY2"/>
+                        </a:cxn>
+                        <a:cxn ang="0">
+                          <a:pos x="connsiteX3" y="connsiteY3"/>
+                        </a:cxn>
+                        <a:cxn ang="0">
+                          <a:pos x="connsiteX4" y="connsiteY4"/>
+                        </a:cxn>
+                        <a:cxn ang="0">
+                          <a:pos x="connsiteX5" y="connsiteY5"/>
+                        </a:cxn>
+                        <a:cxn ang="0">
+                          <a:pos x="connsiteX6" y="connsiteY6"/>
+                        </a:cxn>
+                        <a:cxn ang="0">
+                          <a:pos x="connsiteX7" y="connsiteY7"/>
+                        </a:cxn>
+                      </a:cxnLst>
+                      <a:rect l="l" t="t" r="r" b="b"/>
+                      <a:pathLst>
+                        <a:path w="711200" h="385720">
+                          <a:moveTo>
+                            <a:pt x="0" y="382881"/>
+                          </a:moveTo>
+                          <a:cubicBezTo>
+                            <a:pt x="74612" y="386056"/>
+                            <a:pt x="149225" y="389231"/>
+                            <a:pt x="203200" y="376531"/>
+                          </a:cubicBezTo>
+                          <a:cubicBezTo>
+                            <a:pt x="257175" y="363831"/>
+                            <a:pt x="288925" y="337373"/>
+                            <a:pt x="323850" y="306681"/>
+                          </a:cubicBezTo>
+                          <a:cubicBezTo>
+                            <a:pt x="358775" y="275989"/>
+                            <a:pt x="389467" y="226248"/>
+                            <a:pt x="412750" y="192381"/>
+                          </a:cubicBezTo>
+                          <a:cubicBezTo>
+                            <a:pt x="436033" y="158514"/>
+                            <a:pt x="442383" y="130998"/>
+                            <a:pt x="463550" y="103481"/>
+                          </a:cubicBezTo>
+                          <a:cubicBezTo>
+                            <a:pt x="484717" y="75964"/>
+                            <a:pt x="512233" y="44214"/>
+                            <a:pt x="539750" y="27281"/>
+                          </a:cubicBezTo>
+                          <a:cubicBezTo>
+                            <a:pt x="567267" y="10348"/>
+                            <a:pt x="600075" y="6114"/>
+                            <a:pt x="628650" y="1881"/>
+                          </a:cubicBezTo>
+                          <a:cubicBezTo>
+                            <a:pt x="657225" y="-2352"/>
+                            <a:pt x="711200" y="1881"/>
+                            <a:pt x="711200" y="1881"/>
+                          </a:cubicBezTo>
+                        </a:path>
+                      </a:pathLst>
+                    </a:custGeom>
+                    <a:noFill/>
+                    <a:ln>
+                      <a:solidFill>
+                        <a:schemeClr val="accent6"/>
+                      </a:solidFill>
+                    </a:ln>
+                  </p:spPr>
+                  <p:style>
+                    <a:lnRef idx="2">
+                      <a:schemeClr val="accent1">
+                        <a:shade val="50000"/>
+                      </a:schemeClr>
+                    </a:lnRef>
+                    <a:fillRef idx="1">
+                      <a:schemeClr val="accent1"/>
+                    </a:fillRef>
+                    <a:effectRef idx="0">
+                      <a:schemeClr val="accent1"/>
+                    </a:effectRef>
+                    <a:fontRef idx="minor">
+                      <a:schemeClr val="lt1"/>
+                    </a:fontRef>
+                  </p:style>
+                  <p:txBody>
+                    <a:bodyPr rtlCol="0" anchor="ctr"/>
+                    <a:lstStyle/>
+                    <a:p>
+                      <a:pPr algn="ctr"/>
+                      <a:endParaRPr lang="en-US"/>
+                    </a:p>
+                  </p:txBody>
+                </p:sp>
+                <p:sp>
+                  <p:nvSpPr>
+                    <p:cNvPr id="31" name="任意多边形 85"/>
+                    <p:cNvSpPr/>
+                    <p:nvPr/>
+                  </p:nvSpPr>
+                  <p:spPr>
+                    <a:xfrm flipH="1">
+                      <a:off x="5964109" y="3192169"/>
+                      <a:ext cx="410215" cy="385720"/>
+                    </a:xfrm>
+                    <a:custGeom>
+                      <a:avLst/>
+                      <a:gdLst>
+                        <a:gd name="connsiteX0" fmla="*/ 0 w 711200"/>
+                        <a:gd name="connsiteY0" fmla="*/ 382881 h 385720"/>
+                        <a:gd name="connsiteX1" fmla="*/ 203200 w 711200"/>
+                        <a:gd name="connsiteY1" fmla="*/ 376531 h 385720"/>
+                        <a:gd name="connsiteX2" fmla="*/ 323850 w 711200"/>
+                        <a:gd name="connsiteY2" fmla="*/ 306681 h 385720"/>
+                        <a:gd name="connsiteX3" fmla="*/ 412750 w 711200"/>
+                        <a:gd name="connsiteY3" fmla="*/ 192381 h 385720"/>
+                        <a:gd name="connsiteX4" fmla="*/ 463550 w 711200"/>
+                        <a:gd name="connsiteY4" fmla="*/ 103481 h 385720"/>
+                        <a:gd name="connsiteX5" fmla="*/ 539750 w 711200"/>
+                        <a:gd name="connsiteY5" fmla="*/ 27281 h 385720"/>
+                        <a:gd name="connsiteX6" fmla="*/ 628650 w 711200"/>
+                        <a:gd name="connsiteY6" fmla="*/ 1881 h 385720"/>
+                        <a:gd name="connsiteX7" fmla="*/ 711200 w 711200"/>
+                        <a:gd name="connsiteY7" fmla="*/ 1881 h 385720"/>
+                      </a:gdLst>
+                      <a:ahLst/>
+                      <a:cxnLst>
+                        <a:cxn ang="0">
+                          <a:pos x="connsiteX0" y="connsiteY0"/>
+                        </a:cxn>
+                        <a:cxn ang="0">
+                          <a:pos x="connsiteX1" y="connsiteY1"/>
+                        </a:cxn>
+                        <a:cxn ang="0">
+                          <a:pos x="connsiteX2" y="connsiteY2"/>
+                        </a:cxn>
+                        <a:cxn ang="0">
+                          <a:pos x="connsiteX3" y="connsiteY3"/>
+                        </a:cxn>
+                        <a:cxn ang="0">
+                          <a:pos x="connsiteX4" y="connsiteY4"/>
+                        </a:cxn>
+                        <a:cxn ang="0">
+                          <a:pos x="connsiteX5" y="connsiteY5"/>
+                        </a:cxn>
+                        <a:cxn ang="0">
+                          <a:pos x="connsiteX6" y="connsiteY6"/>
+                        </a:cxn>
+                        <a:cxn ang="0">
+                          <a:pos x="connsiteX7" y="connsiteY7"/>
+                        </a:cxn>
+                      </a:cxnLst>
+                      <a:rect l="l" t="t" r="r" b="b"/>
+                      <a:pathLst>
+                        <a:path w="711200" h="385720">
+                          <a:moveTo>
+                            <a:pt x="0" y="382881"/>
+                          </a:moveTo>
+                          <a:cubicBezTo>
+                            <a:pt x="74612" y="386056"/>
+                            <a:pt x="149225" y="389231"/>
+                            <a:pt x="203200" y="376531"/>
+                          </a:cubicBezTo>
+                          <a:cubicBezTo>
+                            <a:pt x="257175" y="363831"/>
+                            <a:pt x="288925" y="337373"/>
+                            <a:pt x="323850" y="306681"/>
+                          </a:cubicBezTo>
+                          <a:cubicBezTo>
+                            <a:pt x="358775" y="275989"/>
+                            <a:pt x="389467" y="226248"/>
+                            <a:pt x="412750" y="192381"/>
+                          </a:cubicBezTo>
+                          <a:cubicBezTo>
+                            <a:pt x="436033" y="158514"/>
+                            <a:pt x="442383" y="130998"/>
+                            <a:pt x="463550" y="103481"/>
+                          </a:cubicBezTo>
+                          <a:cubicBezTo>
+                            <a:pt x="484717" y="75964"/>
+                            <a:pt x="512233" y="44214"/>
+                            <a:pt x="539750" y="27281"/>
+                          </a:cubicBezTo>
+                          <a:cubicBezTo>
+                            <a:pt x="567267" y="10348"/>
+                            <a:pt x="600075" y="6114"/>
+                            <a:pt x="628650" y="1881"/>
+                          </a:cubicBezTo>
+                          <a:cubicBezTo>
+                            <a:pt x="657225" y="-2352"/>
+                            <a:pt x="711200" y="1881"/>
+                            <a:pt x="711200" y="1881"/>
+                          </a:cubicBezTo>
+                        </a:path>
+                      </a:pathLst>
+                    </a:custGeom>
+                    <a:noFill/>
+                    <a:ln>
+                      <a:solidFill>
+                        <a:schemeClr val="accent6"/>
+                      </a:solidFill>
+                    </a:ln>
+                  </p:spPr>
+                  <p:style>
+                    <a:lnRef idx="2">
+                      <a:schemeClr val="accent1">
+                        <a:shade val="50000"/>
+                      </a:schemeClr>
+                    </a:lnRef>
+                    <a:fillRef idx="1">
+                      <a:schemeClr val="accent1"/>
+                    </a:fillRef>
+                    <a:effectRef idx="0">
+                      <a:schemeClr val="accent1"/>
+                    </a:effectRef>
+                    <a:fontRef idx="minor">
+                      <a:schemeClr val="lt1"/>
+                    </a:fontRef>
+                  </p:style>
+                  <p:txBody>
+                    <a:bodyPr rtlCol="0" anchor="ctr"/>
+                    <a:lstStyle/>
+                    <a:p>
+                      <a:pPr algn="ctr"/>
+                      <a:endParaRPr lang="en-US"/>
+                    </a:p>
+                  </p:txBody>
+                </p:sp>
+              </p:grpSp>
+              <p:grpSp>
+                <p:nvGrpSpPr>
+                  <p:cNvPr id="11" name="组合 87"/>
+                  <p:cNvGrpSpPr/>
+                  <p:nvPr/>
+                </p:nvGrpSpPr>
+                <p:grpSpPr>
+                  <a:xfrm rot="10800000" flipH="1">
+                    <a:off x="2154312" y="4125971"/>
+                    <a:ext cx="1285630" cy="343051"/>
+                    <a:chOff x="5088695" y="3092410"/>
+                    <a:chExt cx="1285630" cy="485488"/>
+                  </a:xfrm>
+                </p:grpSpPr>
+                <p:sp>
+                  <p:nvSpPr>
+                    <p:cNvPr id="28" name="任意多边形 88"/>
+                    <p:cNvSpPr/>
+                    <p:nvPr/>
+                  </p:nvSpPr>
+                  <p:spPr>
+                    <a:xfrm>
+                      <a:off x="5088695" y="3092410"/>
+                      <a:ext cx="805784" cy="477917"/>
+                    </a:xfrm>
+                    <a:custGeom>
+                      <a:avLst/>
+                      <a:gdLst>
+                        <a:gd name="connsiteX0" fmla="*/ 0 w 711200"/>
+                        <a:gd name="connsiteY0" fmla="*/ 382881 h 385720"/>
+                        <a:gd name="connsiteX1" fmla="*/ 203200 w 711200"/>
+                        <a:gd name="connsiteY1" fmla="*/ 376531 h 385720"/>
+                        <a:gd name="connsiteX2" fmla="*/ 323850 w 711200"/>
+                        <a:gd name="connsiteY2" fmla="*/ 306681 h 385720"/>
+                        <a:gd name="connsiteX3" fmla="*/ 412750 w 711200"/>
+                        <a:gd name="connsiteY3" fmla="*/ 192381 h 385720"/>
+                        <a:gd name="connsiteX4" fmla="*/ 463550 w 711200"/>
+                        <a:gd name="connsiteY4" fmla="*/ 103481 h 385720"/>
+                        <a:gd name="connsiteX5" fmla="*/ 539750 w 711200"/>
+                        <a:gd name="connsiteY5" fmla="*/ 27281 h 385720"/>
+                        <a:gd name="connsiteX6" fmla="*/ 628650 w 711200"/>
+                        <a:gd name="connsiteY6" fmla="*/ 1881 h 385720"/>
+                        <a:gd name="connsiteX7" fmla="*/ 711200 w 711200"/>
+                        <a:gd name="connsiteY7" fmla="*/ 1881 h 385720"/>
+                      </a:gdLst>
+                      <a:ahLst/>
+                      <a:cxnLst>
+                        <a:cxn ang="0">
+                          <a:pos x="connsiteX0" y="connsiteY0"/>
+                        </a:cxn>
+                        <a:cxn ang="0">
+                          <a:pos x="connsiteX1" y="connsiteY1"/>
+                        </a:cxn>
+                        <a:cxn ang="0">
+                          <a:pos x="connsiteX2" y="connsiteY2"/>
+                        </a:cxn>
+                        <a:cxn ang="0">
+                          <a:pos x="connsiteX3" y="connsiteY3"/>
+                        </a:cxn>
+                        <a:cxn ang="0">
+                          <a:pos x="connsiteX4" y="connsiteY4"/>
+                        </a:cxn>
+                        <a:cxn ang="0">
+                          <a:pos x="connsiteX5" y="connsiteY5"/>
+                        </a:cxn>
+                        <a:cxn ang="0">
+                          <a:pos x="connsiteX6" y="connsiteY6"/>
+                        </a:cxn>
+                        <a:cxn ang="0">
+                          <a:pos x="connsiteX7" y="connsiteY7"/>
+                        </a:cxn>
+                      </a:cxnLst>
+                      <a:rect l="l" t="t" r="r" b="b"/>
+                      <a:pathLst>
+                        <a:path w="711200" h="385720">
+                          <a:moveTo>
+                            <a:pt x="0" y="382881"/>
+                          </a:moveTo>
+                          <a:cubicBezTo>
+                            <a:pt x="74612" y="386056"/>
+                            <a:pt x="149225" y="389231"/>
+                            <a:pt x="203200" y="376531"/>
+                          </a:cubicBezTo>
+                          <a:cubicBezTo>
+                            <a:pt x="257175" y="363831"/>
+                            <a:pt x="288925" y="337373"/>
+                            <a:pt x="323850" y="306681"/>
+                          </a:cubicBezTo>
+                          <a:cubicBezTo>
+                            <a:pt x="358775" y="275989"/>
+                            <a:pt x="389467" y="226248"/>
+                            <a:pt x="412750" y="192381"/>
+                          </a:cubicBezTo>
+                          <a:cubicBezTo>
+                            <a:pt x="436033" y="158514"/>
+                            <a:pt x="442383" y="130998"/>
+                            <a:pt x="463550" y="103481"/>
+                          </a:cubicBezTo>
+                          <a:cubicBezTo>
+                            <a:pt x="484717" y="75964"/>
+                            <a:pt x="512233" y="44214"/>
+                            <a:pt x="539750" y="27281"/>
+                          </a:cubicBezTo>
+                          <a:cubicBezTo>
+                            <a:pt x="567267" y="10348"/>
+                            <a:pt x="600075" y="6114"/>
+                            <a:pt x="628650" y="1881"/>
+                          </a:cubicBezTo>
+                          <a:cubicBezTo>
+                            <a:pt x="657225" y="-2352"/>
+                            <a:pt x="711200" y="1881"/>
+                            <a:pt x="711200" y="1881"/>
+                          </a:cubicBezTo>
+                        </a:path>
+                      </a:pathLst>
+                    </a:custGeom>
+                    <a:noFill/>
+                    <a:ln>
+                      <a:solidFill>
+                        <a:schemeClr val="accent6"/>
+                      </a:solidFill>
+                    </a:ln>
+                  </p:spPr>
+                  <p:style>
+                    <a:lnRef idx="2">
+                      <a:schemeClr val="accent1">
+                        <a:shade val="50000"/>
+                      </a:schemeClr>
+                    </a:lnRef>
+                    <a:fillRef idx="1">
+                      <a:schemeClr val="accent1"/>
+                    </a:fillRef>
+                    <a:effectRef idx="0">
+                      <a:schemeClr val="accent1"/>
+                    </a:effectRef>
+                    <a:fontRef idx="minor">
+                      <a:schemeClr val="lt1"/>
+                    </a:fontRef>
+                  </p:style>
+                  <p:txBody>
+                    <a:bodyPr rtlCol="0" anchor="ctr"/>
+                    <a:lstStyle/>
+                    <a:p>
+                      <a:pPr algn="ctr"/>
+                      <a:endParaRPr lang="en-US"/>
+                    </a:p>
+                  </p:txBody>
+                </p:sp>
+                <p:sp>
+                  <p:nvSpPr>
+                    <p:cNvPr id="29" name="任意多边形 89"/>
+                    <p:cNvSpPr/>
+                    <p:nvPr/>
+                  </p:nvSpPr>
+                  <p:spPr>
+                    <a:xfrm flipH="1">
+                      <a:off x="5859137" y="3092419"/>
+                      <a:ext cx="515188" cy="485479"/>
+                    </a:xfrm>
+                    <a:custGeom>
+                      <a:avLst/>
+                      <a:gdLst>
+                        <a:gd name="connsiteX0" fmla="*/ 0 w 711200"/>
+                        <a:gd name="connsiteY0" fmla="*/ 382881 h 385720"/>
+                        <a:gd name="connsiteX1" fmla="*/ 203200 w 711200"/>
+                        <a:gd name="connsiteY1" fmla="*/ 376531 h 385720"/>
+                        <a:gd name="connsiteX2" fmla="*/ 323850 w 711200"/>
+                        <a:gd name="connsiteY2" fmla="*/ 306681 h 385720"/>
+                        <a:gd name="connsiteX3" fmla="*/ 412750 w 711200"/>
+                        <a:gd name="connsiteY3" fmla="*/ 192381 h 385720"/>
+                        <a:gd name="connsiteX4" fmla="*/ 463550 w 711200"/>
+                        <a:gd name="connsiteY4" fmla="*/ 103481 h 385720"/>
+                        <a:gd name="connsiteX5" fmla="*/ 539750 w 711200"/>
+                        <a:gd name="connsiteY5" fmla="*/ 27281 h 385720"/>
+                        <a:gd name="connsiteX6" fmla="*/ 628650 w 711200"/>
+                        <a:gd name="connsiteY6" fmla="*/ 1881 h 385720"/>
+                        <a:gd name="connsiteX7" fmla="*/ 711200 w 711200"/>
+                        <a:gd name="connsiteY7" fmla="*/ 1881 h 385720"/>
+                      </a:gdLst>
+                      <a:ahLst/>
+                      <a:cxnLst>
+                        <a:cxn ang="0">
+                          <a:pos x="connsiteX0" y="connsiteY0"/>
+                        </a:cxn>
+                        <a:cxn ang="0">
+                          <a:pos x="connsiteX1" y="connsiteY1"/>
+                        </a:cxn>
+                        <a:cxn ang="0">
+                          <a:pos x="connsiteX2" y="connsiteY2"/>
+                        </a:cxn>
+                        <a:cxn ang="0">
+                          <a:pos x="connsiteX3" y="connsiteY3"/>
+                        </a:cxn>
+                        <a:cxn ang="0">
+                          <a:pos x="connsiteX4" y="connsiteY4"/>
+                        </a:cxn>
+                        <a:cxn ang="0">
+                          <a:pos x="connsiteX5" y="connsiteY5"/>
+                        </a:cxn>
+                        <a:cxn ang="0">
+                          <a:pos x="connsiteX6" y="connsiteY6"/>
+                        </a:cxn>
+                        <a:cxn ang="0">
+                          <a:pos x="connsiteX7" y="connsiteY7"/>
+                        </a:cxn>
+                      </a:cxnLst>
+                      <a:rect l="l" t="t" r="r" b="b"/>
+                      <a:pathLst>
+                        <a:path w="711200" h="385720">
+                          <a:moveTo>
+                            <a:pt x="0" y="382881"/>
+                          </a:moveTo>
+                          <a:cubicBezTo>
+                            <a:pt x="74612" y="386056"/>
+                            <a:pt x="149225" y="389231"/>
+                            <a:pt x="203200" y="376531"/>
+                          </a:cubicBezTo>
+                          <a:cubicBezTo>
+                            <a:pt x="257175" y="363831"/>
+                            <a:pt x="288925" y="337373"/>
+                            <a:pt x="323850" y="306681"/>
+                          </a:cubicBezTo>
+                          <a:cubicBezTo>
+                            <a:pt x="358775" y="275989"/>
+                            <a:pt x="389467" y="226248"/>
+                            <a:pt x="412750" y="192381"/>
+                          </a:cubicBezTo>
+                          <a:cubicBezTo>
+                            <a:pt x="436033" y="158514"/>
+                            <a:pt x="442383" y="130998"/>
+                            <a:pt x="463550" y="103481"/>
+                          </a:cubicBezTo>
+                          <a:cubicBezTo>
+                            <a:pt x="484717" y="75964"/>
+                            <a:pt x="512233" y="44214"/>
+                            <a:pt x="539750" y="27281"/>
+                          </a:cubicBezTo>
+                          <a:cubicBezTo>
+                            <a:pt x="567267" y="10348"/>
+                            <a:pt x="600075" y="6114"/>
+                            <a:pt x="628650" y="1881"/>
+                          </a:cubicBezTo>
+                          <a:cubicBezTo>
+                            <a:pt x="657225" y="-2352"/>
+                            <a:pt x="711200" y="1881"/>
+                            <a:pt x="711200" y="1881"/>
+                          </a:cubicBezTo>
+                        </a:path>
+                      </a:pathLst>
+                    </a:custGeom>
+                    <a:noFill/>
+                    <a:ln>
+                      <a:solidFill>
+                        <a:schemeClr val="accent6"/>
+                      </a:solidFill>
+                    </a:ln>
+                  </p:spPr>
+                  <p:style>
+                    <a:lnRef idx="2">
+                      <a:schemeClr val="accent1">
+                        <a:shade val="50000"/>
+                      </a:schemeClr>
+                    </a:lnRef>
+                    <a:fillRef idx="1">
+                      <a:schemeClr val="accent1"/>
+                    </a:fillRef>
+                    <a:effectRef idx="0">
+                      <a:schemeClr val="accent1"/>
+                    </a:effectRef>
+                    <a:fontRef idx="minor">
+                      <a:schemeClr val="lt1"/>
+                    </a:fontRef>
+                  </p:style>
+                  <p:txBody>
+                    <a:bodyPr rtlCol="0" anchor="ctr"/>
+                    <a:lstStyle/>
+                    <a:p>
+                      <a:pPr algn="ctr"/>
+                      <a:endParaRPr lang="en-US"/>
+                    </a:p>
+                  </p:txBody>
+                </p:sp>
+              </p:grpSp>
+              <p:grpSp>
+                <p:nvGrpSpPr>
+                  <p:cNvPr id="12" name="Group 11"/>
+                  <p:cNvGrpSpPr/>
+                  <p:nvPr/>
+                </p:nvGrpSpPr>
+                <p:grpSpPr>
+                  <a:xfrm flipH="1">
+                    <a:off x="1376818" y="2447568"/>
+                    <a:ext cx="2503319" cy="2462716"/>
+                    <a:chOff x="986082" y="2447568"/>
+                    <a:chExt cx="2503319" cy="2462716"/>
                   </a:xfrm>
                 </p:grpSpPr>
                 <p:cxnSp>
                   <p:nvCxnSpPr>
-                    <p:cNvPr id="18" name="直接连接符 58"/>
+                    <p:cNvPr id="15" name="Straight Connector 14"/>
                     <p:cNvCxnSpPr/>
                     <p:nvPr/>
                   </p:nvCxnSpPr>
                   <p:spPr>
                     <a:xfrm>
-                      <a:off x="1167109" y="3249642"/>
-                      <a:ext cx="1959208" cy="0"/>
+                      <a:off x="1657350" y="3898900"/>
+                      <a:ext cx="1140084" cy="161925"/>
                     </a:xfrm>
                     <a:prstGeom prst="line">
                       <a:avLst/>
@@ -3927,16 +3910,785 @@
                 </p:cxnSp>
                 <p:cxnSp>
                   <p:nvCxnSpPr>
-                    <p:cNvPr id="19" name="直接连接符 59"/>
-                    <p:cNvCxnSpPr>
-                      <a:stCxn id="7" idx="3"/>
-                    </p:cNvCxnSpPr>
+                    <p:cNvPr id="16" name="Straight Connector 15"/>
+                    <p:cNvCxnSpPr/>
                     <p:nvPr/>
                   </p:nvCxnSpPr>
                   <p:spPr>
-                    <a:xfrm flipV="1">
-                      <a:off x="1192123" y="4128496"/>
-                      <a:ext cx="1978202" cy="707"/>
+                    <a:xfrm flipH="1" flipV="1">
+                      <a:off x="1211117" y="2447568"/>
+                      <a:ext cx="463969" cy="70362"/>
+                    </a:xfrm>
+                    <a:prstGeom prst="line">
+                      <a:avLst/>
+                    </a:prstGeom>
+                    <a:ln>
+                      <a:solidFill>
+                        <a:schemeClr val="tx1"/>
+                      </a:solidFill>
+                    </a:ln>
+                  </p:spPr>
+                  <p:style>
+                    <a:lnRef idx="1">
+                      <a:schemeClr val="accent1"/>
+                    </a:lnRef>
+                    <a:fillRef idx="0">
+                      <a:schemeClr val="accent1"/>
+                    </a:fillRef>
+                    <a:effectRef idx="0">
+                      <a:schemeClr val="accent1"/>
+                    </a:effectRef>
+                    <a:fontRef idx="minor">
+                      <a:schemeClr val="tx1"/>
+                    </a:fontRef>
+                  </p:style>
+                </p:cxnSp>
+                <p:grpSp>
+                  <p:nvGrpSpPr>
+                    <p:cNvPr id="17" name="Group 16"/>
+                    <p:cNvGrpSpPr/>
+                    <p:nvPr/>
+                  </p:nvGrpSpPr>
+                  <p:grpSpPr>
+                    <a:xfrm>
+                      <a:off x="986082" y="2517930"/>
+                      <a:ext cx="2503319" cy="2392354"/>
+                      <a:chOff x="986082" y="2517930"/>
+                      <a:chExt cx="2503319" cy="2392354"/>
+                    </a:xfrm>
+                  </p:grpSpPr>
+                  <p:cxnSp>
+                    <p:nvCxnSpPr>
+                      <p:cNvPr id="18" name="直接连接符 58"/>
+                      <p:cNvCxnSpPr/>
+                      <p:nvPr/>
+                    </p:nvCxnSpPr>
+                    <p:spPr>
+                      <a:xfrm>
+                        <a:off x="1167109" y="3249642"/>
+                        <a:ext cx="1959208" cy="0"/>
+                      </a:xfrm>
+                      <a:prstGeom prst="line">
+                        <a:avLst/>
+                      </a:prstGeom>
+                      <a:ln>
+                        <a:solidFill>
+                          <a:schemeClr val="tx1"/>
+                        </a:solidFill>
+                      </a:ln>
+                    </p:spPr>
+                    <p:style>
+                      <a:lnRef idx="1">
+                        <a:schemeClr val="accent1"/>
+                      </a:lnRef>
+                      <a:fillRef idx="0">
+                        <a:schemeClr val="accent1"/>
+                      </a:fillRef>
+                      <a:effectRef idx="0">
+                        <a:schemeClr val="accent1"/>
+                      </a:effectRef>
+                      <a:fontRef idx="minor">
+                        <a:schemeClr val="tx1"/>
+                      </a:fontRef>
+                    </p:style>
+                  </p:cxnSp>
+                  <p:cxnSp>
+                    <p:nvCxnSpPr>
+                      <p:cNvPr id="19" name="直接连接符 59"/>
+                      <p:cNvCxnSpPr>
+                        <a:stCxn id="7" idx="3"/>
+                      </p:cNvCxnSpPr>
+                      <p:nvPr/>
+                    </p:nvCxnSpPr>
+                    <p:spPr>
+                      <a:xfrm flipV="1">
+                        <a:off x="1192123" y="4128496"/>
+                        <a:ext cx="1978202" cy="707"/>
+                      </a:xfrm>
+                      <a:prstGeom prst="line">
+                        <a:avLst/>
+                      </a:prstGeom>
+                      <a:ln>
+                        <a:solidFill>
+                          <a:schemeClr val="tx1"/>
+                        </a:solidFill>
+                      </a:ln>
+                    </p:spPr>
+                    <p:style>
+                      <a:lnRef idx="1">
+                        <a:schemeClr val="accent1"/>
+                      </a:lnRef>
+                      <a:fillRef idx="0">
+                        <a:schemeClr val="accent1"/>
+                      </a:fillRef>
+                      <a:effectRef idx="0">
+                        <a:schemeClr val="accent1"/>
+                      </a:effectRef>
+                      <a:fontRef idx="minor">
+                        <a:schemeClr val="tx1"/>
+                      </a:fontRef>
+                    </p:style>
+                  </p:cxnSp>
+                  <p:cxnSp>
+                    <p:nvCxnSpPr>
+                      <p:cNvPr id="20" name="Straight Connector 19"/>
+                      <p:cNvCxnSpPr/>
+                      <p:nvPr/>
+                    </p:nvCxnSpPr>
+                    <p:spPr>
+                      <a:xfrm>
+                        <a:off x="1657924" y="3892550"/>
+                        <a:ext cx="0" cy="793750"/>
+                      </a:xfrm>
+                      <a:prstGeom prst="line">
+                        <a:avLst/>
+                      </a:prstGeom>
+                      <a:ln>
+                        <a:solidFill>
+                          <a:schemeClr val="tx1"/>
+                        </a:solidFill>
+                      </a:ln>
+                    </p:spPr>
+                    <p:style>
+                      <a:lnRef idx="1">
+                        <a:schemeClr val="accent1"/>
+                      </a:lnRef>
+                      <a:fillRef idx="0">
+                        <a:schemeClr val="accent1"/>
+                      </a:fillRef>
+                      <a:effectRef idx="0">
+                        <a:schemeClr val="accent1"/>
+                      </a:effectRef>
+                      <a:fontRef idx="minor">
+                        <a:schemeClr val="tx1"/>
+                      </a:fontRef>
+                    </p:style>
+                  </p:cxnSp>
+                  <p:cxnSp>
+                    <p:nvCxnSpPr>
+                      <p:cNvPr id="21" name="Straight Connector 20"/>
+                      <p:cNvCxnSpPr/>
+                      <p:nvPr/>
+                    </p:nvCxnSpPr>
+                    <p:spPr>
+                      <a:xfrm>
+                        <a:off x="986082" y="4594225"/>
+                        <a:ext cx="671268" cy="92075"/>
+                      </a:xfrm>
+                      <a:prstGeom prst="line">
+                        <a:avLst/>
+                      </a:prstGeom>
+                      <a:ln>
+                        <a:solidFill>
+                          <a:schemeClr val="tx1"/>
+                        </a:solidFill>
+                      </a:ln>
+                    </p:spPr>
+                    <p:style>
+                      <a:lnRef idx="1">
+                        <a:schemeClr val="accent1"/>
+                      </a:lnRef>
+                      <a:fillRef idx="0">
+                        <a:schemeClr val="accent1"/>
+                      </a:fillRef>
+                      <a:effectRef idx="0">
+                        <a:schemeClr val="accent1"/>
+                      </a:effectRef>
+                      <a:fontRef idx="minor">
+                        <a:schemeClr val="tx1"/>
+                      </a:fontRef>
+                    </p:style>
+                  </p:cxnSp>
+                  <p:cxnSp>
+                    <p:nvCxnSpPr>
+                      <p:cNvPr id="22" name="Straight Connector 21"/>
+                      <p:cNvCxnSpPr/>
+                      <p:nvPr/>
+                    </p:nvCxnSpPr>
+                    <p:spPr>
+                      <a:xfrm>
+                        <a:off x="2799860" y="4060825"/>
+                        <a:ext cx="0" cy="790575"/>
+                      </a:xfrm>
+                      <a:prstGeom prst="line">
+                        <a:avLst/>
+                      </a:prstGeom>
+                      <a:ln>
+                        <a:solidFill>
+                          <a:schemeClr val="tx1"/>
+                        </a:solidFill>
+                      </a:ln>
+                    </p:spPr>
+                    <p:style>
+                      <a:lnRef idx="1">
+                        <a:schemeClr val="accent1"/>
+                      </a:lnRef>
+                      <a:fillRef idx="0">
+                        <a:schemeClr val="accent1"/>
+                      </a:fillRef>
+                      <a:effectRef idx="0">
+                        <a:schemeClr val="accent1"/>
+                      </a:effectRef>
+                      <a:fontRef idx="minor">
+                        <a:schemeClr val="tx1"/>
+                      </a:fontRef>
+                    </p:style>
+                  </p:cxnSp>
+                  <p:cxnSp>
+                    <p:nvCxnSpPr>
+                      <p:cNvPr id="23" name="Straight Connector 22"/>
+                      <p:cNvCxnSpPr/>
+                      <p:nvPr/>
+                    </p:nvCxnSpPr>
+                    <p:spPr>
+                      <a:xfrm>
+                        <a:off x="2797434" y="4851400"/>
+                        <a:ext cx="472816" cy="58884"/>
+                      </a:xfrm>
+                      <a:prstGeom prst="line">
+                        <a:avLst/>
+                      </a:prstGeom>
+                      <a:ln>
+                        <a:solidFill>
+                          <a:schemeClr val="tx1"/>
+                        </a:solidFill>
+                      </a:ln>
+                    </p:spPr>
+                    <p:style>
+                      <a:lnRef idx="1">
+                        <a:schemeClr val="accent1"/>
+                      </a:lnRef>
+                      <a:fillRef idx="0">
+                        <a:schemeClr val="accent1"/>
+                      </a:fillRef>
+                      <a:effectRef idx="0">
+                        <a:schemeClr val="accent1"/>
+                      </a:effectRef>
+                      <a:fontRef idx="minor">
+                        <a:schemeClr val="tx1"/>
+                      </a:fontRef>
+                    </p:style>
+                  </p:cxnSp>
+                  <p:cxnSp>
+                    <p:nvCxnSpPr>
+                      <p:cNvPr id="24" name="Straight Connector 23"/>
+                      <p:cNvCxnSpPr/>
+                      <p:nvPr/>
+                    </p:nvCxnSpPr>
+                    <p:spPr>
+                      <a:xfrm flipV="1">
+                        <a:off x="1670601" y="2517930"/>
+                        <a:ext cx="0" cy="772565"/>
+                      </a:xfrm>
+                      <a:prstGeom prst="line">
+                        <a:avLst/>
+                      </a:prstGeom>
+                      <a:ln>
+                        <a:solidFill>
+                          <a:schemeClr val="tx1"/>
+                        </a:solidFill>
+                      </a:ln>
+                    </p:spPr>
+                    <p:style>
+                      <a:lnRef idx="1">
+                        <a:schemeClr val="accent1"/>
+                      </a:lnRef>
+                      <a:fillRef idx="0">
+                        <a:schemeClr val="accent1"/>
+                      </a:fillRef>
+                      <a:effectRef idx="0">
+                        <a:schemeClr val="accent1"/>
+                      </a:effectRef>
+                      <a:fontRef idx="minor">
+                        <a:schemeClr val="tx1"/>
+                      </a:fontRef>
+                    </p:style>
+                  </p:cxnSp>
+                  <p:cxnSp>
+                    <p:nvCxnSpPr>
+                      <p:cNvPr id="25" name="Straight Connector 24"/>
+                      <p:cNvCxnSpPr/>
+                      <p:nvPr/>
+                    </p:nvCxnSpPr>
+                    <p:spPr>
+                      <a:xfrm flipV="1">
+                        <a:off x="2809339" y="2669023"/>
+                        <a:ext cx="0" cy="780132"/>
+                      </a:xfrm>
+                      <a:prstGeom prst="line">
+                        <a:avLst/>
+                      </a:prstGeom>
+                      <a:ln>
+                        <a:solidFill>
+                          <a:schemeClr val="tx1"/>
+                        </a:solidFill>
+                      </a:ln>
+                    </p:spPr>
+                    <p:style>
+                      <a:lnRef idx="1">
+                        <a:schemeClr val="accent1"/>
+                      </a:lnRef>
+                      <a:fillRef idx="0">
+                        <a:schemeClr val="accent1"/>
+                      </a:fillRef>
+                      <a:effectRef idx="0">
+                        <a:schemeClr val="accent1"/>
+                      </a:effectRef>
+                      <a:fontRef idx="minor">
+                        <a:schemeClr val="tx1"/>
+                      </a:fontRef>
+                    </p:style>
+                  </p:cxnSp>
+                  <p:cxnSp>
+                    <p:nvCxnSpPr>
+                      <p:cNvPr id="26" name="Straight Connector 25"/>
+                      <p:cNvCxnSpPr/>
+                      <p:nvPr/>
+                    </p:nvCxnSpPr>
+                    <p:spPr>
+                      <a:xfrm flipH="1" flipV="1">
+                        <a:off x="2809339" y="2669023"/>
+                        <a:ext cx="680062" cy="100324"/>
+                      </a:xfrm>
+                      <a:prstGeom prst="line">
+                        <a:avLst/>
+                      </a:prstGeom>
+                      <a:ln>
+                        <a:solidFill>
+                          <a:schemeClr val="tx1"/>
+                        </a:solidFill>
+                      </a:ln>
+                    </p:spPr>
+                    <p:style>
+                      <a:lnRef idx="1">
+                        <a:schemeClr val="accent1"/>
+                      </a:lnRef>
+                      <a:fillRef idx="0">
+                        <a:schemeClr val="accent1"/>
+                      </a:fillRef>
+                      <a:effectRef idx="0">
+                        <a:schemeClr val="accent1"/>
+                      </a:effectRef>
+                      <a:fontRef idx="minor">
+                        <a:schemeClr val="tx1"/>
+                      </a:fontRef>
+                    </p:style>
+                  </p:cxnSp>
+                  <p:cxnSp>
+                    <p:nvCxnSpPr>
+                      <p:cNvPr id="27" name="Straight Connector 26"/>
+                      <p:cNvCxnSpPr/>
+                      <p:nvPr/>
+                    </p:nvCxnSpPr>
+                    <p:spPr>
+                      <a:xfrm>
+                        <a:off x="1675086" y="3287922"/>
+                        <a:ext cx="1134253" cy="158852"/>
+                      </a:xfrm>
+                      <a:prstGeom prst="line">
+                        <a:avLst/>
+                      </a:prstGeom>
+                      <a:ln>
+                        <a:solidFill>
+                          <a:schemeClr val="tx1"/>
+                        </a:solidFill>
+                      </a:ln>
+                    </p:spPr>
+                    <p:style>
+                      <a:lnRef idx="1">
+                        <a:schemeClr val="accent1"/>
+                      </a:lnRef>
+                      <a:fillRef idx="0">
+                        <a:schemeClr val="accent1"/>
+                      </a:fillRef>
+                      <a:effectRef idx="0">
+                        <a:schemeClr val="accent1"/>
+                      </a:effectRef>
+                      <a:fontRef idx="minor">
+                        <a:schemeClr val="tx1"/>
+                      </a:fontRef>
+                    </p:style>
+                  </p:cxnSp>
+                </p:grpSp>
+              </p:grpSp>
+              <p:cxnSp>
+                <p:nvCxnSpPr>
+                  <p:cNvPr id="13" name="Straight Arrow Connector 12"/>
+                  <p:cNvCxnSpPr/>
+                  <p:nvPr/>
+                </p:nvCxnSpPr>
+                <p:spPr>
+                  <a:xfrm flipH="1">
+                    <a:off x="2624007" y="3378438"/>
+                    <a:ext cx="0" cy="601424"/>
+                  </a:xfrm>
+                  <a:prstGeom prst="straightConnector1">
+                    <a:avLst/>
+                  </a:prstGeom>
+                  <a:ln>
+                    <a:solidFill>
+                      <a:schemeClr val="tx1"/>
+                    </a:solidFill>
+                    <a:headEnd type="triangle"/>
+                    <a:tailEnd type="triangle"/>
+                  </a:ln>
+                </p:spPr>
+                <p:style>
+                  <a:lnRef idx="1">
+                    <a:schemeClr val="accent1"/>
+                  </a:lnRef>
+                  <a:fillRef idx="0">
+                    <a:schemeClr val="accent1"/>
+                  </a:fillRef>
+                  <a:effectRef idx="0">
+                    <a:schemeClr val="accent1"/>
+                  </a:effectRef>
+                  <a:fontRef idx="minor">
+                    <a:schemeClr val="tx1"/>
+                  </a:fontRef>
+                </p:style>
+              </p:cxnSp>
+              <p:sp>
+                <p:nvSpPr>
+                  <p:cNvPr id="14" name="TextBox 13"/>
+                  <p:cNvSpPr txBox="1"/>
+                  <p:nvPr/>
+                </p:nvSpPr>
+                <p:spPr>
+                  <a:xfrm flipH="1">
+                    <a:off x="2480471" y="3507744"/>
+                    <a:ext cx="445820" cy="369332"/>
+                  </a:xfrm>
+                  <a:prstGeom prst="rect">
+                    <a:avLst/>
+                  </a:prstGeom>
+                  <a:solidFill>
+                    <a:schemeClr val="bg1"/>
+                  </a:solidFill>
+                </p:spPr>
+                <p:txBody>
+                  <a:bodyPr wrap="square" rtlCol="0">
+                    <a:spAutoFit/>
+                  </a:bodyPr>
+                  <a:lstStyle/>
+                  <a:p>
+                    <a:r>
+                      <a:rPr lang="en-US" altLang="zh-CN" i="1" dirty="0" err="1" smtClean="0"/>
+                      <a:t>E</a:t>
+                    </a:r>
+                    <a:r>
+                      <a:rPr lang="en-US" altLang="zh-CN" i="1" baseline="-25000" dirty="0" err="1" smtClean="0"/>
+                      <a:t>g</a:t>
+                    </a:r>
+                    <a:endParaRPr lang="en-US" i="1" baseline="-25000" dirty="0"/>
+                  </a:p>
+                </p:txBody>
+              </p:sp>
+              <p:sp>
+                <p:nvSpPr>
+                  <p:cNvPr id="58" name="TextBox 57"/>
+                  <p:cNvSpPr txBox="1"/>
+                  <p:nvPr/>
+                </p:nvSpPr>
+                <p:spPr>
+                  <a:xfrm flipH="1">
+                    <a:off x="1987627" y="3526247"/>
+                    <a:ext cx="509372" cy="369332"/>
+                  </a:xfrm>
+                  <a:prstGeom prst="rect">
+                    <a:avLst/>
+                  </a:prstGeom>
+                  <a:solidFill>
+                    <a:schemeClr val="bg1"/>
+                  </a:solidFill>
+                </p:spPr>
+                <p:txBody>
+                  <a:bodyPr wrap="square" rtlCol="0">
+                    <a:spAutoFit/>
+                  </a:bodyPr>
+                  <a:lstStyle/>
+                  <a:p>
+                    <a:r>
+                      <a:rPr lang="en-US" altLang="zh-CN" i="1" dirty="0" err="1" smtClean="0">
+                        <a:latin typeface="Times New Roman" panose="02020603050405020304" pitchFamily="18" charset="0"/>
+                        <a:cs typeface="Times New Roman" panose="02020603050405020304" pitchFamily="18" charset="0"/>
+                      </a:rPr>
+                      <a:t>E</a:t>
+                    </a:r>
+                    <a:r>
+                      <a:rPr lang="en-US" altLang="zh-CN" i="1" baseline="-25000" dirty="0" err="1" smtClean="0">
+                        <a:latin typeface="Times New Roman" panose="02020603050405020304" pitchFamily="18" charset="0"/>
+                        <a:cs typeface="Times New Roman" panose="02020603050405020304" pitchFamily="18" charset="0"/>
+                      </a:rPr>
+                      <a:t>hv</a:t>
+                    </a:r>
+                    <a:endParaRPr lang="en-US" i="1" baseline="-25000" dirty="0">
+                      <a:latin typeface="Times New Roman" panose="02020603050405020304" pitchFamily="18" charset="0"/>
+                      <a:cs typeface="Times New Roman" panose="02020603050405020304" pitchFamily="18" charset="0"/>
+                    </a:endParaRPr>
+                  </a:p>
+                </p:txBody>
+              </p:sp>
+            </p:grpSp>
+            <p:cxnSp>
+              <p:nvCxnSpPr>
+                <p:cNvPr id="55" name="Straight Arrow Connector 54"/>
+                <p:cNvCxnSpPr/>
+                <p:nvPr/>
+              </p:nvCxnSpPr>
+              <p:spPr>
+                <a:xfrm>
+                  <a:off x="3632019" y="2216075"/>
+                  <a:ext cx="745114" cy="0"/>
+                </a:xfrm>
+                <a:prstGeom prst="straightConnector1">
+                  <a:avLst/>
+                </a:prstGeom>
+                <a:ln>
+                  <a:solidFill>
+                    <a:schemeClr val="tx1"/>
+                  </a:solidFill>
+                  <a:tailEnd type="triangle"/>
+                </a:ln>
+              </p:spPr>
+              <p:style>
+                <a:lnRef idx="1">
+                  <a:schemeClr val="accent1"/>
+                </a:lnRef>
+                <a:fillRef idx="0">
+                  <a:schemeClr val="accent1"/>
+                </a:fillRef>
+                <a:effectRef idx="0">
+                  <a:schemeClr val="accent1"/>
+                </a:effectRef>
+                <a:fontRef idx="minor">
+                  <a:schemeClr val="tx1"/>
+                </a:fontRef>
+              </p:style>
+            </p:cxnSp>
+          </p:grpSp>
+          <p:grpSp>
+            <p:nvGrpSpPr>
+              <p:cNvPr id="64" name="Group 63"/>
+              <p:cNvGrpSpPr/>
+              <p:nvPr/>
+            </p:nvGrpSpPr>
+            <p:grpSpPr>
+              <a:xfrm>
+                <a:off x="3041337" y="1789666"/>
+                <a:ext cx="2599675" cy="2863036"/>
+                <a:chOff x="6462269" y="1864938"/>
+                <a:chExt cx="2599675" cy="2863036"/>
+              </a:xfrm>
+            </p:grpSpPr>
+            <p:grpSp>
+              <p:nvGrpSpPr>
+                <p:cNvPr id="32" name="Group 31"/>
+                <p:cNvGrpSpPr/>
+                <p:nvPr/>
+              </p:nvGrpSpPr>
+              <p:grpSpPr>
+                <a:xfrm>
+                  <a:off x="6462269" y="1864938"/>
+                  <a:ext cx="2599675" cy="2863036"/>
+                  <a:chOff x="4691526" y="1891485"/>
+                  <a:chExt cx="2599675" cy="2863036"/>
+                </a:xfrm>
+              </p:grpSpPr>
+              <p:grpSp>
+                <p:nvGrpSpPr>
+                  <p:cNvPr id="33" name="组合 54"/>
+                  <p:cNvGrpSpPr/>
+                  <p:nvPr/>
+                </p:nvGrpSpPr>
+                <p:grpSpPr>
+                  <a:xfrm>
+                    <a:off x="4691526" y="2567258"/>
+                    <a:ext cx="2599675" cy="2187263"/>
+                    <a:chOff x="4501026" y="2975020"/>
+                    <a:chExt cx="2599675" cy="2187263"/>
+                  </a:xfrm>
+                </p:grpSpPr>
+                <p:grpSp>
+                  <p:nvGrpSpPr>
+                    <p:cNvPr id="43" name="组合 38"/>
+                    <p:cNvGrpSpPr/>
+                    <p:nvPr/>
+                  </p:nvGrpSpPr>
+                  <p:grpSpPr>
+                    <a:xfrm>
+                      <a:off x="4572000" y="2975020"/>
+                      <a:ext cx="2292440" cy="772733"/>
+                      <a:chOff x="1403797" y="2099256"/>
+                      <a:chExt cx="2292440" cy="772733"/>
+                    </a:xfrm>
+                  </p:grpSpPr>
+                  <p:cxnSp>
+                    <p:nvCxnSpPr>
+                      <p:cNvPr id="53" name="肘形连接符 36"/>
+                      <p:cNvCxnSpPr/>
+                      <p:nvPr/>
+                    </p:nvCxnSpPr>
+                    <p:spPr>
+                      <a:xfrm>
+                        <a:off x="1403797" y="2099256"/>
+                        <a:ext cx="1146220" cy="772733"/>
+                      </a:xfrm>
+                      <a:prstGeom prst="bentConnector3">
+                        <a:avLst/>
+                      </a:prstGeom>
+                      <a:ln>
+                        <a:solidFill>
+                          <a:schemeClr val="tx1"/>
+                        </a:solidFill>
+                      </a:ln>
+                    </p:spPr>
+                    <p:style>
+                      <a:lnRef idx="1">
+                        <a:schemeClr val="accent1"/>
+                      </a:lnRef>
+                      <a:fillRef idx="0">
+                        <a:schemeClr val="accent1"/>
+                      </a:fillRef>
+                      <a:effectRef idx="0">
+                        <a:schemeClr val="accent1"/>
+                      </a:effectRef>
+                      <a:fontRef idx="minor">
+                        <a:schemeClr val="tx1"/>
+                      </a:fontRef>
+                    </p:style>
+                  </p:cxnSp>
+                  <p:cxnSp>
+                    <p:nvCxnSpPr>
+                      <p:cNvPr id="54" name="肘形连接符 37"/>
+                      <p:cNvCxnSpPr/>
+                      <p:nvPr/>
+                    </p:nvCxnSpPr>
+                    <p:spPr>
+                      <a:xfrm flipH="1">
+                        <a:off x="2550017" y="2099256"/>
+                        <a:ext cx="1146220" cy="772733"/>
+                      </a:xfrm>
+                      <a:prstGeom prst="bentConnector3">
+                        <a:avLst/>
+                      </a:prstGeom>
+                      <a:ln>
+                        <a:solidFill>
+                          <a:schemeClr val="tx1"/>
+                        </a:solidFill>
+                      </a:ln>
+                    </p:spPr>
+                    <p:style>
+                      <a:lnRef idx="1">
+                        <a:schemeClr val="accent1"/>
+                      </a:lnRef>
+                      <a:fillRef idx="0">
+                        <a:schemeClr val="accent1"/>
+                      </a:fillRef>
+                      <a:effectRef idx="0">
+                        <a:schemeClr val="accent1"/>
+                      </a:effectRef>
+                      <a:fontRef idx="minor">
+                        <a:schemeClr val="tx1"/>
+                      </a:fontRef>
+                    </p:style>
+                  </p:cxnSp>
+                </p:grpSp>
+                <p:grpSp>
+                  <p:nvGrpSpPr>
+                    <p:cNvPr id="44" name="组合 39"/>
+                    <p:cNvGrpSpPr/>
+                    <p:nvPr/>
+                  </p:nvGrpSpPr>
+                  <p:grpSpPr>
+                    <a:xfrm rot="10800000">
+                      <a:off x="4572000" y="4389550"/>
+                      <a:ext cx="2292440" cy="772733"/>
+                      <a:chOff x="1403797" y="2099256"/>
+                      <a:chExt cx="2292440" cy="772733"/>
+                    </a:xfrm>
+                  </p:grpSpPr>
+                  <p:cxnSp>
+                    <p:nvCxnSpPr>
+                      <p:cNvPr id="51" name="肘形连接符 40"/>
+                      <p:cNvCxnSpPr/>
+                      <p:nvPr/>
+                    </p:nvCxnSpPr>
+                    <p:spPr>
+                      <a:xfrm>
+                        <a:off x="1403797" y="2099256"/>
+                        <a:ext cx="1146220" cy="772733"/>
+                      </a:xfrm>
+                      <a:prstGeom prst="bentConnector3">
+                        <a:avLst/>
+                      </a:prstGeom>
+                      <a:ln>
+                        <a:solidFill>
+                          <a:schemeClr val="tx1"/>
+                        </a:solidFill>
+                      </a:ln>
+                    </p:spPr>
+                    <p:style>
+                      <a:lnRef idx="1">
+                        <a:schemeClr val="accent1"/>
+                      </a:lnRef>
+                      <a:fillRef idx="0">
+                        <a:schemeClr val="accent1"/>
+                      </a:fillRef>
+                      <a:effectRef idx="0">
+                        <a:schemeClr val="accent1"/>
+                      </a:effectRef>
+                      <a:fontRef idx="minor">
+                        <a:schemeClr val="tx1"/>
+                      </a:fontRef>
+                    </p:style>
+                  </p:cxnSp>
+                  <p:cxnSp>
+                    <p:nvCxnSpPr>
+                      <p:cNvPr id="52" name="肘形连接符 41"/>
+                      <p:cNvCxnSpPr/>
+                      <p:nvPr/>
+                    </p:nvCxnSpPr>
+                    <p:spPr>
+                      <a:xfrm flipH="1">
+                        <a:off x="2550017" y="2099256"/>
+                        <a:ext cx="1146220" cy="772733"/>
+                      </a:xfrm>
+                      <a:prstGeom prst="bentConnector3">
+                        <a:avLst/>
+                      </a:prstGeom>
+                      <a:ln>
+                        <a:solidFill>
+                          <a:schemeClr val="tx1"/>
+                        </a:solidFill>
+                      </a:ln>
+                    </p:spPr>
+                    <p:style>
+                      <a:lnRef idx="1">
+                        <a:schemeClr val="accent1"/>
+                      </a:lnRef>
+                      <a:fillRef idx="0">
+                        <a:schemeClr val="accent1"/>
+                      </a:fillRef>
+                      <a:effectRef idx="0">
+                        <a:schemeClr val="accent1"/>
+                      </a:effectRef>
+                      <a:fontRef idx="minor">
+                        <a:schemeClr val="tx1"/>
+                      </a:fontRef>
+                    </p:style>
+                  </p:cxnSp>
+                </p:grpSp>
+                <p:cxnSp>
+                  <p:nvCxnSpPr>
+                    <p:cNvPr id="45" name="直接连接符 43"/>
+                    <p:cNvCxnSpPr/>
+                    <p:nvPr/>
+                  </p:nvCxnSpPr>
+                  <p:spPr>
+                    <a:xfrm>
+                      <a:off x="4889499" y="3567448"/>
+                      <a:ext cx="1645920" cy="0"/>
                     </a:xfrm>
                     <a:prstGeom prst="line">
                       <a:avLst/>
@@ -3964,14 +4716,16 @@
                 </p:cxnSp>
                 <p:cxnSp>
                   <p:nvCxnSpPr>
-                    <p:cNvPr id="20" name="Straight Connector 19"/>
-                    <p:cNvCxnSpPr/>
+                    <p:cNvPr id="46" name="直接连接符 44"/>
+                    <p:cNvCxnSpPr>
+                      <a:endCxn id="48" idx="1"/>
+                    </p:cNvCxnSpPr>
                     <p:nvPr/>
                   </p:nvCxnSpPr>
                   <p:spPr>
                     <a:xfrm>
-                      <a:off x="1657924" y="3892550"/>
-                      <a:ext cx="0" cy="793750"/>
+                      <a:off x="4787900" y="4574216"/>
+                      <a:ext cx="1733010" cy="0"/>
                     </a:xfrm>
                     <a:prstGeom prst="line">
                       <a:avLst/>
@@ -3997,24 +4751,95 @@
                     </a:fontRef>
                   </p:style>
                 </p:cxnSp>
+                <p:sp>
+                  <p:nvSpPr>
+                    <p:cNvPr id="47" name="文本框 45"/>
+                    <p:cNvSpPr txBox="1"/>
+                    <p:nvPr/>
+                  </p:nvSpPr>
+                  <p:spPr>
+                    <a:xfrm>
+                      <a:off x="6519879" y="3391611"/>
+                      <a:ext cx="540913" cy="369332"/>
+                    </a:xfrm>
+                    <a:prstGeom prst="rect">
+                      <a:avLst/>
+                    </a:prstGeom>
+                    <a:noFill/>
+                  </p:spPr>
+                  <p:txBody>
+                    <a:bodyPr wrap="square" rtlCol="0">
+                      <a:spAutoFit/>
+                    </a:bodyPr>
+                    <a:lstStyle/>
+                    <a:p>
+                      <a:r>
+                        <a:rPr lang="en-US" altLang="zh-CN" i="1" dirty="0" smtClean="0"/>
+                        <a:t>E</a:t>
+                      </a:r>
+                      <a:r>
+                        <a:rPr lang="en-US" altLang="zh-CN" i="1" baseline="-25000" dirty="0" smtClean="0"/>
+                        <a:t>e1</a:t>
+                      </a:r>
+                      <a:endParaRPr lang="en-US" i="1" baseline="-25000" dirty="0"/>
+                    </a:p>
+                  </p:txBody>
+                </p:sp>
+                <p:sp>
+                  <p:nvSpPr>
+                    <p:cNvPr id="48" name="文本框 46"/>
+                    <p:cNvSpPr txBox="1"/>
+                    <p:nvPr/>
+                  </p:nvSpPr>
+                  <p:spPr>
+                    <a:xfrm>
+                      <a:off x="6520910" y="4389550"/>
+                      <a:ext cx="579791" cy="369332"/>
+                    </a:xfrm>
+                    <a:prstGeom prst="rect">
+                      <a:avLst/>
+                    </a:prstGeom>
+                    <a:noFill/>
+                  </p:spPr>
+                  <p:txBody>
+                    <a:bodyPr wrap="square" rtlCol="0">
+                      <a:spAutoFit/>
+                    </a:bodyPr>
+                    <a:lstStyle/>
+                    <a:p>
+                      <a:r>
+                        <a:rPr lang="en-US" altLang="zh-CN" i="1" dirty="0" smtClean="0"/>
+                        <a:t>E</a:t>
+                      </a:r>
+                      <a:r>
+                        <a:rPr lang="en-US" altLang="zh-CN" i="1" baseline="-25000" dirty="0" smtClean="0"/>
+                        <a:t>hh1</a:t>
+                      </a:r>
+                      <a:endParaRPr lang="en-US" i="1" baseline="-25000" dirty="0"/>
+                    </a:p>
+                  </p:txBody>
+                </p:sp>
                 <p:cxnSp>
                   <p:nvCxnSpPr>
-                    <p:cNvPr id="21" name="Straight Connector 20"/>
-                    <p:cNvCxnSpPr/>
+                    <p:cNvPr id="49" name="直接连接符 50"/>
+                    <p:cNvCxnSpPr>
+                      <a:endCxn id="50" idx="1"/>
+                    </p:cNvCxnSpPr>
                     <p:nvPr/>
                   </p:nvCxnSpPr>
                   <p:spPr>
                     <a:xfrm>
-                      <a:off x="986082" y="4594225"/>
-                      <a:ext cx="671268" cy="92075"/>
+                      <a:off x="4501026" y="4061025"/>
+                      <a:ext cx="2020813" cy="0"/>
                     </a:xfrm>
                     <a:prstGeom prst="line">
                       <a:avLst/>
                     </a:prstGeom>
                     <a:ln>
                       <a:solidFill>
-                        <a:schemeClr val="tx1"/>
+                        <a:schemeClr val="accent1"/>
                       </a:solidFill>
+                      <a:prstDash val="dash"/>
                     </a:ln>
                   </p:spPr>
                   <p:style>
@@ -4032,228 +4857,722 @@
                     </a:fontRef>
                   </p:style>
                 </p:cxnSp>
-                <p:cxnSp>
-                  <p:nvCxnSpPr>
-                    <p:cNvPr id="22" name="Straight Connector 21"/>
-                    <p:cNvCxnSpPr/>
+                <p:sp>
+                  <p:nvSpPr>
+                    <p:cNvPr id="50" name="文本框 51"/>
+                    <p:cNvSpPr txBox="1"/>
                     <p:nvPr/>
-                  </p:nvCxnSpPr>
+                  </p:nvSpPr>
                   <p:spPr>
                     <a:xfrm>
-                      <a:off x="2799860" y="4060825"/>
-                      <a:ext cx="0" cy="790575"/>
+                      <a:off x="6521839" y="3876359"/>
+                      <a:ext cx="540913" cy="369332"/>
                     </a:xfrm>
-                    <a:prstGeom prst="line">
+                    <a:prstGeom prst="rect">
                       <a:avLst/>
                     </a:prstGeom>
+                    <a:noFill/>
+                  </p:spPr>
+                  <p:txBody>
+                    <a:bodyPr wrap="square" rtlCol="0">
+                      <a:spAutoFit/>
+                    </a:bodyPr>
+                    <a:lstStyle/>
+                    <a:p>
+                      <a:r>
+                        <a:rPr lang="en-US" altLang="zh-CN" i="1" dirty="0" smtClean="0"/>
+                        <a:t>E</a:t>
+                      </a:r>
+                      <a:r>
+                        <a:rPr lang="en-US" altLang="zh-CN" i="1" baseline="-25000" dirty="0" smtClean="0"/>
+                        <a:t>F</a:t>
+                      </a:r>
+                      <a:endParaRPr lang="en-US" i="1" baseline="-25000" dirty="0"/>
+                    </a:p>
+                  </p:txBody>
+                </p:sp>
+              </p:grpSp>
+              <p:sp>
+                <p:nvSpPr>
+                  <p:cNvPr id="34" name="文本框 52"/>
+                  <p:cNvSpPr txBox="1"/>
+                  <p:nvPr/>
+                </p:nvSpPr>
+                <p:spPr>
+                  <a:xfrm>
+                    <a:off x="5232980" y="1891485"/>
+                    <a:ext cx="1332963" cy="369332"/>
+                  </a:xfrm>
+                  <a:prstGeom prst="rect">
+                    <a:avLst/>
+                  </a:prstGeom>
+                  <a:noFill/>
+                </p:spPr>
+                <p:txBody>
+                  <a:bodyPr wrap="square" rtlCol="0">
+                    <a:spAutoFit/>
+                  </a:bodyPr>
+                  <a:lstStyle/>
+                  <a:p>
+                    <a:pPr algn="ctr"/>
+                    <a:r>
+                      <a:rPr lang="en-US" i="1" dirty="0" smtClean="0"/>
+                      <a:t>F=0</a:t>
+                    </a:r>
+                    <a:endParaRPr lang="en-US" i="1" dirty="0"/>
+                  </a:p>
+                </p:txBody>
+              </p:sp>
+              <p:grpSp>
+                <p:nvGrpSpPr>
+                  <p:cNvPr id="35" name="组合 75"/>
+                  <p:cNvGrpSpPr/>
+                  <p:nvPr/>
+                </p:nvGrpSpPr>
+                <p:grpSpPr>
+                  <a:xfrm>
+                    <a:off x="5232980" y="2757799"/>
+                    <a:ext cx="1351475" cy="385720"/>
+                    <a:chOff x="5022850" y="3192169"/>
+                    <a:chExt cx="1351475" cy="385720"/>
+                  </a:xfrm>
+                </p:grpSpPr>
+                <p:sp>
+                  <p:nvSpPr>
+                    <p:cNvPr id="41" name="任意多边形 73"/>
+                    <p:cNvSpPr/>
+                    <p:nvPr/>
+                  </p:nvSpPr>
+                  <p:spPr>
+                    <a:xfrm>
+                      <a:off x="5022850" y="3192169"/>
+                      <a:ext cx="711200" cy="385720"/>
+                    </a:xfrm>
+                    <a:custGeom>
+                      <a:avLst/>
+                      <a:gdLst>
+                        <a:gd name="connsiteX0" fmla="*/ 0 w 711200"/>
+                        <a:gd name="connsiteY0" fmla="*/ 382881 h 385720"/>
+                        <a:gd name="connsiteX1" fmla="*/ 203200 w 711200"/>
+                        <a:gd name="connsiteY1" fmla="*/ 376531 h 385720"/>
+                        <a:gd name="connsiteX2" fmla="*/ 323850 w 711200"/>
+                        <a:gd name="connsiteY2" fmla="*/ 306681 h 385720"/>
+                        <a:gd name="connsiteX3" fmla="*/ 412750 w 711200"/>
+                        <a:gd name="connsiteY3" fmla="*/ 192381 h 385720"/>
+                        <a:gd name="connsiteX4" fmla="*/ 463550 w 711200"/>
+                        <a:gd name="connsiteY4" fmla="*/ 103481 h 385720"/>
+                        <a:gd name="connsiteX5" fmla="*/ 539750 w 711200"/>
+                        <a:gd name="connsiteY5" fmla="*/ 27281 h 385720"/>
+                        <a:gd name="connsiteX6" fmla="*/ 628650 w 711200"/>
+                        <a:gd name="connsiteY6" fmla="*/ 1881 h 385720"/>
+                        <a:gd name="connsiteX7" fmla="*/ 711200 w 711200"/>
+                        <a:gd name="connsiteY7" fmla="*/ 1881 h 385720"/>
+                      </a:gdLst>
+                      <a:ahLst/>
+                      <a:cxnLst>
+                        <a:cxn ang="0">
+                          <a:pos x="connsiteX0" y="connsiteY0"/>
+                        </a:cxn>
+                        <a:cxn ang="0">
+                          <a:pos x="connsiteX1" y="connsiteY1"/>
+                        </a:cxn>
+                        <a:cxn ang="0">
+                          <a:pos x="connsiteX2" y="connsiteY2"/>
+                        </a:cxn>
+                        <a:cxn ang="0">
+                          <a:pos x="connsiteX3" y="connsiteY3"/>
+                        </a:cxn>
+                        <a:cxn ang="0">
+                          <a:pos x="connsiteX4" y="connsiteY4"/>
+                        </a:cxn>
+                        <a:cxn ang="0">
+                          <a:pos x="connsiteX5" y="connsiteY5"/>
+                        </a:cxn>
+                        <a:cxn ang="0">
+                          <a:pos x="connsiteX6" y="connsiteY6"/>
+                        </a:cxn>
+                        <a:cxn ang="0">
+                          <a:pos x="connsiteX7" y="connsiteY7"/>
+                        </a:cxn>
+                      </a:cxnLst>
+                      <a:rect l="l" t="t" r="r" b="b"/>
+                      <a:pathLst>
+                        <a:path w="711200" h="385720">
+                          <a:moveTo>
+                            <a:pt x="0" y="382881"/>
+                          </a:moveTo>
+                          <a:cubicBezTo>
+                            <a:pt x="74612" y="386056"/>
+                            <a:pt x="149225" y="389231"/>
+                            <a:pt x="203200" y="376531"/>
+                          </a:cubicBezTo>
+                          <a:cubicBezTo>
+                            <a:pt x="257175" y="363831"/>
+                            <a:pt x="288925" y="337373"/>
+                            <a:pt x="323850" y="306681"/>
+                          </a:cubicBezTo>
+                          <a:cubicBezTo>
+                            <a:pt x="358775" y="275989"/>
+                            <a:pt x="389467" y="226248"/>
+                            <a:pt x="412750" y="192381"/>
+                          </a:cubicBezTo>
+                          <a:cubicBezTo>
+                            <a:pt x="436033" y="158514"/>
+                            <a:pt x="442383" y="130998"/>
+                            <a:pt x="463550" y="103481"/>
+                          </a:cubicBezTo>
+                          <a:cubicBezTo>
+                            <a:pt x="484717" y="75964"/>
+                            <a:pt x="512233" y="44214"/>
+                            <a:pt x="539750" y="27281"/>
+                          </a:cubicBezTo>
+                          <a:cubicBezTo>
+                            <a:pt x="567267" y="10348"/>
+                            <a:pt x="600075" y="6114"/>
+                            <a:pt x="628650" y="1881"/>
+                          </a:cubicBezTo>
+                          <a:cubicBezTo>
+                            <a:pt x="657225" y="-2352"/>
+                            <a:pt x="711200" y="1881"/>
+                            <a:pt x="711200" y="1881"/>
+                          </a:cubicBezTo>
+                        </a:path>
+                      </a:pathLst>
+                    </a:custGeom>
+                    <a:noFill/>
                     <a:ln>
                       <a:solidFill>
-                        <a:schemeClr val="tx1"/>
+                        <a:schemeClr val="accent6"/>
                       </a:solidFill>
                     </a:ln>
                   </p:spPr>
                   <p:style>
-                    <a:lnRef idx="1">
-                      <a:schemeClr val="accent1"/>
+                    <a:lnRef idx="2">
+                      <a:schemeClr val="accent1">
+                        <a:shade val="50000"/>
+                      </a:schemeClr>
                     </a:lnRef>
-                    <a:fillRef idx="0">
+                    <a:fillRef idx="1">
                       <a:schemeClr val="accent1"/>
                     </a:fillRef>
                     <a:effectRef idx="0">
                       <a:schemeClr val="accent1"/>
                     </a:effectRef>
                     <a:fontRef idx="minor">
-                      <a:schemeClr val="tx1"/>
+                      <a:schemeClr val="lt1"/>
                     </a:fontRef>
                   </p:style>
-                </p:cxnSp>
-                <p:cxnSp>
-                  <p:nvCxnSpPr>
-                    <p:cNvPr id="23" name="Straight Connector 22"/>
-                    <p:cNvCxnSpPr/>
+                  <p:txBody>
+                    <a:bodyPr rtlCol="0" anchor="ctr"/>
+                    <a:lstStyle/>
+                    <a:p>
+                      <a:pPr algn="ctr"/>
+                      <a:endParaRPr lang="en-US"/>
+                    </a:p>
+                  </p:txBody>
+                </p:sp>
+                <p:sp>
+                  <p:nvSpPr>
+                    <p:cNvPr id="42" name="任意多边形 74"/>
+                    <p:cNvSpPr/>
                     <p:nvPr/>
-                  </p:nvCxnSpPr>
+                  </p:nvSpPr>
                   <p:spPr>
-                    <a:xfrm>
-                      <a:off x="2797434" y="4851400"/>
-                      <a:ext cx="472816" cy="58884"/>
+                    <a:xfrm flipH="1">
+                      <a:off x="5663125" y="3192169"/>
+                      <a:ext cx="711200" cy="385720"/>
                     </a:xfrm>
-                    <a:prstGeom prst="line">
+                    <a:custGeom>
                       <a:avLst/>
-                    </a:prstGeom>
+                      <a:gdLst>
+                        <a:gd name="connsiteX0" fmla="*/ 0 w 711200"/>
+                        <a:gd name="connsiteY0" fmla="*/ 382881 h 385720"/>
+                        <a:gd name="connsiteX1" fmla="*/ 203200 w 711200"/>
+                        <a:gd name="connsiteY1" fmla="*/ 376531 h 385720"/>
+                        <a:gd name="connsiteX2" fmla="*/ 323850 w 711200"/>
+                        <a:gd name="connsiteY2" fmla="*/ 306681 h 385720"/>
+                        <a:gd name="connsiteX3" fmla="*/ 412750 w 711200"/>
+                        <a:gd name="connsiteY3" fmla="*/ 192381 h 385720"/>
+                        <a:gd name="connsiteX4" fmla="*/ 463550 w 711200"/>
+                        <a:gd name="connsiteY4" fmla="*/ 103481 h 385720"/>
+                        <a:gd name="connsiteX5" fmla="*/ 539750 w 711200"/>
+                        <a:gd name="connsiteY5" fmla="*/ 27281 h 385720"/>
+                        <a:gd name="connsiteX6" fmla="*/ 628650 w 711200"/>
+                        <a:gd name="connsiteY6" fmla="*/ 1881 h 385720"/>
+                        <a:gd name="connsiteX7" fmla="*/ 711200 w 711200"/>
+                        <a:gd name="connsiteY7" fmla="*/ 1881 h 385720"/>
+                      </a:gdLst>
+                      <a:ahLst/>
+                      <a:cxnLst>
+                        <a:cxn ang="0">
+                          <a:pos x="connsiteX0" y="connsiteY0"/>
+                        </a:cxn>
+                        <a:cxn ang="0">
+                          <a:pos x="connsiteX1" y="connsiteY1"/>
+                        </a:cxn>
+                        <a:cxn ang="0">
+                          <a:pos x="connsiteX2" y="connsiteY2"/>
+                        </a:cxn>
+                        <a:cxn ang="0">
+                          <a:pos x="connsiteX3" y="connsiteY3"/>
+                        </a:cxn>
+                        <a:cxn ang="0">
+                          <a:pos x="connsiteX4" y="connsiteY4"/>
+                        </a:cxn>
+                        <a:cxn ang="0">
+                          <a:pos x="connsiteX5" y="connsiteY5"/>
+                        </a:cxn>
+                        <a:cxn ang="0">
+                          <a:pos x="connsiteX6" y="connsiteY6"/>
+                        </a:cxn>
+                        <a:cxn ang="0">
+                          <a:pos x="connsiteX7" y="connsiteY7"/>
+                        </a:cxn>
+                      </a:cxnLst>
+                      <a:rect l="l" t="t" r="r" b="b"/>
+                      <a:pathLst>
+                        <a:path w="711200" h="385720">
+                          <a:moveTo>
+                            <a:pt x="0" y="382881"/>
+                          </a:moveTo>
+                          <a:cubicBezTo>
+                            <a:pt x="74612" y="386056"/>
+                            <a:pt x="149225" y="389231"/>
+                            <a:pt x="203200" y="376531"/>
+                          </a:cubicBezTo>
+                          <a:cubicBezTo>
+                            <a:pt x="257175" y="363831"/>
+                            <a:pt x="288925" y="337373"/>
+                            <a:pt x="323850" y="306681"/>
+                          </a:cubicBezTo>
+                          <a:cubicBezTo>
+                            <a:pt x="358775" y="275989"/>
+                            <a:pt x="389467" y="226248"/>
+                            <a:pt x="412750" y="192381"/>
+                          </a:cubicBezTo>
+                          <a:cubicBezTo>
+                            <a:pt x="436033" y="158514"/>
+                            <a:pt x="442383" y="130998"/>
+                            <a:pt x="463550" y="103481"/>
+                          </a:cubicBezTo>
+                          <a:cubicBezTo>
+                            <a:pt x="484717" y="75964"/>
+                            <a:pt x="512233" y="44214"/>
+                            <a:pt x="539750" y="27281"/>
+                          </a:cubicBezTo>
+                          <a:cubicBezTo>
+                            <a:pt x="567267" y="10348"/>
+                            <a:pt x="600075" y="6114"/>
+                            <a:pt x="628650" y="1881"/>
+                          </a:cubicBezTo>
+                          <a:cubicBezTo>
+                            <a:pt x="657225" y="-2352"/>
+                            <a:pt x="711200" y="1881"/>
+                            <a:pt x="711200" y="1881"/>
+                          </a:cubicBezTo>
+                        </a:path>
+                      </a:pathLst>
+                    </a:custGeom>
+                    <a:noFill/>
                     <a:ln>
                       <a:solidFill>
-                        <a:schemeClr val="tx1"/>
+                        <a:schemeClr val="accent6"/>
                       </a:solidFill>
                     </a:ln>
                   </p:spPr>
                   <p:style>
-                    <a:lnRef idx="1">
-                      <a:schemeClr val="accent1"/>
+                    <a:lnRef idx="2">
+                      <a:schemeClr val="accent1">
+                        <a:shade val="50000"/>
+                      </a:schemeClr>
                     </a:lnRef>
-                    <a:fillRef idx="0">
+                    <a:fillRef idx="1">
                       <a:schemeClr val="accent1"/>
                     </a:fillRef>
                     <a:effectRef idx="0">
                       <a:schemeClr val="accent1"/>
                     </a:effectRef>
                     <a:fontRef idx="minor">
-                      <a:schemeClr val="tx1"/>
+                      <a:schemeClr val="lt1"/>
                     </a:fontRef>
                   </p:style>
-                </p:cxnSp>
-                <p:cxnSp>
-                  <p:nvCxnSpPr>
-                    <p:cNvPr id="24" name="Straight Connector 23"/>
-                    <p:cNvCxnSpPr/>
+                  <p:txBody>
+                    <a:bodyPr rtlCol="0" anchor="ctr"/>
+                    <a:lstStyle/>
+                    <a:p>
+                      <a:pPr algn="ctr"/>
+                      <a:endParaRPr lang="en-US"/>
+                    </a:p>
+                  </p:txBody>
+                </p:sp>
+              </p:grpSp>
+              <p:grpSp>
+                <p:nvGrpSpPr>
+                  <p:cNvPr id="36" name="组合 78"/>
+                  <p:cNvGrpSpPr/>
+                  <p:nvPr/>
+                </p:nvGrpSpPr>
+                <p:grpSpPr>
+                  <a:xfrm rot="10800000">
+                    <a:off x="5177886" y="4177592"/>
+                    <a:ext cx="1351475" cy="272554"/>
+                    <a:chOff x="5022850" y="3192169"/>
+                    <a:chExt cx="1351475" cy="385720"/>
+                  </a:xfrm>
+                </p:grpSpPr>
+                <p:sp>
+                  <p:nvSpPr>
+                    <p:cNvPr id="39" name="任意多边形 79"/>
+                    <p:cNvSpPr/>
                     <p:nvPr/>
-                  </p:nvCxnSpPr>
+                  </p:nvSpPr>
                   <p:spPr>
-                    <a:xfrm flipV="1">
-                      <a:off x="1670601" y="2517930"/>
-                      <a:ext cx="0" cy="772565"/>
+                    <a:xfrm>
+                      <a:off x="5022850" y="3192169"/>
+                      <a:ext cx="711200" cy="385720"/>
                     </a:xfrm>
-                    <a:prstGeom prst="line">
+                    <a:custGeom>
                       <a:avLst/>
-                    </a:prstGeom>
+                      <a:gdLst>
+                        <a:gd name="connsiteX0" fmla="*/ 0 w 711200"/>
+                        <a:gd name="connsiteY0" fmla="*/ 382881 h 385720"/>
+                        <a:gd name="connsiteX1" fmla="*/ 203200 w 711200"/>
+                        <a:gd name="connsiteY1" fmla="*/ 376531 h 385720"/>
+                        <a:gd name="connsiteX2" fmla="*/ 323850 w 711200"/>
+                        <a:gd name="connsiteY2" fmla="*/ 306681 h 385720"/>
+                        <a:gd name="connsiteX3" fmla="*/ 412750 w 711200"/>
+                        <a:gd name="connsiteY3" fmla="*/ 192381 h 385720"/>
+                        <a:gd name="connsiteX4" fmla="*/ 463550 w 711200"/>
+                        <a:gd name="connsiteY4" fmla="*/ 103481 h 385720"/>
+                        <a:gd name="connsiteX5" fmla="*/ 539750 w 711200"/>
+                        <a:gd name="connsiteY5" fmla="*/ 27281 h 385720"/>
+                        <a:gd name="connsiteX6" fmla="*/ 628650 w 711200"/>
+                        <a:gd name="connsiteY6" fmla="*/ 1881 h 385720"/>
+                        <a:gd name="connsiteX7" fmla="*/ 711200 w 711200"/>
+                        <a:gd name="connsiteY7" fmla="*/ 1881 h 385720"/>
+                      </a:gdLst>
+                      <a:ahLst/>
+                      <a:cxnLst>
+                        <a:cxn ang="0">
+                          <a:pos x="connsiteX0" y="connsiteY0"/>
+                        </a:cxn>
+                        <a:cxn ang="0">
+                          <a:pos x="connsiteX1" y="connsiteY1"/>
+                        </a:cxn>
+                        <a:cxn ang="0">
+                          <a:pos x="connsiteX2" y="connsiteY2"/>
+                        </a:cxn>
+                        <a:cxn ang="0">
+                          <a:pos x="connsiteX3" y="connsiteY3"/>
+                        </a:cxn>
+                        <a:cxn ang="0">
+                          <a:pos x="connsiteX4" y="connsiteY4"/>
+                        </a:cxn>
+                        <a:cxn ang="0">
+                          <a:pos x="connsiteX5" y="connsiteY5"/>
+                        </a:cxn>
+                        <a:cxn ang="0">
+                          <a:pos x="connsiteX6" y="connsiteY6"/>
+                        </a:cxn>
+                        <a:cxn ang="0">
+                          <a:pos x="connsiteX7" y="connsiteY7"/>
+                        </a:cxn>
+                      </a:cxnLst>
+                      <a:rect l="l" t="t" r="r" b="b"/>
+                      <a:pathLst>
+                        <a:path w="711200" h="385720">
+                          <a:moveTo>
+                            <a:pt x="0" y="382881"/>
+                          </a:moveTo>
+                          <a:cubicBezTo>
+                            <a:pt x="74612" y="386056"/>
+                            <a:pt x="149225" y="389231"/>
+                            <a:pt x="203200" y="376531"/>
+                          </a:cubicBezTo>
+                          <a:cubicBezTo>
+                            <a:pt x="257175" y="363831"/>
+                            <a:pt x="288925" y="337373"/>
+                            <a:pt x="323850" y="306681"/>
+                          </a:cubicBezTo>
+                          <a:cubicBezTo>
+                            <a:pt x="358775" y="275989"/>
+                            <a:pt x="389467" y="226248"/>
+                            <a:pt x="412750" y="192381"/>
+                          </a:cubicBezTo>
+                          <a:cubicBezTo>
+                            <a:pt x="436033" y="158514"/>
+                            <a:pt x="442383" y="130998"/>
+                            <a:pt x="463550" y="103481"/>
+                          </a:cubicBezTo>
+                          <a:cubicBezTo>
+                            <a:pt x="484717" y="75964"/>
+                            <a:pt x="512233" y="44214"/>
+                            <a:pt x="539750" y="27281"/>
+                          </a:cubicBezTo>
+                          <a:cubicBezTo>
+                            <a:pt x="567267" y="10348"/>
+                            <a:pt x="600075" y="6114"/>
+                            <a:pt x="628650" y="1881"/>
+                          </a:cubicBezTo>
+                          <a:cubicBezTo>
+                            <a:pt x="657225" y="-2352"/>
+                            <a:pt x="711200" y="1881"/>
+                            <a:pt x="711200" y="1881"/>
+                          </a:cubicBezTo>
+                        </a:path>
+                      </a:pathLst>
+                    </a:custGeom>
+                    <a:noFill/>
                     <a:ln>
                       <a:solidFill>
-                        <a:schemeClr val="tx1"/>
+                        <a:schemeClr val="accent6"/>
                       </a:solidFill>
                     </a:ln>
                   </p:spPr>
                   <p:style>
-                    <a:lnRef idx="1">
-                      <a:schemeClr val="accent1"/>
+                    <a:lnRef idx="2">
+                      <a:schemeClr val="accent1">
+                        <a:shade val="50000"/>
+                      </a:schemeClr>
                     </a:lnRef>
-                    <a:fillRef idx="0">
+                    <a:fillRef idx="1">
                       <a:schemeClr val="accent1"/>
                     </a:fillRef>
                     <a:effectRef idx="0">
                       <a:schemeClr val="accent1"/>
                     </a:effectRef>
                     <a:fontRef idx="minor">
-                      <a:schemeClr val="tx1"/>
+                      <a:schemeClr val="lt1"/>
                     </a:fontRef>
                   </p:style>
-                </p:cxnSp>
-                <p:cxnSp>
-                  <p:nvCxnSpPr>
-                    <p:cNvPr id="25" name="Straight Connector 24"/>
-                    <p:cNvCxnSpPr/>
+                  <p:txBody>
+                    <a:bodyPr rtlCol="0" anchor="ctr"/>
+                    <a:lstStyle/>
+                    <a:p>
+                      <a:pPr algn="ctr"/>
+                      <a:endParaRPr lang="en-US"/>
+                    </a:p>
+                  </p:txBody>
+                </p:sp>
+                <p:sp>
+                  <p:nvSpPr>
+                    <p:cNvPr id="40" name="任意多边形 80"/>
+                    <p:cNvSpPr/>
                     <p:nvPr/>
-                  </p:nvCxnSpPr>
+                  </p:nvSpPr>
                   <p:spPr>
-                    <a:xfrm flipV="1">
-                      <a:off x="2809339" y="2669023"/>
-                      <a:ext cx="0" cy="780132"/>
+                    <a:xfrm flipH="1">
+                      <a:off x="5663125" y="3192169"/>
+                      <a:ext cx="711200" cy="385720"/>
                     </a:xfrm>
-                    <a:prstGeom prst="line">
+                    <a:custGeom>
                       <a:avLst/>
-                    </a:prstGeom>
+                      <a:gdLst>
+                        <a:gd name="connsiteX0" fmla="*/ 0 w 711200"/>
+                        <a:gd name="connsiteY0" fmla="*/ 382881 h 385720"/>
+                        <a:gd name="connsiteX1" fmla="*/ 203200 w 711200"/>
+                        <a:gd name="connsiteY1" fmla="*/ 376531 h 385720"/>
+                        <a:gd name="connsiteX2" fmla="*/ 323850 w 711200"/>
+                        <a:gd name="connsiteY2" fmla="*/ 306681 h 385720"/>
+                        <a:gd name="connsiteX3" fmla="*/ 412750 w 711200"/>
+                        <a:gd name="connsiteY3" fmla="*/ 192381 h 385720"/>
+                        <a:gd name="connsiteX4" fmla="*/ 463550 w 711200"/>
+                        <a:gd name="connsiteY4" fmla="*/ 103481 h 385720"/>
+                        <a:gd name="connsiteX5" fmla="*/ 539750 w 711200"/>
+                        <a:gd name="connsiteY5" fmla="*/ 27281 h 385720"/>
+                        <a:gd name="connsiteX6" fmla="*/ 628650 w 711200"/>
+                        <a:gd name="connsiteY6" fmla="*/ 1881 h 385720"/>
+                        <a:gd name="connsiteX7" fmla="*/ 711200 w 711200"/>
+                        <a:gd name="connsiteY7" fmla="*/ 1881 h 385720"/>
+                      </a:gdLst>
+                      <a:ahLst/>
+                      <a:cxnLst>
+                        <a:cxn ang="0">
+                          <a:pos x="connsiteX0" y="connsiteY0"/>
+                        </a:cxn>
+                        <a:cxn ang="0">
+                          <a:pos x="connsiteX1" y="connsiteY1"/>
+                        </a:cxn>
+                        <a:cxn ang="0">
+                          <a:pos x="connsiteX2" y="connsiteY2"/>
+                        </a:cxn>
+                        <a:cxn ang="0">
+                          <a:pos x="connsiteX3" y="connsiteY3"/>
+                        </a:cxn>
+                        <a:cxn ang="0">
+                          <a:pos x="connsiteX4" y="connsiteY4"/>
+                        </a:cxn>
+                        <a:cxn ang="0">
+                          <a:pos x="connsiteX5" y="connsiteY5"/>
+                        </a:cxn>
+                        <a:cxn ang="0">
+                          <a:pos x="connsiteX6" y="connsiteY6"/>
+                        </a:cxn>
+                        <a:cxn ang="0">
+                          <a:pos x="connsiteX7" y="connsiteY7"/>
+                        </a:cxn>
+                      </a:cxnLst>
+                      <a:rect l="l" t="t" r="r" b="b"/>
+                      <a:pathLst>
+                        <a:path w="711200" h="385720">
+                          <a:moveTo>
+                            <a:pt x="0" y="382881"/>
+                          </a:moveTo>
+                          <a:cubicBezTo>
+                            <a:pt x="74612" y="386056"/>
+                            <a:pt x="149225" y="389231"/>
+                            <a:pt x="203200" y="376531"/>
+                          </a:cubicBezTo>
+                          <a:cubicBezTo>
+                            <a:pt x="257175" y="363831"/>
+                            <a:pt x="288925" y="337373"/>
+                            <a:pt x="323850" y="306681"/>
+                          </a:cubicBezTo>
+                          <a:cubicBezTo>
+                            <a:pt x="358775" y="275989"/>
+                            <a:pt x="389467" y="226248"/>
+                            <a:pt x="412750" y="192381"/>
+                          </a:cubicBezTo>
+                          <a:cubicBezTo>
+                            <a:pt x="436033" y="158514"/>
+                            <a:pt x="442383" y="130998"/>
+                            <a:pt x="463550" y="103481"/>
+                          </a:cubicBezTo>
+                          <a:cubicBezTo>
+                            <a:pt x="484717" y="75964"/>
+                            <a:pt x="512233" y="44214"/>
+                            <a:pt x="539750" y="27281"/>
+                          </a:cubicBezTo>
+                          <a:cubicBezTo>
+                            <a:pt x="567267" y="10348"/>
+                            <a:pt x="600075" y="6114"/>
+                            <a:pt x="628650" y="1881"/>
+                          </a:cubicBezTo>
+                          <a:cubicBezTo>
+                            <a:pt x="657225" y="-2352"/>
+                            <a:pt x="711200" y="1881"/>
+                            <a:pt x="711200" y="1881"/>
+                          </a:cubicBezTo>
+                        </a:path>
+                      </a:pathLst>
+                    </a:custGeom>
+                    <a:noFill/>
                     <a:ln>
                       <a:solidFill>
-                        <a:schemeClr val="tx1"/>
+                        <a:schemeClr val="accent6"/>
                       </a:solidFill>
                     </a:ln>
                   </p:spPr>
                   <p:style>
-                    <a:lnRef idx="1">
-                      <a:schemeClr val="accent1"/>
+                    <a:lnRef idx="2">
+                      <a:schemeClr val="accent1">
+                        <a:shade val="50000"/>
+                      </a:schemeClr>
                     </a:lnRef>
-                    <a:fillRef idx="0">
+                    <a:fillRef idx="1">
                       <a:schemeClr val="accent1"/>
                     </a:fillRef>
                     <a:effectRef idx="0">
                       <a:schemeClr val="accent1"/>
                     </a:effectRef>
                     <a:fontRef idx="minor">
-                      <a:schemeClr val="tx1"/>
+                      <a:schemeClr val="lt1"/>
                     </a:fontRef>
                   </p:style>
-                </p:cxnSp>
-                <p:cxnSp>
-                  <p:nvCxnSpPr>
-                    <p:cNvPr id="26" name="Straight Connector 25"/>
-                    <p:cNvCxnSpPr/>
-                    <p:nvPr/>
-                  </p:nvCxnSpPr>
-                  <p:spPr>
-                    <a:xfrm flipH="1" flipV="1">
-                      <a:off x="2809339" y="2669023"/>
-                      <a:ext cx="680062" cy="100324"/>
-                    </a:xfrm>
-                    <a:prstGeom prst="line">
-                      <a:avLst/>
-                    </a:prstGeom>
-                    <a:ln>
-                      <a:solidFill>
-                        <a:schemeClr val="tx1"/>
-                      </a:solidFill>
-                    </a:ln>
-                  </p:spPr>
-                  <p:style>
-                    <a:lnRef idx="1">
-                      <a:schemeClr val="accent1"/>
-                    </a:lnRef>
-                    <a:fillRef idx="0">
-                      <a:schemeClr val="accent1"/>
-                    </a:fillRef>
-                    <a:effectRef idx="0">
-                      <a:schemeClr val="accent1"/>
-                    </a:effectRef>
-                    <a:fontRef idx="minor">
+                  <p:txBody>
+                    <a:bodyPr rtlCol="0" anchor="ctr"/>
+                    <a:lstStyle/>
+                    <a:p>
+                      <a:pPr algn="ctr"/>
+                      <a:endParaRPr lang="en-US"/>
+                    </a:p>
+                  </p:txBody>
+                </p:sp>
+              </p:grpSp>
+              <p:cxnSp>
+                <p:nvCxnSpPr>
+                  <p:cNvPr id="37" name="Straight Arrow Connector 36"/>
+                  <p:cNvCxnSpPr/>
+                  <p:nvPr/>
+                </p:nvCxnSpPr>
+                <p:spPr>
+                  <a:xfrm>
+                    <a:off x="5874525" y="3364987"/>
+                    <a:ext cx="0" cy="601424"/>
+                  </a:xfrm>
+                  <a:prstGeom prst="straightConnector1">
+                    <a:avLst/>
+                  </a:prstGeom>
+                  <a:ln>
+                    <a:solidFill>
                       <a:schemeClr val="tx1"/>
-                    </a:fontRef>
-                  </p:style>
-                </p:cxnSp>
-                <p:cxnSp>
-                  <p:nvCxnSpPr>
-                    <p:cNvPr id="27" name="Straight Connector 26"/>
-                    <p:cNvCxnSpPr/>
-                    <p:nvPr/>
-                  </p:nvCxnSpPr>
-                  <p:spPr>
-                    <a:xfrm>
-                      <a:off x="1675086" y="3287922"/>
-                      <a:ext cx="1134253" cy="158852"/>
-                    </a:xfrm>
-                    <a:prstGeom prst="line">
-                      <a:avLst/>
-                    </a:prstGeom>
-                    <a:ln>
-                      <a:solidFill>
-                        <a:schemeClr val="tx1"/>
-                      </a:solidFill>
-                    </a:ln>
-                  </p:spPr>
-                  <p:style>
-                    <a:lnRef idx="1">
-                      <a:schemeClr val="accent1"/>
-                    </a:lnRef>
-                    <a:fillRef idx="0">
-                      <a:schemeClr val="accent1"/>
-                    </a:fillRef>
-                    <a:effectRef idx="0">
-                      <a:schemeClr val="accent1"/>
-                    </a:effectRef>
-                    <a:fontRef idx="minor">
-                      <a:schemeClr val="tx1"/>
-                    </a:fontRef>
-                  </p:style>
-                </p:cxnSp>
-              </p:grpSp>
+                    </a:solidFill>
+                    <a:headEnd type="triangle"/>
+                    <a:tailEnd type="triangle"/>
+                  </a:ln>
+                </p:spPr>
+                <p:style>
+                  <a:lnRef idx="1">
+                    <a:schemeClr val="accent1"/>
+                  </a:lnRef>
+                  <a:fillRef idx="0">
+                    <a:schemeClr val="accent1"/>
+                  </a:fillRef>
+                  <a:effectRef idx="0">
+                    <a:schemeClr val="accent1"/>
+                  </a:effectRef>
+                  <a:fontRef idx="minor">
+                    <a:schemeClr val="tx1"/>
+                  </a:fontRef>
+                </p:style>
+              </p:cxnSp>
+              <p:sp>
+                <p:nvSpPr>
+                  <p:cNvPr id="38" name="TextBox 37"/>
+                  <p:cNvSpPr txBox="1"/>
+                  <p:nvPr/>
+                </p:nvSpPr>
+                <p:spPr>
+                  <a:xfrm>
+                    <a:off x="5721270" y="3493997"/>
+                    <a:ext cx="445820" cy="369332"/>
+                  </a:xfrm>
+                  <a:prstGeom prst="rect">
+                    <a:avLst/>
+                  </a:prstGeom>
+                  <a:solidFill>
+                    <a:schemeClr val="bg1"/>
+                  </a:solidFill>
+                </p:spPr>
+                <p:txBody>
+                  <a:bodyPr wrap="square" rtlCol="0">
+                    <a:spAutoFit/>
+                  </a:bodyPr>
+                  <a:lstStyle/>
+                  <a:p>
+                    <a:r>
+                      <a:rPr lang="en-US" altLang="zh-CN" i="1" dirty="0" err="1" smtClean="0"/>
+                      <a:t>E</a:t>
+                    </a:r>
+                    <a:r>
+                      <a:rPr lang="en-US" altLang="zh-CN" i="1" baseline="-25000" dirty="0" err="1" smtClean="0"/>
+                      <a:t>g</a:t>
+                    </a:r>
+                    <a:endParaRPr lang="en-US" i="1" baseline="-25000" dirty="0"/>
+                  </a:p>
+                </p:txBody>
+              </p:sp>
             </p:grpSp>
             <p:cxnSp>
               <p:nvCxnSpPr>
-                <p:cNvPr id="13" name="Straight Arrow Connector 12"/>
+                <p:cNvPr id="60" name="Straight Arrow Connector 59"/>
                 <p:cNvCxnSpPr/>
                 <p:nvPr/>
               </p:nvCxnSpPr>
               <p:spPr>
-                <a:xfrm flipH="1">
-                  <a:off x="2624007" y="3378438"/>
-                  <a:ext cx="0" cy="601424"/>
+                <a:xfrm>
+                  <a:off x="7359323" y="3133139"/>
+                  <a:ext cx="0" cy="1033311"/>
                 </a:xfrm>
                 <a:prstGeom prst="straightConnector1">
                   <a:avLst/>
@@ -4283,49 +5602,13 @@
             </p:cxnSp>
             <p:sp>
               <p:nvSpPr>
-                <p:cNvPr id="14" name="TextBox 13"/>
+                <p:cNvPr id="61" name="TextBox 60"/>
                 <p:cNvSpPr txBox="1"/>
                 <p:nvPr/>
               </p:nvSpPr>
               <p:spPr>
                 <a:xfrm flipH="1">
-                  <a:off x="2480471" y="3507744"/>
-                  <a:ext cx="445820" cy="369332"/>
-                </a:xfrm>
-                <a:prstGeom prst="rect">
-                  <a:avLst/>
-                </a:prstGeom>
-                <a:solidFill>
-                  <a:schemeClr val="bg1"/>
-                </a:solidFill>
-              </p:spPr>
-              <p:txBody>
-                <a:bodyPr wrap="square" rtlCol="0">
-                  <a:spAutoFit/>
-                </a:bodyPr>
-                <a:lstStyle/>
-                <a:p>
-                  <a:r>
-                    <a:rPr lang="en-US" altLang="zh-CN" i="1" dirty="0" err="1" smtClean="0"/>
-                    <a:t>E</a:t>
-                  </a:r>
-                  <a:r>
-                    <a:rPr lang="en-US" altLang="zh-CN" i="1" baseline="-25000" dirty="0" err="1" smtClean="0"/>
-                    <a:t>g</a:t>
-                  </a:r>
-                  <a:endParaRPr lang="en-US" i="1" baseline="-25000" dirty="0"/>
-                </a:p>
-              </p:txBody>
-            </p:sp>
-            <p:sp>
-              <p:nvSpPr>
-                <p:cNvPr id="58" name="TextBox 57"/>
-                <p:cNvSpPr txBox="1"/>
-                <p:nvPr/>
-              </p:nvSpPr>
-              <p:spPr>
-                <a:xfrm flipH="1">
-                  <a:off x="1987627" y="3526247"/>
+                  <a:off x="7059269" y="3438516"/>
                   <a:ext cx="509372" cy="369332"/>
                 </a:xfrm>
                 <a:prstGeom prst="rect">
@@ -4363,1269 +5646,68 @@
               </p:txBody>
             </p:sp>
           </p:grpSp>
-          <p:cxnSp>
-            <p:nvCxnSpPr>
-              <p:cNvPr id="55" name="Straight Arrow Connector 54"/>
-              <p:cNvCxnSpPr/>
-              <p:nvPr/>
-            </p:nvCxnSpPr>
-            <p:spPr>
-              <a:xfrm>
-                <a:off x="3632019" y="2216075"/>
-                <a:ext cx="745114" cy="0"/>
-              </a:xfrm>
-              <a:prstGeom prst="straightConnector1">
-                <a:avLst/>
-              </a:prstGeom>
-              <a:ln>
-                <a:solidFill>
-                  <a:schemeClr val="tx1"/>
-                </a:solidFill>
-                <a:tailEnd type="triangle"/>
-              </a:ln>
-            </p:spPr>
-            <p:style>
-              <a:lnRef idx="1">
-                <a:schemeClr val="accent1"/>
-              </a:lnRef>
-              <a:fillRef idx="0">
-                <a:schemeClr val="accent1"/>
-              </a:fillRef>
-              <a:effectRef idx="0">
-                <a:schemeClr val="accent1"/>
-              </a:effectRef>
-              <a:fontRef idx="minor">
-                <a:schemeClr val="tx1"/>
-              </a:fontRef>
-            </p:style>
-          </p:cxnSp>
         </p:grpSp>
-        <p:grpSp>
-          <p:nvGrpSpPr>
-            <p:cNvPr id="64" name="Group 63"/>
-            <p:cNvGrpSpPr/>
+        <p:sp>
+          <p:nvSpPr>
+            <p:cNvPr id="2" name="TextBox 1"/>
+            <p:cNvSpPr txBox="1"/>
             <p:nvPr/>
-          </p:nvGrpSpPr>
-          <p:grpSpPr>
+          </p:nvSpPr>
+          <p:spPr>
             <a:xfrm>
-              <a:off x="3041337" y="1789666"/>
-              <a:ext cx="2599675" cy="2863036"/>
-              <a:chOff x="6462269" y="1864938"/>
-              <a:chExt cx="2599675" cy="2863036"/>
+              <a:off x="2671456" y="1565251"/>
+              <a:ext cx="468398" cy="400110"/>
             </a:xfrm>
-          </p:grpSpPr>
-          <p:grpSp>
-            <p:nvGrpSpPr>
-              <p:cNvPr id="32" name="Group 31"/>
-              <p:cNvGrpSpPr/>
-              <p:nvPr/>
-            </p:nvGrpSpPr>
-            <p:grpSpPr>
-              <a:xfrm>
-                <a:off x="6462269" y="1864938"/>
-                <a:ext cx="2599675" cy="2863036"/>
-                <a:chOff x="4691526" y="1891485"/>
-                <a:chExt cx="2599675" cy="2863036"/>
-              </a:xfrm>
-            </p:grpSpPr>
-            <p:grpSp>
-              <p:nvGrpSpPr>
-                <p:cNvPr id="33" name="组合 54"/>
-                <p:cNvGrpSpPr/>
-                <p:nvPr/>
-              </p:nvGrpSpPr>
-              <p:grpSpPr>
-                <a:xfrm>
-                  <a:off x="4691526" y="2567258"/>
-                  <a:ext cx="2599675" cy="2187263"/>
-                  <a:chOff x="4501026" y="2975020"/>
-                  <a:chExt cx="2599675" cy="2187263"/>
-                </a:xfrm>
-              </p:grpSpPr>
-              <p:grpSp>
-                <p:nvGrpSpPr>
-                  <p:cNvPr id="43" name="组合 38"/>
-                  <p:cNvGrpSpPr/>
-                  <p:nvPr/>
-                </p:nvGrpSpPr>
-                <p:grpSpPr>
-                  <a:xfrm>
-                    <a:off x="4572000" y="2975020"/>
-                    <a:ext cx="2292440" cy="772733"/>
-                    <a:chOff x="1403797" y="2099256"/>
-                    <a:chExt cx="2292440" cy="772733"/>
-                  </a:xfrm>
-                </p:grpSpPr>
-                <p:cxnSp>
-                  <p:nvCxnSpPr>
-                    <p:cNvPr id="53" name="肘形连接符 36"/>
-                    <p:cNvCxnSpPr/>
-                    <p:nvPr/>
-                  </p:nvCxnSpPr>
-                  <p:spPr>
-                    <a:xfrm>
-                      <a:off x="1403797" y="2099256"/>
-                      <a:ext cx="1146220" cy="772733"/>
-                    </a:xfrm>
-                    <a:prstGeom prst="bentConnector3">
-                      <a:avLst/>
-                    </a:prstGeom>
-                    <a:ln>
-                      <a:solidFill>
-                        <a:schemeClr val="tx1"/>
-                      </a:solidFill>
-                    </a:ln>
-                  </p:spPr>
-                  <p:style>
-                    <a:lnRef idx="1">
-                      <a:schemeClr val="accent1"/>
-                    </a:lnRef>
-                    <a:fillRef idx="0">
-                      <a:schemeClr val="accent1"/>
-                    </a:fillRef>
-                    <a:effectRef idx="0">
-                      <a:schemeClr val="accent1"/>
-                    </a:effectRef>
-                    <a:fontRef idx="minor">
-                      <a:schemeClr val="tx1"/>
-                    </a:fontRef>
-                  </p:style>
-                </p:cxnSp>
-                <p:cxnSp>
-                  <p:nvCxnSpPr>
-                    <p:cNvPr id="54" name="肘形连接符 37"/>
-                    <p:cNvCxnSpPr/>
-                    <p:nvPr/>
-                  </p:nvCxnSpPr>
-                  <p:spPr>
-                    <a:xfrm flipH="1">
-                      <a:off x="2550017" y="2099256"/>
-                      <a:ext cx="1146220" cy="772733"/>
-                    </a:xfrm>
-                    <a:prstGeom prst="bentConnector3">
-                      <a:avLst/>
-                    </a:prstGeom>
-                    <a:ln>
-                      <a:solidFill>
-                        <a:schemeClr val="tx1"/>
-                      </a:solidFill>
-                    </a:ln>
-                  </p:spPr>
-                  <p:style>
-                    <a:lnRef idx="1">
-                      <a:schemeClr val="accent1"/>
-                    </a:lnRef>
-                    <a:fillRef idx="0">
-                      <a:schemeClr val="accent1"/>
-                    </a:fillRef>
-                    <a:effectRef idx="0">
-                      <a:schemeClr val="accent1"/>
-                    </a:effectRef>
-                    <a:fontRef idx="minor">
-                      <a:schemeClr val="tx1"/>
-                    </a:fontRef>
-                  </p:style>
-                </p:cxnSp>
-              </p:grpSp>
-              <p:grpSp>
-                <p:nvGrpSpPr>
-                  <p:cNvPr id="44" name="组合 39"/>
-                  <p:cNvGrpSpPr/>
-                  <p:nvPr/>
-                </p:nvGrpSpPr>
-                <p:grpSpPr>
-                  <a:xfrm rot="10800000">
-                    <a:off x="4572000" y="4389550"/>
-                    <a:ext cx="2292440" cy="772733"/>
-                    <a:chOff x="1403797" y="2099256"/>
-                    <a:chExt cx="2292440" cy="772733"/>
-                  </a:xfrm>
-                </p:grpSpPr>
-                <p:cxnSp>
-                  <p:nvCxnSpPr>
-                    <p:cNvPr id="51" name="肘形连接符 40"/>
-                    <p:cNvCxnSpPr/>
-                    <p:nvPr/>
-                  </p:nvCxnSpPr>
-                  <p:spPr>
-                    <a:xfrm>
-                      <a:off x="1403797" y="2099256"/>
-                      <a:ext cx="1146220" cy="772733"/>
-                    </a:xfrm>
-                    <a:prstGeom prst="bentConnector3">
-                      <a:avLst/>
-                    </a:prstGeom>
-                    <a:ln>
-                      <a:solidFill>
-                        <a:schemeClr val="tx1"/>
-                      </a:solidFill>
-                    </a:ln>
-                  </p:spPr>
-                  <p:style>
-                    <a:lnRef idx="1">
-                      <a:schemeClr val="accent1"/>
-                    </a:lnRef>
-                    <a:fillRef idx="0">
-                      <a:schemeClr val="accent1"/>
-                    </a:fillRef>
-                    <a:effectRef idx="0">
-                      <a:schemeClr val="accent1"/>
-                    </a:effectRef>
-                    <a:fontRef idx="minor">
-                      <a:schemeClr val="tx1"/>
-                    </a:fontRef>
-                  </p:style>
-                </p:cxnSp>
-                <p:cxnSp>
-                  <p:nvCxnSpPr>
-                    <p:cNvPr id="52" name="肘形连接符 41"/>
-                    <p:cNvCxnSpPr/>
-                    <p:nvPr/>
-                  </p:nvCxnSpPr>
-                  <p:spPr>
-                    <a:xfrm flipH="1">
-                      <a:off x="2550017" y="2099256"/>
-                      <a:ext cx="1146220" cy="772733"/>
-                    </a:xfrm>
-                    <a:prstGeom prst="bentConnector3">
-                      <a:avLst/>
-                    </a:prstGeom>
-                    <a:ln>
-                      <a:solidFill>
-                        <a:schemeClr val="tx1"/>
-                      </a:solidFill>
-                    </a:ln>
-                  </p:spPr>
-                  <p:style>
-                    <a:lnRef idx="1">
-                      <a:schemeClr val="accent1"/>
-                    </a:lnRef>
-                    <a:fillRef idx="0">
-                      <a:schemeClr val="accent1"/>
-                    </a:fillRef>
-                    <a:effectRef idx="0">
-                      <a:schemeClr val="accent1"/>
-                    </a:effectRef>
-                    <a:fontRef idx="minor">
-                      <a:schemeClr val="tx1"/>
-                    </a:fontRef>
-                  </p:style>
-                </p:cxnSp>
-              </p:grpSp>
-              <p:cxnSp>
-                <p:nvCxnSpPr>
-                  <p:cNvPr id="45" name="直接连接符 43"/>
-                  <p:cNvCxnSpPr/>
-                  <p:nvPr/>
-                </p:nvCxnSpPr>
-                <p:spPr>
-                  <a:xfrm>
-                    <a:off x="4889499" y="3567448"/>
-                    <a:ext cx="1645920" cy="0"/>
-                  </a:xfrm>
-                  <a:prstGeom prst="line">
-                    <a:avLst/>
-                  </a:prstGeom>
-                  <a:ln>
-                    <a:solidFill>
-                      <a:schemeClr val="tx1"/>
-                    </a:solidFill>
-                  </a:ln>
-                </p:spPr>
-                <p:style>
-                  <a:lnRef idx="1">
-                    <a:schemeClr val="accent1"/>
-                  </a:lnRef>
-                  <a:fillRef idx="0">
-                    <a:schemeClr val="accent1"/>
-                  </a:fillRef>
-                  <a:effectRef idx="0">
-                    <a:schemeClr val="accent1"/>
-                  </a:effectRef>
-                  <a:fontRef idx="minor">
-                    <a:schemeClr val="tx1"/>
-                  </a:fontRef>
-                </p:style>
-              </p:cxnSp>
-              <p:cxnSp>
-                <p:nvCxnSpPr>
-                  <p:cNvPr id="46" name="直接连接符 44"/>
-                  <p:cNvCxnSpPr>
-                    <a:endCxn id="48" idx="1"/>
-                  </p:cNvCxnSpPr>
-                  <p:nvPr/>
-                </p:nvCxnSpPr>
-                <p:spPr>
-                  <a:xfrm>
-                    <a:off x="4787900" y="4574216"/>
-                    <a:ext cx="1733010" cy="0"/>
-                  </a:xfrm>
-                  <a:prstGeom prst="line">
-                    <a:avLst/>
-                  </a:prstGeom>
-                  <a:ln>
-                    <a:solidFill>
-                      <a:schemeClr val="tx1"/>
-                    </a:solidFill>
-                  </a:ln>
-                </p:spPr>
-                <p:style>
-                  <a:lnRef idx="1">
-                    <a:schemeClr val="accent1"/>
-                  </a:lnRef>
-                  <a:fillRef idx="0">
-                    <a:schemeClr val="accent1"/>
-                  </a:fillRef>
-                  <a:effectRef idx="0">
-                    <a:schemeClr val="accent1"/>
-                  </a:effectRef>
-                  <a:fontRef idx="minor">
-                    <a:schemeClr val="tx1"/>
-                  </a:fontRef>
-                </p:style>
-              </p:cxnSp>
-              <p:sp>
-                <p:nvSpPr>
-                  <p:cNvPr id="47" name="文本框 45"/>
-                  <p:cNvSpPr txBox="1"/>
-                  <p:nvPr/>
-                </p:nvSpPr>
-                <p:spPr>
-                  <a:xfrm>
-                    <a:off x="6519879" y="3391611"/>
-                    <a:ext cx="540913" cy="369332"/>
-                  </a:xfrm>
-                  <a:prstGeom prst="rect">
-                    <a:avLst/>
-                  </a:prstGeom>
-                  <a:noFill/>
-                </p:spPr>
-                <p:txBody>
-                  <a:bodyPr wrap="square" rtlCol="0">
-                    <a:spAutoFit/>
-                  </a:bodyPr>
-                  <a:lstStyle/>
-                  <a:p>
-                    <a:r>
-                      <a:rPr lang="en-US" altLang="zh-CN" i="1" dirty="0" smtClean="0"/>
-                      <a:t>E</a:t>
-                    </a:r>
-                    <a:r>
-                      <a:rPr lang="en-US" altLang="zh-CN" i="1" baseline="-25000" dirty="0" smtClean="0"/>
-                      <a:t>e1</a:t>
-                    </a:r>
-                    <a:endParaRPr lang="en-US" i="1" baseline="-25000" dirty="0"/>
-                  </a:p>
-                </p:txBody>
-              </p:sp>
-              <p:sp>
-                <p:nvSpPr>
-                  <p:cNvPr id="48" name="文本框 46"/>
-                  <p:cNvSpPr txBox="1"/>
-                  <p:nvPr/>
-                </p:nvSpPr>
-                <p:spPr>
-                  <a:xfrm>
-                    <a:off x="6520910" y="4389550"/>
-                    <a:ext cx="579791" cy="369332"/>
-                  </a:xfrm>
-                  <a:prstGeom prst="rect">
-                    <a:avLst/>
-                  </a:prstGeom>
-                  <a:noFill/>
-                </p:spPr>
-                <p:txBody>
-                  <a:bodyPr wrap="square" rtlCol="0">
-                    <a:spAutoFit/>
-                  </a:bodyPr>
-                  <a:lstStyle/>
-                  <a:p>
-                    <a:r>
-                      <a:rPr lang="en-US" altLang="zh-CN" i="1" dirty="0" smtClean="0"/>
-                      <a:t>E</a:t>
-                    </a:r>
-                    <a:r>
-                      <a:rPr lang="en-US" altLang="zh-CN" i="1" baseline="-25000" dirty="0" smtClean="0"/>
-                      <a:t>hh1</a:t>
-                    </a:r>
-                    <a:endParaRPr lang="en-US" i="1" baseline="-25000" dirty="0"/>
-                  </a:p>
-                </p:txBody>
-              </p:sp>
-              <p:cxnSp>
-                <p:nvCxnSpPr>
-                  <p:cNvPr id="49" name="直接连接符 50"/>
-                  <p:cNvCxnSpPr>
-                    <a:endCxn id="50" idx="1"/>
-                  </p:cNvCxnSpPr>
-                  <p:nvPr/>
-                </p:nvCxnSpPr>
-                <p:spPr>
-                  <a:xfrm>
-                    <a:off x="4501026" y="4061025"/>
-                    <a:ext cx="2020813" cy="0"/>
-                  </a:xfrm>
-                  <a:prstGeom prst="line">
-                    <a:avLst/>
-                  </a:prstGeom>
-                  <a:ln>
-                    <a:solidFill>
-                      <a:schemeClr val="accent1"/>
-                    </a:solidFill>
-                    <a:prstDash val="dash"/>
-                  </a:ln>
-                </p:spPr>
-                <p:style>
-                  <a:lnRef idx="1">
-                    <a:schemeClr val="accent1"/>
-                  </a:lnRef>
-                  <a:fillRef idx="0">
-                    <a:schemeClr val="accent1"/>
-                  </a:fillRef>
-                  <a:effectRef idx="0">
-                    <a:schemeClr val="accent1"/>
-                  </a:effectRef>
-                  <a:fontRef idx="minor">
-                    <a:schemeClr val="tx1"/>
-                  </a:fontRef>
-                </p:style>
-              </p:cxnSp>
-              <p:sp>
-                <p:nvSpPr>
-                  <p:cNvPr id="50" name="文本框 51"/>
-                  <p:cNvSpPr txBox="1"/>
-                  <p:nvPr/>
-                </p:nvSpPr>
-                <p:spPr>
-                  <a:xfrm>
-                    <a:off x="6521839" y="3876359"/>
-                    <a:ext cx="540913" cy="369332"/>
-                  </a:xfrm>
-                  <a:prstGeom prst="rect">
-                    <a:avLst/>
-                  </a:prstGeom>
-                  <a:noFill/>
-                </p:spPr>
-                <p:txBody>
-                  <a:bodyPr wrap="square" rtlCol="0">
-                    <a:spAutoFit/>
-                  </a:bodyPr>
-                  <a:lstStyle/>
-                  <a:p>
-                    <a:r>
-                      <a:rPr lang="en-US" altLang="zh-CN" i="1" dirty="0" smtClean="0"/>
-                      <a:t>E</a:t>
-                    </a:r>
-                    <a:r>
-                      <a:rPr lang="en-US" altLang="zh-CN" i="1" baseline="-25000" dirty="0" smtClean="0"/>
-                      <a:t>F</a:t>
-                    </a:r>
-                    <a:endParaRPr lang="en-US" i="1" baseline="-25000" dirty="0"/>
-                  </a:p>
-                </p:txBody>
-              </p:sp>
-            </p:grpSp>
-            <p:sp>
-              <p:nvSpPr>
-                <p:cNvPr id="34" name="文本框 52"/>
-                <p:cNvSpPr txBox="1"/>
-                <p:nvPr/>
-              </p:nvSpPr>
-              <p:spPr>
-                <a:xfrm>
-                  <a:off x="5232980" y="1891485"/>
-                  <a:ext cx="1332963" cy="369332"/>
-                </a:xfrm>
-                <a:prstGeom prst="rect">
-                  <a:avLst/>
-                </a:prstGeom>
-                <a:noFill/>
-              </p:spPr>
-              <p:txBody>
-                <a:bodyPr wrap="square" rtlCol="0">
-                  <a:spAutoFit/>
-                </a:bodyPr>
-                <a:lstStyle/>
-                <a:p>
-                  <a:pPr algn="ctr"/>
-                  <a:r>
-                    <a:rPr lang="en-US" i="1" dirty="0" smtClean="0"/>
-                    <a:t>F=0</a:t>
-                  </a:r>
-                  <a:endParaRPr lang="en-US" i="1" dirty="0"/>
-                </a:p>
-              </p:txBody>
-            </p:sp>
-            <p:grpSp>
-              <p:nvGrpSpPr>
-                <p:cNvPr id="35" name="组合 75"/>
-                <p:cNvGrpSpPr/>
-                <p:nvPr/>
-              </p:nvGrpSpPr>
-              <p:grpSpPr>
-                <a:xfrm>
-                  <a:off x="5232980" y="2757799"/>
-                  <a:ext cx="1351475" cy="385720"/>
-                  <a:chOff x="5022850" y="3192169"/>
-                  <a:chExt cx="1351475" cy="385720"/>
-                </a:xfrm>
-              </p:grpSpPr>
-              <p:sp>
-                <p:nvSpPr>
-                  <p:cNvPr id="41" name="任意多边形 73"/>
-                  <p:cNvSpPr/>
-                  <p:nvPr/>
-                </p:nvSpPr>
-                <p:spPr>
-                  <a:xfrm>
-                    <a:off x="5022850" y="3192169"/>
-                    <a:ext cx="711200" cy="385720"/>
-                  </a:xfrm>
-                  <a:custGeom>
-                    <a:avLst/>
-                    <a:gdLst>
-                      <a:gd name="connsiteX0" fmla="*/ 0 w 711200"/>
-                      <a:gd name="connsiteY0" fmla="*/ 382881 h 385720"/>
-                      <a:gd name="connsiteX1" fmla="*/ 203200 w 711200"/>
-                      <a:gd name="connsiteY1" fmla="*/ 376531 h 385720"/>
-                      <a:gd name="connsiteX2" fmla="*/ 323850 w 711200"/>
-                      <a:gd name="connsiteY2" fmla="*/ 306681 h 385720"/>
-                      <a:gd name="connsiteX3" fmla="*/ 412750 w 711200"/>
-                      <a:gd name="connsiteY3" fmla="*/ 192381 h 385720"/>
-                      <a:gd name="connsiteX4" fmla="*/ 463550 w 711200"/>
-                      <a:gd name="connsiteY4" fmla="*/ 103481 h 385720"/>
-                      <a:gd name="connsiteX5" fmla="*/ 539750 w 711200"/>
-                      <a:gd name="connsiteY5" fmla="*/ 27281 h 385720"/>
-                      <a:gd name="connsiteX6" fmla="*/ 628650 w 711200"/>
-                      <a:gd name="connsiteY6" fmla="*/ 1881 h 385720"/>
-                      <a:gd name="connsiteX7" fmla="*/ 711200 w 711200"/>
-                      <a:gd name="connsiteY7" fmla="*/ 1881 h 385720"/>
-                    </a:gdLst>
-                    <a:ahLst/>
-                    <a:cxnLst>
-                      <a:cxn ang="0">
-                        <a:pos x="connsiteX0" y="connsiteY0"/>
-                      </a:cxn>
-                      <a:cxn ang="0">
-                        <a:pos x="connsiteX1" y="connsiteY1"/>
-                      </a:cxn>
-                      <a:cxn ang="0">
-                        <a:pos x="connsiteX2" y="connsiteY2"/>
-                      </a:cxn>
-                      <a:cxn ang="0">
-                        <a:pos x="connsiteX3" y="connsiteY3"/>
-                      </a:cxn>
-                      <a:cxn ang="0">
-                        <a:pos x="connsiteX4" y="connsiteY4"/>
-                      </a:cxn>
-                      <a:cxn ang="0">
-                        <a:pos x="connsiteX5" y="connsiteY5"/>
-                      </a:cxn>
-                      <a:cxn ang="0">
-                        <a:pos x="connsiteX6" y="connsiteY6"/>
-                      </a:cxn>
-                      <a:cxn ang="0">
-                        <a:pos x="connsiteX7" y="connsiteY7"/>
-                      </a:cxn>
-                    </a:cxnLst>
-                    <a:rect l="l" t="t" r="r" b="b"/>
-                    <a:pathLst>
-                      <a:path w="711200" h="385720">
-                        <a:moveTo>
-                          <a:pt x="0" y="382881"/>
-                        </a:moveTo>
-                        <a:cubicBezTo>
-                          <a:pt x="74612" y="386056"/>
-                          <a:pt x="149225" y="389231"/>
-                          <a:pt x="203200" y="376531"/>
-                        </a:cubicBezTo>
-                        <a:cubicBezTo>
-                          <a:pt x="257175" y="363831"/>
-                          <a:pt x="288925" y="337373"/>
-                          <a:pt x="323850" y="306681"/>
-                        </a:cubicBezTo>
-                        <a:cubicBezTo>
-                          <a:pt x="358775" y="275989"/>
-                          <a:pt x="389467" y="226248"/>
-                          <a:pt x="412750" y="192381"/>
-                        </a:cubicBezTo>
-                        <a:cubicBezTo>
-                          <a:pt x="436033" y="158514"/>
-                          <a:pt x="442383" y="130998"/>
-                          <a:pt x="463550" y="103481"/>
-                        </a:cubicBezTo>
-                        <a:cubicBezTo>
-                          <a:pt x="484717" y="75964"/>
-                          <a:pt x="512233" y="44214"/>
-                          <a:pt x="539750" y="27281"/>
-                        </a:cubicBezTo>
-                        <a:cubicBezTo>
-                          <a:pt x="567267" y="10348"/>
-                          <a:pt x="600075" y="6114"/>
-                          <a:pt x="628650" y="1881"/>
-                        </a:cubicBezTo>
-                        <a:cubicBezTo>
-                          <a:pt x="657225" y="-2352"/>
-                          <a:pt x="711200" y="1881"/>
-                          <a:pt x="711200" y="1881"/>
-                        </a:cubicBezTo>
-                      </a:path>
-                    </a:pathLst>
-                  </a:custGeom>
-                  <a:noFill/>
-                  <a:ln>
-                    <a:solidFill>
-                      <a:schemeClr val="accent6"/>
-                    </a:solidFill>
-                  </a:ln>
-                </p:spPr>
-                <p:style>
-                  <a:lnRef idx="2">
-                    <a:schemeClr val="accent1">
-                      <a:shade val="50000"/>
-                    </a:schemeClr>
-                  </a:lnRef>
-                  <a:fillRef idx="1">
-                    <a:schemeClr val="accent1"/>
-                  </a:fillRef>
-                  <a:effectRef idx="0">
-                    <a:schemeClr val="accent1"/>
-                  </a:effectRef>
-                  <a:fontRef idx="minor">
-                    <a:schemeClr val="lt1"/>
-                  </a:fontRef>
-                </p:style>
-                <p:txBody>
-                  <a:bodyPr rtlCol="0" anchor="ctr"/>
-                  <a:lstStyle/>
-                  <a:p>
-                    <a:pPr algn="ctr"/>
-                    <a:endParaRPr lang="en-US"/>
-                  </a:p>
-                </p:txBody>
-              </p:sp>
-              <p:sp>
-                <p:nvSpPr>
-                  <p:cNvPr id="42" name="任意多边形 74"/>
-                  <p:cNvSpPr/>
-                  <p:nvPr/>
-                </p:nvSpPr>
-                <p:spPr>
-                  <a:xfrm flipH="1">
-                    <a:off x="5663125" y="3192169"/>
-                    <a:ext cx="711200" cy="385720"/>
-                  </a:xfrm>
-                  <a:custGeom>
-                    <a:avLst/>
-                    <a:gdLst>
-                      <a:gd name="connsiteX0" fmla="*/ 0 w 711200"/>
-                      <a:gd name="connsiteY0" fmla="*/ 382881 h 385720"/>
-                      <a:gd name="connsiteX1" fmla="*/ 203200 w 711200"/>
-                      <a:gd name="connsiteY1" fmla="*/ 376531 h 385720"/>
-                      <a:gd name="connsiteX2" fmla="*/ 323850 w 711200"/>
-                      <a:gd name="connsiteY2" fmla="*/ 306681 h 385720"/>
-                      <a:gd name="connsiteX3" fmla="*/ 412750 w 711200"/>
-                      <a:gd name="connsiteY3" fmla="*/ 192381 h 385720"/>
-                      <a:gd name="connsiteX4" fmla="*/ 463550 w 711200"/>
-                      <a:gd name="connsiteY4" fmla="*/ 103481 h 385720"/>
-                      <a:gd name="connsiteX5" fmla="*/ 539750 w 711200"/>
-                      <a:gd name="connsiteY5" fmla="*/ 27281 h 385720"/>
-                      <a:gd name="connsiteX6" fmla="*/ 628650 w 711200"/>
-                      <a:gd name="connsiteY6" fmla="*/ 1881 h 385720"/>
-                      <a:gd name="connsiteX7" fmla="*/ 711200 w 711200"/>
-                      <a:gd name="connsiteY7" fmla="*/ 1881 h 385720"/>
-                    </a:gdLst>
-                    <a:ahLst/>
-                    <a:cxnLst>
-                      <a:cxn ang="0">
-                        <a:pos x="connsiteX0" y="connsiteY0"/>
-                      </a:cxn>
-                      <a:cxn ang="0">
-                        <a:pos x="connsiteX1" y="connsiteY1"/>
-                      </a:cxn>
-                      <a:cxn ang="0">
-                        <a:pos x="connsiteX2" y="connsiteY2"/>
-                      </a:cxn>
-                      <a:cxn ang="0">
-                        <a:pos x="connsiteX3" y="connsiteY3"/>
-                      </a:cxn>
-                      <a:cxn ang="0">
-                        <a:pos x="connsiteX4" y="connsiteY4"/>
-                      </a:cxn>
-                      <a:cxn ang="0">
-                        <a:pos x="connsiteX5" y="connsiteY5"/>
-                      </a:cxn>
-                      <a:cxn ang="0">
-                        <a:pos x="connsiteX6" y="connsiteY6"/>
-                      </a:cxn>
-                      <a:cxn ang="0">
-                        <a:pos x="connsiteX7" y="connsiteY7"/>
-                      </a:cxn>
-                    </a:cxnLst>
-                    <a:rect l="l" t="t" r="r" b="b"/>
-                    <a:pathLst>
-                      <a:path w="711200" h="385720">
-                        <a:moveTo>
-                          <a:pt x="0" y="382881"/>
-                        </a:moveTo>
-                        <a:cubicBezTo>
-                          <a:pt x="74612" y="386056"/>
-                          <a:pt x="149225" y="389231"/>
-                          <a:pt x="203200" y="376531"/>
-                        </a:cubicBezTo>
-                        <a:cubicBezTo>
-                          <a:pt x="257175" y="363831"/>
-                          <a:pt x="288925" y="337373"/>
-                          <a:pt x="323850" y="306681"/>
-                        </a:cubicBezTo>
-                        <a:cubicBezTo>
-                          <a:pt x="358775" y="275989"/>
-                          <a:pt x="389467" y="226248"/>
-                          <a:pt x="412750" y="192381"/>
-                        </a:cubicBezTo>
-                        <a:cubicBezTo>
-                          <a:pt x="436033" y="158514"/>
-                          <a:pt x="442383" y="130998"/>
-                          <a:pt x="463550" y="103481"/>
-                        </a:cubicBezTo>
-                        <a:cubicBezTo>
-                          <a:pt x="484717" y="75964"/>
-                          <a:pt x="512233" y="44214"/>
-                          <a:pt x="539750" y="27281"/>
-                        </a:cubicBezTo>
-                        <a:cubicBezTo>
-                          <a:pt x="567267" y="10348"/>
-                          <a:pt x="600075" y="6114"/>
-                          <a:pt x="628650" y="1881"/>
-                        </a:cubicBezTo>
-                        <a:cubicBezTo>
-                          <a:pt x="657225" y="-2352"/>
-                          <a:pt x="711200" y="1881"/>
-                          <a:pt x="711200" y="1881"/>
-                        </a:cubicBezTo>
-                      </a:path>
-                    </a:pathLst>
-                  </a:custGeom>
-                  <a:noFill/>
-                  <a:ln>
-                    <a:solidFill>
-                      <a:schemeClr val="accent6"/>
-                    </a:solidFill>
-                  </a:ln>
-                </p:spPr>
-                <p:style>
-                  <a:lnRef idx="2">
-                    <a:schemeClr val="accent1">
-                      <a:shade val="50000"/>
-                    </a:schemeClr>
-                  </a:lnRef>
-                  <a:fillRef idx="1">
-                    <a:schemeClr val="accent1"/>
-                  </a:fillRef>
-                  <a:effectRef idx="0">
-                    <a:schemeClr val="accent1"/>
-                  </a:effectRef>
-                  <a:fontRef idx="minor">
-                    <a:schemeClr val="lt1"/>
-                  </a:fontRef>
-                </p:style>
-                <p:txBody>
-                  <a:bodyPr rtlCol="0" anchor="ctr"/>
-                  <a:lstStyle/>
-                  <a:p>
-                    <a:pPr algn="ctr"/>
-                    <a:endParaRPr lang="en-US"/>
-                  </a:p>
-                </p:txBody>
-              </p:sp>
-            </p:grpSp>
-            <p:grpSp>
-              <p:nvGrpSpPr>
-                <p:cNvPr id="36" name="组合 78"/>
-                <p:cNvGrpSpPr/>
-                <p:nvPr/>
-              </p:nvGrpSpPr>
-              <p:grpSpPr>
-                <a:xfrm rot="10800000">
-                  <a:off x="5177886" y="4177592"/>
-                  <a:ext cx="1351475" cy="272554"/>
-                  <a:chOff x="5022850" y="3192169"/>
-                  <a:chExt cx="1351475" cy="385720"/>
-                </a:xfrm>
-              </p:grpSpPr>
-              <p:sp>
-                <p:nvSpPr>
-                  <p:cNvPr id="39" name="任意多边形 79"/>
-                  <p:cNvSpPr/>
-                  <p:nvPr/>
-                </p:nvSpPr>
-                <p:spPr>
-                  <a:xfrm>
-                    <a:off x="5022850" y="3192169"/>
-                    <a:ext cx="711200" cy="385720"/>
-                  </a:xfrm>
-                  <a:custGeom>
-                    <a:avLst/>
-                    <a:gdLst>
-                      <a:gd name="connsiteX0" fmla="*/ 0 w 711200"/>
-                      <a:gd name="connsiteY0" fmla="*/ 382881 h 385720"/>
-                      <a:gd name="connsiteX1" fmla="*/ 203200 w 711200"/>
-                      <a:gd name="connsiteY1" fmla="*/ 376531 h 385720"/>
-                      <a:gd name="connsiteX2" fmla="*/ 323850 w 711200"/>
-                      <a:gd name="connsiteY2" fmla="*/ 306681 h 385720"/>
-                      <a:gd name="connsiteX3" fmla="*/ 412750 w 711200"/>
-                      <a:gd name="connsiteY3" fmla="*/ 192381 h 385720"/>
-                      <a:gd name="connsiteX4" fmla="*/ 463550 w 711200"/>
-                      <a:gd name="connsiteY4" fmla="*/ 103481 h 385720"/>
-                      <a:gd name="connsiteX5" fmla="*/ 539750 w 711200"/>
-                      <a:gd name="connsiteY5" fmla="*/ 27281 h 385720"/>
-                      <a:gd name="connsiteX6" fmla="*/ 628650 w 711200"/>
-                      <a:gd name="connsiteY6" fmla="*/ 1881 h 385720"/>
-                      <a:gd name="connsiteX7" fmla="*/ 711200 w 711200"/>
-                      <a:gd name="connsiteY7" fmla="*/ 1881 h 385720"/>
-                    </a:gdLst>
-                    <a:ahLst/>
-                    <a:cxnLst>
-                      <a:cxn ang="0">
-                        <a:pos x="connsiteX0" y="connsiteY0"/>
-                      </a:cxn>
-                      <a:cxn ang="0">
-                        <a:pos x="connsiteX1" y="connsiteY1"/>
-                      </a:cxn>
-                      <a:cxn ang="0">
-                        <a:pos x="connsiteX2" y="connsiteY2"/>
-                      </a:cxn>
-                      <a:cxn ang="0">
-                        <a:pos x="connsiteX3" y="connsiteY3"/>
-                      </a:cxn>
-                      <a:cxn ang="0">
-                        <a:pos x="connsiteX4" y="connsiteY4"/>
-                      </a:cxn>
-                      <a:cxn ang="0">
-                        <a:pos x="connsiteX5" y="connsiteY5"/>
-                      </a:cxn>
-                      <a:cxn ang="0">
-                        <a:pos x="connsiteX6" y="connsiteY6"/>
-                      </a:cxn>
-                      <a:cxn ang="0">
-                        <a:pos x="connsiteX7" y="connsiteY7"/>
-                      </a:cxn>
-                    </a:cxnLst>
-                    <a:rect l="l" t="t" r="r" b="b"/>
-                    <a:pathLst>
-                      <a:path w="711200" h="385720">
-                        <a:moveTo>
-                          <a:pt x="0" y="382881"/>
-                        </a:moveTo>
-                        <a:cubicBezTo>
-                          <a:pt x="74612" y="386056"/>
-                          <a:pt x="149225" y="389231"/>
-                          <a:pt x="203200" y="376531"/>
-                        </a:cubicBezTo>
-                        <a:cubicBezTo>
-                          <a:pt x="257175" y="363831"/>
-                          <a:pt x="288925" y="337373"/>
-                          <a:pt x="323850" y="306681"/>
-                        </a:cubicBezTo>
-                        <a:cubicBezTo>
-                          <a:pt x="358775" y="275989"/>
-                          <a:pt x="389467" y="226248"/>
-                          <a:pt x="412750" y="192381"/>
-                        </a:cubicBezTo>
-                        <a:cubicBezTo>
-                          <a:pt x="436033" y="158514"/>
-                          <a:pt x="442383" y="130998"/>
-                          <a:pt x="463550" y="103481"/>
-                        </a:cubicBezTo>
-                        <a:cubicBezTo>
-                          <a:pt x="484717" y="75964"/>
-                          <a:pt x="512233" y="44214"/>
-                          <a:pt x="539750" y="27281"/>
-                        </a:cubicBezTo>
-                        <a:cubicBezTo>
-                          <a:pt x="567267" y="10348"/>
-                          <a:pt x="600075" y="6114"/>
-                          <a:pt x="628650" y="1881"/>
-                        </a:cubicBezTo>
-                        <a:cubicBezTo>
-                          <a:pt x="657225" y="-2352"/>
-                          <a:pt x="711200" y="1881"/>
-                          <a:pt x="711200" y="1881"/>
-                        </a:cubicBezTo>
-                      </a:path>
-                    </a:pathLst>
-                  </a:custGeom>
-                  <a:noFill/>
-                  <a:ln>
-                    <a:solidFill>
-                      <a:schemeClr val="accent6"/>
-                    </a:solidFill>
-                  </a:ln>
-                </p:spPr>
-                <p:style>
-                  <a:lnRef idx="2">
-                    <a:schemeClr val="accent1">
-                      <a:shade val="50000"/>
-                    </a:schemeClr>
-                  </a:lnRef>
-                  <a:fillRef idx="1">
-                    <a:schemeClr val="accent1"/>
-                  </a:fillRef>
-                  <a:effectRef idx="0">
-                    <a:schemeClr val="accent1"/>
-                  </a:effectRef>
-                  <a:fontRef idx="minor">
-                    <a:schemeClr val="lt1"/>
-                  </a:fontRef>
-                </p:style>
-                <p:txBody>
-                  <a:bodyPr rtlCol="0" anchor="ctr"/>
-                  <a:lstStyle/>
-                  <a:p>
-                    <a:pPr algn="ctr"/>
-                    <a:endParaRPr lang="en-US"/>
-                  </a:p>
-                </p:txBody>
-              </p:sp>
-              <p:sp>
-                <p:nvSpPr>
-                  <p:cNvPr id="40" name="任意多边形 80"/>
-                  <p:cNvSpPr/>
-                  <p:nvPr/>
-                </p:nvSpPr>
-                <p:spPr>
-                  <a:xfrm flipH="1">
-                    <a:off x="5663125" y="3192169"/>
-                    <a:ext cx="711200" cy="385720"/>
-                  </a:xfrm>
-                  <a:custGeom>
-                    <a:avLst/>
-                    <a:gdLst>
-                      <a:gd name="connsiteX0" fmla="*/ 0 w 711200"/>
-                      <a:gd name="connsiteY0" fmla="*/ 382881 h 385720"/>
-                      <a:gd name="connsiteX1" fmla="*/ 203200 w 711200"/>
-                      <a:gd name="connsiteY1" fmla="*/ 376531 h 385720"/>
-                      <a:gd name="connsiteX2" fmla="*/ 323850 w 711200"/>
-                      <a:gd name="connsiteY2" fmla="*/ 306681 h 385720"/>
-                      <a:gd name="connsiteX3" fmla="*/ 412750 w 711200"/>
-                      <a:gd name="connsiteY3" fmla="*/ 192381 h 385720"/>
-                      <a:gd name="connsiteX4" fmla="*/ 463550 w 711200"/>
-                      <a:gd name="connsiteY4" fmla="*/ 103481 h 385720"/>
-                      <a:gd name="connsiteX5" fmla="*/ 539750 w 711200"/>
-                      <a:gd name="connsiteY5" fmla="*/ 27281 h 385720"/>
-                      <a:gd name="connsiteX6" fmla="*/ 628650 w 711200"/>
-                      <a:gd name="connsiteY6" fmla="*/ 1881 h 385720"/>
-                      <a:gd name="connsiteX7" fmla="*/ 711200 w 711200"/>
-                      <a:gd name="connsiteY7" fmla="*/ 1881 h 385720"/>
-                    </a:gdLst>
-                    <a:ahLst/>
-                    <a:cxnLst>
-                      <a:cxn ang="0">
-                        <a:pos x="connsiteX0" y="connsiteY0"/>
-                      </a:cxn>
-                      <a:cxn ang="0">
-                        <a:pos x="connsiteX1" y="connsiteY1"/>
-                      </a:cxn>
-                      <a:cxn ang="0">
-                        <a:pos x="connsiteX2" y="connsiteY2"/>
-                      </a:cxn>
-                      <a:cxn ang="0">
-                        <a:pos x="connsiteX3" y="connsiteY3"/>
-                      </a:cxn>
-                      <a:cxn ang="0">
-                        <a:pos x="connsiteX4" y="connsiteY4"/>
-                      </a:cxn>
-                      <a:cxn ang="0">
-                        <a:pos x="connsiteX5" y="connsiteY5"/>
-                      </a:cxn>
-                      <a:cxn ang="0">
-                        <a:pos x="connsiteX6" y="connsiteY6"/>
-                      </a:cxn>
-                      <a:cxn ang="0">
-                        <a:pos x="connsiteX7" y="connsiteY7"/>
-                      </a:cxn>
-                    </a:cxnLst>
-                    <a:rect l="l" t="t" r="r" b="b"/>
-                    <a:pathLst>
-                      <a:path w="711200" h="385720">
-                        <a:moveTo>
-                          <a:pt x="0" y="382881"/>
-                        </a:moveTo>
-                        <a:cubicBezTo>
-                          <a:pt x="74612" y="386056"/>
-                          <a:pt x="149225" y="389231"/>
-                          <a:pt x="203200" y="376531"/>
-                        </a:cubicBezTo>
-                        <a:cubicBezTo>
-                          <a:pt x="257175" y="363831"/>
-                          <a:pt x="288925" y="337373"/>
-                          <a:pt x="323850" y="306681"/>
-                        </a:cubicBezTo>
-                        <a:cubicBezTo>
-                          <a:pt x="358775" y="275989"/>
-                          <a:pt x="389467" y="226248"/>
-                          <a:pt x="412750" y="192381"/>
-                        </a:cubicBezTo>
-                        <a:cubicBezTo>
-                          <a:pt x="436033" y="158514"/>
-                          <a:pt x="442383" y="130998"/>
-                          <a:pt x="463550" y="103481"/>
-                        </a:cubicBezTo>
-                        <a:cubicBezTo>
-                          <a:pt x="484717" y="75964"/>
-                          <a:pt x="512233" y="44214"/>
-                          <a:pt x="539750" y="27281"/>
-                        </a:cubicBezTo>
-                        <a:cubicBezTo>
-                          <a:pt x="567267" y="10348"/>
-                          <a:pt x="600075" y="6114"/>
-                          <a:pt x="628650" y="1881"/>
-                        </a:cubicBezTo>
-                        <a:cubicBezTo>
-                          <a:pt x="657225" y="-2352"/>
-                          <a:pt x="711200" y="1881"/>
-                          <a:pt x="711200" y="1881"/>
-                        </a:cubicBezTo>
-                      </a:path>
-                    </a:pathLst>
-                  </a:custGeom>
-                  <a:noFill/>
-                  <a:ln>
-                    <a:solidFill>
-                      <a:schemeClr val="accent6"/>
-                    </a:solidFill>
-                  </a:ln>
-                </p:spPr>
-                <p:style>
-                  <a:lnRef idx="2">
-                    <a:schemeClr val="accent1">
-                      <a:shade val="50000"/>
-                    </a:schemeClr>
-                  </a:lnRef>
-                  <a:fillRef idx="1">
-                    <a:schemeClr val="accent1"/>
-                  </a:fillRef>
-                  <a:effectRef idx="0">
-                    <a:schemeClr val="accent1"/>
-                  </a:effectRef>
-                  <a:fontRef idx="minor">
-                    <a:schemeClr val="lt1"/>
-                  </a:fontRef>
-                </p:style>
-                <p:txBody>
-                  <a:bodyPr rtlCol="0" anchor="ctr"/>
-                  <a:lstStyle/>
-                  <a:p>
-                    <a:pPr algn="ctr"/>
-                    <a:endParaRPr lang="en-US"/>
-                  </a:p>
-                </p:txBody>
-              </p:sp>
-            </p:grpSp>
-            <p:cxnSp>
-              <p:nvCxnSpPr>
-                <p:cNvPr id="37" name="Straight Arrow Connector 36"/>
-                <p:cNvCxnSpPr/>
-                <p:nvPr/>
-              </p:nvCxnSpPr>
-              <p:spPr>
-                <a:xfrm>
-                  <a:off x="5874525" y="3364987"/>
-                  <a:ext cx="0" cy="601424"/>
-                </a:xfrm>
-                <a:prstGeom prst="straightConnector1">
-                  <a:avLst/>
-                </a:prstGeom>
-                <a:ln>
-                  <a:solidFill>
-                    <a:schemeClr val="tx1"/>
-                  </a:solidFill>
-                  <a:headEnd type="triangle"/>
-                  <a:tailEnd type="triangle"/>
-                </a:ln>
-              </p:spPr>
-              <p:style>
-                <a:lnRef idx="1">
-                  <a:schemeClr val="accent1"/>
-                </a:lnRef>
-                <a:fillRef idx="0">
-                  <a:schemeClr val="accent1"/>
-                </a:fillRef>
-                <a:effectRef idx="0">
-                  <a:schemeClr val="accent1"/>
-                </a:effectRef>
-                <a:fontRef idx="minor">
-                  <a:schemeClr val="tx1"/>
-                </a:fontRef>
-              </p:style>
-            </p:cxnSp>
-            <p:sp>
-              <p:nvSpPr>
-                <p:cNvPr id="38" name="TextBox 37"/>
-                <p:cNvSpPr txBox="1"/>
-                <p:nvPr/>
-              </p:nvSpPr>
-              <p:spPr>
-                <a:xfrm>
-                  <a:off x="5721270" y="3493997"/>
-                  <a:ext cx="445820" cy="369332"/>
-                </a:xfrm>
-                <a:prstGeom prst="rect">
-                  <a:avLst/>
-                </a:prstGeom>
-                <a:solidFill>
-                  <a:schemeClr val="bg1"/>
-                </a:solidFill>
-              </p:spPr>
-              <p:txBody>
-                <a:bodyPr wrap="square" rtlCol="0">
-                  <a:spAutoFit/>
-                </a:bodyPr>
-                <a:lstStyle/>
-                <a:p>
-                  <a:r>
-                    <a:rPr lang="en-US" altLang="zh-CN" i="1" dirty="0" err="1" smtClean="0"/>
-                    <a:t>E</a:t>
-                  </a:r>
-                  <a:r>
-                    <a:rPr lang="en-US" altLang="zh-CN" i="1" baseline="-25000" dirty="0" err="1" smtClean="0"/>
-                    <a:t>g</a:t>
-                  </a:r>
-                  <a:endParaRPr lang="en-US" i="1" baseline="-25000" dirty="0"/>
-                </a:p>
-              </p:txBody>
-            </p:sp>
-          </p:grpSp>
-          <p:cxnSp>
-            <p:nvCxnSpPr>
-              <p:cNvPr id="60" name="Straight Arrow Connector 59"/>
-              <p:cNvCxnSpPr/>
-              <p:nvPr/>
-            </p:nvCxnSpPr>
-            <p:spPr>
-              <a:xfrm>
-                <a:off x="7359323" y="3133139"/>
-                <a:ext cx="0" cy="1033311"/>
-              </a:xfrm>
-              <a:prstGeom prst="straightConnector1">
-                <a:avLst/>
-              </a:prstGeom>
-              <a:ln>
-                <a:solidFill>
-                  <a:schemeClr val="tx1"/>
-                </a:solidFill>
-                <a:headEnd type="triangle"/>
-                <a:tailEnd type="triangle"/>
-              </a:ln>
-            </p:spPr>
-            <p:style>
-              <a:lnRef idx="1">
-                <a:schemeClr val="accent1"/>
-              </a:lnRef>
-              <a:fillRef idx="0">
-                <a:schemeClr val="accent1"/>
-              </a:fillRef>
-              <a:effectRef idx="0">
-                <a:schemeClr val="accent1"/>
-              </a:effectRef>
-              <a:fontRef idx="minor">
-                <a:schemeClr val="tx1"/>
-              </a:fontRef>
-            </p:style>
-          </p:cxnSp>
-          <p:sp>
-            <p:nvSpPr>
-              <p:cNvPr id="61" name="TextBox 60"/>
-              <p:cNvSpPr txBox="1"/>
-              <p:nvPr/>
-            </p:nvSpPr>
-            <p:spPr>
-              <a:xfrm flipH="1">
-                <a:off x="7059269" y="3438516"/>
-                <a:ext cx="509372" cy="369332"/>
-              </a:xfrm>
-              <a:prstGeom prst="rect">
-                <a:avLst/>
-              </a:prstGeom>
-              <a:solidFill>
-                <a:schemeClr val="bg1"/>
-              </a:solidFill>
-            </p:spPr>
-            <p:txBody>
-              <a:bodyPr wrap="square" rtlCol="0">
-                <a:spAutoFit/>
-              </a:bodyPr>
-              <a:lstStyle/>
-              <a:p>
-                <a:r>
-                  <a:rPr lang="en-US" altLang="zh-CN" i="1" dirty="0" err="1" smtClean="0">
-                    <a:latin typeface="Times New Roman" panose="02020603050405020304" pitchFamily="18" charset="0"/>
-                    <a:cs typeface="Times New Roman" panose="02020603050405020304" pitchFamily="18" charset="0"/>
-                  </a:rPr>
-                  <a:t>E</a:t>
-                </a:r>
-                <a:r>
-                  <a:rPr lang="en-US" altLang="zh-CN" i="1" baseline="-25000" dirty="0" err="1" smtClean="0">
-                    <a:latin typeface="Times New Roman" panose="02020603050405020304" pitchFamily="18" charset="0"/>
-                    <a:cs typeface="Times New Roman" panose="02020603050405020304" pitchFamily="18" charset="0"/>
-                  </a:rPr>
-                  <a:t>hv</a:t>
-                </a:r>
-                <a:endParaRPr lang="en-US" i="1" baseline="-25000" dirty="0">
-                  <a:latin typeface="Times New Roman" panose="02020603050405020304" pitchFamily="18" charset="0"/>
-                  <a:cs typeface="Times New Roman" panose="02020603050405020304" pitchFamily="18" charset="0"/>
-                </a:endParaRPr>
-              </a:p>
-            </p:txBody>
-          </p:sp>
-        </p:grpSp>
+            <a:prstGeom prst="rect">
+              <a:avLst/>
+            </a:prstGeom>
+            <a:noFill/>
+          </p:spPr>
+          <p:txBody>
+            <a:bodyPr wrap="none" rtlCol="0">
+              <a:spAutoFit/>
+            </a:bodyPr>
+            <a:lstStyle/>
+            <a:p>
+              <a:r>
+                <a:rPr lang="en-US" sz="2000" dirty="0" smtClean="0"/>
+                <a:t>(a)</a:t>
+              </a:r>
+              <a:endParaRPr lang="en-US" sz="2000" dirty="0"/>
+            </a:p>
+          </p:txBody>
+        </p:sp>
+        <p:sp>
+          <p:nvSpPr>
+            <p:cNvPr id="65" name="TextBox 64"/>
+            <p:cNvSpPr txBox="1"/>
+            <p:nvPr/>
+          </p:nvSpPr>
+          <p:spPr>
+            <a:xfrm>
+              <a:off x="5941801" y="1565251"/>
+              <a:ext cx="482824" cy="400110"/>
+            </a:xfrm>
+            <a:prstGeom prst="rect">
+              <a:avLst/>
+            </a:prstGeom>
+            <a:noFill/>
+          </p:spPr>
+          <p:txBody>
+            <a:bodyPr wrap="none" rtlCol="0">
+              <a:spAutoFit/>
+            </a:bodyPr>
+            <a:lstStyle/>
+            <a:p>
+              <a:r>
+                <a:rPr lang="en-US" sz="2000" dirty="0" smtClean="0"/>
+                <a:t>(b)</a:t>
+              </a:r>
+              <a:endParaRPr lang="en-US" sz="2000" dirty="0"/>
+            </a:p>
+          </p:txBody>
+        </p:sp>
       </p:grpSp>
-      <p:sp>
-        <p:nvSpPr>
-          <p:cNvPr id="69" name="TextBox 68"/>
-          <p:cNvSpPr txBox="1"/>
-          <p:nvPr/>
-        </p:nvSpPr>
-        <p:spPr>
-          <a:xfrm>
-            <a:off x="1825767" y="5045058"/>
-            <a:ext cx="8896448" cy="369332"/>
-          </a:xfrm>
-          <a:prstGeom prst="rect">
-            <a:avLst/>
-          </a:prstGeom>
-          <a:noFill/>
-        </p:spPr>
-        <p:txBody>
-          <a:bodyPr wrap="square" rtlCol="0">
-            <a:spAutoFit/>
-          </a:bodyPr>
-          <a:lstStyle/>
-          <a:p>
-            <a:r>
-              <a:rPr lang="zh-CN" altLang="en-US" dirty="0" smtClean="0"/>
-              <a:t>量子阱的能带和波函数的示意图（</a:t>
-            </a:r>
-            <a:r>
-              <a:rPr lang="en-US" altLang="zh-CN" dirty="0" smtClean="0"/>
-              <a:t>a</a:t>
-            </a:r>
-            <a:r>
-              <a:rPr lang="zh-CN" altLang="en-US" dirty="0" smtClean="0"/>
-              <a:t>）没有外界加电场下；（</a:t>
-            </a:r>
-            <a:r>
-              <a:rPr lang="en-US" altLang="zh-CN" dirty="0" smtClean="0"/>
-              <a:t>b</a:t>
-            </a:r>
-            <a:r>
-              <a:rPr lang="zh-CN" altLang="en-US" dirty="0" smtClean="0"/>
-              <a:t>）在外界电场的时候</a:t>
-            </a:r>
-            <a:endParaRPr lang="en-US" dirty="0"/>
-          </a:p>
-        </p:txBody>
-      </p:sp>
     </p:spTree>
     <p:extLst>
       <p:ext uri="{BB962C8B-B14F-4D97-AF65-F5344CB8AC3E}">
@@ -5953,8 +6035,621 @@
           <a:chExt cx="0" cy="0"/>
         </a:xfrm>
       </p:grpSpPr>
-      <mc:AlternateContent xmlns:mc="http://schemas.openxmlformats.org/markup-compatibility/2006">
-        <mc:Choice xmlns:a14="http://schemas.microsoft.com/office/drawing/2010/main" Requires="a14">
+      <p:grpSp>
+        <p:nvGrpSpPr>
+          <p:cNvPr id="22" name="Group 21"/>
+          <p:cNvGrpSpPr/>
+          <p:nvPr/>
+        </p:nvGrpSpPr>
+        <p:grpSpPr>
+          <a:xfrm>
+            <a:off x="736283" y="981896"/>
+            <a:ext cx="9872378" cy="5121372"/>
+            <a:chOff x="736283" y="981896"/>
+            <a:chExt cx="9872378" cy="5121372"/>
+          </a:xfrm>
+        </p:grpSpPr>
+        <p:sp>
+          <p:nvSpPr>
+            <p:cNvPr id="5" name="Rounded Rectangle 4"/>
+            <p:cNvSpPr/>
+            <p:nvPr/>
+          </p:nvSpPr>
+          <p:spPr>
+            <a:xfrm>
+              <a:off x="1204682" y="1418773"/>
+              <a:ext cx="3280231" cy="885371"/>
+            </a:xfrm>
+            <a:prstGeom prst="roundRect">
+              <a:avLst/>
+            </a:prstGeom>
+          </p:spPr>
+          <p:style>
+            <a:lnRef idx="2">
+              <a:schemeClr val="accent1">
+                <a:shade val="50000"/>
+              </a:schemeClr>
+            </a:lnRef>
+            <a:fillRef idx="1">
+              <a:schemeClr val="accent1"/>
+            </a:fillRef>
+            <a:effectRef idx="0">
+              <a:schemeClr val="accent1"/>
+            </a:effectRef>
+            <a:fontRef idx="minor">
+              <a:schemeClr val="lt1"/>
+            </a:fontRef>
+          </p:style>
+          <p:txBody>
+            <a:bodyPr rtlCol="0" anchor="ctr"/>
+            <a:lstStyle/>
+            <a:p>
+              <a:pPr algn="ctr"/>
+              <a:r>
+                <a:rPr lang="en-US" altLang="zh-CN" dirty="0" smtClean="0"/>
+                <a:t>(1) </a:t>
+              </a:r>
+              <a:r>
+                <a:rPr lang="zh-CN" altLang="en-US" dirty="0" smtClean="0"/>
+                <a:t>导带和价带能带边沿</a:t>
+              </a:r>
+              <a:endParaRPr lang="en-US" altLang="zh-CN" dirty="0" smtClean="0"/>
+            </a:p>
+            <a:p>
+              <a:pPr algn="ctr"/>
+              <a:r>
+                <a:rPr lang="zh-CN" altLang="en-US" dirty="0"/>
+                <a:t>电子，空穴的等效质</a:t>
+              </a:r>
+              <a:r>
+                <a:rPr lang="zh-CN" altLang="en-US" dirty="0" smtClean="0"/>
+                <a:t>量</a:t>
+              </a:r>
+              <a:endParaRPr lang="en-US" altLang="zh-CN" dirty="0" smtClean="0"/>
+            </a:p>
+            <a:p>
+              <a:pPr algn="ctr"/>
+              <a:r>
+                <a:rPr lang="zh-CN" altLang="en-US" dirty="0" smtClean="0"/>
+                <a:t>量子阱的厚度</a:t>
+              </a:r>
+              <a:endParaRPr lang="en-US" dirty="0"/>
+            </a:p>
+          </p:txBody>
+        </p:sp>
+        <p:sp>
+          <p:nvSpPr>
+            <p:cNvPr id="7" name="Rounded Rectangle 6"/>
+            <p:cNvSpPr/>
+            <p:nvPr/>
+          </p:nvSpPr>
+          <p:spPr>
+            <a:xfrm>
+              <a:off x="1204681" y="2685148"/>
+              <a:ext cx="3280232" cy="885371"/>
+            </a:xfrm>
+            <a:prstGeom prst="roundRect">
+              <a:avLst/>
+            </a:prstGeom>
+          </p:spPr>
+          <p:style>
+            <a:lnRef idx="2">
+              <a:schemeClr val="accent1">
+                <a:shade val="50000"/>
+              </a:schemeClr>
+            </a:lnRef>
+            <a:fillRef idx="1">
+              <a:schemeClr val="accent1"/>
+            </a:fillRef>
+            <a:effectRef idx="0">
+              <a:schemeClr val="accent1"/>
+            </a:effectRef>
+            <a:fontRef idx="minor">
+              <a:schemeClr val="lt1"/>
+            </a:fontRef>
+          </p:style>
+          <p:txBody>
+            <a:bodyPr rtlCol="0" anchor="ctr"/>
+            <a:lstStyle/>
+            <a:p>
+              <a:pPr algn="ctr"/>
+              <a:r>
+                <a:rPr lang="en-US" altLang="zh-CN" dirty="0" smtClean="0"/>
+                <a:t>(2) </a:t>
+              </a:r>
+              <a:r>
+                <a:rPr lang="zh-CN" altLang="en-US" dirty="0" smtClean="0"/>
+                <a:t>电子，重空穴和轻空穴的</a:t>
+              </a:r>
+              <a:endParaRPr lang="en-US" altLang="zh-CN" dirty="0" smtClean="0"/>
+            </a:p>
+            <a:p>
+              <a:pPr algn="ctr"/>
+              <a:r>
+                <a:rPr lang="zh-CN" altLang="en-US" dirty="0" smtClean="0"/>
+                <a:t>能级和波函数</a:t>
+              </a:r>
+              <a:endParaRPr lang="en-US" altLang="zh-CN" dirty="0" smtClean="0"/>
+            </a:p>
+          </p:txBody>
+        </p:sp>
+        <p:sp>
+          <p:nvSpPr>
+            <p:cNvPr id="8" name="Rounded Rectangle 7"/>
+            <p:cNvSpPr/>
+            <p:nvPr/>
+          </p:nvSpPr>
+          <p:spPr>
+            <a:xfrm>
+              <a:off x="1204681" y="3951523"/>
+              <a:ext cx="3280233" cy="885371"/>
+            </a:xfrm>
+            <a:prstGeom prst="roundRect">
+              <a:avLst/>
+            </a:prstGeom>
+          </p:spPr>
+          <p:style>
+            <a:lnRef idx="2">
+              <a:schemeClr val="accent1">
+                <a:shade val="50000"/>
+              </a:schemeClr>
+            </a:lnRef>
+            <a:fillRef idx="1">
+              <a:schemeClr val="accent1"/>
+            </a:fillRef>
+            <a:effectRef idx="0">
+              <a:schemeClr val="accent1"/>
+            </a:effectRef>
+            <a:fontRef idx="minor">
+              <a:schemeClr val="lt1"/>
+            </a:fontRef>
+          </p:style>
+          <p:txBody>
+            <a:bodyPr rtlCol="0" anchor="ctr"/>
+            <a:lstStyle/>
+            <a:p>
+              <a:pPr algn="ctr"/>
+              <a:r>
+                <a:rPr lang="en-US" altLang="zh-CN" dirty="0" smtClean="0"/>
+                <a:t>(3) </a:t>
+              </a:r>
+              <a:r>
+                <a:rPr lang="zh-CN" altLang="en-US" dirty="0" smtClean="0"/>
+                <a:t>激子束缚能量和激子波函数</a:t>
+              </a:r>
+              <a:endParaRPr lang="en-US" altLang="zh-CN" dirty="0" smtClean="0"/>
+            </a:p>
+          </p:txBody>
+        </p:sp>
+        <p:sp>
+          <p:nvSpPr>
+            <p:cNvPr id="9" name="Rounded Rectangle 8"/>
+            <p:cNvSpPr/>
+            <p:nvPr/>
+          </p:nvSpPr>
+          <p:spPr>
+            <a:xfrm>
+              <a:off x="1204681" y="5217897"/>
+              <a:ext cx="3280233" cy="885371"/>
+            </a:xfrm>
+            <a:prstGeom prst="roundRect">
+              <a:avLst/>
+            </a:prstGeom>
+          </p:spPr>
+          <p:style>
+            <a:lnRef idx="2">
+              <a:schemeClr val="accent1">
+                <a:shade val="50000"/>
+              </a:schemeClr>
+            </a:lnRef>
+            <a:fillRef idx="1">
+              <a:schemeClr val="accent1"/>
+            </a:fillRef>
+            <a:effectRef idx="0">
+              <a:schemeClr val="accent1"/>
+            </a:effectRef>
+            <a:fontRef idx="minor">
+              <a:schemeClr val="lt1"/>
+            </a:fontRef>
+          </p:style>
+          <p:txBody>
+            <a:bodyPr rtlCol="0" anchor="ctr"/>
+            <a:lstStyle/>
+            <a:p>
+              <a:pPr algn="ctr"/>
+              <a:r>
+                <a:rPr lang="en-US" altLang="zh-CN" dirty="0" smtClean="0"/>
+                <a:t>(4)</a:t>
+              </a:r>
+              <a:r>
+                <a:rPr lang="zh-CN" altLang="en-US" dirty="0" smtClean="0"/>
+                <a:t>带间跃迁的连续吸收谱和离散的激子吸收谱</a:t>
+              </a:r>
+              <a:endParaRPr lang="en-US" altLang="zh-CN" dirty="0" smtClean="0"/>
+            </a:p>
+          </p:txBody>
+        </p:sp>
+        <p:pic>
+          <p:nvPicPr>
+            <p:cNvPr id="10" name="Picture 9"/>
+            <p:cNvPicPr>
+              <a:picLocks noChangeAspect="1"/>
+            </p:cNvPicPr>
+            <p:nvPr/>
+          </p:nvPicPr>
+          <p:blipFill>
+            <a:blip r:embed="rId2">
+              <a:extLst>
+                <a:ext uri="{28A0092B-C50C-407E-A947-70E740481C1C}">
+                  <a14:useLocalDpi xmlns:a14="http://schemas.microsoft.com/office/drawing/2010/main" val="0"/>
+                </a:ext>
+              </a:extLst>
+            </a:blip>
+            <a:stretch>
+              <a:fillRect/>
+            </a:stretch>
+          </p:blipFill>
+          <p:spPr>
+            <a:xfrm>
+              <a:off x="4649415" y="2304144"/>
+              <a:ext cx="2750147" cy="3595563"/>
+            </a:xfrm>
+            <a:prstGeom prst="rect">
+              <a:avLst/>
+            </a:prstGeom>
+          </p:spPr>
+        </p:pic>
+        <p:sp>
+          <p:nvSpPr>
+            <p:cNvPr id="11" name="TextBox 10"/>
+            <p:cNvSpPr txBox="1"/>
+            <p:nvPr/>
+          </p:nvSpPr>
+          <p:spPr>
+            <a:xfrm>
+              <a:off x="5168404" y="1835445"/>
+              <a:ext cx="1959428" cy="646331"/>
+            </a:xfrm>
+            <a:prstGeom prst="rect">
+              <a:avLst/>
+            </a:prstGeom>
+            <a:noFill/>
+          </p:spPr>
+          <p:txBody>
+            <a:bodyPr wrap="square" rtlCol="0">
+              <a:spAutoFit/>
+            </a:bodyPr>
+            <a:lstStyle/>
+            <a:p>
+              <a:pPr algn="ctr"/>
+              <a:r>
+                <a:rPr lang="zh-CN" altLang="en-US" dirty="0" smtClean="0"/>
+                <a:t>步骤</a:t>
+              </a:r>
+              <a:r>
+                <a:rPr lang="en-US" altLang="zh-CN" dirty="0" smtClean="0"/>
+                <a:t>(1), (2)</a:t>
+              </a:r>
+              <a:r>
+                <a:rPr lang="zh-CN" altLang="en-US" dirty="0" smtClean="0"/>
+                <a:t>后的计算结果</a:t>
+              </a:r>
+              <a:endParaRPr lang="en-US" dirty="0"/>
+            </a:p>
+          </p:txBody>
+        </p:sp>
+        <p:sp>
+          <p:nvSpPr>
+            <p:cNvPr id="12" name="TextBox 11"/>
+            <p:cNvSpPr txBox="1"/>
+            <p:nvPr/>
+          </p:nvSpPr>
+          <p:spPr>
+            <a:xfrm>
+              <a:off x="8024397" y="1835445"/>
+              <a:ext cx="1959428" cy="646331"/>
+            </a:xfrm>
+            <a:prstGeom prst="rect">
+              <a:avLst/>
+            </a:prstGeom>
+            <a:noFill/>
+          </p:spPr>
+          <p:txBody>
+            <a:bodyPr wrap="square" rtlCol="0">
+              <a:spAutoFit/>
+            </a:bodyPr>
+            <a:lstStyle/>
+            <a:p>
+              <a:pPr algn="ctr"/>
+              <a:r>
+                <a:rPr lang="zh-CN" altLang="en-US" dirty="0" smtClean="0"/>
+                <a:t>步骤</a:t>
+              </a:r>
+              <a:r>
+                <a:rPr lang="en-US" altLang="zh-CN" dirty="0" smtClean="0"/>
+                <a:t>(3), (4)</a:t>
+              </a:r>
+              <a:r>
+                <a:rPr lang="zh-CN" altLang="en-US" dirty="0"/>
+                <a:t>后的计算结果</a:t>
+              </a:r>
+              <a:endParaRPr lang="en-US" dirty="0"/>
+            </a:p>
+          </p:txBody>
+        </p:sp>
+        <p:pic>
+          <p:nvPicPr>
+            <p:cNvPr id="14" name="Picture 13"/>
+            <p:cNvPicPr>
+              <a:picLocks noChangeAspect="1"/>
+            </p:cNvPicPr>
+            <p:nvPr/>
+          </p:nvPicPr>
+          <p:blipFill>
+            <a:blip r:embed="rId3">
+              <a:extLst>
+                <a:ext uri="{28A0092B-C50C-407E-A947-70E740481C1C}">
+                  <a14:useLocalDpi xmlns:a14="http://schemas.microsoft.com/office/drawing/2010/main" val="0"/>
+                </a:ext>
+              </a:extLst>
+            </a:blip>
+            <a:stretch>
+              <a:fillRect/>
+            </a:stretch>
+          </p:blipFill>
+          <p:spPr>
+            <a:xfrm>
+              <a:off x="7399562" y="2503318"/>
+              <a:ext cx="3209099" cy="3197214"/>
+            </a:xfrm>
+            <a:prstGeom prst="rect">
+              <a:avLst/>
+            </a:prstGeom>
+          </p:spPr>
+        </p:pic>
+        <p:sp>
+          <p:nvSpPr>
+            <p:cNvPr id="15" name="Down Arrow 14"/>
+            <p:cNvSpPr/>
+            <p:nvPr/>
+          </p:nvSpPr>
+          <p:spPr>
+            <a:xfrm>
+              <a:off x="2735942" y="2304144"/>
+              <a:ext cx="217711" cy="381004"/>
+            </a:xfrm>
+            <a:prstGeom prst="downArrow">
+              <a:avLst/>
+            </a:prstGeom>
+          </p:spPr>
+          <p:style>
+            <a:lnRef idx="2">
+              <a:schemeClr val="accent1">
+                <a:shade val="50000"/>
+              </a:schemeClr>
+            </a:lnRef>
+            <a:fillRef idx="1">
+              <a:schemeClr val="accent1"/>
+            </a:fillRef>
+            <a:effectRef idx="0">
+              <a:schemeClr val="accent1"/>
+            </a:effectRef>
+            <a:fontRef idx="minor">
+              <a:schemeClr val="lt1"/>
+            </a:fontRef>
+          </p:style>
+          <p:txBody>
+            <a:bodyPr rtlCol="0" anchor="ctr"/>
+            <a:lstStyle/>
+            <a:p>
+              <a:pPr algn="ctr"/>
+              <a:endParaRPr lang="en-US"/>
+            </a:p>
+          </p:txBody>
+        </p:sp>
+        <p:sp>
+          <p:nvSpPr>
+            <p:cNvPr id="16" name="Down Arrow 15"/>
+            <p:cNvSpPr/>
+            <p:nvPr/>
+          </p:nvSpPr>
+          <p:spPr>
+            <a:xfrm>
+              <a:off x="2735942" y="3570519"/>
+              <a:ext cx="217711" cy="381004"/>
+            </a:xfrm>
+            <a:prstGeom prst="downArrow">
+              <a:avLst/>
+            </a:prstGeom>
+          </p:spPr>
+          <p:style>
+            <a:lnRef idx="2">
+              <a:schemeClr val="accent1">
+                <a:shade val="50000"/>
+              </a:schemeClr>
+            </a:lnRef>
+            <a:fillRef idx="1">
+              <a:schemeClr val="accent1"/>
+            </a:fillRef>
+            <a:effectRef idx="0">
+              <a:schemeClr val="accent1"/>
+            </a:effectRef>
+            <a:fontRef idx="minor">
+              <a:schemeClr val="lt1"/>
+            </a:fontRef>
+          </p:style>
+          <p:txBody>
+            <a:bodyPr rtlCol="0" anchor="ctr"/>
+            <a:lstStyle/>
+            <a:p>
+              <a:pPr algn="ctr"/>
+              <a:endParaRPr lang="en-US"/>
+            </a:p>
+          </p:txBody>
+        </p:sp>
+        <p:sp>
+          <p:nvSpPr>
+            <p:cNvPr id="17" name="Down Arrow 16"/>
+            <p:cNvSpPr/>
+            <p:nvPr/>
+          </p:nvSpPr>
+          <p:spPr>
+            <a:xfrm>
+              <a:off x="2735942" y="4836893"/>
+              <a:ext cx="217711" cy="381004"/>
+            </a:xfrm>
+            <a:prstGeom prst="downArrow">
+              <a:avLst/>
+            </a:prstGeom>
+          </p:spPr>
+          <p:style>
+            <a:lnRef idx="2">
+              <a:schemeClr val="accent1">
+                <a:shade val="50000"/>
+              </a:schemeClr>
+            </a:lnRef>
+            <a:fillRef idx="1">
+              <a:schemeClr val="accent1"/>
+            </a:fillRef>
+            <a:effectRef idx="0">
+              <a:schemeClr val="accent1"/>
+            </a:effectRef>
+            <a:fontRef idx="minor">
+              <a:schemeClr val="lt1"/>
+            </a:fontRef>
+          </p:style>
+          <p:txBody>
+            <a:bodyPr rtlCol="0" anchor="ctr"/>
+            <a:lstStyle/>
+            <a:p>
+              <a:pPr algn="ctr"/>
+              <a:endParaRPr lang="en-US"/>
+            </a:p>
+          </p:txBody>
+        </p:sp>
+        <p:sp>
+          <p:nvSpPr>
+            <p:cNvPr id="19" name="TextBox 18"/>
+            <p:cNvSpPr txBox="1"/>
+            <p:nvPr/>
+          </p:nvSpPr>
+          <p:spPr>
+            <a:xfrm>
+              <a:off x="736283" y="981896"/>
+              <a:ext cx="468398" cy="400110"/>
+            </a:xfrm>
+            <a:prstGeom prst="rect">
+              <a:avLst/>
+            </a:prstGeom>
+            <a:noFill/>
+          </p:spPr>
+          <p:txBody>
+            <a:bodyPr wrap="none" rtlCol="0">
+              <a:spAutoFit/>
+            </a:bodyPr>
+            <a:lstStyle/>
+            <a:p>
+              <a:r>
+                <a:rPr lang="en-US" sz="2000" dirty="0" smtClean="0"/>
+                <a:t>(a)</a:t>
+              </a:r>
+              <a:endParaRPr lang="en-US" sz="2000" dirty="0"/>
+            </a:p>
+          </p:txBody>
+        </p:sp>
+        <p:sp>
+          <p:nvSpPr>
+            <p:cNvPr id="20" name="TextBox 19"/>
+            <p:cNvSpPr txBox="1"/>
+            <p:nvPr/>
+          </p:nvSpPr>
+          <p:spPr>
+            <a:xfrm>
+              <a:off x="4762490" y="1435335"/>
+              <a:ext cx="482824" cy="400110"/>
+            </a:xfrm>
+            <a:prstGeom prst="rect">
+              <a:avLst/>
+            </a:prstGeom>
+            <a:noFill/>
+          </p:spPr>
+          <p:txBody>
+            <a:bodyPr wrap="none" rtlCol="0">
+              <a:spAutoFit/>
+            </a:bodyPr>
+            <a:lstStyle/>
+            <a:p>
+              <a:r>
+                <a:rPr lang="en-US" sz="2000" dirty="0" smtClean="0"/>
+                <a:t>(b)</a:t>
+              </a:r>
+              <a:endParaRPr lang="en-US" sz="2000" dirty="0"/>
+            </a:p>
+          </p:txBody>
+        </p:sp>
+        <p:sp>
+          <p:nvSpPr>
+            <p:cNvPr id="21" name="TextBox 20"/>
+            <p:cNvSpPr txBox="1"/>
+            <p:nvPr/>
+          </p:nvSpPr>
+          <p:spPr>
+            <a:xfrm>
+              <a:off x="7834307" y="1435335"/>
+              <a:ext cx="468398" cy="400110"/>
+            </a:xfrm>
+            <a:prstGeom prst="rect">
+              <a:avLst/>
+            </a:prstGeom>
+            <a:noFill/>
+          </p:spPr>
+          <p:txBody>
+            <a:bodyPr wrap="none" rtlCol="0">
+              <a:spAutoFit/>
+            </a:bodyPr>
+            <a:lstStyle/>
+            <a:p>
+              <a:r>
+                <a:rPr lang="en-US" sz="2000" dirty="0" smtClean="0"/>
+                <a:t>(c)</a:t>
+              </a:r>
+              <a:endParaRPr lang="en-US" sz="2000" dirty="0"/>
+            </a:p>
+          </p:txBody>
+        </p:sp>
+      </p:grpSp>
+    </p:spTree>
+    <p:extLst>
+      <p:ext uri="{BB962C8B-B14F-4D97-AF65-F5344CB8AC3E}">
+        <p14:creationId xmlns:p14="http://schemas.microsoft.com/office/powerpoint/2010/main" val="1598446363"/>
+      </p:ext>
+    </p:extLst>
+  </p:cSld>
+  <p:clrMapOvr>
+    <a:masterClrMapping/>
+  </p:clrMapOvr>
+</p:sld>
+</file>
+
+<file path=ppt/slides/slide4.xml><?xml version="1.0" encoding="utf-8"?>
+<p:sld xmlns:a="http://schemas.openxmlformats.org/drawingml/2006/main" xmlns:r="http://schemas.openxmlformats.org/officeDocument/2006/relationships" xmlns:p="http://schemas.openxmlformats.org/presentationml/2006/main">
+  <p:cSld>
+    <p:spTree>
+      <p:nvGrpSpPr>
+        <p:cNvPr id="1" name=""/>
+        <p:cNvGrpSpPr/>
+        <p:nvPr/>
+      </p:nvGrpSpPr>
+      <p:grpSpPr>
+        <a:xfrm>
+          <a:off x="0" y="0"/>
+          <a:ext cx="0" cy="0"/>
+          <a:chOff x="0" y="0"/>
+          <a:chExt cx="0" cy="0"/>
+        </a:xfrm>
+      </p:grpSpPr>
+      <mc:AlternateContent xmlns:mc="http://schemas.openxmlformats.org/markup-compatibility/2006" xmlns:a14="http://schemas.microsoft.com/office/drawing/2010/main">
+        <mc:Choice Requires="a14">
           <p:sp>
             <p:nvSpPr>
               <p:cNvPr id="54" name="TextBox 53"/>
@@ -6056,7 +6751,7 @@
             </p:txBody>
           </p:sp>
         </mc:Choice>
-        <mc:Fallback>
+        <mc:Fallback xmlns="">
           <p:sp>
             <p:nvSpPr>
               <p:cNvPr id="54" name="TextBox 53"/>
@@ -8101,8 +8796,8 @@
               </a:p>
             </p:txBody>
           </p:sp>
-          <mc:AlternateContent xmlns:mc="http://schemas.openxmlformats.org/markup-compatibility/2006">
-            <mc:Choice xmlns:a14="http://schemas.microsoft.com/office/drawing/2010/main" Requires="a14">
+          <mc:AlternateContent xmlns:mc="http://schemas.openxmlformats.org/markup-compatibility/2006" xmlns:a14="http://schemas.microsoft.com/office/drawing/2010/main">
+            <mc:Choice Requires="a14">
               <p:sp>
                 <p:nvSpPr>
                   <p:cNvPr id="160" name="TextBox 159"/>
@@ -8235,7 +8930,7 @@
                 </p:txBody>
               </p:sp>
             </mc:Choice>
-            <mc:Fallback>
+            <mc:Fallback xmlns="">
               <p:sp>
                 <p:nvSpPr>
                   <p:cNvPr id="160" name="TextBox 159"/>
@@ -8277,8 +8972,8 @@
               </p:sp>
             </mc:Fallback>
           </mc:AlternateContent>
-          <mc:AlternateContent xmlns:mc="http://schemas.openxmlformats.org/markup-compatibility/2006">
-            <mc:Choice xmlns:a14="http://schemas.microsoft.com/office/drawing/2010/main" Requires="a14">
+          <mc:AlternateContent xmlns:mc="http://schemas.openxmlformats.org/markup-compatibility/2006" xmlns:a14="http://schemas.microsoft.com/office/drawing/2010/main">
+            <mc:Choice Requires="a14">
               <p:sp>
                 <p:nvSpPr>
                   <p:cNvPr id="161" name="TextBox 160"/>
@@ -8403,7 +9098,7 @@
                 </p:txBody>
               </p:sp>
             </mc:Choice>
-            <mc:Fallback>
+            <mc:Fallback xmlns="">
               <p:sp>
                 <p:nvSpPr>
                   <p:cNvPr id="161" name="TextBox 160"/>
@@ -8445,8 +9140,8 @@
               </p:sp>
             </mc:Fallback>
           </mc:AlternateContent>
-          <mc:AlternateContent xmlns:mc="http://schemas.openxmlformats.org/markup-compatibility/2006">
-            <mc:Choice xmlns:a14="http://schemas.microsoft.com/office/drawing/2010/main" Requires="a14">
+          <mc:AlternateContent xmlns:mc="http://schemas.openxmlformats.org/markup-compatibility/2006" xmlns:a14="http://schemas.microsoft.com/office/drawing/2010/main">
+            <mc:Choice Requires="a14">
               <p:sp>
                 <p:nvSpPr>
                   <p:cNvPr id="164" name="TextBox 163"/>
@@ -8472,6 +9167,7 @@
                   </a:bodyPr>
                   <a:lstStyle/>
                   <a:p>
+                    <a:pPr/>
                     <a14:m>
                       <m:oMathPara xmlns:m="http://schemas.openxmlformats.org/officeDocument/2006/math">
                         <m:oMathParaPr>
@@ -8481,7 +9177,7 @@
                           <m:sSubSup>
                             <m:sSubSupPr>
                               <m:ctrlPr>
-                                <a:rPr lang="en-US" sz="1200" b="0" smtClean="0">
+                                <a:rPr lang="en-US" sz="1200" b="0" i="1" smtClean="0">
                                   <a:latin typeface="Cambria Math" panose="02040503050406030204" pitchFamily="18" charset="0"/>
                                 </a:rPr>
                               </m:ctrlPr>
@@ -8525,7 +9221,7 @@
                 </p:txBody>
               </p:sp>
             </mc:Choice>
-            <mc:Fallback>
+            <mc:Fallback xmlns="">
               <p:sp>
                 <p:nvSpPr>
                   <p:cNvPr id="164" name="TextBox 163"/>
@@ -8600,8 +9296,8 @@
               </a:fontRef>
             </p:style>
           </p:cxnSp>
-          <mc:AlternateContent xmlns:mc="http://schemas.openxmlformats.org/markup-compatibility/2006">
-            <mc:Choice xmlns:a14="http://schemas.microsoft.com/office/drawing/2010/main" Requires="a14">
+          <mc:AlternateContent xmlns:mc="http://schemas.openxmlformats.org/markup-compatibility/2006" xmlns:a14="http://schemas.microsoft.com/office/drawing/2010/main">
+            <mc:Choice Requires="a14">
               <p:sp>
                 <p:nvSpPr>
                   <p:cNvPr id="168" name="TextBox 167"/>
@@ -8627,6 +9323,7 @@
                   </a:bodyPr>
                   <a:lstStyle/>
                   <a:p>
+                    <a:pPr/>
                     <a14:m>
                       <m:oMathPara xmlns:m="http://schemas.openxmlformats.org/officeDocument/2006/math">
                         <m:oMathParaPr>
@@ -8784,7 +9481,7 @@
                 </p:txBody>
               </p:sp>
             </mc:Choice>
-            <mc:Fallback>
+            <mc:Fallback xmlns="">
               <p:sp>
                 <p:nvSpPr>
                   <p:cNvPr id="168" name="TextBox 167"/>
@@ -8949,7 +9646,7 @@
 </p:sld>
 </file>
 
-<file path=ppt/slides/slide4.xml><?xml version="1.0" encoding="utf-8"?>
+<file path=ppt/slides/slide5.xml><?xml version="1.0" encoding="utf-8"?>
 <p:sld xmlns:a="http://schemas.openxmlformats.org/drawingml/2006/main" xmlns:r="http://schemas.openxmlformats.org/officeDocument/2006/relationships" xmlns:p="http://schemas.openxmlformats.org/presentationml/2006/main">
   <p:cSld>
     <p:spTree>
@@ -8966,1088 +9663,35 @@
           <a:chExt cx="0" cy="0"/>
         </a:xfrm>
       </p:grpSpPr>
-      <p:cxnSp>
-        <p:nvCxnSpPr>
-          <p:cNvPr id="9" name="Straight Connector 8"/>
-          <p:cNvCxnSpPr/>
-          <p:nvPr/>
-        </p:nvCxnSpPr>
-        <p:spPr>
-          <a:xfrm>
-            <a:off x="3105150" y="2305050"/>
-            <a:ext cx="704850" cy="0"/>
-          </a:xfrm>
-          <a:prstGeom prst="line">
-            <a:avLst/>
-          </a:prstGeom>
-        </p:spPr>
-        <p:style>
-          <a:lnRef idx="1">
-            <a:schemeClr val="accent1"/>
-          </a:lnRef>
-          <a:fillRef idx="0">
-            <a:schemeClr val="accent1"/>
-          </a:fillRef>
-          <a:effectRef idx="0">
-            <a:schemeClr val="accent1"/>
-          </a:effectRef>
-          <a:fontRef idx="minor">
-            <a:schemeClr val="tx1"/>
-          </a:fontRef>
-        </p:style>
-      </p:cxnSp>
-      <p:cxnSp>
-        <p:nvCxnSpPr>
-          <p:cNvPr id="11" name="Straight Connector 10"/>
-          <p:cNvCxnSpPr/>
-          <p:nvPr/>
-        </p:nvCxnSpPr>
-        <p:spPr>
-          <a:xfrm>
-            <a:off x="3810000" y="2305050"/>
-            <a:ext cx="0" cy="742950"/>
-          </a:xfrm>
-          <a:prstGeom prst="line">
-            <a:avLst/>
-          </a:prstGeom>
-        </p:spPr>
-        <p:style>
-          <a:lnRef idx="1">
-            <a:schemeClr val="accent1"/>
-          </a:lnRef>
-          <a:fillRef idx="0">
-            <a:schemeClr val="accent1"/>
-          </a:fillRef>
-          <a:effectRef idx="0">
-            <a:schemeClr val="accent1"/>
-          </a:effectRef>
-          <a:fontRef idx="minor">
-            <a:schemeClr val="tx1"/>
-          </a:fontRef>
-        </p:style>
-      </p:cxnSp>
-      <p:cxnSp>
-        <p:nvCxnSpPr>
-          <p:cNvPr id="13" name="Straight Connector 12"/>
-          <p:cNvCxnSpPr/>
-          <p:nvPr/>
-        </p:nvCxnSpPr>
-        <p:spPr>
-          <a:xfrm>
-            <a:off x="3816350" y="3045278"/>
-            <a:ext cx="704850" cy="0"/>
-          </a:xfrm>
-          <a:prstGeom prst="line">
-            <a:avLst/>
-          </a:prstGeom>
-        </p:spPr>
-        <p:style>
-          <a:lnRef idx="1">
-            <a:schemeClr val="accent1"/>
-          </a:lnRef>
-          <a:fillRef idx="0">
-            <a:schemeClr val="accent1"/>
-          </a:fillRef>
-          <a:effectRef idx="0">
-            <a:schemeClr val="accent1"/>
-          </a:effectRef>
-          <a:fontRef idx="minor">
-            <a:schemeClr val="tx1"/>
-          </a:fontRef>
-        </p:style>
-      </p:cxnSp>
-      <p:cxnSp>
-        <p:nvCxnSpPr>
-          <p:cNvPr id="14" name="Straight Connector 13"/>
-          <p:cNvCxnSpPr/>
-          <p:nvPr/>
-        </p:nvCxnSpPr>
-        <p:spPr>
-          <a:xfrm>
-            <a:off x="4521200" y="3045278"/>
-            <a:ext cx="0" cy="742950"/>
-          </a:xfrm>
-          <a:prstGeom prst="line">
-            <a:avLst/>
-          </a:prstGeom>
-        </p:spPr>
-        <p:style>
-          <a:lnRef idx="1">
-            <a:schemeClr val="accent1"/>
-          </a:lnRef>
-          <a:fillRef idx="0">
-            <a:schemeClr val="accent1"/>
-          </a:fillRef>
-          <a:effectRef idx="0">
-            <a:schemeClr val="accent1"/>
-          </a:effectRef>
-          <a:fontRef idx="minor">
-            <a:schemeClr val="tx1"/>
-          </a:fontRef>
-        </p:style>
-      </p:cxnSp>
-      <p:cxnSp>
-        <p:nvCxnSpPr>
-          <p:cNvPr id="16" name="Straight Connector 15"/>
-          <p:cNvCxnSpPr/>
-          <p:nvPr/>
-        </p:nvCxnSpPr>
-        <p:spPr>
-          <a:xfrm>
-            <a:off x="4521200" y="3788228"/>
-            <a:ext cx="660400" cy="14514"/>
-          </a:xfrm>
-          <a:prstGeom prst="line">
-            <a:avLst/>
-          </a:prstGeom>
-        </p:spPr>
-        <p:style>
-          <a:lnRef idx="1">
-            <a:schemeClr val="accent1"/>
-          </a:lnRef>
-          <a:fillRef idx="0">
-            <a:schemeClr val="accent1"/>
-          </a:fillRef>
-          <a:effectRef idx="0">
-            <a:schemeClr val="accent1"/>
-          </a:effectRef>
-          <a:fontRef idx="minor">
-            <a:schemeClr val="tx1"/>
-          </a:fontRef>
-        </p:style>
-      </p:cxnSp>
-      <p:cxnSp>
-        <p:nvCxnSpPr>
-          <p:cNvPr id="18" name="Straight Connector 17"/>
-          <p:cNvCxnSpPr/>
-          <p:nvPr/>
-        </p:nvCxnSpPr>
-        <p:spPr>
-          <a:xfrm flipV="1">
-            <a:off x="5827486" y="2676525"/>
-            <a:ext cx="0" cy="495300"/>
-          </a:xfrm>
-          <a:prstGeom prst="line">
-            <a:avLst/>
-          </a:prstGeom>
-        </p:spPr>
-        <p:style>
-          <a:lnRef idx="1">
-            <a:schemeClr val="accent1"/>
-          </a:lnRef>
-          <a:fillRef idx="0">
-            <a:schemeClr val="accent1"/>
-          </a:fillRef>
-          <a:effectRef idx="0">
-            <a:schemeClr val="accent1"/>
-          </a:effectRef>
-          <a:fontRef idx="minor">
-            <a:schemeClr val="tx1"/>
-          </a:fontRef>
-        </p:style>
-      </p:cxnSp>
-      <p:cxnSp>
-        <p:nvCxnSpPr>
-          <p:cNvPr id="20" name="Straight Connector 19"/>
-          <p:cNvCxnSpPr/>
-          <p:nvPr/>
-        </p:nvCxnSpPr>
-        <p:spPr>
-          <a:xfrm>
-            <a:off x="6495144" y="2181224"/>
-            <a:ext cx="529771" cy="0"/>
-          </a:xfrm>
-          <a:prstGeom prst="line">
-            <a:avLst/>
-          </a:prstGeom>
-        </p:spPr>
-        <p:style>
-          <a:lnRef idx="1">
-            <a:schemeClr val="accent1"/>
-          </a:lnRef>
-          <a:fillRef idx="0">
-            <a:schemeClr val="accent1"/>
-          </a:fillRef>
-          <a:effectRef idx="0">
-            <a:schemeClr val="accent1"/>
-          </a:effectRef>
-          <a:fontRef idx="minor">
-            <a:schemeClr val="tx1"/>
-          </a:fontRef>
-        </p:style>
-      </p:cxnSp>
-      <p:cxnSp>
-        <p:nvCxnSpPr>
-          <p:cNvPr id="22" name="Straight Connector 21"/>
-          <p:cNvCxnSpPr/>
-          <p:nvPr/>
-        </p:nvCxnSpPr>
-        <p:spPr>
-          <a:xfrm>
-            <a:off x="7032172" y="2178502"/>
-            <a:ext cx="0" cy="742950"/>
-          </a:xfrm>
-          <a:prstGeom prst="line">
-            <a:avLst/>
-          </a:prstGeom>
-        </p:spPr>
-        <p:style>
-          <a:lnRef idx="1">
-            <a:schemeClr val="accent1"/>
-          </a:lnRef>
-          <a:fillRef idx="0">
-            <a:schemeClr val="accent1"/>
-          </a:fillRef>
-          <a:effectRef idx="0">
-            <a:schemeClr val="accent1"/>
-          </a:effectRef>
-          <a:fontRef idx="minor">
-            <a:schemeClr val="tx1"/>
-          </a:fontRef>
-        </p:style>
-      </p:cxnSp>
-      <p:cxnSp>
-        <p:nvCxnSpPr>
-          <p:cNvPr id="23" name="Straight Connector 22"/>
-          <p:cNvCxnSpPr/>
-          <p:nvPr/>
-        </p:nvCxnSpPr>
-        <p:spPr>
-          <a:xfrm>
-            <a:off x="7038522" y="2918730"/>
-            <a:ext cx="704850" cy="0"/>
-          </a:xfrm>
-          <a:prstGeom prst="line">
-            <a:avLst/>
-          </a:prstGeom>
-        </p:spPr>
-        <p:style>
-          <a:lnRef idx="1">
-            <a:schemeClr val="accent1"/>
-          </a:lnRef>
-          <a:fillRef idx="0">
-            <a:schemeClr val="accent1"/>
-          </a:fillRef>
-          <a:effectRef idx="0">
-            <a:schemeClr val="accent1"/>
-          </a:effectRef>
-          <a:fontRef idx="minor">
-            <a:schemeClr val="tx1"/>
-          </a:fontRef>
-        </p:style>
-      </p:cxnSp>
-      <p:cxnSp>
-        <p:nvCxnSpPr>
-          <p:cNvPr id="24" name="Straight Connector 23"/>
-          <p:cNvCxnSpPr/>
-          <p:nvPr/>
-        </p:nvCxnSpPr>
-        <p:spPr>
-          <a:xfrm>
-            <a:off x="7743372" y="2918730"/>
-            <a:ext cx="0" cy="742950"/>
-          </a:xfrm>
-          <a:prstGeom prst="line">
-            <a:avLst/>
-          </a:prstGeom>
-        </p:spPr>
-        <p:style>
-          <a:lnRef idx="1">
-            <a:schemeClr val="accent1"/>
-          </a:lnRef>
-          <a:fillRef idx="0">
-            <a:schemeClr val="accent1"/>
-          </a:fillRef>
-          <a:effectRef idx="0">
-            <a:schemeClr val="accent1"/>
-          </a:effectRef>
-          <a:fontRef idx="minor">
-            <a:schemeClr val="tx1"/>
-          </a:fontRef>
-        </p:style>
-      </p:cxnSp>
-      <p:cxnSp>
-        <p:nvCxnSpPr>
-          <p:cNvPr id="25" name="Straight Connector 24"/>
-          <p:cNvCxnSpPr/>
-          <p:nvPr/>
-        </p:nvCxnSpPr>
-        <p:spPr>
-          <a:xfrm>
-            <a:off x="7735207" y="3661680"/>
-            <a:ext cx="446768" cy="0"/>
-          </a:xfrm>
-          <a:prstGeom prst="line">
-            <a:avLst/>
-          </a:prstGeom>
-        </p:spPr>
-        <p:style>
-          <a:lnRef idx="1">
-            <a:schemeClr val="accent1"/>
-          </a:lnRef>
-          <a:fillRef idx="0">
-            <a:schemeClr val="accent1"/>
-          </a:fillRef>
-          <a:effectRef idx="0">
-            <a:schemeClr val="accent1"/>
-          </a:effectRef>
-          <a:fontRef idx="minor">
-            <a:schemeClr val="tx1"/>
-          </a:fontRef>
-        </p:style>
-      </p:cxnSp>
-      <p:cxnSp>
-        <p:nvCxnSpPr>
-          <p:cNvPr id="31" name="Straight Connector 30"/>
-          <p:cNvCxnSpPr/>
-          <p:nvPr/>
-        </p:nvCxnSpPr>
-        <p:spPr>
-          <a:xfrm flipH="1" flipV="1">
-            <a:off x="5172073" y="3171825"/>
-            <a:ext cx="655413" cy="1361"/>
-          </a:xfrm>
-          <a:prstGeom prst="line">
-            <a:avLst/>
-          </a:prstGeom>
-        </p:spPr>
-        <p:style>
-          <a:lnRef idx="1">
-            <a:schemeClr val="accent1"/>
-          </a:lnRef>
-          <a:fillRef idx="0">
-            <a:schemeClr val="accent1"/>
-          </a:fillRef>
-          <a:effectRef idx="0">
-            <a:schemeClr val="accent1"/>
-          </a:effectRef>
-          <a:fontRef idx="minor">
-            <a:schemeClr val="tx1"/>
-          </a:fontRef>
-        </p:style>
-      </p:cxnSp>
-      <p:cxnSp>
-        <p:nvCxnSpPr>
-          <p:cNvPr id="33" name="Straight Connector 32"/>
-          <p:cNvCxnSpPr/>
-          <p:nvPr/>
-        </p:nvCxnSpPr>
-        <p:spPr>
-          <a:xfrm>
-            <a:off x="5181600" y="3171825"/>
-            <a:ext cx="0" cy="630917"/>
-          </a:xfrm>
-          <a:prstGeom prst="line">
-            <a:avLst/>
-          </a:prstGeom>
-        </p:spPr>
-        <p:style>
-          <a:lnRef idx="1">
-            <a:schemeClr val="accent1"/>
-          </a:lnRef>
-          <a:fillRef idx="0">
-            <a:schemeClr val="accent1"/>
-          </a:fillRef>
-          <a:effectRef idx="0">
-            <a:schemeClr val="accent1"/>
-          </a:effectRef>
-          <a:fontRef idx="minor">
-            <a:schemeClr val="tx1"/>
-          </a:fontRef>
-        </p:style>
-      </p:cxnSp>
-      <p:cxnSp>
-        <p:nvCxnSpPr>
-          <p:cNvPr id="39" name="Straight Connector 38"/>
-          <p:cNvCxnSpPr/>
-          <p:nvPr/>
-        </p:nvCxnSpPr>
-        <p:spPr>
-          <a:xfrm flipV="1">
-            <a:off x="6495142" y="2178502"/>
-            <a:ext cx="0" cy="495300"/>
-          </a:xfrm>
-          <a:prstGeom prst="line">
-            <a:avLst/>
-          </a:prstGeom>
-        </p:spPr>
-        <p:style>
-          <a:lnRef idx="1">
-            <a:schemeClr val="accent1"/>
-          </a:lnRef>
-          <a:fillRef idx="0">
-            <a:schemeClr val="accent1"/>
-          </a:fillRef>
-          <a:effectRef idx="0">
-            <a:schemeClr val="accent1"/>
-          </a:effectRef>
-          <a:fontRef idx="minor">
-            <a:schemeClr val="tx1"/>
-          </a:fontRef>
-        </p:style>
-      </p:cxnSp>
-      <p:cxnSp>
-        <p:nvCxnSpPr>
-          <p:cNvPr id="40" name="Straight Connector 39"/>
-          <p:cNvCxnSpPr/>
-          <p:nvPr/>
-        </p:nvCxnSpPr>
-        <p:spPr>
-          <a:xfrm flipH="1" flipV="1">
-            <a:off x="5839729" y="2673802"/>
-            <a:ext cx="655413" cy="1361"/>
-          </a:xfrm>
-          <a:prstGeom prst="line">
-            <a:avLst/>
-          </a:prstGeom>
-        </p:spPr>
-        <p:style>
-          <a:lnRef idx="1">
-            <a:schemeClr val="accent1"/>
-          </a:lnRef>
-          <a:fillRef idx="0">
-            <a:schemeClr val="accent1"/>
-          </a:fillRef>
-          <a:effectRef idx="0">
-            <a:schemeClr val="accent1"/>
-          </a:effectRef>
-          <a:fontRef idx="minor">
-            <a:schemeClr val="tx1"/>
-          </a:fontRef>
-        </p:style>
-      </p:cxnSp>
-      <p:sp>
-        <p:nvSpPr>
-          <p:cNvPr id="41" name="TextBox 40"/>
-          <p:cNvSpPr txBox="1"/>
-          <p:nvPr/>
-        </p:nvSpPr>
-        <p:spPr>
-          <a:xfrm>
-            <a:off x="3240314" y="2040002"/>
-            <a:ext cx="544286" cy="276999"/>
-          </a:xfrm>
-          <a:prstGeom prst="rect">
-            <a:avLst/>
-          </a:prstGeom>
-          <a:noFill/>
-        </p:spPr>
-        <p:txBody>
-          <a:bodyPr wrap="square" rtlCol="0">
-            <a:spAutoFit/>
-          </a:bodyPr>
-          <a:lstStyle/>
-          <a:p>
-            <a:r>
-              <a:rPr lang="en-US" sz="1200" i="1" dirty="0" smtClean="0"/>
-              <a:t>V</a:t>
-            </a:r>
-            <a:r>
-              <a:rPr lang="en-US" sz="1200" i="1" baseline="-25000" dirty="0" smtClean="0"/>
-              <a:t>0</a:t>
-            </a:r>
-            <a:endParaRPr lang="en-US" sz="1200" i="1" baseline="-25000" dirty="0"/>
-          </a:p>
-        </p:txBody>
-      </p:sp>
-      <p:sp>
-        <p:nvSpPr>
-          <p:cNvPr id="42" name="TextBox 41"/>
-          <p:cNvSpPr txBox="1"/>
-          <p:nvPr/>
-        </p:nvSpPr>
-        <p:spPr>
-          <a:xfrm>
-            <a:off x="3964672" y="2780230"/>
-            <a:ext cx="544286" cy="276999"/>
-          </a:xfrm>
-          <a:prstGeom prst="rect">
-            <a:avLst/>
-          </a:prstGeom>
-          <a:noFill/>
-        </p:spPr>
-        <p:txBody>
-          <a:bodyPr wrap="square" rtlCol="0">
-            <a:spAutoFit/>
-          </a:bodyPr>
-          <a:lstStyle/>
-          <a:p>
-            <a:r>
-              <a:rPr lang="en-US" sz="1200" i="1" dirty="0" smtClean="0"/>
-              <a:t>V</a:t>
-            </a:r>
-            <a:r>
-              <a:rPr lang="en-US" sz="1200" i="1" baseline="-25000" dirty="0"/>
-              <a:t>1</a:t>
-            </a:r>
-          </a:p>
-        </p:txBody>
-      </p:sp>
-      <p:sp>
-        <p:nvSpPr>
-          <p:cNvPr id="43" name="TextBox 42"/>
-          <p:cNvSpPr txBox="1"/>
-          <p:nvPr/>
-        </p:nvSpPr>
-        <p:spPr>
-          <a:xfrm>
-            <a:off x="4652511" y="3562322"/>
-            <a:ext cx="544286" cy="276999"/>
-          </a:xfrm>
-          <a:prstGeom prst="rect">
-            <a:avLst/>
-          </a:prstGeom>
-          <a:noFill/>
-        </p:spPr>
-        <p:txBody>
-          <a:bodyPr wrap="square" rtlCol="0">
-            <a:spAutoFit/>
-          </a:bodyPr>
-          <a:lstStyle/>
-          <a:p>
-            <a:r>
-              <a:rPr lang="en-US" sz="1200" i="1" dirty="0" smtClean="0"/>
-              <a:t>V2</a:t>
-            </a:r>
-            <a:endParaRPr lang="en-US" sz="1200" i="1" baseline="-25000" dirty="0"/>
-          </a:p>
-        </p:txBody>
-      </p:sp>
-      <p:sp>
-        <p:nvSpPr>
-          <p:cNvPr id="44" name="TextBox 43"/>
-          <p:cNvSpPr txBox="1"/>
-          <p:nvPr/>
-        </p:nvSpPr>
-        <p:spPr>
-          <a:xfrm>
-            <a:off x="5950856" y="2424343"/>
-            <a:ext cx="544286" cy="276999"/>
-          </a:xfrm>
-          <a:prstGeom prst="rect">
-            <a:avLst/>
-          </a:prstGeom>
-          <a:noFill/>
-        </p:spPr>
-        <p:txBody>
-          <a:bodyPr wrap="square" rtlCol="0">
-            <a:spAutoFit/>
-          </a:bodyPr>
-          <a:lstStyle/>
-          <a:p>
-            <a:r>
-              <a:rPr lang="en-US" sz="1200" i="1" dirty="0" err="1" smtClean="0"/>
-              <a:t>V</a:t>
-            </a:r>
-            <a:r>
-              <a:rPr lang="en-US" sz="1200" i="1" baseline="-25000" dirty="0" err="1" smtClean="0"/>
-              <a:t>l</a:t>
-            </a:r>
-            <a:endParaRPr lang="en-US" sz="1200" i="1" baseline="-25000" dirty="0"/>
-          </a:p>
-        </p:txBody>
-      </p:sp>
-      <p:sp>
-        <p:nvSpPr>
-          <p:cNvPr id="46" name="TextBox 45"/>
-          <p:cNvSpPr txBox="1"/>
-          <p:nvPr/>
-        </p:nvSpPr>
-        <p:spPr>
-          <a:xfrm>
-            <a:off x="6502400" y="1953244"/>
-            <a:ext cx="526142" cy="276999"/>
-          </a:xfrm>
-          <a:prstGeom prst="rect">
-            <a:avLst/>
-          </a:prstGeom>
-          <a:noFill/>
-        </p:spPr>
-        <p:txBody>
-          <a:bodyPr wrap="square" rtlCol="0">
-            <a:spAutoFit/>
-          </a:bodyPr>
-          <a:lstStyle/>
-          <a:p>
-            <a:r>
-              <a:rPr lang="en-US" sz="1200" i="1" dirty="0" smtClean="0"/>
-              <a:t>V</a:t>
-            </a:r>
-            <a:r>
-              <a:rPr lang="en-US" sz="1200" i="1" baseline="-25000" dirty="0" smtClean="0"/>
-              <a:t>l+1</a:t>
-            </a:r>
-            <a:endParaRPr lang="en-US" sz="1200" i="1" baseline="-25000" dirty="0"/>
-          </a:p>
-        </p:txBody>
-      </p:sp>
-      <p:sp>
-        <p:nvSpPr>
-          <p:cNvPr id="48" name="TextBox 47"/>
-          <p:cNvSpPr txBox="1"/>
-          <p:nvPr/>
-        </p:nvSpPr>
-        <p:spPr>
-          <a:xfrm>
-            <a:off x="7751538" y="3416753"/>
-            <a:ext cx="430437" cy="276999"/>
-          </a:xfrm>
-          <a:prstGeom prst="rect">
-            <a:avLst/>
-          </a:prstGeom>
-          <a:noFill/>
-        </p:spPr>
-        <p:txBody>
-          <a:bodyPr wrap="square" rtlCol="0">
-            <a:spAutoFit/>
-          </a:bodyPr>
-          <a:lstStyle/>
-          <a:p>
-            <a:r>
-              <a:rPr lang="en-US" sz="1200" i="1" dirty="0" smtClean="0"/>
-              <a:t>V</a:t>
-            </a:r>
-            <a:r>
-              <a:rPr lang="en-US" altLang="zh-CN" sz="1200" i="1" baseline="-25000" dirty="0" smtClean="0"/>
-              <a:t>N</a:t>
-            </a:r>
-            <a:endParaRPr lang="en-US" sz="1200" i="1" baseline="-25000" dirty="0"/>
-          </a:p>
-        </p:txBody>
-      </p:sp>
-      <p:cxnSp>
-        <p:nvCxnSpPr>
-          <p:cNvPr id="50" name="Straight Connector 49"/>
-          <p:cNvCxnSpPr/>
-          <p:nvPr/>
-        </p:nvCxnSpPr>
-        <p:spPr>
-          <a:xfrm>
-            <a:off x="3019425" y="4152900"/>
-            <a:ext cx="5420632" cy="0"/>
-          </a:xfrm>
-          <a:prstGeom prst="line">
-            <a:avLst/>
-          </a:prstGeom>
-        </p:spPr>
-        <p:style>
-          <a:lnRef idx="1">
-            <a:schemeClr val="accent1"/>
-          </a:lnRef>
-          <a:fillRef idx="0">
-            <a:schemeClr val="accent1"/>
-          </a:fillRef>
-          <a:effectRef idx="0">
-            <a:schemeClr val="accent1"/>
-          </a:effectRef>
-          <a:fontRef idx="minor">
-            <a:schemeClr val="tx1"/>
-          </a:fontRef>
-        </p:style>
-      </p:cxnSp>
-      <p:cxnSp>
-        <p:nvCxnSpPr>
-          <p:cNvPr id="53" name="Straight Connector 52"/>
-          <p:cNvCxnSpPr/>
-          <p:nvPr/>
-        </p:nvCxnSpPr>
-        <p:spPr>
-          <a:xfrm>
-            <a:off x="3816350" y="3109974"/>
-            <a:ext cx="0" cy="1042926"/>
-          </a:xfrm>
-          <a:prstGeom prst="line">
-            <a:avLst/>
-          </a:prstGeom>
-          <a:ln>
-            <a:prstDash val="lgDash"/>
-          </a:ln>
-        </p:spPr>
-        <p:style>
-          <a:lnRef idx="1">
-            <a:schemeClr val="accent1"/>
-          </a:lnRef>
-          <a:fillRef idx="0">
-            <a:schemeClr val="accent1"/>
-          </a:fillRef>
-          <a:effectRef idx="0">
-            <a:schemeClr val="accent1"/>
-          </a:effectRef>
-          <a:fontRef idx="minor">
-            <a:schemeClr val="tx1"/>
-          </a:fontRef>
-        </p:style>
-      </p:cxnSp>
-      <p:sp>
-        <p:nvSpPr>
-          <p:cNvPr id="55" name="TextBox 54"/>
-          <p:cNvSpPr txBox="1"/>
-          <p:nvPr/>
-        </p:nvSpPr>
-        <p:spPr>
-          <a:xfrm>
-            <a:off x="3544207" y="4276726"/>
-            <a:ext cx="544286" cy="276999"/>
-          </a:xfrm>
-          <a:prstGeom prst="rect">
-            <a:avLst/>
-          </a:prstGeom>
-          <a:noFill/>
-        </p:spPr>
-        <p:txBody>
-          <a:bodyPr wrap="square" rtlCol="0">
-            <a:spAutoFit/>
-          </a:bodyPr>
-          <a:lstStyle/>
-          <a:p>
-            <a:r>
-              <a:rPr lang="en-US" altLang="zh-CN" sz="1200" i="1" dirty="0" smtClean="0"/>
-              <a:t>Z</a:t>
-            </a:r>
-            <a:r>
-              <a:rPr lang="en-US" sz="1200" i="1" baseline="-25000" dirty="0" smtClean="0"/>
-              <a:t>0</a:t>
-            </a:r>
-            <a:endParaRPr lang="en-US" sz="1200" i="1" baseline="-25000" dirty="0"/>
-          </a:p>
-        </p:txBody>
-      </p:sp>
-      <p:sp>
-        <p:nvSpPr>
-          <p:cNvPr id="56" name="TextBox 55"/>
-          <p:cNvSpPr txBox="1"/>
-          <p:nvPr/>
-        </p:nvSpPr>
-        <p:spPr>
-          <a:xfrm>
-            <a:off x="4249057" y="4276726"/>
-            <a:ext cx="544286" cy="276999"/>
-          </a:xfrm>
-          <a:prstGeom prst="rect">
-            <a:avLst/>
-          </a:prstGeom>
-          <a:noFill/>
-        </p:spPr>
-        <p:txBody>
-          <a:bodyPr wrap="square" rtlCol="0">
-            <a:spAutoFit/>
-          </a:bodyPr>
-          <a:lstStyle/>
-          <a:p>
-            <a:r>
-              <a:rPr lang="en-US" altLang="zh-CN" sz="1200" i="1" dirty="0" smtClean="0"/>
-              <a:t>Z</a:t>
-            </a:r>
-            <a:r>
-              <a:rPr lang="en-US" altLang="zh-CN" sz="1200" i="1" baseline="-25000" dirty="0"/>
-              <a:t>1</a:t>
-            </a:r>
-            <a:endParaRPr lang="en-US" sz="1200" i="1" baseline="-25000" dirty="0"/>
-          </a:p>
-        </p:txBody>
-      </p:sp>
-      <p:sp>
-        <p:nvSpPr>
-          <p:cNvPr id="57" name="TextBox 56"/>
-          <p:cNvSpPr txBox="1"/>
-          <p:nvPr/>
-        </p:nvSpPr>
-        <p:spPr>
-          <a:xfrm>
-            <a:off x="4955493" y="4276726"/>
-            <a:ext cx="544286" cy="276999"/>
-          </a:xfrm>
-          <a:prstGeom prst="rect">
-            <a:avLst/>
-          </a:prstGeom>
-          <a:noFill/>
-        </p:spPr>
-        <p:txBody>
-          <a:bodyPr wrap="square" rtlCol="0">
-            <a:spAutoFit/>
-          </a:bodyPr>
-          <a:lstStyle/>
-          <a:p>
-            <a:r>
-              <a:rPr lang="en-US" altLang="zh-CN" sz="1200" i="1" dirty="0" smtClean="0"/>
-              <a:t>Z</a:t>
-            </a:r>
-            <a:r>
-              <a:rPr lang="en-US" altLang="zh-CN" sz="1200" i="1" baseline="-25000" dirty="0" smtClean="0"/>
-              <a:t>2</a:t>
-            </a:r>
-            <a:endParaRPr lang="en-US" sz="1200" i="1" baseline="-25000" dirty="0"/>
-          </a:p>
-        </p:txBody>
-      </p:sp>
-      <p:sp>
-        <p:nvSpPr>
-          <p:cNvPr id="58" name="TextBox 57"/>
-          <p:cNvSpPr txBox="1"/>
-          <p:nvPr/>
-        </p:nvSpPr>
-        <p:spPr>
-          <a:xfrm>
-            <a:off x="5623149" y="4276726"/>
-            <a:ext cx="544286" cy="276999"/>
-          </a:xfrm>
-          <a:prstGeom prst="rect">
-            <a:avLst/>
-          </a:prstGeom>
-          <a:noFill/>
-        </p:spPr>
-        <p:txBody>
-          <a:bodyPr wrap="square" rtlCol="0">
-            <a:spAutoFit/>
-          </a:bodyPr>
-          <a:lstStyle/>
-          <a:p>
-            <a:r>
-              <a:rPr lang="en-US" altLang="zh-CN" sz="1200" i="1" dirty="0" smtClean="0"/>
-              <a:t>Z</a:t>
-            </a:r>
-            <a:r>
-              <a:rPr lang="en-US" altLang="zh-CN" sz="1200" i="1" baseline="-25000" dirty="0" smtClean="0"/>
-              <a:t>l-1</a:t>
-            </a:r>
-            <a:endParaRPr lang="en-US" sz="1200" i="1" baseline="-25000" dirty="0"/>
-          </a:p>
-        </p:txBody>
-      </p:sp>
-      <p:cxnSp>
-        <p:nvCxnSpPr>
-          <p:cNvPr id="59" name="Straight Connector 58"/>
-          <p:cNvCxnSpPr/>
-          <p:nvPr/>
-        </p:nvCxnSpPr>
-        <p:spPr>
-          <a:xfrm>
-            <a:off x="5827486" y="3171825"/>
-            <a:ext cx="12243" cy="981075"/>
-          </a:xfrm>
-          <a:prstGeom prst="line">
-            <a:avLst/>
-          </a:prstGeom>
-          <a:ln>
-            <a:prstDash val="lgDash"/>
-          </a:ln>
-        </p:spPr>
-        <p:style>
-          <a:lnRef idx="1">
-            <a:schemeClr val="accent1"/>
-          </a:lnRef>
-          <a:fillRef idx="0">
-            <a:schemeClr val="accent1"/>
-          </a:fillRef>
-          <a:effectRef idx="0">
-            <a:schemeClr val="accent1"/>
-          </a:effectRef>
-          <a:fontRef idx="minor">
-            <a:schemeClr val="tx1"/>
-          </a:fontRef>
-        </p:style>
-      </p:cxnSp>
-      <p:sp>
-        <p:nvSpPr>
-          <p:cNvPr id="61" name="TextBox 60"/>
-          <p:cNvSpPr txBox="1"/>
-          <p:nvPr/>
-        </p:nvSpPr>
-        <p:spPr>
-          <a:xfrm>
-            <a:off x="6215743" y="4276726"/>
-            <a:ext cx="544286" cy="276999"/>
-          </a:xfrm>
-          <a:prstGeom prst="rect">
-            <a:avLst/>
-          </a:prstGeom>
-          <a:noFill/>
-        </p:spPr>
-        <p:txBody>
-          <a:bodyPr wrap="square" rtlCol="0">
-            <a:spAutoFit/>
-          </a:bodyPr>
-          <a:lstStyle/>
-          <a:p>
-            <a:r>
-              <a:rPr lang="en-US" altLang="zh-CN" sz="1200" i="1" dirty="0" err="1" smtClean="0"/>
-              <a:t>Z</a:t>
-            </a:r>
-            <a:r>
-              <a:rPr lang="en-US" altLang="zh-CN" sz="1200" i="1" baseline="-25000" dirty="0" err="1" smtClean="0"/>
-              <a:t>l</a:t>
-            </a:r>
-            <a:endParaRPr lang="en-US" sz="1200" i="1" baseline="-25000" dirty="0"/>
-          </a:p>
-        </p:txBody>
-      </p:sp>
-      <p:sp>
-        <p:nvSpPr>
-          <p:cNvPr id="62" name="TextBox 61"/>
-          <p:cNvSpPr txBox="1"/>
-          <p:nvPr/>
-        </p:nvSpPr>
-        <p:spPr>
-          <a:xfrm>
-            <a:off x="6760029" y="4276726"/>
-            <a:ext cx="544286" cy="276999"/>
-          </a:xfrm>
-          <a:prstGeom prst="rect">
-            <a:avLst/>
-          </a:prstGeom>
-          <a:noFill/>
-        </p:spPr>
-        <p:txBody>
-          <a:bodyPr wrap="square" rtlCol="0">
-            <a:spAutoFit/>
-          </a:bodyPr>
-          <a:lstStyle/>
-          <a:p>
-            <a:r>
-              <a:rPr lang="en-US" altLang="zh-CN" sz="1200" i="1" dirty="0" smtClean="0"/>
-              <a:t>Z</a:t>
-            </a:r>
-            <a:r>
-              <a:rPr lang="en-US" altLang="zh-CN" sz="1200" i="1" baseline="-25000" dirty="0" smtClean="0"/>
-              <a:t>l+1</a:t>
-            </a:r>
-            <a:endParaRPr lang="en-US" sz="1200" i="1" baseline="-25000" dirty="0"/>
-          </a:p>
-        </p:txBody>
-      </p:sp>
-      <p:sp>
-        <p:nvSpPr>
-          <p:cNvPr id="63" name="TextBox 62"/>
-          <p:cNvSpPr txBox="1"/>
-          <p:nvPr/>
-        </p:nvSpPr>
-        <p:spPr>
-          <a:xfrm>
-            <a:off x="7924348" y="4276726"/>
-            <a:ext cx="544286" cy="276999"/>
-          </a:xfrm>
-          <a:prstGeom prst="rect">
-            <a:avLst/>
-          </a:prstGeom>
-          <a:noFill/>
-        </p:spPr>
-        <p:txBody>
-          <a:bodyPr wrap="square" rtlCol="0">
-            <a:spAutoFit/>
-          </a:bodyPr>
-          <a:lstStyle/>
-          <a:p>
-            <a:r>
-              <a:rPr lang="en-US" altLang="zh-CN" sz="1200" i="1" dirty="0" smtClean="0"/>
-              <a:t>Z</a:t>
-            </a:r>
-            <a:r>
-              <a:rPr lang="en-US" altLang="zh-CN" sz="1200" i="1" baseline="-25000" dirty="0" smtClean="0"/>
-              <a:t>N</a:t>
-            </a:r>
-            <a:endParaRPr lang="en-US" sz="1200" i="1" baseline="-25000" dirty="0"/>
-          </a:p>
-        </p:txBody>
-      </p:sp>
-      <p:cxnSp>
-        <p:nvCxnSpPr>
-          <p:cNvPr id="65" name="Straight Arrow Connector 64"/>
-          <p:cNvCxnSpPr/>
-          <p:nvPr/>
-        </p:nvCxnSpPr>
-        <p:spPr>
-          <a:xfrm>
-            <a:off x="3816350" y="4029075"/>
-            <a:ext cx="649287" cy="0"/>
-          </a:xfrm>
-          <a:prstGeom prst="straightConnector1">
-            <a:avLst/>
-          </a:prstGeom>
-          <a:ln>
-            <a:headEnd type="triangle"/>
-            <a:tailEnd type="triangle"/>
-          </a:ln>
-        </p:spPr>
-        <p:style>
-          <a:lnRef idx="1">
-            <a:schemeClr val="accent1"/>
-          </a:lnRef>
-          <a:fillRef idx="0">
-            <a:schemeClr val="accent1"/>
-          </a:fillRef>
-          <a:effectRef idx="0">
-            <a:schemeClr val="accent1"/>
-          </a:effectRef>
-          <a:fontRef idx="minor">
-            <a:schemeClr val="tx1"/>
-          </a:fontRef>
-        </p:style>
-      </p:cxnSp>
-      <p:sp>
-        <p:nvSpPr>
-          <p:cNvPr id="66" name="TextBox 65"/>
-          <p:cNvSpPr txBox="1"/>
-          <p:nvPr/>
-        </p:nvSpPr>
-        <p:spPr>
-          <a:xfrm>
-            <a:off x="3987345" y="3693409"/>
-            <a:ext cx="412524" cy="369332"/>
-          </a:xfrm>
-          <a:prstGeom prst="rect">
-            <a:avLst/>
-          </a:prstGeom>
-          <a:noFill/>
-        </p:spPr>
-        <p:txBody>
-          <a:bodyPr wrap="square" rtlCol="0">
-            <a:spAutoFit/>
-          </a:bodyPr>
-          <a:lstStyle/>
-          <a:p>
-            <a:r>
-              <a:rPr lang="en-US" altLang="zh-CN" i="1" dirty="0" smtClean="0"/>
-              <a:t>h</a:t>
-            </a:r>
-            <a:r>
-              <a:rPr lang="en-US" altLang="zh-CN" i="1" baseline="-25000" dirty="0" smtClean="0"/>
-              <a:t>l</a:t>
-            </a:r>
-            <a:endParaRPr lang="en-US" i="1" baseline="-25000" dirty="0"/>
-          </a:p>
-        </p:txBody>
-      </p:sp>
       <p:grpSp>
         <p:nvGrpSpPr>
-          <p:cNvPr id="76" name="Group 75"/>
+          <p:cNvPr id="4" name="Group 3"/>
           <p:cNvGrpSpPr/>
           <p:nvPr/>
         </p:nvGrpSpPr>
         <p:grpSpPr>
           <a:xfrm>
-            <a:off x="5999392" y="1403321"/>
-            <a:ext cx="1039130" cy="636681"/>
-            <a:chOff x="5974898" y="1309289"/>
-            <a:chExt cx="1039130" cy="636681"/>
+            <a:off x="2994025" y="1708121"/>
+            <a:ext cx="5449209" cy="3150404"/>
+            <a:chOff x="2994025" y="1708121"/>
+            <a:chExt cx="5449209" cy="3150404"/>
           </a:xfrm>
         </p:grpSpPr>
         <p:cxnSp>
           <p:nvCxnSpPr>
-            <p:cNvPr id="68" name="Straight Arrow Connector 67"/>
+            <p:cNvPr id="9" name="Straight Connector 8"/>
             <p:cNvCxnSpPr/>
             <p:nvPr/>
           </p:nvCxnSpPr>
           <p:spPr>
             <a:xfrm>
-              <a:off x="5988051" y="1611302"/>
-              <a:ext cx="518886" cy="9525"/>
+              <a:off x="3079750" y="2609850"/>
+              <a:ext cx="704850" cy="0"/>
             </a:xfrm>
-            <a:prstGeom prst="straightConnector1">
+            <a:prstGeom prst="line">
               <a:avLst/>
             </a:prstGeom>
-            <a:ln>
-              <a:tailEnd type="stealth"/>
-            </a:ln>
+            <a:ln w="19050"/>
           </p:spPr>
           <p:style>
             <a:lnRef idx="1">
@@ -10066,20 +9710,702 @@
         </p:cxnSp>
         <p:cxnSp>
           <p:nvCxnSpPr>
-            <p:cNvPr id="69" name="Straight Arrow Connector 68"/>
+            <p:cNvPr id="11" name="Straight Connector 10"/>
             <p:cNvCxnSpPr/>
             <p:nvPr/>
           </p:nvCxnSpPr>
           <p:spPr>
             <a:xfrm>
-              <a:off x="6487886" y="1622867"/>
-              <a:ext cx="518886" cy="9525"/>
+              <a:off x="3784600" y="2609850"/>
+              <a:ext cx="0" cy="742950"/>
             </a:xfrm>
-            <a:prstGeom prst="straightConnector1">
+            <a:prstGeom prst="line">
               <a:avLst/>
             </a:prstGeom>
-            <a:ln>
-              <a:tailEnd type="stealth"/>
+            <a:ln w="19050"/>
+          </p:spPr>
+          <p:style>
+            <a:lnRef idx="1">
+              <a:schemeClr val="accent1"/>
+            </a:lnRef>
+            <a:fillRef idx="0">
+              <a:schemeClr val="accent1"/>
+            </a:fillRef>
+            <a:effectRef idx="0">
+              <a:schemeClr val="accent1"/>
+            </a:effectRef>
+            <a:fontRef idx="minor">
+              <a:schemeClr val="tx1"/>
+            </a:fontRef>
+          </p:style>
+        </p:cxnSp>
+        <p:cxnSp>
+          <p:nvCxnSpPr>
+            <p:cNvPr id="13" name="Straight Connector 12"/>
+            <p:cNvCxnSpPr/>
+            <p:nvPr/>
+          </p:nvCxnSpPr>
+          <p:spPr>
+            <a:xfrm>
+              <a:off x="3790950" y="3350078"/>
+              <a:ext cx="704850" cy="0"/>
+            </a:xfrm>
+            <a:prstGeom prst="line">
+              <a:avLst/>
+            </a:prstGeom>
+            <a:ln w="19050"/>
+          </p:spPr>
+          <p:style>
+            <a:lnRef idx="1">
+              <a:schemeClr val="accent1"/>
+            </a:lnRef>
+            <a:fillRef idx="0">
+              <a:schemeClr val="accent1"/>
+            </a:fillRef>
+            <a:effectRef idx="0">
+              <a:schemeClr val="accent1"/>
+            </a:effectRef>
+            <a:fontRef idx="minor">
+              <a:schemeClr val="tx1"/>
+            </a:fontRef>
+          </p:style>
+        </p:cxnSp>
+        <p:cxnSp>
+          <p:nvCxnSpPr>
+            <p:cNvPr id="14" name="Straight Connector 13"/>
+            <p:cNvCxnSpPr/>
+            <p:nvPr/>
+          </p:nvCxnSpPr>
+          <p:spPr>
+            <a:xfrm>
+              <a:off x="4495800" y="3350078"/>
+              <a:ext cx="0" cy="742950"/>
+            </a:xfrm>
+            <a:prstGeom prst="line">
+              <a:avLst/>
+            </a:prstGeom>
+            <a:ln w="19050"/>
+          </p:spPr>
+          <p:style>
+            <a:lnRef idx="1">
+              <a:schemeClr val="accent1"/>
+            </a:lnRef>
+            <a:fillRef idx="0">
+              <a:schemeClr val="accent1"/>
+            </a:fillRef>
+            <a:effectRef idx="0">
+              <a:schemeClr val="accent1"/>
+            </a:effectRef>
+            <a:fontRef idx="minor">
+              <a:schemeClr val="tx1"/>
+            </a:fontRef>
+          </p:style>
+        </p:cxnSp>
+        <p:cxnSp>
+          <p:nvCxnSpPr>
+            <p:cNvPr id="16" name="Straight Connector 15"/>
+            <p:cNvCxnSpPr/>
+            <p:nvPr/>
+          </p:nvCxnSpPr>
+          <p:spPr>
+            <a:xfrm>
+              <a:off x="4495800" y="4093028"/>
+              <a:ext cx="660400" cy="14514"/>
+            </a:xfrm>
+            <a:prstGeom prst="line">
+              <a:avLst/>
+            </a:prstGeom>
+            <a:ln w="19050"/>
+          </p:spPr>
+          <p:style>
+            <a:lnRef idx="1">
+              <a:schemeClr val="accent1"/>
+            </a:lnRef>
+            <a:fillRef idx="0">
+              <a:schemeClr val="accent1"/>
+            </a:fillRef>
+            <a:effectRef idx="0">
+              <a:schemeClr val="accent1"/>
+            </a:effectRef>
+            <a:fontRef idx="minor">
+              <a:schemeClr val="tx1"/>
+            </a:fontRef>
+          </p:style>
+        </p:cxnSp>
+        <p:cxnSp>
+          <p:nvCxnSpPr>
+            <p:cNvPr id="18" name="Straight Connector 17"/>
+            <p:cNvCxnSpPr/>
+            <p:nvPr/>
+          </p:nvCxnSpPr>
+          <p:spPr>
+            <a:xfrm flipV="1">
+              <a:off x="5802086" y="2981325"/>
+              <a:ext cx="0" cy="495300"/>
+            </a:xfrm>
+            <a:prstGeom prst="line">
+              <a:avLst/>
+            </a:prstGeom>
+            <a:ln w="19050"/>
+          </p:spPr>
+          <p:style>
+            <a:lnRef idx="1">
+              <a:schemeClr val="accent1"/>
+            </a:lnRef>
+            <a:fillRef idx="0">
+              <a:schemeClr val="accent1"/>
+            </a:fillRef>
+            <a:effectRef idx="0">
+              <a:schemeClr val="accent1"/>
+            </a:effectRef>
+            <a:fontRef idx="minor">
+              <a:schemeClr val="tx1"/>
+            </a:fontRef>
+          </p:style>
+        </p:cxnSp>
+        <p:cxnSp>
+          <p:nvCxnSpPr>
+            <p:cNvPr id="20" name="Straight Connector 19"/>
+            <p:cNvCxnSpPr/>
+            <p:nvPr/>
+          </p:nvCxnSpPr>
+          <p:spPr>
+            <a:xfrm>
+              <a:off x="6469744" y="2486024"/>
+              <a:ext cx="529771" cy="0"/>
+            </a:xfrm>
+            <a:prstGeom prst="line">
+              <a:avLst/>
+            </a:prstGeom>
+            <a:ln w="19050"/>
+          </p:spPr>
+          <p:style>
+            <a:lnRef idx="1">
+              <a:schemeClr val="accent1"/>
+            </a:lnRef>
+            <a:fillRef idx="0">
+              <a:schemeClr val="accent1"/>
+            </a:fillRef>
+            <a:effectRef idx="0">
+              <a:schemeClr val="accent1"/>
+            </a:effectRef>
+            <a:fontRef idx="minor">
+              <a:schemeClr val="tx1"/>
+            </a:fontRef>
+          </p:style>
+        </p:cxnSp>
+        <p:cxnSp>
+          <p:nvCxnSpPr>
+            <p:cNvPr id="22" name="Straight Connector 21"/>
+            <p:cNvCxnSpPr/>
+            <p:nvPr/>
+          </p:nvCxnSpPr>
+          <p:spPr>
+            <a:xfrm>
+              <a:off x="7006772" y="2483302"/>
+              <a:ext cx="0" cy="742950"/>
+            </a:xfrm>
+            <a:prstGeom prst="line">
+              <a:avLst/>
+            </a:prstGeom>
+            <a:ln w="19050"/>
+          </p:spPr>
+          <p:style>
+            <a:lnRef idx="1">
+              <a:schemeClr val="accent1"/>
+            </a:lnRef>
+            <a:fillRef idx="0">
+              <a:schemeClr val="accent1"/>
+            </a:fillRef>
+            <a:effectRef idx="0">
+              <a:schemeClr val="accent1"/>
+            </a:effectRef>
+            <a:fontRef idx="minor">
+              <a:schemeClr val="tx1"/>
+            </a:fontRef>
+          </p:style>
+        </p:cxnSp>
+        <p:cxnSp>
+          <p:nvCxnSpPr>
+            <p:cNvPr id="23" name="Straight Connector 22"/>
+            <p:cNvCxnSpPr/>
+            <p:nvPr/>
+          </p:nvCxnSpPr>
+          <p:spPr>
+            <a:xfrm>
+              <a:off x="7013122" y="3223530"/>
+              <a:ext cx="704850" cy="0"/>
+            </a:xfrm>
+            <a:prstGeom prst="line">
+              <a:avLst/>
+            </a:prstGeom>
+            <a:ln w="19050"/>
+          </p:spPr>
+          <p:style>
+            <a:lnRef idx="1">
+              <a:schemeClr val="accent1"/>
+            </a:lnRef>
+            <a:fillRef idx="0">
+              <a:schemeClr val="accent1"/>
+            </a:fillRef>
+            <a:effectRef idx="0">
+              <a:schemeClr val="accent1"/>
+            </a:effectRef>
+            <a:fontRef idx="minor">
+              <a:schemeClr val="tx1"/>
+            </a:fontRef>
+          </p:style>
+        </p:cxnSp>
+        <p:cxnSp>
+          <p:nvCxnSpPr>
+            <p:cNvPr id="24" name="Straight Connector 23"/>
+            <p:cNvCxnSpPr/>
+            <p:nvPr/>
+          </p:nvCxnSpPr>
+          <p:spPr>
+            <a:xfrm>
+              <a:off x="7717972" y="3223530"/>
+              <a:ext cx="0" cy="742950"/>
+            </a:xfrm>
+            <a:prstGeom prst="line">
+              <a:avLst/>
+            </a:prstGeom>
+            <a:ln w="19050"/>
+          </p:spPr>
+          <p:style>
+            <a:lnRef idx="1">
+              <a:schemeClr val="accent1"/>
+            </a:lnRef>
+            <a:fillRef idx="0">
+              <a:schemeClr val="accent1"/>
+            </a:fillRef>
+            <a:effectRef idx="0">
+              <a:schemeClr val="accent1"/>
+            </a:effectRef>
+            <a:fontRef idx="minor">
+              <a:schemeClr val="tx1"/>
+            </a:fontRef>
+          </p:style>
+        </p:cxnSp>
+        <p:cxnSp>
+          <p:nvCxnSpPr>
+            <p:cNvPr id="25" name="Straight Connector 24"/>
+            <p:cNvCxnSpPr/>
+            <p:nvPr/>
+          </p:nvCxnSpPr>
+          <p:spPr>
+            <a:xfrm>
+              <a:off x="7709807" y="3966480"/>
+              <a:ext cx="446768" cy="0"/>
+            </a:xfrm>
+            <a:prstGeom prst="line">
+              <a:avLst/>
+            </a:prstGeom>
+            <a:ln w="19050"/>
+          </p:spPr>
+          <p:style>
+            <a:lnRef idx="1">
+              <a:schemeClr val="accent1"/>
+            </a:lnRef>
+            <a:fillRef idx="0">
+              <a:schemeClr val="accent1"/>
+            </a:fillRef>
+            <a:effectRef idx="0">
+              <a:schemeClr val="accent1"/>
+            </a:effectRef>
+            <a:fontRef idx="minor">
+              <a:schemeClr val="tx1"/>
+            </a:fontRef>
+          </p:style>
+        </p:cxnSp>
+        <p:cxnSp>
+          <p:nvCxnSpPr>
+            <p:cNvPr id="31" name="Straight Connector 30"/>
+            <p:cNvCxnSpPr/>
+            <p:nvPr/>
+          </p:nvCxnSpPr>
+          <p:spPr>
+            <a:xfrm flipH="1" flipV="1">
+              <a:off x="5146673" y="3476625"/>
+              <a:ext cx="655413" cy="1361"/>
+            </a:xfrm>
+            <a:prstGeom prst="line">
+              <a:avLst/>
+            </a:prstGeom>
+            <a:ln w="19050"/>
+          </p:spPr>
+          <p:style>
+            <a:lnRef idx="1">
+              <a:schemeClr val="accent1"/>
+            </a:lnRef>
+            <a:fillRef idx="0">
+              <a:schemeClr val="accent1"/>
+            </a:fillRef>
+            <a:effectRef idx="0">
+              <a:schemeClr val="accent1"/>
+            </a:effectRef>
+            <a:fontRef idx="minor">
+              <a:schemeClr val="tx1"/>
+            </a:fontRef>
+          </p:style>
+        </p:cxnSp>
+        <p:cxnSp>
+          <p:nvCxnSpPr>
+            <p:cNvPr id="33" name="Straight Connector 32"/>
+            <p:cNvCxnSpPr/>
+            <p:nvPr/>
+          </p:nvCxnSpPr>
+          <p:spPr>
+            <a:xfrm>
+              <a:off x="5156200" y="3476625"/>
+              <a:ext cx="0" cy="630917"/>
+            </a:xfrm>
+            <a:prstGeom prst="line">
+              <a:avLst/>
+            </a:prstGeom>
+            <a:ln w="19050"/>
+          </p:spPr>
+          <p:style>
+            <a:lnRef idx="1">
+              <a:schemeClr val="accent1"/>
+            </a:lnRef>
+            <a:fillRef idx="0">
+              <a:schemeClr val="accent1"/>
+            </a:fillRef>
+            <a:effectRef idx="0">
+              <a:schemeClr val="accent1"/>
+            </a:effectRef>
+            <a:fontRef idx="minor">
+              <a:schemeClr val="tx1"/>
+            </a:fontRef>
+          </p:style>
+        </p:cxnSp>
+        <p:cxnSp>
+          <p:nvCxnSpPr>
+            <p:cNvPr id="39" name="Straight Connector 38"/>
+            <p:cNvCxnSpPr/>
+            <p:nvPr/>
+          </p:nvCxnSpPr>
+          <p:spPr>
+            <a:xfrm flipV="1">
+              <a:off x="6469742" y="2483302"/>
+              <a:ext cx="0" cy="495300"/>
+            </a:xfrm>
+            <a:prstGeom prst="line">
+              <a:avLst/>
+            </a:prstGeom>
+            <a:ln w="19050"/>
+          </p:spPr>
+          <p:style>
+            <a:lnRef idx="1">
+              <a:schemeClr val="accent1"/>
+            </a:lnRef>
+            <a:fillRef idx="0">
+              <a:schemeClr val="accent1"/>
+            </a:fillRef>
+            <a:effectRef idx="0">
+              <a:schemeClr val="accent1"/>
+            </a:effectRef>
+            <a:fontRef idx="minor">
+              <a:schemeClr val="tx1"/>
+            </a:fontRef>
+          </p:style>
+        </p:cxnSp>
+        <p:cxnSp>
+          <p:nvCxnSpPr>
+            <p:cNvPr id="40" name="Straight Connector 39"/>
+            <p:cNvCxnSpPr/>
+            <p:nvPr/>
+          </p:nvCxnSpPr>
+          <p:spPr>
+            <a:xfrm flipH="1" flipV="1">
+              <a:off x="5814329" y="2978602"/>
+              <a:ext cx="655413" cy="1361"/>
+            </a:xfrm>
+            <a:prstGeom prst="line">
+              <a:avLst/>
+            </a:prstGeom>
+            <a:ln w="19050"/>
+          </p:spPr>
+          <p:style>
+            <a:lnRef idx="1">
+              <a:schemeClr val="accent1"/>
+            </a:lnRef>
+            <a:fillRef idx="0">
+              <a:schemeClr val="accent1"/>
+            </a:fillRef>
+            <a:effectRef idx="0">
+              <a:schemeClr val="accent1"/>
+            </a:effectRef>
+            <a:fontRef idx="minor">
+              <a:schemeClr val="tx1"/>
+            </a:fontRef>
+          </p:style>
+        </p:cxnSp>
+        <p:sp>
+          <p:nvSpPr>
+            <p:cNvPr id="41" name="TextBox 40"/>
+            <p:cNvSpPr txBox="1"/>
+            <p:nvPr/>
+          </p:nvSpPr>
+          <p:spPr>
+            <a:xfrm>
+              <a:off x="3214914" y="2344802"/>
+              <a:ext cx="544286" cy="276999"/>
+            </a:xfrm>
+            <a:prstGeom prst="rect">
+              <a:avLst/>
+            </a:prstGeom>
+            <a:noFill/>
+            <a:ln w="19050">
+              <a:noFill/>
+            </a:ln>
+          </p:spPr>
+          <p:txBody>
+            <a:bodyPr wrap="square" rtlCol="0">
+              <a:spAutoFit/>
+            </a:bodyPr>
+            <a:lstStyle/>
+            <a:p>
+              <a:r>
+                <a:rPr lang="en-US" sz="1200" i="1" dirty="0" smtClean="0"/>
+                <a:t>V</a:t>
+              </a:r>
+              <a:r>
+                <a:rPr lang="en-US" sz="1200" i="1" baseline="-25000" dirty="0" smtClean="0"/>
+                <a:t>0</a:t>
+              </a:r>
+              <a:endParaRPr lang="en-US" sz="1200" i="1" baseline="-25000" dirty="0"/>
+            </a:p>
+          </p:txBody>
+        </p:sp>
+        <p:sp>
+          <p:nvSpPr>
+            <p:cNvPr id="42" name="TextBox 41"/>
+            <p:cNvSpPr txBox="1"/>
+            <p:nvPr/>
+          </p:nvSpPr>
+          <p:spPr>
+            <a:xfrm>
+              <a:off x="3939272" y="3085030"/>
+              <a:ext cx="544286" cy="276999"/>
+            </a:xfrm>
+            <a:prstGeom prst="rect">
+              <a:avLst/>
+            </a:prstGeom>
+            <a:noFill/>
+            <a:ln w="19050">
+              <a:noFill/>
+            </a:ln>
+          </p:spPr>
+          <p:txBody>
+            <a:bodyPr wrap="square" rtlCol="0">
+              <a:spAutoFit/>
+            </a:bodyPr>
+            <a:lstStyle/>
+            <a:p>
+              <a:r>
+                <a:rPr lang="en-US" sz="1200" i="1" dirty="0" smtClean="0"/>
+                <a:t>V</a:t>
+              </a:r>
+              <a:r>
+                <a:rPr lang="en-US" sz="1200" i="1" baseline="-25000" dirty="0"/>
+                <a:t>1</a:t>
+              </a:r>
+            </a:p>
+          </p:txBody>
+        </p:sp>
+        <p:sp>
+          <p:nvSpPr>
+            <p:cNvPr id="43" name="TextBox 42"/>
+            <p:cNvSpPr txBox="1"/>
+            <p:nvPr/>
+          </p:nvSpPr>
+          <p:spPr>
+            <a:xfrm>
+              <a:off x="4627111" y="3867122"/>
+              <a:ext cx="544286" cy="276999"/>
+            </a:xfrm>
+            <a:prstGeom prst="rect">
+              <a:avLst/>
+            </a:prstGeom>
+            <a:noFill/>
+            <a:ln w="19050">
+              <a:noFill/>
+            </a:ln>
+          </p:spPr>
+          <p:txBody>
+            <a:bodyPr wrap="square" rtlCol="0">
+              <a:spAutoFit/>
+            </a:bodyPr>
+            <a:lstStyle/>
+            <a:p>
+              <a:r>
+                <a:rPr lang="en-US" sz="1200" i="1" dirty="0" smtClean="0"/>
+                <a:t>V2</a:t>
+              </a:r>
+              <a:endParaRPr lang="en-US" sz="1200" i="1" baseline="-25000" dirty="0"/>
+            </a:p>
+          </p:txBody>
+        </p:sp>
+        <p:sp>
+          <p:nvSpPr>
+            <p:cNvPr id="44" name="TextBox 43"/>
+            <p:cNvSpPr txBox="1"/>
+            <p:nvPr/>
+          </p:nvSpPr>
+          <p:spPr>
+            <a:xfrm>
+              <a:off x="5925456" y="2729143"/>
+              <a:ext cx="544286" cy="276999"/>
+            </a:xfrm>
+            <a:prstGeom prst="rect">
+              <a:avLst/>
+            </a:prstGeom>
+            <a:noFill/>
+            <a:ln w="19050">
+              <a:noFill/>
+            </a:ln>
+          </p:spPr>
+          <p:txBody>
+            <a:bodyPr wrap="square" rtlCol="0">
+              <a:spAutoFit/>
+            </a:bodyPr>
+            <a:lstStyle/>
+            <a:p>
+              <a:r>
+                <a:rPr lang="en-US" sz="1200" i="1" dirty="0" err="1" smtClean="0"/>
+                <a:t>V</a:t>
+              </a:r>
+              <a:r>
+                <a:rPr lang="en-US" sz="1200" i="1" baseline="-25000" dirty="0" err="1" smtClean="0"/>
+                <a:t>l</a:t>
+              </a:r>
+              <a:endParaRPr lang="en-US" sz="1200" i="1" baseline="-25000" dirty="0"/>
+            </a:p>
+          </p:txBody>
+        </p:sp>
+        <p:sp>
+          <p:nvSpPr>
+            <p:cNvPr id="46" name="TextBox 45"/>
+            <p:cNvSpPr txBox="1"/>
+            <p:nvPr/>
+          </p:nvSpPr>
+          <p:spPr>
+            <a:xfrm>
+              <a:off x="6477000" y="2258044"/>
+              <a:ext cx="526142" cy="276999"/>
+            </a:xfrm>
+            <a:prstGeom prst="rect">
+              <a:avLst/>
+            </a:prstGeom>
+            <a:noFill/>
+            <a:ln w="19050">
+              <a:noFill/>
+            </a:ln>
+          </p:spPr>
+          <p:txBody>
+            <a:bodyPr wrap="square" rtlCol="0">
+              <a:spAutoFit/>
+            </a:bodyPr>
+            <a:lstStyle/>
+            <a:p>
+              <a:r>
+                <a:rPr lang="en-US" sz="1200" i="1" dirty="0" smtClean="0"/>
+                <a:t>V</a:t>
+              </a:r>
+              <a:r>
+                <a:rPr lang="en-US" sz="1200" i="1" baseline="-25000" dirty="0" smtClean="0"/>
+                <a:t>l+1</a:t>
+              </a:r>
+              <a:endParaRPr lang="en-US" sz="1200" i="1" baseline="-25000" dirty="0"/>
+            </a:p>
+          </p:txBody>
+        </p:sp>
+        <p:sp>
+          <p:nvSpPr>
+            <p:cNvPr id="48" name="TextBox 47"/>
+            <p:cNvSpPr txBox="1"/>
+            <p:nvPr/>
+          </p:nvSpPr>
+          <p:spPr>
+            <a:xfrm>
+              <a:off x="7732486" y="3680555"/>
+              <a:ext cx="506637" cy="276999"/>
+            </a:xfrm>
+            <a:prstGeom prst="rect">
+              <a:avLst/>
+            </a:prstGeom>
+            <a:noFill/>
+            <a:ln w="19050">
+              <a:noFill/>
+            </a:ln>
+          </p:spPr>
+          <p:txBody>
+            <a:bodyPr wrap="square" rtlCol="0">
+              <a:spAutoFit/>
+            </a:bodyPr>
+            <a:lstStyle/>
+            <a:p>
+              <a:r>
+                <a:rPr lang="en-US" sz="1200" i="1" dirty="0" smtClean="0"/>
+                <a:t>V</a:t>
+              </a:r>
+              <a:r>
+                <a:rPr lang="en-US" altLang="zh-CN" sz="1200" i="1" baseline="-25000" dirty="0" smtClean="0"/>
+                <a:t>N+1</a:t>
+              </a:r>
+              <a:endParaRPr lang="en-US" sz="1200" i="1" baseline="-25000" dirty="0"/>
+            </a:p>
+          </p:txBody>
+        </p:sp>
+        <p:cxnSp>
+          <p:nvCxnSpPr>
+            <p:cNvPr id="50" name="Straight Connector 49"/>
+            <p:cNvCxnSpPr/>
+            <p:nvPr/>
+          </p:nvCxnSpPr>
+          <p:spPr>
+            <a:xfrm>
+              <a:off x="2994025" y="4457700"/>
+              <a:ext cx="5420632" cy="0"/>
+            </a:xfrm>
+            <a:prstGeom prst="line">
+              <a:avLst/>
+            </a:prstGeom>
+            <a:ln w="19050"/>
+          </p:spPr>
+          <p:style>
+            <a:lnRef idx="1">
+              <a:schemeClr val="accent1"/>
+            </a:lnRef>
+            <a:fillRef idx="0">
+              <a:schemeClr val="accent1"/>
+            </a:fillRef>
+            <a:effectRef idx="0">
+              <a:schemeClr val="accent1"/>
+            </a:effectRef>
+            <a:fontRef idx="minor">
+              <a:schemeClr val="tx1"/>
+            </a:fontRef>
+          </p:style>
+        </p:cxnSp>
+        <p:cxnSp>
+          <p:nvCxnSpPr>
+            <p:cNvPr id="53" name="Straight Connector 52"/>
+            <p:cNvCxnSpPr/>
+            <p:nvPr/>
+          </p:nvCxnSpPr>
+          <p:spPr>
+            <a:xfrm>
+              <a:off x="3790950" y="3414774"/>
+              <a:ext cx="0" cy="1042926"/>
+            </a:xfrm>
+            <a:prstGeom prst="line">
+              <a:avLst/>
+            </a:prstGeom>
+            <a:ln w="19050">
+              <a:prstDash val="lgDash"/>
             </a:ln>
           </p:spPr>
           <p:style>
@@ -10099,19 +10425,22 @@
         </p:cxnSp>
         <p:sp>
           <p:nvSpPr>
-            <p:cNvPr id="70" name="TextBox 69"/>
+            <p:cNvPr id="55" name="TextBox 54"/>
             <p:cNvSpPr txBox="1"/>
             <p:nvPr/>
           </p:nvSpPr>
           <p:spPr>
             <a:xfrm>
-              <a:off x="6487886" y="1309289"/>
-              <a:ext cx="526142" cy="276999"/>
+              <a:off x="3518807" y="4581526"/>
+              <a:ext cx="544286" cy="276999"/>
             </a:xfrm>
             <a:prstGeom prst="rect">
               <a:avLst/>
             </a:prstGeom>
             <a:noFill/>
+            <a:ln w="19050">
+              <a:noFill/>
+            </a:ln>
           </p:spPr>
           <p:txBody>
             <a:bodyPr wrap="square" rtlCol="0">
@@ -10121,11 +10450,11 @@
             <a:p>
               <a:r>
                 <a:rPr lang="en-US" altLang="zh-CN" sz="1200" i="1" dirty="0" smtClean="0"/>
-                <a:t>A</a:t>
+                <a:t>Z</a:t>
               </a:r>
               <a:r>
                 <a:rPr lang="en-US" sz="1200" i="1" baseline="-25000" dirty="0" smtClean="0"/>
-                <a:t>l+1</a:t>
+                <a:t>0</a:t>
               </a:r>
               <a:endParaRPr lang="en-US" sz="1200" i="1" baseline="-25000" dirty="0"/>
             </a:p>
@@ -10133,19 +10462,22 @@
         </p:sp>
         <p:sp>
           <p:nvSpPr>
-            <p:cNvPr id="71" name="TextBox 70"/>
+            <p:cNvPr id="56" name="TextBox 55"/>
             <p:cNvSpPr txBox="1"/>
             <p:nvPr/>
           </p:nvSpPr>
           <p:spPr>
             <a:xfrm>
-              <a:off x="6091014" y="1316635"/>
-              <a:ext cx="526142" cy="276999"/>
+              <a:off x="4223657" y="4581526"/>
+              <a:ext cx="544286" cy="276999"/>
             </a:xfrm>
             <a:prstGeom prst="rect">
               <a:avLst/>
             </a:prstGeom>
             <a:noFill/>
+            <a:ln w="19050">
+              <a:noFill/>
+            </a:ln>
           </p:spPr>
           <p:txBody>
             <a:bodyPr wrap="square" rtlCol="0">
@@ -10155,11 +10487,85 @@
             <a:p>
               <a:r>
                 <a:rPr lang="en-US" altLang="zh-CN" sz="1200" i="1" dirty="0" smtClean="0"/>
-                <a:t>A</a:t>
+                <a:t>Z</a:t>
               </a:r>
               <a:r>
-                <a:rPr lang="en-US" sz="1200" i="1" baseline="-25000" dirty="0" smtClean="0"/>
-                <a:t>l</a:t>
+                <a:rPr lang="en-US" altLang="zh-CN" sz="1200" i="1" baseline="-25000" dirty="0"/>
+                <a:t>1</a:t>
+              </a:r>
+              <a:endParaRPr lang="en-US" sz="1200" i="1" baseline="-25000" dirty="0"/>
+            </a:p>
+          </p:txBody>
+        </p:sp>
+        <p:sp>
+          <p:nvSpPr>
+            <p:cNvPr id="57" name="TextBox 56"/>
+            <p:cNvSpPr txBox="1"/>
+            <p:nvPr/>
+          </p:nvSpPr>
+          <p:spPr>
+            <a:xfrm>
+              <a:off x="4930093" y="4581526"/>
+              <a:ext cx="544286" cy="276999"/>
+            </a:xfrm>
+            <a:prstGeom prst="rect">
+              <a:avLst/>
+            </a:prstGeom>
+            <a:noFill/>
+            <a:ln w="19050">
+              <a:noFill/>
+            </a:ln>
+          </p:spPr>
+          <p:txBody>
+            <a:bodyPr wrap="square" rtlCol="0">
+              <a:spAutoFit/>
+            </a:bodyPr>
+            <a:lstStyle/>
+            <a:p>
+              <a:r>
+                <a:rPr lang="en-US" altLang="zh-CN" sz="1200" i="1" dirty="0" smtClean="0"/>
+                <a:t>Z</a:t>
+              </a:r>
+              <a:r>
+                <a:rPr lang="en-US" altLang="zh-CN" sz="1200" i="1" baseline="-25000" dirty="0" smtClean="0"/>
+                <a:t>2</a:t>
+              </a:r>
+              <a:endParaRPr lang="en-US" sz="1200" i="1" baseline="-25000" dirty="0"/>
+            </a:p>
+          </p:txBody>
+        </p:sp>
+        <p:sp>
+          <p:nvSpPr>
+            <p:cNvPr id="58" name="TextBox 57"/>
+            <p:cNvSpPr txBox="1"/>
+            <p:nvPr/>
+          </p:nvSpPr>
+          <p:spPr>
+            <a:xfrm>
+              <a:off x="5597749" y="4581526"/>
+              <a:ext cx="544286" cy="276999"/>
+            </a:xfrm>
+            <a:prstGeom prst="rect">
+              <a:avLst/>
+            </a:prstGeom>
+            <a:noFill/>
+            <a:ln w="19050">
+              <a:noFill/>
+            </a:ln>
+          </p:spPr>
+          <p:txBody>
+            <a:bodyPr wrap="square" rtlCol="0">
+              <a:spAutoFit/>
+            </a:bodyPr>
+            <a:lstStyle/>
+            <a:p>
+              <a:r>
+                <a:rPr lang="en-US" altLang="zh-CN" sz="1200" i="1" dirty="0" smtClean="0"/>
+                <a:t>Z</a:t>
+              </a:r>
+              <a:r>
+                <a:rPr lang="en-US" altLang="zh-CN" sz="1200" i="1" baseline="-25000" dirty="0" smtClean="0"/>
+                <a:t>l-1</a:t>
               </a:r>
               <a:endParaRPr lang="en-US" sz="1200" i="1" baseline="-25000" dirty="0"/>
             </a:p>
@@ -10167,55 +10573,20 @@
         </p:sp>
         <p:cxnSp>
           <p:nvCxnSpPr>
-            <p:cNvPr id="72" name="Straight Arrow Connector 71"/>
+            <p:cNvPr id="59" name="Straight Connector 58"/>
             <p:cNvCxnSpPr/>
             <p:nvPr/>
           </p:nvCxnSpPr>
           <p:spPr>
             <a:xfrm>
-              <a:off x="5974898" y="1688346"/>
-              <a:ext cx="518886" cy="9525"/>
+              <a:off x="5802086" y="3476625"/>
+              <a:ext cx="12243" cy="981075"/>
             </a:xfrm>
-            <a:prstGeom prst="straightConnector1">
+            <a:prstGeom prst="line">
               <a:avLst/>
             </a:prstGeom>
-            <a:ln>
-              <a:headEnd type="stealth"/>
-              <a:tailEnd type="none"/>
-            </a:ln>
-          </p:spPr>
-          <p:style>
-            <a:lnRef idx="1">
-              <a:schemeClr val="accent1"/>
-            </a:lnRef>
-            <a:fillRef idx="0">
-              <a:schemeClr val="accent1"/>
-            </a:fillRef>
-            <a:effectRef idx="0">
-              <a:schemeClr val="accent1"/>
-            </a:effectRef>
-            <a:fontRef idx="minor">
-              <a:schemeClr val="tx1"/>
-            </a:fontRef>
-          </p:style>
-        </p:cxnSp>
-        <p:cxnSp>
-          <p:nvCxnSpPr>
-            <p:cNvPr id="73" name="Straight Arrow Connector 72"/>
-            <p:cNvCxnSpPr/>
-            <p:nvPr/>
-          </p:nvCxnSpPr>
-          <p:spPr>
-            <a:xfrm>
-              <a:off x="6474733" y="1699911"/>
-              <a:ext cx="518886" cy="9525"/>
-            </a:xfrm>
-            <a:prstGeom prst="straightConnector1">
-              <a:avLst/>
-            </a:prstGeom>
-            <a:ln>
-              <a:headEnd type="stealth"/>
-              <a:tailEnd type="none"/>
+            <a:ln w="19050">
+              <a:prstDash val="lgDash"/>
             </a:ln>
           </p:spPr>
           <p:style>
@@ -10235,19 +10606,59 @@
         </p:cxnSp>
         <p:sp>
           <p:nvSpPr>
-            <p:cNvPr id="74" name="TextBox 73"/>
+            <p:cNvPr id="61" name="TextBox 60"/>
             <p:cNvSpPr txBox="1"/>
             <p:nvPr/>
           </p:nvSpPr>
           <p:spPr>
             <a:xfrm>
-              <a:off x="6487886" y="1661625"/>
-              <a:ext cx="526142" cy="276999"/>
+              <a:off x="6190343" y="4581526"/>
+              <a:ext cx="544286" cy="276999"/>
             </a:xfrm>
             <a:prstGeom prst="rect">
               <a:avLst/>
             </a:prstGeom>
             <a:noFill/>
+            <a:ln w="19050">
+              <a:noFill/>
+            </a:ln>
+          </p:spPr>
+          <p:txBody>
+            <a:bodyPr wrap="square" rtlCol="0">
+              <a:spAutoFit/>
+            </a:bodyPr>
+            <a:lstStyle/>
+            <a:p>
+              <a:r>
+                <a:rPr lang="en-US" altLang="zh-CN" sz="1200" i="1" dirty="0" err="1" smtClean="0"/>
+                <a:t>Z</a:t>
+              </a:r>
+              <a:r>
+                <a:rPr lang="en-US" altLang="zh-CN" sz="1200" i="1" baseline="-25000" dirty="0" err="1" smtClean="0"/>
+                <a:t>l</a:t>
+              </a:r>
+              <a:endParaRPr lang="en-US" sz="1200" i="1" baseline="-25000" dirty="0"/>
+            </a:p>
+          </p:txBody>
+        </p:sp>
+        <p:sp>
+          <p:nvSpPr>
+            <p:cNvPr id="62" name="TextBox 61"/>
+            <p:cNvSpPr txBox="1"/>
+            <p:nvPr/>
+          </p:nvSpPr>
+          <p:spPr>
+            <a:xfrm>
+              <a:off x="6734629" y="4581526"/>
+              <a:ext cx="544286" cy="276999"/>
+            </a:xfrm>
+            <a:prstGeom prst="rect">
+              <a:avLst/>
+            </a:prstGeom>
+            <a:noFill/>
+            <a:ln w="19050">
+              <a:noFill/>
+            </a:ln>
           </p:spPr>
           <p:txBody>
             <a:bodyPr wrap="square" rtlCol="0">
@@ -10257,10 +10668,10 @@
             <a:p>
               <a:r>
                 <a:rPr lang="en-US" altLang="zh-CN" sz="1200" i="1" dirty="0" smtClean="0"/>
-                <a:t>B</a:t>
+                <a:t>Z</a:t>
               </a:r>
               <a:r>
-                <a:rPr lang="en-US" sz="1200" i="1" baseline="-25000" dirty="0" smtClean="0"/>
+                <a:rPr lang="en-US" altLang="zh-CN" sz="1200" i="1" baseline="-25000" dirty="0" smtClean="0"/>
                 <a:t>l+1</a:t>
               </a:r>
               <a:endParaRPr lang="en-US" sz="1200" i="1" baseline="-25000" dirty="0"/>
@@ -10269,19 +10680,22 @@
         </p:sp>
         <p:sp>
           <p:nvSpPr>
-            <p:cNvPr id="75" name="TextBox 74"/>
+            <p:cNvPr id="63" name="TextBox 62"/>
             <p:cNvSpPr txBox="1"/>
             <p:nvPr/>
           </p:nvSpPr>
           <p:spPr>
             <a:xfrm>
-              <a:off x="6081489" y="1668971"/>
-              <a:ext cx="526142" cy="276999"/>
+              <a:off x="7898948" y="4581526"/>
+              <a:ext cx="544286" cy="276999"/>
             </a:xfrm>
             <a:prstGeom prst="rect">
               <a:avLst/>
             </a:prstGeom>
             <a:noFill/>
+            <a:ln w="19050">
+              <a:noFill/>
+            </a:ln>
           </p:spPr>
           <p:txBody>
             <a:bodyPr wrap="square" rtlCol="0">
@@ -10290,17 +10704,385 @@
             <a:lstStyle/>
             <a:p>
               <a:r>
-                <a:rPr lang="en-US" altLang="zh-CN" sz="1200" i="1" dirty="0" err="1" smtClean="0"/>
-                <a:t>B</a:t>
+                <a:rPr lang="en-US" altLang="zh-CN" sz="1200" i="1" dirty="0" smtClean="0"/>
+                <a:t>Z</a:t>
               </a:r>
               <a:r>
-                <a:rPr lang="en-US" sz="1200" i="1" baseline="-25000" dirty="0" err="1" smtClean="0"/>
-                <a:t>l</a:t>
+                <a:rPr lang="en-US" altLang="zh-CN" sz="1200" i="1" baseline="-25000" dirty="0" smtClean="0"/>
+                <a:t>N+1</a:t>
               </a:r>
               <a:endParaRPr lang="en-US" sz="1200" i="1" baseline="-25000" dirty="0"/>
             </a:p>
           </p:txBody>
         </p:sp>
+        <p:cxnSp>
+          <p:nvCxnSpPr>
+            <p:cNvPr id="65" name="Straight Arrow Connector 64"/>
+            <p:cNvCxnSpPr/>
+            <p:nvPr/>
+          </p:nvCxnSpPr>
+          <p:spPr>
+            <a:xfrm>
+              <a:off x="3790950" y="4333875"/>
+              <a:ext cx="649287" cy="0"/>
+            </a:xfrm>
+            <a:prstGeom prst="straightConnector1">
+              <a:avLst/>
+            </a:prstGeom>
+            <a:ln w="19050">
+              <a:headEnd type="triangle"/>
+              <a:tailEnd type="triangle"/>
+            </a:ln>
+          </p:spPr>
+          <p:style>
+            <a:lnRef idx="1">
+              <a:schemeClr val="accent1"/>
+            </a:lnRef>
+            <a:fillRef idx="0">
+              <a:schemeClr val="accent1"/>
+            </a:fillRef>
+            <a:effectRef idx="0">
+              <a:schemeClr val="accent1"/>
+            </a:effectRef>
+            <a:fontRef idx="minor">
+              <a:schemeClr val="tx1"/>
+            </a:fontRef>
+          </p:style>
+        </p:cxnSp>
+        <p:sp>
+          <p:nvSpPr>
+            <p:cNvPr id="66" name="TextBox 65"/>
+            <p:cNvSpPr txBox="1"/>
+            <p:nvPr/>
+          </p:nvSpPr>
+          <p:spPr>
+            <a:xfrm>
+              <a:off x="3961945" y="3998209"/>
+              <a:ext cx="412524" cy="369332"/>
+            </a:xfrm>
+            <a:prstGeom prst="rect">
+              <a:avLst/>
+            </a:prstGeom>
+            <a:noFill/>
+            <a:ln w="19050">
+              <a:noFill/>
+            </a:ln>
+          </p:spPr>
+          <p:txBody>
+            <a:bodyPr wrap="square" rtlCol="0">
+              <a:spAutoFit/>
+            </a:bodyPr>
+            <a:lstStyle/>
+            <a:p>
+              <a:r>
+                <a:rPr lang="en-US" altLang="zh-CN" i="1" dirty="0" smtClean="0"/>
+                <a:t>h</a:t>
+              </a:r>
+              <a:r>
+                <a:rPr lang="en-US" altLang="zh-CN" i="1" baseline="-25000" dirty="0" smtClean="0"/>
+                <a:t>l</a:t>
+              </a:r>
+              <a:endParaRPr lang="en-US" i="1" baseline="-25000" dirty="0"/>
+            </a:p>
+          </p:txBody>
+        </p:sp>
+        <p:grpSp>
+          <p:nvGrpSpPr>
+            <p:cNvPr id="76" name="Group 75"/>
+            <p:cNvGrpSpPr/>
+            <p:nvPr/>
+          </p:nvGrpSpPr>
+          <p:grpSpPr>
+            <a:xfrm>
+              <a:off x="5973992" y="1708121"/>
+              <a:ext cx="1039130" cy="636681"/>
+              <a:chOff x="5974898" y="1309289"/>
+              <a:chExt cx="1039130" cy="636681"/>
+            </a:xfrm>
+          </p:grpSpPr>
+          <p:cxnSp>
+            <p:nvCxnSpPr>
+              <p:cNvPr id="68" name="Straight Arrow Connector 67"/>
+              <p:cNvCxnSpPr/>
+              <p:nvPr/>
+            </p:nvCxnSpPr>
+            <p:spPr>
+              <a:xfrm>
+                <a:off x="5988051" y="1611302"/>
+                <a:ext cx="518886" cy="9525"/>
+              </a:xfrm>
+              <a:prstGeom prst="straightConnector1">
+                <a:avLst/>
+              </a:prstGeom>
+              <a:ln w="19050">
+                <a:tailEnd type="stealth"/>
+              </a:ln>
+            </p:spPr>
+            <p:style>
+              <a:lnRef idx="1">
+                <a:schemeClr val="accent1"/>
+              </a:lnRef>
+              <a:fillRef idx="0">
+                <a:schemeClr val="accent1"/>
+              </a:fillRef>
+              <a:effectRef idx="0">
+                <a:schemeClr val="accent1"/>
+              </a:effectRef>
+              <a:fontRef idx="minor">
+                <a:schemeClr val="tx1"/>
+              </a:fontRef>
+            </p:style>
+          </p:cxnSp>
+          <p:cxnSp>
+            <p:nvCxnSpPr>
+              <p:cNvPr id="69" name="Straight Arrow Connector 68"/>
+              <p:cNvCxnSpPr/>
+              <p:nvPr/>
+            </p:nvCxnSpPr>
+            <p:spPr>
+              <a:xfrm>
+                <a:off x="6487886" y="1622867"/>
+                <a:ext cx="518886" cy="9525"/>
+              </a:xfrm>
+              <a:prstGeom prst="straightConnector1">
+                <a:avLst/>
+              </a:prstGeom>
+              <a:ln w="19050">
+                <a:tailEnd type="stealth"/>
+              </a:ln>
+            </p:spPr>
+            <p:style>
+              <a:lnRef idx="1">
+                <a:schemeClr val="accent1"/>
+              </a:lnRef>
+              <a:fillRef idx="0">
+                <a:schemeClr val="accent1"/>
+              </a:fillRef>
+              <a:effectRef idx="0">
+                <a:schemeClr val="accent1"/>
+              </a:effectRef>
+              <a:fontRef idx="minor">
+                <a:schemeClr val="tx1"/>
+              </a:fontRef>
+            </p:style>
+          </p:cxnSp>
+          <p:sp>
+            <p:nvSpPr>
+              <p:cNvPr id="70" name="TextBox 69"/>
+              <p:cNvSpPr txBox="1"/>
+              <p:nvPr/>
+            </p:nvSpPr>
+            <p:spPr>
+              <a:xfrm>
+                <a:off x="6487886" y="1309289"/>
+                <a:ext cx="526142" cy="276999"/>
+              </a:xfrm>
+              <a:prstGeom prst="rect">
+                <a:avLst/>
+              </a:prstGeom>
+              <a:noFill/>
+              <a:ln w="19050">
+                <a:noFill/>
+              </a:ln>
+            </p:spPr>
+            <p:txBody>
+              <a:bodyPr wrap="square" rtlCol="0">
+                <a:spAutoFit/>
+              </a:bodyPr>
+              <a:lstStyle/>
+              <a:p>
+                <a:r>
+                  <a:rPr lang="en-US" altLang="zh-CN" sz="1200" i="1" dirty="0" smtClean="0"/>
+                  <a:t>A</a:t>
+                </a:r>
+                <a:r>
+                  <a:rPr lang="en-US" sz="1200" i="1" baseline="-25000" dirty="0" smtClean="0"/>
+                  <a:t>l+1</a:t>
+                </a:r>
+                <a:endParaRPr lang="en-US" sz="1200" i="1" baseline="-25000" dirty="0"/>
+              </a:p>
+            </p:txBody>
+          </p:sp>
+          <p:sp>
+            <p:nvSpPr>
+              <p:cNvPr id="71" name="TextBox 70"/>
+              <p:cNvSpPr txBox="1"/>
+              <p:nvPr/>
+            </p:nvSpPr>
+            <p:spPr>
+              <a:xfrm>
+                <a:off x="6091014" y="1316635"/>
+                <a:ext cx="526142" cy="276999"/>
+              </a:xfrm>
+              <a:prstGeom prst="rect">
+                <a:avLst/>
+              </a:prstGeom>
+              <a:noFill/>
+              <a:ln w="19050">
+                <a:noFill/>
+              </a:ln>
+            </p:spPr>
+            <p:txBody>
+              <a:bodyPr wrap="square" rtlCol="0">
+                <a:spAutoFit/>
+              </a:bodyPr>
+              <a:lstStyle/>
+              <a:p>
+                <a:r>
+                  <a:rPr lang="en-US" altLang="zh-CN" sz="1200" i="1" dirty="0" smtClean="0"/>
+                  <a:t>A</a:t>
+                </a:r>
+                <a:r>
+                  <a:rPr lang="en-US" sz="1200" i="1" baseline="-25000" dirty="0" smtClean="0"/>
+                  <a:t>l</a:t>
+                </a:r>
+                <a:endParaRPr lang="en-US" sz="1200" i="1" baseline="-25000" dirty="0"/>
+              </a:p>
+            </p:txBody>
+          </p:sp>
+          <p:cxnSp>
+            <p:nvCxnSpPr>
+              <p:cNvPr id="72" name="Straight Arrow Connector 71"/>
+              <p:cNvCxnSpPr/>
+              <p:nvPr/>
+            </p:nvCxnSpPr>
+            <p:spPr>
+              <a:xfrm>
+                <a:off x="5974898" y="1688346"/>
+                <a:ext cx="518886" cy="9525"/>
+              </a:xfrm>
+              <a:prstGeom prst="straightConnector1">
+                <a:avLst/>
+              </a:prstGeom>
+              <a:ln w="19050">
+                <a:headEnd type="stealth"/>
+                <a:tailEnd type="none"/>
+              </a:ln>
+            </p:spPr>
+            <p:style>
+              <a:lnRef idx="1">
+                <a:schemeClr val="accent1"/>
+              </a:lnRef>
+              <a:fillRef idx="0">
+                <a:schemeClr val="accent1"/>
+              </a:fillRef>
+              <a:effectRef idx="0">
+                <a:schemeClr val="accent1"/>
+              </a:effectRef>
+              <a:fontRef idx="minor">
+                <a:schemeClr val="tx1"/>
+              </a:fontRef>
+            </p:style>
+          </p:cxnSp>
+          <p:cxnSp>
+            <p:nvCxnSpPr>
+              <p:cNvPr id="73" name="Straight Arrow Connector 72"/>
+              <p:cNvCxnSpPr/>
+              <p:nvPr/>
+            </p:nvCxnSpPr>
+            <p:spPr>
+              <a:xfrm>
+                <a:off x="6474733" y="1699911"/>
+                <a:ext cx="518886" cy="9525"/>
+              </a:xfrm>
+              <a:prstGeom prst="straightConnector1">
+                <a:avLst/>
+              </a:prstGeom>
+              <a:ln w="19050">
+                <a:headEnd type="stealth"/>
+                <a:tailEnd type="none"/>
+              </a:ln>
+            </p:spPr>
+            <p:style>
+              <a:lnRef idx="1">
+                <a:schemeClr val="accent1"/>
+              </a:lnRef>
+              <a:fillRef idx="0">
+                <a:schemeClr val="accent1"/>
+              </a:fillRef>
+              <a:effectRef idx="0">
+                <a:schemeClr val="accent1"/>
+              </a:effectRef>
+              <a:fontRef idx="minor">
+                <a:schemeClr val="tx1"/>
+              </a:fontRef>
+            </p:style>
+          </p:cxnSp>
+          <p:sp>
+            <p:nvSpPr>
+              <p:cNvPr id="74" name="TextBox 73"/>
+              <p:cNvSpPr txBox="1"/>
+              <p:nvPr/>
+            </p:nvSpPr>
+            <p:spPr>
+              <a:xfrm>
+                <a:off x="6487886" y="1661625"/>
+                <a:ext cx="526142" cy="276999"/>
+              </a:xfrm>
+              <a:prstGeom prst="rect">
+                <a:avLst/>
+              </a:prstGeom>
+              <a:noFill/>
+              <a:ln w="19050">
+                <a:noFill/>
+              </a:ln>
+            </p:spPr>
+            <p:txBody>
+              <a:bodyPr wrap="square" rtlCol="0">
+                <a:spAutoFit/>
+              </a:bodyPr>
+              <a:lstStyle/>
+              <a:p>
+                <a:r>
+                  <a:rPr lang="en-US" altLang="zh-CN" sz="1200" i="1" dirty="0" smtClean="0"/>
+                  <a:t>B</a:t>
+                </a:r>
+                <a:r>
+                  <a:rPr lang="en-US" sz="1200" i="1" baseline="-25000" dirty="0" smtClean="0"/>
+                  <a:t>l+1</a:t>
+                </a:r>
+                <a:endParaRPr lang="en-US" sz="1200" i="1" baseline="-25000" dirty="0"/>
+              </a:p>
+            </p:txBody>
+          </p:sp>
+          <p:sp>
+            <p:nvSpPr>
+              <p:cNvPr id="75" name="TextBox 74"/>
+              <p:cNvSpPr txBox="1"/>
+              <p:nvPr/>
+            </p:nvSpPr>
+            <p:spPr>
+              <a:xfrm>
+                <a:off x="6081489" y="1668971"/>
+                <a:ext cx="526142" cy="276999"/>
+              </a:xfrm>
+              <a:prstGeom prst="rect">
+                <a:avLst/>
+              </a:prstGeom>
+              <a:noFill/>
+              <a:ln w="19050">
+                <a:noFill/>
+              </a:ln>
+            </p:spPr>
+            <p:txBody>
+              <a:bodyPr wrap="square" rtlCol="0">
+                <a:spAutoFit/>
+              </a:bodyPr>
+              <a:lstStyle/>
+              <a:p>
+                <a:r>
+                  <a:rPr lang="en-US" altLang="zh-CN" sz="1200" i="1" dirty="0" err="1" smtClean="0"/>
+                  <a:t>B</a:t>
+                </a:r>
+                <a:r>
+                  <a:rPr lang="en-US" sz="1200" i="1" baseline="-25000" dirty="0" err="1" smtClean="0"/>
+                  <a:t>l</a:t>
+                </a:r>
+                <a:endParaRPr lang="en-US" sz="1200" i="1" baseline="-25000" dirty="0"/>
+              </a:p>
+            </p:txBody>
+          </p:sp>
+        </p:grpSp>
       </p:grpSp>
     </p:spTree>
     <p:extLst>
@@ -10319,6 +11101,193 @@
       </p:par>
     </p:tnLst>
   </p:timing>
+</p:sld>
+</file>
+
+<file path=ppt/slides/slide6.xml><?xml version="1.0" encoding="utf-8"?>
+<p:sld xmlns:a="http://schemas.openxmlformats.org/drawingml/2006/main" xmlns:r="http://schemas.openxmlformats.org/officeDocument/2006/relationships" xmlns:p="http://schemas.openxmlformats.org/presentationml/2006/main">
+  <p:cSld>
+    <p:spTree>
+      <p:nvGrpSpPr>
+        <p:cNvPr id="1" name=""/>
+        <p:cNvGrpSpPr/>
+        <p:nvPr/>
+      </p:nvGrpSpPr>
+      <p:grpSpPr>
+        <a:xfrm>
+          <a:off x="0" y="0"/>
+          <a:ext cx="0" cy="0"/>
+          <a:chOff x="0" y="0"/>
+          <a:chExt cx="0" cy="0"/>
+        </a:xfrm>
+      </p:grpSpPr>
+      <p:grpSp>
+        <p:nvGrpSpPr>
+          <p:cNvPr id="9" name="Group 8"/>
+          <p:cNvGrpSpPr/>
+          <p:nvPr/>
+        </p:nvGrpSpPr>
+        <p:grpSpPr>
+          <a:xfrm>
+            <a:off x="1624439" y="1450662"/>
+            <a:ext cx="8898419" cy="4775967"/>
+            <a:chOff x="1624439" y="1450662"/>
+            <a:chExt cx="8898419" cy="4775967"/>
+          </a:xfrm>
+        </p:grpSpPr>
+        <p:pic>
+          <p:nvPicPr>
+            <p:cNvPr id="4" name="Picture 3"/>
+            <p:cNvPicPr>
+              <a:picLocks noChangeAspect="1"/>
+            </p:cNvPicPr>
+            <p:nvPr/>
+          </p:nvPicPr>
+          <p:blipFill>
+            <a:blip r:embed="rId2">
+              <a:extLst>
+                <a:ext uri="{28A0092B-C50C-407E-A947-70E740481C1C}">
+                  <a14:useLocalDpi xmlns:a14="http://schemas.microsoft.com/office/drawing/2010/main" val="0"/>
+                </a:ext>
+              </a:extLst>
+            </a:blip>
+            <a:stretch>
+              <a:fillRect/>
+            </a:stretch>
+          </p:blipFill>
+          <p:spPr>
+            <a:xfrm>
+              <a:off x="1784097" y="1832184"/>
+              <a:ext cx="4181276" cy="4377461"/>
+            </a:xfrm>
+            <a:prstGeom prst="rect">
+              <a:avLst/>
+            </a:prstGeom>
+            <a:ln>
+              <a:solidFill>
+                <a:schemeClr val="tx1"/>
+              </a:solidFill>
+            </a:ln>
+          </p:spPr>
+        </p:pic>
+        <p:pic>
+          <p:nvPicPr>
+            <p:cNvPr id="5" name="Picture 4"/>
+            <p:cNvPicPr>
+              <a:picLocks noChangeAspect="1"/>
+            </p:cNvPicPr>
+            <p:nvPr/>
+          </p:nvPicPr>
+          <p:blipFill>
+            <a:blip r:embed="rId3">
+              <a:extLst>
+                <a:ext uri="{28A0092B-C50C-407E-A947-70E740481C1C}">
+                  <a14:useLocalDpi xmlns:a14="http://schemas.microsoft.com/office/drawing/2010/main" val="0"/>
+                </a:ext>
+              </a:extLst>
+            </a:blip>
+            <a:stretch>
+              <a:fillRect/>
+            </a:stretch>
+          </p:blipFill>
+          <p:spPr>
+            <a:xfrm>
+              <a:off x="6313716" y="1819994"/>
+              <a:ext cx="4209142" cy="4406635"/>
+            </a:xfrm>
+            <a:prstGeom prst="rect">
+              <a:avLst/>
+            </a:prstGeom>
+            <a:ln>
+              <a:solidFill>
+                <a:schemeClr val="tx1"/>
+              </a:solidFill>
+            </a:ln>
+          </p:spPr>
+        </p:pic>
+        <p:sp>
+          <p:nvSpPr>
+            <p:cNvPr id="6" name="TextBox 5"/>
+            <p:cNvSpPr txBox="1"/>
+            <p:nvPr/>
+          </p:nvSpPr>
+          <p:spPr>
+            <a:xfrm>
+              <a:off x="1624439" y="1450662"/>
+              <a:ext cx="1641274" cy="369332"/>
+            </a:xfrm>
+            <a:prstGeom prst="rect">
+              <a:avLst/>
+            </a:prstGeom>
+            <a:noFill/>
+            <a:ln w="19050">
+              <a:noFill/>
+            </a:ln>
+          </p:spPr>
+          <p:txBody>
+            <a:bodyPr wrap="square" rtlCol="0">
+              <a:spAutoFit/>
+            </a:bodyPr>
+            <a:lstStyle/>
+            <a:p>
+              <a:pPr algn="ctr"/>
+              <a:r>
+                <a:rPr lang="en-US" dirty="0" smtClean="0"/>
+                <a:t>(a) </a:t>
+              </a:r>
+              <a:r>
+                <a:rPr lang="en-US" dirty="0" smtClean="0"/>
+                <a:t>Zeros Bias</a:t>
+              </a:r>
+              <a:endParaRPr lang="en-US" dirty="0"/>
+            </a:p>
+          </p:txBody>
+        </p:sp>
+        <p:sp>
+          <p:nvSpPr>
+            <p:cNvPr id="7" name="TextBox 6"/>
+            <p:cNvSpPr txBox="1"/>
+            <p:nvPr/>
+          </p:nvSpPr>
+          <p:spPr>
+            <a:xfrm>
+              <a:off x="6154059" y="1450662"/>
+              <a:ext cx="1641274" cy="369332"/>
+            </a:xfrm>
+            <a:prstGeom prst="rect">
+              <a:avLst/>
+            </a:prstGeom>
+            <a:noFill/>
+            <a:ln w="19050">
+              <a:noFill/>
+            </a:ln>
+          </p:spPr>
+          <p:txBody>
+            <a:bodyPr wrap="square" rtlCol="0">
+              <a:spAutoFit/>
+            </a:bodyPr>
+            <a:lstStyle/>
+            <a:p>
+              <a:pPr algn="ctr"/>
+              <a:r>
+                <a:rPr lang="en-US" dirty="0" smtClean="0"/>
+                <a:t>(b) 20KV/cm</a:t>
+              </a:r>
+              <a:endParaRPr lang="en-US" dirty="0"/>
+            </a:p>
+          </p:txBody>
+        </p:sp>
+      </p:grpSp>
+    </p:spTree>
+    <p:extLst>
+      <p:ext uri="{BB962C8B-B14F-4D97-AF65-F5344CB8AC3E}">
+        <p14:creationId xmlns:p14="http://schemas.microsoft.com/office/powerpoint/2010/main" val="2108800687"/>
+      </p:ext>
+    </p:extLst>
+  </p:cSld>
+  <p:clrMapOvr>
+    <a:masterClrMapping/>
+  </p:clrMapOvr>
 </p:sld>
 </file>
 

--- a/thesis_v1/Pictures/figure_chapter2.pptx
+++ b/thesis_v1/Pictures/figure_chapter2.pptx
@@ -11,6 +11,9 @@
     <p:sldId id="256" r:id="rId5"/>
     <p:sldId id="259" r:id="rId6"/>
     <p:sldId id="261" r:id="rId7"/>
+    <p:sldId id="262" r:id="rId8"/>
+    <p:sldId id="263" r:id="rId9"/>
+    <p:sldId id="264" r:id="rId10"/>
   </p:sldIdLst>
   <p:sldSz cx="12192000" cy="6858000"/>
   <p:notesSz cx="6858000" cy="9144000"/>
@@ -248,7 +251,7 @@
           <a:p>
             <a:fld id="{0AB158F5-A420-42E5-A89A-E1DF478DA356}" type="datetimeFigureOut">
               <a:rPr lang="en-US" smtClean="0"/>
-              <a:t>3/1/2016</a:t>
+              <a:t>3/2/2016</a:t>
             </a:fld>
             <a:endParaRPr lang="en-US"/>
           </a:p>
@@ -418,7 +421,7 @@
           <a:p>
             <a:fld id="{0AB158F5-A420-42E5-A89A-E1DF478DA356}" type="datetimeFigureOut">
               <a:rPr lang="en-US" smtClean="0"/>
-              <a:t>3/1/2016</a:t>
+              <a:t>3/2/2016</a:t>
             </a:fld>
             <a:endParaRPr lang="en-US"/>
           </a:p>
@@ -598,7 +601,7 @@
           <a:p>
             <a:fld id="{0AB158F5-A420-42E5-A89A-E1DF478DA356}" type="datetimeFigureOut">
               <a:rPr lang="en-US" smtClean="0"/>
-              <a:t>3/1/2016</a:t>
+              <a:t>3/2/2016</a:t>
             </a:fld>
             <a:endParaRPr lang="en-US"/>
           </a:p>
@@ -768,7 +771,7 @@
           <a:p>
             <a:fld id="{0AB158F5-A420-42E5-A89A-E1DF478DA356}" type="datetimeFigureOut">
               <a:rPr lang="en-US" smtClean="0"/>
-              <a:t>3/1/2016</a:t>
+              <a:t>3/2/2016</a:t>
             </a:fld>
             <a:endParaRPr lang="en-US"/>
           </a:p>
@@ -1021,7 +1024,7 @@
           <a:p>
             <a:fld id="{0AB158F5-A420-42E5-A89A-E1DF478DA356}" type="datetimeFigureOut">
               <a:rPr lang="en-US" smtClean="0"/>
-              <a:t>3/1/2016</a:t>
+              <a:t>3/2/2016</a:t>
             </a:fld>
             <a:endParaRPr lang="en-US"/>
           </a:p>
@@ -1253,7 +1256,7 @@
           <a:p>
             <a:fld id="{0AB158F5-A420-42E5-A89A-E1DF478DA356}" type="datetimeFigureOut">
               <a:rPr lang="en-US" smtClean="0"/>
-              <a:t>3/1/2016</a:t>
+              <a:t>3/2/2016</a:t>
             </a:fld>
             <a:endParaRPr lang="en-US"/>
           </a:p>
@@ -1620,7 +1623,7 @@
           <a:p>
             <a:fld id="{0AB158F5-A420-42E5-A89A-E1DF478DA356}" type="datetimeFigureOut">
               <a:rPr lang="en-US" smtClean="0"/>
-              <a:t>3/1/2016</a:t>
+              <a:t>3/2/2016</a:t>
             </a:fld>
             <a:endParaRPr lang="en-US"/>
           </a:p>
@@ -1738,7 +1741,7 @@
           <a:p>
             <a:fld id="{0AB158F5-A420-42E5-A89A-E1DF478DA356}" type="datetimeFigureOut">
               <a:rPr lang="en-US" smtClean="0"/>
-              <a:t>3/1/2016</a:t>
+              <a:t>3/2/2016</a:t>
             </a:fld>
             <a:endParaRPr lang="en-US"/>
           </a:p>
@@ -1833,7 +1836,7 @@
           <a:p>
             <a:fld id="{0AB158F5-A420-42E5-A89A-E1DF478DA356}" type="datetimeFigureOut">
               <a:rPr lang="en-US" smtClean="0"/>
-              <a:t>3/1/2016</a:t>
+              <a:t>3/2/2016</a:t>
             </a:fld>
             <a:endParaRPr lang="en-US"/>
           </a:p>
@@ -2110,7 +2113,7 @@
           <a:p>
             <a:fld id="{0AB158F5-A420-42E5-A89A-E1DF478DA356}" type="datetimeFigureOut">
               <a:rPr lang="en-US" smtClean="0"/>
-              <a:t>3/1/2016</a:t>
+              <a:t>3/2/2016</a:t>
             </a:fld>
             <a:endParaRPr lang="en-US"/>
           </a:p>
@@ -2363,7 +2366,7 @@
           <a:p>
             <a:fld id="{0AB158F5-A420-42E5-A89A-E1DF478DA356}" type="datetimeFigureOut">
               <a:rPr lang="en-US" smtClean="0"/>
-              <a:t>3/1/2016</a:t>
+              <a:t>3/2/2016</a:t>
             </a:fld>
             <a:endParaRPr lang="en-US"/>
           </a:p>
@@ -2576,7 +2579,7 @@
           <a:p>
             <a:fld id="{0AB158F5-A420-42E5-A89A-E1DF478DA356}" type="datetimeFigureOut">
               <a:rPr lang="en-US" smtClean="0"/>
-              <a:t>3/1/2016</a:t>
+              <a:t>3/2/2016</a:t>
             </a:fld>
             <a:endParaRPr lang="en-US"/>
           </a:p>
@@ -6263,7 +6266,19 @@
               </a:r>
               <a:r>
                 <a:rPr lang="zh-CN" altLang="en-US" dirty="0" smtClean="0"/>
-                <a:t>带间跃迁的连续吸收谱和离散的激子吸收谱</a:t>
+                <a:t>带</a:t>
+              </a:r>
+              <a:r>
+                <a:rPr lang="zh-CN" altLang="en-US" dirty="0" smtClean="0"/>
+                <a:t>间跃迁的吸</a:t>
+              </a:r>
+              <a:r>
+                <a:rPr lang="zh-CN" altLang="en-US" dirty="0" smtClean="0"/>
+                <a:t>收</a:t>
+              </a:r>
+              <a:r>
+                <a:rPr lang="zh-CN" altLang="en-US" dirty="0" smtClean="0"/>
+                <a:t>谱</a:t>
               </a:r>
               <a:endParaRPr lang="en-US" altLang="zh-CN" dirty="0" smtClean="0"/>
             </a:p>
@@ -11130,9 +11145,9 @@
         <p:grpSpPr>
           <a:xfrm>
             <a:off x="1624439" y="1450662"/>
-            <a:ext cx="8898419" cy="4775967"/>
+            <a:ext cx="8878461" cy="4758983"/>
             <a:chOff x="1624439" y="1450662"/>
-            <a:chExt cx="8898419" cy="4775967"/>
+            <a:chExt cx="8878461" cy="4758983"/>
           </a:xfrm>
         </p:grpSpPr>
         <p:pic>
@@ -11192,8 +11207,8 @@
           </p:blipFill>
           <p:spPr>
             <a:xfrm>
-              <a:off x="6313716" y="1819994"/>
-              <a:ext cx="4209142" cy="4406635"/>
+              <a:off x="6313716" y="1832183"/>
+              <a:ext cx="4189184" cy="4377461"/>
             </a:xfrm>
             <a:prstGeom prst="rect">
               <a:avLst/>
@@ -11233,11 +11248,7 @@
               <a:pPr algn="ctr"/>
               <a:r>
                 <a:rPr lang="en-US" dirty="0" smtClean="0"/>
-                <a:t>(a) </a:t>
-              </a:r>
-              <a:r>
-                <a:rPr lang="en-US" dirty="0" smtClean="0"/>
-                <a:t>Zeros Bias</a:t>
+                <a:t>(a) Zeros Bias</a:t>
               </a:r>
               <a:endParaRPr lang="en-US" dirty="0"/>
             </a:p>
@@ -11271,7 +11282,15 @@
               <a:pPr algn="ctr"/>
               <a:r>
                 <a:rPr lang="en-US" dirty="0" smtClean="0"/>
-                <a:t>(b) 20KV/cm</a:t>
+                <a:t>(b) </a:t>
+              </a:r>
+              <a:r>
+                <a:rPr lang="en-US" altLang="zh-CN" dirty="0" smtClean="0"/>
+                <a:t>18</a:t>
+              </a:r>
+              <a:r>
+                <a:rPr lang="en-US" dirty="0" smtClean="0"/>
+                <a:t>KV/cm</a:t>
               </a:r>
               <a:endParaRPr lang="en-US" dirty="0"/>
             </a:p>
@@ -11282,6 +11301,736 @@
     <p:extLst>
       <p:ext uri="{BB962C8B-B14F-4D97-AF65-F5344CB8AC3E}">
         <p14:creationId xmlns:p14="http://schemas.microsoft.com/office/powerpoint/2010/main" val="2108800687"/>
+      </p:ext>
+    </p:extLst>
+  </p:cSld>
+  <p:clrMapOvr>
+    <a:masterClrMapping/>
+  </p:clrMapOvr>
+</p:sld>
+</file>
+
+<file path=ppt/slides/slide7.xml><?xml version="1.0" encoding="utf-8"?>
+<p:sld xmlns:a="http://schemas.openxmlformats.org/drawingml/2006/main" xmlns:r="http://schemas.openxmlformats.org/officeDocument/2006/relationships" xmlns:p="http://schemas.openxmlformats.org/presentationml/2006/main">
+  <p:cSld>
+    <p:spTree>
+      <p:nvGrpSpPr>
+        <p:cNvPr id="1" name=""/>
+        <p:cNvGrpSpPr/>
+        <p:nvPr/>
+      </p:nvGrpSpPr>
+      <p:grpSpPr>
+        <a:xfrm>
+          <a:off x="0" y="0"/>
+          <a:ext cx="0" cy="0"/>
+          <a:chOff x="0" y="0"/>
+          <a:chExt cx="0" cy="0"/>
+        </a:xfrm>
+      </p:grpSpPr>
+      <p:grpSp>
+        <p:nvGrpSpPr>
+          <p:cNvPr id="26" name="Group 25"/>
+          <p:cNvGrpSpPr/>
+          <p:nvPr/>
+        </p:nvGrpSpPr>
+        <p:grpSpPr>
+          <a:xfrm>
+            <a:off x="490532" y="1235075"/>
+            <a:ext cx="11569705" cy="4324350"/>
+            <a:chOff x="490532" y="1235075"/>
+            <a:chExt cx="11569705" cy="4324350"/>
+          </a:xfrm>
+        </p:grpSpPr>
+        <p:grpSp>
+          <p:nvGrpSpPr>
+            <p:cNvPr id="22" name="Group 21"/>
+            <p:cNvGrpSpPr/>
+            <p:nvPr/>
+          </p:nvGrpSpPr>
+          <p:grpSpPr>
+            <a:xfrm>
+              <a:off x="534987" y="1235075"/>
+              <a:ext cx="11525250" cy="4324350"/>
+              <a:chOff x="452437" y="1304925"/>
+              <a:chExt cx="11525250" cy="4324350"/>
+            </a:xfrm>
+          </p:grpSpPr>
+          <p:grpSp>
+            <p:nvGrpSpPr>
+              <p:cNvPr id="7" name="Group 6"/>
+              <p:cNvGrpSpPr/>
+              <p:nvPr/>
+            </p:nvGrpSpPr>
+            <p:grpSpPr>
+              <a:xfrm>
+                <a:off x="452437" y="1304925"/>
+                <a:ext cx="11525250" cy="4324350"/>
+                <a:chOff x="433387" y="1476375"/>
+                <a:chExt cx="11525250" cy="4324350"/>
+              </a:xfrm>
+            </p:grpSpPr>
+            <p:pic>
+              <p:nvPicPr>
+                <p:cNvPr id="5" name="Picture 4"/>
+                <p:cNvPicPr>
+                  <a:picLocks noChangeAspect="1"/>
+                </p:cNvPicPr>
+                <p:nvPr/>
+              </p:nvPicPr>
+              <p:blipFill>
+                <a:blip r:embed="rId2">
+                  <a:extLst>
+                    <a:ext uri="{28A0092B-C50C-407E-A947-70E740481C1C}">
+                      <a14:useLocalDpi xmlns:a14="http://schemas.microsoft.com/office/drawing/2010/main" val="0"/>
+                    </a:ext>
+                  </a:extLst>
+                </a:blip>
+                <a:stretch>
+                  <a:fillRect/>
+                </a:stretch>
+              </p:blipFill>
+              <p:spPr>
+                <a:xfrm>
+                  <a:off x="433387" y="1476375"/>
+                  <a:ext cx="5762625" cy="4324350"/>
+                </a:xfrm>
+                <a:prstGeom prst="rect">
+                  <a:avLst/>
+                </a:prstGeom>
+              </p:spPr>
+            </p:pic>
+            <p:pic>
+              <p:nvPicPr>
+                <p:cNvPr id="6" name="Picture 5"/>
+                <p:cNvPicPr>
+                  <a:picLocks noChangeAspect="1"/>
+                </p:cNvPicPr>
+                <p:nvPr/>
+              </p:nvPicPr>
+              <p:blipFill>
+                <a:blip r:embed="rId3">
+                  <a:extLst>
+                    <a:ext uri="{28A0092B-C50C-407E-A947-70E740481C1C}">
+                      <a14:useLocalDpi xmlns:a14="http://schemas.microsoft.com/office/drawing/2010/main" val="0"/>
+                    </a:ext>
+                  </a:extLst>
+                </a:blip>
+                <a:stretch>
+                  <a:fillRect/>
+                </a:stretch>
+              </p:blipFill>
+              <p:spPr>
+                <a:xfrm>
+                  <a:off x="6196012" y="1476375"/>
+                  <a:ext cx="5762625" cy="4324350"/>
+                </a:xfrm>
+                <a:prstGeom prst="rect">
+                  <a:avLst/>
+                </a:prstGeom>
+              </p:spPr>
+            </p:pic>
+          </p:grpSp>
+          <p:sp>
+            <p:nvSpPr>
+              <p:cNvPr id="8" name="TextBox 7"/>
+              <p:cNvSpPr txBox="1"/>
+              <p:nvPr/>
+            </p:nvSpPr>
+            <p:spPr>
+              <a:xfrm>
+                <a:off x="4114800" y="1809750"/>
+                <a:ext cx="685800" cy="369332"/>
+              </a:xfrm>
+              <a:prstGeom prst="rect">
+                <a:avLst/>
+              </a:prstGeom>
+              <a:noFill/>
+              <a:ln>
+                <a:solidFill>
+                  <a:schemeClr val="tx1"/>
+                </a:solidFill>
+              </a:ln>
+            </p:spPr>
+            <p:txBody>
+              <a:bodyPr wrap="square" rtlCol="0">
+                <a:spAutoFit/>
+              </a:bodyPr>
+              <a:lstStyle/>
+              <a:p>
+                <a:pPr algn="ctr"/>
+                <a:r>
+                  <a:rPr lang="en-US" i="1" dirty="0" err="1" smtClean="0"/>
+                  <a:t>E</a:t>
+                </a:r>
+                <a:r>
+                  <a:rPr lang="en-US" i="1" baseline="-25000" dirty="0" err="1" smtClean="0"/>
+                  <a:t>e-</a:t>
+                </a:r>
+                <a:r>
+                  <a:rPr lang="en-US" altLang="zh-CN" i="1" baseline="-25000" dirty="0" err="1" smtClean="0"/>
+                  <a:t>hh</a:t>
+                </a:r>
+                <a:endParaRPr lang="en-US" i="1" dirty="0"/>
+              </a:p>
+            </p:txBody>
+          </p:sp>
+          <p:cxnSp>
+            <p:nvCxnSpPr>
+              <p:cNvPr id="11" name="Straight Arrow Connector 10"/>
+              <p:cNvCxnSpPr/>
+              <p:nvPr/>
+            </p:nvCxnSpPr>
+            <p:spPr>
+              <a:xfrm>
+                <a:off x="2847973" y="2457450"/>
+                <a:ext cx="323851" cy="552450"/>
+              </a:xfrm>
+              <a:prstGeom prst="straightConnector1">
+                <a:avLst/>
+              </a:prstGeom>
+              <a:ln>
+                <a:solidFill>
+                  <a:srgbClr val="00B050"/>
+                </a:solidFill>
+                <a:tailEnd type="triangle"/>
+              </a:ln>
+            </p:spPr>
+            <p:style>
+              <a:lnRef idx="1">
+                <a:schemeClr val="accent1"/>
+              </a:lnRef>
+              <a:fillRef idx="0">
+                <a:schemeClr val="accent1"/>
+              </a:fillRef>
+              <a:effectRef idx="0">
+                <a:schemeClr val="accent1"/>
+              </a:effectRef>
+              <a:fontRef idx="minor">
+                <a:schemeClr val="tx1"/>
+              </a:fontRef>
+            </p:style>
+          </p:cxnSp>
+          <p:sp>
+            <p:nvSpPr>
+              <p:cNvPr id="12" name="TextBox 11"/>
+              <p:cNvSpPr txBox="1"/>
+              <p:nvPr/>
+            </p:nvSpPr>
+            <p:spPr>
+              <a:xfrm>
+                <a:off x="1516250" y="2129909"/>
+                <a:ext cx="2528887" cy="369332"/>
+              </a:xfrm>
+              <a:prstGeom prst="rect">
+                <a:avLst/>
+              </a:prstGeom>
+              <a:noFill/>
+            </p:spPr>
+            <p:txBody>
+              <a:bodyPr wrap="square" rtlCol="0">
+                <a:spAutoFit/>
+              </a:bodyPr>
+              <a:lstStyle/>
+              <a:p>
+                <a:r>
+                  <a:rPr lang="en-US" dirty="0" smtClean="0"/>
+                  <a:t>With Binding Energy</a:t>
+                </a:r>
+                <a:endParaRPr lang="en-US" dirty="0"/>
+              </a:p>
+            </p:txBody>
+          </p:sp>
+          <p:sp>
+            <p:nvSpPr>
+              <p:cNvPr id="13" name="TextBox 12"/>
+              <p:cNvSpPr txBox="1"/>
+              <p:nvPr/>
+            </p:nvSpPr>
+            <p:spPr>
+              <a:xfrm>
+                <a:off x="1435893" y="3684091"/>
+                <a:ext cx="2528887" cy="369332"/>
+              </a:xfrm>
+              <a:prstGeom prst="rect">
+                <a:avLst/>
+              </a:prstGeom>
+              <a:noFill/>
+            </p:spPr>
+            <p:txBody>
+              <a:bodyPr wrap="square" rtlCol="0">
+                <a:spAutoFit/>
+              </a:bodyPr>
+              <a:lstStyle/>
+              <a:p>
+                <a:r>
+                  <a:rPr lang="en-US" dirty="0" smtClean="0"/>
+                  <a:t>Without Binding Energy</a:t>
+                </a:r>
+                <a:endParaRPr lang="en-US" dirty="0"/>
+              </a:p>
+            </p:txBody>
+          </p:sp>
+          <p:cxnSp>
+            <p:nvCxnSpPr>
+              <p:cNvPr id="14" name="Straight Arrow Connector 13"/>
+              <p:cNvCxnSpPr/>
+              <p:nvPr/>
+            </p:nvCxnSpPr>
+            <p:spPr>
+              <a:xfrm>
+                <a:off x="3171823" y="4053423"/>
+                <a:ext cx="323851" cy="552450"/>
+              </a:xfrm>
+              <a:prstGeom prst="straightConnector1">
+                <a:avLst/>
+              </a:prstGeom>
+              <a:ln>
+                <a:solidFill>
+                  <a:srgbClr val="0070C0"/>
+                </a:solidFill>
+                <a:tailEnd type="triangle"/>
+              </a:ln>
+            </p:spPr>
+            <p:style>
+              <a:lnRef idx="1">
+                <a:schemeClr val="accent1"/>
+              </a:lnRef>
+              <a:fillRef idx="0">
+                <a:schemeClr val="accent1"/>
+              </a:fillRef>
+              <a:effectRef idx="0">
+                <a:schemeClr val="accent1"/>
+              </a:effectRef>
+              <a:fontRef idx="minor">
+                <a:schemeClr val="tx1"/>
+              </a:fontRef>
+            </p:style>
+          </p:cxnSp>
+          <p:sp>
+            <p:nvSpPr>
+              <p:cNvPr id="15" name="TextBox 14"/>
+              <p:cNvSpPr txBox="1"/>
+              <p:nvPr/>
+            </p:nvSpPr>
+            <p:spPr>
+              <a:xfrm>
+                <a:off x="7008018" y="3467100"/>
+                <a:ext cx="2528887" cy="369332"/>
+              </a:xfrm>
+              <a:prstGeom prst="rect">
+                <a:avLst/>
+              </a:prstGeom>
+              <a:noFill/>
+            </p:spPr>
+            <p:txBody>
+              <a:bodyPr wrap="square" rtlCol="0">
+                <a:spAutoFit/>
+              </a:bodyPr>
+              <a:lstStyle/>
+              <a:p>
+                <a:r>
+                  <a:rPr lang="en-US" dirty="0" smtClean="0"/>
+                  <a:t>Without Binding Energy</a:t>
+                </a:r>
+                <a:endParaRPr lang="en-US" dirty="0"/>
+              </a:p>
+            </p:txBody>
+          </p:sp>
+          <p:cxnSp>
+            <p:nvCxnSpPr>
+              <p:cNvPr id="16" name="Straight Arrow Connector 15"/>
+              <p:cNvCxnSpPr/>
+              <p:nvPr/>
+            </p:nvCxnSpPr>
+            <p:spPr>
+              <a:xfrm>
+                <a:off x="8715371" y="3868757"/>
+                <a:ext cx="323851" cy="704314"/>
+              </a:xfrm>
+              <a:prstGeom prst="straightConnector1">
+                <a:avLst/>
+              </a:prstGeom>
+              <a:ln>
+                <a:solidFill>
+                  <a:srgbClr val="0070C0"/>
+                </a:solidFill>
+                <a:tailEnd type="triangle"/>
+              </a:ln>
+            </p:spPr>
+            <p:style>
+              <a:lnRef idx="1">
+                <a:schemeClr val="accent1"/>
+              </a:lnRef>
+              <a:fillRef idx="0">
+                <a:schemeClr val="accent1"/>
+              </a:fillRef>
+              <a:effectRef idx="0">
+                <a:schemeClr val="accent1"/>
+              </a:effectRef>
+              <a:fontRef idx="minor">
+                <a:schemeClr val="tx1"/>
+              </a:fontRef>
+            </p:style>
+          </p:cxnSp>
+          <p:cxnSp>
+            <p:nvCxnSpPr>
+              <p:cNvPr id="18" name="Straight Arrow Connector 17"/>
+              <p:cNvCxnSpPr/>
+              <p:nvPr/>
+            </p:nvCxnSpPr>
+            <p:spPr>
+              <a:xfrm>
+                <a:off x="9536905" y="2875478"/>
+                <a:ext cx="323851" cy="552450"/>
+              </a:xfrm>
+              <a:prstGeom prst="straightConnector1">
+                <a:avLst/>
+              </a:prstGeom>
+              <a:ln>
+                <a:solidFill>
+                  <a:srgbClr val="00B050"/>
+                </a:solidFill>
+                <a:tailEnd type="triangle"/>
+              </a:ln>
+            </p:spPr>
+            <p:style>
+              <a:lnRef idx="1">
+                <a:schemeClr val="accent1"/>
+              </a:lnRef>
+              <a:fillRef idx="0">
+                <a:schemeClr val="accent1"/>
+              </a:fillRef>
+              <a:effectRef idx="0">
+                <a:schemeClr val="accent1"/>
+              </a:effectRef>
+              <a:fontRef idx="minor">
+                <a:schemeClr val="tx1"/>
+              </a:fontRef>
+            </p:style>
+          </p:cxnSp>
+          <p:sp>
+            <p:nvSpPr>
+              <p:cNvPr id="19" name="TextBox 18"/>
+              <p:cNvSpPr txBox="1"/>
+              <p:nvPr/>
+            </p:nvSpPr>
+            <p:spPr>
+              <a:xfrm>
+                <a:off x="8384988" y="2473821"/>
+                <a:ext cx="2178238" cy="369332"/>
+              </a:xfrm>
+              <a:prstGeom prst="rect">
+                <a:avLst/>
+              </a:prstGeom>
+              <a:noFill/>
+            </p:spPr>
+            <p:txBody>
+              <a:bodyPr wrap="square" rtlCol="0">
+                <a:spAutoFit/>
+              </a:bodyPr>
+              <a:lstStyle/>
+              <a:p>
+                <a:r>
+                  <a:rPr lang="en-US" dirty="0" smtClean="0"/>
+                  <a:t>With Binding Energy</a:t>
+                </a:r>
+                <a:endParaRPr lang="en-US" dirty="0"/>
+              </a:p>
+            </p:txBody>
+          </p:sp>
+          <p:sp>
+            <p:nvSpPr>
+              <p:cNvPr id="20" name="Rectangle 19"/>
+              <p:cNvSpPr/>
+              <p:nvPr/>
+            </p:nvSpPr>
+            <p:spPr>
+              <a:xfrm>
+                <a:off x="1285875" y="1669018"/>
+                <a:ext cx="498855" cy="369332"/>
+              </a:xfrm>
+              <a:prstGeom prst="rect">
+                <a:avLst/>
+              </a:prstGeom>
+            </p:spPr>
+            <p:txBody>
+              <a:bodyPr wrap="none">
+                <a:spAutoFit/>
+              </a:bodyPr>
+              <a:lstStyle/>
+              <a:p>
+                <a:r>
+                  <a:rPr lang="en-US" dirty="0"/>
+                  <a:t>(a) </a:t>
+                </a:r>
+              </a:p>
+            </p:txBody>
+          </p:sp>
+          <p:sp>
+            <p:nvSpPr>
+              <p:cNvPr id="21" name="Rectangle 20"/>
+              <p:cNvSpPr/>
+              <p:nvPr/>
+            </p:nvSpPr>
+            <p:spPr>
+              <a:xfrm>
+                <a:off x="7048500" y="1739384"/>
+                <a:ext cx="511679" cy="369332"/>
+              </a:xfrm>
+              <a:prstGeom prst="rect">
+                <a:avLst/>
+              </a:prstGeom>
+            </p:spPr>
+            <p:txBody>
+              <a:bodyPr wrap="none">
+                <a:spAutoFit/>
+              </a:bodyPr>
+              <a:lstStyle/>
+              <a:p>
+                <a:r>
+                  <a:rPr lang="en-US" dirty="0" smtClean="0"/>
+                  <a:t>(b) </a:t>
+                </a:r>
+                <a:endParaRPr lang="en-US" dirty="0"/>
+              </a:p>
+            </p:txBody>
+          </p:sp>
+          <p:sp>
+            <p:nvSpPr>
+              <p:cNvPr id="23" name="TextBox 22"/>
+              <p:cNvSpPr txBox="1"/>
+              <p:nvPr/>
+            </p:nvSpPr>
+            <p:spPr>
+              <a:xfrm>
+                <a:off x="9838531" y="1809750"/>
+                <a:ext cx="685800" cy="369332"/>
+              </a:xfrm>
+              <a:prstGeom prst="rect">
+                <a:avLst/>
+              </a:prstGeom>
+              <a:noFill/>
+              <a:ln>
+                <a:solidFill>
+                  <a:schemeClr val="tx1"/>
+                </a:solidFill>
+              </a:ln>
+            </p:spPr>
+            <p:txBody>
+              <a:bodyPr wrap="square" rtlCol="0">
+                <a:spAutoFit/>
+              </a:bodyPr>
+              <a:lstStyle/>
+              <a:p>
+                <a:pPr algn="ctr"/>
+                <a:r>
+                  <a:rPr lang="en-US" i="1" dirty="0" err="1" smtClean="0"/>
+                  <a:t>E</a:t>
+                </a:r>
+                <a:r>
+                  <a:rPr lang="en-US" i="1" baseline="-25000" dirty="0" err="1" smtClean="0"/>
+                  <a:t>e-</a:t>
+                </a:r>
+                <a:r>
+                  <a:rPr lang="en-US" altLang="zh-CN" i="1" baseline="-25000" dirty="0" err="1" smtClean="0"/>
+                  <a:t>lh</a:t>
+                </a:r>
+                <a:endParaRPr lang="en-US" i="1" dirty="0"/>
+              </a:p>
+            </p:txBody>
+          </p:sp>
+        </p:grpSp>
+        <p:sp>
+          <p:nvSpPr>
+            <p:cNvPr id="24" name="TextBox 23"/>
+            <p:cNvSpPr txBox="1"/>
+            <p:nvPr/>
+          </p:nvSpPr>
+          <p:spPr>
+            <a:xfrm rot="16200000">
+              <a:off x="-746031" y="3116163"/>
+              <a:ext cx="2842458" cy="369332"/>
+            </a:xfrm>
+            <a:prstGeom prst="rect">
+              <a:avLst/>
+            </a:prstGeom>
+            <a:solidFill>
+              <a:schemeClr val="bg1"/>
+            </a:solidFill>
+          </p:spPr>
+          <p:txBody>
+            <a:bodyPr wrap="square" rtlCol="0">
+              <a:spAutoFit/>
+            </a:bodyPr>
+            <a:lstStyle/>
+            <a:p>
+              <a:pPr algn="ctr"/>
+              <a:r>
+                <a:rPr lang="en-US" dirty="0" smtClean="0"/>
+                <a:t>Absorption Edge (nm)</a:t>
+              </a:r>
+              <a:endParaRPr lang="en-US" dirty="0"/>
+            </a:p>
+          </p:txBody>
+        </p:sp>
+        <p:sp>
+          <p:nvSpPr>
+            <p:cNvPr id="25" name="TextBox 24"/>
+            <p:cNvSpPr txBox="1"/>
+            <p:nvPr/>
+          </p:nvSpPr>
+          <p:spPr>
+            <a:xfrm rot="16200000">
+              <a:off x="4980692" y="3212584"/>
+              <a:ext cx="2842458" cy="369332"/>
+            </a:xfrm>
+            <a:prstGeom prst="rect">
+              <a:avLst/>
+            </a:prstGeom>
+            <a:solidFill>
+              <a:schemeClr val="bg1"/>
+            </a:solidFill>
+          </p:spPr>
+          <p:txBody>
+            <a:bodyPr wrap="square" rtlCol="0">
+              <a:spAutoFit/>
+            </a:bodyPr>
+            <a:lstStyle/>
+            <a:p>
+              <a:pPr algn="ctr"/>
+              <a:r>
+                <a:rPr lang="en-US" dirty="0" smtClean="0"/>
+                <a:t>Absorption Edge (nm)</a:t>
+              </a:r>
+              <a:endParaRPr lang="en-US" dirty="0"/>
+            </a:p>
+          </p:txBody>
+        </p:sp>
+      </p:grpSp>
+    </p:spTree>
+    <p:extLst>
+      <p:ext uri="{BB962C8B-B14F-4D97-AF65-F5344CB8AC3E}">
+        <p14:creationId xmlns:p14="http://schemas.microsoft.com/office/powerpoint/2010/main" val="3539181588"/>
+      </p:ext>
+    </p:extLst>
+  </p:cSld>
+  <p:clrMapOvr>
+    <a:masterClrMapping/>
+  </p:clrMapOvr>
+</p:sld>
+</file>
+
+<file path=ppt/slides/slide8.xml><?xml version="1.0" encoding="utf-8"?>
+<p:sld xmlns:a="http://schemas.openxmlformats.org/drawingml/2006/main" xmlns:r="http://schemas.openxmlformats.org/officeDocument/2006/relationships" xmlns:p="http://schemas.openxmlformats.org/presentationml/2006/main">
+  <p:cSld>
+    <p:spTree>
+      <p:nvGrpSpPr>
+        <p:cNvPr id="1" name=""/>
+        <p:cNvGrpSpPr/>
+        <p:nvPr/>
+      </p:nvGrpSpPr>
+      <p:grpSpPr>
+        <a:xfrm>
+          <a:off x="0" y="0"/>
+          <a:ext cx="0" cy="0"/>
+          <a:chOff x="0" y="0"/>
+          <a:chExt cx="0" cy="0"/>
+        </a:xfrm>
+      </p:grpSpPr>
+      <p:pic>
+        <p:nvPicPr>
+          <p:cNvPr id="6" name="Picture 5"/>
+          <p:cNvPicPr>
+            <a:picLocks noChangeAspect="1"/>
+          </p:cNvPicPr>
+          <p:nvPr/>
+        </p:nvPicPr>
+        <p:blipFill>
+          <a:blip r:embed="rId2">
+            <a:extLst>
+              <a:ext uri="{28A0092B-C50C-407E-A947-70E740481C1C}">
+                <a14:useLocalDpi xmlns:a14="http://schemas.microsoft.com/office/drawing/2010/main" val="0"/>
+              </a:ext>
+            </a:extLst>
+          </a:blip>
+          <a:stretch>
+            <a:fillRect/>
+          </a:stretch>
+        </p:blipFill>
+        <p:spPr>
+          <a:xfrm>
+            <a:off x="6211887" y="1266825"/>
+            <a:ext cx="5762625" cy="4324350"/>
+          </a:xfrm>
+          <a:prstGeom prst="rect">
+            <a:avLst/>
+          </a:prstGeom>
+        </p:spPr>
+      </p:pic>
+      <p:pic>
+        <p:nvPicPr>
+          <p:cNvPr id="7" name="Picture 6"/>
+          <p:cNvPicPr>
+            <a:picLocks noChangeAspect="1"/>
+          </p:cNvPicPr>
+          <p:nvPr/>
+        </p:nvPicPr>
+        <p:blipFill>
+          <a:blip r:embed="rId3">
+            <a:extLst>
+              <a:ext uri="{28A0092B-C50C-407E-A947-70E740481C1C}">
+                <a14:useLocalDpi xmlns:a14="http://schemas.microsoft.com/office/drawing/2010/main" val="0"/>
+              </a:ext>
+            </a:extLst>
+          </a:blip>
+          <a:stretch>
+            <a:fillRect/>
+          </a:stretch>
+        </p:blipFill>
+        <p:spPr>
+          <a:xfrm>
+            <a:off x="449262" y="1266825"/>
+            <a:ext cx="5762625" cy="4324350"/>
+          </a:xfrm>
+          <a:prstGeom prst="rect">
+            <a:avLst/>
+          </a:prstGeom>
+        </p:spPr>
+      </p:pic>
+    </p:spTree>
+    <p:extLst>
+      <p:ext uri="{BB962C8B-B14F-4D97-AF65-F5344CB8AC3E}">
+        <p14:creationId xmlns:p14="http://schemas.microsoft.com/office/powerpoint/2010/main" val="845912156"/>
+      </p:ext>
+    </p:extLst>
+  </p:cSld>
+  <p:clrMapOvr>
+    <a:masterClrMapping/>
+  </p:clrMapOvr>
+</p:sld>
+</file>
+
+<file path=ppt/slides/slide9.xml><?xml version="1.0" encoding="utf-8"?>
+<p:sld xmlns:a="http://schemas.openxmlformats.org/drawingml/2006/main" xmlns:r="http://schemas.openxmlformats.org/officeDocument/2006/relationships" xmlns:p="http://schemas.openxmlformats.org/presentationml/2006/main">
+  <p:cSld>
+    <p:spTree>
+      <p:nvGrpSpPr>
+        <p:cNvPr id="1" name=""/>
+        <p:cNvGrpSpPr/>
+        <p:nvPr/>
+      </p:nvGrpSpPr>
+      <p:grpSpPr>
+        <a:xfrm>
+          <a:off x="0" y="0"/>
+          <a:ext cx="0" cy="0"/>
+          <a:chOff x="0" y="0"/>
+          <a:chExt cx="0" cy="0"/>
+        </a:xfrm>
+      </p:grpSpPr>
+    </p:spTree>
+    <p:extLst>
+      <p:ext uri="{BB962C8B-B14F-4D97-AF65-F5344CB8AC3E}">
+        <p14:creationId xmlns:p14="http://schemas.microsoft.com/office/powerpoint/2010/main" val="3182379709"/>
       </p:ext>
     </p:extLst>
   </p:cSld>

--- a/thesis_v1/Pictures/figure_chapter2.pptx
+++ b/thesis_v1/Pictures/figure_chapter2.pptx
@@ -13,7 +13,10 @@
     <p:sldId id="261" r:id="rId7"/>
     <p:sldId id="262" r:id="rId8"/>
     <p:sldId id="263" r:id="rId9"/>
-    <p:sldId id="264" r:id="rId10"/>
+    <p:sldId id="265" r:id="rId10"/>
+    <p:sldId id="264" r:id="rId11"/>
+    <p:sldId id="266" r:id="rId12"/>
+    <p:sldId id="267" r:id="rId13"/>
   </p:sldIdLst>
   <p:sldSz cx="12192000" cy="6858000"/>
   <p:notesSz cx="6858000" cy="9144000"/>
@@ -251,7 +254,7 @@
           <a:p>
             <a:fld id="{0AB158F5-A420-42E5-A89A-E1DF478DA356}" type="datetimeFigureOut">
               <a:rPr lang="en-US" smtClean="0"/>
-              <a:t>3/2/2016</a:t>
+              <a:t>3/6/2016</a:t>
             </a:fld>
             <a:endParaRPr lang="en-US"/>
           </a:p>
@@ -421,7 +424,7 @@
           <a:p>
             <a:fld id="{0AB158F5-A420-42E5-A89A-E1DF478DA356}" type="datetimeFigureOut">
               <a:rPr lang="en-US" smtClean="0"/>
-              <a:t>3/2/2016</a:t>
+              <a:t>3/6/2016</a:t>
             </a:fld>
             <a:endParaRPr lang="en-US"/>
           </a:p>
@@ -601,7 +604,7 @@
           <a:p>
             <a:fld id="{0AB158F5-A420-42E5-A89A-E1DF478DA356}" type="datetimeFigureOut">
               <a:rPr lang="en-US" smtClean="0"/>
-              <a:t>3/2/2016</a:t>
+              <a:t>3/6/2016</a:t>
             </a:fld>
             <a:endParaRPr lang="en-US"/>
           </a:p>
@@ -771,7 +774,7 @@
           <a:p>
             <a:fld id="{0AB158F5-A420-42E5-A89A-E1DF478DA356}" type="datetimeFigureOut">
               <a:rPr lang="en-US" smtClean="0"/>
-              <a:t>3/2/2016</a:t>
+              <a:t>3/6/2016</a:t>
             </a:fld>
             <a:endParaRPr lang="en-US"/>
           </a:p>
@@ -1024,7 +1027,7 @@
           <a:p>
             <a:fld id="{0AB158F5-A420-42E5-A89A-E1DF478DA356}" type="datetimeFigureOut">
               <a:rPr lang="en-US" smtClean="0"/>
-              <a:t>3/2/2016</a:t>
+              <a:t>3/6/2016</a:t>
             </a:fld>
             <a:endParaRPr lang="en-US"/>
           </a:p>
@@ -1256,7 +1259,7 @@
           <a:p>
             <a:fld id="{0AB158F5-A420-42E5-A89A-E1DF478DA356}" type="datetimeFigureOut">
               <a:rPr lang="en-US" smtClean="0"/>
-              <a:t>3/2/2016</a:t>
+              <a:t>3/6/2016</a:t>
             </a:fld>
             <a:endParaRPr lang="en-US"/>
           </a:p>
@@ -1623,7 +1626,7 @@
           <a:p>
             <a:fld id="{0AB158F5-A420-42E5-A89A-E1DF478DA356}" type="datetimeFigureOut">
               <a:rPr lang="en-US" smtClean="0"/>
-              <a:t>3/2/2016</a:t>
+              <a:t>3/6/2016</a:t>
             </a:fld>
             <a:endParaRPr lang="en-US"/>
           </a:p>
@@ -1741,7 +1744,7 @@
           <a:p>
             <a:fld id="{0AB158F5-A420-42E5-A89A-E1DF478DA356}" type="datetimeFigureOut">
               <a:rPr lang="en-US" smtClean="0"/>
-              <a:t>3/2/2016</a:t>
+              <a:t>3/6/2016</a:t>
             </a:fld>
             <a:endParaRPr lang="en-US"/>
           </a:p>
@@ -1836,7 +1839,7 @@
           <a:p>
             <a:fld id="{0AB158F5-A420-42E5-A89A-E1DF478DA356}" type="datetimeFigureOut">
               <a:rPr lang="en-US" smtClean="0"/>
-              <a:t>3/2/2016</a:t>
+              <a:t>3/6/2016</a:t>
             </a:fld>
             <a:endParaRPr lang="en-US"/>
           </a:p>
@@ -2113,7 +2116,7 @@
           <a:p>
             <a:fld id="{0AB158F5-A420-42E5-A89A-E1DF478DA356}" type="datetimeFigureOut">
               <a:rPr lang="en-US" smtClean="0"/>
-              <a:t>3/2/2016</a:t>
+              <a:t>3/6/2016</a:t>
             </a:fld>
             <a:endParaRPr lang="en-US"/>
           </a:p>
@@ -2366,7 +2369,7 @@
           <a:p>
             <a:fld id="{0AB158F5-A420-42E5-A89A-E1DF478DA356}" type="datetimeFigureOut">
               <a:rPr lang="en-US" smtClean="0"/>
-              <a:t>3/2/2016</a:t>
+              <a:t>3/6/2016</a:t>
             </a:fld>
             <a:endParaRPr lang="en-US"/>
           </a:p>
@@ -2579,7 +2582,7 @@
           <a:p>
             <a:fld id="{0AB158F5-A420-42E5-A89A-E1DF478DA356}" type="datetimeFigureOut">
               <a:rPr lang="en-US" smtClean="0"/>
-              <a:t>3/2/2016</a:t>
+              <a:t>3/6/2016</a:t>
             </a:fld>
             <a:endParaRPr lang="en-US"/>
           </a:p>
@@ -5731,6 +5734,3636 @@
 </p:sld>
 </file>
 
+<file path=ppt/slides/slide10.xml><?xml version="1.0" encoding="utf-8"?>
+<p:sld xmlns:a="http://schemas.openxmlformats.org/drawingml/2006/main" xmlns:r="http://schemas.openxmlformats.org/officeDocument/2006/relationships" xmlns:p="http://schemas.openxmlformats.org/presentationml/2006/main">
+  <p:cSld>
+    <p:spTree>
+      <p:nvGrpSpPr>
+        <p:cNvPr id="1" name=""/>
+        <p:cNvGrpSpPr/>
+        <p:nvPr/>
+      </p:nvGrpSpPr>
+      <p:grpSpPr>
+        <a:xfrm>
+          <a:off x="0" y="0"/>
+          <a:ext cx="0" cy="0"/>
+          <a:chOff x="0" y="0"/>
+          <a:chExt cx="0" cy="0"/>
+        </a:xfrm>
+      </p:grpSpPr>
+      <p:grpSp>
+        <p:nvGrpSpPr>
+          <p:cNvPr id="52" name="Group 51"/>
+          <p:cNvGrpSpPr/>
+          <p:nvPr/>
+        </p:nvGrpSpPr>
+        <p:grpSpPr>
+          <a:xfrm>
+            <a:off x="3439012" y="830963"/>
+            <a:ext cx="4809638" cy="5135326"/>
+            <a:chOff x="3439012" y="830963"/>
+            <a:chExt cx="4809638" cy="5135326"/>
+          </a:xfrm>
+        </p:grpSpPr>
+        <p:grpSp>
+          <p:nvGrpSpPr>
+            <p:cNvPr id="21" name="Group 20"/>
+            <p:cNvGrpSpPr/>
+            <p:nvPr/>
+          </p:nvGrpSpPr>
+          <p:grpSpPr>
+            <a:xfrm>
+              <a:off x="3799500" y="830963"/>
+              <a:ext cx="4449150" cy="2110437"/>
+              <a:chOff x="1211580" y="1729201"/>
+              <a:chExt cx="2776567" cy="2110437"/>
+            </a:xfrm>
+          </p:grpSpPr>
+          <p:grpSp>
+            <p:nvGrpSpPr>
+              <p:cNvPr id="7" name="Group 6"/>
+              <p:cNvGrpSpPr/>
+              <p:nvPr/>
+            </p:nvGrpSpPr>
+            <p:grpSpPr>
+              <a:xfrm>
+                <a:off x="1211580" y="1813560"/>
+                <a:ext cx="1965960" cy="1943102"/>
+                <a:chOff x="728207" y="1813560"/>
+                <a:chExt cx="2449333" cy="1943102"/>
+              </a:xfrm>
+            </p:grpSpPr>
+            <p:pic>
+              <p:nvPicPr>
+                <p:cNvPr id="2" name="Picture 1"/>
+                <p:cNvPicPr>
+                  <a:picLocks noChangeAspect="1"/>
+                </p:cNvPicPr>
+                <p:nvPr/>
+              </p:nvPicPr>
+              <p:blipFill>
+                <a:blip r:embed="rId2"/>
+                <a:stretch>
+                  <a:fillRect/>
+                </a:stretch>
+              </p:blipFill>
+              <p:spPr>
+                <a:xfrm>
+                  <a:off x="728207" y="1821543"/>
+                  <a:ext cx="2447925" cy="1736998"/>
+                </a:xfrm>
+                <a:prstGeom prst="rect">
+                  <a:avLst/>
+                </a:prstGeom>
+              </p:spPr>
+            </p:pic>
+            <p:sp>
+              <p:nvSpPr>
+                <p:cNvPr id="3" name="Rectangle 2"/>
+                <p:cNvSpPr/>
+                <p:nvPr/>
+              </p:nvSpPr>
+              <p:spPr>
+                <a:xfrm>
+                  <a:off x="731520" y="1813560"/>
+                  <a:ext cx="2446020" cy="106680"/>
+                </a:xfrm>
+                <a:prstGeom prst="rect">
+                  <a:avLst/>
+                </a:prstGeom>
+                <a:solidFill>
+                  <a:schemeClr val="accent4">
+                    <a:lumMod val="75000"/>
+                  </a:schemeClr>
+                </a:solidFill>
+                <a:ln>
+                  <a:noFill/>
+                </a:ln>
+              </p:spPr>
+              <p:style>
+                <a:lnRef idx="2">
+                  <a:schemeClr val="accent1">
+                    <a:shade val="50000"/>
+                  </a:schemeClr>
+                </a:lnRef>
+                <a:fillRef idx="1">
+                  <a:schemeClr val="accent1"/>
+                </a:fillRef>
+                <a:effectRef idx="0">
+                  <a:schemeClr val="accent1"/>
+                </a:effectRef>
+                <a:fontRef idx="minor">
+                  <a:schemeClr val="lt1"/>
+                </a:fontRef>
+              </p:style>
+              <p:txBody>
+                <a:bodyPr rtlCol="0" anchor="ctr"/>
+                <a:lstStyle/>
+                <a:p>
+                  <a:pPr algn="ctr"/>
+                  <a:endParaRPr lang="en-US"/>
+                </a:p>
+              </p:txBody>
+            </p:sp>
+            <p:sp>
+              <p:nvSpPr>
+                <p:cNvPr id="4" name="Rectangle 3"/>
+                <p:cNvSpPr/>
+                <p:nvPr/>
+              </p:nvSpPr>
+              <p:spPr>
+                <a:xfrm>
+                  <a:off x="730112" y="3147060"/>
+                  <a:ext cx="2446020" cy="160020"/>
+                </a:xfrm>
+                <a:prstGeom prst="rect">
+                  <a:avLst/>
+                </a:prstGeom>
+                <a:solidFill>
+                  <a:srgbClr val="FF0000"/>
+                </a:solidFill>
+                <a:ln>
+                  <a:noFill/>
+                </a:ln>
+              </p:spPr>
+              <p:style>
+                <a:lnRef idx="2">
+                  <a:schemeClr val="accent1">
+                    <a:shade val="50000"/>
+                  </a:schemeClr>
+                </a:lnRef>
+                <a:fillRef idx="1">
+                  <a:schemeClr val="accent1"/>
+                </a:fillRef>
+                <a:effectRef idx="0">
+                  <a:schemeClr val="accent1"/>
+                </a:effectRef>
+                <a:fontRef idx="minor">
+                  <a:schemeClr val="lt1"/>
+                </a:fontRef>
+              </p:style>
+              <p:txBody>
+                <a:bodyPr rtlCol="0" anchor="ctr"/>
+                <a:lstStyle/>
+                <a:p>
+                  <a:pPr algn="ctr"/>
+                  <a:endParaRPr lang="en-US"/>
+                </a:p>
+              </p:txBody>
+            </p:sp>
+            <p:sp>
+              <p:nvSpPr>
+                <p:cNvPr id="5" name="Rectangle 4"/>
+                <p:cNvSpPr/>
+                <p:nvPr/>
+              </p:nvSpPr>
+              <p:spPr>
+                <a:xfrm>
+                  <a:off x="730112" y="3463291"/>
+                  <a:ext cx="2446020" cy="137160"/>
+                </a:xfrm>
+                <a:prstGeom prst="rect">
+                  <a:avLst/>
+                </a:prstGeom>
+                <a:solidFill>
+                  <a:srgbClr val="FF0000"/>
+                </a:solidFill>
+                <a:ln>
+                  <a:noFill/>
+                </a:ln>
+              </p:spPr>
+              <p:style>
+                <a:lnRef idx="2">
+                  <a:schemeClr val="accent1">
+                    <a:shade val="50000"/>
+                  </a:schemeClr>
+                </a:lnRef>
+                <a:fillRef idx="1">
+                  <a:schemeClr val="accent1"/>
+                </a:fillRef>
+                <a:effectRef idx="0">
+                  <a:schemeClr val="accent1"/>
+                </a:effectRef>
+                <a:fontRef idx="minor">
+                  <a:schemeClr val="lt1"/>
+                </a:fontRef>
+              </p:style>
+              <p:txBody>
+                <a:bodyPr rtlCol="0" anchor="ctr"/>
+                <a:lstStyle/>
+                <a:p>
+                  <a:pPr algn="ctr"/>
+                  <a:endParaRPr lang="en-US"/>
+                </a:p>
+              </p:txBody>
+            </p:sp>
+            <p:sp>
+              <p:nvSpPr>
+                <p:cNvPr id="6" name="Rectangle 5"/>
+                <p:cNvSpPr/>
+                <p:nvPr/>
+              </p:nvSpPr>
+              <p:spPr>
+                <a:xfrm>
+                  <a:off x="728207" y="3600451"/>
+                  <a:ext cx="2447925" cy="156211"/>
+                </a:xfrm>
+                <a:prstGeom prst="rect">
+                  <a:avLst/>
+                </a:prstGeom>
+                <a:solidFill>
+                  <a:schemeClr val="accent4">
+                    <a:lumMod val="50000"/>
+                  </a:schemeClr>
+                </a:solidFill>
+                <a:ln>
+                  <a:noFill/>
+                </a:ln>
+              </p:spPr>
+              <p:style>
+                <a:lnRef idx="2">
+                  <a:schemeClr val="accent1">
+                    <a:shade val="50000"/>
+                  </a:schemeClr>
+                </a:lnRef>
+                <a:fillRef idx="1">
+                  <a:schemeClr val="accent1"/>
+                </a:fillRef>
+                <a:effectRef idx="0">
+                  <a:schemeClr val="accent1"/>
+                </a:effectRef>
+                <a:fontRef idx="minor">
+                  <a:schemeClr val="lt1"/>
+                </a:fontRef>
+              </p:style>
+              <p:txBody>
+                <a:bodyPr rtlCol="0" anchor="ctr"/>
+                <a:lstStyle/>
+                <a:p>
+                  <a:pPr algn="ctr"/>
+                  <a:endParaRPr lang="en-US"/>
+                </a:p>
+              </p:txBody>
+            </p:sp>
+          </p:grpSp>
+          <p:cxnSp>
+            <p:nvCxnSpPr>
+              <p:cNvPr id="9" name="Straight Arrow Connector 8"/>
+              <p:cNvCxnSpPr/>
+              <p:nvPr/>
+            </p:nvCxnSpPr>
+            <p:spPr>
+              <a:xfrm>
+                <a:off x="3176410" y="1860006"/>
+                <a:ext cx="366890" cy="0"/>
+              </a:xfrm>
+              <a:prstGeom prst="straightConnector1">
+                <a:avLst/>
+              </a:prstGeom>
+              <a:ln>
+                <a:solidFill>
+                  <a:schemeClr val="tx1"/>
+                </a:solidFill>
+                <a:tailEnd type="triangle"/>
+              </a:ln>
+            </p:spPr>
+            <p:style>
+              <a:lnRef idx="1">
+                <a:schemeClr val="accent1"/>
+              </a:lnRef>
+              <a:fillRef idx="0">
+                <a:schemeClr val="accent1"/>
+              </a:fillRef>
+              <a:effectRef idx="0">
+                <a:schemeClr val="accent1"/>
+              </a:effectRef>
+              <a:fontRef idx="minor">
+                <a:schemeClr val="tx1"/>
+              </a:fontRef>
+            </p:style>
+          </p:cxnSp>
+          <p:sp>
+            <p:nvSpPr>
+              <p:cNvPr id="10" name="TextBox 9"/>
+              <p:cNvSpPr txBox="1"/>
+              <p:nvPr/>
+            </p:nvSpPr>
+            <p:spPr>
+              <a:xfrm>
+                <a:off x="3543300" y="1729201"/>
+                <a:ext cx="444847" cy="276999"/>
+              </a:xfrm>
+              <a:prstGeom prst="rect">
+                <a:avLst/>
+              </a:prstGeom>
+              <a:noFill/>
+            </p:spPr>
+            <p:txBody>
+              <a:bodyPr wrap="square" rtlCol="0">
+                <a:spAutoFit/>
+              </a:bodyPr>
+              <a:lstStyle/>
+              <a:p>
+                <a:r>
+                  <a:rPr lang="en-US" altLang="zh-CN" sz="1200" dirty="0" err="1" smtClean="0"/>
+                  <a:t>InGaAs</a:t>
+                </a:r>
+                <a:endParaRPr lang="en-US" sz="1200" dirty="0"/>
+              </a:p>
+            </p:txBody>
+          </p:sp>
+          <p:sp>
+            <p:nvSpPr>
+              <p:cNvPr id="11" name="TextBox 10"/>
+              <p:cNvSpPr txBox="1"/>
+              <p:nvPr/>
+            </p:nvSpPr>
+            <p:spPr>
+              <a:xfrm>
+                <a:off x="3543300" y="2186401"/>
+                <a:ext cx="334630" cy="276999"/>
+              </a:xfrm>
+              <a:prstGeom prst="rect">
+                <a:avLst/>
+              </a:prstGeom>
+              <a:noFill/>
+            </p:spPr>
+            <p:txBody>
+              <a:bodyPr wrap="square" rtlCol="0">
+                <a:spAutoFit/>
+              </a:bodyPr>
+              <a:lstStyle/>
+              <a:p>
+                <a:r>
+                  <a:rPr lang="en-US" altLang="zh-CN" sz="1200" dirty="0" smtClean="0"/>
+                  <a:t>p-</a:t>
+                </a:r>
+                <a:r>
+                  <a:rPr lang="en-US" altLang="zh-CN" sz="1200" dirty="0" err="1" smtClean="0"/>
+                  <a:t>InP</a:t>
+                </a:r>
+                <a:endParaRPr lang="en-US" sz="1200" dirty="0"/>
+              </a:p>
+            </p:txBody>
+          </p:sp>
+          <p:cxnSp>
+            <p:nvCxnSpPr>
+              <p:cNvPr id="12" name="Straight Arrow Connector 11"/>
+              <p:cNvCxnSpPr/>
+              <p:nvPr/>
+            </p:nvCxnSpPr>
+            <p:spPr>
+              <a:xfrm>
+                <a:off x="3176410" y="2317206"/>
+                <a:ext cx="366890" cy="0"/>
+              </a:xfrm>
+              <a:prstGeom prst="straightConnector1">
+                <a:avLst/>
+              </a:prstGeom>
+              <a:ln>
+                <a:solidFill>
+                  <a:schemeClr val="tx1"/>
+                </a:solidFill>
+                <a:tailEnd type="triangle"/>
+              </a:ln>
+            </p:spPr>
+            <p:style>
+              <a:lnRef idx="1">
+                <a:schemeClr val="accent1"/>
+              </a:lnRef>
+              <a:fillRef idx="0">
+                <a:schemeClr val="accent1"/>
+              </a:fillRef>
+              <a:effectRef idx="0">
+                <a:schemeClr val="accent1"/>
+              </a:effectRef>
+              <a:fontRef idx="minor">
+                <a:schemeClr val="tx1"/>
+              </a:fontRef>
+            </p:style>
+          </p:cxnSp>
+          <p:cxnSp>
+            <p:nvCxnSpPr>
+              <p:cNvPr id="13" name="Straight Arrow Connector 12"/>
+              <p:cNvCxnSpPr/>
+              <p:nvPr/>
+            </p:nvCxnSpPr>
+            <p:spPr>
+              <a:xfrm>
+                <a:off x="3176410" y="3231606"/>
+                <a:ext cx="366890" cy="0"/>
+              </a:xfrm>
+              <a:prstGeom prst="straightConnector1">
+                <a:avLst/>
+              </a:prstGeom>
+              <a:ln>
+                <a:solidFill>
+                  <a:schemeClr val="tx1"/>
+                </a:solidFill>
+                <a:tailEnd type="triangle"/>
+              </a:ln>
+            </p:spPr>
+            <p:style>
+              <a:lnRef idx="1">
+                <a:schemeClr val="accent1"/>
+              </a:lnRef>
+              <a:fillRef idx="0">
+                <a:schemeClr val="accent1"/>
+              </a:fillRef>
+              <a:effectRef idx="0">
+                <a:schemeClr val="accent1"/>
+              </a:effectRef>
+              <a:fontRef idx="minor">
+                <a:schemeClr val="tx1"/>
+              </a:fontRef>
+            </p:style>
+          </p:cxnSp>
+          <p:cxnSp>
+            <p:nvCxnSpPr>
+              <p:cNvPr id="14" name="Straight Arrow Connector 13"/>
+              <p:cNvCxnSpPr/>
+              <p:nvPr/>
+            </p:nvCxnSpPr>
+            <p:spPr>
+              <a:xfrm>
+                <a:off x="3176410" y="3558540"/>
+                <a:ext cx="366890" cy="0"/>
+              </a:xfrm>
+              <a:prstGeom prst="straightConnector1">
+                <a:avLst/>
+              </a:prstGeom>
+              <a:ln>
+                <a:solidFill>
+                  <a:schemeClr val="tx1"/>
+                </a:solidFill>
+                <a:tailEnd type="triangle"/>
+              </a:ln>
+            </p:spPr>
+            <p:style>
+              <a:lnRef idx="1">
+                <a:schemeClr val="accent1"/>
+              </a:lnRef>
+              <a:fillRef idx="0">
+                <a:schemeClr val="accent1"/>
+              </a:fillRef>
+              <a:effectRef idx="0">
+                <a:schemeClr val="accent1"/>
+              </a:effectRef>
+              <a:fontRef idx="minor">
+                <a:schemeClr val="tx1"/>
+              </a:fontRef>
+            </p:style>
+          </p:cxnSp>
+          <p:sp>
+            <p:nvSpPr>
+              <p:cNvPr id="15" name="TextBox 14"/>
+              <p:cNvSpPr txBox="1"/>
+              <p:nvPr/>
+            </p:nvSpPr>
+            <p:spPr>
+              <a:xfrm>
+                <a:off x="3543300" y="3065017"/>
+                <a:ext cx="393651" cy="276999"/>
+              </a:xfrm>
+              <a:prstGeom prst="rect">
+                <a:avLst/>
+              </a:prstGeom>
+              <a:noFill/>
+            </p:spPr>
+            <p:txBody>
+              <a:bodyPr wrap="square" rtlCol="0">
+                <a:spAutoFit/>
+              </a:bodyPr>
+              <a:lstStyle/>
+              <a:p>
+                <a:r>
+                  <a:rPr lang="en-US" altLang="zh-CN" sz="1200" dirty="0" smtClean="0"/>
+                  <a:t>SCH</a:t>
+                </a:r>
+                <a:endParaRPr lang="en-US" sz="1200" dirty="0"/>
+              </a:p>
+            </p:txBody>
+          </p:sp>
+          <p:sp>
+            <p:nvSpPr>
+              <p:cNvPr id="16" name="TextBox 15"/>
+              <p:cNvSpPr txBox="1"/>
+              <p:nvPr/>
+            </p:nvSpPr>
+            <p:spPr>
+              <a:xfrm>
+                <a:off x="3543300" y="3420041"/>
+                <a:ext cx="366890" cy="276999"/>
+              </a:xfrm>
+              <a:prstGeom prst="rect">
+                <a:avLst/>
+              </a:prstGeom>
+              <a:noFill/>
+            </p:spPr>
+            <p:txBody>
+              <a:bodyPr wrap="square" rtlCol="0">
+                <a:spAutoFit/>
+              </a:bodyPr>
+              <a:lstStyle/>
+              <a:p>
+                <a:r>
+                  <a:rPr lang="en-US" altLang="zh-CN" sz="1200" dirty="0" smtClean="0"/>
+                  <a:t>SCH</a:t>
+                </a:r>
+                <a:endParaRPr lang="en-US" sz="1200" dirty="0"/>
+              </a:p>
+            </p:txBody>
+          </p:sp>
+          <p:cxnSp>
+            <p:nvCxnSpPr>
+              <p:cNvPr id="17" name="Straight Arrow Connector 16"/>
+              <p:cNvCxnSpPr/>
+              <p:nvPr/>
+            </p:nvCxnSpPr>
+            <p:spPr>
+              <a:xfrm>
+                <a:off x="3176410" y="3376952"/>
+                <a:ext cx="366890" cy="0"/>
+              </a:xfrm>
+              <a:prstGeom prst="straightConnector1">
+                <a:avLst/>
+              </a:prstGeom>
+              <a:ln>
+                <a:solidFill>
+                  <a:schemeClr val="tx1"/>
+                </a:solidFill>
+                <a:tailEnd type="triangle"/>
+              </a:ln>
+            </p:spPr>
+            <p:style>
+              <a:lnRef idx="1">
+                <a:schemeClr val="accent1"/>
+              </a:lnRef>
+              <a:fillRef idx="0">
+                <a:schemeClr val="accent1"/>
+              </a:fillRef>
+              <a:effectRef idx="0">
+                <a:schemeClr val="accent1"/>
+              </a:effectRef>
+              <a:fontRef idx="minor">
+                <a:schemeClr val="tx1"/>
+              </a:fontRef>
+            </p:style>
+          </p:cxnSp>
+          <p:sp>
+            <p:nvSpPr>
+              <p:cNvPr id="18" name="TextBox 17"/>
+              <p:cNvSpPr txBox="1"/>
+              <p:nvPr/>
+            </p:nvSpPr>
+            <p:spPr>
+              <a:xfrm>
+                <a:off x="3543300" y="3259696"/>
+                <a:ext cx="393651" cy="276999"/>
+              </a:xfrm>
+              <a:prstGeom prst="rect">
+                <a:avLst/>
+              </a:prstGeom>
+              <a:noFill/>
+            </p:spPr>
+            <p:txBody>
+              <a:bodyPr wrap="square" rtlCol="0">
+                <a:spAutoFit/>
+              </a:bodyPr>
+              <a:lstStyle/>
+              <a:p>
+                <a:r>
+                  <a:rPr lang="en-US" altLang="zh-CN" sz="1200" dirty="0" smtClean="0"/>
+                  <a:t>MQW</a:t>
+                </a:r>
+                <a:endParaRPr lang="en-US" sz="1200" dirty="0"/>
+              </a:p>
+            </p:txBody>
+          </p:sp>
+          <p:cxnSp>
+            <p:nvCxnSpPr>
+              <p:cNvPr id="19" name="Straight Arrow Connector 18"/>
+              <p:cNvCxnSpPr/>
+              <p:nvPr/>
+            </p:nvCxnSpPr>
+            <p:spPr>
+              <a:xfrm>
+                <a:off x="3176410" y="3683705"/>
+                <a:ext cx="366890" cy="0"/>
+              </a:xfrm>
+              <a:prstGeom prst="straightConnector1">
+                <a:avLst/>
+              </a:prstGeom>
+              <a:ln>
+                <a:solidFill>
+                  <a:schemeClr val="tx1"/>
+                </a:solidFill>
+                <a:tailEnd type="triangle"/>
+              </a:ln>
+            </p:spPr>
+            <p:style>
+              <a:lnRef idx="1">
+                <a:schemeClr val="accent1"/>
+              </a:lnRef>
+              <a:fillRef idx="0">
+                <a:schemeClr val="accent1"/>
+              </a:fillRef>
+              <a:effectRef idx="0">
+                <a:schemeClr val="accent1"/>
+              </a:effectRef>
+              <a:fontRef idx="minor">
+                <a:schemeClr val="tx1"/>
+              </a:fontRef>
+            </p:style>
+          </p:cxnSp>
+          <p:sp>
+            <p:nvSpPr>
+              <p:cNvPr id="20" name="TextBox 19"/>
+              <p:cNvSpPr txBox="1"/>
+              <p:nvPr/>
+            </p:nvSpPr>
+            <p:spPr>
+              <a:xfrm>
+                <a:off x="3543300" y="3562639"/>
+                <a:ext cx="334630" cy="276999"/>
+              </a:xfrm>
+              <a:prstGeom prst="rect">
+                <a:avLst/>
+              </a:prstGeom>
+              <a:noFill/>
+            </p:spPr>
+            <p:txBody>
+              <a:bodyPr wrap="square" rtlCol="0">
+                <a:spAutoFit/>
+              </a:bodyPr>
+              <a:lstStyle/>
+              <a:p>
+                <a:r>
+                  <a:rPr lang="en-US" sz="1200" dirty="0" smtClean="0"/>
+                  <a:t>n-</a:t>
+                </a:r>
+                <a:r>
+                  <a:rPr lang="en-US" sz="1200" dirty="0" err="1" smtClean="0"/>
+                  <a:t>InP</a:t>
+                </a:r>
+                <a:endParaRPr lang="en-US" sz="1200" dirty="0"/>
+              </a:p>
+            </p:txBody>
+          </p:sp>
+        </p:grpSp>
+        <p:grpSp>
+          <p:nvGrpSpPr>
+            <p:cNvPr id="49" name="Group 48"/>
+            <p:cNvGrpSpPr/>
+            <p:nvPr/>
+          </p:nvGrpSpPr>
+          <p:grpSpPr>
+            <a:xfrm>
+              <a:off x="3667125" y="3500548"/>
+              <a:ext cx="4499489" cy="2465741"/>
+              <a:chOff x="4555454" y="1775284"/>
+              <a:chExt cx="4499489" cy="2465741"/>
+            </a:xfrm>
+          </p:grpSpPr>
+          <p:grpSp>
+            <p:nvGrpSpPr>
+              <p:cNvPr id="46" name="Group 45"/>
+              <p:cNvGrpSpPr/>
+              <p:nvPr/>
+            </p:nvGrpSpPr>
+            <p:grpSpPr>
+              <a:xfrm>
+                <a:off x="4705984" y="2158224"/>
+                <a:ext cx="4257041" cy="2017537"/>
+                <a:chOff x="4340225" y="2329544"/>
+                <a:chExt cx="3350222" cy="2447352"/>
+              </a:xfrm>
+            </p:grpSpPr>
+            <p:pic>
+              <p:nvPicPr>
+                <p:cNvPr id="45" name="Picture 44"/>
+                <p:cNvPicPr>
+                  <a:picLocks noChangeAspect="1"/>
+                </p:cNvPicPr>
+                <p:nvPr/>
+              </p:nvPicPr>
+              <p:blipFill>
+                <a:blip r:embed="rId3"/>
+                <a:stretch>
+                  <a:fillRect/>
+                </a:stretch>
+              </p:blipFill>
+              <p:spPr>
+                <a:xfrm>
+                  <a:off x="4340225" y="2329544"/>
+                  <a:ext cx="3350222" cy="2447352"/>
+                </a:xfrm>
+                <a:prstGeom prst="rect">
+                  <a:avLst/>
+                </a:prstGeom>
+              </p:spPr>
+            </p:pic>
+            <p:sp>
+              <p:nvSpPr>
+                <p:cNvPr id="23" name="Rectangle 22"/>
+                <p:cNvSpPr/>
+                <p:nvPr/>
+              </p:nvSpPr>
+              <p:spPr>
+                <a:xfrm>
+                  <a:off x="6024309" y="2345236"/>
+                  <a:ext cx="1666138" cy="375824"/>
+                </a:xfrm>
+                <a:prstGeom prst="rect">
+                  <a:avLst/>
+                </a:prstGeom>
+                <a:solidFill>
+                  <a:schemeClr val="bg1"/>
+                </a:solidFill>
+                <a:ln>
+                  <a:solidFill>
+                    <a:schemeClr val="bg1"/>
+                  </a:solidFill>
+                </a:ln>
+              </p:spPr>
+              <p:style>
+                <a:lnRef idx="2">
+                  <a:schemeClr val="accent1">
+                    <a:shade val="50000"/>
+                  </a:schemeClr>
+                </a:lnRef>
+                <a:fillRef idx="1">
+                  <a:schemeClr val="accent1"/>
+                </a:fillRef>
+                <a:effectRef idx="0">
+                  <a:schemeClr val="accent1"/>
+                </a:effectRef>
+                <a:fontRef idx="minor">
+                  <a:schemeClr val="lt1"/>
+                </a:fontRef>
+              </p:style>
+              <p:txBody>
+                <a:bodyPr rtlCol="0" anchor="ctr"/>
+                <a:lstStyle/>
+                <a:p>
+                  <a:pPr algn="ctr"/>
+                  <a:endParaRPr lang="en-US"/>
+                </a:p>
+              </p:txBody>
+            </p:sp>
+          </p:grpSp>
+          <p:grpSp>
+            <p:nvGrpSpPr>
+              <p:cNvPr id="30" name="Group 29"/>
+              <p:cNvGrpSpPr/>
+              <p:nvPr/>
+            </p:nvGrpSpPr>
+            <p:grpSpPr>
+              <a:xfrm>
+                <a:off x="4880750" y="3964026"/>
+                <a:ext cx="2247900" cy="276999"/>
+                <a:chOff x="4857750" y="3839141"/>
+                <a:chExt cx="2247900" cy="276999"/>
+              </a:xfrm>
+            </p:grpSpPr>
+            <p:cxnSp>
+              <p:nvCxnSpPr>
+                <p:cNvPr id="27" name="Straight Connector 26"/>
+                <p:cNvCxnSpPr/>
+                <p:nvPr/>
+              </p:nvCxnSpPr>
+              <p:spPr>
+                <a:xfrm>
+                  <a:off x="4857750" y="3977640"/>
+                  <a:ext cx="404656" cy="0"/>
+                </a:xfrm>
+                <a:prstGeom prst="line">
+                  <a:avLst/>
+                </a:prstGeom>
+                <a:ln>
+                  <a:solidFill>
+                    <a:srgbClr val="00B050"/>
+                  </a:solidFill>
+                </a:ln>
+              </p:spPr>
+              <p:style>
+                <a:lnRef idx="1">
+                  <a:schemeClr val="accent1"/>
+                </a:lnRef>
+                <a:fillRef idx="0">
+                  <a:schemeClr val="accent1"/>
+                </a:fillRef>
+                <a:effectRef idx="0">
+                  <a:schemeClr val="accent1"/>
+                </a:effectRef>
+                <a:fontRef idx="minor">
+                  <a:schemeClr val="tx1"/>
+                </a:fontRef>
+              </p:style>
+            </p:cxnSp>
+            <p:sp>
+              <p:nvSpPr>
+                <p:cNvPr id="28" name="TextBox 27"/>
+                <p:cNvSpPr txBox="1"/>
+                <p:nvPr/>
+              </p:nvSpPr>
+              <p:spPr>
+                <a:xfrm>
+                  <a:off x="5262405" y="3839141"/>
+                  <a:ext cx="1843245" cy="276999"/>
+                </a:xfrm>
+                <a:prstGeom prst="rect">
+                  <a:avLst/>
+                </a:prstGeom>
+                <a:noFill/>
+              </p:spPr>
+              <p:txBody>
+                <a:bodyPr wrap="square" rtlCol="0">
+                  <a:spAutoFit/>
+                </a:bodyPr>
+                <a:lstStyle/>
+                <a:p>
+                  <a:r>
+                    <a:rPr lang="en-US" altLang="zh-CN" sz="1200" dirty="0" smtClean="0"/>
+                    <a:t>Valence Band Energy (eV)</a:t>
+                  </a:r>
+                  <a:endParaRPr lang="en-US" sz="1200" dirty="0"/>
+                </a:p>
+              </p:txBody>
+            </p:sp>
+          </p:grpSp>
+          <p:grpSp>
+            <p:nvGrpSpPr>
+              <p:cNvPr id="31" name="Group 30"/>
+              <p:cNvGrpSpPr/>
+              <p:nvPr/>
+            </p:nvGrpSpPr>
+            <p:grpSpPr>
+              <a:xfrm>
+                <a:off x="4880750" y="3740527"/>
+                <a:ext cx="2562225" cy="276999"/>
+                <a:chOff x="4857750" y="3689718"/>
+                <a:chExt cx="2562225" cy="276999"/>
+              </a:xfrm>
+            </p:grpSpPr>
+            <p:cxnSp>
+              <p:nvCxnSpPr>
+                <p:cNvPr id="26" name="Straight Connector 25"/>
+                <p:cNvCxnSpPr/>
+                <p:nvPr/>
+              </p:nvCxnSpPr>
+              <p:spPr>
+                <a:xfrm>
+                  <a:off x="4857750" y="3817295"/>
+                  <a:ext cx="404656" cy="0"/>
+                </a:xfrm>
+                <a:prstGeom prst="line">
+                  <a:avLst/>
+                </a:prstGeom>
+                <a:ln>
+                  <a:solidFill>
+                    <a:srgbClr val="FF0000"/>
+                  </a:solidFill>
+                </a:ln>
+              </p:spPr>
+              <p:style>
+                <a:lnRef idx="1">
+                  <a:schemeClr val="accent1"/>
+                </a:lnRef>
+                <a:fillRef idx="0">
+                  <a:schemeClr val="accent1"/>
+                </a:fillRef>
+                <a:effectRef idx="0">
+                  <a:schemeClr val="accent1"/>
+                </a:effectRef>
+                <a:fontRef idx="minor">
+                  <a:schemeClr val="tx1"/>
+                </a:fontRef>
+              </p:style>
+            </p:cxnSp>
+            <p:sp>
+              <p:nvSpPr>
+                <p:cNvPr id="29" name="TextBox 28"/>
+                <p:cNvSpPr txBox="1"/>
+                <p:nvPr/>
+              </p:nvSpPr>
+              <p:spPr>
+                <a:xfrm>
+                  <a:off x="5253535" y="3689718"/>
+                  <a:ext cx="2166440" cy="276999"/>
+                </a:xfrm>
+                <a:prstGeom prst="rect">
+                  <a:avLst/>
+                </a:prstGeom>
+                <a:noFill/>
+              </p:spPr>
+              <p:txBody>
+                <a:bodyPr wrap="square" rtlCol="0">
+                  <a:spAutoFit/>
+                </a:bodyPr>
+                <a:lstStyle/>
+                <a:p>
+                  <a:r>
+                    <a:rPr lang="en-US" altLang="zh-CN" sz="1200" dirty="0" smtClean="0"/>
+                    <a:t>Conduction Band Energy (eV)</a:t>
+                  </a:r>
+                  <a:endParaRPr lang="en-US" sz="1200" dirty="0"/>
+                </a:p>
+              </p:txBody>
+            </p:sp>
+          </p:grpSp>
+          <p:sp>
+            <p:nvSpPr>
+              <p:cNvPr id="34" name="Left Brace 33"/>
+              <p:cNvSpPr/>
+              <p:nvPr/>
+            </p:nvSpPr>
+            <p:spPr>
+              <a:xfrm rot="5400000">
+                <a:off x="5610373" y="1631013"/>
+                <a:ext cx="182922" cy="1132980"/>
+              </a:xfrm>
+              <a:prstGeom prst="leftBrace">
+                <a:avLst/>
+              </a:prstGeom>
+              <a:ln>
+                <a:solidFill>
+                  <a:schemeClr val="tx1"/>
+                </a:solidFill>
+              </a:ln>
+            </p:spPr>
+            <p:style>
+              <a:lnRef idx="1">
+                <a:schemeClr val="accent1"/>
+              </a:lnRef>
+              <a:fillRef idx="0">
+                <a:schemeClr val="accent1"/>
+              </a:fillRef>
+              <a:effectRef idx="0">
+                <a:schemeClr val="accent1"/>
+              </a:effectRef>
+              <a:fontRef idx="minor">
+                <a:schemeClr val="tx1"/>
+              </a:fontRef>
+            </p:style>
+            <p:txBody>
+              <a:bodyPr rtlCol="0" anchor="ctr"/>
+              <a:lstStyle/>
+              <a:p>
+                <a:pPr algn="ctr"/>
+                <a:endParaRPr lang="en-US"/>
+              </a:p>
+            </p:txBody>
+          </p:sp>
+          <p:sp>
+            <p:nvSpPr>
+              <p:cNvPr id="35" name="TextBox 34"/>
+              <p:cNvSpPr txBox="1"/>
+              <p:nvPr/>
+            </p:nvSpPr>
+            <p:spPr>
+              <a:xfrm>
+                <a:off x="5307549" y="1775284"/>
+                <a:ext cx="716936" cy="276999"/>
+              </a:xfrm>
+              <a:prstGeom prst="rect">
+                <a:avLst/>
+              </a:prstGeom>
+              <a:noFill/>
+            </p:spPr>
+            <p:txBody>
+              <a:bodyPr wrap="square" rtlCol="0">
+                <a:spAutoFit/>
+              </a:bodyPr>
+              <a:lstStyle/>
+              <a:p>
+                <a:pPr algn="ctr"/>
+                <a:r>
+                  <a:rPr lang="en-US" altLang="zh-CN" sz="1200" dirty="0" smtClean="0"/>
+                  <a:t>p-</a:t>
+                </a:r>
+                <a:r>
+                  <a:rPr lang="en-US" altLang="zh-CN" sz="1200" dirty="0" err="1" smtClean="0"/>
+                  <a:t>InP</a:t>
+                </a:r>
+                <a:endParaRPr lang="en-US" sz="1200" dirty="0"/>
+              </a:p>
+            </p:txBody>
+          </p:sp>
+          <p:sp>
+            <p:nvSpPr>
+              <p:cNvPr id="36" name="Left Brace 35"/>
+              <p:cNvSpPr/>
+              <p:nvPr/>
+            </p:nvSpPr>
+            <p:spPr>
+              <a:xfrm rot="5400000">
+                <a:off x="6565136" y="1817881"/>
+                <a:ext cx="160883" cy="737205"/>
+              </a:xfrm>
+              <a:prstGeom prst="leftBrace">
+                <a:avLst/>
+              </a:prstGeom>
+              <a:ln>
+                <a:solidFill>
+                  <a:schemeClr val="tx1"/>
+                </a:solidFill>
+              </a:ln>
+            </p:spPr>
+            <p:style>
+              <a:lnRef idx="1">
+                <a:schemeClr val="accent1"/>
+              </a:lnRef>
+              <a:fillRef idx="0">
+                <a:schemeClr val="accent1"/>
+              </a:fillRef>
+              <a:effectRef idx="0">
+                <a:schemeClr val="accent1"/>
+              </a:effectRef>
+              <a:fontRef idx="minor">
+                <a:schemeClr val="tx1"/>
+              </a:fontRef>
+            </p:style>
+            <p:txBody>
+              <a:bodyPr rtlCol="0" anchor="ctr"/>
+              <a:lstStyle/>
+              <a:p>
+                <a:pPr algn="ctr"/>
+                <a:endParaRPr lang="en-US"/>
+              </a:p>
+            </p:txBody>
+          </p:sp>
+          <p:sp>
+            <p:nvSpPr>
+              <p:cNvPr id="37" name="TextBox 36"/>
+              <p:cNvSpPr txBox="1"/>
+              <p:nvPr/>
+            </p:nvSpPr>
+            <p:spPr>
+              <a:xfrm>
+                <a:off x="6241613" y="1775284"/>
+                <a:ext cx="716936" cy="276999"/>
+              </a:xfrm>
+              <a:prstGeom prst="rect">
+                <a:avLst/>
+              </a:prstGeom>
+              <a:noFill/>
+            </p:spPr>
+            <p:txBody>
+              <a:bodyPr wrap="square" rtlCol="0">
+                <a:spAutoFit/>
+              </a:bodyPr>
+              <a:lstStyle/>
+              <a:p>
+                <a:pPr algn="ctr"/>
+                <a:r>
+                  <a:rPr lang="en-US" altLang="zh-CN" sz="1200" dirty="0" smtClean="0"/>
+                  <a:t>SCH</a:t>
+                </a:r>
+                <a:endParaRPr lang="en-US" sz="1200" dirty="0"/>
+              </a:p>
+            </p:txBody>
+          </p:sp>
+          <p:sp>
+            <p:nvSpPr>
+              <p:cNvPr id="38" name="Left Brace 37"/>
+              <p:cNvSpPr/>
+              <p:nvPr/>
+            </p:nvSpPr>
+            <p:spPr>
+              <a:xfrm rot="5400000">
+                <a:off x="7349839" y="1766603"/>
+                <a:ext cx="169740" cy="848619"/>
+              </a:xfrm>
+              <a:prstGeom prst="leftBrace">
+                <a:avLst/>
+              </a:prstGeom>
+              <a:ln>
+                <a:solidFill>
+                  <a:schemeClr val="tx1"/>
+                </a:solidFill>
+              </a:ln>
+            </p:spPr>
+            <p:style>
+              <a:lnRef idx="1">
+                <a:schemeClr val="accent1"/>
+              </a:lnRef>
+              <a:fillRef idx="0">
+                <a:schemeClr val="accent1"/>
+              </a:fillRef>
+              <a:effectRef idx="0">
+                <a:schemeClr val="accent1"/>
+              </a:effectRef>
+              <a:fontRef idx="minor">
+                <a:schemeClr val="tx1"/>
+              </a:fontRef>
+            </p:style>
+            <p:txBody>
+              <a:bodyPr rtlCol="0" anchor="ctr"/>
+              <a:lstStyle/>
+              <a:p>
+                <a:pPr algn="ctr"/>
+                <a:endParaRPr lang="en-US"/>
+              </a:p>
+            </p:txBody>
+          </p:sp>
+          <p:sp>
+            <p:nvSpPr>
+              <p:cNvPr id="39" name="TextBox 38"/>
+              <p:cNvSpPr txBox="1"/>
+              <p:nvPr/>
+            </p:nvSpPr>
+            <p:spPr>
+              <a:xfrm>
+                <a:off x="7095280" y="1775284"/>
+                <a:ext cx="716936" cy="276999"/>
+              </a:xfrm>
+              <a:prstGeom prst="rect">
+                <a:avLst/>
+              </a:prstGeom>
+              <a:noFill/>
+            </p:spPr>
+            <p:txBody>
+              <a:bodyPr wrap="square" rtlCol="0">
+                <a:spAutoFit/>
+              </a:bodyPr>
+              <a:lstStyle/>
+              <a:p>
+                <a:pPr algn="ctr"/>
+                <a:r>
+                  <a:rPr lang="en-US" altLang="zh-CN" sz="1200" dirty="0" smtClean="0"/>
+                  <a:t>MQW</a:t>
+                </a:r>
+                <a:endParaRPr lang="en-US" sz="1200" dirty="0"/>
+              </a:p>
+            </p:txBody>
+          </p:sp>
+          <p:sp>
+            <p:nvSpPr>
+              <p:cNvPr id="40" name="Left Brace 39"/>
+              <p:cNvSpPr/>
+              <p:nvPr/>
+            </p:nvSpPr>
+            <p:spPr>
+              <a:xfrm rot="5400000">
+                <a:off x="8055473" y="1926891"/>
+                <a:ext cx="180655" cy="538958"/>
+              </a:xfrm>
+              <a:prstGeom prst="leftBrace">
+                <a:avLst/>
+              </a:prstGeom>
+              <a:ln>
+                <a:solidFill>
+                  <a:schemeClr val="tx1"/>
+                </a:solidFill>
+              </a:ln>
+            </p:spPr>
+            <p:style>
+              <a:lnRef idx="1">
+                <a:schemeClr val="accent1"/>
+              </a:lnRef>
+              <a:fillRef idx="0">
+                <a:schemeClr val="accent1"/>
+              </a:fillRef>
+              <a:effectRef idx="0">
+                <a:schemeClr val="accent1"/>
+              </a:effectRef>
+              <a:fontRef idx="minor">
+                <a:schemeClr val="tx1"/>
+              </a:fontRef>
+            </p:style>
+            <p:txBody>
+              <a:bodyPr rtlCol="0" anchor="ctr"/>
+              <a:lstStyle/>
+              <a:p>
+                <a:pPr algn="ctr"/>
+                <a:endParaRPr lang="en-US"/>
+              </a:p>
+            </p:txBody>
+          </p:sp>
+          <p:sp>
+            <p:nvSpPr>
+              <p:cNvPr id="41" name="TextBox 40"/>
+              <p:cNvSpPr txBox="1"/>
+              <p:nvPr/>
+            </p:nvSpPr>
+            <p:spPr>
+              <a:xfrm>
+                <a:off x="7787332" y="1775284"/>
+                <a:ext cx="716936" cy="276999"/>
+              </a:xfrm>
+              <a:prstGeom prst="rect">
+                <a:avLst/>
+              </a:prstGeom>
+              <a:noFill/>
+            </p:spPr>
+            <p:txBody>
+              <a:bodyPr wrap="square" rtlCol="0">
+                <a:spAutoFit/>
+              </a:bodyPr>
+              <a:lstStyle/>
+              <a:p>
+                <a:pPr algn="ctr"/>
+                <a:r>
+                  <a:rPr lang="en-US" altLang="zh-CN" sz="1200" dirty="0" smtClean="0"/>
+                  <a:t>SCH</a:t>
+                </a:r>
+                <a:endParaRPr lang="en-US" sz="1200" dirty="0"/>
+              </a:p>
+            </p:txBody>
+          </p:sp>
+          <p:sp>
+            <p:nvSpPr>
+              <p:cNvPr id="42" name="Left Brace 41"/>
+              <p:cNvSpPr/>
+              <p:nvPr/>
+            </p:nvSpPr>
+            <p:spPr>
+              <a:xfrm rot="5400000">
+                <a:off x="8606149" y="1932475"/>
+                <a:ext cx="180653" cy="527787"/>
+              </a:xfrm>
+              <a:prstGeom prst="leftBrace">
+                <a:avLst/>
+              </a:prstGeom>
+              <a:ln>
+                <a:solidFill>
+                  <a:schemeClr val="tx1"/>
+                </a:solidFill>
+              </a:ln>
+            </p:spPr>
+            <p:style>
+              <a:lnRef idx="1">
+                <a:schemeClr val="accent1"/>
+              </a:lnRef>
+              <a:fillRef idx="0">
+                <a:schemeClr val="accent1"/>
+              </a:fillRef>
+              <a:effectRef idx="0">
+                <a:schemeClr val="accent1"/>
+              </a:effectRef>
+              <a:fontRef idx="minor">
+                <a:schemeClr val="tx1"/>
+              </a:fontRef>
+            </p:style>
+            <p:txBody>
+              <a:bodyPr rtlCol="0" anchor="ctr"/>
+              <a:lstStyle/>
+              <a:p>
+                <a:pPr algn="ctr"/>
+                <a:endParaRPr lang="en-US"/>
+              </a:p>
+            </p:txBody>
+          </p:sp>
+          <p:sp>
+            <p:nvSpPr>
+              <p:cNvPr id="43" name="TextBox 42"/>
+              <p:cNvSpPr txBox="1"/>
+              <p:nvPr/>
+            </p:nvSpPr>
+            <p:spPr>
+              <a:xfrm>
+                <a:off x="8338007" y="1775284"/>
+                <a:ext cx="716936" cy="276999"/>
+              </a:xfrm>
+              <a:prstGeom prst="rect">
+                <a:avLst/>
+              </a:prstGeom>
+              <a:noFill/>
+            </p:spPr>
+            <p:txBody>
+              <a:bodyPr wrap="square" rtlCol="0">
+                <a:spAutoFit/>
+              </a:bodyPr>
+              <a:lstStyle/>
+              <a:p>
+                <a:pPr algn="ctr"/>
+                <a:r>
+                  <a:rPr lang="en-US" altLang="zh-CN" sz="1200" dirty="0" smtClean="0"/>
+                  <a:t>n-</a:t>
+                </a:r>
+                <a:r>
+                  <a:rPr lang="en-US" altLang="zh-CN" sz="1200" dirty="0" err="1" smtClean="0"/>
+                  <a:t>InP</a:t>
+                </a:r>
+                <a:endParaRPr lang="en-US" sz="1200" dirty="0"/>
+              </a:p>
+            </p:txBody>
+          </p:sp>
+          <p:sp>
+            <p:nvSpPr>
+              <p:cNvPr id="47" name="Left Brace 46"/>
+              <p:cNvSpPr/>
+              <p:nvPr/>
+            </p:nvSpPr>
+            <p:spPr>
+              <a:xfrm rot="5400000">
+                <a:off x="4824678" y="1978904"/>
+                <a:ext cx="182922" cy="437199"/>
+              </a:xfrm>
+              <a:prstGeom prst="leftBrace">
+                <a:avLst/>
+              </a:prstGeom>
+              <a:ln>
+                <a:solidFill>
+                  <a:schemeClr val="tx1"/>
+                </a:solidFill>
+              </a:ln>
+            </p:spPr>
+            <p:style>
+              <a:lnRef idx="1">
+                <a:schemeClr val="accent1"/>
+              </a:lnRef>
+              <a:fillRef idx="0">
+                <a:schemeClr val="accent1"/>
+              </a:fillRef>
+              <a:effectRef idx="0">
+                <a:schemeClr val="accent1"/>
+              </a:effectRef>
+              <a:fontRef idx="minor">
+                <a:schemeClr val="tx1"/>
+              </a:fontRef>
+            </p:style>
+            <p:txBody>
+              <a:bodyPr rtlCol="0" anchor="ctr"/>
+              <a:lstStyle/>
+              <a:p>
+                <a:pPr algn="ctr"/>
+                <a:endParaRPr lang="en-US"/>
+              </a:p>
+            </p:txBody>
+          </p:sp>
+          <p:sp>
+            <p:nvSpPr>
+              <p:cNvPr id="48" name="TextBox 47"/>
+              <p:cNvSpPr txBox="1"/>
+              <p:nvPr/>
+            </p:nvSpPr>
+            <p:spPr>
+              <a:xfrm>
+                <a:off x="4555454" y="1775284"/>
+                <a:ext cx="716936" cy="276999"/>
+              </a:xfrm>
+              <a:prstGeom prst="rect">
+                <a:avLst/>
+              </a:prstGeom>
+              <a:noFill/>
+            </p:spPr>
+            <p:txBody>
+              <a:bodyPr wrap="square" rtlCol="0">
+                <a:spAutoFit/>
+              </a:bodyPr>
+              <a:lstStyle/>
+              <a:p>
+                <a:pPr algn="ctr"/>
+                <a:r>
+                  <a:rPr lang="en-US" altLang="zh-CN" sz="1200" dirty="0" err="1" smtClean="0"/>
+                  <a:t>InGaAs</a:t>
+                </a:r>
+                <a:endParaRPr lang="en-US" sz="1200" dirty="0"/>
+              </a:p>
+            </p:txBody>
+          </p:sp>
+        </p:grpSp>
+        <p:sp>
+          <p:nvSpPr>
+            <p:cNvPr id="50" name="TextBox 49"/>
+            <p:cNvSpPr txBox="1"/>
+            <p:nvPr/>
+          </p:nvSpPr>
+          <p:spPr>
+            <a:xfrm>
+              <a:off x="3439012" y="888653"/>
+              <a:ext cx="456225" cy="276999"/>
+            </a:xfrm>
+            <a:prstGeom prst="rect">
+              <a:avLst/>
+            </a:prstGeom>
+            <a:noFill/>
+          </p:spPr>
+          <p:txBody>
+            <a:bodyPr wrap="square" rtlCol="0">
+              <a:spAutoFit/>
+            </a:bodyPr>
+            <a:lstStyle/>
+            <a:p>
+              <a:r>
+                <a:rPr lang="en-US" sz="1200" dirty="0" smtClean="0"/>
+                <a:t>(a)</a:t>
+              </a:r>
+              <a:endParaRPr lang="en-US" sz="1200" dirty="0"/>
+            </a:p>
+          </p:txBody>
+        </p:sp>
+        <p:sp>
+          <p:nvSpPr>
+            <p:cNvPr id="51" name="TextBox 50"/>
+            <p:cNvSpPr txBox="1"/>
+            <p:nvPr/>
+          </p:nvSpPr>
+          <p:spPr>
+            <a:xfrm>
+              <a:off x="3439012" y="3335169"/>
+              <a:ext cx="456225" cy="276999"/>
+            </a:xfrm>
+            <a:prstGeom prst="rect">
+              <a:avLst/>
+            </a:prstGeom>
+            <a:noFill/>
+          </p:spPr>
+          <p:txBody>
+            <a:bodyPr wrap="square" rtlCol="0">
+              <a:spAutoFit/>
+            </a:bodyPr>
+            <a:lstStyle/>
+            <a:p>
+              <a:r>
+                <a:rPr lang="en-US" sz="1200" dirty="0" smtClean="0"/>
+                <a:t>(b)</a:t>
+              </a:r>
+              <a:endParaRPr lang="en-US" sz="1200" dirty="0"/>
+            </a:p>
+          </p:txBody>
+        </p:sp>
+      </p:grpSp>
+    </p:spTree>
+    <p:extLst>
+      <p:ext uri="{BB962C8B-B14F-4D97-AF65-F5344CB8AC3E}">
+        <p14:creationId xmlns:p14="http://schemas.microsoft.com/office/powerpoint/2010/main" val="3182379709"/>
+      </p:ext>
+    </p:extLst>
+  </p:cSld>
+  <p:clrMapOvr>
+    <a:masterClrMapping/>
+  </p:clrMapOvr>
+</p:sld>
+</file>
+
+<file path=ppt/slides/slide11.xml><?xml version="1.0" encoding="utf-8"?>
+<p:sld xmlns:a="http://schemas.openxmlformats.org/drawingml/2006/main" xmlns:r="http://schemas.openxmlformats.org/officeDocument/2006/relationships" xmlns:p="http://schemas.openxmlformats.org/presentationml/2006/main">
+  <p:cSld>
+    <p:spTree>
+      <p:nvGrpSpPr>
+        <p:cNvPr id="1" name=""/>
+        <p:cNvGrpSpPr/>
+        <p:nvPr/>
+      </p:nvGrpSpPr>
+      <p:grpSpPr>
+        <a:xfrm>
+          <a:off x="0" y="0"/>
+          <a:ext cx="0" cy="0"/>
+          <a:chOff x="0" y="0"/>
+          <a:chExt cx="0" cy="0"/>
+        </a:xfrm>
+      </p:grpSpPr>
+      <p:grpSp>
+        <p:nvGrpSpPr>
+          <p:cNvPr id="77" name="Group 76"/>
+          <p:cNvGrpSpPr/>
+          <p:nvPr/>
+        </p:nvGrpSpPr>
+        <p:grpSpPr>
+          <a:xfrm>
+            <a:off x="1983014" y="671660"/>
+            <a:ext cx="7639876" cy="4709010"/>
+            <a:chOff x="1983014" y="671660"/>
+            <a:chExt cx="7639876" cy="4709010"/>
+          </a:xfrm>
+        </p:grpSpPr>
+        <p:grpSp>
+          <p:nvGrpSpPr>
+            <p:cNvPr id="73" name="Group 72"/>
+            <p:cNvGrpSpPr/>
+            <p:nvPr/>
+          </p:nvGrpSpPr>
+          <p:grpSpPr>
+            <a:xfrm>
+              <a:off x="1983014" y="751114"/>
+              <a:ext cx="3856355" cy="4629556"/>
+              <a:chOff x="2853872" y="963068"/>
+              <a:chExt cx="3856355" cy="4629556"/>
+            </a:xfrm>
+          </p:grpSpPr>
+          <p:grpSp>
+            <p:nvGrpSpPr>
+              <p:cNvPr id="69" name="Group 68"/>
+              <p:cNvGrpSpPr/>
+              <p:nvPr/>
+            </p:nvGrpSpPr>
+            <p:grpSpPr>
+              <a:xfrm>
+                <a:off x="2853872" y="963068"/>
+                <a:ext cx="3856355" cy="4629556"/>
+                <a:chOff x="2755900" y="647382"/>
+                <a:chExt cx="3856355" cy="4629556"/>
+              </a:xfrm>
+            </p:grpSpPr>
+            <p:grpSp>
+              <p:nvGrpSpPr>
+                <p:cNvPr id="65" name="Group 64"/>
+                <p:cNvGrpSpPr/>
+                <p:nvPr/>
+              </p:nvGrpSpPr>
+              <p:grpSpPr>
+                <a:xfrm>
+                  <a:off x="2755900" y="647382"/>
+                  <a:ext cx="3856355" cy="4629556"/>
+                  <a:chOff x="3146425" y="933132"/>
+                  <a:chExt cx="3856355" cy="4629556"/>
+                </a:xfrm>
+              </p:grpSpPr>
+              <p:sp>
+                <p:nvSpPr>
+                  <p:cNvPr id="22" name="Rectangle 21"/>
+                  <p:cNvSpPr/>
+                  <p:nvPr/>
+                </p:nvSpPr>
+                <p:spPr>
+                  <a:xfrm>
+                    <a:off x="3146425" y="3009901"/>
+                    <a:ext cx="3856355" cy="156211"/>
+                  </a:xfrm>
+                  <a:prstGeom prst="rect">
+                    <a:avLst/>
+                  </a:prstGeom>
+                  <a:solidFill>
+                    <a:schemeClr val="accent4">
+                      <a:lumMod val="50000"/>
+                    </a:schemeClr>
+                  </a:solidFill>
+                  <a:ln>
+                    <a:noFill/>
+                  </a:ln>
+                </p:spPr>
+                <p:style>
+                  <a:lnRef idx="2">
+                    <a:schemeClr val="accent1">
+                      <a:shade val="50000"/>
+                    </a:schemeClr>
+                  </a:lnRef>
+                  <a:fillRef idx="1">
+                    <a:schemeClr val="accent1"/>
+                  </a:fillRef>
+                  <a:effectRef idx="0">
+                    <a:schemeClr val="accent1"/>
+                  </a:effectRef>
+                  <a:fontRef idx="minor">
+                    <a:schemeClr val="lt1"/>
+                  </a:fontRef>
+                </p:style>
+                <p:txBody>
+                  <a:bodyPr rtlCol="0" anchor="ctr"/>
+                  <a:lstStyle/>
+                  <a:p>
+                    <a:pPr algn="ctr"/>
+                    <a:r>
+                      <a:rPr lang="en-US" sz="1100" dirty="0"/>
+                      <a:t>n</a:t>
+                    </a:r>
+                    <a:r>
+                      <a:rPr lang="en-US" sz="1100" dirty="0" smtClean="0"/>
+                      <a:t>-</a:t>
+                    </a:r>
+                    <a:r>
+                      <a:rPr lang="en-US" sz="1100" dirty="0" err="1" smtClean="0"/>
+                      <a:t>InP</a:t>
+                    </a:r>
+                    <a:endParaRPr lang="en-US" sz="1100" dirty="0"/>
+                  </a:p>
+                </p:txBody>
+              </p:sp>
+              <p:cxnSp>
+                <p:nvCxnSpPr>
+                  <p:cNvPr id="6" name="Straight Arrow Connector 5"/>
+                  <p:cNvCxnSpPr/>
+                  <p:nvPr/>
+                </p:nvCxnSpPr>
+                <p:spPr>
+                  <a:xfrm>
+                    <a:off x="5425896" y="1263308"/>
+                    <a:ext cx="366890" cy="0"/>
+                  </a:xfrm>
+                  <a:prstGeom prst="straightConnector1">
+                    <a:avLst/>
+                  </a:prstGeom>
+                  <a:ln>
+                    <a:solidFill>
+                      <a:schemeClr val="tx1"/>
+                    </a:solidFill>
+                    <a:tailEnd type="triangle"/>
+                  </a:ln>
+                </p:spPr>
+                <p:style>
+                  <a:lnRef idx="1">
+                    <a:schemeClr val="accent1"/>
+                  </a:lnRef>
+                  <a:fillRef idx="0">
+                    <a:schemeClr val="accent1"/>
+                  </a:fillRef>
+                  <a:effectRef idx="0">
+                    <a:schemeClr val="accent1"/>
+                  </a:effectRef>
+                  <a:fontRef idx="minor">
+                    <a:schemeClr val="tx1"/>
+                  </a:fontRef>
+                </p:style>
+              </p:cxnSp>
+              <p:sp>
+                <p:nvSpPr>
+                  <p:cNvPr id="7" name="TextBox 6"/>
+                  <p:cNvSpPr txBox="1"/>
+                  <p:nvPr/>
+                </p:nvSpPr>
+                <p:spPr>
+                  <a:xfrm>
+                    <a:off x="5792786" y="1132503"/>
+                    <a:ext cx="673100" cy="276999"/>
+                  </a:xfrm>
+                  <a:prstGeom prst="rect">
+                    <a:avLst/>
+                  </a:prstGeom>
+                  <a:noFill/>
+                </p:spPr>
+                <p:txBody>
+                  <a:bodyPr wrap="square" rtlCol="0">
+                    <a:spAutoFit/>
+                  </a:bodyPr>
+                  <a:lstStyle/>
+                  <a:p>
+                    <a:r>
+                      <a:rPr lang="en-US" altLang="zh-CN" sz="1200" dirty="0" err="1" smtClean="0"/>
+                      <a:t>InGaAs</a:t>
+                    </a:r>
+                    <a:endParaRPr lang="en-US" sz="1200" dirty="0"/>
+                  </a:p>
+                </p:txBody>
+              </p:sp>
+              <p:sp>
+                <p:nvSpPr>
+                  <p:cNvPr id="8" name="TextBox 7"/>
+                  <p:cNvSpPr txBox="1"/>
+                  <p:nvPr/>
+                </p:nvSpPr>
+                <p:spPr>
+                  <a:xfrm>
+                    <a:off x="5792786" y="1589703"/>
+                    <a:ext cx="673100" cy="276999"/>
+                  </a:xfrm>
+                  <a:prstGeom prst="rect">
+                    <a:avLst/>
+                  </a:prstGeom>
+                  <a:noFill/>
+                </p:spPr>
+                <p:txBody>
+                  <a:bodyPr wrap="square" rtlCol="0">
+                    <a:spAutoFit/>
+                  </a:bodyPr>
+                  <a:lstStyle/>
+                  <a:p>
+                    <a:r>
+                      <a:rPr lang="en-US" altLang="zh-CN" sz="1200" dirty="0" smtClean="0"/>
+                      <a:t>p-</a:t>
+                    </a:r>
+                    <a:r>
+                      <a:rPr lang="en-US" altLang="zh-CN" sz="1200" dirty="0" err="1" smtClean="0"/>
+                      <a:t>InP</a:t>
+                    </a:r>
+                    <a:endParaRPr lang="en-US" sz="1200" dirty="0"/>
+                  </a:p>
+                </p:txBody>
+              </p:sp>
+              <p:cxnSp>
+                <p:nvCxnSpPr>
+                  <p:cNvPr id="9" name="Straight Arrow Connector 8"/>
+                  <p:cNvCxnSpPr/>
+                  <p:nvPr/>
+                </p:nvCxnSpPr>
+                <p:spPr>
+                  <a:xfrm>
+                    <a:off x="5425896" y="1720508"/>
+                    <a:ext cx="366890" cy="0"/>
+                  </a:xfrm>
+                  <a:prstGeom prst="straightConnector1">
+                    <a:avLst/>
+                  </a:prstGeom>
+                  <a:ln>
+                    <a:solidFill>
+                      <a:schemeClr val="tx1"/>
+                    </a:solidFill>
+                    <a:tailEnd type="triangle"/>
+                  </a:ln>
+                </p:spPr>
+                <p:style>
+                  <a:lnRef idx="1">
+                    <a:schemeClr val="accent1"/>
+                  </a:lnRef>
+                  <a:fillRef idx="0">
+                    <a:schemeClr val="accent1"/>
+                  </a:fillRef>
+                  <a:effectRef idx="0">
+                    <a:schemeClr val="accent1"/>
+                  </a:effectRef>
+                  <a:fontRef idx="minor">
+                    <a:schemeClr val="tx1"/>
+                  </a:fontRef>
+                </p:style>
+              </p:cxnSp>
+              <p:cxnSp>
+                <p:nvCxnSpPr>
+                  <p:cNvPr id="10" name="Straight Arrow Connector 9"/>
+                  <p:cNvCxnSpPr/>
+                  <p:nvPr/>
+                </p:nvCxnSpPr>
+                <p:spPr>
+                  <a:xfrm>
+                    <a:off x="5425896" y="2634908"/>
+                    <a:ext cx="366890" cy="0"/>
+                  </a:xfrm>
+                  <a:prstGeom prst="straightConnector1">
+                    <a:avLst/>
+                  </a:prstGeom>
+                  <a:ln>
+                    <a:solidFill>
+                      <a:schemeClr val="tx1"/>
+                    </a:solidFill>
+                    <a:tailEnd type="triangle"/>
+                  </a:ln>
+                </p:spPr>
+                <p:style>
+                  <a:lnRef idx="1">
+                    <a:schemeClr val="accent1"/>
+                  </a:lnRef>
+                  <a:fillRef idx="0">
+                    <a:schemeClr val="accent1"/>
+                  </a:fillRef>
+                  <a:effectRef idx="0">
+                    <a:schemeClr val="accent1"/>
+                  </a:effectRef>
+                  <a:fontRef idx="minor">
+                    <a:schemeClr val="tx1"/>
+                  </a:fontRef>
+                </p:style>
+              </p:cxnSp>
+              <p:cxnSp>
+                <p:nvCxnSpPr>
+                  <p:cNvPr id="11" name="Straight Arrow Connector 10"/>
+                  <p:cNvCxnSpPr/>
+                  <p:nvPr/>
+                </p:nvCxnSpPr>
+                <p:spPr>
+                  <a:xfrm>
+                    <a:off x="5425896" y="2961842"/>
+                    <a:ext cx="366890" cy="0"/>
+                  </a:xfrm>
+                  <a:prstGeom prst="straightConnector1">
+                    <a:avLst/>
+                  </a:prstGeom>
+                  <a:ln>
+                    <a:solidFill>
+                      <a:schemeClr val="tx1"/>
+                    </a:solidFill>
+                    <a:tailEnd type="triangle"/>
+                  </a:ln>
+                </p:spPr>
+                <p:style>
+                  <a:lnRef idx="1">
+                    <a:schemeClr val="accent1"/>
+                  </a:lnRef>
+                  <a:fillRef idx="0">
+                    <a:schemeClr val="accent1"/>
+                  </a:fillRef>
+                  <a:effectRef idx="0">
+                    <a:schemeClr val="accent1"/>
+                  </a:effectRef>
+                  <a:fontRef idx="minor">
+                    <a:schemeClr val="tx1"/>
+                  </a:fontRef>
+                </p:style>
+              </p:cxnSp>
+              <p:sp>
+                <p:nvSpPr>
+                  <p:cNvPr id="12" name="TextBox 11"/>
+                  <p:cNvSpPr txBox="1"/>
+                  <p:nvPr/>
+                </p:nvSpPr>
+                <p:spPr>
+                  <a:xfrm>
+                    <a:off x="5792786" y="2468319"/>
+                    <a:ext cx="673100" cy="276999"/>
+                  </a:xfrm>
+                  <a:prstGeom prst="rect">
+                    <a:avLst/>
+                  </a:prstGeom>
+                  <a:noFill/>
+                </p:spPr>
+                <p:txBody>
+                  <a:bodyPr wrap="square" rtlCol="0">
+                    <a:spAutoFit/>
+                  </a:bodyPr>
+                  <a:lstStyle/>
+                  <a:p>
+                    <a:r>
+                      <a:rPr lang="en-US" altLang="zh-CN" sz="1200" dirty="0" smtClean="0"/>
+                      <a:t>SCH</a:t>
+                    </a:r>
+                    <a:endParaRPr lang="en-US" sz="1200" dirty="0"/>
+                  </a:p>
+                </p:txBody>
+              </p:sp>
+              <p:sp>
+                <p:nvSpPr>
+                  <p:cNvPr id="13" name="TextBox 12"/>
+                  <p:cNvSpPr txBox="1"/>
+                  <p:nvPr/>
+                </p:nvSpPr>
+                <p:spPr>
+                  <a:xfrm>
+                    <a:off x="5792786" y="2823343"/>
+                    <a:ext cx="673100" cy="276999"/>
+                  </a:xfrm>
+                  <a:prstGeom prst="rect">
+                    <a:avLst/>
+                  </a:prstGeom>
+                  <a:noFill/>
+                </p:spPr>
+                <p:txBody>
+                  <a:bodyPr wrap="square" rtlCol="0">
+                    <a:spAutoFit/>
+                  </a:bodyPr>
+                  <a:lstStyle/>
+                  <a:p>
+                    <a:r>
+                      <a:rPr lang="en-US" altLang="zh-CN" sz="1200" dirty="0" smtClean="0"/>
+                      <a:t>SCH</a:t>
+                    </a:r>
+                    <a:endParaRPr lang="en-US" sz="1200" dirty="0"/>
+                  </a:p>
+                </p:txBody>
+              </p:sp>
+              <p:cxnSp>
+                <p:nvCxnSpPr>
+                  <p:cNvPr id="14" name="Straight Arrow Connector 13"/>
+                  <p:cNvCxnSpPr/>
+                  <p:nvPr/>
+                </p:nvCxnSpPr>
+                <p:spPr>
+                  <a:xfrm>
+                    <a:off x="5425896" y="2780254"/>
+                    <a:ext cx="366890" cy="0"/>
+                  </a:xfrm>
+                  <a:prstGeom prst="straightConnector1">
+                    <a:avLst/>
+                  </a:prstGeom>
+                  <a:ln>
+                    <a:solidFill>
+                      <a:schemeClr val="tx1"/>
+                    </a:solidFill>
+                    <a:tailEnd type="triangle"/>
+                  </a:ln>
+                </p:spPr>
+                <p:style>
+                  <a:lnRef idx="1">
+                    <a:schemeClr val="accent1"/>
+                  </a:lnRef>
+                  <a:fillRef idx="0">
+                    <a:schemeClr val="accent1"/>
+                  </a:fillRef>
+                  <a:effectRef idx="0">
+                    <a:schemeClr val="accent1"/>
+                  </a:effectRef>
+                  <a:fontRef idx="minor">
+                    <a:schemeClr val="tx1"/>
+                  </a:fontRef>
+                </p:style>
+              </p:cxnSp>
+              <p:sp>
+                <p:nvSpPr>
+                  <p:cNvPr id="15" name="TextBox 14"/>
+                  <p:cNvSpPr txBox="1"/>
+                  <p:nvPr/>
+                </p:nvSpPr>
+                <p:spPr>
+                  <a:xfrm>
+                    <a:off x="5792786" y="2662998"/>
+                    <a:ext cx="673100" cy="276999"/>
+                  </a:xfrm>
+                  <a:prstGeom prst="rect">
+                    <a:avLst/>
+                  </a:prstGeom>
+                  <a:noFill/>
+                </p:spPr>
+                <p:txBody>
+                  <a:bodyPr wrap="square" rtlCol="0">
+                    <a:spAutoFit/>
+                  </a:bodyPr>
+                  <a:lstStyle/>
+                  <a:p>
+                    <a:r>
+                      <a:rPr lang="en-US" altLang="zh-CN" sz="1200" dirty="0" smtClean="0"/>
+                      <a:t>MQW</a:t>
+                    </a:r>
+                    <a:endParaRPr lang="en-US" sz="1200" dirty="0"/>
+                  </a:p>
+                </p:txBody>
+              </p:sp>
+              <p:grpSp>
+                <p:nvGrpSpPr>
+                  <p:cNvPr id="26" name="Group 25"/>
+                  <p:cNvGrpSpPr/>
+                  <p:nvPr/>
+                </p:nvGrpSpPr>
+                <p:grpSpPr>
+                  <a:xfrm>
+                    <a:off x="4752975" y="1223010"/>
+                    <a:ext cx="643255" cy="1786891"/>
+                    <a:chOff x="3830955" y="1156335"/>
+                    <a:chExt cx="1828800" cy="1786891"/>
+                  </a:xfrm>
+                </p:grpSpPr>
+                <p:sp>
+                  <p:nvSpPr>
+                    <p:cNvPr id="19" name="Rectangle 18"/>
+                    <p:cNvSpPr/>
+                    <p:nvPr/>
+                  </p:nvSpPr>
+                  <p:spPr>
+                    <a:xfrm>
+                      <a:off x="3830955" y="1156335"/>
+                      <a:ext cx="1828800" cy="161290"/>
+                    </a:xfrm>
+                    <a:prstGeom prst="rect">
+                      <a:avLst/>
+                    </a:prstGeom>
+                    <a:solidFill>
+                      <a:schemeClr val="accent4">
+                        <a:lumMod val="75000"/>
+                      </a:schemeClr>
+                    </a:solidFill>
+                    <a:ln>
+                      <a:noFill/>
+                    </a:ln>
+                  </p:spPr>
+                  <p:style>
+                    <a:lnRef idx="2">
+                      <a:schemeClr val="accent1">
+                        <a:shade val="50000"/>
+                      </a:schemeClr>
+                    </a:lnRef>
+                    <a:fillRef idx="1">
+                      <a:schemeClr val="accent1"/>
+                    </a:fillRef>
+                    <a:effectRef idx="0">
+                      <a:schemeClr val="accent1"/>
+                    </a:effectRef>
+                    <a:fontRef idx="minor">
+                      <a:schemeClr val="lt1"/>
+                    </a:fontRef>
+                  </p:style>
+                  <p:txBody>
+                    <a:bodyPr rtlCol="0" anchor="ctr"/>
+                    <a:lstStyle/>
+                    <a:p>
+                      <a:pPr algn="ctr"/>
+                      <a:endParaRPr lang="en-US"/>
+                    </a:p>
+                  </p:txBody>
+                </p:sp>
+                <p:sp>
+                  <p:nvSpPr>
+                    <p:cNvPr id="20" name="Rectangle 19"/>
+                    <p:cNvSpPr/>
+                    <p:nvPr/>
+                  </p:nvSpPr>
+                  <p:spPr>
+                    <a:xfrm>
+                      <a:off x="3830955" y="2489835"/>
+                      <a:ext cx="1828800" cy="160020"/>
+                    </a:xfrm>
+                    <a:prstGeom prst="rect">
+                      <a:avLst/>
+                    </a:prstGeom>
+                    <a:solidFill>
+                      <a:srgbClr val="FF0000"/>
+                    </a:solidFill>
+                    <a:ln>
+                      <a:noFill/>
+                    </a:ln>
+                  </p:spPr>
+                  <p:style>
+                    <a:lnRef idx="2">
+                      <a:schemeClr val="accent1">
+                        <a:shade val="50000"/>
+                      </a:schemeClr>
+                    </a:lnRef>
+                    <a:fillRef idx="1">
+                      <a:schemeClr val="accent1"/>
+                    </a:fillRef>
+                    <a:effectRef idx="0">
+                      <a:schemeClr val="accent1"/>
+                    </a:effectRef>
+                    <a:fontRef idx="minor">
+                      <a:schemeClr val="lt1"/>
+                    </a:fontRef>
+                  </p:style>
+                  <p:txBody>
+                    <a:bodyPr rtlCol="0" anchor="ctr"/>
+                    <a:lstStyle/>
+                    <a:p>
+                      <a:pPr algn="ctr"/>
+                      <a:endParaRPr lang="en-US"/>
+                    </a:p>
+                  </p:txBody>
+                </p:sp>
+                <p:sp>
+                  <p:nvSpPr>
+                    <p:cNvPr id="21" name="Rectangle 20"/>
+                    <p:cNvSpPr/>
+                    <p:nvPr/>
+                  </p:nvSpPr>
+                  <p:spPr>
+                    <a:xfrm>
+                      <a:off x="3830955" y="2806066"/>
+                      <a:ext cx="1828800" cy="137160"/>
+                    </a:xfrm>
+                    <a:prstGeom prst="rect">
+                      <a:avLst/>
+                    </a:prstGeom>
+                    <a:solidFill>
+                      <a:srgbClr val="FF0000"/>
+                    </a:solidFill>
+                    <a:ln>
+                      <a:noFill/>
+                    </a:ln>
+                  </p:spPr>
+                  <p:style>
+                    <a:lnRef idx="2">
+                      <a:schemeClr val="accent1">
+                        <a:shade val="50000"/>
+                      </a:schemeClr>
+                    </a:lnRef>
+                    <a:fillRef idx="1">
+                      <a:schemeClr val="accent1"/>
+                    </a:fillRef>
+                    <a:effectRef idx="0">
+                      <a:schemeClr val="accent1"/>
+                    </a:effectRef>
+                    <a:fontRef idx="minor">
+                      <a:schemeClr val="lt1"/>
+                    </a:fontRef>
+                  </p:style>
+                  <p:txBody>
+                    <a:bodyPr rtlCol="0" anchor="ctr"/>
+                    <a:lstStyle/>
+                    <a:p>
+                      <a:pPr algn="ctr"/>
+                      <a:endParaRPr lang="en-US"/>
+                    </a:p>
+                  </p:txBody>
+                </p:sp>
+                <p:sp>
+                  <p:nvSpPr>
+                    <p:cNvPr id="24" name="Rectangle 23"/>
+                    <p:cNvSpPr/>
+                    <p:nvPr/>
+                  </p:nvSpPr>
+                  <p:spPr>
+                    <a:xfrm>
+                      <a:off x="3830955" y="2649855"/>
+                      <a:ext cx="1828800" cy="156211"/>
+                    </a:xfrm>
+                    <a:prstGeom prst="rect">
+                      <a:avLst/>
+                    </a:prstGeom>
+                    <a:solidFill>
+                      <a:srgbClr val="FF7979"/>
+                    </a:solidFill>
+                    <a:ln>
+                      <a:noFill/>
+                    </a:ln>
+                  </p:spPr>
+                  <p:style>
+                    <a:lnRef idx="2">
+                      <a:schemeClr val="accent1">
+                        <a:shade val="50000"/>
+                      </a:schemeClr>
+                    </a:lnRef>
+                    <a:fillRef idx="1">
+                      <a:schemeClr val="accent1"/>
+                    </a:fillRef>
+                    <a:effectRef idx="0">
+                      <a:schemeClr val="accent1"/>
+                    </a:effectRef>
+                    <a:fontRef idx="minor">
+                      <a:schemeClr val="lt1"/>
+                    </a:fontRef>
+                  </p:style>
+                  <p:txBody>
+                    <a:bodyPr rtlCol="0" anchor="ctr"/>
+                    <a:lstStyle/>
+                    <a:p>
+                      <a:pPr algn="ctr"/>
+                      <a:endParaRPr lang="en-US"/>
+                    </a:p>
+                  </p:txBody>
+                </p:sp>
+                <p:sp>
+                  <p:nvSpPr>
+                    <p:cNvPr id="25" name="Rectangle 24"/>
+                    <p:cNvSpPr/>
+                    <p:nvPr/>
+                  </p:nvSpPr>
+                  <p:spPr>
+                    <a:xfrm>
+                      <a:off x="3830955" y="1263016"/>
+                      <a:ext cx="1828800" cy="1226820"/>
+                    </a:xfrm>
+                    <a:prstGeom prst="rect">
+                      <a:avLst/>
+                    </a:prstGeom>
+                    <a:solidFill>
+                      <a:srgbClr val="FFB200"/>
+                    </a:solidFill>
+                    <a:ln>
+                      <a:noFill/>
+                    </a:ln>
+                  </p:spPr>
+                  <p:style>
+                    <a:lnRef idx="2">
+                      <a:schemeClr val="accent1">
+                        <a:shade val="50000"/>
+                      </a:schemeClr>
+                    </a:lnRef>
+                    <a:fillRef idx="1">
+                      <a:schemeClr val="accent1"/>
+                    </a:fillRef>
+                    <a:effectRef idx="0">
+                      <a:schemeClr val="accent1"/>
+                    </a:effectRef>
+                    <a:fontRef idx="minor">
+                      <a:schemeClr val="lt1"/>
+                    </a:fontRef>
+                  </p:style>
+                  <p:txBody>
+                    <a:bodyPr rtlCol="0" anchor="ctr"/>
+                    <a:lstStyle/>
+                    <a:p>
+                      <a:pPr algn="ctr"/>
+                      <a:endParaRPr lang="en-US"/>
+                    </a:p>
+                  </p:txBody>
+                </p:sp>
+              </p:grpSp>
+              <p:sp>
+                <p:nvSpPr>
+                  <p:cNvPr id="27" name="Rectangle 26"/>
+                  <p:cNvSpPr/>
+                  <p:nvPr/>
+                </p:nvSpPr>
+                <p:spPr>
+                  <a:xfrm>
+                    <a:off x="4752975" y="962025"/>
+                    <a:ext cx="643255" cy="260985"/>
+                  </a:xfrm>
+                  <a:prstGeom prst="rect">
+                    <a:avLst/>
+                  </a:prstGeom>
+                  <a:solidFill>
+                    <a:srgbClr val="FFFF00"/>
+                  </a:solidFill>
+                  <a:ln>
+                    <a:noFill/>
+                  </a:ln>
+                </p:spPr>
+                <p:style>
+                  <a:lnRef idx="2">
+                    <a:schemeClr val="accent1">
+                      <a:shade val="50000"/>
+                    </a:schemeClr>
+                  </a:lnRef>
+                  <a:fillRef idx="1">
+                    <a:schemeClr val="accent1"/>
+                  </a:fillRef>
+                  <a:effectRef idx="0">
+                    <a:schemeClr val="accent1"/>
+                  </a:effectRef>
+                  <a:fontRef idx="minor">
+                    <a:schemeClr val="lt1"/>
+                  </a:fontRef>
+                </p:style>
+                <p:txBody>
+                  <a:bodyPr rtlCol="0" anchor="ctr"/>
+                  <a:lstStyle/>
+                  <a:p>
+                    <a:pPr algn="ctr"/>
+                    <a:endParaRPr lang="en-US"/>
+                  </a:p>
+                </p:txBody>
+              </p:sp>
+              <p:sp>
+                <p:nvSpPr>
+                  <p:cNvPr id="28" name="Rectangle 27"/>
+                  <p:cNvSpPr/>
+                  <p:nvPr/>
+                </p:nvSpPr>
+                <p:spPr>
+                  <a:xfrm>
+                    <a:off x="3146425" y="2823343"/>
+                    <a:ext cx="643255" cy="189108"/>
+                  </a:xfrm>
+                  <a:prstGeom prst="rect">
+                    <a:avLst/>
+                  </a:prstGeom>
+                  <a:solidFill>
+                    <a:srgbClr val="FFFF00"/>
+                  </a:solidFill>
+                  <a:ln>
+                    <a:noFill/>
+                  </a:ln>
+                </p:spPr>
+                <p:style>
+                  <a:lnRef idx="2">
+                    <a:schemeClr val="accent1">
+                      <a:shade val="50000"/>
+                    </a:schemeClr>
+                  </a:lnRef>
+                  <a:fillRef idx="1">
+                    <a:schemeClr val="accent1"/>
+                  </a:fillRef>
+                  <a:effectRef idx="0">
+                    <a:schemeClr val="accent1"/>
+                  </a:effectRef>
+                  <a:fontRef idx="minor">
+                    <a:schemeClr val="lt1"/>
+                  </a:fontRef>
+                </p:style>
+                <p:txBody>
+                  <a:bodyPr rtlCol="0" anchor="ctr"/>
+                  <a:lstStyle/>
+                  <a:p>
+                    <a:pPr algn="ctr"/>
+                    <a:endParaRPr lang="en-US"/>
+                  </a:p>
+                </p:txBody>
+              </p:sp>
+              <p:sp>
+                <p:nvSpPr>
+                  <p:cNvPr id="29" name="Rectangle 28"/>
+                  <p:cNvSpPr/>
+                  <p:nvPr/>
+                </p:nvSpPr>
+                <p:spPr>
+                  <a:xfrm>
+                    <a:off x="6359525" y="2823343"/>
+                    <a:ext cx="643255" cy="189108"/>
+                  </a:xfrm>
+                  <a:prstGeom prst="rect">
+                    <a:avLst/>
+                  </a:prstGeom>
+                  <a:solidFill>
+                    <a:srgbClr val="FFFF00"/>
+                  </a:solidFill>
+                  <a:ln>
+                    <a:noFill/>
+                  </a:ln>
+                </p:spPr>
+                <p:style>
+                  <a:lnRef idx="2">
+                    <a:schemeClr val="accent1">
+                      <a:shade val="50000"/>
+                    </a:schemeClr>
+                  </a:lnRef>
+                  <a:fillRef idx="1">
+                    <a:schemeClr val="accent1"/>
+                  </a:fillRef>
+                  <a:effectRef idx="0">
+                    <a:schemeClr val="accent1"/>
+                  </a:effectRef>
+                  <a:fontRef idx="minor">
+                    <a:schemeClr val="lt1"/>
+                  </a:fontRef>
+                </p:style>
+                <p:txBody>
+                  <a:bodyPr rtlCol="0" anchor="ctr"/>
+                  <a:lstStyle/>
+                  <a:p>
+                    <a:pPr algn="ctr"/>
+                    <a:endParaRPr lang="en-US"/>
+                  </a:p>
+                </p:txBody>
+              </p:sp>
+              <p:sp>
+                <p:nvSpPr>
+                  <p:cNvPr id="32" name="Rectangle 31"/>
+                  <p:cNvSpPr/>
+                  <p:nvPr/>
+                </p:nvSpPr>
+                <p:spPr>
+                  <a:xfrm>
+                    <a:off x="3146425" y="4498342"/>
+                    <a:ext cx="3856355" cy="1064346"/>
+                  </a:xfrm>
+                  <a:custGeom>
+                    <a:avLst/>
+                    <a:gdLst>
+                      <a:gd name="connsiteX0" fmla="*/ 0 w 3856355"/>
+                      <a:gd name="connsiteY0" fmla="*/ 0 h 936623"/>
+                      <a:gd name="connsiteX1" fmla="*/ 3856355 w 3856355"/>
+                      <a:gd name="connsiteY1" fmla="*/ 0 h 936623"/>
+                      <a:gd name="connsiteX2" fmla="*/ 3856355 w 3856355"/>
+                      <a:gd name="connsiteY2" fmla="*/ 936623 h 936623"/>
+                      <a:gd name="connsiteX3" fmla="*/ 0 w 3856355"/>
+                      <a:gd name="connsiteY3" fmla="*/ 936623 h 936623"/>
+                      <a:gd name="connsiteX4" fmla="*/ 0 w 3856355"/>
+                      <a:gd name="connsiteY4" fmla="*/ 0 h 936623"/>
+                      <a:gd name="connsiteX0" fmla="*/ 0 w 3856355"/>
+                      <a:gd name="connsiteY0" fmla="*/ 0 h 936623"/>
+                      <a:gd name="connsiteX1" fmla="*/ 3856355 w 3856355"/>
+                      <a:gd name="connsiteY1" fmla="*/ 0 h 936623"/>
+                      <a:gd name="connsiteX2" fmla="*/ 3856355 w 3856355"/>
+                      <a:gd name="connsiteY2" fmla="*/ 936623 h 936623"/>
+                      <a:gd name="connsiteX3" fmla="*/ 830944 w 3856355"/>
+                      <a:gd name="connsiteY3" fmla="*/ 776059 h 936623"/>
+                      <a:gd name="connsiteX4" fmla="*/ 0 w 3856355"/>
+                      <a:gd name="connsiteY4" fmla="*/ 936623 h 936623"/>
+                      <a:gd name="connsiteX5" fmla="*/ 0 w 3856355"/>
+                      <a:gd name="connsiteY5" fmla="*/ 0 h 936623"/>
+                      <a:gd name="connsiteX0" fmla="*/ 0 w 3856355"/>
+                      <a:gd name="connsiteY0" fmla="*/ 0 h 1064346"/>
+                      <a:gd name="connsiteX1" fmla="*/ 3856355 w 3856355"/>
+                      <a:gd name="connsiteY1" fmla="*/ 0 h 1064346"/>
+                      <a:gd name="connsiteX2" fmla="*/ 3856355 w 3856355"/>
+                      <a:gd name="connsiteY2" fmla="*/ 936623 h 1064346"/>
+                      <a:gd name="connsiteX3" fmla="*/ 2942772 w 3856355"/>
+                      <a:gd name="connsiteY3" fmla="*/ 1048202 h 1064346"/>
+                      <a:gd name="connsiteX4" fmla="*/ 830944 w 3856355"/>
+                      <a:gd name="connsiteY4" fmla="*/ 776059 h 1064346"/>
+                      <a:gd name="connsiteX5" fmla="*/ 0 w 3856355"/>
+                      <a:gd name="connsiteY5" fmla="*/ 936623 h 1064346"/>
+                      <a:gd name="connsiteX6" fmla="*/ 0 w 3856355"/>
+                      <a:gd name="connsiteY6" fmla="*/ 0 h 1064346"/>
+                    </a:gdLst>
+                    <a:ahLst/>
+                    <a:cxnLst>
+                      <a:cxn ang="0">
+                        <a:pos x="connsiteX0" y="connsiteY0"/>
+                      </a:cxn>
+                      <a:cxn ang="0">
+                        <a:pos x="connsiteX1" y="connsiteY1"/>
+                      </a:cxn>
+                      <a:cxn ang="0">
+                        <a:pos x="connsiteX2" y="connsiteY2"/>
+                      </a:cxn>
+                      <a:cxn ang="0">
+                        <a:pos x="connsiteX3" y="connsiteY3"/>
+                      </a:cxn>
+                      <a:cxn ang="0">
+                        <a:pos x="connsiteX4" y="connsiteY4"/>
+                      </a:cxn>
+                      <a:cxn ang="0">
+                        <a:pos x="connsiteX5" y="connsiteY5"/>
+                      </a:cxn>
+                      <a:cxn ang="0">
+                        <a:pos x="connsiteX6" y="connsiteY6"/>
+                      </a:cxn>
+                    </a:cxnLst>
+                    <a:rect l="l" t="t" r="r" b="b"/>
+                    <a:pathLst>
+                      <a:path w="3856355" h="1064346">
+                        <a:moveTo>
+                          <a:pt x="0" y="0"/>
+                        </a:moveTo>
+                        <a:lnTo>
+                          <a:pt x="3856355" y="0"/>
+                        </a:lnTo>
+                        <a:lnTo>
+                          <a:pt x="3856355" y="936623"/>
+                        </a:lnTo>
+                        <a:cubicBezTo>
+                          <a:pt x="3707720" y="1085923"/>
+                          <a:pt x="3447007" y="1074963"/>
+                          <a:pt x="2942772" y="1048202"/>
+                        </a:cubicBezTo>
+                        <a:cubicBezTo>
+                          <a:pt x="2438537" y="1021441"/>
+                          <a:pt x="1325035" y="769256"/>
+                          <a:pt x="830944" y="776059"/>
+                        </a:cubicBezTo>
+                        <a:lnTo>
+                          <a:pt x="0" y="936623"/>
+                        </a:lnTo>
+                        <a:lnTo>
+                          <a:pt x="0" y="0"/>
+                        </a:lnTo>
+                        <a:close/>
+                      </a:path>
+                    </a:pathLst>
+                  </a:custGeom>
+                  <a:solidFill>
+                    <a:schemeClr val="bg2">
+                      <a:lumMod val="25000"/>
+                    </a:schemeClr>
+                  </a:solidFill>
+                  <a:ln>
+                    <a:noFill/>
+                  </a:ln>
+                </p:spPr>
+                <p:style>
+                  <a:lnRef idx="2">
+                    <a:schemeClr val="accent1">
+                      <a:shade val="50000"/>
+                    </a:schemeClr>
+                  </a:lnRef>
+                  <a:fillRef idx="1">
+                    <a:schemeClr val="accent1"/>
+                  </a:fillRef>
+                  <a:effectRef idx="0">
+                    <a:schemeClr val="accent1"/>
+                  </a:effectRef>
+                  <a:fontRef idx="minor">
+                    <a:schemeClr val="lt1"/>
+                  </a:fontRef>
+                </p:style>
+                <p:txBody>
+                  <a:bodyPr rtlCol="0" anchor="ctr"/>
+                  <a:lstStyle/>
+                  <a:p>
+                    <a:pPr algn="ctr"/>
+                    <a:r>
+                      <a:rPr lang="en-US" altLang="zh-CN" dirty="0" smtClean="0"/>
+                      <a:t>Substrate</a:t>
+                    </a:r>
+                    <a:endParaRPr lang="en-US" dirty="0"/>
+                  </a:p>
+                </p:txBody>
+              </p:sp>
+              <p:sp>
+                <p:nvSpPr>
+                  <p:cNvPr id="33" name="Rectangle 32"/>
+                  <p:cNvSpPr/>
+                  <p:nvPr/>
+                </p:nvSpPr>
+                <p:spPr>
+                  <a:xfrm>
+                    <a:off x="4894157" y="3242940"/>
+                    <a:ext cx="360890" cy="216544"/>
+                  </a:xfrm>
+                  <a:prstGeom prst="rect">
+                    <a:avLst/>
+                  </a:prstGeom>
+                  <a:solidFill>
+                    <a:schemeClr val="bg2">
+                      <a:lumMod val="25000"/>
+                    </a:schemeClr>
+                  </a:solidFill>
+                  <a:ln>
+                    <a:noFill/>
+                  </a:ln>
+                </p:spPr>
+                <p:style>
+                  <a:lnRef idx="2">
+                    <a:schemeClr val="accent1">
+                      <a:shade val="50000"/>
+                    </a:schemeClr>
+                  </a:lnRef>
+                  <a:fillRef idx="1">
+                    <a:schemeClr val="accent1"/>
+                  </a:fillRef>
+                  <a:effectRef idx="0">
+                    <a:schemeClr val="accent1"/>
+                  </a:effectRef>
+                  <a:fontRef idx="minor">
+                    <a:schemeClr val="lt1"/>
+                  </a:fontRef>
+                </p:style>
+                <p:txBody>
+                  <a:bodyPr rtlCol="0" anchor="ctr"/>
+                  <a:lstStyle/>
+                  <a:p>
+                    <a:pPr algn="ctr"/>
+                    <a:endParaRPr lang="en-US"/>
+                  </a:p>
+                </p:txBody>
+              </p:sp>
+              <p:sp>
+                <p:nvSpPr>
+                  <p:cNvPr id="31" name="Rectangle 30"/>
+                  <p:cNvSpPr/>
+                  <p:nvPr/>
+                </p:nvSpPr>
+                <p:spPr>
+                  <a:xfrm>
+                    <a:off x="3146425" y="3450028"/>
+                    <a:ext cx="3856355" cy="1053394"/>
+                  </a:xfrm>
+                  <a:prstGeom prst="rect">
+                    <a:avLst/>
+                  </a:prstGeom>
+                  <a:solidFill>
+                    <a:srgbClr val="00B0F0"/>
+                  </a:solidFill>
+                  <a:ln>
+                    <a:noFill/>
+                  </a:ln>
+                </p:spPr>
+                <p:style>
+                  <a:lnRef idx="2">
+                    <a:schemeClr val="accent1">
+                      <a:shade val="50000"/>
+                    </a:schemeClr>
+                  </a:lnRef>
+                  <a:fillRef idx="1">
+                    <a:schemeClr val="accent1"/>
+                  </a:fillRef>
+                  <a:effectRef idx="0">
+                    <a:schemeClr val="accent1"/>
+                  </a:effectRef>
+                  <a:fontRef idx="minor">
+                    <a:schemeClr val="lt1"/>
+                  </a:fontRef>
+                </p:style>
+                <p:txBody>
+                  <a:bodyPr rtlCol="0" anchor="ctr"/>
+                  <a:lstStyle/>
+                  <a:p>
+                    <a:pPr algn="ctr"/>
+                    <a:r>
+                      <a:rPr lang="en-US" altLang="zh-CN" dirty="0" smtClean="0"/>
+                      <a:t>SiO</a:t>
+                    </a:r>
+                    <a:r>
+                      <a:rPr lang="en-US" altLang="zh-CN" baseline="-25000" dirty="0" smtClean="0"/>
+                      <a:t>2</a:t>
+                    </a:r>
+                    <a:endParaRPr lang="en-US" baseline="-25000" dirty="0"/>
+                  </a:p>
+                </p:txBody>
+              </p:sp>
+              <p:cxnSp>
+                <p:nvCxnSpPr>
+                  <p:cNvPr id="36" name="Straight Arrow Connector 35"/>
+                  <p:cNvCxnSpPr/>
+                  <p:nvPr/>
+                </p:nvCxnSpPr>
+                <p:spPr>
+                  <a:xfrm>
+                    <a:off x="5425896" y="1063937"/>
+                    <a:ext cx="366890" cy="0"/>
+                  </a:xfrm>
+                  <a:prstGeom prst="straightConnector1">
+                    <a:avLst/>
+                  </a:prstGeom>
+                  <a:ln>
+                    <a:solidFill>
+                      <a:schemeClr val="tx1"/>
+                    </a:solidFill>
+                    <a:tailEnd type="triangle"/>
+                  </a:ln>
+                </p:spPr>
+                <p:style>
+                  <a:lnRef idx="1">
+                    <a:schemeClr val="accent1"/>
+                  </a:lnRef>
+                  <a:fillRef idx="0">
+                    <a:schemeClr val="accent1"/>
+                  </a:fillRef>
+                  <a:effectRef idx="0">
+                    <a:schemeClr val="accent1"/>
+                  </a:effectRef>
+                  <a:fontRef idx="minor">
+                    <a:schemeClr val="tx1"/>
+                  </a:fontRef>
+                </p:style>
+              </p:cxnSp>
+              <p:sp>
+                <p:nvSpPr>
+                  <p:cNvPr id="37" name="TextBox 36"/>
+                  <p:cNvSpPr txBox="1"/>
+                  <p:nvPr/>
+                </p:nvSpPr>
+                <p:spPr>
+                  <a:xfrm>
+                    <a:off x="5792786" y="933132"/>
+                    <a:ext cx="1106489" cy="276999"/>
+                  </a:xfrm>
+                  <a:prstGeom prst="rect">
+                    <a:avLst/>
+                  </a:prstGeom>
+                  <a:noFill/>
+                </p:spPr>
+                <p:txBody>
+                  <a:bodyPr wrap="square" rtlCol="0">
+                    <a:spAutoFit/>
+                  </a:bodyPr>
+                  <a:lstStyle/>
+                  <a:p>
+                    <a:r>
+                      <a:rPr lang="en-US" altLang="zh-CN" sz="1200" dirty="0" smtClean="0"/>
+                      <a:t>Source Metal</a:t>
+                    </a:r>
+                    <a:endParaRPr lang="en-US" sz="1200" dirty="0"/>
+                  </a:p>
+                </p:txBody>
+              </p:sp>
+              <p:cxnSp>
+                <p:nvCxnSpPr>
+                  <p:cNvPr id="38" name="Straight Arrow Connector 37"/>
+                  <p:cNvCxnSpPr/>
+                  <p:nvPr/>
+                </p:nvCxnSpPr>
+                <p:spPr>
+                  <a:xfrm>
+                    <a:off x="5242451" y="3315776"/>
+                    <a:ext cx="366890" cy="0"/>
+                  </a:xfrm>
+                  <a:prstGeom prst="straightConnector1">
+                    <a:avLst/>
+                  </a:prstGeom>
+                  <a:ln>
+                    <a:solidFill>
+                      <a:schemeClr val="tx1"/>
+                    </a:solidFill>
+                    <a:tailEnd type="triangle"/>
+                  </a:ln>
+                </p:spPr>
+                <p:style>
+                  <a:lnRef idx="1">
+                    <a:schemeClr val="accent1"/>
+                  </a:lnRef>
+                  <a:fillRef idx="0">
+                    <a:schemeClr val="accent1"/>
+                  </a:fillRef>
+                  <a:effectRef idx="0">
+                    <a:schemeClr val="accent1"/>
+                  </a:effectRef>
+                  <a:fontRef idx="minor">
+                    <a:schemeClr val="tx1"/>
+                  </a:fontRef>
+                </p:style>
+              </p:cxnSp>
+              <p:sp>
+                <p:nvSpPr>
+                  <p:cNvPr id="39" name="TextBox 38"/>
+                  <p:cNvSpPr txBox="1"/>
+                  <p:nvPr/>
+                </p:nvSpPr>
+                <p:spPr>
+                  <a:xfrm>
+                    <a:off x="5609341" y="3184971"/>
+                    <a:ext cx="673100" cy="276999"/>
+                  </a:xfrm>
+                  <a:prstGeom prst="rect">
+                    <a:avLst/>
+                  </a:prstGeom>
+                  <a:noFill/>
+                </p:spPr>
+                <p:txBody>
+                  <a:bodyPr wrap="square" rtlCol="0">
+                    <a:spAutoFit/>
+                  </a:bodyPr>
+                  <a:lstStyle/>
+                  <a:p>
+                    <a:r>
+                      <a:rPr lang="en-US" altLang="zh-CN" sz="1200" dirty="0" smtClean="0"/>
+                      <a:t>Si</a:t>
+                    </a:r>
+                    <a:endParaRPr lang="en-US" sz="1200" dirty="0"/>
+                  </a:p>
+                </p:txBody>
+              </p:sp>
+              <p:cxnSp>
+                <p:nvCxnSpPr>
+                  <p:cNvPr id="41" name="Straight Arrow Connector 40"/>
+                  <p:cNvCxnSpPr/>
+                  <p:nvPr/>
+                </p:nvCxnSpPr>
+                <p:spPr>
+                  <a:xfrm>
+                    <a:off x="4752975" y="2219325"/>
+                    <a:ext cx="643255" cy="0"/>
+                  </a:xfrm>
+                  <a:prstGeom prst="straightConnector1">
+                    <a:avLst/>
+                  </a:prstGeom>
+                  <a:ln>
+                    <a:headEnd type="triangle"/>
+                    <a:tailEnd type="triangle"/>
+                  </a:ln>
+                </p:spPr>
+                <p:style>
+                  <a:lnRef idx="1">
+                    <a:schemeClr val="accent1"/>
+                  </a:lnRef>
+                  <a:fillRef idx="0">
+                    <a:schemeClr val="accent1"/>
+                  </a:fillRef>
+                  <a:effectRef idx="0">
+                    <a:schemeClr val="accent1"/>
+                  </a:effectRef>
+                  <a:fontRef idx="minor">
+                    <a:schemeClr val="tx1"/>
+                  </a:fontRef>
+                </p:style>
+              </p:cxnSp>
+              <p:sp>
+                <p:nvSpPr>
+                  <p:cNvPr id="42" name="TextBox 41"/>
+                  <p:cNvSpPr txBox="1"/>
+                  <p:nvPr/>
+                </p:nvSpPr>
+                <p:spPr>
+                  <a:xfrm>
+                    <a:off x="4796283" y="1786454"/>
+                    <a:ext cx="663907" cy="400110"/>
+                  </a:xfrm>
+                  <a:prstGeom prst="rect">
+                    <a:avLst/>
+                  </a:prstGeom>
+                  <a:noFill/>
+                </p:spPr>
+                <p:txBody>
+                  <a:bodyPr wrap="square" rtlCol="0">
+                    <a:spAutoFit/>
+                  </a:bodyPr>
+                  <a:lstStyle/>
+                  <a:p>
+                    <a:r>
+                      <a:rPr lang="en-US" sz="2000" dirty="0" err="1" smtClean="0"/>
+                      <a:t>w</a:t>
+                    </a:r>
+                    <a:r>
+                      <a:rPr lang="en-US" sz="2000" baseline="-25000" dirty="0" err="1" smtClean="0"/>
+                      <a:t>wg</a:t>
+                    </a:r>
+                    <a:endParaRPr lang="en-US" sz="2000" baseline="-25000" dirty="0"/>
+                  </a:p>
+                </p:txBody>
+              </p:sp>
+              <p:sp>
+                <p:nvSpPr>
+                  <p:cNvPr id="46" name="TextBox 45"/>
+                  <p:cNvSpPr txBox="1"/>
+                  <p:nvPr/>
+                </p:nvSpPr>
+                <p:spPr>
+                  <a:xfrm>
+                    <a:off x="4747471" y="939919"/>
+                    <a:ext cx="494980" cy="297517"/>
+                  </a:xfrm>
+                  <a:prstGeom prst="rect">
+                    <a:avLst/>
+                  </a:prstGeom>
+                  <a:noFill/>
+                </p:spPr>
+                <p:txBody>
+                  <a:bodyPr wrap="square" rtlCol="0">
+                    <a:spAutoFit/>
+                  </a:bodyPr>
+                  <a:lstStyle/>
+                  <a:p>
+                    <a:r>
+                      <a:rPr lang="en-US" sz="2000" baseline="-25000" dirty="0" smtClean="0"/>
+                      <a:t>1</a:t>
+                    </a:r>
+                    <a:r>
+                      <a:rPr lang="el-GR" sz="2000" baseline="-25000" dirty="0" smtClean="0"/>
+                      <a:t>μ</a:t>
+                    </a:r>
+                    <a:r>
+                      <a:rPr lang="en-US" sz="2000" baseline="-25000" dirty="0" smtClean="0"/>
+                      <a:t>m</a:t>
+                    </a:r>
+                    <a:endParaRPr lang="en-US" sz="2000" baseline="-25000" dirty="0"/>
+                  </a:p>
+                </p:txBody>
+              </p:sp>
+              <p:sp>
+                <p:nvSpPr>
+                  <p:cNvPr id="47" name="TextBox 46"/>
+                  <p:cNvSpPr txBox="1"/>
+                  <p:nvPr/>
+                </p:nvSpPr>
+                <p:spPr>
+                  <a:xfrm>
+                    <a:off x="3395560" y="2711478"/>
+                    <a:ext cx="879844" cy="297517"/>
+                  </a:xfrm>
+                  <a:prstGeom prst="rect">
+                    <a:avLst/>
+                  </a:prstGeom>
+                  <a:noFill/>
+                </p:spPr>
+                <p:txBody>
+                  <a:bodyPr wrap="square" rtlCol="0">
+                    <a:spAutoFit/>
+                  </a:bodyPr>
+                  <a:lstStyle/>
+                  <a:p>
+                    <a:r>
+                      <a:rPr lang="en-US" sz="2000" baseline="-25000" dirty="0" smtClean="0"/>
+                      <a:t>0</a:t>
+                    </a:r>
+                    <a:r>
+                      <a:rPr lang="en-US" altLang="zh-CN" sz="2000" baseline="-25000" dirty="0" smtClean="0"/>
+                      <a:t>.1 </a:t>
+                    </a:r>
+                    <a:r>
+                      <a:rPr lang="el-GR" altLang="zh-CN" sz="2000" baseline="-25000" dirty="0" smtClean="0"/>
+                      <a:t>μ</a:t>
+                    </a:r>
+                    <a:r>
+                      <a:rPr lang="en-US" altLang="zh-CN" sz="2000" baseline="-25000" dirty="0" smtClean="0"/>
+                      <a:t>m</a:t>
+                    </a:r>
+                    <a:endParaRPr lang="en-US" sz="2000" baseline="-25000" dirty="0"/>
+                  </a:p>
+                </p:txBody>
+              </p:sp>
+              <p:sp>
+                <p:nvSpPr>
+                  <p:cNvPr id="55" name="TextBox 54"/>
+                  <p:cNvSpPr txBox="1"/>
+                  <p:nvPr/>
+                </p:nvSpPr>
+                <p:spPr>
+                  <a:xfrm>
+                    <a:off x="3972926" y="2434604"/>
+                    <a:ext cx="719528" cy="297517"/>
+                  </a:xfrm>
+                  <a:prstGeom prst="rect">
+                    <a:avLst/>
+                  </a:prstGeom>
+                  <a:noFill/>
+                </p:spPr>
+                <p:txBody>
+                  <a:bodyPr wrap="square" rtlCol="0">
+                    <a:spAutoFit/>
+                  </a:bodyPr>
+                  <a:lstStyle/>
+                  <a:p>
+                    <a:r>
+                      <a:rPr lang="en-US" sz="2000" baseline="-25000" dirty="0" smtClean="0"/>
+                      <a:t>3 </a:t>
+                    </a:r>
+                    <a:r>
+                      <a:rPr lang="el-GR" sz="2000" baseline="-25000" dirty="0" smtClean="0"/>
+                      <a:t>μ</a:t>
+                    </a:r>
+                    <a:r>
+                      <a:rPr lang="en-US" sz="2000" baseline="-25000" dirty="0" smtClean="0"/>
+                      <a:t>m</a:t>
+                    </a:r>
+                    <a:endParaRPr lang="en-US" sz="2000" baseline="-25000" dirty="0"/>
+                  </a:p>
+                </p:txBody>
+              </p:sp>
+              <p:cxnSp>
+                <p:nvCxnSpPr>
+                  <p:cNvPr id="45" name="Straight Arrow Connector 44"/>
+                  <p:cNvCxnSpPr/>
+                  <p:nvPr/>
+                </p:nvCxnSpPr>
+                <p:spPr>
+                  <a:xfrm>
+                    <a:off x="4752975" y="962025"/>
+                    <a:ext cx="0" cy="248106"/>
+                  </a:xfrm>
+                  <a:prstGeom prst="straightConnector1">
+                    <a:avLst/>
+                  </a:prstGeom>
+                  <a:ln>
+                    <a:headEnd type="triangle"/>
+                    <a:tailEnd type="triangle"/>
+                  </a:ln>
+                </p:spPr>
+                <p:style>
+                  <a:lnRef idx="1">
+                    <a:schemeClr val="accent1"/>
+                  </a:lnRef>
+                  <a:fillRef idx="0">
+                    <a:schemeClr val="accent1"/>
+                  </a:fillRef>
+                  <a:effectRef idx="0">
+                    <a:schemeClr val="accent1"/>
+                  </a:effectRef>
+                  <a:fontRef idx="minor">
+                    <a:schemeClr val="tx1"/>
+                  </a:fontRef>
+                </p:style>
+              </p:cxnSp>
+              <p:cxnSp>
+                <p:nvCxnSpPr>
+                  <p:cNvPr id="48" name="Straight Arrow Connector 47"/>
+                  <p:cNvCxnSpPr/>
+                  <p:nvPr/>
+                </p:nvCxnSpPr>
+                <p:spPr>
+                  <a:xfrm>
+                    <a:off x="3404235" y="2826587"/>
+                    <a:ext cx="0" cy="183314"/>
+                  </a:xfrm>
+                  <a:prstGeom prst="straightConnector1">
+                    <a:avLst/>
+                  </a:prstGeom>
+                  <a:ln>
+                    <a:headEnd type="triangle"/>
+                    <a:tailEnd type="triangle"/>
+                  </a:ln>
+                </p:spPr>
+                <p:style>
+                  <a:lnRef idx="1">
+                    <a:schemeClr val="accent1"/>
+                  </a:lnRef>
+                  <a:fillRef idx="0">
+                    <a:schemeClr val="accent1"/>
+                  </a:fillRef>
+                  <a:effectRef idx="0">
+                    <a:schemeClr val="accent1"/>
+                  </a:effectRef>
+                  <a:fontRef idx="minor">
+                    <a:schemeClr val="tx1"/>
+                  </a:fontRef>
+                </p:style>
+              </p:cxnSp>
+              <p:cxnSp>
+                <p:nvCxnSpPr>
+                  <p:cNvPr id="53" name="Straight Arrow Connector 52"/>
+                  <p:cNvCxnSpPr/>
+                  <p:nvPr/>
+                </p:nvCxnSpPr>
+                <p:spPr>
+                  <a:xfrm>
+                    <a:off x="3789680" y="2776577"/>
+                    <a:ext cx="957791" cy="0"/>
+                  </a:xfrm>
+                  <a:prstGeom prst="straightConnector1">
+                    <a:avLst/>
+                  </a:prstGeom>
+                  <a:ln>
+                    <a:headEnd type="triangle"/>
+                    <a:tailEnd type="triangle"/>
+                  </a:ln>
+                </p:spPr>
+                <p:style>
+                  <a:lnRef idx="1">
+                    <a:schemeClr val="accent1"/>
+                  </a:lnRef>
+                  <a:fillRef idx="0">
+                    <a:schemeClr val="accent1"/>
+                  </a:fillRef>
+                  <a:effectRef idx="0">
+                    <a:schemeClr val="accent1"/>
+                  </a:effectRef>
+                  <a:fontRef idx="minor">
+                    <a:schemeClr val="tx1"/>
+                  </a:fontRef>
+                </p:style>
+              </p:cxnSp>
+              <p:cxnSp>
+                <p:nvCxnSpPr>
+                  <p:cNvPr id="58" name="Straight Arrow Connector 57"/>
+                  <p:cNvCxnSpPr/>
+                  <p:nvPr/>
+                </p:nvCxnSpPr>
+                <p:spPr>
+                  <a:xfrm>
+                    <a:off x="4894157" y="3511550"/>
+                    <a:ext cx="348294" cy="0"/>
+                  </a:xfrm>
+                  <a:prstGeom prst="straightConnector1">
+                    <a:avLst/>
+                  </a:prstGeom>
+                  <a:ln>
+                    <a:solidFill>
+                      <a:schemeClr val="tx1"/>
+                    </a:solidFill>
+                    <a:headEnd type="triangle"/>
+                    <a:tailEnd type="triangle"/>
+                  </a:ln>
+                </p:spPr>
+                <p:style>
+                  <a:lnRef idx="1">
+                    <a:schemeClr val="accent1"/>
+                  </a:lnRef>
+                  <a:fillRef idx="0">
+                    <a:schemeClr val="accent1"/>
+                  </a:fillRef>
+                  <a:effectRef idx="0">
+                    <a:schemeClr val="accent1"/>
+                  </a:effectRef>
+                  <a:fontRef idx="minor">
+                    <a:schemeClr val="tx1"/>
+                  </a:fontRef>
+                </p:style>
+              </p:cxnSp>
+              <p:sp>
+                <p:nvSpPr>
+                  <p:cNvPr id="59" name="TextBox 58"/>
+                  <p:cNvSpPr txBox="1"/>
+                  <p:nvPr/>
+                </p:nvSpPr>
+                <p:spPr>
+                  <a:xfrm>
+                    <a:off x="4820814" y="3467101"/>
+                    <a:ext cx="494980" cy="215444"/>
+                  </a:xfrm>
+                  <a:prstGeom prst="rect">
+                    <a:avLst/>
+                  </a:prstGeom>
+                  <a:noFill/>
+                </p:spPr>
+                <p:txBody>
+                  <a:bodyPr wrap="square" rtlCol="0">
+                    <a:spAutoFit/>
+                  </a:bodyPr>
+                  <a:lstStyle/>
+                  <a:p>
+                    <a:r>
+                      <a:rPr lang="en-US" sz="1200" baseline="-25000" dirty="0" smtClean="0"/>
+                      <a:t>0</a:t>
+                    </a:r>
+                    <a:r>
+                      <a:rPr lang="en-US" altLang="zh-CN" sz="1200" baseline="-25000" dirty="0" smtClean="0"/>
+                      <a:t>.6</a:t>
+                    </a:r>
+                    <a:r>
+                      <a:rPr lang="en-US" sz="1200" baseline="-25000" dirty="0" smtClean="0"/>
+                      <a:t> </a:t>
+                    </a:r>
+                    <a:r>
+                      <a:rPr lang="el-GR" sz="1200" baseline="-25000" dirty="0" smtClean="0"/>
+                      <a:t>μ</a:t>
+                    </a:r>
+                    <a:r>
+                      <a:rPr lang="en-US" sz="1200" baseline="-25000" dirty="0" smtClean="0"/>
+                      <a:t>m</a:t>
+                    </a:r>
+                    <a:endParaRPr lang="en-US" sz="1200" baseline="-25000" dirty="0"/>
+                  </a:p>
+                </p:txBody>
+              </p:sp>
+              <p:sp>
+                <p:nvSpPr>
+                  <p:cNvPr id="62" name="TextBox 61"/>
+                  <p:cNvSpPr txBox="1"/>
+                  <p:nvPr/>
+                </p:nvSpPr>
+                <p:spPr>
+                  <a:xfrm>
+                    <a:off x="4333875" y="3233853"/>
+                    <a:ext cx="577558" cy="215444"/>
+                  </a:xfrm>
+                  <a:prstGeom prst="rect">
+                    <a:avLst/>
+                  </a:prstGeom>
+                  <a:noFill/>
+                </p:spPr>
+                <p:txBody>
+                  <a:bodyPr wrap="square" rtlCol="0">
+                    <a:spAutoFit/>
+                  </a:bodyPr>
+                  <a:lstStyle/>
+                  <a:p>
+                    <a:r>
+                      <a:rPr lang="en-US" sz="1200" baseline="-25000" dirty="0" smtClean="0"/>
+                      <a:t>0</a:t>
+                    </a:r>
+                    <a:r>
+                      <a:rPr lang="en-US" altLang="zh-CN" sz="1200" baseline="-25000" dirty="0" smtClean="0"/>
+                      <a:t>.22</a:t>
+                    </a:r>
+                    <a:r>
+                      <a:rPr lang="en-US" sz="1200" baseline="-25000" dirty="0" smtClean="0"/>
+                      <a:t> </a:t>
+                    </a:r>
+                    <a:r>
+                      <a:rPr lang="el-GR" sz="1200" baseline="-25000" dirty="0" smtClean="0"/>
+                      <a:t>μ</a:t>
+                    </a:r>
+                    <a:r>
+                      <a:rPr lang="en-US" sz="1200" baseline="-25000" dirty="0" smtClean="0"/>
+                      <a:t>m</a:t>
+                    </a:r>
+                    <a:endParaRPr lang="en-US" sz="1200" baseline="-25000" dirty="0"/>
+                  </a:p>
+                </p:txBody>
+              </p:sp>
+              <p:cxnSp>
+                <p:nvCxnSpPr>
+                  <p:cNvPr id="64" name="Straight Arrow Connector 63"/>
+                  <p:cNvCxnSpPr/>
+                  <p:nvPr/>
+                </p:nvCxnSpPr>
+                <p:spPr>
+                  <a:xfrm>
+                    <a:off x="4820814" y="3242940"/>
+                    <a:ext cx="0" cy="206357"/>
+                  </a:xfrm>
+                  <a:prstGeom prst="straightConnector1">
+                    <a:avLst/>
+                  </a:prstGeom>
+                  <a:ln>
+                    <a:solidFill>
+                      <a:schemeClr val="tx1"/>
+                    </a:solidFill>
+                    <a:headEnd type="triangle"/>
+                    <a:tailEnd type="triangle"/>
+                  </a:ln>
+                </p:spPr>
+                <p:style>
+                  <a:lnRef idx="1">
+                    <a:schemeClr val="accent1"/>
+                  </a:lnRef>
+                  <a:fillRef idx="0">
+                    <a:schemeClr val="accent1"/>
+                  </a:fillRef>
+                  <a:effectRef idx="0">
+                    <a:schemeClr val="accent1"/>
+                  </a:effectRef>
+                  <a:fontRef idx="minor">
+                    <a:schemeClr val="tx1"/>
+                  </a:fontRef>
+                </p:style>
+              </p:cxnSp>
+              <p:sp>
+                <p:nvSpPr>
+                  <p:cNvPr id="68" name="TextBox 67"/>
+                  <p:cNvSpPr txBox="1"/>
+                  <p:nvPr/>
+                </p:nvSpPr>
+                <p:spPr>
+                  <a:xfrm>
+                    <a:off x="4857307" y="2573584"/>
+                    <a:ext cx="721840" cy="400110"/>
+                  </a:xfrm>
+                  <a:prstGeom prst="rect">
+                    <a:avLst/>
+                  </a:prstGeom>
+                  <a:noFill/>
+                </p:spPr>
+                <p:txBody>
+                  <a:bodyPr wrap="square" rtlCol="0">
+                    <a:spAutoFit/>
+                  </a:bodyPr>
+                  <a:lstStyle/>
+                  <a:p>
+                    <a:r>
+                      <a:rPr lang="en-US" sz="2000" dirty="0" err="1" smtClean="0"/>
+                      <a:t>h</a:t>
+                    </a:r>
+                    <a:r>
+                      <a:rPr lang="en-US" sz="2000" baseline="-25000" dirty="0" err="1" smtClean="0"/>
+                      <a:t>mqw</a:t>
+                    </a:r>
+                    <a:endParaRPr lang="en-US" sz="2000" baseline="-25000" dirty="0"/>
+                  </a:p>
+                </p:txBody>
+              </p:sp>
+              <p:sp>
+                <p:nvSpPr>
+                  <p:cNvPr id="70" name="TextBox 69"/>
+                  <p:cNvSpPr txBox="1"/>
+                  <p:nvPr/>
+                </p:nvSpPr>
+                <p:spPr>
+                  <a:xfrm>
+                    <a:off x="5896291" y="2151681"/>
+                    <a:ext cx="1106489" cy="276999"/>
+                  </a:xfrm>
+                  <a:prstGeom prst="rect">
+                    <a:avLst/>
+                  </a:prstGeom>
+                  <a:noFill/>
+                </p:spPr>
+                <p:txBody>
+                  <a:bodyPr wrap="square" rtlCol="0">
+                    <a:spAutoFit/>
+                  </a:bodyPr>
+                  <a:lstStyle/>
+                  <a:p>
+                    <a:pPr algn="ctr"/>
+                    <a:r>
+                      <a:rPr lang="en-US" altLang="zh-CN" sz="1200" dirty="0" smtClean="0"/>
+                      <a:t>Ground Metal</a:t>
+                    </a:r>
+                    <a:endParaRPr lang="en-US" sz="1200" dirty="0"/>
+                  </a:p>
+                </p:txBody>
+              </p:sp>
+            </p:grpSp>
+            <p:cxnSp>
+              <p:nvCxnSpPr>
+                <p:cNvPr id="67" name="Straight Arrow Connector 66"/>
+                <p:cNvCxnSpPr/>
+                <p:nvPr/>
+              </p:nvCxnSpPr>
+              <p:spPr>
+                <a:xfrm>
+                  <a:off x="4503632" y="2430780"/>
+                  <a:ext cx="0" cy="156211"/>
+                </a:xfrm>
+                <a:prstGeom prst="straightConnector1">
+                  <a:avLst/>
+                </a:prstGeom>
+                <a:ln>
+                  <a:headEnd type="triangle" w="sm" len="sm"/>
+                  <a:tailEnd type="triangle" w="sm" len="sm"/>
+                </a:ln>
+              </p:spPr>
+              <p:style>
+                <a:lnRef idx="1">
+                  <a:schemeClr val="accent1"/>
+                </a:lnRef>
+                <a:fillRef idx="0">
+                  <a:schemeClr val="accent1"/>
+                </a:fillRef>
+                <a:effectRef idx="0">
+                  <a:schemeClr val="accent1"/>
+                </a:effectRef>
+                <a:fontRef idx="minor">
+                  <a:schemeClr val="tx1"/>
+                </a:fontRef>
+              </p:style>
+            </p:cxnSp>
+          </p:grpSp>
+          <p:cxnSp>
+            <p:nvCxnSpPr>
+              <p:cNvPr id="72" name="Straight Arrow Connector 71"/>
+              <p:cNvCxnSpPr>
+                <a:stCxn id="29" idx="0"/>
+              </p:cNvCxnSpPr>
+              <p:nvPr/>
+            </p:nvCxnSpPr>
+            <p:spPr>
+              <a:xfrm flipH="1" flipV="1">
+                <a:off x="6333672" y="2458616"/>
+                <a:ext cx="54928" cy="394663"/>
+              </a:xfrm>
+              <a:prstGeom prst="straightConnector1">
+                <a:avLst/>
+              </a:prstGeom>
+              <a:ln>
+                <a:solidFill>
+                  <a:schemeClr val="tx1"/>
+                </a:solidFill>
+                <a:tailEnd type="triangle"/>
+              </a:ln>
+            </p:spPr>
+            <p:style>
+              <a:lnRef idx="1">
+                <a:schemeClr val="accent1"/>
+              </a:lnRef>
+              <a:fillRef idx="0">
+                <a:schemeClr val="accent1"/>
+              </a:fillRef>
+              <a:effectRef idx="0">
+                <a:schemeClr val="accent1"/>
+              </a:effectRef>
+              <a:fontRef idx="minor">
+                <a:schemeClr val="tx1"/>
+              </a:fontRef>
+            </p:style>
+          </p:cxnSp>
+        </p:grpSp>
+        <p:pic>
+          <p:nvPicPr>
+            <p:cNvPr id="74" name="Picture 73"/>
+            <p:cNvPicPr>
+              <a:picLocks noChangeAspect="1"/>
+            </p:cNvPicPr>
+            <p:nvPr/>
+          </p:nvPicPr>
+          <p:blipFill>
+            <a:blip r:embed="rId2">
+              <a:extLst>
+                <a:ext uri="{28A0092B-C50C-407E-A947-70E740481C1C}">
+                  <a14:useLocalDpi xmlns:a14="http://schemas.microsoft.com/office/drawing/2010/main" val="0"/>
+                </a:ext>
+              </a:extLst>
+            </a:blip>
+            <a:stretch>
+              <a:fillRect/>
+            </a:stretch>
+          </p:blipFill>
+          <p:spPr>
+            <a:xfrm>
+              <a:off x="6155489" y="751114"/>
+              <a:ext cx="3467401" cy="4588527"/>
+            </a:xfrm>
+            <a:prstGeom prst="rect">
+              <a:avLst/>
+            </a:prstGeom>
+          </p:spPr>
+        </p:pic>
+        <p:sp>
+          <p:nvSpPr>
+            <p:cNvPr id="75" name="TextBox 74"/>
+            <p:cNvSpPr txBox="1"/>
+            <p:nvPr/>
+          </p:nvSpPr>
+          <p:spPr>
+            <a:xfrm>
+              <a:off x="1983014" y="671660"/>
+              <a:ext cx="455386" cy="369332"/>
+            </a:xfrm>
+            <a:prstGeom prst="rect">
+              <a:avLst/>
+            </a:prstGeom>
+            <a:noFill/>
+          </p:spPr>
+          <p:txBody>
+            <a:bodyPr wrap="square" rtlCol="0">
+              <a:spAutoFit/>
+            </a:bodyPr>
+            <a:lstStyle/>
+            <a:p>
+              <a:r>
+                <a:rPr lang="en-US" dirty="0" smtClean="0"/>
+                <a:t>(a)</a:t>
+              </a:r>
+              <a:endParaRPr lang="en-US" dirty="0"/>
+            </a:p>
+          </p:txBody>
+        </p:sp>
+        <p:sp>
+          <p:nvSpPr>
+            <p:cNvPr id="76" name="TextBox 75"/>
+            <p:cNvSpPr txBox="1"/>
+            <p:nvPr/>
+          </p:nvSpPr>
+          <p:spPr>
+            <a:xfrm>
+              <a:off x="5710057" y="671660"/>
+              <a:ext cx="455386" cy="369332"/>
+            </a:xfrm>
+            <a:prstGeom prst="rect">
+              <a:avLst/>
+            </a:prstGeom>
+            <a:noFill/>
+          </p:spPr>
+          <p:txBody>
+            <a:bodyPr wrap="square" rtlCol="0">
+              <a:spAutoFit/>
+            </a:bodyPr>
+            <a:lstStyle/>
+            <a:p>
+              <a:r>
+                <a:rPr lang="en-US" dirty="0" smtClean="0"/>
+                <a:t>(b)</a:t>
+              </a:r>
+              <a:endParaRPr lang="en-US" dirty="0"/>
+            </a:p>
+          </p:txBody>
+        </p:sp>
+      </p:grpSp>
+    </p:spTree>
+    <p:extLst>
+      <p:ext uri="{BB962C8B-B14F-4D97-AF65-F5344CB8AC3E}">
+        <p14:creationId xmlns:p14="http://schemas.microsoft.com/office/powerpoint/2010/main" val="3436000658"/>
+      </p:ext>
+    </p:extLst>
+  </p:cSld>
+  <p:clrMapOvr>
+    <a:masterClrMapping/>
+  </p:clrMapOvr>
+</p:sld>
+</file>
+
+<file path=ppt/slides/slide12.xml><?xml version="1.0" encoding="utf-8"?>
+<p:sld xmlns:a="http://schemas.openxmlformats.org/drawingml/2006/main" xmlns:r="http://schemas.openxmlformats.org/officeDocument/2006/relationships" xmlns:p="http://schemas.openxmlformats.org/presentationml/2006/main">
+  <p:cSld>
+    <p:spTree>
+      <p:nvGrpSpPr>
+        <p:cNvPr id="1" name=""/>
+        <p:cNvGrpSpPr/>
+        <p:nvPr/>
+      </p:nvGrpSpPr>
+      <p:grpSpPr>
+        <a:xfrm>
+          <a:off x="0" y="0"/>
+          <a:ext cx="0" cy="0"/>
+          <a:chOff x="0" y="0"/>
+          <a:chExt cx="0" cy="0"/>
+        </a:xfrm>
+      </p:grpSpPr>
+      <p:grpSp>
+        <p:nvGrpSpPr>
+          <p:cNvPr id="10" name="Group 9"/>
+          <p:cNvGrpSpPr/>
+          <p:nvPr/>
+        </p:nvGrpSpPr>
+        <p:grpSpPr>
+          <a:xfrm>
+            <a:off x="683417" y="1467926"/>
+            <a:ext cx="10605502" cy="4526477"/>
+            <a:chOff x="683417" y="1467926"/>
+            <a:chExt cx="10605502" cy="4526477"/>
+          </a:xfrm>
+        </p:grpSpPr>
+        <p:pic>
+          <p:nvPicPr>
+            <p:cNvPr id="4" name="Picture 3"/>
+            <p:cNvPicPr>
+              <a:picLocks noChangeAspect="1"/>
+            </p:cNvPicPr>
+            <p:nvPr/>
+          </p:nvPicPr>
+          <p:blipFill>
+            <a:blip r:embed="rId2">
+              <a:extLst>
+                <a:ext uri="{28A0092B-C50C-407E-A947-70E740481C1C}">
+                  <a14:useLocalDpi xmlns:a14="http://schemas.microsoft.com/office/drawing/2010/main" val="0"/>
+                </a:ext>
+              </a:extLst>
+            </a:blip>
+            <a:stretch>
+              <a:fillRect/>
+            </a:stretch>
+          </p:blipFill>
+          <p:spPr>
+            <a:xfrm>
+              <a:off x="683417" y="1467926"/>
+              <a:ext cx="5133184" cy="4210425"/>
+            </a:xfrm>
+            <a:prstGeom prst="rect">
+              <a:avLst/>
+            </a:prstGeom>
+          </p:spPr>
+        </p:pic>
+        <p:grpSp>
+          <p:nvGrpSpPr>
+            <p:cNvPr id="7" name="Group 6"/>
+            <p:cNvGrpSpPr/>
+            <p:nvPr/>
+          </p:nvGrpSpPr>
+          <p:grpSpPr>
+            <a:xfrm>
+              <a:off x="6055181" y="2499847"/>
+              <a:ext cx="5233738" cy="2333410"/>
+              <a:chOff x="6055181" y="2499847"/>
+              <a:chExt cx="5233738" cy="2333410"/>
+            </a:xfrm>
+          </p:grpSpPr>
+          <p:pic>
+            <p:nvPicPr>
+              <p:cNvPr id="5" name="图片 6"/>
+              <p:cNvPicPr>
+                <a:picLocks noChangeAspect="1"/>
+              </p:cNvPicPr>
+              <p:nvPr/>
+            </p:nvPicPr>
+            <p:blipFill>
+              <a:blip r:embed="rId3"/>
+              <a:stretch>
+                <a:fillRect/>
+              </a:stretch>
+            </p:blipFill>
+            <p:spPr>
+              <a:xfrm>
+                <a:off x="6055181" y="2499847"/>
+                <a:ext cx="5233738" cy="2333410"/>
+              </a:xfrm>
+              <a:prstGeom prst="rect">
+                <a:avLst/>
+              </a:prstGeom>
+            </p:spPr>
+          </p:pic>
+          <p:sp>
+            <p:nvSpPr>
+              <p:cNvPr id="6" name="文本框 5"/>
+              <p:cNvSpPr txBox="1"/>
+              <p:nvPr/>
+            </p:nvSpPr>
+            <p:spPr>
+              <a:xfrm>
+                <a:off x="7039429" y="3660455"/>
+                <a:ext cx="1212077" cy="523220"/>
+              </a:xfrm>
+              <a:prstGeom prst="rect">
+                <a:avLst/>
+              </a:prstGeom>
+              <a:noFill/>
+              <a:ln>
+                <a:solidFill>
+                  <a:schemeClr val="tx1"/>
+                </a:solidFill>
+              </a:ln>
+            </p:spPr>
+            <p:txBody>
+              <a:bodyPr wrap="square" rtlCol="0">
+                <a:spAutoFit/>
+              </a:bodyPr>
+              <a:lstStyle/>
+              <a:p>
+                <a:r>
+                  <a:rPr lang="en-US" altLang="zh-CN" sz="2800" i="1" dirty="0" err="1" smtClean="0">
+                    <a:latin typeface="Times New Roman" panose="02020603050405020304" pitchFamily="18" charset="0"/>
+                    <a:cs typeface="Times New Roman" panose="02020603050405020304" pitchFamily="18" charset="0"/>
+                  </a:rPr>
+                  <a:t>Zc</a:t>
+                </a:r>
+                <a:r>
+                  <a:rPr lang="en-US" altLang="zh-CN" sz="2800" i="1" dirty="0" smtClean="0">
+                    <a:latin typeface="Times New Roman" panose="02020603050405020304" pitchFamily="18" charset="0"/>
+                    <a:cs typeface="Times New Roman" panose="02020603050405020304" pitchFamily="18" charset="0"/>
+                  </a:rPr>
+                  <a:t>, </a:t>
+                </a:r>
+                <a:r>
+                  <a:rPr lang="en-US" sz="2800" i="1" dirty="0" err="1" smtClean="0">
+                    <a:latin typeface="Times New Roman" panose="02020603050405020304" pitchFamily="18" charset="0"/>
+                    <a:cs typeface="Times New Roman" panose="02020603050405020304" pitchFamily="18" charset="0"/>
+                  </a:rPr>
+                  <a:t>γ</a:t>
+                </a:r>
+                <a:r>
+                  <a:rPr lang="en-US" sz="2800" i="1" baseline="-25000" dirty="0" err="1" smtClean="0">
+                    <a:latin typeface="Times New Roman" panose="02020603050405020304" pitchFamily="18" charset="0"/>
+                    <a:cs typeface="Times New Roman" panose="02020603050405020304" pitchFamily="18" charset="0"/>
+                  </a:rPr>
+                  <a:t>m</a:t>
+                </a:r>
+                <a:endParaRPr lang="en-US" sz="2800" i="1" baseline="-25000" dirty="0" smtClean="0">
+                  <a:latin typeface="Times New Roman" panose="02020603050405020304" pitchFamily="18" charset="0"/>
+                  <a:cs typeface="Times New Roman" panose="02020603050405020304" pitchFamily="18" charset="0"/>
+                </a:endParaRPr>
+              </a:p>
+            </p:txBody>
+          </p:sp>
+        </p:grpSp>
+        <p:sp>
+          <p:nvSpPr>
+            <p:cNvPr id="8" name="TextBox 7"/>
+            <p:cNvSpPr txBox="1"/>
+            <p:nvPr/>
+          </p:nvSpPr>
+          <p:spPr>
+            <a:xfrm>
+              <a:off x="3003267" y="5617031"/>
+              <a:ext cx="493485" cy="377372"/>
+            </a:xfrm>
+            <a:prstGeom prst="rect">
+              <a:avLst/>
+            </a:prstGeom>
+            <a:noFill/>
+          </p:spPr>
+          <p:txBody>
+            <a:bodyPr wrap="square" rtlCol="0">
+              <a:spAutoFit/>
+            </a:bodyPr>
+            <a:lstStyle/>
+            <a:p>
+              <a:r>
+                <a:rPr lang="en-US" dirty="0" smtClean="0"/>
+                <a:t>(a)</a:t>
+              </a:r>
+              <a:endParaRPr lang="en-US" dirty="0"/>
+            </a:p>
+          </p:txBody>
+        </p:sp>
+        <p:sp>
+          <p:nvSpPr>
+            <p:cNvPr id="9" name="TextBox 8"/>
+            <p:cNvSpPr txBox="1"/>
+            <p:nvPr/>
+          </p:nvSpPr>
+          <p:spPr>
+            <a:xfrm>
+              <a:off x="8425307" y="5617031"/>
+              <a:ext cx="493485" cy="377372"/>
+            </a:xfrm>
+            <a:prstGeom prst="rect">
+              <a:avLst/>
+            </a:prstGeom>
+            <a:noFill/>
+          </p:spPr>
+          <p:txBody>
+            <a:bodyPr wrap="square" rtlCol="0">
+              <a:spAutoFit/>
+            </a:bodyPr>
+            <a:lstStyle/>
+            <a:p>
+              <a:r>
+                <a:rPr lang="en-US" dirty="0" smtClean="0"/>
+                <a:t>(b)</a:t>
+              </a:r>
+              <a:endParaRPr lang="en-US" dirty="0"/>
+            </a:p>
+          </p:txBody>
+        </p:sp>
+      </p:grpSp>
+    </p:spTree>
+    <p:extLst>
+      <p:ext uri="{BB962C8B-B14F-4D97-AF65-F5344CB8AC3E}">
+        <p14:creationId xmlns:p14="http://schemas.microsoft.com/office/powerpoint/2010/main" val="2241898735"/>
+      </p:ext>
+    </p:extLst>
+  </p:cSld>
+  <p:clrMapOvr>
+    <a:masterClrMapping/>
+  </p:clrMapOvr>
+</p:sld>
+</file>
+
 <file path=ppt/slides/slide2.xml><?xml version="1.0" encoding="utf-8"?>
 <p:sld xmlns:a="http://schemas.openxmlformats.org/drawingml/2006/main" xmlns:r="http://schemas.openxmlformats.org/officeDocument/2006/relationships" xmlns:p="http://schemas.openxmlformats.org/presentationml/2006/main">
   <p:cSld>
@@ -6266,19 +9899,7 @@
               </a:r>
               <a:r>
                 <a:rPr lang="zh-CN" altLang="en-US" dirty="0" smtClean="0"/>
-                <a:t>带</a:t>
-              </a:r>
-              <a:r>
-                <a:rPr lang="zh-CN" altLang="en-US" dirty="0" smtClean="0"/>
-                <a:t>间跃迁的吸</a:t>
-              </a:r>
-              <a:r>
-                <a:rPr lang="zh-CN" altLang="en-US" dirty="0" smtClean="0"/>
-                <a:t>收</a:t>
-              </a:r>
-              <a:r>
-                <a:rPr lang="zh-CN" altLang="en-US" dirty="0" smtClean="0"/>
-                <a:t>谱</a:t>
+                <a:t>带间跃迁的吸收谱</a:t>
               </a:r>
               <a:endParaRPr lang="en-US" altLang="zh-CN" dirty="0" smtClean="0"/>
             </a:p>
@@ -12027,10 +15648,656 @@
           <a:chExt cx="0" cy="0"/>
         </a:xfrm>
       </p:grpSpPr>
+      <p:grpSp>
+        <p:nvGrpSpPr>
+          <p:cNvPr id="4" name="Group 3"/>
+          <p:cNvGrpSpPr/>
+          <p:nvPr/>
+        </p:nvGrpSpPr>
+        <p:grpSpPr>
+          <a:xfrm>
+            <a:off x="3830955" y="1071976"/>
+            <a:ext cx="3004820" cy="2110437"/>
+            <a:chOff x="1211580" y="1729201"/>
+            <a:chExt cx="3004820" cy="2110437"/>
+          </a:xfrm>
+        </p:grpSpPr>
+        <p:grpSp>
+          <p:nvGrpSpPr>
+            <p:cNvPr id="5" name="Group 4"/>
+            <p:cNvGrpSpPr/>
+            <p:nvPr/>
+          </p:nvGrpSpPr>
+          <p:grpSpPr>
+            <a:xfrm>
+              <a:off x="1211580" y="1813560"/>
+              <a:ext cx="1965960" cy="1943102"/>
+              <a:chOff x="728207" y="1813560"/>
+              <a:chExt cx="2449333" cy="1943102"/>
+            </a:xfrm>
+          </p:grpSpPr>
+          <p:pic>
+            <p:nvPicPr>
+              <p:cNvPr id="18" name="Picture 17"/>
+              <p:cNvPicPr>
+                <a:picLocks noChangeAspect="1"/>
+              </p:cNvPicPr>
+              <p:nvPr/>
+            </p:nvPicPr>
+            <p:blipFill>
+              <a:blip r:embed="rId2"/>
+              <a:stretch>
+                <a:fillRect/>
+              </a:stretch>
+            </p:blipFill>
+            <p:spPr>
+              <a:xfrm>
+                <a:off x="728207" y="1821543"/>
+                <a:ext cx="2447925" cy="1736998"/>
+              </a:xfrm>
+              <a:prstGeom prst="rect">
+                <a:avLst/>
+              </a:prstGeom>
+            </p:spPr>
+          </p:pic>
+          <p:sp>
+            <p:nvSpPr>
+              <p:cNvPr id="19" name="Rectangle 18"/>
+              <p:cNvSpPr/>
+              <p:nvPr/>
+            </p:nvSpPr>
+            <p:spPr>
+              <a:xfrm>
+                <a:off x="731520" y="1813560"/>
+                <a:ext cx="2446020" cy="106680"/>
+              </a:xfrm>
+              <a:prstGeom prst="rect">
+                <a:avLst/>
+              </a:prstGeom>
+              <a:solidFill>
+                <a:schemeClr val="accent4">
+                  <a:lumMod val="75000"/>
+                </a:schemeClr>
+              </a:solidFill>
+              <a:ln>
+                <a:noFill/>
+              </a:ln>
+            </p:spPr>
+            <p:style>
+              <a:lnRef idx="2">
+                <a:schemeClr val="accent1">
+                  <a:shade val="50000"/>
+                </a:schemeClr>
+              </a:lnRef>
+              <a:fillRef idx="1">
+                <a:schemeClr val="accent1"/>
+              </a:fillRef>
+              <a:effectRef idx="0">
+                <a:schemeClr val="accent1"/>
+              </a:effectRef>
+              <a:fontRef idx="minor">
+                <a:schemeClr val="lt1"/>
+              </a:fontRef>
+            </p:style>
+            <p:txBody>
+              <a:bodyPr rtlCol="0" anchor="ctr"/>
+              <a:lstStyle/>
+              <a:p>
+                <a:pPr algn="ctr"/>
+                <a:endParaRPr lang="en-US"/>
+              </a:p>
+            </p:txBody>
+          </p:sp>
+          <p:sp>
+            <p:nvSpPr>
+              <p:cNvPr id="20" name="Rectangle 19"/>
+              <p:cNvSpPr/>
+              <p:nvPr/>
+            </p:nvSpPr>
+            <p:spPr>
+              <a:xfrm>
+                <a:off x="730112" y="3147060"/>
+                <a:ext cx="2446020" cy="160020"/>
+              </a:xfrm>
+              <a:prstGeom prst="rect">
+                <a:avLst/>
+              </a:prstGeom>
+              <a:solidFill>
+                <a:srgbClr val="FF0000"/>
+              </a:solidFill>
+              <a:ln>
+                <a:noFill/>
+              </a:ln>
+            </p:spPr>
+            <p:style>
+              <a:lnRef idx="2">
+                <a:schemeClr val="accent1">
+                  <a:shade val="50000"/>
+                </a:schemeClr>
+              </a:lnRef>
+              <a:fillRef idx="1">
+                <a:schemeClr val="accent1"/>
+              </a:fillRef>
+              <a:effectRef idx="0">
+                <a:schemeClr val="accent1"/>
+              </a:effectRef>
+              <a:fontRef idx="minor">
+                <a:schemeClr val="lt1"/>
+              </a:fontRef>
+            </p:style>
+            <p:txBody>
+              <a:bodyPr rtlCol="0" anchor="ctr"/>
+              <a:lstStyle/>
+              <a:p>
+                <a:pPr algn="ctr"/>
+                <a:endParaRPr lang="en-US"/>
+              </a:p>
+            </p:txBody>
+          </p:sp>
+          <p:sp>
+            <p:nvSpPr>
+              <p:cNvPr id="21" name="Rectangle 20"/>
+              <p:cNvSpPr/>
+              <p:nvPr/>
+            </p:nvSpPr>
+            <p:spPr>
+              <a:xfrm>
+                <a:off x="730112" y="3463291"/>
+                <a:ext cx="2446020" cy="137160"/>
+              </a:xfrm>
+              <a:prstGeom prst="rect">
+                <a:avLst/>
+              </a:prstGeom>
+              <a:solidFill>
+                <a:srgbClr val="FF0000"/>
+              </a:solidFill>
+              <a:ln>
+                <a:noFill/>
+              </a:ln>
+            </p:spPr>
+            <p:style>
+              <a:lnRef idx="2">
+                <a:schemeClr val="accent1">
+                  <a:shade val="50000"/>
+                </a:schemeClr>
+              </a:lnRef>
+              <a:fillRef idx="1">
+                <a:schemeClr val="accent1"/>
+              </a:fillRef>
+              <a:effectRef idx="0">
+                <a:schemeClr val="accent1"/>
+              </a:effectRef>
+              <a:fontRef idx="minor">
+                <a:schemeClr val="lt1"/>
+              </a:fontRef>
+            </p:style>
+            <p:txBody>
+              <a:bodyPr rtlCol="0" anchor="ctr"/>
+              <a:lstStyle/>
+              <a:p>
+                <a:pPr algn="ctr"/>
+                <a:endParaRPr lang="en-US"/>
+              </a:p>
+            </p:txBody>
+          </p:sp>
+          <p:sp>
+            <p:nvSpPr>
+              <p:cNvPr id="22" name="Rectangle 21"/>
+              <p:cNvSpPr/>
+              <p:nvPr/>
+            </p:nvSpPr>
+            <p:spPr>
+              <a:xfrm>
+                <a:off x="728207" y="3600451"/>
+                <a:ext cx="2447925" cy="156211"/>
+              </a:xfrm>
+              <a:prstGeom prst="rect">
+                <a:avLst/>
+              </a:prstGeom>
+              <a:solidFill>
+                <a:schemeClr val="accent4">
+                  <a:lumMod val="50000"/>
+                </a:schemeClr>
+              </a:solidFill>
+              <a:ln>
+                <a:noFill/>
+              </a:ln>
+            </p:spPr>
+            <p:style>
+              <a:lnRef idx="2">
+                <a:schemeClr val="accent1">
+                  <a:shade val="50000"/>
+                </a:schemeClr>
+              </a:lnRef>
+              <a:fillRef idx="1">
+                <a:schemeClr val="accent1"/>
+              </a:fillRef>
+              <a:effectRef idx="0">
+                <a:schemeClr val="accent1"/>
+              </a:effectRef>
+              <a:fontRef idx="minor">
+                <a:schemeClr val="lt1"/>
+              </a:fontRef>
+            </p:style>
+            <p:txBody>
+              <a:bodyPr rtlCol="0" anchor="ctr"/>
+              <a:lstStyle/>
+              <a:p>
+                <a:pPr algn="ctr"/>
+                <a:endParaRPr lang="en-US"/>
+              </a:p>
+            </p:txBody>
+          </p:sp>
+        </p:grpSp>
+        <p:cxnSp>
+          <p:nvCxnSpPr>
+            <p:cNvPr id="6" name="Straight Arrow Connector 5"/>
+            <p:cNvCxnSpPr/>
+            <p:nvPr/>
+          </p:nvCxnSpPr>
+          <p:spPr>
+            <a:xfrm>
+              <a:off x="3176410" y="1860006"/>
+              <a:ext cx="366890" cy="0"/>
+            </a:xfrm>
+            <a:prstGeom prst="straightConnector1">
+              <a:avLst/>
+            </a:prstGeom>
+            <a:ln>
+              <a:solidFill>
+                <a:schemeClr val="tx1"/>
+              </a:solidFill>
+              <a:tailEnd type="triangle"/>
+            </a:ln>
+          </p:spPr>
+          <p:style>
+            <a:lnRef idx="1">
+              <a:schemeClr val="accent1"/>
+            </a:lnRef>
+            <a:fillRef idx="0">
+              <a:schemeClr val="accent1"/>
+            </a:fillRef>
+            <a:effectRef idx="0">
+              <a:schemeClr val="accent1"/>
+            </a:effectRef>
+            <a:fontRef idx="minor">
+              <a:schemeClr val="tx1"/>
+            </a:fontRef>
+          </p:style>
+        </p:cxnSp>
+        <p:sp>
+          <p:nvSpPr>
+            <p:cNvPr id="7" name="TextBox 6"/>
+            <p:cNvSpPr txBox="1"/>
+            <p:nvPr/>
+          </p:nvSpPr>
+          <p:spPr>
+            <a:xfrm>
+              <a:off x="3543300" y="1729201"/>
+              <a:ext cx="673100" cy="276999"/>
+            </a:xfrm>
+            <a:prstGeom prst="rect">
+              <a:avLst/>
+            </a:prstGeom>
+            <a:noFill/>
+          </p:spPr>
+          <p:txBody>
+            <a:bodyPr wrap="square" rtlCol="0">
+              <a:spAutoFit/>
+            </a:bodyPr>
+            <a:lstStyle/>
+            <a:p>
+              <a:r>
+                <a:rPr lang="en-US" altLang="zh-CN" sz="1200" dirty="0" err="1" smtClean="0"/>
+                <a:t>InGaAs</a:t>
+              </a:r>
+              <a:endParaRPr lang="en-US" sz="1200" dirty="0"/>
+            </a:p>
+          </p:txBody>
+        </p:sp>
+        <p:sp>
+          <p:nvSpPr>
+            <p:cNvPr id="8" name="TextBox 7"/>
+            <p:cNvSpPr txBox="1"/>
+            <p:nvPr/>
+          </p:nvSpPr>
+          <p:spPr>
+            <a:xfrm>
+              <a:off x="3543300" y="2186401"/>
+              <a:ext cx="673100" cy="276999"/>
+            </a:xfrm>
+            <a:prstGeom prst="rect">
+              <a:avLst/>
+            </a:prstGeom>
+            <a:noFill/>
+          </p:spPr>
+          <p:txBody>
+            <a:bodyPr wrap="square" rtlCol="0">
+              <a:spAutoFit/>
+            </a:bodyPr>
+            <a:lstStyle/>
+            <a:p>
+              <a:r>
+                <a:rPr lang="en-US" altLang="zh-CN" sz="1200" dirty="0" smtClean="0"/>
+                <a:t>p-</a:t>
+              </a:r>
+              <a:r>
+                <a:rPr lang="en-US" altLang="zh-CN" sz="1200" dirty="0" err="1" smtClean="0"/>
+                <a:t>InP</a:t>
+              </a:r>
+              <a:endParaRPr lang="en-US" sz="1200" dirty="0"/>
+            </a:p>
+          </p:txBody>
+        </p:sp>
+        <p:cxnSp>
+          <p:nvCxnSpPr>
+            <p:cNvPr id="9" name="Straight Arrow Connector 8"/>
+            <p:cNvCxnSpPr/>
+            <p:nvPr/>
+          </p:nvCxnSpPr>
+          <p:spPr>
+            <a:xfrm>
+              <a:off x="3176410" y="2317206"/>
+              <a:ext cx="366890" cy="0"/>
+            </a:xfrm>
+            <a:prstGeom prst="straightConnector1">
+              <a:avLst/>
+            </a:prstGeom>
+            <a:ln>
+              <a:solidFill>
+                <a:schemeClr val="tx1"/>
+              </a:solidFill>
+              <a:tailEnd type="triangle"/>
+            </a:ln>
+          </p:spPr>
+          <p:style>
+            <a:lnRef idx="1">
+              <a:schemeClr val="accent1"/>
+            </a:lnRef>
+            <a:fillRef idx="0">
+              <a:schemeClr val="accent1"/>
+            </a:fillRef>
+            <a:effectRef idx="0">
+              <a:schemeClr val="accent1"/>
+            </a:effectRef>
+            <a:fontRef idx="minor">
+              <a:schemeClr val="tx1"/>
+            </a:fontRef>
+          </p:style>
+        </p:cxnSp>
+        <p:cxnSp>
+          <p:nvCxnSpPr>
+            <p:cNvPr id="10" name="Straight Arrow Connector 9"/>
+            <p:cNvCxnSpPr/>
+            <p:nvPr/>
+          </p:nvCxnSpPr>
+          <p:spPr>
+            <a:xfrm>
+              <a:off x="3176410" y="3231606"/>
+              <a:ext cx="366890" cy="0"/>
+            </a:xfrm>
+            <a:prstGeom prst="straightConnector1">
+              <a:avLst/>
+            </a:prstGeom>
+            <a:ln>
+              <a:solidFill>
+                <a:schemeClr val="tx1"/>
+              </a:solidFill>
+              <a:tailEnd type="triangle"/>
+            </a:ln>
+          </p:spPr>
+          <p:style>
+            <a:lnRef idx="1">
+              <a:schemeClr val="accent1"/>
+            </a:lnRef>
+            <a:fillRef idx="0">
+              <a:schemeClr val="accent1"/>
+            </a:fillRef>
+            <a:effectRef idx="0">
+              <a:schemeClr val="accent1"/>
+            </a:effectRef>
+            <a:fontRef idx="minor">
+              <a:schemeClr val="tx1"/>
+            </a:fontRef>
+          </p:style>
+        </p:cxnSp>
+        <p:cxnSp>
+          <p:nvCxnSpPr>
+            <p:cNvPr id="11" name="Straight Arrow Connector 10"/>
+            <p:cNvCxnSpPr/>
+            <p:nvPr/>
+          </p:nvCxnSpPr>
+          <p:spPr>
+            <a:xfrm>
+              <a:off x="3176410" y="3558540"/>
+              <a:ext cx="366890" cy="0"/>
+            </a:xfrm>
+            <a:prstGeom prst="straightConnector1">
+              <a:avLst/>
+            </a:prstGeom>
+            <a:ln>
+              <a:solidFill>
+                <a:schemeClr val="tx1"/>
+              </a:solidFill>
+              <a:tailEnd type="triangle"/>
+            </a:ln>
+          </p:spPr>
+          <p:style>
+            <a:lnRef idx="1">
+              <a:schemeClr val="accent1"/>
+            </a:lnRef>
+            <a:fillRef idx="0">
+              <a:schemeClr val="accent1"/>
+            </a:fillRef>
+            <a:effectRef idx="0">
+              <a:schemeClr val="accent1"/>
+            </a:effectRef>
+            <a:fontRef idx="minor">
+              <a:schemeClr val="tx1"/>
+            </a:fontRef>
+          </p:style>
+        </p:cxnSp>
+        <p:sp>
+          <p:nvSpPr>
+            <p:cNvPr id="12" name="TextBox 11"/>
+            <p:cNvSpPr txBox="1"/>
+            <p:nvPr/>
+          </p:nvSpPr>
+          <p:spPr>
+            <a:xfrm>
+              <a:off x="3543300" y="3065017"/>
+              <a:ext cx="673100" cy="276999"/>
+            </a:xfrm>
+            <a:prstGeom prst="rect">
+              <a:avLst/>
+            </a:prstGeom>
+            <a:noFill/>
+          </p:spPr>
+          <p:txBody>
+            <a:bodyPr wrap="square" rtlCol="0">
+              <a:spAutoFit/>
+            </a:bodyPr>
+            <a:lstStyle/>
+            <a:p>
+              <a:r>
+                <a:rPr lang="en-US" altLang="zh-CN" sz="1200" dirty="0" smtClean="0"/>
+                <a:t>SCH</a:t>
+              </a:r>
+              <a:endParaRPr lang="en-US" sz="1200" dirty="0"/>
+            </a:p>
+          </p:txBody>
+        </p:sp>
+        <p:sp>
+          <p:nvSpPr>
+            <p:cNvPr id="13" name="TextBox 12"/>
+            <p:cNvSpPr txBox="1"/>
+            <p:nvPr/>
+          </p:nvSpPr>
+          <p:spPr>
+            <a:xfrm>
+              <a:off x="3543300" y="3420041"/>
+              <a:ext cx="673100" cy="276999"/>
+            </a:xfrm>
+            <a:prstGeom prst="rect">
+              <a:avLst/>
+            </a:prstGeom>
+            <a:noFill/>
+          </p:spPr>
+          <p:txBody>
+            <a:bodyPr wrap="square" rtlCol="0">
+              <a:spAutoFit/>
+            </a:bodyPr>
+            <a:lstStyle/>
+            <a:p>
+              <a:r>
+                <a:rPr lang="en-US" altLang="zh-CN" sz="1200" dirty="0" smtClean="0"/>
+                <a:t>SCH</a:t>
+              </a:r>
+              <a:endParaRPr lang="en-US" sz="1200" dirty="0"/>
+            </a:p>
+          </p:txBody>
+        </p:sp>
+        <p:cxnSp>
+          <p:nvCxnSpPr>
+            <p:cNvPr id="14" name="Straight Arrow Connector 13"/>
+            <p:cNvCxnSpPr/>
+            <p:nvPr/>
+          </p:nvCxnSpPr>
+          <p:spPr>
+            <a:xfrm>
+              <a:off x="3176410" y="3376952"/>
+              <a:ext cx="366890" cy="0"/>
+            </a:xfrm>
+            <a:prstGeom prst="straightConnector1">
+              <a:avLst/>
+            </a:prstGeom>
+            <a:ln>
+              <a:solidFill>
+                <a:schemeClr val="tx1"/>
+              </a:solidFill>
+              <a:tailEnd type="triangle"/>
+            </a:ln>
+          </p:spPr>
+          <p:style>
+            <a:lnRef idx="1">
+              <a:schemeClr val="accent1"/>
+            </a:lnRef>
+            <a:fillRef idx="0">
+              <a:schemeClr val="accent1"/>
+            </a:fillRef>
+            <a:effectRef idx="0">
+              <a:schemeClr val="accent1"/>
+            </a:effectRef>
+            <a:fontRef idx="minor">
+              <a:schemeClr val="tx1"/>
+            </a:fontRef>
+          </p:style>
+        </p:cxnSp>
+        <p:sp>
+          <p:nvSpPr>
+            <p:cNvPr id="15" name="TextBox 14"/>
+            <p:cNvSpPr txBox="1"/>
+            <p:nvPr/>
+          </p:nvSpPr>
+          <p:spPr>
+            <a:xfrm>
+              <a:off x="3543300" y="3259696"/>
+              <a:ext cx="673100" cy="276999"/>
+            </a:xfrm>
+            <a:prstGeom prst="rect">
+              <a:avLst/>
+            </a:prstGeom>
+            <a:noFill/>
+          </p:spPr>
+          <p:txBody>
+            <a:bodyPr wrap="square" rtlCol="0">
+              <a:spAutoFit/>
+            </a:bodyPr>
+            <a:lstStyle/>
+            <a:p>
+              <a:r>
+                <a:rPr lang="en-US" altLang="zh-CN" sz="1200" dirty="0" smtClean="0"/>
+                <a:t>MQW</a:t>
+              </a:r>
+              <a:endParaRPr lang="en-US" sz="1200" dirty="0"/>
+            </a:p>
+          </p:txBody>
+        </p:sp>
+        <p:cxnSp>
+          <p:nvCxnSpPr>
+            <p:cNvPr id="16" name="Straight Arrow Connector 15"/>
+            <p:cNvCxnSpPr/>
+            <p:nvPr/>
+          </p:nvCxnSpPr>
+          <p:spPr>
+            <a:xfrm>
+              <a:off x="3176410" y="3683705"/>
+              <a:ext cx="366890" cy="0"/>
+            </a:xfrm>
+            <a:prstGeom prst="straightConnector1">
+              <a:avLst/>
+            </a:prstGeom>
+            <a:ln>
+              <a:solidFill>
+                <a:schemeClr val="tx1"/>
+              </a:solidFill>
+              <a:tailEnd type="triangle"/>
+            </a:ln>
+          </p:spPr>
+          <p:style>
+            <a:lnRef idx="1">
+              <a:schemeClr val="accent1"/>
+            </a:lnRef>
+            <a:fillRef idx="0">
+              <a:schemeClr val="accent1"/>
+            </a:fillRef>
+            <a:effectRef idx="0">
+              <a:schemeClr val="accent1"/>
+            </a:effectRef>
+            <a:fontRef idx="minor">
+              <a:schemeClr val="tx1"/>
+            </a:fontRef>
+          </p:style>
+        </p:cxnSp>
+        <p:sp>
+          <p:nvSpPr>
+            <p:cNvPr id="17" name="TextBox 16"/>
+            <p:cNvSpPr txBox="1"/>
+            <p:nvPr/>
+          </p:nvSpPr>
+          <p:spPr>
+            <a:xfrm>
+              <a:off x="3543300" y="3562639"/>
+              <a:ext cx="673100" cy="276999"/>
+            </a:xfrm>
+            <a:prstGeom prst="rect">
+              <a:avLst/>
+            </a:prstGeom>
+            <a:noFill/>
+          </p:spPr>
+          <p:txBody>
+            <a:bodyPr wrap="square" rtlCol="0">
+              <a:spAutoFit/>
+            </a:bodyPr>
+            <a:lstStyle/>
+            <a:p>
+              <a:r>
+                <a:rPr lang="en-US" sz="1200" dirty="0" smtClean="0"/>
+                <a:t>n-</a:t>
+              </a:r>
+              <a:r>
+                <a:rPr lang="en-US" sz="1200" dirty="0" err="1" smtClean="0"/>
+                <a:t>InP</a:t>
+              </a:r>
+              <a:endParaRPr lang="en-US" sz="1200" dirty="0"/>
+            </a:p>
+          </p:txBody>
+        </p:sp>
+      </p:grpSp>
     </p:spTree>
     <p:extLst>
       <p:ext uri="{BB962C8B-B14F-4D97-AF65-F5344CB8AC3E}">
-        <p14:creationId xmlns:p14="http://schemas.microsoft.com/office/powerpoint/2010/main" val="3182379709"/>
+        <p14:creationId xmlns:p14="http://schemas.microsoft.com/office/powerpoint/2010/main" val="449267788"/>
       </p:ext>
     </p:extLst>
   </p:cSld>

--- a/thesis_v1/Pictures/figure_chapter2.pptx
+++ b/thesis_v1/Pictures/figure_chapter2.pptx
@@ -17,6 +17,7 @@
     <p:sldId id="264" r:id="rId11"/>
     <p:sldId id="266" r:id="rId12"/>
     <p:sldId id="267" r:id="rId13"/>
+    <p:sldId id="268" r:id="rId14"/>
   </p:sldIdLst>
   <p:sldSz cx="12192000" cy="6858000"/>
   <p:notesSz cx="6858000" cy="9144000"/>
@@ -254,7 +255,7 @@
           <a:p>
             <a:fld id="{0AB158F5-A420-42E5-A89A-E1DF478DA356}" type="datetimeFigureOut">
               <a:rPr lang="en-US" smtClean="0"/>
-              <a:t>3/6/2016</a:t>
+              <a:t>3/8/2016</a:t>
             </a:fld>
             <a:endParaRPr lang="en-US"/>
           </a:p>
@@ -424,7 +425,7 @@
           <a:p>
             <a:fld id="{0AB158F5-A420-42E5-A89A-E1DF478DA356}" type="datetimeFigureOut">
               <a:rPr lang="en-US" smtClean="0"/>
-              <a:t>3/6/2016</a:t>
+              <a:t>3/8/2016</a:t>
             </a:fld>
             <a:endParaRPr lang="en-US"/>
           </a:p>
@@ -604,7 +605,7 @@
           <a:p>
             <a:fld id="{0AB158F5-A420-42E5-A89A-E1DF478DA356}" type="datetimeFigureOut">
               <a:rPr lang="en-US" smtClean="0"/>
-              <a:t>3/6/2016</a:t>
+              <a:t>3/8/2016</a:t>
             </a:fld>
             <a:endParaRPr lang="en-US"/>
           </a:p>
@@ -774,7 +775,7 @@
           <a:p>
             <a:fld id="{0AB158F5-A420-42E5-A89A-E1DF478DA356}" type="datetimeFigureOut">
               <a:rPr lang="en-US" smtClean="0"/>
-              <a:t>3/6/2016</a:t>
+              <a:t>3/8/2016</a:t>
             </a:fld>
             <a:endParaRPr lang="en-US"/>
           </a:p>
@@ -1027,7 +1028,7 @@
           <a:p>
             <a:fld id="{0AB158F5-A420-42E5-A89A-E1DF478DA356}" type="datetimeFigureOut">
               <a:rPr lang="en-US" smtClean="0"/>
-              <a:t>3/6/2016</a:t>
+              <a:t>3/8/2016</a:t>
             </a:fld>
             <a:endParaRPr lang="en-US"/>
           </a:p>
@@ -1259,7 +1260,7 @@
           <a:p>
             <a:fld id="{0AB158F5-A420-42E5-A89A-E1DF478DA356}" type="datetimeFigureOut">
               <a:rPr lang="en-US" smtClean="0"/>
-              <a:t>3/6/2016</a:t>
+              <a:t>3/8/2016</a:t>
             </a:fld>
             <a:endParaRPr lang="en-US"/>
           </a:p>
@@ -1626,7 +1627,7 @@
           <a:p>
             <a:fld id="{0AB158F5-A420-42E5-A89A-E1DF478DA356}" type="datetimeFigureOut">
               <a:rPr lang="en-US" smtClean="0"/>
-              <a:t>3/6/2016</a:t>
+              <a:t>3/8/2016</a:t>
             </a:fld>
             <a:endParaRPr lang="en-US"/>
           </a:p>
@@ -1744,7 +1745,7 @@
           <a:p>
             <a:fld id="{0AB158F5-A420-42E5-A89A-E1DF478DA356}" type="datetimeFigureOut">
               <a:rPr lang="en-US" smtClean="0"/>
-              <a:t>3/6/2016</a:t>
+              <a:t>3/8/2016</a:t>
             </a:fld>
             <a:endParaRPr lang="en-US"/>
           </a:p>
@@ -1839,7 +1840,7 @@
           <a:p>
             <a:fld id="{0AB158F5-A420-42E5-A89A-E1DF478DA356}" type="datetimeFigureOut">
               <a:rPr lang="en-US" smtClean="0"/>
-              <a:t>3/6/2016</a:t>
+              <a:t>3/8/2016</a:t>
             </a:fld>
             <a:endParaRPr lang="en-US"/>
           </a:p>
@@ -2116,7 +2117,7 @@
           <a:p>
             <a:fld id="{0AB158F5-A420-42E5-A89A-E1DF478DA356}" type="datetimeFigureOut">
               <a:rPr lang="en-US" smtClean="0"/>
-              <a:t>3/6/2016</a:t>
+              <a:t>3/8/2016</a:t>
             </a:fld>
             <a:endParaRPr lang="en-US"/>
           </a:p>
@@ -2369,7 +2370,7 @@
           <a:p>
             <a:fld id="{0AB158F5-A420-42E5-A89A-E1DF478DA356}" type="datetimeFigureOut">
               <a:rPr lang="en-US" smtClean="0"/>
-              <a:t>3/6/2016</a:t>
+              <a:t>3/8/2016</a:t>
             </a:fld>
             <a:endParaRPr lang="en-US"/>
           </a:p>
@@ -2582,7 +2583,7 @@
           <a:p>
             <a:fld id="{0AB158F5-A420-42E5-A89A-E1DF478DA356}" type="datetimeFigureOut">
               <a:rPr lang="en-US" smtClean="0"/>
-              <a:t>3/6/2016</a:t>
+              <a:t>3/8/2016</a:t>
             </a:fld>
             <a:endParaRPr lang="en-US"/>
           </a:p>
@@ -7218,7 +7219,7 @@
       </p:grpSpPr>
       <p:grpSp>
         <p:nvGrpSpPr>
-          <p:cNvPr id="77" name="Group 76"/>
+          <p:cNvPr id="2" name="Group 1"/>
           <p:cNvGrpSpPr/>
           <p:nvPr/>
         </p:nvGrpSpPr>
@@ -7232,471 +7233,1001 @@
         </p:grpSpPr>
         <p:grpSp>
           <p:nvGrpSpPr>
-            <p:cNvPr id="73" name="Group 72"/>
+            <p:cNvPr id="77" name="Group 76"/>
             <p:cNvGrpSpPr/>
             <p:nvPr/>
           </p:nvGrpSpPr>
           <p:grpSpPr>
             <a:xfrm>
-              <a:off x="1983014" y="751114"/>
-              <a:ext cx="3856355" cy="4629556"/>
-              <a:chOff x="2853872" y="963068"/>
-              <a:chExt cx="3856355" cy="4629556"/>
+              <a:off x="1983014" y="671660"/>
+              <a:ext cx="7639876" cy="4709010"/>
+              <a:chOff x="1983014" y="671660"/>
+              <a:chExt cx="7639876" cy="4709010"/>
             </a:xfrm>
           </p:grpSpPr>
           <p:grpSp>
             <p:nvGrpSpPr>
-              <p:cNvPr id="69" name="Group 68"/>
+              <p:cNvPr id="73" name="Group 72"/>
               <p:cNvGrpSpPr/>
               <p:nvPr/>
             </p:nvGrpSpPr>
             <p:grpSpPr>
               <a:xfrm>
-                <a:off x="2853872" y="963068"/>
+                <a:off x="1983014" y="751114"/>
                 <a:ext cx="3856355" cy="4629556"/>
-                <a:chOff x="2755900" y="647382"/>
+                <a:chOff x="2853872" y="963068"/>
                 <a:chExt cx="3856355" cy="4629556"/>
               </a:xfrm>
             </p:grpSpPr>
             <p:grpSp>
               <p:nvGrpSpPr>
-                <p:cNvPr id="65" name="Group 64"/>
+                <p:cNvPr id="69" name="Group 68"/>
                 <p:cNvGrpSpPr/>
                 <p:nvPr/>
               </p:nvGrpSpPr>
               <p:grpSpPr>
                 <a:xfrm>
-                  <a:off x="2755900" y="647382"/>
+                  <a:off x="2853872" y="963068"/>
                   <a:ext cx="3856355" cy="4629556"/>
-                  <a:chOff x="3146425" y="933132"/>
+                  <a:chOff x="2755900" y="647382"/>
                   <a:chExt cx="3856355" cy="4629556"/>
                 </a:xfrm>
               </p:grpSpPr>
-              <p:sp>
-                <p:nvSpPr>
-                  <p:cNvPr id="22" name="Rectangle 21"/>
-                  <p:cNvSpPr/>
-                  <p:nvPr/>
-                </p:nvSpPr>
-                <p:spPr>
-                  <a:xfrm>
-                    <a:off x="3146425" y="3009901"/>
-                    <a:ext cx="3856355" cy="156211"/>
-                  </a:xfrm>
-                  <a:prstGeom prst="rect">
-                    <a:avLst/>
-                  </a:prstGeom>
-                  <a:solidFill>
-                    <a:schemeClr val="accent4">
-                      <a:lumMod val="50000"/>
-                    </a:schemeClr>
-                  </a:solidFill>
-                  <a:ln>
-                    <a:noFill/>
-                  </a:ln>
-                </p:spPr>
-                <p:style>
-                  <a:lnRef idx="2">
-                    <a:schemeClr val="accent1">
-                      <a:shade val="50000"/>
-                    </a:schemeClr>
-                  </a:lnRef>
-                  <a:fillRef idx="1">
-                    <a:schemeClr val="accent1"/>
-                  </a:fillRef>
-                  <a:effectRef idx="0">
-                    <a:schemeClr val="accent1"/>
-                  </a:effectRef>
-                  <a:fontRef idx="minor">
-                    <a:schemeClr val="lt1"/>
-                  </a:fontRef>
-                </p:style>
-                <p:txBody>
-                  <a:bodyPr rtlCol="0" anchor="ctr"/>
-                  <a:lstStyle/>
-                  <a:p>
-                    <a:pPr algn="ctr"/>
-                    <a:r>
-                      <a:rPr lang="en-US" sz="1100" dirty="0"/>
-                      <a:t>n</a:t>
-                    </a:r>
-                    <a:r>
-                      <a:rPr lang="en-US" sz="1100" dirty="0" smtClean="0"/>
-                      <a:t>-</a:t>
-                    </a:r>
-                    <a:r>
-                      <a:rPr lang="en-US" sz="1100" dirty="0" err="1" smtClean="0"/>
-                      <a:t>InP</a:t>
-                    </a:r>
-                    <a:endParaRPr lang="en-US" sz="1100" dirty="0"/>
-                  </a:p>
-                </p:txBody>
-              </p:sp>
-              <p:cxnSp>
-                <p:nvCxnSpPr>
-                  <p:cNvPr id="6" name="Straight Arrow Connector 5"/>
-                  <p:cNvCxnSpPr/>
-                  <p:nvPr/>
-                </p:nvCxnSpPr>
-                <p:spPr>
-                  <a:xfrm>
-                    <a:off x="5425896" y="1263308"/>
-                    <a:ext cx="366890" cy="0"/>
-                  </a:xfrm>
-                  <a:prstGeom prst="straightConnector1">
-                    <a:avLst/>
-                  </a:prstGeom>
-                  <a:ln>
-                    <a:solidFill>
-                      <a:schemeClr val="tx1"/>
-                    </a:solidFill>
-                    <a:tailEnd type="triangle"/>
-                  </a:ln>
-                </p:spPr>
-                <p:style>
-                  <a:lnRef idx="1">
-                    <a:schemeClr val="accent1"/>
-                  </a:lnRef>
-                  <a:fillRef idx="0">
-                    <a:schemeClr val="accent1"/>
-                  </a:fillRef>
-                  <a:effectRef idx="0">
-                    <a:schemeClr val="accent1"/>
-                  </a:effectRef>
-                  <a:fontRef idx="minor">
-                    <a:schemeClr val="tx1"/>
-                  </a:fontRef>
-                </p:style>
-              </p:cxnSp>
-              <p:sp>
-                <p:nvSpPr>
-                  <p:cNvPr id="7" name="TextBox 6"/>
-                  <p:cNvSpPr txBox="1"/>
-                  <p:nvPr/>
-                </p:nvSpPr>
-                <p:spPr>
-                  <a:xfrm>
-                    <a:off x="5792786" y="1132503"/>
-                    <a:ext cx="673100" cy="276999"/>
-                  </a:xfrm>
-                  <a:prstGeom prst="rect">
-                    <a:avLst/>
-                  </a:prstGeom>
-                  <a:noFill/>
-                </p:spPr>
-                <p:txBody>
-                  <a:bodyPr wrap="square" rtlCol="0">
-                    <a:spAutoFit/>
-                  </a:bodyPr>
-                  <a:lstStyle/>
-                  <a:p>
-                    <a:r>
-                      <a:rPr lang="en-US" altLang="zh-CN" sz="1200" dirty="0" err="1" smtClean="0"/>
-                      <a:t>InGaAs</a:t>
-                    </a:r>
-                    <a:endParaRPr lang="en-US" sz="1200" dirty="0"/>
-                  </a:p>
-                </p:txBody>
-              </p:sp>
-              <p:sp>
-                <p:nvSpPr>
-                  <p:cNvPr id="8" name="TextBox 7"/>
-                  <p:cNvSpPr txBox="1"/>
-                  <p:nvPr/>
-                </p:nvSpPr>
-                <p:spPr>
-                  <a:xfrm>
-                    <a:off x="5792786" y="1589703"/>
-                    <a:ext cx="673100" cy="276999"/>
-                  </a:xfrm>
-                  <a:prstGeom prst="rect">
-                    <a:avLst/>
-                  </a:prstGeom>
-                  <a:noFill/>
-                </p:spPr>
-                <p:txBody>
-                  <a:bodyPr wrap="square" rtlCol="0">
-                    <a:spAutoFit/>
-                  </a:bodyPr>
-                  <a:lstStyle/>
-                  <a:p>
-                    <a:r>
-                      <a:rPr lang="en-US" altLang="zh-CN" sz="1200" dirty="0" smtClean="0"/>
-                      <a:t>p-</a:t>
-                    </a:r>
-                    <a:r>
-                      <a:rPr lang="en-US" altLang="zh-CN" sz="1200" dirty="0" err="1" smtClean="0"/>
-                      <a:t>InP</a:t>
-                    </a:r>
-                    <a:endParaRPr lang="en-US" sz="1200" dirty="0"/>
-                  </a:p>
-                </p:txBody>
-              </p:sp>
-              <p:cxnSp>
-                <p:nvCxnSpPr>
-                  <p:cNvPr id="9" name="Straight Arrow Connector 8"/>
-                  <p:cNvCxnSpPr/>
-                  <p:nvPr/>
-                </p:nvCxnSpPr>
-                <p:spPr>
-                  <a:xfrm>
-                    <a:off x="5425896" y="1720508"/>
-                    <a:ext cx="366890" cy="0"/>
-                  </a:xfrm>
-                  <a:prstGeom prst="straightConnector1">
-                    <a:avLst/>
-                  </a:prstGeom>
-                  <a:ln>
-                    <a:solidFill>
-                      <a:schemeClr val="tx1"/>
-                    </a:solidFill>
-                    <a:tailEnd type="triangle"/>
-                  </a:ln>
-                </p:spPr>
-                <p:style>
-                  <a:lnRef idx="1">
-                    <a:schemeClr val="accent1"/>
-                  </a:lnRef>
-                  <a:fillRef idx="0">
-                    <a:schemeClr val="accent1"/>
-                  </a:fillRef>
-                  <a:effectRef idx="0">
-                    <a:schemeClr val="accent1"/>
-                  </a:effectRef>
-                  <a:fontRef idx="minor">
-                    <a:schemeClr val="tx1"/>
-                  </a:fontRef>
-                </p:style>
-              </p:cxnSp>
-              <p:cxnSp>
-                <p:nvCxnSpPr>
-                  <p:cNvPr id="10" name="Straight Arrow Connector 9"/>
-                  <p:cNvCxnSpPr/>
-                  <p:nvPr/>
-                </p:nvCxnSpPr>
-                <p:spPr>
-                  <a:xfrm>
-                    <a:off x="5425896" y="2634908"/>
-                    <a:ext cx="366890" cy="0"/>
-                  </a:xfrm>
-                  <a:prstGeom prst="straightConnector1">
-                    <a:avLst/>
-                  </a:prstGeom>
-                  <a:ln>
-                    <a:solidFill>
-                      <a:schemeClr val="tx1"/>
-                    </a:solidFill>
-                    <a:tailEnd type="triangle"/>
-                  </a:ln>
-                </p:spPr>
-                <p:style>
-                  <a:lnRef idx="1">
-                    <a:schemeClr val="accent1"/>
-                  </a:lnRef>
-                  <a:fillRef idx="0">
-                    <a:schemeClr val="accent1"/>
-                  </a:fillRef>
-                  <a:effectRef idx="0">
-                    <a:schemeClr val="accent1"/>
-                  </a:effectRef>
-                  <a:fontRef idx="minor">
-                    <a:schemeClr val="tx1"/>
-                  </a:fontRef>
-                </p:style>
-              </p:cxnSp>
-              <p:cxnSp>
-                <p:nvCxnSpPr>
-                  <p:cNvPr id="11" name="Straight Arrow Connector 10"/>
-                  <p:cNvCxnSpPr/>
-                  <p:nvPr/>
-                </p:nvCxnSpPr>
-                <p:spPr>
-                  <a:xfrm>
-                    <a:off x="5425896" y="2961842"/>
-                    <a:ext cx="366890" cy="0"/>
-                  </a:xfrm>
-                  <a:prstGeom prst="straightConnector1">
-                    <a:avLst/>
-                  </a:prstGeom>
-                  <a:ln>
-                    <a:solidFill>
-                      <a:schemeClr val="tx1"/>
-                    </a:solidFill>
-                    <a:tailEnd type="triangle"/>
-                  </a:ln>
-                </p:spPr>
-                <p:style>
-                  <a:lnRef idx="1">
-                    <a:schemeClr val="accent1"/>
-                  </a:lnRef>
-                  <a:fillRef idx="0">
-                    <a:schemeClr val="accent1"/>
-                  </a:fillRef>
-                  <a:effectRef idx="0">
-                    <a:schemeClr val="accent1"/>
-                  </a:effectRef>
-                  <a:fontRef idx="minor">
-                    <a:schemeClr val="tx1"/>
-                  </a:fontRef>
-                </p:style>
-              </p:cxnSp>
-              <p:sp>
-                <p:nvSpPr>
-                  <p:cNvPr id="12" name="TextBox 11"/>
-                  <p:cNvSpPr txBox="1"/>
-                  <p:nvPr/>
-                </p:nvSpPr>
-                <p:spPr>
-                  <a:xfrm>
-                    <a:off x="5792786" y="2468319"/>
-                    <a:ext cx="673100" cy="276999"/>
-                  </a:xfrm>
-                  <a:prstGeom prst="rect">
-                    <a:avLst/>
-                  </a:prstGeom>
-                  <a:noFill/>
-                </p:spPr>
-                <p:txBody>
-                  <a:bodyPr wrap="square" rtlCol="0">
-                    <a:spAutoFit/>
-                  </a:bodyPr>
-                  <a:lstStyle/>
-                  <a:p>
-                    <a:r>
-                      <a:rPr lang="en-US" altLang="zh-CN" sz="1200" dirty="0" smtClean="0"/>
-                      <a:t>SCH</a:t>
-                    </a:r>
-                    <a:endParaRPr lang="en-US" sz="1200" dirty="0"/>
-                  </a:p>
-                </p:txBody>
-              </p:sp>
-              <p:sp>
-                <p:nvSpPr>
-                  <p:cNvPr id="13" name="TextBox 12"/>
-                  <p:cNvSpPr txBox="1"/>
-                  <p:nvPr/>
-                </p:nvSpPr>
-                <p:spPr>
-                  <a:xfrm>
-                    <a:off x="5792786" y="2823343"/>
-                    <a:ext cx="673100" cy="276999"/>
-                  </a:xfrm>
-                  <a:prstGeom prst="rect">
-                    <a:avLst/>
-                  </a:prstGeom>
-                  <a:noFill/>
-                </p:spPr>
-                <p:txBody>
-                  <a:bodyPr wrap="square" rtlCol="0">
-                    <a:spAutoFit/>
-                  </a:bodyPr>
-                  <a:lstStyle/>
-                  <a:p>
-                    <a:r>
-                      <a:rPr lang="en-US" altLang="zh-CN" sz="1200" dirty="0" smtClean="0"/>
-                      <a:t>SCH</a:t>
-                    </a:r>
-                    <a:endParaRPr lang="en-US" sz="1200" dirty="0"/>
-                  </a:p>
-                </p:txBody>
-              </p:sp>
-              <p:cxnSp>
-                <p:nvCxnSpPr>
-                  <p:cNvPr id="14" name="Straight Arrow Connector 13"/>
-                  <p:cNvCxnSpPr/>
-                  <p:nvPr/>
-                </p:nvCxnSpPr>
-                <p:spPr>
-                  <a:xfrm>
-                    <a:off x="5425896" y="2780254"/>
-                    <a:ext cx="366890" cy="0"/>
-                  </a:xfrm>
-                  <a:prstGeom prst="straightConnector1">
-                    <a:avLst/>
-                  </a:prstGeom>
-                  <a:ln>
-                    <a:solidFill>
-                      <a:schemeClr val="tx1"/>
-                    </a:solidFill>
-                    <a:tailEnd type="triangle"/>
-                  </a:ln>
-                </p:spPr>
-                <p:style>
-                  <a:lnRef idx="1">
-                    <a:schemeClr val="accent1"/>
-                  </a:lnRef>
-                  <a:fillRef idx="0">
-                    <a:schemeClr val="accent1"/>
-                  </a:fillRef>
-                  <a:effectRef idx="0">
-                    <a:schemeClr val="accent1"/>
-                  </a:effectRef>
-                  <a:fontRef idx="minor">
-                    <a:schemeClr val="tx1"/>
-                  </a:fontRef>
-                </p:style>
-              </p:cxnSp>
-              <p:sp>
-                <p:nvSpPr>
-                  <p:cNvPr id="15" name="TextBox 14"/>
-                  <p:cNvSpPr txBox="1"/>
-                  <p:nvPr/>
-                </p:nvSpPr>
-                <p:spPr>
-                  <a:xfrm>
-                    <a:off x="5792786" y="2662998"/>
-                    <a:ext cx="673100" cy="276999"/>
-                  </a:xfrm>
-                  <a:prstGeom prst="rect">
-                    <a:avLst/>
-                  </a:prstGeom>
-                  <a:noFill/>
-                </p:spPr>
-                <p:txBody>
-                  <a:bodyPr wrap="square" rtlCol="0">
-                    <a:spAutoFit/>
-                  </a:bodyPr>
-                  <a:lstStyle/>
-                  <a:p>
-                    <a:r>
-                      <a:rPr lang="en-US" altLang="zh-CN" sz="1200" dirty="0" smtClean="0"/>
-                      <a:t>MQW</a:t>
-                    </a:r>
-                    <a:endParaRPr lang="en-US" sz="1200" dirty="0"/>
-                  </a:p>
-                </p:txBody>
-              </p:sp>
               <p:grpSp>
                 <p:nvGrpSpPr>
-                  <p:cNvPr id="26" name="Group 25"/>
+                  <p:cNvPr id="65" name="Group 64"/>
                   <p:cNvGrpSpPr/>
                   <p:nvPr/>
                 </p:nvGrpSpPr>
                 <p:grpSpPr>
                   <a:xfrm>
-                    <a:off x="4752975" y="1223010"/>
-                    <a:ext cx="643255" cy="1786891"/>
-                    <a:chOff x="3830955" y="1156335"/>
-                    <a:chExt cx="1828800" cy="1786891"/>
+                    <a:off x="2755900" y="647382"/>
+                    <a:ext cx="3856355" cy="4629556"/>
+                    <a:chOff x="3146425" y="933132"/>
+                    <a:chExt cx="3856355" cy="4629556"/>
                   </a:xfrm>
                 </p:grpSpPr>
                 <p:sp>
                   <p:nvSpPr>
-                    <p:cNvPr id="19" name="Rectangle 18"/>
+                    <p:cNvPr id="22" name="Rectangle 21"/>
                     <p:cNvSpPr/>
                     <p:nvPr/>
                   </p:nvSpPr>
                   <p:spPr>
                     <a:xfrm>
-                      <a:off x="3830955" y="1156335"/>
-                      <a:ext cx="1828800" cy="161290"/>
+                      <a:off x="3146425" y="3009901"/>
+                      <a:ext cx="3856355" cy="156211"/>
                     </a:xfrm>
                     <a:prstGeom prst="rect">
                       <a:avLst/>
                     </a:prstGeom>
                     <a:solidFill>
                       <a:schemeClr val="accent4">
-                        <a:lumMod val="75000"/>
+                        <a:lumMod val="50000"/>
+                      </a:schemeClr>
+                    </a:solidFill>
+                    <a:ln>
+                      <a:noFill/>
+                    </a:ln>
+                  </p:spPr>
+                  <p:style>
+                    <a:lnRef idx="2">
+                      <a:schemeClr val="accent1">
+                        <a:shade val="50000"/>
+                      </a:schemeClr>
+                    </a:lnRef>
+                    <a:fillRef idx="1">
+                      <a:schemeClr val="accent1"/>
+                    </a:fillRef>
+                    <a:effectRef idx="0">
+                      <a:schemeClr val="accent1"/>
+                    </a:effectRef>
+                    <a:fontRef idx="minor">
+                      <a:schemeClr val="lt1"/>
+                    </a:fontRef>
+                  </p:style>
+                  <p:txBody>
+                    <a:bodyPr rtlCol="0" anchor="ctr"/>
+                    <a:lstStyle/>
+                    <a:p>
+                      <a:pPr algn="ctr"/>
+                      <a:r>
+                        <a:rPr lang="en-US" sz="1100" dirty="0"/>
+                        <a:t>n</a:t>
+                      </a:r>
+                      <a:r>
+                        <a:rPr lang="en-US" sz="1100" dirty="0" smtClean="0"/>
+                        <a:t>-</a:t>
+                      </a:r>
+                      <a:r>
+                        <a:rPr lang="en-US" sz="1100" dirty="0" err="1" smtClean="0"/>
+                        <a:t>InP</a:t>
+                      </a:r>
+                      <a:endParaRPr lang="en-US" sz="1100" dirty="0"/>
+                    </a:p>
+                  </p:txBody>
+                </p:sp>
+                <p:cxnSp>
+                  <p:nvCxnSpPr>
+                    <p:cNvPr id="6" name="Straight Arrow Connector 5"/>
+                    <p:cNvCxnSpPr/>
+                    <p:nvPr/>
+                  </p:nvCxnSpPr>
+                  <p:spPr>
+                    <a:xfrm>
+                      <a:off x="5425896" y="1263308"/>
+                      <a:ext cx="366890" cy="0"/>
+                    </a:xfrm>
+                    <a:prstGeom prst="straightConnector1">
+                      <a:avLst/>
+                    </a:prstGeom>
+                    <a:ln>
+                      <a:solidFill>
+                        <a:schemeClr val="tx1"/>
+                      </a:solidFill>
+                      <a:tailEnd type="triangle"/>
+                    </a:ln>
+                  </p:spPr>
+                  <p:style>
+                    <a:lnRef idx="1">
+                      <a:schemeClr val="accent1"/>
+                    </a:lnRef>
+                    <a:fillRef idx="0">
+                      <a:schemeClr val="accent1"/>
+                    </a:fillRef>
+                    <a:effectRef idx="0">
+                      <a:schemeClr val="accent1"/>
+                    </a:effectRef>
+                    <a:fontRef idx="minor">
+                      <a:schemeClr val="tx1"/>
+                    </a:fontRef>
+                  </p:style>
+                </p:cxnSp>
+                <p:sp>
+                  <p:nvSpPr>
+                    <p:cNvPr id="7" name="TextBox 6"/>
+                    <p:cNvSpPr txBox="1"/>
+                    <p:nvPr/>
+                  </p:nvSpPr>
+                  <p:spPr>
+                    <a:xfrm>
+                      <a:off x="5792786" y="1132503"/>
+                      <a:ext cx="673100" cy="276999"/>
+                    </a:xfrm>
+                    <a:prstGeom prst="rect">
+                      <a:avLst/>
+                    </a:prstGeom>
+                    <a:noFill/>
+                  </p:spPr>
+                  <p:txBody>
+                    <a:bodyPr wrap="square" rtlCol="0">
+                      <a:spAutoFit/>
+                    </a:bodyPr>
+                    <a:lstStyle/>
+                    <a:p>
+                      <a:r>
+                        <a:rPr lang="en-US" altLang="zh-CN" sz="1200" dirty="0" err="1" smtClean="0"/>
+                        <a:t>InGaAs</a:t>
+                      </a:r>
+                      <a:endParaRPr lang="en-US" sz="1200" dirty="0"/>
+                    </a:p>
+                  </p:txBody>
+                </p:sp>
+                <p:sp>
+                  <p:nvSpPr>
+                    <p:cNvPr id="8" name="TextBox 7"/>
+                    <p:cNvSpPr txBox="1"/>
+                    <p:nvPr/>
+                  </p:nvSpPr>
+                  <p:spPr>
+                    <a:xfrm>
+                      <a:off x="5792786" y="1589703"/>
+                      <a:ext cx="673100" cy="276999"/>
+                    </a:xfrm>
+                    <a:prstGeom prst="rect">
+                      <a:avLst/>
+                    </a:prstGeom>
+                    <a:noFill/>
+                  </p:spPr>
+                  <p:txBody>
+                    <a:bodyPr wrap="square" rtlCol="0">
+                      <a:spAutoFit/>
+                    </a:bodyPr>
+                    <a:lstStyle/>
+                    <a:p>
+                      <a:r>
+                        <a:rPr lang="en-US" altLang="zh-CN" sz="1200" dirty="0" smtClean="0"/>
+                        <a:t>p-</a:t>
+                      </a:r>
+                      <a:r>
+                        <a:rPr lang="en-US" altLang="zh-CN" sz="1200" dirty="0" err="1" smtClean="0"/>
+                        <a:t>InP</a:t>
+                      </a:r>
+                      <a:endParaRPr lang="en-US" sz="1200" dirty="0"/>
+                    </a:p>
+                  </p:txBody>
+                </p:sp>
+                <p:cxnSp>
+                  <p:nvCxnSpPr>
+                    <p:cNvPr id="9" name="Straight Arrow Connector 8"/>
+                    <p:cNvCxnSpPr/>
+                    <p:nvPr/>
+                  </p:nvCxnSpPr>
+                  <p:spPr>
+                    <a:xfrm>
+                      <a:off x="5425896" y="1720508"/>
+                      <a:ext cx="366890" cy="0"/>
+                    </a:xfrm>
+                    <a:prstGeom prst="straightConnector1">
+                      <a:avLst/>
+                    </a:prstGeom>
+                    <a:ln>
+                      <a:solidFill>
+                        <a:schemeClr val="tx1"/>
+                      </a:solidFill>
+                      <a:tailEnd type="triangle"/>
+                    </a:ln>
+                  </p:spPr>
+                  <p:style>
+                    <a:lnRef idx="1">
+                      <a:schemeClr val="accent1"/>
+                    </a:lnRef>
+                    <a:fillRef idx="0">
+                      <a:schemeClr val="accent1"/>
+                    </a:fillRef>
+                    <a:effectRef idx="0">
+                      <a:schemeClr val="accent1"/>
+                    </a:effectRef>
+                    <a:fontRef idx="minor">
+                      <a:schemeClr val="tx1"/>
+                    </a:fontRef>
+                  </p:style>
+                </p:cxnSp>
+                <p:cxnSp>
+                  <p:nvCxnSpPr>
+                    <p:cNvPr id="10" name="Straight Arrow Connector 9"/>
+                    <p:cNvCxnSpPr/>
+                    <p:nvPr/>
+                  </p:nvCxnSpPr>
+                  <p:spPr>
+                    <a:xfrm>
+                      <a:off x="5425896" y="2634908"/>
+                      <a:ext cx="366890" cy="0"/>
+                    </a:xfrm>
+                    <a:prstGeom prst="straightConnector1">
+                      <a:avLst/>
+                    </a:prstGeom>
+                    <a:ln>
+                      <a:solidFill>
+                        <a:schemeClr val="tx1"/>
+                      </a:solidFill>
+                      <a:tailEnd type="triangle"/>
+                    </a:ln>
+                  </p:spPr>
+                  <p:style>
+                    <a:lnRef idx="1">
+                      <a:schemeClr val="accent1"/>
+                    </a:lnRef>
+                    <a:fillRef idx="0">
+                      <a:schemeClr val="accent1"/>
+                    </a:fillRef>
+                    <a:effectRef idx="0">
+                      <a:schemeClr val="accent1"/>
+                    </a:effectRef>
+                    <a:fontRef idx="minor">
+                      <a:schemeClr val="tx1"/>
+                    </a:fontRef>
+                  </p:style>
+                </p:cxnSp>
+                <p:cxnSp>
+                  <p:nvCxnSpPr>
+                    <p:cNvPr id="11" name="Straight Arrow Connector 10"/>
+                    <p:cNvCxnSpPr/>
+                    <p:nvPr/>
+                  </p:nvCxnSpPr>
+                  <p:spPr>
+                    <a:xfrm>
+                      <a:off x="5425896" y="2961842"/>
+                      <a:ext cx="366890" cy="0"/>
+                    </a:xfrm>
+                    <a:prstGeom prst="straightConnector1">
+                      <a:avLst/>
+                    </a:prstGeom>
+                    <a:ln>
+                      <a:solidFill>
+                        <a:schemeClr val="tx1"/>
+                      </a:solidFill>
+                      <a:tailEnd type="triangle"/>
+                    </a:ln>
+                  </p:spPr>
+                  <p:style>
+                    <a:lnRef idx="1">
+                      <a:schemeClr val="accent1"/>
+                    </a:lnRef>
+                    <a:fillRef idx="0">
+                      <a:schemeClr val="accent1"/>
+                    </a:fillRef>
+                    <a:effectRef idx="0">
+                      <a:schemeClr val="accent1"/>
+                    </a:effectRef>
+                    <a:fontRef idx="minor">
+                      <a:schemeClr val="tx1"/>
+                    </a:fontRef>
+                  </p:style>
+                </p:cxnSp>
+                <p:sp>
+                  <p:nvSpPr>
+                    <p:cNvPr id="12" name="TextBox 11"/>
+                    <p:cNvSpPr txBox="1"/>
+                    <p:nvPr/>
+                  </p:nvSpPr>
+                  <p:spPr>
+                    <a:xfrm>
+                      <a:off x="5792786" y="2468319"/>
+                      <a:ext cx="673100" cy="276999"/>
+                    </a:xfrm>
+                    <a:prstGeom prst="rect">
+                      <a:avLst/>
+                    </a:prstGeom>
+                    <a:noFill/>
+                  </p:spPr>
+                  <p:txBody>
+                    <a:bodyPr wrap="square" rtlCol="0">
+                      <a:spAutoFit/>
+                    </a:bodyPr>
+                    <a:lstStyle/>
+                    <a:p>
+                      <a:r>
+                        <a:rPr lang="en-US" altLang="zh-CN" sz="1200" dirty="0" smtClean="0"/>
+                        <a:t>SCH</a:t>
+                      </a:r>
+                      <a:endParaRPr lang="en-US" sz="1200" dirty="0"/>
+                    </a:p>
+                  </p:txBody>
+                </p:sp>
+                <p:sp>
+                  <p:nvSpPr>
+                    <p:cNvPr id="13" name="TextBox 12"/>
+                    <p:cNvSpPr txBox="1"/>
+                    <p:nvPr/>
+                  </p:nvSpPr>
+                  <p:spPr>
+                    <a:xfrm>
+                      <a:off x="5792786" y="2823343"/>
+                      <a:ext cx="673100" cy="276999"/>
+                    </a:xfrm>
+                    <a:prstGeom prst="rect">
+                      <a:avLst/>
+                    </a:prstGeom>
+                    <a:noFill/>
+                  </p:spPr>
+                  <p:txBody>
+                    <a:bodyPr wrap="square" rtlCol="0">
+                      <a:spAutoFit/>
+                    </a:bodyPr>
+                    <a:lstStyle/>
+                    <a:p>
+                      <a:r>
+                        <a:rPr lang="en-US" altLang="zh-CN" sz="1200" dirty="0" smtClean="0"/>
+                        <a:t>SCH</a:t>
+                      </a:r>
+                      <a:endParaRPr lang="en-US" sz="1200" dirty="0"/>
+                    </a:p>
+                  </p:txBody>
+                </p:sp>
+                <p:cxnSp>
+                  <p:nvCxnSpPr>
+                    <p:cNvPr id="14" name="Straight Arrow Connector 13"/>
+                    <p:cNvCxnSpPr/>
+                    <p:nvPr/>
+                  </p:nvCxnSpPr>
+                  <p:spPr>
+                    <a:xfrm>
+                      <a:off x="5425896" y="2780254"/>
+                      <a:ext cx="366890" cy="0"/>
+                    </a:xfrm>
+                    <a:prstGeom prst="straightConnector1">
+                      <a:avLst/>
+                    </a:prstGeom>
+                    <a:ln>
+                      <a:solidFill>
+                        <a:schemeClr val="tx1"/>
+                      </a:solidFill>
+                      <a:tailEnd type="triangle"/>
+                    </a:ln>
+                  </p:spPr>
+                  <p:style>
+                    <a:lnRef idx="1">
+                      <a:schemeClr val="accent1"/>
+                    </a:lnRef>
+                    <a:fillRef idx="0">
+                      <a:schemeClr val="accent1"/>
+                    </a:fillRef>
+                    <a:effectRef idx="0">
+                      <a:schemeClr val="accent1"/>
+                    </a:effectRef>
+                    <a:fontRef idx="minor">
+                      <a:schemeClr val="tx1"/>
+                    </a:fontRef>
+                  </p:style>
+                </p:cxnSp>
+                <p:sp>
+                  <p:nvSpPr>
+                    <p:cNvPr id="15" name="TextBox 14"/>
+                    <p:cNvSpPr txBox="1"/>
+                    <p:nvPr/>
+                  </p:nvSpPr>
+                  <p:spPr>
+                    <a:xfrm>
+                      <a:off x="5792786" y="2662998"/>
+                      <a:ext cx="673100" cy="276999"/>
+                    </a:xfrm>
+                    <a:prstGeom prst="rect">
+                      <a:avLst/>
+                    </a:prstGeom>
+                    <a:noFill/>
+                  </p:spPr>
+                  <p:txBody>
+                    <a:bodyPr wrap="square" rtlCol="0">
+                      <a:spAutoFit/>
+                    </a:bodyPr>
+                    <a:lstStyle/>
+                    <a:p>
+                      <a:r>
+                        <a:rPr lang="en-US" altLang="zh-CN" sz="1200" dirty="0" smtClean="0"/>
+                        <a:t>MQW</a:t>
+                      </a:r>
+                      <a:endParaRPr lang="en-US" sz="1200" dirty="0"/>
+                    </a:p>
+                  </p:txBody>
+                </p:sp>
+                <p:grpSp>
+                  <p:nvGrpSpPr>
+                    <p:cNvPr id="26" name="Group 25"/>
+                    <p:cNvGrpSpPr/>
+                    <p:nvPr/>
+                  </p:nvGrpSpPr>
+                  <p:grpSpPr>
+                    <a:xfrm>
+                      <a:off x="4752975" y="1223010"/>
+                      <a:ext cx="643255" cy="1786891"/>
+                      <a:chOff x="3830955" y="1156335"/>
+                      <a:chExt cx="1828800" cy="1786891"/>
+                    </a:xfrm>
+                  </p:grpSpPr>
+                  <p:sp>
+                    <p:nvSpPr>
+                      <p:cNvPr id="19" name="Rectangle 18"/>
+                      <p:cNvSpPr/>
+                      <p:nvPr/>
+                    </p:nvSpPr>
+                    <p:spPr>
+                      <a:xfrm>
+                        <a:off x="3830955" y="1156335"/>
+                        <a:ext cx="1828800" cy="161290"/>
+                      </a:xfrm>
+                      <a:prstGeom prst="rect">
+                        <a:avLst/>
+                      </a:prstGeom>
+                      <a:solidFill>
+                        <a:schemeClr val="accent4">
+                          <a:lumMod val="75000"/>
+                        </a:schemeClr>
+                      </a:solidFill>
+                      <a:ln>
+                        <a:noFill/>
+                      </a:ln>
+                    </p:spPr>
+                    <p:style>
+                      <a:lnRef idx="2">
+                        <a:schemeClr val="accent1">
+                          <a:shade val="50000"/>
+                        </a:schemeClr>
+                      </a:lnRef>
+                      <a:fillRef idx="1">
+                        <a:schemeClr val="accent1"/>
+                      </a:fillRef>
+                      <a:effectRef idx="0">
+                        <a:schemeClr val="accent1"/>
+                      </a:effectRef>
+                      <a:fontRef idx="minor">
+                        <a:schemeClr val="lt1"/>
+                      </a:fontRef>
+                    </p:style>
+                    <p:txBody>
+                      <a:bodyPr rtlCol="0" anchor="ctr"/>
+                      <a:lstStyle/>
+                      <a:p>
+                        <a:pPr algn="ctr"/>
+                        <a:endParaRPr lang="en-US"/>
+                      </a:p>
+                    </p:txBody>
+                  </p:sp>
+                  <p:sp>
+                    <p:nvSpPr>
+                      <p:cNvPr id="20" name="Rectangle 19"/>
+                      <p:cNvSpPr/>
+                      <p:nvPr/>
+                    </p:nvSpPr>
+                    <p:spPr>
+                      <a:xfrm>
+                        <a:off x="3830955" y="2489835"/>
+                        <a:ext cx="1828800" cy="160020"/>
+                      </a:xfrm>
+                      <a:prstGeom prst="rect">
+                        <a:avLst/>
+                      </a:prstGeom>
+                      <a:solidFill>
+                        <a:srgbClr val="FF0000"/>
+                      </a:solidFill>
+                      <a:ln>
+                        <a:noFill/>
+                      </a:ln>
+                    </p:spPr>
+                    <p:style>
+                      <a:lnRef idx="2">
+                        <a:schemeClr val="accent1">
+                          <a:shade val="50000"/>
+                        </a:schemeClr>
+                      </a:lnRef>
+                      <a:fillRef idx="1">
+                        <a:schemeClr val="accent1"/>
+                      </a:fillRef>
+                      <a:effectRef idx="0">
+                        <a:schemeClr val="accent1"/>
+                      </a:effectRef>
+                      <a:fontRef idx="minor">
+                        <a:schemeClr val="lt1"/>
+                      </a:fontRef>
+                    </p:style>
+                    <p:txBody>
+                      <a:bodyPr rtlCol="0" anchor="ctr"/>
+                      <a:lstStyle/>
+                      <a:p>
+                        <a:pPr algn="ctr"/>
+                        <a:endParaRPr lang="en-US"/>
+                      </a:p>
+                    </p:txBody>
+                  </p:sp>
+                  <p:sp>
+                    <p:nvSpPr>
+                      <p:cNvPr id="21" name="Rectangle 20"/>
+                      <p:cNvSpPr/>
+                      <p:nvPr/>
+                    </p:nvSpPr>
+                    <p:spPr>
+                      <a:xfrm>
+                        <a:off x="3830955" y="2806066"/>
+                        <a:ext cx="1828800" cy="137160"/>
+                      </a:xfrm>
+                      <a:prstGeom prst="rect">
+                        <a:avLst/>
+                      </a:prstGeom>
+                      <a:solidFill>
+                        <a:srgbClr val="FF0000"/>
+                      </a:solidFill>
+                      <a:ln>
+                        <a:noFill/>
+                      </a:ln>
+                    </p:spPr>
+                    <p:style>
+                      <a:lnRef idx="2">
+                        <a:schemeClr val="accent1">
+                          <a:shade val="50000"/>
+                        </a:schemeClr>
+                      </a:lnRef>
+                      <a:fillRef idx="1">
+                        <a:schemeClr val="accent1"/>
+                      </a:fillRef>
+                      <a:effectRef idx="0">
+                        <a:schemeClr val="accent1"/>
+                      </a:effectRef>
+                      <a:fontRef idx="minor">
+                        <a:schemeClr val="lt1"/>
+                      </a:fontRef>
+                    </p:style>
+                    <p:txBody>
+                      <a:bodyPr rtlCol="0" anchor="ctr"/>
+                      <a:lstStyle/>
+                      <a:p>
+                        <a:pPr algn="ctr"/>
+                        <a:endParaRPr lang="en-US"/>
+                      </a:p>
+                    </p:txBody>
+                  </p:sp>
+                  <p:sp>
+                    <p:nvSpPr>
+                      <p:cNvPr id="24" name="Rectangle 23"/>
+                      <p:cNvSpPr/>
+                      <p:nvPr/>
+                    </p:nvSpPr>
+                    <p:spPr>
+                      <a:xfrm>
+                        <a:off x="3830955" y="2649855"/>
+                        <a:ext cx="1828800" cy="156211"/>
+                      </a:xfrm>
+                      <a:prstGeom prst="rect">
+                        <a:avLst/>
+                      </a:prstGeom>
+                      <a:solidFill>
+                        <a:srgbClr val="FF7979"/>
+                      </a:solidFill>
+                      <a:ln>
+                        <a:noFill/>
+                      </a:ln>
+                    </p:spPr>
+                    <p:style>
+                      <a:lnRef idx="2">
+                        <a:schemeClr val="accent1">
+                          <a:shade val="50000"/>
+                        </a:schemeClr>
+                      </a:lnRef>
+                      <a:fillRef idx="1">
+                        <a:schemeClr val="accent1"/>
+                      </a:fillRef>
+                      <a:effectRef idx="0">
+                        <a:schemeClr val="accent1"/>
+                      </a:effectRef>
+                      <a:fontRef idx="minor">
+                        <a:schemeClr val="lt1"/>
+                      </a:fontRef>
+                    </p:style>
+                    <p:txBody>
+                      <a:bodyPr rtlCol="0" anchor="ctr"/>
+                      <a:lstStyle/>
+                      <a:p>
+                        <a:pPr algn="ctr"/>
+                        <a:endParaRPr lang="en-US"/>
+                      </a:p>
+                    </p:txBody>
+                  </p:sp>
+                  <p:sp>
+                    <p:nvSpPr>
+                      <p:cNvPr id="25" name="Rectangle 24"/>
+                      <p:cNvSpPr/>
+                      <p:nvPr/>
+                    </p:nvSpPr>
+                    <p:spPr>
+                      <a:xfrm>
+                        <a:off x="3830955" y="1263016"/>
+                        <a:ext cx="1828800" cy="1226820"/>
+                      </a:xfrm>
+                      <a:prstGeom prst="rect">
+                        <a:avLst/>
+                      </a:prstGeom>
+                      <a:solidFill>
+                        <a:srgbClr val="FFB200"/>
+                      </a:solidFill>
+                      <a:ln>
+                        <a:noFill/>
+                      </a:ln>
+                    </p:spPr>
+                    <p:style>
+                      <a:lnRef idx="2">
+                        <a:schemeClr val="accent1">
+                          <a:shade val="50000"/>
+                        </a:schemeClr>
+                      </a:lnRef>
+                      <a:fillRef idx="1">
+                        <a:schemeClr val="accent1"/>
+                      </a:fillRef>
+                      <a:effectRef idx="0">
+                        <a:schemeClr val="accent1"/>
+                      </a:effectRef>
+                      <a:fontRef idx="minor">
+                        <a:schemeClr val="lt1"/>
+                      </a:fontRef>
+                    </p:style>
+                    <p:txBody>
+                      <a:bodyPr rtlCol="0" anchor="ctr"/>
+                      <a:lstStyle/>
+                      <a:p>
+                        <a:pPr algn="ctr"/>
+                        <a:endParaRPr lang="en-US"/>
+                      </a:p>
+                    </p:txBody>
+                  </p:sp>
+                </p:grpSp>
+                <p:sp>
+                  <p:nvSpPr>
+                    <p:cNvPr id="27" name="Rectangle 26"/>
+                    <p:cNvSpPr/>
+                    <p:nvPr/>
+                  </p:nvSpPr>
+                  <p:spPr>
+                    <a:xfrm>
+                      <a:off x="4752975" y="962025"/>
+                      <a:ext cx="643255" cy="260985"/>
+                    </a:xfrm>
+                    <a:prstGeom prst="rect">
+                      <a:avLst/>
+                    </a:prstGeom>
+                    <a:solidFill>
+                      <a:srgbClr val="FFFF00"/>
+                    </a:solidFill>
+                    <a:ln>
+                      <a:noFill/>
+                    </a:ln>
+                  </p:spPr>
+                  <p:style>
+                    <a:lnRef idx="2">
+                      <a:schemeClr val="accent1">
+                        <a:shade val="50000"/>
+                      </a:schemeClr>
+                    </a:lnRef>
+                    <a:fillRef idx="1">
+                      <a:schemeClr val="accent1"/>
+                    </a:fillRef>
+                    <a:effectRef idx="0">
+                      <a:schemeClr val="accent1"/>
+                    </a:effectRef>
+                    <a:fontRef idx="minor">
+                      <a:schemeClr val="lt1"/>
+                    </a:fontRef>
+                  </p:style>
+                  <p:txBody>
+                    <a:bodyPr rtlCol="0" anchor="ctr"/>
+                    <a:lstStyle/>
+                    <a:p>
+                      <a:pPr algn="ctr"/>
+                      <a:endParaRPr lang="en-US"/>
+                    </a:p>
+                  </p:txBody>
+                </p:sp>
+                <p:sp>
+                  <p:nvSpPr>
+                    <p:cNvPr id="28" name="Rectangle 27"/>
+                    <p:cNvSpPr/>
+                    <p:nvPr/>
+                  </p:nvSpPr>
+                  <p:spPr>
+                    <a:xfrm>
+                      <a:off x="3146425" y="2823343"/>
+                      <a:ext cx="643255" cy="189108"/>
+                    </a:xfrm>
+                    <a:prstGeom prst="rect">
+                      <a:avLst/>
+                    </a:prstGeom>
+                    <a:solidFill>
+                      <a:srgbClr val="FFFF00"/>
+                    </a:solidFill>
+                    <a:ln>
+                      <a:noFill/>
+                    </a:ln>
+                  </p:spPr>
+                  <p:style>
+                    <a:lnRef idx="2">
+                      <a:schemeClr val="accent1">
+                        <a:shade val="50000"/>
+                      </a:schemeClr>
+                    </a:lnRef>
+                    <a:fillRef idx="1">
+                      <a:schemeClr val="accent1"/>
+                    </a:fillRef>
+                    <a:effectRef idx="0">
+                      <a:schemeClr val="accent1"/>
+                    </a:effectRef>
+                    <a:fontRef idx="minor">
+                      <a:schemeClr val="lt1"/>
+                    </a:fontRef>
+                  </p:style>
+                  <p:txBody>
+                    <a:bodyPr rtlCol="0" anchor="ctr"/>
+                    <a:lstStyle/>
+                    <a:p>
+                      <a:pPr algn="ctr"/>
+                      <a:endParaRPr lang="en-US"/>
+                    </a:p>
+                  </p:txBody>
+                </p:sp>
+                <p:sp>
+                  <p:nvSpPr>
+                    <p:cNvPr id="29" name="Rectangle 28"/>
+                    <p:cNvSpPr/>
+                    <p:nvPr/>
+                  </p:nvSpPr>
+                  <p:spPr>
+                    <a:xfrm>
+                      <a:off x="6359525" y="2823343"/>
+                      <a:ext cx="643255" cy="189108"/>
+                    </a:xfrm>
+                    <a:prstGeom prst="rect">
+                      <a:avLst/>
+                    </a:prstGeom>
+                    <a:solidFill>
+                      <a:srgbClr val="FFFF00"/>
+                    </a:solidFill>
+                    <a:ln>
+                      <a:noFill/>
+                    </a:ln>
+                  </p:spPr>
+                  <p:style>
+                    <a:lnRef idx="2">
+                      <a:schemeClr val="accent1">
+                        <a:shade val="50000"/>
+                      </a:schemeClr>
+                    </a:lnRef>
+                    <a:fillRef idx="1">
+                      <a:schemeClr val="accent1"/>
+                    </a:fillRef>
+                    <a:effectRef idx="0">
+                      <a:schemeClr val="accent1"/>
+                    </a:effectRef>
+                    <a:fontRef idx="minor">
+                      <a:schemeClr val="lt1"/>
+                    </a:fontRef>
+                  </p:style>
+                  <p:txBody>
+                    <a:bodyPr rtlCol="0" anchor="ctr"/>
+                    <a:lstStyle/>
+                    <a:p>
+                      <a:pPr algn="ctr"/>
+                      <a:endParaRPr lang="en-US"/>
+                    </a:p>
+                  </p:txBody>
+                </p:sp>
+                <p:sp>
+                  <p:nvSpPr>
+                    <p:cNvPr id="32" name="Rectangle 31"/>
+                    <p:cNvSpPr/>
+                    <p:nvPr/>
+                  </p:nvSpPr>
+                  <p:spPr>
+                    <a:xfrm>
+                      <a:off x="3146425" y="4498342"/>
+                      <a:ext cx="3856355" cy="1064346"/>
+                    </a:xfrm>
+                    <a:custGeom>
+                      <a:avLst/>
+                      <a:gdLst>
+                        <a:gd name="connsiteX0" fmla="*/ 0 w 3856355"/>
+                        <a:gd name="connsiteY0" fmla="*/ 0 h 936623"/>
+                        <a:gd name="connsiteX1" fmla="*/ 3856355 w 3856355"/>
+                        <a:gd name="connsiteY1" fmla="*/ 0 h 936623"/>
+                        <a:gd name="connsiteX2" fmla="*/ 3856355 w 3856355"/>
+                        <a:gd name="connsiteY2" fmla="*/ 936623 h 936623"/>
+                        <a:gd name="connsiteX3" fmla="*/ 0 w 3856355"/>
+                        <a:gd name="connsiteY3" fmla="*/ 936623 h 936623"/>
+                        <a:gd name="connsiteX4" fmla="*/ 0 w 3856355"/>
+                        <a:gd name="connsiteY4" fmla="*/ 0 h 936623"/>
+                        <a:gd name="connsiteX0" fmla="*/ 0 w 3856355"/>
+                        <a:gd name="connsiteY0" fmla="*/ 0 h 936623"/>
+                        <a:gd name="connsiteX1" fmla="*/ 3856355 w 3856355"/>
+                        <a:gd name="connsiteY1" fmla="*/ 0 h 936623"/>
+                        <a:gd name="connsiteX2" fmla="*/ 3856355 w 3856355"/>
+                        <a:gd name="connsiteY2" fmla="*/ 936623 h 936623"/>
+                        <a:gd name="connsiteX3" fmla="*/ 830944 w 3856355"/>
+                        <a:gd name="connsiteY3" fmla="*/ 776059 h 936623"/>
+                        <a:gd name="connsiteX4" fmla="*/ 0 w 3856355"/>
+                        <a:gd name="connsiteY4" fmla="*/ 936623 h 936623"/>
+                        <a:gd name="connsiteX5" fmla="*/ 0 w 3856355"/>
+                        <a:gd name="connsiteY5" fmla="*/ 0 h 936623"/>
+                        <a:gd name="connsiteX0" fmla="*/ 0 w 3856355"/>
+                        <a:gd name="connsiteY0" fmla="*/ 0 h 1064346"/>
+                        <a:gd name="connsiteX1" fmla="*/ 3856355 w 3856355"/>
+                        <a:gd name="connsiteY1" fmla="*/ 0 h 1064346"/>
+                        <a:gd name="connsiteX2" fmla="*/ 3856355 w 3856355"/>
+                        <a:gd name="connsiteY2" fmla="*/ 936623 h 1064346"/>
+                        <a:gd name="connsiteX3" fmla="*/ 2942772 w 3856355"/>
+                        <a:gd name="connsiteY3" fmla="*/ 1048202 h 1064346"/>
+                        <a:gd name="connsiteX4" fmla="*/ 830944 w 3856355"/>
+                        <a:gd name="connsiteY4" fmla="*/ 776059 h 1064346"/>
+                        <a:gd name="connsiteX5" fmla="*/ 0 w 3856355"/>
+                        <a:gd name="connsiteY5" fmla="*/ 936623 h 1064346"/>
+                        <a:gd name="connsiteX6" fmla="*/ 0 w 3856355"/>
+                        <a:gd name="connsiteY6" fmla="*/ 0 h 1064346"/>
+                      </a:gdLst>
+                      <a:ahLst/>
+                      <a:cxnLst>
+                        <a:cxn ang="0">
+                          <a:pos x="connsiteX0" y="connsiteY0"/>
+                        </a:cxn>
+                        <a:cxn ang="0">
+                          <a:pos x="connsiteX1" y="connsiteY1"/>
+                        </a:cxn>
+                        <a:cxn ang="0">
+                          <a:pos x="connsiteX2" y="connsiteY2"/>
+                        </a:cxn>
+                        <a:cxn ang="0">
+                          <a:pos x="connsiteX3" y="connsiteY3"/>
+                        </a:cxn>
+                        <a:cxn ang="0">
+                          <a:pos x="connsiteX4" y="connsiteY4"/>
+                        </a:cxn>
+                        <a:cxn ang="0">
+                          <a:pos x="connsiteX5" y="connsiteY5"/>
+                        </a:cxn>
+                        <a:cxn ang="0">
+                          <a:pos x="connsiteX6" y="connsiteY6"/>
+                        </a:cxn>
+                      </a:cxnLst>
+                      <a:rect l="l" t="t" r="r" b="b"/>
+                      <a:pathLst>
+                        <a:path w="3856355" h="1064346">
+                          <a:moveTo>
+                            <a:pt x="0" y="0"/>
+                          </a:moveTo>
+                          <a:lnTo>
+                            <a:pt x="3856355" y="0"/>
+                          </a:lnTo>
+                          <a:lnTo>
+                            <a:pt x="3856355" y="936623"/>
+                          </a:lnTo>
+                          <a:cubicBezTo>
+                            <a:pt x="3707720" y="1085923"/>
+                            <a:pt x="3447007" y="1074963"/>
+                            <a:pt x="2942772" y="1048202"/>
+                          </a:cubicBezTo>
+                          <a:cubicBezTo>
+                            <a:pt x="2438537" y="1021441"/>
+                            <a:pt x="1325035" y="769256"/>
+                            <a:pt x="830944" y="776059"/>
+                          </a:cubicBezTo>
+                          <a:lnTo>
+                            <a:pt x="0" y="936623"/>
+                          </a:lnTo>
+                          <a:lnTo>
+                            <a:pt x="0" y="0"/>
+                          </a:lnTo>
+                          <a:close/>
+                        </a:path>
+                      </a:pathLst>
+                    </a:custGeom>
+                    <a:solidFill>
+                      <a:schemeClr val="bg2">
+                        <a:lumMod val="25000"/>
+                      </a:schemeClr>
+                    </a:solidFill>
+                    <a:ln>
+                      <a:noFill/>
+                    </a:ln>
+                  </p:spPr>
+                  <p:style>
+                    <a:lnRef idx="2">
+                      <a:schemeClr val="accent1">
+                        <a:shade val="50000"/>
+                      </a:schemeClr>
+                    </a:lnRef>
+                    <a:fillRef idx="1">
+                      <a:schemeClr val="accent1"/>
+                    </a:fillRef>
+                    <a:effectRef idx="0">
+                      <a:schemeClr val="accent1"/>
+                    </a:effectRef>
+                    <a:fontRef idx="minor">
+                      <a:schemeClr val="lt1"/>
+                    </a:fontRef>
+                  </p:style>
+                  <p:txBody>
+                    <a:bodyPr rtlCol="0" anchor="ctr"/>
+                    <a:lstStyle/>
+                    <a:p>
+                      <a:pPr algn="ctr"/>
+                      <a:r>
+                        <a:rPr lang="en-US" altLang="zh-CN" dirty="0" smtClean="0"/>
+                        <a:t>Substrate</a:t>
+                      </a:r>
+                      <a:endParaRPr lang="en-US" dirty="0"/>
+                    </a:p>
+                  </p:txBody>
+                </p:sp>
+                <p:sp>
+                  <p:nvSpPr>
+                    <p:cNvPr id="33" name="Rectangle 32"/>
+                    <p:cNvSpPr/>
+                    <p:nvPr/>
+                  </p:nvSpPr>
+                  <p:spPr>
+                    <a:xfrm>
+                      <a:off x="4894157" y="3242940"/>
+                      <a:ext cx="360890" cy="216544"/>
+                    </a:xfrm>
+                    <a:prstGeom prst="rect">
+                      <a:avLst/>
+                    </a:prstGeom>
+                    <a:solidFill>
+                      <a:schemeClr val="bg2">
+                        <a:lumMod val="25000"/>
                       </a:schemeClr>
                     </a:solidFill>
                     <a:ln>
@@ -7730,20 +8261,20 @@
                 </p:sp>
                 <p:sp>
                   <p:nvSpPr>
-                    <p:cNvPr id="20" name="Rectangle 19"/>
+                    <p:cNvPr id="31" name="Rectangle 30"/>
                     <p:cNvSpPr/>
                     <p:nvPr/>
                   </p:nvSpPr>
                   <p:spPr>
                     <a:xfrm>
-                      <a:off x="3830955" y="2489835"/>
-                      <a:ext cx="1828800" cy="160020"/>
+                      <a:off x="3146425" y="3450028"/>
+                      <a:ext cx="3856355" cy="1053394"/>
                     </a:xfrm>
                     <a:prstGeom prst="rect">
                       <a:avLst/>
                     </a:prstGeom>
                     <a:solidFill>
-                      <a:srgbClr val="FF0000"/>
+                      <a:srgbClr val="00B0F0"/>
                     </a:solidFill>
                     <a:ln>
                       <a:noFill/>
@@ -7770,553 +8301,687 @@
                     <a:lstStyle/>
                     <a:p>
                       <a:pPr algn="ctr"/>
-                      <a:endParaRPr lang="en-US"/>
+                      <a:r>
+                        <a:rPr lang="en-US" altLang="zh-CN" dirty="0" smtClean="0"/>
+                        <a:t>SiO</a:t>
+                      </a:r>
+                      <a:r>
+                        <a:rPr lang="en-US" altLang="zh-CN" baseline="-25000" dirty="0" smtClean="0"/>
+                        <a:t>2</a:t>
+                      </a:r>
+                      <a:endParaRPr lang="en-US" baseline="-25000" dirty="0"/>
                     </a:p>
                   </p:txBody>
                 </p:sp>
-                <p:sp>
-                  <p:nvSpPr>
-                    <p:cNvPr id="21" name="Rectangle 20"/>
-                    <p:cNvSpPr/>
+                <p:cxnSp>
+                  <p:nvCxnSpPr>
+                    <p:cNvPr id="36" name="Straight Arrow Connector 35"/>
+                    <p:cNvCxnSpPr/>
                     <p:nvPr/>
-                  </p:nvSpPr>
+                  </p:nvCxnSpPr>
                   <p:spPr>
                     <a:xfrm>
-                      <a:off x="3830955" y="2806066"/>
-                      <a:ext cx="1828800" cy="137160"/>
+                      <a:off x="5425896" y="1063937"/>
+                      <a:ext cx="366890" cy="0"/>
                     </a:xfrm>
-                    <a:prstGeom prst="rect">
+                    <a:prstGeom prst="straightConnector1">
                       <a:avLst/>
                     </a:prstGeom>
-                    <a:solidFill>
-                      <a:srgbClr val="FF0000"/>
-                    </a:solidFill>
                     <a:ln>
-                      <a:noFill/>
+                      <a:solidFill>
+                        <a:schemeClr val="tx1"/>
+                      </a:solidFill>
+                      <a:tailEnd type="triangle"/>
                     </a:ln>
                   </p:spPr>
                   <p:style>
-                    <a:lnRef idx="2">
-                      <a:schemeClr val="accent1">
-                        <a:shade val="50000"/>
-                      </a:schemeClr>
+                    <a:lnRef idx="1">
+                      <a:schemeClr val="accent1"/>
                     </a:lnRef>
-                    <a:fillRef idx="1">
+                    <a:fillRef idx="0">
                       <a:schemeClr val="accent1"/>
                     </a:fillRef>
                     <a:effectRef idx="0">
                       <a:schemeClr val="accent1"/>
                     </a:effectRef>
                     <a:fontRef idx="minor">
-                      <a:schemeClr val="lt1"/>
+                      <a:schemeClr val="tx1"/>
                     </a:fontRef>
                   </p:style>
-                  <p:txBody>
-                    <a:bodyPr rtlCol="0" anchor="ctr"/>
-                    <a:lstStyle/>
-                    <a:p>
-                      <a:pPr algn="ctr"/>
-                      <a:endParaRPr lang="en-US"/>
-                    </a:p>
-                  </p:txBody>
-                </p:sp>
+                </p:cxnSp>
                 <p:sp>
                   <p:nvSpPr>
-                    <p:cNvPr id="24" name="Rectangle 23"/>
-                    <p:cNvSpPr/>
+                    <p:cNvPr id="37" name="TextBox 36"/>
+                    <p:cNvSpPr txBox="1"/>
                     <p:nvPr/>
                   </p:nvSpPr>
                   <p:spPr>
                     <a:xfrm>
-                      <a:off x="3830955" y="2649855"/>
-                      <a:ext cx="1828800" cy="156211"/>
+                      <a:off x="5792786" y="933132"/>
+                      <a:ext cx="1106489" cy="276999"/>
                     </a:xfrm>
                     <a:prstGeom prst="rect">
                       <a:avLst/>
                     </a:prstGeom>
-                    <a:solidFill>
-                      <a:srgbClr val="FF7979"/>
-                    </a:solidFill>
+                    <a:noFill/>
+                  </p:spPr>
+                  <p:txBody>
+                    <a:bodyPr wrap="square" rtlCol="0">
+                      <a:spAutoFit/>
+                    </a:bodyPr>
+                    <a:lstStyle/>
+                    <a:p>
+                      <a:r>
+                        <a:rPr lang="en-US" altLang="zh-CN" sz="1200" dirty="0" smtClean="0"/>
+                        <a:t>Source Metal</a:t>
+                      </a:r>
+                      <a:endParaRPr lang="en-US" sz="1200" dirty="0"/>
+                    </a:p>
+                  </p:txBody>
+                </p:sp>
+                <p:cxnSp>
+                  <p:nvCxnSpPr>
+                    <p:cNvPr id="38" name="Straight Arrow Connector 37"/>
+                    <p:cNvCxnSpPr/>
+                    <p:nvPr/>
+                  </p:nvCxnSpPr>
+                  <p:spPr>
+                    <a:xfrm>
+                      <a:off x="5242451" y="3315776"/>
+                      <a:ext cx="366890" cy="0"/>
+                    </a:xfrm>
+                    <a:prstGeom prst="straightConnector1">
+                      <a:avLst/>
+                    </a:prstGeom>
                     <a:ln>
-                      <a:noFill/>
+                      <a:solidFill>
+                        <a:schemeClr val="tx1"/>
+                      </a:solidFill>
+                      <a:tailEnd type="triangle"/>
                     </a:ln>
                   </p:spPr>
                   <p:style>
-                    <a:lnRef idx="2">
-                      <a:schemeClr val="accent1">
-                        <a:shade val="50000"/>
-                      </a:schemeClr>
+                    <a:lnRef idx="1">
+                      <a:schemeClr val="accent1"/>
                     </a:lnRef>
-                    <a:fillRef idx="1">
+                    <a:fillRef idx="0">
                       <a:schemeClr val="accent1"/>
                     </a:fillRef>
                     <a:effectRef idx="0">
                       <a:schemeClr val="accent1"/>
                     </a:effectRef>
                     <a:fontRef idx="minor">
-                      <a:schemeClr val="lt1"/>
+                      <a:schemeClr val="tx1"/>
                     </a:fontRef>
                   </p:style>
-                  <p:txBody>
-                    <a:bodyPr rtlCol="0" anchor="ctr"/>
-                    <a:lstStyle/>
-                    <a:p>
-                      <a:pPr algn="ctr"/>
-                      <a:endParaRPr lang="en-US"/>
-                    </a:p>
-                  </p:txBody>
-                </p:sp>
+                </p:cxnSp>
                 <p:sp>
                   <p:nvSpPr>
-                    <p:cNvPr id="25" name="Rectangle 24"/>
-                    <p:cNvSpPr/>
+                    <p:cNvPr id="39" name="TextBox 38"/>
+                    <p:cNvSpPr txBox="1"/>
                     <p:nvPr/>
                   </p:nvSpPr>
                   <p:spPr>
                     <a:xfrm>
-                      <a:off x="3830955" y="1263016"/>
-                      <a:ext cx="1828800" cy="1226820"/>
+                      <a:off x="5609341" y="3184971"/>
+                      <a:ext cx="673100" cy="276999"/>
                     </a:xfrm>
                     <a:prstGeom prst="rect">
                       <a:avLst/>
                     </a:prstGeom>
-                    <a:solidFill>
-                      <a:srgbClr val="FFB200"/>
-                    </a:solidFill>
+                    <a:noFill/>
+                  </p:spPr>
+                  <p:txBody>
+                    <a:bodyPr wrap="square" rtlCol="0">
+                      <a:spAutoFit/>
+                    </a:bodyPr>
+                    <a:lstStyle/>
+                    <a:p>
+                      <a:r>
+                        <a:rPr lang="en-US" altLang="zh-CN" sz="1200" dirty="0" smtClean="0"/>
+                        <a:t>Si</a:t>
+                      </a:r>
+                      <a:endParaRPr lang="en-US" sz="1200" dirty="0"/>
+                    </a:p>
+                  </p:txBody>
+                </p:sp>
+                <p:cxnSp>
+                  <p:nvCxnSpPr>
+                    <p:cNvPr id="41" name="Straight Arrow Connector 40"/>
+                    <p:cNvCxnSpPr/>
+                    <p:nvPr/>
+                  </p:nvCxnSpPr>
+                  <p:spPr>
+                    <a:xfrm>
+                      <a:off x="4752975" y="2219325"/>
+                      <a:ext cx="643255" cy="0"/>
+                    </a:xfrm>
+                    <a:prstGeom prst="straightConnector1">
+                      <a:avLst/>
+                    </a:prstGeom>
                     <a:ln>
-                      <a:noFill/>
+                      <a:headEnd type="triangle"/>
+                      <a:tailEnd type="triangle"/>
                     </a:ln>
                   </p:spPr>
                   <p:style>
-                    <a:lnRef idx="2">
-                      <a:schemeClr val="accent1">
-                        <a:shade val="50000"/>
-                      </a:schemeClr>
+                    <a:lnRef idx="1">
+                      <a:schemeClr val="accent1"/>
                     </a:lnRef>
-                    <a:fillRef idx="1">
+                    <a:fillRef idx="0">
                       <a:schemeClr val="accent1"/>
                     </a:fillRef>
                     <a:effectRef idx="0">
                       <a:schemeClr val="accent1"/>
                     </a:effectRef>
                     <a:fontRef idx="minor">
-                      <a:schemeClr val="lt1"/>
+                      <a:schemeClr val="tx1"/>
                     </a:fontRef>
                   </p:style>
+                </p:cxnSp>
+                <p:sp>
+                  <p:nvSpPr>
+                    <p:cNvPr id="42" name="TextBox 41"/>
+                    <p:cNvSpPr txBox="1"/>
+                    <p:nvPr/>
+                  </p:nvSpPr>
+                  <p:spPr>
+                    <a:xfrm>
+                      <a:off x="4796283" y="1786454"/>
+                      <a:ext cx="663907" cy="400110"/>
+                    </a:xfrm>
+                    <a:prstGeom prst="rect">
+                      <a:avLst/>
+                    </a:prstGeom>
+                    <a:noFill/>
+                  </p:spPr>
                   <p:txBody>
-                    <a:bodyPr rtlCol="0" anchor="ctr"/>
+                    <a:bodyPr wrap="square" rtlCol="0">
+                      <a:spAutoFit/>
+                    </a:bodyPr>
+                    <a:lstStyle/>
+                    <a:p>
+                      <a:r>
+                        <a:rPr lang="en-US" sz="2000" dirty="0" err="1" smtClean="0"/>
+                        <a:t>w</a:t>
+                      </a:r>
+                      <a:r>
+                        <a:rPr lang="en-US" sz="2000" baseline="-25000" dirty="0" err="1" smtClean="0"/>
+                        <a:t>wg</a:t>
+                      </a:r>
+                      <a:endParaRPr lang="en-US" sz="2000" baseline="-25000" dirty="0"/>
+                    </a:p>
+                  </p:txBody>
+                </p:sp>
+                <p:sp>
+                  <p:nvSpPr>
+                    <p:cNvPr id="46" name="TextBox 45"/>
+                    <p:cNvSpPr txBox="1"/>
+                    <p:nvPr/>
+                  </p:nvSpPr>
+                  <p:spPr>
+                    <a:xfrm>
+                      <a:off x="4747471" y="939919"/>
+                      <a:ext cx="494980" cy="297517"/>
+                    </a:xfrm>
+                    <a:prstGeom prst="rect">
+                      <a:avLst/>
+                    </a:prstGeom>
+                    <a:noFill/>
+                  </p:spPr>
+                  <p:txBody>
+                    <a:bodyPr wrap="square" rtlCol="0">
+                      <a:spAutoFit/>
+                    </a:bodyPr>
+                    <a:lstStyle/>
+                    <a:p>
+                      <a:r>
+                        <a:rPr lang="en-US" sz="2000" baseline="-25000" dirty="0" smtClean="0"/>
+                        <a:t>1</a:t>
+                      </a:r>
+                      <a:r>
+                        <a:rPr lang="el-GR" sz="2000" baseline="-25000" dirty="0" smtClean="0"/>
+                        <a:t>μ</a:t>
+                      </a:r>
+                      <a:r>
+                        <a:rPr lang="en-US" sz="2000" baseline="-25000" dirty="0" smtClean="0"/>
+                        <a:t>m</a:t>
+                      </a:r>
+                      <a:endParaRPr lang="en-US" sz="2000" baseline="-25000" dirty="0"/>
+                    </a:p>
+                  </p:txBody>
+                </p:sp>
+                <p:sp>
+                  <p:nvSpPr>
+                    <p:cNvPr id="47" name="TextBox 46"/>
+                    <p:cNvSpPr txBox="1"/>
+                    <p:nvPr/>
+                  </p:nvSpPr>
+                  <p:spPr>
+                    <a:xfrm>
+                      <a:off x="3395560" y="2711478"/>
+                      <a:ext cx="879844" cy="297517"/>
+                    </a:xfrm>
+                    <a:prstGeom prst="rect">
+                      <a:avLst/>
+                    </a:prstGeom>
+                    <a:noFill/>
+                  </p:spPr>
+                  <p:txBody>
+                    <a:bodyPr wrap="square" rtlCol="0">
+                      <a:spAutoFit/>
+                    </a:bodyPr>
+                    <a:lstStyle/>
+                    <a:p>
+                      <a:r>
+                        <a:rPr lang="en-US" sz="2000" baseline="-25000" dirty="0" smtClean="0"/>
+                        <a:t>0</a:t>
+                      </a:r>
+                      <a:r>
+                        <a:rPr lang="en-US" altLang="zh-CN" sz="2000" baseline="-25000" dirty="0" smtClean="0"/>
+                        <a:t>.1 </a:t>
+                      </a:r>
+                      <a:r>
+                        <a:rPr lang="el-GR" altLang="zh-CN" sz="2000" baseline="-25000" dirty="0" smtClean="0"/>
+                        <a:t>μ</a:t>
+                      </a:r>
+                      <a:r>
+                        <a:rPr lang="en-US" altLang="zh-CN" sz="2000" baseline="-25000" dirty="0" smtClean="0"/>
+                        <a:t>m</a:t>
+                      </a:r>
+                      <a:endParaRPr lang="en-US" sz="2000" baseline="-25000" dirty="0"/>
+                    </a:p>
+                  </p:txBody>
+                </p:sp>
+                <p:sp>
+                  <p:nvSpPr>
+                    <p:cNvPr id="55" name="TextBox 54"/>
+                    <p:cNvSpPr txBox="1"/>
+                    <p:nvPr/>
+                  </p:nvSpPr>
+                  <p:spPr>
+                    <a:xfrm>
+                      <a:off x="3972926" y="2434604"/>
+                      <a:ext cx="719528" cy="297517"/>
+                    </a:xfrm>
+                    <a:prstGeom prst="rect">
+                      <a:avLst/>
+                    </a:prstGeom>
+                    <a:noFill/>
+                  </p:spPr>
+                  <p:txBody>
+                    <a:bodyPr wrap="square" rtlCol="0">
+                      <a:spAutoFit/>
+                    </a:bodyPr>
+                    <a:lstStyle/>
+                    <a:p>
+                      <a:r>
+                        <a:rPr lang="en-US" sz="2000" baseline="-25000" dirty="0" smtClean="0"/>
+                        <a:t>3 </a:t>
+                      </a:r>
+                      <a:r>
+                        <a:rPr lang="el-GR" sz="2000" baseline="-25000" dirty="0" smtClean="0"/>
+                        <a:t>μ</a:t>
+                      </a:r>
+                      <a:r>
+                        <a:rPr lang="en-US" sz="2000" baseline="-25000" dirty="0" smtClean="0"/>
+                        <a:t>m</a:t>
+                      </a:r>
+                      <a:endParaRPr lang="en-US" sz="2000" baseline="-25000" dirty="0"/>
+                    </a:p>
+                  </p:txBody>
+                </p:sp>
+                <p:cxnSp>
+                  <p:nvCxnSpPr>
+                    <p:cNvPr id="45" name="Straight Arrow Connector 44"/>
+                    <p:cNvCxnSpPr/>
+                    <p:nvPr/>
+                  </p:nvCxnSpPr>
+                  <p:spPr>
+                    <a:xfrm>
+                      <a:off x="4752975" y="962025"/>
+                      <a:ext cx="0" cy="248106"/>
+                    </a:xfrm>
+                    <a:prstGeom prst="straightConnector1">
+                      <a:avLst/>
+                    </a:prstGeom>
+                    <a:ln>
+                      <a:headEnd type="triangle"/>
+                      <a:tailEnd type="triangle"/>
+                    </a:ln>
+                  </p:spPr>
+                  <p:style>
+                    <a:lnRef idx="1">
+                      <a:schemeClr val="accent1"/>
+                    </a:lnRef>
+                    <a:fillRef idx="0">
+                      <a:schemeClr val="accent1"/>
+                    </a:fillRef>
+                    <a:effectRef idx="0">
+                      <a:schemeClr val="accent1"/>
+                    </a:effectRef>
+                    <a:fontRef idx="minor">
+                      <a:schemeClr val="tx1"/>
+                    </a:fontRef>
+                  </p:style>
+                </p:cxnSp>
+                <p:cxnSp>
+                  <p:nvCxnSpPr>
+                    <p:cNvPr id="48" name="Straight Arrow Connector 47"/>
+                    <p:cNvCxnSpPr/>
+                    <p:nvPr/>
+                  </p:nvCxnSpPr>
+                  <p:spPr>
+                    <a:xfrm>
+                      <a:off x="3404235" y="2826587"/>
+                      <a:ext cx="0" cy="183314"/>
+                    </a:xfrm>
+                    <a:prstGeom prst="straightConnector1">
+                      <a:avLst/>
+                    </a:prstGeom>
+                    <a:ln>
+                      <a:headEnd type="triangle"/>
+                      <a:tailEnd type="triangle"/>
+                    </a:ln>
+                  </p:spPr>
+                  <p:style>
+                    <a:lnRef idx="1">
+                      <a:schemeClr val="accent1"/>
+                    </a:lnRef>
+                    <a:fillRef idx="0">
+                      <a:schemeClr val="accent1"/>
+                    </a:fillRef>
+                    <a:effectRef idx="0">
+                      <a:schemeClr val="accent1"/>
+                    </a:effectRef>
+                    <a:fontRef idx="minor">
+                      <a:schemeClr val="tx1"/>
+                    </a:fontRef>
+                  </p:style>
+                </p:cxnSp>
+                <p:cxnSp>
+                  <p:nvCxnSpPr>
+                    <p:cNvPr id="53" name="Straight Arrow Connector 52"/>
+                    <p:cNvCxnSpPr/>
+                    <p:nvPr/>
+                  </p:nvCxnSpPr>
+                  <p:spPr>
+                    <a:xfrm>
+                      <a:off x="3789680" y="2776577"/>
+                      <a:ext cx="957791" cy="0"/>
+                    </a:xfrm>
+                    <a:prstGeom prst="straightConnector1">
+                      <a:avLst/>
+                    </a:prstGeom>
+                    <a:ln>
+                      <a:headEnd type="triangle"/>
+                      <a:tailEnd type="triangle"/>
+                    </a:ln>
+                  </p:spPr>
+                  <p:style>
+                    <a:lnRef idx="1">
+                      <a:schemeClr val="accent1"/>
+                    </a:lnRef>
+                    <a:fillRef idx="0">
+                      <a:schemeClr val="accent1"/>
+                    </a:fillRef>
+                    <a:effectRef idx="0">
+                      <a:schemeClr val="accent1"/>
+                    </a:effectRef>
+                    <a:fontRef idx="minor">
+                      <a:schemeClr val="tx1"/>
+                    </a:fontRef>
+                  </p:style>
+                </p:cxnSp>
+                <p:cxnSp>
+                  <p:nvCxnSpPr>
+                    <p:cNvPr id="58" name="Straight Arrow Connector 57"/>
+                    <p:cNvCxnSpPr/>
+                    <p:nvPr/>
+                  </p:nvCxnSpPr>
+                  <p:spPr>
+                    <a:xfrm>
+                      <a:off x="4894157" y="3511550"/>
+                      <a:ext cx="348294" cy="0"/>
+                    </a:xfrm>
+                    <a:prstGeom prst="straightConnector1">
+                      <a:avLst/>
+                    </a:prstGeom>
+                    <a:ln>
+                      <a:solidFill>
+                        <a:schemeClr val="tx1"/>
+                      </a:solidFill>
+                      <a:headEnd type="triangle"/>
+                      <a:tailEnd type="triangle"/>
+                    </a:ln>
+                  </p:spPr>
+                  <p:style>
+                    <a:lnRef idx="1">
+                      <a:schemeClr val="accent1"/>
+                    </a:lnRef>
+                    <a:fillRef idx="0">
+                      <a:schemeClr val="accent1"/>
+                    </a:fillRef>
+                    <a:effectRef idx="0">
+                      <a:schemeClr val="accent1"/>
+                    </a:effectRef>
+                    <a:fontRef idx="minor">
+                      <a:schemeClr val="tx1"/>
+                    </a:fontRef>
+                  </p:style>
+                </p:cxnSp>
+                <p:sp>
+                  <p:nvSpPr>
+                    <p:cNvPr id="59" name="TextBox 58"/>
+                    <p:cNvSpPr txBox="1"/>
+                    <p:nvPr/>
+                  </p:nvSpPr>
+                  <p:spPr>
+                    <a:xfrm>
+                      <a:off x="4756854" y="3517885"/>
+                      <a:ext cx="639376" cy="276999"/>
+                    </a:xfrm>
+                    <a:prstGeom prst="rect">
+                      <a:avLst/>
+                    </a:prstGeom>
+                    <a:noFill/>
+                  </p:spPr>
+                  <p:txBody>
+                    <a:bodyPr wrap="square" rtlCol="0">
+                      <a:spAutoFit/>
+                    </a:bodyPr>
+                    <a:lstStyle/>
+                    <a:p>
+                      <a:r>
+                        <a:rPr lang="en-US" sz="1200" dirty="0" smtClean="0"/>
+                        <a:t>0</a:t>
+                      </a:r>
+                      <a:r>
+                        <a:rPr lang="en-US" altLang="zh-CN" sz="1200" dirty="0" smtClean="0"/>
+                        <a:t>.6</a:t>
+                      </a:r>
+                      <a:r>
+                        <a:rPr lang="en-US" sz="1200" dirty="0" smtClean="0"/>
+                        <a:t> </a:t>
+                      </a:r>
+                      <a:r>
+                        <a:rPr lang="el-GR" sz="1200" dirty="0" smtClean="0"/>
+                        <a:t>μ</a:t>
+                      </a:r>
+                      <a:r>
+                        <a:rPr lang="en-US" sz="1200" dirty="0" smtClean="0"/>
+                        <a:t>m</a:t>
+                      </a:r>
+                      <a:endParaRPr lang="en-US" sz="1200" dirty="0"/>
+                    </a:p>
+                  </p:txBody>
+                </p:sp>
+                <p:sp>
+                  <p:nvSpPr>
+                    <p:cNvPr id="62" name="TextBox 61"/>
+                    <p:cNvSpPr txBox="1"/>
+                    <p:nvPr/>
+                  </p:nvSpPr>
+                  <p:spPr>
+                    <a:xfrm>
+                      <a:off x="4185962" y="3222214"/>
+                      <a:ext cx="737615" cy="276999"/>
+                    </a:xfrm>
+                    <a:prstGeom prst="rect">
+                      <a:avLst/>
+                    </a:prstGeom>
+                    <a:noFill/>
+                  </p:spPr>
+                  <p:txBody>
+                    <a:bodyPr wrap="square" rtlCol="0">
+                      <a:spAutoFit/>
+                    </a:bodyPr>
+                    <a:lstStyle/>
+                    <a:p>
+                      <a:r>
+                        <a:rPr lang="en-US" sz="1200" dirty="0" smtClean="0"/>
+                        <a:t>0</a:t>
+                      </a:r>
+                      <a:r>
+                        <a:rPr lang="en-US" altLang="zh-CN" sz="1200" dirty="0" smtClean="0"/>
+                        <a:t>.22</a:t>
+                      </a:r>
+                      <a:r>
+                        <a:rPr lang="en-US" sz="1200" dirty="0" smtClean="0"/>
+                        <a:t> </a:t>
+                      </a:r>
+                      <a:r>
+                        <a:rPr lang="el-GR" sz="1200" dirty="0" smtClean="0"/>
+                        <a:t>μ</a:t>
+                      </a:r>
+                      <a:r>
+                        <a:rPr lang="en-US" sz="1200" dirty="0" smtClean="0"/>
+                        <a:t>m</a:t>
+                      </a:r>
+                      <a:endParaRPr lang="en-US" sz="1200" dirty="0"/>
+                    </a:p>
+                  </p:txBody>
+                </p:sp>
+                <p:cxnSp>
+                  <p:nvCxnSpPr>
+                    <p:cNvPr id="64" name="Straight Arrow Connector 63"/>
+                    <p:cNvCxnSpPr/>
+                    <p:nvPr/>
+                  </p:nvCxnSpPr>
+                  <p:spPr>
+                    <a:xfrm>
+                      <a:off x="4820814" y="3242940"/>
+                      <a:ext cx="0" cy="206357"/>
+                    </a:xfrm>
+                    <a:prstGeom prst="straightConnector1">
+                      <a:avLst/>
+                    </a:prstGeom>
+                    <a:ln>
+                      <a:solidFill>
+                        <a:schemeClr val="tx1"/>
+                      </a:solidFill>
+                      <a:headEnd type="triangle"/>
+                      <a:tailEnd type="triangle"/>
+                    </a:ln>
+                  </p:spPr>
+                  <p:style>
+                    <a:lnRef idx="1">
+                      <a:schemeClr val="accent1"/>
+                    </a:lnRef>
+                    <a:fillRef idx="0">
+                      <a:schemeClr val="accent1"/>
+                    </a:fillRef>
+                    <a:effectRef idx="0">
+                      <a:schemeClr val="accent1"/>
+                    </a:effectRef>
+                    <a:fontRef idx="minor">
+                      <a:schemeClr val="tx1"/>
+                    </a:fontRef>
+                  </p:style>
+                </p:cxnSp>
+                <p:sp>
+                  <p:nvSpPr>
+                    <p:cNvPr id="68" name="TextBox 67"/>
+                    <p:cNvSpPr txBox="1"/>
+                    <p:nvPr/>
+                  </p:nvSpPr>
+                  <p:spPr>
+                    <a:xfrm>
+                      <a:off x="4857307" y="2573584"/>
+                      <a:ext cx="721840" cy="400110"/>
+                    </a:xfrm>
+                    <a:prstGeom prst="rect">
+                      <a:avLst/>
+                    </a:prstGeom>
+                    <a:noFill/>
+                  </p:spPr>
+                  <p:txBody>
+                    <a:bodyPr wrap="square" rtlCol="0">
+                      <a:spAutoFit/>
+                    </a:bodyPr>
+                    <a:lstStyle/>
+                    <a:p>
+                      <a:r>
+                        <a:rPr lang="en-US" sz="2000" dirty="0" err="1" smtClean="0"/>
+                        <a:t>h</a:t>
+                      </a:r>
+                      <a:r>
+                        <a:rPr lang="en-US" sz="2000" baseline="-25000" dirty="0" err="1" smtClean="0"/>
+                        <a:t>mqw</a:t>
+                      </a:r>
+                      <a:endParaRPr lang="en-US" sz="2000" baseline="-25000" dirty="0"/>
+                    </a:p>
+                  </p:txBody>
+                </p:sp>
+                <p:sp>
+                  <p:nvSpPr>
+                    <p:cNvPr id="70" name="TextBox 69"/>
+                    <p:cNvSpPr txBox="1"/>
+                    <p:nvPr/>
+                  </p:nvSpPr>
+                  <p:spPr>
+                    <a:xfrm>
+                      <a:off x="5896291" y="2151681"/>
+                      <a:ext cx="1106489" cy="276999"/>
+                    </a:xfrm>
+                    <a:prstGeom prst="rect">
+                      <a:avLst/>
+                    </a:prstGeom>
+                    <a:noFill/>
+                  </p:spPr>
+                  <p:txBody>
+                    <a:bodyPr wrap="square" rtlCol="0">
+                      <a:spAutoFit/>
+                    </a:bodyPr>
                     <a:lstStyle/>
                     <a:p>
                       <a:pPr algn="ctr"/>
-                      <a:endParaRPr lang="en-US"/>
+                      <a:r>
+                        <a:rPr lang="en-US" altLang="zh-CN" sz="1200" dirty="0" smtClean="0"/>
+                        <a:t>Ground Metal</a:t>
+                      </a:r>
+                      <a:endParaRPr lang="en-US" sz="1200" dirty="0"/>
                     </a:p>
                   </p:txBody>
                 </p:sp>
               </p:grpSp>
-              <p:sp>
-                <p:nvSpPr>
-                  <p:cNvPr id="27" name="Rectangle 26"/>
-                  <p:cNvSpPr/>
-                  <p:nvPr/>
-                </p:nvSpPr>
-                <p:spPr>
-                  <a:xfrm>
-                    <a:off x="4752975" y="962025"/>
-                    <a:ext cx="643255" cy="260985"/>
-                  </a:xfrm>
-                  <a:prstGeom prst="rect">
-                    <a:avLst/>
-                  </a:prstGeom>
-                  <a:solidFill>
-                    <a:srgbClr val="FFFF00"/>
-                  </a:solidFill>
-                  <a:ln>
-                    <a:noFill/>
-                  </a:ln>
-                </p:spPr>
-                <p:style>
-                  <a:lnRef idx="2">
-                    <a:schemeClr val="accent1">
-                      <a:shade val="50000"/>
-                    </a:schemeClr>
-                  </a:lnRef>
-                  <a:fillRef idx="1">
-                    <a:schemeClr val="accent1"/>
-                  </a:fillRef>
-                  <a:effectRef idx="0">
-                    <a:schemeClr val="accent1"/>
-                  </a:effectRef>
-                  <a:fontRef idx="minor">
-                    <a:schemeClr val="lt1"/>
-                  </a:fontRef>
-                </p:style>
-                <p:txBody>
-                  <a:bodyPr rtlCol="0" anchor="ctr"/>
-                  <a:lstStyle/>
-                  <a:p>
-                    <a:pPr algn="ctr"/>
-                    <a:endParaRPr lang="en-US"/>
-                  </a:p>
-                </p:txBody>
-              </p:sp>
-              <p:sp>
-                <p:nvSpPr>
-                  <p:cNvPr id="28" name="Rectangle 27"/>
-                  <p:cNvSpPr/>
-                  <p:nvPr/>
-                </p:nvSpPr>
-                <p:spPr>
-                  <a:xfrm>
-                    <a:off x="3146425" y="2823343"/>
-                    <a:ext cx="643255" cy="189108"/>
-                  </a:xfrm>
-                  <a:prstGeom prst="rect">
-                    <a:avLst/>
-                  </a:prstGeom>
-                  <a:solidFill>
-                    <a:srgbClr val="FFFF00"/>
-                  </a:solidFill>
-                  <a:ln>
-                    <a:noFill/>
-                  </a:ln>
-                </p:spPr>
-                <p:style>
-                  <a:lnRef idx="2">
-                    <a:schemeClr val="accent1">
-                      <a:shade val="50000"/>
-                    </a:schemeClr>
-                  </a:lnRef>
-                  <a:fillRef idx="1">
-                    <a:schemeClr val="accent1"/>
-                  </a:fillRef>
-                  <a:effectRef idx="0">
-                    <a:schemeClr val="accent1"/>
-                  </a:effectRef>
-                  <a:fontRef idx="minor">
-                    <a:schemeClr val="lt1"/>
-                  </a:fontRef>
-                </p:style>
-                <p:txBody>
-                  <a:bodyPr rtlCol="0" anchor="ctr"/>
-                  <a:lstStyle/>
-                  <a:p>
-                    <a:pPr algn="ctr"/>
-                    <a:endParaRPr lang="en-US"/>
-                  </a:p>
-                </p:txBody>
-              </p:sp>
-              <p:sp>
-                <p:nvSpPr>
-                  <p:cNvPr id="29" name="Rectangle 28"/>
-                  <p:cNvSpPr/>
-                  <p:nvPr/>
-                </p:nvSpPr>
-                <p:spPr>
-                  <a:xfrm>
-                    <a:off x="6359525" y="2823343"/>
-                    <a:ext cx="643255" cy="189108"/>
-                  </a:xfrm>
-                  <a:prstGeom prst="rect">
-                    <a:avLst/>
-                  </a:prstGeom>
-                  <a:solidFill>
-                    <a:srgbClr val="FFFF00"/>
-                  </a:solidFill>
-                  <a:ln>
-                    <a:noFill/>
-                  </a:ln>
-                </p:spPr>
-                <p:style>
-                  <a:lnRef idx="2">
-                    <a:schemeClr val="accent1">
-                      <a:shade val="50000"/>
-                    </a:schemeClr>
-                  </a:lnRef>
-                  <a:fillRef idx="1">
-                    <a:schemeClr val="accent1"/>
-                  </a:fillRef>
-                  <a:effectRef idx="0">
-                    <a:schemeClr val="accent1"/>
-                  </a:effectRef>
-                  <a:fontRef idx="minor">
-                    <a:schemeClr val="lt1"/>
-                  </a:fontRef>
-                </p:style>
-                <p:txBody>
-                  <a:bodyPr rtlCol="0" anchor="ctr"/>
-                  <a:lstStyle/>
-                  <a:p>
-                    <a:pPr algn="ctr"/>
-                    <a:endParaRPr lang="en-US"/>
-                  </a:p>
-                </p:txBody>
-              </p:sp>
-              <p:sp>
-                <p:nvSpPr>
-                  <p:cNvPr id="32" name="Rectangle 31"/>
-                  <p:cNvSpPr/>
-                  <p:nvPr/>
-                </p:nvSpPr>
-                <p:spPr>
-                  <a:xfrm>
-                    <a:off x="3146425" y="4498342"/>
-                    <a:ext cx="3856355" cy="1064346"/>
-                  </a:xfrm>
-                  <a:custGeom>
-                    <a:avLst/>
-                    <a:gdLst>
-                      <a:gd name="connsiteX0" fmla="*/ 0 w 3856355"/>
-                      <a:gd name="connsiteY0" fmla="*/ 0 h 936623"/>
-                      <a:gd name="connsiteX1" fmla="*/ 3856355 w 3856355"/>
-                      <a:gd name="connsiteY1" fmla="*/ 0 h 936623"/>
-                      <a:gd name="connsiteX2" fmla="*/ 3856355 w 3856355"/>
-                      <a:gd name="connsiteY2" fmla="*/ 936623 h 936623"/>
-                      <a:gd name="connsiteX3" fmla="*/ 0 w 3856355"/>
-                      <a:gd name="connsiteY3" fmla="*/ 936623 h 936623"/>
-                      <a:gd name="connsiteX4" fmla="*/ 0 w 3856355"/>
-                      <a:gd name="connsiteY4" fmla="*/ 0 h 936623"/>
-                      <a:gd name="connsiteX0" fmla="*/ 0 w 3856355"/>
-                      <a:gd name="connsiteY0" fmla="*/ 0 h 936623"/>
-                      <a:gd name="connsiteX1" fmla="*/ 3856355 w 3856355"/>
-                      <a:gd name="connsiteY1" fmla="*/ 0 h 936623"/>
-                      <a:gd name="connsiteX2" fmla="*/ 3856355 w 3856355"/>
-                      <a:gd name="connsiteY2" fmla="*/ 936623 h 936623"/>
-                      <a:gd name="connsiteX3" fmla="*/ 830944 w 3856355"/>
-                      <a:gd name="connsiteY3" fmla="*/ 776059 h 936623"/>
-                      <a:gd name="connsiteX4" fmla="*/ 0 w 3856355"/>
-                      <a:gd name="connsiteY4" fmla="*/ 936623 h 936623"/>
-                      <a:gd name="connsiteX5" fmla="*/ 0 w 3856355"/>
-                      <a:gd name="connsiteY5" fmla="*/ 0 h 936623"/>
-                      <a:gd name="connsiteX0" fmla="*/ 0 w 3856355"/>
-                      <a:gd name="connsiteY0" fmla="*/ 0 h 1064346"/>
-                      <a:gd name="connsiteX1" fmla="*/ 3856355 w 3856355"/>
-                      <a:gd name="connsiteY1" fmla="*/ 0 h 1064346"/>
-                      <a:gd name="connsiteX2" fmla="*/ 3856355 w 3856355"/>
-                      <a:gd name="connsiteY2" fmla="*/ 936623 h 1064346"/>
-                      <a:gd name="connsiteX3" fmla="*/ 2942772 w 3856355"/>
-                      <a:gd name="connsiteY3" fmla="*/ 1048202 h 1064346"/>
-                      <a:gd name="connsiteX4" fmla="*/ 830944 w 3856355"/>
-                      <a:gd name="connsiteY4" fmla="*/ 776059 h 1064346"/>
-                      <a:gd name="connsiteX5" fmla="*/ 0 w 3856355"/>
-                      <a:gd name="connsiteY5" fmla="*/ 936623 h 1064346"/>
-                      <a:gd name="connsiteX6" fmla="*/ 0 w 3856355"/>
-                      <a:gd name="connsiteY6" fmla="*/ 0 h 1064346"/>
-                    </a:gdLst>
-                    <a:ahLst/>
-                    <a:cxnLst>
-                      <a:cxn ang="0">
-                        <a:pos x="connsiteX0" y="connsiteY0"/>
-                      </a:cxn>
-                      <a:cxn ang="0">
-                        <a:pos x="connsiteX1" y="connsiteY1"/>
-                      </a:cxn>
-                      <a:cxn ang="0">
-                        <a:pos x="connsiteX2" y="connsiteY2"/>
-                      </a:cxn>
-                      <a:cxn ang="0">
-                        <a:pos x="connsiteX3" y="connsiteY3"/>
-                      </a:cxn>
-                      <a:cxn ang="0">
-                        <a:pos x="connsiteX4" y="connsiteY4"/>
-                      </a:cxn>
-                      <a:cxn ang="0">
-                        <a:pos x="connsiteX5" y="connsiteY5"/>
-                      </a:cxn>
-                      <a:cxn ang="0">
-                        <a:pos x="connsiteX6" y="connsiteY6"/>
-                      </a:cxn>
-                    </a:cxnLst>
-                    <a:rect l="l" t="t" r="r" b="b"/>
-                    <a:pathLst>
-                      <a:path w="3856355" h="1064346">
-                        <a:moveTo>
-                          <a:pt x="0" y="0"/>
-                        </a:moveTo>
-                        <a:lnTo>
-                          <a:pt x="3856355" y="0"/>
-                        </a:lnTo>
-                        <a:lnTo>
-                          <a:pt x="3856355" y="936623"/>
-                        </a:lnTo>
-                        <a:cubicBezTo>
-                          <a:pt x="3707720" y="1085923"/>
-                          <a:pt x="3447007" y="1074963"/>
-                          <a:pt x="2942772" y="1048202"/>
-                        </a:cubicBezTo>
-                        <a:cubicBezTo>
-                          <a:pt x="2438537" y="1021441"/>
-                          <a:pt x="1325035" y="769256"/>
-                          <a:pt x="830944" y="776059"/>
-                        </a:cubicBezTo>
-                        <a:lnTo>
-                          <a:pt x="0" y="936623"/>
-                        </a:lnTo>
-                        <a:lnTo>
-                          <a:pt x="0" y="0"/>
-                        </a:lnTo>
-                        <a:close/>
-                      </a:path>
-                    </a:pathLst>
-                  </a:custGeom>
-                  <a:solidFill>
-                    <a:schemeClr val="bg2">
-                      <a:lumMod val="25000"/>
-                    </a:schemeClr>
-                  </a:solidFill>
-                  <a:ln>
-                    <a:noFill/>
-                  </a:ln>
-                </p:spPr>
-                <p:style>
-                  <a:lnRef idx="2">
-                    <a:schemeClr val="accent1">
-                      <a:shade val="50000"/>
-                    </a:schemeClr>
-                  </a:lnRef>
-                  <a:fillRef idx="1">
-                    <a:schemeClr val="accent1"/>
-                  </a:fillRef>
-                  <a:effectRef idx="0">
-                    <a:schemeClr val="accent1"/>
-                  </a:effectRef>
-                  <a:fontRef idx="minor">
-                    <a:schemeClr val="lt1"/>
-                  </a:fontRef>
-                </p:style>
-                <p:txBody>
-                  <a:bodyPr rtlCol="0" anchor="ctr"/>
-                  <a:lstStyle/>
-                  <a:p>
-                    <a:pPr algn="ctr"/>
-                    <a:r>
-                      <a:rPr lang="en-US" altLang="zh-CN" dirty="0" smtClean="0"/>
-                      <a:t>Substrate</a:t>
-                    </a:r>
-                    <a:endParaRPr lang="en-US" dirty="0"/>
-                  </a:p>
-                </p:txBody>
-              </p:sp>
-              <p:sp>
-                <p:nvSpPr>
-                  <p:cNvPr id="33" name="Rectangle 32"/>
-                  <p:cNvSpPr/>
-                  <p:nvPr/>
-                </p:nvSpPr>
-                <p:spPr>
-                  <a:xfrm>
-                    <a:off x="4894157" y="3242940"/>
-                    <a:ext cx="360890" cy="216544"/>
-                  </a:xfrm>
-                  <a:prstGeom prst="rect">
-                    <a:avLst/>
-                  </a:prstGeom>
-                  <a:solidFill>
-                    <a:schemeClr val="bg2">
-                      <a:lumMod val="25000"/>
-                    </a:schemeClr>
-                  </a:solidFill>
-                  <a:ln>
-                    <a:noFill/>
-                  </a:ln>
-                </p:spPr>
-                <p:style>
-                  <a:lnRef idx="2">
-                    <a:schemeClr val="accent1">
-                      <a:shade val="50000"/>
-                    </a:schemeClr>
-                  </a:lnRef>
-                  <a:fillRef idx="1">
-                    <a:schemeClr val="accent1"/>
-                  </a:fillRef>
-                  <a:effectRef idx="0">
-                    <a:schemeClr val="accent1"/>
-                  </a:effectRef>
-                  <a:fontRef idx="minor">
-                    <a:schemeClr val="lt1"/>
-                  </a:fontRef>
-                </p:style>
-                <p:txBody>
-                  <a:bodyPr rtlCol="0" anchor="ctr"/>
-                  <a:lstStyle/>
-                  <a:p>
-                    <a:pPr algn="ctr"/>
-                    <a:endParaRPr lang="en-US"/>
-                  </a:p>
-                </p:txBody>
-              </p:sp>
-              <p:sp>
-                <p:nvSpPr>
-                  <p:cNvPr id="31" name="Rectangle 30"/>
-                  <p:cNvSpPr/>
-                  <p:nvPr/>
-                </p:nvSpPr>
-                <p:spPr>
-                  <a:xfrm>
-                    <a:off x="3146425" y="3450028"/>
-                    <a:ext cx="3856355" cy="1053394"/>
-                  </a:xfrm>
-                  <a:prstGeom prst="rect">
-                    <a:avLst/>
-                  </a:prstGeom>
-                  <a:solidFill>
-                    <a:srgbClr val="00B0F0"/>
-                  </a:solidFill>
-                  <a:ln>
-                    <a:noFill/>
-                  </a:ln>
-                </p:spPr>
-                <p:style>
-                  <a:lnRef idx="2">
-                    <a:schemeClr val="accent1">
-                      <a:shade val="50000"/>
-                    </a:schemeClr>
-                  </a:lnRef>
-                  <a:fillRef idx="1">
-                    <a:schemeClr val="accent1"/>
-                  </a:fillRef>
-                  <a:effectRef idx="0">
-                    <a:schemeClr val="accent1"/>
-                  </a:effectRef>
-                  <a:fontRef idx="minor">
-                    <a:schemeClr val="lt1"/>
-                  </a:fontRef>
-                </p:style>
-                <p:txBody>
-                  <a:bodyPr rtlCol="0" anchor="ctr"/>
-                  <a:lstStyle/>
-                  <a:p>
-                    <a:pPr algn="ctr"/>
-                    <a:r>
-                      <a:rPr lang="en-US" altLang="zh-CN" dirty="0" smtClean="0"/>
-                      <a:t>SiO</a:t>
-                    </a:r>
-                    <a:r>
-                      <a:rPr lang="en-US" altLang="zh-CN" baseline="-25000" dirty="0" smtClean="0"/>
-                      <a:t>2</a:t>
-                    </a:r>
-                    <a:endParaRPr lang="en-US" baseline="-25000" dirty="0"/>
-                  </a:p>
-                </p:txBody>
-              </p:sp>
               <p:cxnSp>
                 <p:nvCxnSpPr>
-                  <p:cNvPr id="36" name="Straight Arrow Connector 35"/>
+                  <p:cNvPr id="67" name="Straight Arrow Connector 66"/>
                   <p:cNvCxnSpPr/>
                   <p:nvPr/>
                 </p:nvCxnSpPr>
                 <p:spPr>
                   <a:xfrm>
-                    <a:off x="5425896" y="1063937"/>
-                    <a:ext cx="366890" cy="0"/>
+                    <a:off x="4503632" y="2430780"/>
+                    <a:ext cx="0" cy="156211"/>
                   </a:xfrm>
                   <a:prstGeom prst="straightConnector1">
                     <a:avLst/>
                   </a:prstGeom>
                   <a:ln>
-                    <a:solidFill>
-                      <a:schemeClr val="tx1"/>
-                    </a:solidFill>
-                    <a:tailEnd type="triangle"/>
+                    <a:headEnd type="triangle" w="sm" len="sm"/>
+                    <a:tailEnd type="triangle" w="sm" len="sm"/>
                   </a:ln>
                 </p:spPr>
                 <p:style>
@@ -8334,639 +8999,28 @@
                   </a:fontRef>
                 </p:style>
               </p:cxnSp>
-              <p:sp>
-                <p:nvSpPr>
-                  <p:cNvPr id="37" name="TextBox 36"/>
-                  <p:cNvSpPr txBox="1"/>
-                  <p:nvPr/>
-                </p:nvSpPr>
-                <p:spPr>
-                  <a:xfrm>
-                    <a:off x="5792786" y="933132"/>
-                    <a:ext cx="1106489" cy="276999"/>
-                  </a:xfrm>
-                  <a:prstGeom prst="rect">
-                    <a:avLst/>
-                  </a:prstGeom>
-                  <a:noFill/>
-                </p:spPr>
-                <p:txBody>
-                  <a:bodyPr wrap="square" rtlCol="0">
-                    <a:spAutoFit/>
-                  </a:bodyPr>
-                  <a:lstStyle/>
-                  <a:p>
-                    <a:r>
-                      <a:rPr lang="en-US" altLang="zh-CN" sz="1200" dirty="0" smtClean="0"/>
-                      <a:t>Source Metal</a:t>
-                    </a:r>
-                    <a:endParaRPr lang="en-US" sz="1200" dirty="0"/>
-                  </a:p>
-                </p:txBody>
-              </p:sp>
-              <p:cxnSp>
-                <p:nvCxnSpPr>
-                  <p:cNvPr id="38" name="Straight Arrow Connector 37"/>
-                  <p:cNvCxnSpPr/>
-                  <p:nvPr/>
-                </p:nvCxnSpPr>
-                <p:spPr>
-                  <a:xfrm>
-                    <a:off x="5242451" y="3315776"/>
-                    <a:ext cx="366890" cy="0"/>
-                  </a:xfrm>
-                  <a:prstGeom prst="straightConnector1">
-                    <a:avLst/>
-                  </a:prstGeom>
-                  <a:ln>
-                    <a:solidFill>
-                      <a:schemeClr val="tx1"/>
-                    </a:solidFill>
-                    <a:tailEnd type="triangle"/>
-                  </a:ln>
-                </p:spPr>
-                <p:style>
-                  <a:lnRef idx="1">
-                    <a:schemeClr val="accent1"/>
-                  </a:lnRef>
-                  <a:fillRef idx="0">
-                    <a:schemeClr val="accent1"/>
-                  </a:fillRef>
-                  <a:effectRef idx="0">
-                    <a:schemeClr val="accent1"/>
-                  </a:effectRef>
-                  <a:fontRef idx="minor">
-                    <a:schemeClr val="tx1"/>
-                  </a:fontRef>
-                </p:style>
-              </p:cxnSp>
-              <p:sp>
-                <p:nvSpPr>
-                  <p:cNvPr id="39" name="TextBox 38"/>
-                  <p:cNvSpPr txBox="1"/>
-                  <p:nvPr/>
-                </p:nvSpPr>
-                <p:spPr>
-                  <a:xfrm>
-                    <a:off x="5609341" y="3184971"/>
-                    <a:ext cx="673100" cy="276999"/>
-                  </a:xfrm>
-                  <a:prstGeom prst="rect">
-                    <a:avLst/>
-                  </a:prstGeom>
-                  <a:noFill/>
-                </p:spPr>
-                <p:txBody>
-                  <a:bodyPr wrap="square" rtlCol="0">
-                    <a:spAutoFit/>
-                  </a:bodyPr>
-                  <a:lstStyle/>
-                  <a:p>
-                    <a:r>
-                      <a:rPr lang="en-US" altLang="zh-CN" sz="1200" dirty="0" smtClean="0"/>
-                      <a:t>Si</a:t>
-                    </a:r>
-                    <a:endParaRPr lang="en-US" sz="1200" dirty="0"/>
-                  </a:p>
-                </p:txBody>
-              </p:sp>
-              <p:cxnSp>
-                <p:nvCxnSpPr>
-                  <p:cNvPr id="41" name="Straight Arrow Connector 40"/>
-                  <p:cNvCxnSpPr/>
-                  <p:nvPr/>
-                </p:nvCxnSpPr>
-                <p:spPr>
-                  <a:xfrm>
-                    <a:off x="4752975" y="2219325"/>
-                    <a:ext cx="643255" cy="0"/>
-                  </a:xfrm>
-                  <a:prstGeom prst="straightConnector1">
-                    <a:avLst/>
-                  </a:prstGeom>
-                  <a:ln>
-                    <a:headEnd type="triangle"/>
-                    <a:tailEnd type="triangle"/>
-                  </a:ln>
-                </p:spPr>
-                <p:style>
-                  <a:lnRef idx="1">
-                    <a:schemeClr val="accent1"/>
-                  </a:lnRef>
-                  <a:fillRef idx="0">
-                    <a:schemeClr val="accent1"/>
-                  </a:fillRef>
-                  <a:effectRef idx="0">
-                    <a:schemeClr val="accent1"/>
-                  </a:effectRef>
-                  <a:fontRef idx="minor">
-                    <a:schemeClr val="tx1"/>
-                  </a:fontRef>
-                </p:style>
-              </p:cxnSp>
-              <p:sp>
-                <p:nvSpPr>
-                  <p:cNvPr id="42" name="TextBox 41"/>
-                  <p:cNvSpPr txBox="1"/>
-                  <p:nvPr/>
-                </p:nvSpPr>
-                <p:spPr>
-                  <a:xfrm>
-                    <a:off x="4796283" y="1786454"/>
-                    <a:ext cx="663907" cy="400110"/>
-                  </a:xfrm>
-                  <a:prstGeom prst="rect">
-                    <a:avLst/>
-                  </a:prstGeom>
-                  <a:noFill/>
-                </p:spPr>
-                <p:txBody>
-                  <a:bodyPr wrap="square" rtlCol="0">
-                    <a:spAutoFit/>
-                  </a:bodyPr>
-                  <a:lstStyle/>
-                  <a:p>
-                    <a:r>
-                      <a:rPr lang="en-US" sz="2000" dirty="0" err="1" smtClean="0"/>
-                      <a:t>w</a:t>
-                    </a:r>
-                    <a:r>
-                      <a:rPr lang="en-US" sz="2000" baseline="-25000" dirty="0" err="1" smtClean="0"/>
-                      <a:t>wg</a:t>
-                    </a:r>
-                    <a:endParaRPr lang="en-US" sz="2000" baseline="-25000" dirty="0"/>
-                  </a:p>
-                </p:txBody>
-              </p:sp>
-              <p:sp>
-                <p:nvSpPr>
-                  <p:cNvPr id="46" name="TextBox 45"/>
-                  <p:cNvSpPr txBox="1"/>
-                  <p:nvPr/>
-                </p:nvSpPr>
-                <p:spPr>
-                  <a:xfrm>
-                    <a:off x="4747471" y="939919"/>
-                    <a:ext cx="494980" cy="297517"/>
-                  </a:xfrm>
-                  <a:prstGeom prst="rect">
-                    <a:avLst/>
-                  </a:prstGeom>
-                  <a:noFill/>
-                </p:spPr>
-                <p:txBody>
-                  <a:bodyPr wrap="square" rtlCol="0">
-                    <a:spAutoFit/>
-                  </a:bodyPr>
-                  <a:lstStyle/>
-                  <a:p>
-                    <a:r>
-                      <a:rPr lang="en-US" sz="2000" baseline="-25000" dirty="0" smtClean="0"/>
-                      <a:t>1</a:t>
-                    </a:r>
-                    <a:r>
-                      <a:rPr lang="el-GR" sz="2000" baseline="-25000" dirty="0" smtClean="0"/>
-                      <a:t>μ</a:t>
-                    </a:r>
-                    <a:r>
-                      <a:rPr lang="en-US" sz="2000" baseline="-25000" dirty="0" smtClean="0"/>
-                      <a:t>m</a:t>
-                    </a:r>
-                    <a:endParaRPr lang="en-US" sz="2000" baseline="-25000" dirty="0"/>
-                  </a:p>
-                </p:txBody>
-              </p:sp>
-              <p:sp>
-                <p:nvSpPr>
-                  <p:cNvPr id="47" name="TextBox 46"/>
-                  <p:cNvSpPr txBox="1"/>
-                  <p:nvPr/>
-                </p:nvSpPr>
-                <p:spPr>
-                  <a:xfrm>
-                    <a:off x="3395560" y="2711478"/>
-                    <a:ext cx="879844" cy="297517"/>
-                  </a:xfrm>
-                  <a:prstGeom prst="rect">
-                    <a:avLst/>
-                  </a:prstGeom>
-                  <a:noFill/>
-                </p:spPr>
-                <p:txBody>
-                  <a:bodyPr wrap="square" rtlCol="0">
-                    <a:spAutoFit/>
-                  </a:bodyPr>
-                  <a:lstStyle/>
-                  <a:p>
-                    <a:r>
-                      <a:rPr lang="en-US" sz="2000" baseline="-25000" dirty="0" smtClean="0"/>
-                      <a:t>0</a:t>
-                    </a:r>
-                    <a:r>
-                      <a:rPr lang="en-US" altLang="zh-CN" sz="2000" baseline="-25000" dirty="0" smtClean="0"/>
-                      <a:t>.1 </a:t>
-                    </a:r>
-                    <a:r>
-                      <a:rPr lang="el-GR" altLang="zh-CN" sz="2000" baseline="-25000" dirty="0" smtClean="0"/>
-                      <a:t>μ</a:t>
-                    </a:r>
-                    <a:r>
-                      <a:rPr lang="en-US" altLang="zh-CN" sz="2000" baseline="-25000" dirty="0" smtClean="0"/>
-                      <a:t>m</a:t>
-                    </a:r>
-                    <a:endParaRPr lang="en-US" sz="2000" baseline="-25000" dirty="0"/>
-                  </a:p>
-                </p:txBody>
-              </p:sp>
-              <p:sp>
-                <p:nvSpPr>
-                  <p:cNvPr id="55" name="TextBox 54"/>
-                  <p:cNvSpPr txBox="1"/>
-                  <p:nvPr/>
-                </p:nvSpPr>
-                <p:spPr>
-                  <a:xfrm>
-                    <a:off x="3972926" y="2434604"/>
-                    <a:ext cx="719528" cy="297517"/>
-                  </a:xfrm>
-                  <a:prstGeom prst="rect">
-                    <a:avLst/>
-                  </a:prstGeom>
-                  <a:noFill/>
-                </p:spPr>
-                <p:txBody>
-                  <a:bodyPr wrap="square" rtlCol="0">
-                    <a:spAutoFit/>
-                  </a:bodyPr>
-                  <a:lstStyle/>
-                  <a:p>
-                    <a:r>
-                      <a:rPr lang="en-US" sz="2000" baseline="-25000" dirty="0" smtClean="0"/>
-                      <a:t>3 </a:t>
-                    </a:r>
-                    <a:r>
-                      <a:rPr lang="el-GR" sz="2000" baseline="-25000" dirty="0" smtClean="0"/>
-                      <a:t>μ</a:t>
-                    </a:r>
-                    <a:r>
-                      <a:rPr lang="en-US" sz="2000" baseline="-25000" dirty="0" smtClean="0"/>
-                      <a:t>m</a:t>
-                    </a:r>
-                    <a:endParaRPr lang="en-US" sz="2000" baseline="-25000" dirty="0"/>
-                  </a:p>
-                </p:txBody>
-              </p:sp>
-              <p:cxnSp>
-                <p:nvCxnSpPr>
-                  <p:cNvPr id="45" name="Straight Arrow Connector 44"/>
-                  <p:cNvCxnSpPr/>
-                  <p:nvPr/>
-                </p:nvCxnSpPr>
-                <p:spPr>
-                  <a:xfrm>
-                    <a:off x="4752975" y="962025"/>
-                    <a:ext cx="0" cy="248106"/>
-                  </a:xfrm>
-                  <a:prstGeom prst="straightConnector1">
-                    <a:avLst/>
-                  </a:prstGeom>
-                  <a:ln>
-                    <a:headEnd type="triangle"/>
-                    <a:tailEnd type="triangle"/>
-                  </a:ln>
-                </p:spPr>
-                <p:style>
-                  <a:lnRef idx="1">
-                    <a:schemeClr val="accent1"/>
-                  </a:lnRef>
-                  <a:fillRef idx="0">
-                    <a:schemeClr val="accent1"/>
-                  </a:fillRef>
-                  <a:effectRef idx="0">
-                    <a:schemeClr val="accent1"/>
-                  </a:effectRef>
-                  <a:fontRef idx="minor">
-                    <a:schemeClr val="tx1"/>
-                  </a:fontRef>
-                </p:style>
-              </p:cxnSp>
-              <p:cxnSp>
-                <p:nvCxnSpPr>
-                  <p:cNvPr id="48" name="Straight Arrow Connector 47"/>
-                  <p:cNvCxnSpPr/>
-                  <p:nvPr/>
-                </p:nvCxnSpPr>
-                <p:spPr>
-                  <a:xfrm>
-                    <a:off x="3404235" y="2826587"/>
-                    <a:ext cx="0" cy="183314"/>
-                  </a:xfrm>
-                  <a:prstGeom prst="straightConnector1">
-                    <a:avLst/>
-                  </a:prstGeom>
-                  <a:ln>
-                    <a:headEnd type="triangle"/>
-                    <a:tailEnd type="triangle"/>
-                  </a:ln>
-                </p:spPr>
-                <p:style>
-                  <a:lnRef idx="1">
-                    <a:schemeClr val="accent1"/>
-                  </a:lnRef>
-                  <a:fillRef idx="0">
-                    <a:schemeClr val="accent1"/>
-                  </a:fillRef>
-                  <a:effectRef idx="0">
-                    <a:schemeClr val="accent1"/>
-                  </a:effectRef>
-                  <a:fontRef idx="minor">
-                    <a:schemeClr val="tx1"/>
-                  </a:fontRef>
-                </p:style>
-              </p:cxnSp>
-              <p:cxnSp>
-                <p:nvCxnSpPr>
-                  <p:cNvPr id="53" name="Straight Arrow Connector 52"/>
-                  <p:cNvCxnSpPr/>
-                  <p:nvPr/>
-                </p:nvCxnSpPr>
-                <p:spPr>
-                  <a:xfrm>
-                    <a:off x="3789680" y="2776577"/>
-                    <a:ext cx="957791" cy="0"/>
-                  </a:xfrm>
-                  <a:prstGeom prst="straightConnector1">
-                    <a:avLst/>
-                  </a:prstGeom>
-                  <a:ln>
-                    <a:headEnd type="triangle"/>
-                    <a:tailEnd type="triangle"/>
-                  </a:ln>
-                </p:spPr>
-                <p:style>
-                  <a:lnRef idx="1">
-                    <a:schemeClr val="accent1"/>
-                  </a:lnRef>
-                  <a:fillRef idx="0">
-                    <a:schemeClr val="accent1"/>
-                  </a:fillRef>
-                  <a:effectRef idx="0">
-                    <a:schemeClr val="accent1"/>
-                  </a:effectRef>
-                  <a:fontRef idx="minor">
-                    <a:schemeClr val="tx1"/>
-                  </a:fontRef>
-                </p:style>
-              </p:cxnSp>
-              <p:cxnSp>
-                <p:nvCxnSpPr>
-                  <p:cNvPr id="58" name="Straight Arrow Connector 57"/>
-                  <p:cNvCxnSpPr/>
-                  <p:nvPr/>
-                </p:nvCxnSpPr>
-                <p:spPr>
-                  <a:xfrm>
-                    <a:off x="4894157" y="3511550"/>
-                    <a:ext cx="348294" cy="0"/>
-                  </a:xfrm>
-                  <a:prstGeom prst="straightConnector1">
-                    <a:avLst/>
-                  </a:prstGeom>
-                  <a:ln>
-                    <a:solidFill>
-                      <a:schemeClr val="tx1"/>
-                    </a:solidFill>
-                    <a:headEnd type="triangle"/>
-                    <a:tailEnd type="triangle"/>
-                  </a:ln>
-                </p:spPr>
-                <p:style>
-                  <a:lnRef idx="1">
-                    <a:schemeClr val="accent1"/>
-                  </a:lnRef>
-                  <a:fillRef idx="0">
-                    <a:schemeClr val="accent1"/>
-                  </a:fillRef>
-                  <a:effectRef idx="0">
-                    <a:schemeClr val="accent1"/>
-                  </a:effectRef>
-                  <a:fontRef idx="minor">
-                    <a:schemeClr val="tx1"/>
-                  </a:fontRef>
-                </p:style>
-              </p:cxnSp>
-              <p:sp>
-                <p:nvSpPr>
-                  <p:cNvPr id="59" name="TextBox 58"/>
-                  <p:cNvSpPr txBox="1"/>
-                  <p:nvPr/>
-                </p:nvSpPr>
-                <p:spPr>
-                  <a:xfrm>
-                    <a:off x="4820814" y="3467101"/>
-                    <a:ext cx="494980" cy="215444"/>
-                  </a:xfrm>
-                  <a:prstGeom prst="rect">
-                    <a:avLst/>
-                  </a:prstGeom>
-                  <a:noFill/>
-                </p:spPr>
-                <p:txBody>
-                  <a:bodyPr wrap="square" rtlCol="0">
-                    <a:spAutoFit/>
-                  </a:bodyPr>
-                  <a:lstStyle/>
-                  <a:p>
-                    <a:r>
-                      <a:rPr lang="en-US" sz="1200" baseline="-25000" dirty="0" smtClean="0"/>
-                      <a:t>0</a:t>
-                    </a:r>
-                    <a:r>
-                      <a:rPr lang="en-US" altLang="zh-CN" sz="1200" baseline="-25000" dirty="0" smtClean="0"/>
-                      <a:t>.6</a:t>
-                    </a:r>
-                    <a:r>
-                      <a:rPr lang="en-US" sz="1200" baseline="-25000" dirty="0" smtClean="0"/>
-                      <a:t> </a:t>
-                    </a:r>
-                    <a:r>
-                      <a:rPr lang="el-GR" sz="1200" baseline="-25000" dirty="0" smtClean="0"/>
-                      <a:t>μ</a:t>
-                    </a:r>
-                    <a:r>
-                      <a:rPr lang="en-US" sz="1200" baseline="-25000" dirty="0" smtClean="0"/>
-                      <a:t>m</a:t>
-                    </a:r>
-                    <a:endParaRPr lang="en-US" sz="1200" baseline="-25000" dirty="0"/>
-                  </a:p>
-                </p:txBody>
-              </p:sp>
-              <p:sp>
-                <p:nvSpPr>
-                  <p:cNvPr id="62" name="TextBox 61"/>
-                  <p:cNvSpPr txBox="1"/>
-                  <p:nvPr/>
-                </p:nvSpPr>
-                <p:spPr>
-                  <a:xfrm>
-                    <a:off x="4333875" y="3233853"/>
-                    <a:ext cx="577558" cy="215444"/>
-                  </a:xfrm>
-                  <a:prstGeom prst="rect">
-                    <a:avLst/>
-                  </a:prstGeom>
-                  <a:noFill/>
-                </p:spPr>
-                <p:txBody>
-                  <a:bodyPr wrap="square" rtlCol="0">
-                    <a:spAutoFit/>
-                  </a:bodyPr>
-                  <a:lstStyle/>
-                  <a:p>
-                    <a:r>
-                      <a:rPr lang="en-US" sz="1200" baseline="-25000" dirty="0" smtClean="0"/>
-                      <a:t>0</a:t>
-                    </a:r>
-                    <a:r>
-                      <a:rPr lang="en-US" altLang="zh-CN" sz="1200" baseline="-25000" dirty="0" smtClean="0"/>
-                      <a:t>.22</a:t>
-                    </a:r>
-                    <a:r>
-                      <a:rPr lang="en-US" sz="1200" baseline="-25000" dirty="0" smtClean="0"/>
-                      <a:t> </a:t>
-                    </a:r>
-                    <a:r>
-                      <a:rPr lang="el-GR" sz="1200" baseline="-25000" dirty="0" smtClean="0"/>
-                      <a:t>μ</a:t>
-                    </a:r>
-                    <a:r>
-                      <a:rPr lang="en-US" sz="1200" baseline="-25000" dirty="0" smtClean="0"/>
-                      <a:t>m</a:t>
-                    </a:r>
-                    <a:endParaRPr lang="en-US" sz="1200" baseline="-25000" dirty="0"/>
-                  </a:p>
-                </p:txBody>
-              </p:sp>
-              <p:cxnSp>
-                <p:nvCxnSpPr>
-                  <p:cNvPr id="64" name="Straight Arrow Connector 63"/>
-                  <p:cNvCxnSpPr/>
-                  <p:nvPr/>
-                </p:nvCxnSpPr>
-                <p:spPr>
-                  <a:xfrm>
-                    <a:off x="4820814" y="3242940"/>
-                    <a:ext cx="0" cy="206357"/>
-                  </a:xfrm>
-                  <a:prstGeom prst="straightConnector1">
-                    <a:avLst/>
-                  </a:prstGeom>
-                  <a:ln>
-                    <a:solidFill>
-                      <a:schemeClr val="tx1"/>
-                    </a:solidFill>
-                    <a:headEnd type="triangle"/>
-                    <a:tailEnd type="triangle"/>
-                  </a:ln>
-                </p:spPr>
-                <p:style>
-                  <a:lnRef idx="1">
-                    <a:schemeClr val="accent1"/>
-                  </a:lnRef>
-                  <a:fillRef idx="0">
-                    <a:schemeClr val="accent1"/>
-                  </a:fillRef>
-                  <a:effectRef idx="0">
-                    <a:schemeClr val="accent1"/>
-                  </a:effectRef>
-                  <a:fontRef idx="minor">
-                    <a:schemeClr val="tx1"/>
-                  </a:fontRef>
-                </p:style>
-              </p:cxnSp>
-              <p:sp>
-                <p:nvSpPr>
-                  <p:cNvPr id="68" name="TextBox 67"/>
-                  <p:cNvSpPr txBox="1"/>
-                  <p:nvPr/>
-                </p:nvSpPr>
-                <p:spPr>
-                  <a:xfrm>
-                    <a:off x="4857307" y="2573584"/>
-                    <a:ext cx="721840" cy="400110"/>
-                  </a:xfrm>
-                  <a:prstGeom prst="rect">
-                    <a:avLst/>
-                  </a:prstGeom>
-                  <a:noFill/>
-                </p:spPr>
-                <p:txBody>
-                  <a:bodyPr wrap="square" rtlCol="0">
-                    <a:spAutoFit/>
-                  </a:bodyPr>
-                  <a:lstStyle/>
-                  <a:p>
-                    <a:r>
-                      <a:rPr lang="en-US" sz="2000" dirty="0" err="1" smtClean="0"/>
-                      <a:t>h</a:t>
-                    </a:r>
-                    <a:r>
-                      <a:rPr lang="en-US" sz="2000" baseline="-25000" dirty="0" err="1" smtClean="0"/>
-                      <a:t>mqw</a:t>
-                    </a:r>
-                    <a:endParaRPr lang="en-US" sz="2000" baseline="-25000" dirty="0"/>
-                  </a:p>
-                </p:txBody>
-              </p:sp>
-              <p:sp>
-                <p:nvSpPr>
-                  <p:cNvPr id="70" name="TextBox 69"/>
-                  <p:cNvSpPr txBox="1"/>
-                  <p:nvPr/>
-                </p:nvSpPr>
-                <p:spPr>
-                  <a:xfrm>
-                    <a:off x="5896291" y="2151681"/>
-                    <a:ext cx="1106489" cy="276999"/>
-                  </a:xfrm>
-                  <a:prstGeom prst="rect">
-                    <a:avLst/>
-                  </a:prstGeom>
-                  <a:noFill/>
-                </p:spPr>
-                <p:txBody>
-                  <a:bodyPr wrap="square" rtlCol="0">
-                    <a:spAutoFit/>
-                  </a:bodyPr>
-                  <a:lstStyle/>
-                  <a:p>
-                    <a:pPr algn="ctr"/>
-                    <a:r>
-                      <a:rPr lang="en-US" altLang="zh-CN" sz="1200" dirty="0" smtClean="0"/>
-                      <a:t>Ground Metal</a:t>
-                    </a:r>
-                    <a:endParaRPr lang="en-US" sz="1200" dirty="0"/>
-                  </a:p>
-                </p:txBody>
-              </p:sp>
             </p:grpSp>
             <p:cxnSp>
               <p:nvCxnSpPr>
-                <p:cNvPr id="67" name="Straight Arrow Connector 66"/>
-                <p:cNvCxnSpPr/>
+                <p:cNvPr id="72" name="Straight Arrow Connector 71"/>
+                <p:cNvCxnSpPr>
+                  <a:stCxn id="29" idx="0"/>
+                </p:cNvCxnSpPr>
                 <p:nvPr/>
               </p:nvCxnSpPr>
               <p:spPr>
-                <a:xfrm>
-                  <a:off x="4503632" y="2430780"/>
-                  <a:ext cx="0" cy="156211"/>
+                <a:xfrm flipH="1" flipV="1">
+                  <a:off x="6333672" y="2458616"/>
+                  <a:ext cx="54928" cy="394663"/>
                 </a:xfrm>
                 <a:prstGeom prst="straightConnector1">
                   <a:avLst/>
                 </a:prstGeom>
                 <a:ln>
-                  <a:headEnd type="triangle" w="sm" len="sm"/>
-                  <a:tailEnd type="triangle" w="sm" len="sm"/>
+                  <a:solidFill>
+                    <a:schemeClr val="tx1"/>
+                  </a:solidFill>
+                  <a:tailEnd type="triangle"/>
                 </a:ln>
               </p:spPr>
               <p:style>
@@ -8985,85 +9039,140 @@
               </p:style>
             </p:cxnSp>
           </p:grpSp>
-          <p:cxnSp>
-            <p:nvCxnSpPr>
-              <p:cNvPr id="72" name="Straight Arrow Connector 71"/>
-              <p:cNvCxnSpPr>
-                <a:stCxn id="29" idx="0"/>
-              </p:cNvCxnSpPr>
+          <p:pic>
+            <p:nvPicPr>
+              <p:cNvPr id="74" name="Picture 73"/>
+              <p:cNvPicPr>
+                <a:picLocks noChangeAspect="1"/>
+              </p:cNvPicPr>
               <p:nvPr/>
-            </p:nvCxnSpPr>
+            </p:nvPicPr>
+            <p:blipFill>
+              <a:blip r:embed="rId2">
+                <a:extLst>
+                  <a:ext uri="{28A0092B-C50C-407E-A947-70E740481C1C}">
+                    <a14:useLocalDpi xmlns:a14="http://schemas.microsoft.com/office/drawing/2010/main" val="0"/>
+                  </a:ext>
+                </a:extLst>
+              </a:blip>
+              <a:stretch>
+                <a:fillRect/>
+              </a:stretch>
+            </p:blipFill>
             <p:spPr>
-              <a:xfrm flipH="1" flipV="1">
-                <a:off x="6333672" y="2458616"/>
-                <a:ext cx="54928" cy="394663"/>
+              <a:xfrm>
+                <a:off x="6155489" y="751114"/>
+                <a:ext cx="3467401" cy="4588527"/>
               </a:xfrm>
-              <a:prstGeom prst="straightConnector1">
+              <a:prstGeom prst="rect">
                 <a:avLst/>
               </a:prstGeom>
-              <a:ln>
-                <a:solidFill>
-                  <a:schemeClr val="tx1"/>
-                </a:solidFill>
-                <a:tailEnd type="triangle"/>
-              </a:ln>
             </p:spPr>
-            <p:style>
-              <a:lnRef idx="1">
-                <a:schemeClr val="accent1"/>
-              </a:lnRef>
-              <a:fillRef idx="0">
-                <a:schemeClr val="accent1"/>
-              </a:fillRef>
-              <a:effectRef idx="0">
-                <a:schemeClr val="accent1"/>
-              </a:effectRef>
-              <a:fontRef idx="minor">
-                <a:schemeClr val="tx1"/>
-              </a:fontRef>
-            </p:style>
-          </p:cxnSp>
+          </p:pic>
+          <p:sp>
+            <p:nvSpPr>
+              <p:cNvPr id="75" name="TextBox 74"/>
+              <p:cNvSpPr txBox="1"/>
+              <p:nvPr/>
+            </p:nvSpPr>
+            <p:spPr>
+              <a:xfrm>
+                <a:off x="1983014" y="671660"/>
+                <a:ext cx="455386" cy="369332"/>
+              </a:xfrm>
+              <a:prstGeom prst="rect">
+                <a:avLst/>
+              </a:prstGeom>
+              <a:noFill/>
+            </p:spPr>
+            <p:txBody>
+              <a:bodyPr wrap="square" rtlCol="0">
+                <a:spAutoFit/>
+              </a:bodyPr>
+              <a:lstStyle/>
+              <a:p>
+                <a:r>
+                  <a:rPr lang="en-US" dirty="0" smtClean="0"/>
+                  <a:t>(a)</a:t>
+                </a:r>
+                <a:endParaRPr lang="en-US" dirty="0"/>
+              </a:p>
+            </p:txBody>
+          </p:sp>
+          <p:sp>
+            <p:nvSpPr>
+              <p:cNvPr id="76" name="TextBox 75"/>
+              <p:cNvSpPr txBox="1"/>
+              <p:nvPr/>
+            </p:nvSpPr>
+            <p:spPr>
+              <a:xfrm>
+                <a:off x="5710057" y="671660"/>
+                <a:ext cx="455386" cy="369332"/>
+              </a:xfrm>
+              <a:prstGeom prst="rect">
+                <a:avLst/>
+              </a:prstGeom>
+              <a:noFill/>
+            </p:spPr>
+            <p:txBody>
+              <a:bodyPr wrap="square" rtlCol="0">
+                <a:spAutoFit/>
+              </a:bodyPr>
+              <a:lstStyle/>
+              <a:p>
+                <a:r>
+                  <a:rPr lang="en-US" dirty="0" smtClean="0"/>
+                  <a:t>(b)</a:t>
+                </a:r>
+                <a:endParaRPr lang="en-US" dirty="0"/>
+              </a:p>
+            </p:txBody>
+          </p:sp>
         </p:grpSp>
-        <p:pic>
-          <p:nvPicPr>
-            <p:cNvPr id="74" name="Picture 73"/>
-            <p:cNvPicPr>
-              <a:picLocks noChangeAspect="1"/>
-            </p:cNvPicPr>
+        <p:cxnSp>
+          <p:nvCxnSpPr>
+            <p:cNvPr id="52" name="Straight Arrow Connector 51"/>
+            <p:cNvCxnSpPr/>
             <p:nvPr/>
-          </p:nvPicPr>
-          <p:blipFill>
-            <a:blip r:embed="rId2">
-              <a:extLst>
-                <a:ext uri="{28A0092B-C50C-407E-A947-70E740481C1C}">
-                  <a14:useLocalDpi xmlns:a14="http://schemas.microsoft.com/office/drawing/2010/main" val="0"/>
-                </a:ext>
-              </a:extLst>
-            </a:blip>
-            <a:stretch>
-              <a:fillRect/>
-            </a:stretch>
-          </p:blipFill>
+          </p:nvCxnSpPr>
           <p:spPr>
-            <a:xfrm>
-              <a:off x="6155489" y="751114"/>
-              <a:ext cx="3467401" cy="4588527"/>
+            <a:xfrm flipH="1">
+              <a:off x="3357497" y="3035811"/>
+              <a:ext cx="390525" cy="0"/>
             </a:xfrm>
-            <a:prstGeom prst="rect">
+            <a:prstGeom prst="straightConnector1">
               <a:avLst/>
             </a:prstGeom>
+            <a:ln>
+              <a:tailEnd type="triangle"/>
+            </a:ln>
           </p:spPr>
-        </p:pic>
+          <p:style>
+            <a:lnRef idx="1">
+              <a:schemeClr val="accent1"/>
+            </a:lnRef>
+            <a:fillRef idx="0">
+              <a:schemeClr val="accent1"/>
+            </a:fillRef>
+            <a:effectRef idx="0">
+              <a:schemeClr val="accent1"/>
+            </a:effectRef>
+            <a:fontRef idx="minor">
+              <a:schemeClr val="tx1"/>
+            </a:fontRef>
+          </p:style>
+        </p:cxnSp>
         <p:sp>
           <p:nvSpPr>
-            <p:cNvPr id="75" name="TextBox 74"/>
+            <p:cNvPr id="54" name="TextBox 53"/>
             <p:cNvSpPr txBox="1"/>
             <p:nvPr/>
           </p:nvSpPr>
           <p:spPr>
             <a:xfrm>
-              <a:off x="1983014" y="671660"/>
-              <a:ext cx="455386" cy="369332"/>
+              <a:off x="2830997" y="2913335"/>
+              <a:ext cx="669988" cy="276999"/>
             </a:xfrm>
             <a:prstGeom prst="rect">
               <a:avLst/>
@@ -9077,40 +9186,18 @@
             <a:lstStyle/>
             <a:p>
               <a:r>
-                <a:rPr lang="en-US" dirty="0" smtClean="0"/>
-                <a:t>(a)</a:t>
+                <a:rPr lang="en-US" sz="1200" dirty="0" smtClean="0"/>
+                <a:t>50</a:t>
               </a:r>
-              <a:endParaRPr lang="en-US" dirty="0"/>
-            </a:p>
-          </p:txBody>
-        </p:sp>
-        <p:sp>
-          <p:nvSpPr>
-            <p:cNvPr id="76" name="TextBox 75"/>
-            <p:cNvSpPr txBox="1"/>
-            <p:nvPr/>
-          </p:nvSpPr>
-          <p:spPr>
-            <a:xfrm>
-              <a:off x="5710057" y="671660"/>
-              <a:ext cx="455386" cy="369332"/>
-            </a:xfrm>
-            <a:prstGeom prst="rect">
-              <a:avLst/>
-            </a:prstGeom>
-            <a:noFill/>
-          </p:spPr>
-          <p:txBody>
-            <a:bodyPr wrap="square" rtlCol="0">
-              <a:spAutoFit/>
-            </a:bodyPr>
-            <a:lstStyle/>
-            <a:p>
               <a:r>
-                <a:rPr lang="en-US" dirty="0" smtClean="0"/>
-                <a:t>(b)</a:t>
+                <a:rPr lang="en-US" sz="1200" dirty="0"/>
+                <a:t> </a:t>
               </a:r>
-              <a:endParaRPr lang="en-US" dirty="0"/>
+              <a:r>
+                <a:rPr lang="en-US" sz="1200" dirty="0" smtClean="0"/>
+                <a:t>nm</a:t>
+              </a:r>
+              <a:endParaRPr lang="en-US" sz="1200" baseline="-25000" dirty="0"/>
             </a:p>
           </p:txBody>
         </p:sp>
@@ -9355,6 +9442,2294 @@
     <p:extLst>
       <p:ext uri="{BB962C8B-B14F-4D97-AF65-F5344CB8AC3E}">
         <p14:creationId xmlns:p14="http://schemas.microsoft.com/office/powerpoint/2010/main" val="2241898735"/>
+      </p:ext>
+    </p:extLst>
+  </p:cSld>
+  <p:clrMapOvr>
+    <a:masterClrMapping/>
+  </p:clrMapOvr>
+</p:sld>
+</file>
+
+<file path=ppt/slides/slide13.xml><?xml version="1.0" encoding="utf-8"?>
+<p:sld xmlns:a="http://schemas.openxmlformats.org/drawingml/2006/main" xmlns:r="http://schemas.openxmlformats.org/officeDocument/2006/relationships" xmlns:p="http://schemas.openxmlformats.org/presentationml/2006/main">
+  <p:cSld>
+    <p:spTree>
+      <p:nvGrpSpPr>
+        <p:cNvPr id="1" name=""/>
+        <p:cNvGrpSpPr/>
+        <p:nvPr/>
+      </p:nvGrpSpPr>
+      <p:grpSpPr>
+        <a:xfrm>
+          <a:off x="0" y="0"/>
+          <a:ext cx="0" cy="0"/>
+          <a:chOff x="0" y="0"/>
+          <a:chExt cx="0" cy="0"/>
+        </a:xfrm>
+      </p:grpSpPr>
+      <p:grpSp>
+        <p:nvGrpSpPr>
+          <p:cNvPr id="3" name="Group 2"/>
+          <p:cNvGrpSpPr/>
+          <p:nvPr/>
+        </p:nvGrpSpPr>
+        <p:grpSpPr>
+          <a:xfrm>
+            <a:off x="676728" y="704317"/>
+            <a:ext cx="10943872" cy="4709011"/>
+            <a:chOff x="676728" y="704317"/>
+            <a:chExt cx="10943872" cy="4709011"/>
+          </a:xfrm>
+        </p:grpSpPr>
+        <p:sp>
+          <p:nvSpPr>
+            <p:cNvPr id="76" name="TextBox 75"/>
+            <p:cNvSpPr txBox="1"/>
+            <p:nvPr/>
+          </p:nvSpPr>
+          <p:spPr>
+            <a:xfrm>
+              <a:off x="4403771" y="704317"/>
+              <a:ext cx="455386" cy="369332"/>
+            </a:xfrm>
+            <a:prstGeom prst="rect">
+              <a:avLst/>
+            </a:prstGeom>
+            <a:noFill/>
+          </p:spPr>
+          <p:txBody>
+            <a:bodyPr wrap="square" rtlCol="0">
+              <a:spAutoFit/>
+            </a:bodyPr>
+            <a:lstStyle/>
+            <a:p>
+              <a:r>
+                <a:rPr lang="en-US" dirty="0" smtClean="0"/>
+                <a:t>(b)</a:t>
+              </a:r>
+              <a:endParaRPr lang="en-US" dirty="0"/>
+            </a:p>
+          </p:txBody>
+        </p:sp>
+        <p:grpSp>
+          <p:nvGrpSpPr>
+            <p:cNvPr id="66" name="Group 65"/>
+            <p:cNvGrpSpPr/>
+            <p:nvPr/>
+          </p:nvGrpSpPr>
+          <p:grpSpPr>
+            <a:xfrm>
+              <a:off x="676728" y="704317"/>
+              <a:ext cx="3856355" cy="4709010"/>
+              <a:chOff x="1983014" y="671660"/>
+              <a:chExt cx="3856355" cy="4709010"/>
+            </a:xfrm>
+          </p:grpSpPr>
+          <p:sp>
+            <p:nvSpPr>
+              <p:cNvPr id="52" name="Rectangle 51"/>
+              <p:cNvSpPr/>
+              <p:nvPr/>
+            </p:nvSpPr>
+            <p:spPr>
+              <a:xfrm>
+                <a:off x="1983014" y="3114876"/>
+                <a:ext cx="3856355" cy="156211"/>
+              </a:xfrm>
+              <a:prstGeom prst="rect">
+                <a:avLst/>
+              </a:prstGeom>
+              <a:solidFill>
+                <a:srgbClr val="3B3838"/>
+              </a:solidFill>
+              <a:ln>
+                <a:noFill/>
+              </a:ln>
+            </p:spPr>
+            <p:style>
+              <a:lnRef idx="2">
+                <a:schemeClr val="accent1">
+                  <a:shade val="50000"/>
+                </a:schemeClr>
+              </a:lnRef>
+              <a:fillRef idx="1">
+                <a:schemeClr val="accent1"/>
+              </a:fillRef>
+              <a:effectRef idx="0">
+                <a:schemeClr val="accent1"/>
+              </a:effectRef>
+              <a:fontRef idx="minor">
+                <a:schemeClr val="lt1"/>
+              </a:fontRef>
+            </p:style>
+            <p:txBody>
+              <a:bodyPr rtlCol="0" anchor="ctr"/>
+              <a:lstStyle/>
+              <a:p>
+                <a:pPr algn="ctr"/>
+                <a:r>
+                  <a:rPr lang="en-US" sz="1100" dirty="0"/>
+                  <a:t>n</a:t>
+                </a:r>
+                <a:r>
+                  <a:rPr lang="en-US" sz="1100" dirty="0" smtClean="0"/>
+                  <a:t>-</a:t>
+                </a:r>
+                <a:r>
+                  <a:rPr lang="en-US" sz="1100" dirty="0" err="1" smtClean="0"/>
+                  <a:t>InP</a:t>
+                </a:r>
+                <a:endParaRPr lang="en-US" sz="1100" dirty="0"/>
+              </a:p>
+            </p:txBody>
+          </p:sp>
+          <p:sp>
+            <p:nvSpPr>
+              <p:cNvPr id="22" name="Rectangle 21"/>
+              <p:cNvSpPr/>
+              <p:nvPr/>
+            </p:nvSpPr>
+            <p:spPr>
+              <a:xfrm>
+                <a:off x="1983014" y="2827883"/>
+                <a:ext cx="3856355" cy="156211"/>
+              </a:xfrm>
+              <a:prstGeom prst="rect">
+                <a:avLst/>
+              </a:prstGeom>
+              <a:solidFill>
+                <a:schemeClr val="accent4">
+                  <a:lumMod val="50000"/>
+                </a:schemeClr>
+              </a:solidFill>
+              <a:ln>
+                <a:noFill/>
+              </a:ln>
+            </p:spPr>
+            <p:style>
+              <a:lnRef idx="2">
+                <a:schemeClr val="accent1">
+                  <a:shade val="50000"/>
+                </a:schemeClr>
+              </a:lnRef>
+              <a:fillRef idx="1">
+                <a:schemeClr val="accent1"/>
+              </a:fillRef>
+              <a:effectRef idx="0">
+                <a:schemeClr val="accent1"/>
+              </a:effectRef>
+              <a:fontRef idx="minor">
+                <a:schemeClr val="lt1"/>
+              </a:fontRef>
+            </p:style>
+            <p:txBody>
+              <a:bodyPr rtlCol="0" anchor="ctr"/>
+              <a:lstStyle/>
+              <a:p>
+                <a:pPr algn="ctr"/>
+                <a:r>
+                  <a:rPr lang="en-US" sz="1100" dirty="0"/>
+                  <a:t>n</a:t>
+                </a:r>
+                <a:r>
+                  <a:rPr lang="en-US" sz="1100" dirty="0" smtClean="0"/>
+                  <a:t>-</a:t>
+                </a:r>
+                <a:r>
+                  <a:rPr lang="en-US" sz="1100" dirty="0" err="1" smtClean="0"/>
+                  <a:t>InP</a:t>
+                </a:r>
+                <a:endParaRPr lang="en-US" sz="1100" dirty="0"/>
+              </a:p>
+            </p:txBody>
+          </p:sp>
+          <p:cxnSp>
+            <p:nvCxnSpPr>
+              <p:cNvPr id="6" name="Straight Arrow Connector 5"/>
+              <p:cNvCxnSpPr/>
+              <p:nvPr/>
+            </p:nvCxnSpPr>
+            <p:spPr>
+              <a:xfrm>
+                <a:off x="4262485" y="1081290"/>
+                <a:ext cx="366890" cy="0"/>
+              </a:xfrm>
+              <a:prstGeom prst="straightConnector1">
+                <a:avLst/>
+              </a:prstGeom>
+              <a:ln>
+                <a:solidFill>
+                  <a:schemeClr val="tx1"/>
+                </a:solidFill>
+                <a:tailEnd type="triangle"/>
+              </a:ln>
+            </p:spPr>
+            <p:style>
+              <a:lnRef idx="1">
+                <a:schemeClr val="accent1"/>
+              </a:lnRef>
+              <a:fillRef idx="0">
+                <a:schemeClr val="accent1"/>
+              </a:fillRef>
+              <a:effectRef idx="0">
+                <a:schemeClr val="accent1"/>
+              </a:effectRef>
+              <a:fontRef idx="minor">
+                <a:schemeClr val="tx1"/>
+              </a:fontRef>
+            </p:style>
+          </p:cxnSp>
+          <p:sp>
+            <p:nvSpPr>
+              <p:cNvPr id="7" name="TextBox 6"/>
+              <p:cNvSpPr txBox="1"/>
+              <p:nvPr/>
+            </p:nvSpPr>
+            <p:spPr>
+              <a:xfrm>
+                <a:off x="4629375" y="950485"/>
+                <a:ext cx="673100" cy="276999"/>
+              </a:xfrm>
+              <a:prstGeom prst="rect">
+                <a:avLst/>
+              </a:prstGeom>
+              <a:noFill/>
+            </p:spPr>
+            <p:txBody>
+              <a:bodyPr wrap="square" rtlCol="0">
+                <a:spAutoFit/>
+              </a:bodyPr>
+              <a:lstStyle/>
+              <a:p>
+                <a:r>
+                  <a:rPr lang="en-US" altLang="zh-CN" sz="1200" dirty="0" err="1" smtClean="0"/>
+                  <a:t>InGaAs</a:t>
+                </a:r>
+                <a:endParaRPr lang="en-US" sz="1200" dirty="0"/>
+              </a:p>
+            </p:txBody>
+          </p:sp>
+          <p:sp>
+            <p:nvSpPr>
+              <p:cNvPr id="8" name="TextBox 7"/>
+              <p:cNvSpPr txBox="1"/>
+              <p:nvPr/>
+            </p:nvSpPr>
+            <p:spPr>
+              <a:xfrm>
+                <a:off x="4629375" y="1407685"/>
+                <a:ext cx="673100" cy="276999"/>
+              </a:xfrm>
+              <a:prstGeom prst="rect">
+                <a:avLst/>
+              </a:prstGeom>
+              <a:noFill/>
+            </p:spPr>
+            <p:txBody>
+              <a:bodyPr wrap="square" rtlCol="0">
+                <a:spAutoFit/>
+              </a:bodyPr>
+              <a:lstStyle/>
+              <a:p>
+                <a:r>
+                  <a:rPr lang="en-US" altLang="zh-CN" sz="1200" dirty="0" smtClean="0"/>
+                  <a:t>p-</a:t>
+                </a:r>
+                <a:r>
+                  <a:rPr lang="en-US" altLang="zh-CN" sz="1200" dirty="0" err="1" smtClean="0"/>
+                  <a:t>InP</a:t>
+                </a:r>
+                <a:endParaRPr lang="en-US" sz="1200" dirty="0"/>
+              </a:p>
+            </p:txBody>
+          </p:sp>
+          <p:cxnSp>
+            <p:nvCxnSpPr>
+              <p:cNvPr id="9" name="Straight Arrow Connector 8"/>
+              <p:cNvCxnSpPr/>
+              <p:nvPr/>
+            </p:nvCxnSpPr>
+            <p:spPr>
+              <a:xfrm>
+                <a:off x="4262485" y="1538490"/>
+                <a:ext cx="366890" cy="0"/>
+              </a:xfrm>
+              <a:prstGeom prst="straightConnector1">
+                <a:avLst/>
+              </a:prstGeom>
+              <a:ln>
+                <a:solidFill>
+                  <a:schemeClr val="tx1"/>
+                </a:solidFill>
+                <a:tailEnd type="triangle"/>
+              </a:ln>
+            </p:spPr>
+            <p:style>
+              <a:lnRef idx="1">
+                <a:schemeClr val="accent1"/>
+              </a:lnRef>
+              <a:fillRef idx="0">
+                <a:schemeClr val="accent1"/>
+              </a:fillRef>
+              <a:effectRef idx="0">
+                <a:schemeClr val="accent1"/>
+              </a:effectRef>
+              <a:fontRef idx="minor">
+                <a:schemeClr val="tx1"/>
+              </a:fontRef>
+            </p:style>
+          </p:cxnSp>
+          <p:cxnSp>
+            <p:nvCxnSpPr>
+              <p:cNvPr id="10" name="Straight Arrow Connector 9"/>
+              <p:cNvCxnSpPr/>
+              <p:nvPr/>
+            </p:nvCxnSpPr>
+            <p:spPr>
+              <a:xfrm>
+                <a:off x="4262485" y="2452890"/>
+                <a:ext cx="366890" cy="0"/>
+              </a:xfrm>
+              <a:prstGeom prst="straightConnector1">
+                <a:avLst/>
+              </a:prstGeom>
+              <a:ln>
+                <a:solidFill>
+                  <a:schemeClr val="tx1"/>
+                </a:solidFill>
+                <a:tailEnd type="triangle"/>
+              </a:ln>
+            </p:spPr>
+            <p:style>
+              <a:lnRef idx="1">
+                <a:schemeClr val="accent1"/>
+              </a:lnRef>
+              <a:fillRef idx="0">
+                <a:schemeClr val="accent1"/>
+              </a:fillRef>
+              <a:effectRef idx="0">
+                <a:schemeClr val="accent1"/>
+              </a:effectRef>
+              <a:fontRef idx="minor">
+                <a:schemeClr val="tx1"/>
+              </a:fontRef>
+            </p:style>
+          </p:cxnSp>
+          <p:cxnSp>
+            <p:nvCxnSpPr>
+              <p:cNvPr id="11" name="Straight Arrow Connector 10"/>
+              <p:cNvCxnSpPr/>
+              <p:nvPr/>
+            </p:nvCxnSpPr>
+            <p:spPr>
+              <a:xfrm>
+                <a:off x="4262485" y="2779824"/>
+                <a:ext cx="366890" cy="0"/>
+              </a:xfrm>
+              <a:prstGeom prst="straightConnector1">
+                <a:avLst/>
+              </a:prstGeom>
+              <a:ln>
+                <a:solidFill>
+                  <a:schemeClr val="tx1"/>
+                </a:solidFill>
+                <a:tailEnd type="triangle"/>
+              </a:ln>
+            </p:spPr>
+            <p:style>
+              <a:lnRef idx="1">
+                <a:schemeClr val="accent1"/>
+              </a:lnRef>
+              <a:fillRef idx="0">
+                <a:schemeClr val="accent1"/>
+              </a:fillRef>
+              <a:effectRef idx="0">
+                <a:schemeClr val="accent1"/>
+              </a:effectRef>
+              <a:fontRef idx="minor">
+                <a:schemeClr val="tx1"/>
+              </a:fontRef>
+            </p:style>
+          </p:cxnSp>
+          <p:sp>
+            <p:nvSpPr>
+              <p:cNvPr id="12" name="TextBox 11"/>
+              <p:cNvSpPr txBox="1"/>
+              <p:nvPr/>
+            </p:nvSpPr>
+            <p:spPr>
+              <a:xfrm>
+                <a:off x="4629375" y="2286301"/>
+                <a:ext cx="673100" cy="276999"/>
+              </a:xfrm>
+              <a:prstGeom prst="rect">
+                <a:avLst/>
+              </a:prstGeom>
+              <a:noFill/>
+            </p:spPr>
+            <p:txBody>
+              <a:bodyPr wrap="square" rtlCol="0">
+                <a:spAutoFit/>
+              </a:bodyPr>
+              <a:lstStyle/>
+              <a:p>
+                <a:r>
+                  <a:rPr lang="en-US" altLang="zh-CN" sz="1200" dirty="0" smtClean="0"/>
+                  <a:t>SCH</a:t>
+                </a:r>
+                <a:endParaRPr lang="en-US" sz="1200" dirty="0"/>
+              </a:p>
+            </p:txBody>
+          </p:sp>
+          <p:sp>
+            <p:nvSpPr>
+              <p:cNvPr id="13" name="TextBox 12"/>
+              <p:cNvSpPr txBox="1"/>
+              <p:nvPr/>
+            </p:nvSpPr>
+            <p:spPr>
+              <a:xfrm>
+                <a:off x="4629375" y="2641325"/>
+                <a:ext cx="673100" cy="276999"/>
+              </a:xfrm>
+              <a:prstGeom prst="rect">
+                <a:avLst/>
+              </a:prstGeom>
+              <a:noFill/>
+            </p:spPr>
+            <p:txBody>
+              <a:bodyPr wrap="square" rtlCol="0">
+                <a:spAutoFit/>
+              </a:bodyPr>
+              <a:lstStyle/>
+              <a:p>
+                <a:r>
+                  <a:rPr lang="en-US" altLang="zh-CN" sz="1200" dirty="0" smtClean="0"/>
+                  <a:t>SCH</a:t>
+                </a:r>
+                <a:endParaRPr lang="en-US" sz="1200" dirty="0"/>
+              </a:p>
+            </p:txBody>
+          </p:sp>
+          <p:cxnSp>
+            <p:nvCxnSpPr>
+              <p:cNvPr id="14" name="Straight Arrow Connector 13"/>
+              <p:cNvCxnSpPr/>
+              <p:nvPr/>
+            </p:nvCxnSpPr>
+            <p:spPr>
+              <a:xfrm>
+                <a:off x="4262485" y="2598236"/>
+                <a:ext cx="366890" cy="0"/>
+              </a:xfrm>
+              <a:prstGeom prst="straightConnector1">
+                <a:avLst/>
+              </a:prstGeom>
+              <a:ln>
+                <a:solidFill>
+                  <a:schemeClr val="tx1"/>
+                </a:solidFill>
+                <a:tailEnd type="triangle"/>
+              </a:ln>
+            </p:spPr>
+            <p:style>
+              <a:lnRef idx="1">
+                <a:schemeClr val="accent1"/>
+              </a:lnRef>
+              <a:fillRef idx="0">
+                <a:schemeClr val="accent1"/>
+              </a:fillRef>
+              <a:effectRef idx="0">
+                <a:schemeClr val="accent1"/>
+              </a:effectRef>
+              <a:fontRef idx="minor">
+                <a:schemeClr val="tx1"/>
+              </a:fontRef>
+            </p:style>
+          </p:cxnSp>
+          <p:sp>
+            <p:nvSpPr>
+              <p:cNvPr id="15" name="TextBox 14"/>
+              <p:cNvSpPr txBox="1"/>
+              <p:nvPr/>
+            </p:nvSpPr>
+            <p:spPr>
+              <a:xfrm>
+                <a:off x="4629375" y="2480980"/>
+                <a:ext cx="673100" cy="276999"/>
+              </a:xfrm>
+              <a:prstGeom prst="rect">
+                <a:avLst/>
+              </a:prstGeom>
+              <a:noFill/>
+            </p:spPr>
+            <p:txBody>
+              <a:bodyPr wrap="square" rtlCol="0">
+                <a:spAutoFit/>
+              </a:bodyPr>
+              <a:lstStyle/>
+              <a:p>
+                <a:r>
+                  <a:rPr lang="en-US" altLang="zh-CN" sz="1200" dirty="0" smtClean="0"/>
+                  <a:t>MQW</a:t>
+                </a:r>
+                <a:endParaRPr lang="en-US" sz="1200" dirty="0"/>
+              </a:p>
+            </p:txBody>
+          </p:sp>
+          <p:sp>
+            <p:nvSpPr>
+              <p:cNvPr id="19" name="Rectangle 18"/>
+              <p:cNvSpPr/>
+              <p:nvPr/>
+            </p:nvSpPr>
+            <p:spPr>
+              <a:xfrm>
+                <a:off x="3500347" y="1040992"/>
+                <a:ext cx="821689" cy="161290"/>
+              </a:xfrm>
+              <a:prstGeom prst="rect">
+                <a:avLst/>
+              </a:prstGeom>
+              <a:solidFill>
+                <a:schemeClr val="accent4">
+                  <a:lumMod val="75000"/>
+                </a:schemeClr>
+              </a:solidFill>
+              <a:ln>
+                <a:noFill/>
+              </a:ln>
+            </p:spPr>
+            <p:style>
+              <a:lnRef idx="2">
+                <a:schemeClr val="accent1">
+                  <a:shade val="50000"/>
+                </a:schemeClr>
+              </a:lnRef>
+              <a:fillRef idx="1">
+                <a:schemeClr val="accent1"/>
+              </a:fillRef>
+              <a:effectRef idx="0">
+                <a:schemeClr val="accent1"/>
+              </a:effectRef>
+              <a:fontRef idx="minor">
+                <a:schemeClr val="lt1"/>
+              </a:fontRef>
+            </p:style>
+            <p:txBody>
+              <a:bodyPr rtlCol="0" anchor="ctr"/>
+              <a:lstStyle/>
+              <a:p>
+                <a:pPr algn="ctr"/>
+                <a:endParaRPr lang="en-US"/>
+              </a:p>
+            </p:txBody>
+          </p:sp>
+          <p:sp>
+            <p:nvSpPr>
+              <p:cNvPr id="20" name="Rectangle 19"/>
+              <p:cNvSpPr/>
+              <p:nvPr/>
+            </p:nvSpPr>
+            <p:spPr>
+              <a:xfrm>
+                <a:off x="3589564" y="2374492"/>
+                <a:ext cx="643255" cy="160020"/>
+              </a:xfrm>
+              <a:prstGeom prst="rect">
+                <a:avLst/>
+              </a:prstGeom>
+              <a:solidFill>
+                <a:srgbClr val="FF0000"/>
+              </a:solidFill>
+              <a:ln>
+                <a:noFill/>
+              </a:ln>
+            </p:spPr>
+            <p:style>
+              <a:lnRef idx="2">
+                <a:schemeClr val="accent1">
+                  <a:shade val="50000"/>
+                </a:schemeClr>
+              </a:lnRef>
+              <a:fillRef idx="1">
+                <a:schemeClr val="accent1"/>
+              </a:fillRef>
+              <a:effectRef idx="0">
+                <a:schemeClr val="accent1"/>
+              </a:effectRef>
+              <a:fontRef idx="minor">
+                <a:schemeClr val="lt1"/>
+              </a:fontRef>
+            </p:style>
+            <p:txBody>
+              <a:bodyPr rtlCol="0" anchor="ctr"/>
+              <a:lstStyle/>
+              <a:p>
+                <a:pPr algn="ctr"/>
+                <a:endParaRPr lang="en-US"/>
+              </a:p>
+            </p:txBody>
+          </p:sp>
+          <p:sp>
+            <p:nvSpPr>
+              <p:cNvPr id="21" name="Rectangle 20"/>
+              <p:cNvSpPr/>
+              <p:nvPr/>
+            </p:nvSpPr>
+            <p:spPr>
+              <a:xfrm>
+                <a:off x="3589564" y="2690723"/>
+                <a:ext cx="643255" cy="137160"/>
+              </a:xfrm>
+              <a:prstGeom prst="rect">
+                <a:avLst/>
+              </a:prstGeom>
+              <a:solidFill>
+                <a:srgbClr val="FF0000"/>
+              </a:solidFill>
+              <a:ln>
+                <a:noFill/>
+              </a:ln>
+            </p:spPr>
+            <p:style>
+              <a:lnRef idx="2">
+                <a:schemeClr val="accent1">
+                  <a:shade val="50000"/>
+                </a:schemeClr>
+              </a:lnRef>
+              <a:fillRef idx="1">
+                <a:schemeClr val="accent1"/>
+              </a:fillRef>
+              <a:effectRef idx="0">
+                <a:schemeClr val="accent1"/>
+              </a:effectRef>
+              <a:fontRef idx="minor">
+                <a:schemeClr val="lt1"/>
+              </a:fontRef>
+            </p:style>
+            <p:txBody>
+              <a:bodyPr rtlCol="0" anchor="ctr"/>
+              <a:lstStyle/>
+              <a:p>
+                <a:pPr algn="ctr"/>
+                <a:endParaRPr lang="en-US"/>
+              </a:p>
+            </p:txBody>
+          </p:sp>
+          <p:sp>
+            <p:nvSpPr>
+              <p:cNvPr id="24" name="Rectangle 23"/>
+              <p:cNvSpPr/>
+              <p:nvPr/>
+            </p:nvSpPr>
+            <p:spPr>
+              <a:xfrm>
+                <a:off x="3589564" y="2534512"/>
+                <a:ext cx="643255" cy="156211"/>
+              </a:xfrm>
+              <a:prstGeom prst="rect">
+                <a:avLst/>
+              </a:prstGeom>
+              <a:solidFill>
+                <a:srgbClr val="FF7979"/>
+              </a:solidFill>
+              <a:ln>
+                <a:noFill/>
+              </a:ln>
+            </p:spPr>
+            <p:style>
+              <a:lnRef idx="2">
+                <a:schemeClr val="accent1">
+                  <a:shade val="50000"/>
+                </a:schemeClr>
+              </a:lnRef>
+              <a:fillRef idx="1">
+                <a:schemeClr val="accent1"/>
+              </a:fillRef>
+              <a:effectRef idx="0">
+                <a:schemeClr val="accent1"/>
+              </a:effectRef>
+              <a:fontRef idx="minor">
+                <a:schemeClr val="lt1"/>
+              </a:fontRef>
+            </p:style>
+            <p:txBody>
+              <a:bodyPr rtlCol="0" anchor="ctr"/>
+              <a:lstStyle/>
+              <a:p>
+                <a:pPr algn="ctr"/>
+                <a:endParaRPr lang="en-US"/>
+              </a:p>
+            </p:txBody>
+          </p:sp>
+          <p:sp>
+            <p:nvSpPr>
+              <p:cNvPr id="25" name="Rectangle 24"/>
+              <p:cNvSpPr/>
+              <p:nvPr/>
+            </p:nvSpPr>
+            <p:spPr>
+              <a:xfrm>
+                <a:off x="3500347" y="1147673"/>
+                <a:ext cx="821689" cy="1226820"/>
+              </a:xfrm>
+              <a:prstGeom prst="rect">
+                <a:avLst/>
+              </a:prstGeom>
+              <a:solidFill>
+                <a:srgbClr val="FFB200"/>
+              </a:solidFill>
+              <a:ln>
+                <a:noFill/>
+              </a:ln>
+            </p:spPr>
+            <p:style>
+              <a:lnRef idx="2">
+                <a:schemeClr val="accent1">
+                  <a:shade val="50000"/>
+                </a:schemeClr>
+              </a:lnRef>
+              <a:fillRef idx="1">
+                <a:schemeClr val="accent1"/>
+              </a:fillRef>
+              <a:effectRef idx="0">
+                <a:schemeClr val="accent1"/>
+              </a:effectRef>
+              <a:fontRef idx="minor">
+                <a:schemeClr val="lt1"/>
+              </a:fontRef>
+            </p:style>
+            <p:txBody>
+              <a:bodyPr rtlCol="0" anchor="ctr"/>
+              <a:lstStyle/>
+              <a:p>
+                <a:pPr algn="ctr"/>
+                <a:endParaRPr lang="en-US"/>
+              </a:p>
+            </p:txBody>
+          </p:sp>
+          <p:sp>
+            <p:nvSpPr>
+              <p:cNvPr id="27" name="Rectangle 26"/>
+              <p:cNvSpPr/>
+              <p:nvPr/>
+            </p:nvSpPr>
+            <p:spPr>
+              <a:xfrm>
+                <a:off x="3500347" y="780007"/>
+                <a:ext cx="821689" cy="260985"/>
+              </a:xfrm>
+              <a:prstGeom prst="rect">
+                <a:avLst/>
+              </a:prstGeom>
+              <a:solidFill>
+                <a:srgbClr val="FFFF00"/>
+              </a:solidFill>
+              <a:ln>
+                <a:noFill/>
+              </a:ln>
+            </p:spPr>
+            <p:style>
+              <a:lnRef idx="2">
+                <a:schemeClr val="accent1">
+                  <a:shade val="50000"/>
+                </a:schemeClr>
+              </a:lnRef>
+              <a:fillRef idx="1">
+                <a:schemeClr val="accent1"/>
+              </a:fillRef>
+              <a:effectRef idx="0">
+                <a:schemeClr val="accent1"/>
+              </a:effectRef>
+              <a:fontRef idx="minor">
+                <a:schemeClr val="lt1"/>
+              </a:fontRef>
+            </p:style>
+            <p:txBody>
+              <a:bodyPr rtlCol="0" anchor="ctr"/>
+              <a:lstStyle/>
+              <a:p>
+                <a:pPr algn="ctr"/>
+                <a:endParaRPr lang="en-US"/>
+              </a:p>
+            </p:txBody>
+          </p:sp>
+          <p:sp>
+            <p:nvSpPr>
+              <p:cNvPr id="28" name="Rectangle 27"/>
+              <p:cNvSpPr/>
+              <p:nvPr/>
+            </p:nvSpPr>
+            <p:spPr>
+              <a:xfrm>
+                <a:off x="1983014" y="2641325"/>
+                <a:ext cx="643255" cy="189108"/>
+              </a:xfrm>
+              <a:prstGeom prst="rect">
+                <a:avLst/>
+              </a:prstGeom>
+              <a:solidFill>
+                <a:srgbClr val="FFFF00"/>
+              </a:solidFill>
+              <a:ln>
+                <a:noFill/>
+              </a:ln>
+            </p:spPr>
+            <p:style>
+              <a:lnRef idx="2">
+                <a:schemeClr val="accent1">
+                  <a:shade val="50000"/>
+                </a:schemeClr>
+              </a:lnRef>
+              <a:fillRef idx="1">
+                <a:schemeClr val="accent1"/>
+              </a:fillRef>
+              <a:effectRef idx="0">
+                <a:schemeClr val="accent1"/>
+              </a:effectRef>
+              <a:fontRef idx="minor">
+                <a:schemeClr val="lt1"/>
+              </a:fontRef>
+            </p:style>
+            <p:txBody>
+              <a:bodyPr rtlCol="0" anchor="ctr"/>
+              <a:lstStyle/>
+              <a:p>
+                <a:pPr algn="ctr"/>
+                <a:endParaRPr lang="en-US"/>
+              </a:p>
+            </p:txBody>
+          </p:sp>
+          <p:sp>
+            <p:nvSpPr>
+              <p:cNvPr id="29" name="Rectangle 28"/>
+              <p:cNvSpPr/>
+              <p:nvPr/>
+            </p:nvSpPr>
+            <p:spPr>
+              <a:xfrm>
+                <a:off x="5196114" y="2641325"/>
+                <a:ext cx="643255" cy="189108"/>
+              </a:xfrm>
+              <a:prstGeom prst="rect">
+                <a:avLst/>
+              </a:prstGeom>
+              <a:solidFill>
+                <a:srgbClr val="FFFF00"/>
+              </a:solidFill>
+              <a:ln>
+                <a:noFill/>
+              </a:ln>
+            </p:spPr>
+            <p:style>
+              <a:lnRef idx="2">
+                <a:schemeClr val="accent1">
+                  <a:shade val="50000"/>
+                </a:schemeClr>
+              </a:lnRef>
+              <a:fillRef idx="1">
+                <a:schemeClr val="accent1"/>
+              </a:fillRef>
+              <a:effectRef idx="0">
+                <a:schemeClr val="accent1"/>
+              </a:effectRef>
+              <a:fontRef idx="minor">
+                <a:schemeClr val="lt1"/>
+              </a:fontRef>
+            </p:style>
+            <p:txBody>
+              <a:bodyPr rtlCol="0" anchor="ctr"/>
+              <a:lstStyle/>
+              <a:p>
+                <a:pPr algn="ctr"/>
+                <a:endParaRPr lang="en-US"/>
+              </a:p>
+            </p:txBody>
+          </p:sp>
+          <p:sp>
+            <p:nvSpPr>
+              <p:cNvPr id="32" name="Rectangle 31"/>
+              <p:cNvSpPr/>
+              <p:nvPr/>
+            </p:nvSpPr>
+            <p:spPr>
+              <a:xfrm>
+                <a:off x="1983014" y="4316324"/>
+                <a:ext cx="3856355" cy="1064346"/>
+              </a:xfrm>
+              <a:custGeom>
+                <a:avLst/>
+                <a:gdLst>
+                  <a:gd name="connsiteX0" fmla="*/ 0 w 3856355"/>
+                  <a:gd name="connsiteY0" fmla="*/ 0 h 936623"/>
+                  <a:gd name="connsiteX1" fmla="*/ 3856355 w 3856355"/>
+                  <a:gd name="connsiteY1" fmla="*/ 0 h 936623"/>
+                  <a:gd name="connsiteX2" fmla="*/ 3856355 w 3856355"/>
+                  <a:gd name="connsiteY2" fmla="*/ 936623 h 936623"/>
+                  <a:gd name="connsiteX3" fmla="*/ 0 w 3856355"/>
+                  <a:gd name="connsiteY3" fmla="*/ 936623 h 936623"/>
+                  <a:gd name="connsiteX4" fmla="*/ 0 w 3856355"/>
+                  <a:gd name="connsiteY4" fmla="*/ 0 h 936623"/>
+                  <a:gd name="connsiteX0" fmla="*/ 0 w 3856355"/>
+                  <a:gd name="connsiteY0" fmla="*/ 0 h 936623"/>
+                  <a:gd name="connsiteX1" fmla="*/ 3856355 w 3856355"/>
+                  <a:gd name="connsiteY1" fmla="*/ 0 h 936623"/>
+                  <a:gd name="connsiteX2" fmla="*/ 3856355 w 3856355"/>
+                  <a:gd name="connsiteY2" fmla="*/ 936623 h 936623"/>
+                  <a:gd name="connsiteX3" fmla="*/ 830944 w 3856355"/>
+                  <a:gd name="connsiteY3" fmla="*/ 776059 h 936623"/>
+                  <a:gd name="connsiteX4" fmla="*/ 0 w 3856355"/>
+                  <a:gd name="connsiteY4" fmla="*/ 936623 h 936623"/>
+                  <a:gd name="connsiteX5" fmla="*/ 0 w 3856355"/>
+                  <a:gd name="connsiteY5" fmla="*/ 0 h 936623"/>
+                  <a:gd name="connsiteX0" fmla="*/ 0 w 3856355"/>
+                  <a:gd name="connsiteY0" fmla="*/ 0 h 1064346"/>
+                  <a:gd name="connsiteX1" fmla="*/ 3856355 w 3856355"/>
+                  <a:gd name="connsiteY1" fmla="*/ 0 h 1064346"/>
+                  <a:gd name="connsiteX2" fmla="*/ 3856355 w 3856355"/>
+                  <a:gd name="connsiteY2" fmla="*/ 936623 h 1064346"/>
+                  <a:gd name="connsiteX3" fmla="*/ 2942772 w 3856355"/>
+                  <a:gd name="connsiteY3" fmla="*/ 1048202 h 1064346"/>
+                  <a:gd name="connsiteX4" fmla="*/ 830944 w 3856355"/>
+                  <a:gd name="connsiteY4" fmla="*/ 776059 h 1064346"/>
+                  <a:gd name="connsiteX5" fmla="*/ 0 w 3856355"/>
+                  <a:gd name="connsiteY5" fmla="*/ 936623 h 1064346"/>
+                  <a:gd name="connsiteX6" fmla="*/ 0 w 3856355"/>
+                  <a:gd name="connsiteY6" fmla="*/ 0 h 1064346"/>
+                </a:gdLst>
+                <a:ahLst/>
+                <a:cxnLst>
+                  <a:cxn ang="0">
+                    <a:pos x="connsiteX0" y="connsiteY0"/>
+                  </a:cxn>
+                  <a:cxn ang="0">
+                    <a:pos x="connsiteX1" y="connsiteY1"/>
+                  </a:cxn>
+                  <a:cxn ang="0">
+                    <a:pos x="connsiteX2" y="connsiteY2"/>
+                  </a:cxn>
+                  <a:cxn ang="0">
+                    <a:pos x="connsiteX3" y="connsiteY3"/>
+                  </a:cxn>
+                  <a:cxn ang="0">
+                    <a:pos x="connsiteX4" y="connsiteY4"/>
+                  </a:cxn>
+                  <a:cxn ang="0">
+                    <a:pos x="connsiteX5" y="connsiteY5"/>
+                  </a:cxn>
+                  <a:cxn ang="0">
+                    <a:pos x="connsiteX6" y="connsiteY6"/>
+                  </a:cxn>
+                </a:cxnLst>
+                <a:rect l="l" t="t" r="r" b="b"/>
+                <a:pathLst>
+                  <a:path w="3856355" h="1064346">
+                    <a:moveTo>
+                      <a:pt x="0" y="0"/>
+                    </a:moveTo>
+                    <a:lnTo>
+                      <a:pt x="3856355" y="0"/>
+                    </a:lnTo>
+                    <a:lnTo>
+                      <a:pt x="3856355" y="936623"/>
+                    </a:lnTo>
+                    <a:cubicBezTo>
+                      <a:pt x="3707720" y="1085923"/>
+                      <a:pt x="3447007" y="1074963"/>
+                      <a:pt x="2942772" y="1048202"/>
+                    </a:cubicBezTo>
+                    <a:cubicBezTo>
+                      <a:pt x="2438537" y="1021441"/>
+                      <a:pt x="1325035" y="769256"/>
+                      <a:pt x="830944" y="776059"/>
+                    </a:cubicBezTo>
+                    <a:lnTo>
+                      <a:pt x="0" y="936623"/>
+                    </a:lnTo>
+                    <a:lnTo>
+                      <a:pt x="0" y="0"/>
+                    </a:lnTo>
+                    <a:close/>
+                  </a:path>
+                </a:pathLst>
+              </a:custGeom>
+              <a:solidFill>
+                <a:schemeClr val="bg2">
+                  <a:lumMod val="25000"/>
+                </a:schemeClr>
+              </a:solidFill>
+              <a:ln>
+                <a:noFill/>
+              </a:ln>
+            </p:spPr>
+            <p:style>
+              <a:lnRef idx="2">
+                <a:schemeClr val="accent1">
+                  <a:shade val="50000"/>
+                </a:schemeClr>
+              </a:lnRef>
+              <a:fillRef idx="1">
+                <a:schemeClr val="accent1"/>
+              </a:fillRef>
+              <a:effectRef idx="0">
+                <a:schemeClr val="accent1"/>
+              </a:effectRef>
+              <a:fontRef idx="minor">
+                <a:schemeClr val="lt1"/>
+              </a:fontRef>
+            </p:style>
+            <p:txBody>
+              <a:bodyPr rtlCol="0" anchor="ctr"/>
+              <a:lstStyle/>
+              <a:p>
+                <a:pPr algn="ctr"/>
+                <a:r>
+                  <a:rPr lang="en-US" altLang="zh-CN" dirty="0" smtClean="0"/>
+                  <a:t>Substrate</a:t>
+                </a:r>
+                <a:endParaRPr lang="en-US" dirty="0"/>
+              </a:p>
+            </p:txBody>
+          </p:sp>
+          <p:sp>
+            <p:nvSpPr>
+              <p:cNvPr id="33" name="Rectangle 32"/>
+              <p:cNvSpPr/>
+              <p:nvPr/>
+            </p:nvSpPr>
+            <p:spPr>
+              <a:xfrm>
+                <a:off x="3730746" y="3060922"/>
+                <a:ext cx="360890" cy="216544"/>
+              </a:xfrm>
+              <a:prstGeom prst="rect">
+                <a:avLst/>
+              </a:prstGeom>
+              <a:solidFill>
+                <a:schemeClr val="bg2">
+                  <a:lumMod val="25000"/>
+                </a:schemeClr>
+              </a:solidFill>
+              <a:ln>
+                <a:noFill/>
+              </a:ln>
+            </p:spPr>
+            <p:style>
+              <a:lnRef idx="2">
+                <a:schemeClr val="accent1">
+                  <a:shade val="50000"/>
+                </a:schemeClr>
+              </a:lnRef>
+              <a:fillRef idx="1">
+                <a:schemeClr val="accent1"/>
+              </a:fillRef>
+              <a:effectRef idx="0">
+                <a:schemeClr val="accent1"/>
+              </a:effectRef>
+              <a:fontRef idx="minor">
+                <a:schemeClr val="lt1"/>
+              </a:fontRef>
+            </p:style>
+            <p:txBody>
+              <a:bodyPr rtlCol="0" anchor="ctr"/>
+              <a:lstStyle/>
+              <a:p>
+                <a:pPr algn="ctr"/>
+                <a:endParaRPr lang="en-US"/>
+              </a:p>
+            </p:txBody>
+          </p:sp>
+          <p:sp>
+            <p:nvSpPr>
+              <p:cNvPr id="31" name="Rectangle 30"/>
+              <p:cNvSpPr/>
+              <p:nvPr/>
+            </p:nvSpPr>
+            <p:spPr>
+              <a:xfrm>
+                <a:off x="1983014" y="3268010"/>
+                <a:ext cx="3856355" cy="1053394"/>
+              </a:xfrm>
+              <a:prstGeom prst="rect">
+                <a:avLst/>
+              </a:prstGeom>
+              <a:solidFill>
+                <a:srgbClr val="00B0F0"/>
+              </a:solidFill>
+              <a:ln>
+                <a:noFill/>
+              </a:ln>
+            </p:spPr>
+            <p:style>
+              <a:lnRef idx="2">
+                <a:schemeClr val="accent1">
+                  <a:shade val="50000"/>
+                </a:schemeClr>
+              </a:lnRef>
+              <a:fillRef idx="1">
+                <a:schemeClr val="accent1"/>
+              </a:fillRef>
+              <a:effectRef idx="0">
+                <a:schemeClr val="accent1"/>
+              </a:effectRef>
+              <a:fontRef idx="minor">
+                <a:schemeClr val="lt1"/>
+              </a:fontRef>
+            </p:style>
+            <p:txBody>
+              <a:bodyPr rtlCol="0" anchor="ctr"/>
+              <a:lstStyle/>
+              <a:p>
+                <a:pPr algn="ctr"/>
+                <a:r>
+                  <a:rPr lang="en-US" altLang="zh-CN" dirty="0" smtClean="0"/>
+                  <a:t>SiO</a:t>
+                </a:r>
+                <a:r>
+                  <a:rPr lang="en-US" altLang="zh-CN" baseline="-25000" dirty="0" smtClean="0"/>
+                  <a:t>2</a:t>
+                </a:r>
+                <a:endParaRPr lang="en-US" baseline="-25000" dirty="0"/>
+              </a:p>
+            </p:txBody>
+          </p:sp>
+          <p:cxnSp>
+            <p:nvCxnSpPr>
+              <p:cNvPr id="36" name="Straight Arrow Connector 35"/>
+              <p:cNvCxnSpPr/>
+              <p:nvPr/>
+            </p:nvCxnSpPr>
+            <p:spPr>
+              <a:xfrm>
+                <a:off x="4262485" y="881919"/>
+                <a:ext cx="366890" cy="0"/>
+              </a:xfrm>
+              <a:prstGeom prst="straightConnector1">
+                <a:avLst/>
+              </a:prstGeom>
+              <a:ln>
+                <a:solidFill>
+                  <a:schemeClr val="tx1"/>
+                </a:solidFill>
+                <a:tailEnd type="triangle"/>
+              </a:ln>
+            </p:spPr>
+            <p:style>
+              <a:lnRef idx="1">
+                <a:schemeClr val="accent1"/>
+              </a:lnRef>
+              <a:fillRef idx="0">
+                <a:schemeClr val="accent1"/>
+              </a:fillRef>
+              <a:effectRef idx="0">
+                <a:schemeClr val="accent1"/>
+              </a:effectRef>
+              <a:fontRef idx="minor">
+                <a:schemeClr val="tx1"/>
+              </a:fontRef>
+            </p:style>
+          </p:cxnSp>
+          <p:sp>
+            <p:nvSpPr>
+              <p:cNvPr id="37" name="TextBox 36"/>
+              <p:cNvSpPr txBox="1"/>
+              <p:nvPr/>
+            </p:nvSpPr>
+            <p:spPr>
+              <a:xfrm>
+                <a:off x="4629375" y="751114"/>
+                <a:ext cx="1106489" cy="276999"/>
+              </a:xfrm>
+              <a:prstGeom prst="rect">
+                <a:avLst/>
+              </a:prstGeom>
+              <a:noFill/>
+            </p:spPr>
+            <p:txBody>
+              <a:bodyPr wrap="square" rtlCol="0">
+                <a:spAutoFit/>
+              </a:bodyPr>
+              <a:lstStyle/>
+              <a:p>
+                <a:r>
+                  <a:rPr lang="en-US" altLang="zh-CN" sz="1200" dirty="0" smtClean="0"/>
+                  <a:t>Source Metal</a:t>
+                </a:r>
+                <a:endParaRPr lang="en-US" sz="1200" dirty="0"/>
+              </a:p>
+            </p:txBody>
+          </p:sp>
+          <p:cxnSp>
+            <p:nvCxnSpPr>
+              <p:cNvPr id="38" name="Straight Arrow Connector 37"/>
+              <p:cNvCxnSpPr/>
+              <p:nvPr/>
+            </p:nvCxnSpPr>
+            <p:spPr>
+              <a:xfrm flipV="1">
+                <a:off x="4152383" y="3060922"/>
+                <a:ext cx="327841" cy="53954"/>
+              </a:xfrm>
+              <a:prstGeom prst="straightConnector1">
+                <a:avLst/>
+              </a:prstGeom>
+              <a:ln>
+                <a:solidFill>
+                  <a:schemeClr val="tx1"/>
+                </a:solidFill>
+                <a:tailEnd type="triangle"/>
+              </a:ln>
+            </p:spPr>
+            <p:style>
+              <a:lnRef idx="1">
+                <a:schemeClr val="accent1"/>
+              </a:lnRef>
+              <a:fillRef idx="0">
+                <a:schemeClr val="accent1"/>
+              </a:fillRef>
+              <a:effectRef idx="0">
+                <a:schemeClr val="accent1"/>
+              </a:effectRef>
+              <a:fontRef idx="minor">
+                <a:schemeClr val="tx1"/>
+              </a:fontRef>
+            </p:style>
+          </p:cxnSp>
+          <p:sp>
+            <p:nvSpPr>
+              <p:cNvPr id="39" name="TextBox 38"/>
+              <p:cNvSpPr txBox="1"/>
+              <p:nvPr/>
+            </p:nvSpPr>
+            <p:spPr>
+              <a:xfrm>
+                <a:off x="4435999" y="2899723"/>
+                <a:ext cx="673100" cy="276999"/>
+              </a:xfrm>
+              <a:prstGeom prst="rect">
+                <a:avLst/>
+              </a:prstGeom>
+              <a:noFill/>
+            </p:spPr>
+            <p:txBody>
+              <a:bodyPr wrap="square" rtlCol="0">
+                <a:spAutoFit/>
+              </a:bodyPr>
+              <a:lstStyle/>
+              <a:p>
+                <a:r>
+                  <a:rPr lang="en-US" altLang="zh-CN" sz="1200" dirty="0" smtClean="0"/>
+                  <a:t>Si</a:t>
+                </a:r>
+                <a:endParaRPr lang="en-US" sz="1200" dirty="0"/>
+              </a:p>
+            </p:txBody>
+          </p:sp>
+          <p:cxnSp>
+            <p:nvCxnSpPr>
+              <p:cNvPr id="41" name="Straight Arrow Connector 40"/>
+              <p:cNvCxnSpPr/>
+              <p:nvPr/>
+            </p:nvCxnSpPr>
+            <p:spPr>
+              <a:xfrm>
+                <a:off x="3500347" y="1801090"/>
+                <a:ext cx="796432" cy="0"/>
+              </a:xfrm>
+              <a:prstGeom prst="straightConnector1">
+                <a:avLst/>
+              </a:prstGeom>
+              <a:ln>
+                <a:headEnd type="triangle"/>
+                <a:tailEnd type="triangle"/>
+              </a:ln>
+            </p:spPr>
+            <p:style>
+              <a:lnRef idx="1">
+                <a:schemeClr val="accent1"/>
+              </a:lnRef>
+              <a:fillRef idx="0">
+                <a:schemeClr val="accent1"/>
+              </a:fillRef>
+              <a:effectRef idx="0">
+                <a:schemeClr val="accent1"/>
+              </a:effectRef>
+              <a:fontRef idx="minor">
+                <a:schemeClr val="tx1"/>
+              </a:fontRef>
+            </p:style>
+          </p:cxnSp>
+          <p:sp>
+            <p:nvSpPr>
+              <p:cNvPr id="42" name="TextBox 41"/>
+              <p:cNvSpPr txBox="1"/>
+              <p:nvPr/>
+            </p:nvSpPr>
+            <p:spPr>
+              <a:xfrm>
+                <a:off x="3482025" y="1368569"/>
+                <a:ext cx="980027" cy="400110"/>
+              </a:xfrm>
+              <a:prstGeom prst="rect">
+                <a:avLst/>
+              </a:prstGeom>
+              <a:noFill/>
+            </p:spPr>
+            <p:txBody>
+              <a:bodyPr wrap="square" rtlCol="0">
+                <a:spAutoFit/>
+              </a:bodyPr>
+              <a:lstStyle/>
+              <a:p>
+                <a:r>
+                  <a:rPr lang="en-US" sz="2000" dirty="0" smtClean="0"/>
+                  <a:t>2.5 </a:t>
+                </a:r>
+                <a:r>
+                  <a:rPr lang="el-GR" sz="2000" dirty="0"/>
+                  <a:t>μ</a:t>
+                </a:r>
+                <a:r>
+                  <a:rPr lang="en-US" sz="2000" dirty="0"/>
+                  <a:t>m </a:t>
+                </a:r>
+                <a:endParaRPr lang="en-US" sz="2000" baseline="-25000" dirty="0"/>
+              </a:p>
+            </p:txBody>
+          </p:sp>
+          <p:sp>
+            <p:nvSpPr>
+              <p:cNvPr id="46" name="TextBox 45"/>
+              <p:cNvSpPr txBox="1"/>
+              <p:nvPr/>
+            </p:nvSpPr>
+            <p:spPr>
+              <a:xfrm>
+                <a:off x="3584060" y="757901"/>
+                <a:ext cx="494980" cy="297517"/>
+              </a:xfrm>
+              <a:prstGeom prst="rect">
+                <a:avLst/>
+              </a:prstGeom>
+              <a:noFill/>
+            </p:spPr>
+            <p:txBody>
+              <a:bodyPr wrap="square" rtlCol="0">
+                <a:spAutoFit/>
+              </a:bodyPr>
+              <a:lstStyle/>
+              <a:p>
+                <a:r>
+                  <a:rPr lang="en-US" sz="2000" baseline="-25000" dirty="0" smtClean="0"/>
+                  <a:t>1</a:t>
+                </a:r>
+                <a:r>
+                  <a:rPr lang="el-GR" sz="2000" baseline="-25000" dirty="0" smtClean="0"/>
+                  <a:t>μ</a:t>
+                </a:r>
+                <a:r>
+                  <a:rPr lang="en-US" sz="2000" baseline="-25000" dirty="0" smtClean="0"/>
+                  <a:t>m</a:t>
+                </a:r>
+                <a:endParaRPr lang="en-US" sz="2000" baseline="-25000" dirty="0"/>
+              </a:p>
+            </p:txBody>
+          </p:sp>
+          <p:sp>
+            <p:nvSpPr>
+              <p:cNvPr id="47" name="TextBox 46"/>
+              <p:cNvSpPr txBox="1"/>
+              <p:nvPr/>
+            </p:nvSpPr>
+            <p:spPr>
+              <a:xfrm>
+                <a:off x="2232149" y="2529460"/>
+                <a:ext cx="879844" cy="297517"/>
+              </a:xfrm>
+              <a:prstGeom prst="rect">
+                <a:avLst/>
+              </a:prstGeom>
+              <a:noFill/>
+            </p:spPr>
+            <p:txBody>
+              <a:bodyPr wrap="square" rtlCol="0">
+                <a:spAutoFit/>
+              </a:bodyPr>
+              <a:lstStyle/>
+              <a:p>
+                <a:r>
+                  <a:rPr lang="en-US" sz="2000" baseline="-25000" dirty="0" smtClean="0"/>
+                  <a:t>0</a:t>
+                </a:r>
+                <a:r>
+                  <a:rPr lang="en-US" altLang="zh-CN" sz="2000" baseline="-25000" dirty="0" smtClean="0"/>
+                  <a:t>.1 </a:t>
+                </a:r>
+                <a:r>
+                  <a:rPr lang="el-GR" altLang="zh-CN" sz="2000" baseline="-25000" dirty="0" smtClean="0"/>
+                  <a:t>μ</a:t>
+                </a:r>
+                <a:r>
+                  <a:rPr lang="en-US" altLang="zh-CN" sz="2000" baseline="-25000" dirty="0" smtClean="0"/>
+                  <a:t>m</a:t>
+                </a:r>
+                <a:endParaRPr lang="en-US" sz="2000" baseline="-25000" dirty="0"/>
+              </a:p>
+            </p:txBody>
+          </p:sp>
+          <p:sp>
+            <p:nvSpPr>
+              <p:cNvPr id="55" name="TextBox 54"/>
+              <p:cNvSpPr txBox="1"/>
+              <p:nvPr/>
+            </p:nvSpPr>
+            <p:spPr>
+              <a:xfrm>
+                <a:off x="2809515" y="2252586"/>
+                <a:ext cx="719528" cy="297517"/>
+              </a:xfrm>
+              <a:prstGeom prst="rect">
+                <a:avLst/>
+              </a:prstGeom>
+              <a:noFill/>
+            </p:spPr>
+            <p:txBody>
+              <a:bodyPr wrap="square" rtlCol="0">
+                <a:spAutoFit/>
+              </a:bodyPr>
+              <a:lstStyle/>
+              <a:p>
+                <a:r>
+                  <a:rPr lang="en-US" sz="2000" baseline="-25000" dirty="0" smtClean="0"/>
+                  <a:t>3 </a:t>
+                </a:r>
+                <a:r>
+                  <a:rPr lang="el-GR" sz="2000" baseline="-25000" dirty="0" smtClean="0"/>
+                  <a:t>μ</a:t>
+                </a:r>
+                <a:r>
+                  <a:rPr lang="en-US" sz="2000" baseline="-25000" dirty="0" smtClean="0"/>
+                  <a:t>m</a:t>
+                </a:r>
+                <a:endParaRPr lang="en-US" sz="2000" baseline="-25000" dirty="0"/>
+              </a:p>
+            </p:txBody>
+          </p:sp>
+          <p:cxnSp>
+            <p:nvCxnSpPr>
+              <p:cNvPr id="45" name="Straight Arrow Connector 44"/>
+              <p:cNvCxnSpPr/>
+              <p:nvPr/>
+            </p:nvCxnSpPr>
+            <p:spPr>
+              <a:xfrm>
+                <a:off x="3589564" y="780007"/>
+                <a:ext cx="0" cy="248106"/>
+              </a:xfrm>
+              <a:prstGeom prst="straightConnector1">
+                <a:avLst/>
+              </a:prstGeom>
+              <a:ln>
+                <a:headEnd type="triangle"/>
+                <a:tailEnd type="triangle"/>
+              </a:ln>
+            </p:spPr>
+            <p:style>
+              <a:lnRef idx="1">
+                <a:schemeClr val="accent1"/>
+              </a:lnRef>
+              <a:fillRef idx="0">
+                <a:schemeClr val="accent1"/>
+              </a:fillRef>
+              <a:effectRef idx="0">
+                <a:schemeClr val="accent1"/>
+              </a:effectRef>
+              <a:fontRef idx="minor">
+                <a:schemeClr val="tx1"/>
+              </a:fontRef>
+            </p:style>
+          </p:cxnSp>
+          <p:cxnSp>
+            <p:nvCxnSpPr>
+              <p:cNvPr id="48" name="Straight Arrow Connector 47"/>
+              <p:cNvCxnSpPr/>
+              <p:nvPr/>
+            </p:nvCxnSpPr>
+            <p:spPr>
+              <a:xfrm>
+                <a:off x="2240824" y="2644569"/>
+                <a:ext cx="0" cy="183314"/>
+              </a:xfrm>
+              <a:prstGeom prst="straightConnector1">
+                <a:avLst/>
+              </a:prstGeom>
+              <a:ln>
+                <a:headEnd type="triangle"/>
+                <a:tailEnd type="triangle"/>
+              </a:ln>
+            </p:spPr>
+            <p:style>
+              <a:lnRef idx="1">
+                <a:schemeClr val="accent1"/>
+              </a:lnRef>
+              <a:fillRef idx="0">
+                <a:schemeClr val="accent1"/>
+              </a:fillRef>
+              <a:effectRef idx="0">
+                <a:schemeClr val="accent1"/>
+              </a:effectRef>
+              <a:fontRef idx="minor">
+                <a:schemeClr val="tx1"/>
+              </a:fontRef>
+            </p:style>
+          </p:cxnSp>
+          <p:cxnSp>
+            <p:nvCxnSpPr>
+              <p:cNvPr id="53" name="Straight Arrow Connector 52"/>
+              <p:cNvCxnSpPr/>
+              <p:nvPr/>
+            </p:nvCxnSpPr>
+            <p:spPr>
+              <a:xfrm>
+                <a:off x="2626269" y="2594559"/>
+                <a:ext cx="957791" cy="0"/>
+              </a:xfrm>
+              <a:prstGeom prst="straightConnector1">
+                <a:avLst/>
+              </a:prstGeom>
+              <a:ln>
+                <a:headEnd type="triangle"/>
+                <a:tailEnd type="triangle"/>
+              </a:ln>
+            </p:spPr>
+            <p:style>
+              <a:lnRef idx="1">
+                <a:schemeClr val="accent1"/>
+              </a:lnRef>
+              <a:fillRef idx="0">
+                <a:schemeClr val="accent1"/>
+              </a:fillRef>
+              <a:effectRef idx="0">
+                <a:schemeClr val="accent1"/>
+              </a:effectRef>
+              <a:fontRef idx="minor">
+                <a:schemeClr val="tx1"/>
+              </a:fontRef>
+            </p:style>
+          </p:cxnSp>
+          <p:cxnSp>
+            <p:nvCxnSpPr>
+              <p:cNvPr id="58" name="Straight Arrow Connector 57"/>
+              <p:cNvCxnSpPr/>
+              <p:nvPr/>
+            </p:nvCxnSpPr>
+            <p:spPr>
+              <a:xfrm>
+                <a:off x="3730746" y="3329532"/>
+                <a:ext cx="348294" cy="0"/>
+              </a:xfrm>
+              <a:prstGeom prst="straightConnector1">
+                <a:avLst/>
+              </a:prstGeom>
+              <a:ln>
+                <a:solidFill>
+                  <a:schemeClr val="tx1"/>
+                </a:solidFill>
+                <a:headEnd type="triangle"/>
+                <a:tailEnd type="triangle"/>
+              </a:ln>
+            </p:spPr>
+            <p:style>
+              <a:lnRef idx="1">
+                <a:schemeClr val="accent1"/>
+              </a:lnRef>
+              <a:fillRef idx="0">
+                <a:schemeClr val="accent1"/>
+              </a:fillRef>
+              <a:effectRef idx="0">
+                <a:schemeClr val="accent1"/>
+              </a:effectRef>
+              <a:fontRef idx="minor">
+                <a:schemeClr val="tx1"/>
+              </a:fontRef>
+            </p:style>
+          </p:cxnSp>
+          <p:sp>
+            <p:nvSpPr>
+              <p:cNvPr id="59" name="TextBox 58"/>
+              <p:cNvSpPr txBox="1"/>
+              <p:nvPr/>
+            </p:nvSpPr>
+            <p:spPr>
+              <a:xfrm>
+                <a:off x="3612575" y="3338990"/>
+                <a:ext cx="664633" cy="276999"/>
+              </a:xfrm>
+              <a:prstGeom prst="rect">
+                <a:avLst/>
+              </a:prstGeom>
+              <a:noFill/>
+            </p:spPr>
+            <p:txBody>
+              <a:bodyPr wrap="square" rtlCol="0">
+                <a:spAutoFit/>
+              </a:bodyPr>
+              <a:lstStyle/>
+              <a:p>
+                <a:r>
+                  <a:rPr lang="en-US" sz="1200" dirty="0" smtClean="0"/>
+                  <a:t>1</a:t>
+                </a:r>
+                <a:r>
+                  <a:rPr lang="en-US" altLang="zh-CN" sz="1200" dirty="0" smtClean="0"/>
+                  <a:t>.5</a:t>
+                </a:r>
+                <a:r>
+                  <a:rPr lang="en-US" sz="1200" dirty="0" smtClean="0"/>
+                  <a:t> </a:t>
+                </a:r>
+                <a:r>
+                  <a:rPr lang="el-GR" sz="1200" dirty="0" smtClean="0"/>
+                  <a:t>μ</a:t>
+                </a:r>
+                <a:r>
+                  <a:rPr lang="en-US" sz="1200" dirty="0" smtClean="0"/>
+                  <a:t>m</a:t>
+                </a:r>
+                <a:endParaRPr lang="en-US" sz="1200" dirty="0"/>
+              </a:p>
+            </p:txBody>
+          </p:sp>
+          <p:sp>
+            <p:nvSpPr>
+              <p:cNvPr id="62" name="TextBox 61"/>
+              <p:cNvSpPr txBox="1"/>
+              <p:nvPr/>
+            </p:nvSpPr>
+            <p:spPr>
+              <a:xfrm>
+                <a:off x="3000476" y="3051835"/>
+                <a:ext cx="747546" cy="276999"/>
+              </a:xfrm>
+              <a:prstGeom prst="rect">
+                <a:avLst/>
+              </a:prstGeom>
+              <a:noFill/>
+            </p:spPr>
+            <p:txBody>
+              <a:bodyPr wrap="square" rtlCol="0">
+                <a:spAutoFit/>
+              </a:bodyPr>
+              <a:lstStyle/>
+              <a:p>
+                <a:r>
+                  <a:rPr lang="en-US" sz="1200" dirty="0" smtClean="0">
+                    <a:solidFill>
+                      <a:schemeClr val="bg1"/>
+                    </a:solidFill>
+                  </a:rPr>
+                  <a:t>0</a:t>
+                </a:r>
+                <a:r>
+                  <a:rPr lang="en-US" altLang="zh-CN" sz="1200" dirty="0" smtClean="0">
+                    <a:solidFill>
+                      <a:schemeClr val="bg1"/>
+                    </a:solidFill>
+                  </a:rPr>
+                  <a:t>.38</a:t>
+                </a:r>
+                <a:r>
+                  <a:rPr lang="en-US" sz="1200" dirty="0" smtClean="0">
+                    <a:solidFill>
+                      <a:schemeClr val="bg1"/>
+                    </a:solidFill>
+                  </a:rPr>
+                  <a:t> </a:t>
+                </a:r>
+                <a:r>
+                  <a:rPr lang="el-GR" sz="1200" dirty="0" smtClean="0">
+                    <a:solidFill>
+                      <a:schemeClr val="bg1"/>
+                    </a:solidFill>
+                  </a:rPr>
+                  <a:t>μ</a:t>
+                </a:r>
+                <a:r>
+                  <a:rPr lang="en-US" sz="1200" dirty="0" smtClean="0">
+                    <a:solidFill>
+                      <a:schemeClr val="bg1"/>
+                    </a:solidFill>
+                  </a:rPr>
+                  <a:t>m</a:t>
+                </a:r>
+                <a:endParaRPr lang="en-US" sz="1200" dirty="0">
+                  <a:solidFill>
+                    <a:schemeClr val="bg1"/>
+                  </a:solidFill>
+                </a:endParaRPr>
+              </a:p>
+            </p:txBody>
+          </p:sp>
+          <p:cxnSp>
+            <p:nvCxnSpPr>
+              <p:cNvPr id="64" name="Straight Arrow Connector 63"/>
+              <p:cNvCxnSpPr/>
+              <p:nvPr/>
+            </p:nvCxnSpPr>
+            <p:spPr>
+              <a:xfrm>
+                <a:off x="3657403" y="3060922"/>
+                <a:ext cx="0" cy="206357"/>
+              </a:xfrm>
+              <a:prstGeom prst="straightConnector1">
+                <a:avLst/>
+              </a:prstGeom>
+              <a:ln>
+                <a:solidFill>
+                  <a:schemeClr val="tx1">
+                    <a:lumMod val="95000"/>
+                    <a:lumOff val="5000"/>
+                  </a:schemeClr>
+                </a:solidFill>
+                <a:headEnd type="triangle"/>
+                <a:tailEnd type="triangle"/>
+              </a:ln>
+            </p:spPr>
+            <p:style>
+              <a:lnRef idx="1">
+                <a:schemeClr val="accent1"/>
+              </a:lnRef>
+              <a:fillRef idx="0">
+                <a:schemeClr val="accent1"/>
+              </a:fillRef>
+              <a:effectRef idx="0">
+                <a:schemeClr val="accent1"/>
+              </a:effectRef>
+              <a:fontRef idx="minor">
+                <a:schemeClr val="tx1"/>
+              </a:fontRef>
+            </p:style>
+          </p:cxnSp>
+          <p:sp>
+            <p:nvSpPr>
+              <p:cNvPr id="68" name="TextBox 67"/>
+              <p:cNvSpPr txBox="1"/>
+              <p:nvPr/>
+            </p:nvSpPr>
+            <p:spPr>
+              <a:xfrm>
+                <a:off x="3693896" y="2391566"/>
+                <a:ext cx="721840" cy="400110"/>
+              </a:xfrm>
+              <a:prstGeom prst="rect">
+                <a:avLst/>
+              </a:prstGeom>
+              <a:noFill/>
+            </p:spPr>
+            <p:txBody>
+              <a:bodyPr wrap="square" rtlCol="0">
+                <a:spAutoFit/>
+              </a:bodyPr>
+              <a:lstStyle/>
+              <a:p>
+                <a:r>
+                  <a:rPr lang="en-US" sz="2000" dirty="0" err="1" smtClean="0"/>
+                  <a:t>h</a:t>
+                </a:r>
+                <a:r>
+                  <a:rPr lang="en-US" sz="2000" baseline="-25000" dirty="0" err="1" smtClean="0"/>
+                  <a:t>mqw</a:t>
+                </a:r>
+                <a:endParaRPr lang="en-US" sz="2000" baseline="-25000" dirty="0"/>
+              </a:p>
+            </p:txBody>
+          </p:sp>
+          <p:sp>
+            <p:nvSpPr>
+              <p:cNvPr id="70" name="TextBox 69"/>
+              <p:cNvSpPr txBox="1"/>
+              <p:nvPr/>
+            </p:nvSpPr>
+            <p:spPr>
+              <a:xfrm>
+                <a:off x="4732880" y="1969663"/>
+                <a:ext cx="1106489" cy="276999"/>
+              </a:xfrm>
+              <a:prstGeom prst="rect">
+                <a:avLst/>
+              </a:prstGeom>
+              <a:noFill/>
+            </p:spPr>
+            <p:txBody>
+              <a:bodyPr wrap="square" rtlCol="0">
+                <a:spAutoFit/>
+              </a:bodyPr>
+              <a:lstStyle/>
+              <a:p>
+                <a:pPr algn="ctr"/>
+                <a:r>
+                  <a:rPr lang="en-US" altLang="zh-CN" sz="1200" dirty="0" smtClean="0"/>
+                  <a:t>Ground Metal</a:t>
+                </a:r>
+                <a:endParaRPr lang="en-US" sz="1200" dirty="0"/>
+              </a:p>
+            </p:txBody>
+          </p:sp>
+          <p:cxnSp>
+            <p:nvCxnSpPr>
+              <p:cNvPr id="67" name="Straight Arrow Connector 66"/>
+              <p:cNvCxnSpPr/>
+              <p:nvPr/>
+            </p:nvCxnSpPr>
+            <p:spPr>
+              <a:xfrm>
+                <a:off x="3730746" y="2534512"/>
+                <a:ext cx="0" cy="156211"/>
+              </a:xfrm>
+              <a:prstGeom prst="straightConnector1">
+                <a:avLst/>
+              </a:prstGeom>
+              <a:ln>
+                <a:headEnd type="triangle" w="sm" len="sm"/>
+                <a:tailEnd type="triangle" w="sm" len="sm"/>
+              </a:ln>
+            </p:spPr>
+            <p:style>
+              <a:lnRef idx="1">
+                <a:schemeClr val="accent1"/>
+              </a:lnRef>
+              <a:fillRef idx="0">
+                <a:schemeClr val="accent1"/>
+              </a:fillRef>
+              <a:effectRef idx="0">
+                <a:schemeClr val="accent1"/>
+              </a:effectRef>
+              <a:fontRef idx="minor">
+                <a:schemeClr val="tx1"/>
+              </a:fontRef>
+            </p:style>
+          </p:cxnSp>
+          <p:cxnSp>
+            <p:nvCxnSpPr>
+              <p:cNvPr id="72" name="Straight Arrow Connector 71"/>
+              <p:cNvCxnSpPr>
+                <a:stCxn id="29" idx="0"/>
+              </p:cNvCxnSpPr>
+              <p:nvPr/>
+            </p:nvCxnSpPr>
+            <p:spPr>
+              <a:xfrm flipH="1" flipV="1">
+                <a:off x="5462814" y="2246662"/>
+                <a:ext cx="54928" cy="394663"/>
+              </a:xfrm>
+              <a:prstGeom prst="straightConnector1">
+                <a:avLst/>
+              </a:prstGeom>
+              <a:ln>
+                <a:solidFill>
+                  <a:schemeClr val="tx1"/>
+                </a:solidFill>
+                <a:tailEnd type="triangle"/>
+              </a:ln>
+            </p:spPr>
+            <p:style>
+              <a:lnRef idx="1">
+                <a:schemeClr val="accent1"/>
+              </a:lnRef>
+              <a:fillRef idx="0">
+                <a:schemeClr val="accent1"/>
+              </a:fillRef>
+              <a:effectRef idx="0">
+                <a:schemeClr val="accent1"/>
+              </a:effectRef>
+              <a:fontRef idx="minor">
+                <a:schemeClr val="tx1"/>
+              </a:fontRef>
+            </p:style>
+          </p:cxnSp>
+          <p:sp>
+            <p:nvSpPr>
+              <p:cNvPr id="75" name="TextBox 74"/>
+              <p:cNvSpPr txBox="1"/>
+              <p:nvPr/>
+            </p:nvSpPr>
+            <p:spPr>
+              <a:xfrm>
+                <a:off x="1983014" y="671660"/>
+                <a:ext cx="455386" cy="369332"/>
+              </a:xfrm>
+              <a:prstGeom prst="rect">
+                <a:avLst/>
+              </a:prstGeom>
+              <a:noFill/>
+            </p:spPr>
+            <p:txBody>
+              <a:bodyPr wrap="square" rtlCol="0">
+                <a:spAutoFit/>
+              </a:bodyPr>
+              <a:lstStyle/>
+              <a:p>
+                <a:r>
+                  <a:rPr lang="en-US" dirty="0" smtClean="0"/>
+                  <a:t>(a)</a:t>
+                </a:r>
+                <a:endParaRPr lang="en-US" dirty="0"/>
+              </a:p>
+            </p:txBody>
+          </p:sp>
+          <p:sp>
+            <p:nvSpPr>
+              <p:cNvPr id="60" name="TextBox 59"/>
+              <p:cNvSpPr txBox="1"/>
+              <p:nvPr/>
+            </p:nvSpPr>
+            <p:spPr>
+              <a:xfrm>
+                <a:off x="4462052" y="3052533"/>
+                <a:ext cx="743735" cy="276999"/>
+              </a:xfrm>
+              <a:prstGeom prst="rect">
+                <a:avLst/>
+              </a:prstGeom>
+              <a:noFill/>
+            </p:spPr>
+            <p:txBody>
+              <a:bodyPr wrap="square" rtlCol="0">
+                <a:spAutoFit/>
+              </a:bodyPr>
+              <a:lstStyle/>
+              <a:p>
+                <a:r>
+                  <a:rPr lang="en-US" sz="1200" dirty="0" smtClean="0">
+                    <a:solidFill>
+                      <a:schemeClr val="bg1"/>
+                    </a:solidFill>
+                  </a:rPr>
+                  <a:t>0</a:t>
+                </a:r>
+                <a:r>
+                  <a:rPr lang="en-US" altLang="zh-CN" sz="1200" dirty="0" smtClean="0">
+                    <a:solidFill>
+                      <a:schemeClr val="bg1"/>
+                    </a:solidFill>
+                  </a:rPr>
+                  <a:t>.22</a:t>
+                </a:r>
+                <a:r>
+                  <a:rPr lang="en-US" sz="1200" dirty="0" smtClean="0">
+                    <a:solidFill>
+                      <a:schemeClr val="bg1"/>
+                    </a:solidFill>
+                  </a:rPr>
+                  <a:t> </a:t>
+                </a:r>
+                <a:r>
+                  <a:rPr lang="el-GR" sz="1200" dirty="0" smtClean="0">
+                    <a:solidFill>
+                      <a:schemeClr val="bg1"/>
+                    </a:solidFill>
+                  </a:rPr>
+                  <a:t>μ</a:t>
+                </a:r>
+                <a:r>
+                  <a:rPr lang="en-US" sz="1200" dirty="0" smtClean="0">
+                    <a:solidFill>
+                      <a:schemeClr val="bg1"/>
+                    </a:solidFill>
+                  </a:rPr>
+                  <a:t>m</a:t>
+                </a:r>
+                <a:endParaRPr lang="en-US" sz="1200" dirty="0">
+                  <a:solidFill>
+                    <a:schemeClr val="bg1"/>
+                  </a:solidFill>
+                </a:endParaRPr>
+              </a:p>
+            </p:txBody>
+          </p:sp>
+          <p:cxnSp>
+            <p:nvCxnSpPr>
+              <p:cNvPr id="54" name="Straight Arrow Connector 53"/>
+              <p:cNvCxnSpPr/>
+              <p:nvPr/>
+            </p:nvCxnSpPr>
+            <p:spPr>
+              <a:xfrm>
+                <a:off x="4480224" y="3123175"/>
+                <a:ext cx="0" cy="144104"/>
+              </a:xfrm>
+              <a:prstGeom prst="straightConnector1">
+                <a:avLst/>
+              </a:prstGeom>
+              <a:ln>
+                <a:solidFill>
+                  <a:schemeClr val="bg1"/>
+                </a:solidFill>
+                <a:round/>
+                <a:headEnd type="triangle" w="sm" len="sm"/>
+                <a:tailEnd type="triangle" w="sm" len="sm"/>
+              </a:ln>
+            </p:spPr>
+            <p:style>
+              <a:lnRef idx="1">
+                <a:schemeClr val="accent1"/>
+              </a:lnRef>
+              <a:fillRef idx="0">
+                <a:schemeClr val="accent1"/>
+              </a:fillRef>
+              <a:effectRef idx="0">
+                <a:schemeClr val="accent1"/>
+              </a:effectRef>
+              <a:fontRef idx="minor">
+                <a:schemeClr val="tx1"/>
+              </a:fontRef>
+            </p:style>
+          </p:cxnSp>
+          <p:cxnSp>
+            <p:nvCxnSpPr>
+              <p:cNvPr id="43" name="Straight Arrow Connector 42"/>
+              <p:cNvCxnSpPr/>
+              <p:nvPr/>
+            </p:nvCxnSpPr>
+            <p:spPr>
+              <a:xfrm flipH="1">
+                <a:off x="3357497" y="3035811"/>
+                <a:ext cx="390525" cy="0"/>
+              </a:xfrm>
+              <a:prstGeom prst="straightConnector1">
+                <a:avLst/>
+              </a:prstGeom>
+              <a:ln>
+                <a:tailEnd type="triangle"/>
+              </a:ln>
+            </p:spPr>
+            <p:style>
+              <a:lnRef idx="1">
+                <a:schemeClr val="accent1"/>
+              </a:lnRef>
+              <a:fillRef idx="0">
+                <a:schemeClr val="accent1"/>
+              </a:fillRef>
+              <a:effectRef idx="0">
+                <a:schemeClr val="accent1"/>
+              </a:effectRef>
+              <a:fontRef idx="minor">
+                <a:schemeClr val="tx1"/>
+              </a:fontRef>
+            </p:style>
+          </p:cxnSp>
+          <p:sp>
+            <p:nvSpPr>
+              <p:cNvPr id="71" name="TextBox 70"/>
+              <p:cNvSpPr txBox="1"/>
+              <p:nvPr/>
+            </p:nvSpPr>
+            <p:spPr>
+              <a:xfrm>
+                <a:off x="2830997" y="2913335"/>
+                <a:ext cx="669988" cy="276999"/>
+              </a:xfrm>
+              <a:prstGeom prst="rect">
+                <a:avLst/>
+              </a:prstGeom>
+              <a:noFill/>
+            </p:spPr>
+            <p:txBody>
+              <a:bodyPr wrap="square" rtlCol="0">
+                <a:spAutoFit/>
+              </a:bodyPr>
+              <a:lstStyle/>
+              <a:p>
+                <a:r>
+                  <a:rPr lang="en-US" sz="1200" dirty="0" smtClean="0"/>
+                  <a:t>50</a:t>
+                </a:r>
+                <a:r>
+                  <a:rPr lang="en-US" sz="1200" dirty="0"/>
+                  <a:t> </a:t>
+                </a:r>
+                <a:r>
+                  <a:rPr lang="en-US" sz="1200" dirty="0" smtClean="0"/>
+                  <a:t>nm</a:t>
+                </a:r>
+                <a:endParaRPr lang="en-US" sz="1200" baseline="-25000" dirty="0"/>
+              </a:p>
+            </p:txBody>
+          </p:sp>
+          <p:sp>
+            <p:nvSpPr>
+              <p:cNvPr id="78" name="TextBox 77"/>
+              <p:cNvSpPr txBox="1"/>
+              <p:nvPr/>
+            </p:nvSpPr>
+            <p:spPr>
+              <a:xfrm>
+                <a:off x="3633375" y="2028751"/>
+                <a:ext cx="663907" cy="400110"/>
+              </a:xfrm>
+              <a:prstGeom prst="rect">
+                <a:avLst/>
+              </a:prstGeom>
+              <a:noFill/>
+            </p:spPr>
+            <p:txBody>
+              <a:bodyPr wrap="square" rtlCol="0">
+                <a:spAutoFit/>
+              </a:bodyPr>
+              <a:lstStyle/>
+              <a:p>
+                <a:r>
+                  <a:rPr lang="en-US" sz="2000" dirty="0" err="1" smtClean="0"/>
+                  <a:t>w</a:t>
+                </a:r>
+                <a:r>
+                  <a:rPr lang="en-US" sz="2000" baseline="-25000" dirty="0" err="1" smtClean="0"/>
+                  <a:t>wg</a:t>
+                </a:r>
+                <a:endParaRPr lang="en-US" sz="2000" baseline="-25000" dirty="0"/>
+              </a:p>
+            </p:txBody>
+          </p:sp>
+          <p:cxnSp>
+            <p:nvCxnSpPr>
+              <p:cNvPr id="79" name="Straight Arrow Connector 78"/>
+              <p:cNvCxnSpPr/>
+              <p:nvPr/>
+            </p:nvCxnSpPr>
+            <p:spPr>
+              <a:xfrm>
+                <a:off x="3573069" y="2408095"/>
+                <a:ext cx="634380" cy="3702"/>
+              </a:xfrm>
+              <a:prstGeom prst="straightConnector1">
+                <a:avLst/>
+              </a:prstGeom>
+              <a:ln>
+                <a:headEnd type="triangle"/>
+                <a:tailEnd type="triangle"/>
+              </a:ln>
+            </p:spPr>
+            <p:style>
+              <a:lnRef idx="1">
+                <a:schemeClr val="accent1"/>
+              </a:lnRef>
+              <a:fillRef idx="0">
+                <a:schemeClr val="accent1"/>
+              </a:fillRef>
+              <a:effectRef idx="0">
+                <a:schemeClr val="accent1"/>
+              </a:effectRef>
+              <a:fontRef idx="minor">
+                <a:schemeClr val="tx1"/>
+              </a:fontRef>
+            </p:style>
+          </p:cxnSp>
+        </p:grpSp>
+        <p:pic>
+          <p:nvPicPr>
+            <p:cNvPr id="63" name="Picture 62"/>
+            <p:cNvPicPr>
+              <a:picLocks noChangeAspect="1"/>
+            </p:cNvPicPr>
+            <p:nvPr/>
+          </p:nvPicPr>
+          <p:blipFill>
+            <a:blip r:embed="rId2">
+              <a:extLst>
+                <a:ext uri="{28A0092B-C50C-407E-A947-70E740481C1C}">
+                  <a14:useLocalDpi xmlns:a14="http://schemas.microsoft.com/office/drawing/2010/main" val="0"/>
+                </a:ext>
+              </a:extLst>
+            </a:blip>
+            <a:stretch>
+              <a:fillRect/>
+            </a:stretch>
+          </p:blipFill>
+          <p:spPr>
+            <a:xfrm>
+              <a:off x="4916095" y="798622"/>
+              <a:ext cx="3442971" cy="4614705"/>
+            </a:xfrm>
+            <a:prstGeom prst="rect">
+              <a:avLst/>
+            </a:prstGeom>
+          </p:spPr>
+        </p:pic>
+        <p:pic>
+          <p:nvPicPr>
+            <p:cNvPr id="2" name="Picture 1"/>
+            <p:cNvPicPr>
+              <a:picLocks noChangeAspect="1"/>
+            </p:cNvPicPr>
+            <p:nvPr/>
+          </p:nvPicPr>
+          <p:blipFill>
+            <a:blip r:embed="rId3">
+              <a:extLst>
+                <a:ext uri="{28A0092B-C50C-407E-A947-70E740481C1C}">
+                  <a14:useLocalDpi xmlns:a14="http://schemas.microsoft.com/office/drawing/2010/main" val="0"/>
+                </a:ext>
+              </a:extLst>
+            </a:blip>
+            <a:stretch>
+              <a:fillRect/>
+            </a:stretch>
+          </p:blipFill>
+          <p:spPr>
+            <a:xfrm>
+              <a:off x="8706587" y="812664"/>
+              <a:ext cx="2914013" cy="4600664"/>
+            </a:xfrm>
+            <a:prstGeom prst="rect">
+              <a:avLst/>
+            </a:prstGeom>
+          </p:spPr>
+        </p:pic>
+        <p:sp>
+          <p:nvSpPr>
+            <p:cNvPr id="61" name="TextBox 60"/>
+            <p:cNvSpPr txBox="1"/>
+            <p:nvPr/>
+          </p:nvSpPr>
+          <p:spPr>
+            <a:xfrm>
+              <a:off x="8260684" y="704317"/>
+              <a:ext cx="455386" cy="369332"/>
+            </a:xfrm>
+            <a:prstGeom prst="rect">
+              <a:avLst/>
+            </a:prstGeom>
+            <a:noFill/>
+          </p:spPr>
+          <p:txBody>
+            <a:bodyPr wrap="square" rtlCol="0">
+              <a:spAutoFit/>
+            </a:bodyPr>
+            <a:lstStyle/>
+            <a:p>
+              <a:r>
+                <a:rPr lang="en-US" dirty="0" smtClean="0"/>
+                <a:t>(</a:t>
+              </a:r>
+              <a:r>
+                <a:rPr lang="en-US" altLang="zh-CN" dirty="0" smtClean="0"/>
+                <a:t>c</a:t>
+              </a:r>
+              <a:r>
+                <a:rPr lang="en-US" dirty="0" smtClean="0"/>
+                <a:t>)</a:t>
+              </a:r>
+              <a:endParaRPr lang="en-US" dirty="0"/>
+            </a:p>
+          </p:txBody>
+        </p:sp>
+      </p:grpSp>
+    </p:spTree>
+    <p:extLst>
+      <p:ext uri="{BB962C8B-B14F-4D97-AF65-F5344CB8AC3E}">
+        <p14:creationId xmlns:p14="http://schemas.microsoft.com/office/powerpoint/2010/main" val="847401103"/>
       </p:ext>
     </p:extLst>
   </p:cSld>

--- a/thesis_v1/Pictures/figure_chapter2.pptx
+++ b/thesis_v1/Pictures/figure_chapter2.pptx
@@ -18,6 +18,7 @@
     <p:sldId id="266" r:id="rId12"/>
     <p:sldId id="267" r:id="rId13"/>
     <p:sldId id="268" r:id="rId14"/>
+    <p:sldId id="269" r:id="rId15"/>
   </p:sldIdLst>
   <p:sldSz cx="12192000" cy="6858000"/>
   <p:notesSz cx="6858000" cy="9144000"/>
@@ -255,7 +256,7 @@
           <a:p>
             <a:fld id="{0AB158F5-A420-42E5-A89A-E1DF478DA356}" type="datetimeFigureOut">
               <a:rPr lang="en-US" smtClean="0"/>
-              <a:t>3/8/2016</a:t>
+              <a:t>3/9/2016</a:t>
             </a:fld>
             <a:endParaRPr lang="en-US"/>
           </a:p>
@@ -425,7 +426,7 @@
           <a:p>
             <a:fld id="{0AB158F5-A420-42E5-A89A-E1DF478DA356}" type="datetimeFigureOut">
               <a:rPr lang="en-US" smtClean="0"/>
-              <a:t>3/8/2016</a:t>
+              <a:t>3/9/2016</a:t>
             </a:fld>
             <a:endParaRPr lang="en-US"/>
           </a:p>
@@ -605,7 +606,7 @@
           <a:p>
             <a:fld id="{0AB158F5-A420-42E5-A89A-E1DF478DA356}" type="datetimeFigureOut">
               <a:rPr lang="en-US" smtClean="0"/>
-              <a:t>3/8/2016</a:t>
+              <a:t>3/9/2016</a:t>
             </a:fld>
             <a:endParaRPr lang="en-US"/>
           </a:p>
@@ -775,7 +776,7 @@
           <a:p>
             <a:fld id="{0AB158F5-A420-42E5-A89A-E1DF478DA356}" type="datetimeFigureOut">
               <a:rPr lang="en-US" smtClean="0"/>
-              <a:t>3/8/2016</a:t>
+              <a:t>3/9/2016</a:t>
             </a:fld>
             <a:endParaRPr lang="en-US"/>
           </a:p>
@@ -1028,7 +1029,7 @@
           <a:p>
             <a:fld id="{0AB158F5-A420-42E5-A89A-E1DF478DA356}" type="datetimeFigureOut">
               <a:rPr lang="en-US" smtClean="0"/>
-              <a:t>3/8/2016</a:t>
+              <a:t>3/9/2016</a:t>
             </a:fld>
             <a:endParaRPr lang="en-US"/>
           </a:p>
@@ -1260,7 +1261,7 @@
           <a:p>
             <a:fld id="{0AB158F5-A420-42E5-A89A-E1DF478DA356}" type="datetimeFigureOut">
               <a:rPr lang="en-US" smtClean="0"/>
-              <a:t>3/8/2016</a:t>
+              <a:t>3/9/2016</a:t>
             </a:fld>
             <a:endParaRPr lang="en-US"/>
           </a:p>
@@ -1627,7 +1628,7 @@
           <a:p>
             <a:fld id="{0AB158F5-A420-42E5-A89A-E1DF478DA356}" type="datetimeFigureOut">
               <a:rPr lang="en-US" smtClean="0"/>
-              <a:t>3/8/2016</a:t>
+              <a:t>3/9/2016</a:t>
             </a:fld>
             <a:endParaRPr lang="en-US"/>
           </a:p>
@@ -1745,7 +1746,7 @@
           <a:p>
             <a:fld id="{0AB158F5-A420-42E5-A89A-E1DF478DA356}" type="datetimeFigureOut">
               <a:rPr lang="en-US" smtClean="0"/>
-              <a:t>3/8/2016</a:t>
+              <a:t>3/9/2016</a:t>
             </a:fld>
             <a:endParaRPr lang="en-US"/>
           </a:p>
@@ -1840,7 +1841,7 @@
           <a:p>
             <a:fld id="{0AB158F5-A420-42E5-A89A-E1DF478DA356}" type="datetimeFigureOut">
               <a:rPr lang="en-US" smtClean="0"/>
-              <a:t>3/8/2016</a:t>
+              <a:t>3/9/2016</a:t>
             </a:fld>
             <a:endParaRPr lang="en-US"/>
           </a:p>
@@ -2117,7 +2118,7 @@
           <a:p>
             <a:fld id="{0AB158F5-A420-42E5-A89A-E1DF478DA356}" type="datetimeFigureOut">
               <a:rPr lang="en-US" smtClean="0"/>
-              <a:t>3/8/2016</a:t>
+              <a:t>3/9/2016</a:t>
             </a:fld>
             <a:endParaRPr lang="en-US"/>
           </a:p>
@@ -2370,7 +2371,7 @@
           <a:p>
             <a:fld id="{0AB158F5-A420-42E5-A89A-E1DF478DA356}" type="datetimeFigureOut">
               <a:rPr lang="en-US" smtClean="0"/>
-              <a:t>3/8/2016</a:t>
+              <a:t>3/9/2016</a:t>
             </a:fld>
             <a:endParaRPr lang="en-US"/>
           </a:p>
@@ -2583,7 +2584,7 @@
           <a:p>
             <a:fld id="{0AB158F5-A420-42E5-A89A-E1DF478DA356}" type="datetimeFigureOut">
               <a:rPr lang="en-US" smtClean="0"/>
-              <a:t>3/8/2016</a:t>
+              <a:t>3/9/2016</a:t>
             </a:fld>
             <a:endParaRPr lang="en-US"/>
           </a:p>
@@ -11739,6 +11740,213 @@
 </p:sld>
 </file>
 
+<file path=ppt/slides/slide14.xml><?xml version="1.0" encoding="utf-8"?>
+<p:sld xmlns:a="http://schemas.openxmlformats.org/drawingml/2006/main" xmlns:r="http://schemas.openxmlformats.org/officeDocument/2006/relationships" xmlns:p="http://schemas.openxmlformats.org/presentationml/2006/main">
+  <p:cSld>
+    <p:spTree>
+      <p:nvGrpSpPr>
+        <p:cNvPr id="1" name=""/>
+        <p:cNvGrpSpPr/>
+        <p:nvPr/>
+      </p:nvGrpSpPr>
+      <p:grpSpPr>
+        <a:xfrm>
+          <a:off x="0" y="0"/>
+          <a:ext cx="0" cy="0"/>
+          <a:chOff x="0" y="0"/>
+          <a:chExt cx="0" cy="0"/>
+        </a:xfrm>
+      </p:grpSpPr>
+      <p:grpSp>
+        <p:nvGrpSpPr>
+          <p:cNvPr id="10" name="Group 9"/>
+          <p:cNvGrpSpPr/>
+          <p:nvPr/>
+        </p:nvGrpSpPr>
+        <p:grpSpPr>
+          <a:xfrm>
+            <a:off x="2634453" y="380320"/>
+            <a:ext cx="5345087" cy="5748336"/>
+            <a:chOff x="2634453" y="380320"/>
+            <a:chExt cx="5345087" cy="5748336"/>
+          </a:xfrm>
+        </p:grpSpPr>
+        <p:pic>
+          <p:nvPicPr>
+            <p:cNvPr id="4" name="Picture 3"/>
+            <p:cNvPicPr>
+              <a:picLocks noChangeAspect="1"/>
+            </p:cNvPicPr>
+            <p:nvPr/>
+          </p:nvPicPr>
+          <p:blipFill>
+            <a:blip r:embed="rId2"/>
+            <a:stretch>
+              <a:fillRect/>
+            </a:stretch>
+          </p:blipFill>
+          <p:spPr>
+            <a:xfrm>
+              <a:off x="3091654" y="4422271"/>
+              <a:ext cx="4887885" cy="1706385"/>
+            </a:xfrm>
+            <a:prstGeom prst="rect">
+              <a:avLst/>
+            </a:prstGeom>
+          </p:spPr>
+        </p:pic>
+        <p:pic>
+          <p:nvPicPr>
+            <p:cNvPr id="5" name="Picture 4"/>
+            <p:cNvPicPr>
+              <a:picLocks noChangeAspect="1"/>
+            </p:cNvPicPr>
+            <p:nvPr/>
+          </p:nvPicPr>
+          <p:blipFill>
+            <a:blip r:embed="rId3"/>
+            <a:stretch>
+              <a:fillRect/>
+            </a:stretch>
+          </p:blipFill>
+          <p:spPr>
+            <a:xfrm>
+              <a:off x="3091654" y="2880583"/>
+              <a:ext cx="4887886" cy="1428851"/>
+            </a:xfrm>
+            <a:prstGeom prst="rect">
+              <a:avLst/>
+            </a:prstGeom>
+          </p:spPr>
+        </p:pic>
+        <p:pic>
+          <p:nvPicPr>
+            <p:cNvPr id="6" name="Picture 5"/>
+            <p:cNvPicPr>
+              <a:picLocks noChangeAspect="1"/>
+            </p:cNvPicPr>
+            <p:nvPr/>
+          </p:nvPicPr>
+          <p:blipFill>
+            <a:blip r:embed="rId4"/>
+            <a:stretch>
+              <a:fillRect/>
+            </a:stretch>
+          </p:blipFill>
+          <p:spPr>
+            <a:xfrm>
+              <a:off x="3091654" y="380320"/>
+              <a:ext cx="4887885" cy="2542225"/>
+            </a:xfrm>
+            <a:prstGeom prst="rect">
+              <a:avLst/>
+            </a:prstGeom>
+          </p:spPr>
+        </p:pic>
+        <p:sp>
+          <p:nvSpPr>
+            <p:cNvPr id="7" name="TextBox 6"/>
+            <p:cNvSpPr txBox="1"/>
+            <p:nvPr/>
+          </p:nvSpPr>
+          <p:spPr>
+            <a:xfrm>
+              <a:off x="2634453" y="609600"/>
+              <a:ext cx="457200" cy="369332"/>
+            </a:xfrm>
+            <a:prstGeom prst="rect">
+              <a:avLst/>
+            </a:prstGeom>
+            <a:noFill/>
+          </p:spPr>
+          <p:txBody>
+            <a:bodyPr wrap="square" rtlCol="0">
+              <a:spAutoFit/>
+            </a:bodyPr>
+            <a:lstStyle/>
+            <a:p>
+              <a:r>
+                <a:rPr lang="en-US" dirty="0" smtClean="0"/>
+                <a:t>(a)</a:t>
+              </a:r>
+              <a:endParaRPr lang="en-US" dirty="0"/>
+            </a:p>
+          </p:txBody>
+        </p:sp>
+        <p:sp>
+          <p:nvSpPr>
+            <p:cNvPr id="8" name="TextBox 7"/>
+            <p:cNvSpPr txBox="1"/>
+            <p:nvPr/>
+          </p:nvSpPr>
+          <p:spPr>
+            <a:xfrm>
+              <a:off x="2634453" y="2880583"/>
+              <a:ext cx="457200" cy="369332"/>
+            </a:xfrm>
+            <a:prstGeom prst="rect">
+              <a:avLst/>
+            </a:prstGeom>
+            <a:noFill/>
+          </p:spPr>
+          <p:txBody>
+            <a:bodyPr wrap="square" rtlCol="0">
+              <a:spAutoFit/>
+            </a:bodyPr>
+            <a:lstStyle/>
+            <a:p>
+              <a:r>
+                <a:rPr lang="en-US" dirty="0" smtClean="0"/>
+                <a:t>(b)</a:t>
+              </a:r>
+              <a:endParaRPr lang="en-US" dirty="0"/>
+            </a:p>
+          </p:txBody>
+        </p:sp>
+        <p:sp>
+          <p:nvSpPr>
+            <p:cNvPr id="9" name="TextBox 8"/>
+            <p:cNvSpPr txBox="1"/>
+            <p:nvPr/>
+          </p:nvSpPr>
+          <p:spPr>
+            <a:xfrm>
+              <a:off x="2634453" y="4716918"/>
+              <a:ext cx="457200" cy="369332"/>
+            </a:xfrm>
+            <a:prstGeom prst="rect">
+              <a:avLst/>
+            </a:prstGeom>
+            <a:noFill/>
+          </p:spPr>
+          <p:txBody>
+            <a:bodyPr wrap="square" rtlCol="0">
+              <a:spAutoFit/>
+            </a:bodyPr>
+            <a:lstStyle/>
+            <a:p>
+              <a:r>
+                <a:rPr lang="en-US" dirty="0" smtClean="0"/>
+                <a:t>(c)</a:t>
+              </a:r>
+              <a:endParaRPr lang="en-US" dirty="0"/>
+            </a:p>
+          </p:txBody>
+        </p:sp>
+      </p:grpSp>
+    </p:spTree>
+    <p:extLst>
+      <p:ext uri="{BB962C8B-B14F-4D97-AF65-F5344CB8AC3E}">
+        <p14:creationId xmlns:p14="http://schemas.microsoft.com/office/powerpoint/2010/main" val="768013614"/>
+      </p:ext>
+    </p:extLst>
+  </p:cSld>
+  <p:clrMapOvr>
+    <a:masterClrMapping/>
+  </p:clrMapOvr>
+</p:sld>
+</file>
+
 <file path=ppt/slides/slide2.xml><?xml version="1.0" encoding="utf-8"?>
 <p:sld xmlns:a="http://schemas.openxmlformats.org/drawingml/2006/main" xmlns:r="http://schemas.openxmlformats.org/officeDocument/2006/relationships" xmlns:p="http://schemas.openxmlformats.org/presentationml/2006/main">
   <p:cSld>

--- a/thesis_v1/Pictures/figure_chapter2.pptx
+++ b/thesis_v1/Pictures/figure_chapter2.pptx
@@ -256,7 +256,7 @@
           <a:p>
             <a:fld id="{0AB158F5-A420-42E5-A89A-E1DF478DA356}" type="datetimeFigureOut">
               <a:rPr lang="en-US" smtClean="0"/>
-              <a:t>3/9/2016</a:t>
+              <a:t>3/13/2016</a:t>
             </a:fld>
             <a:endParaRPr lang="en-US"/>
           </a:p>
@@ -426,7 +426,7 @@
           <a:p>
             <a:fld id="{0AB158F5-A420-42E5-A89A-E1DF478DA356}" type="datetimeFigureOut">
               <a:rPr lang="en-US" smtClean="0"/>
-              <a:t>3/9/2016</a:t>
+              <a:t>3/13/2016</a:t>
             </a:fld>
             <a:endParaRPr lang="en-US"/>
           </a:p>
@@ -606,7 +606,7 @@
           <a:p>
             <a:fld id="{0AB158F5-A420-42E5-A89A-E1DF478DA356}" type="datetimeFigureOut">
               <a:rPr lang="en-US" smtClean="0"/>
-              <a:t>3/9/2016</a:t>
+              <a:t>3/13/2016</a:t>
             </a:fld>
             <a:endParaRPr lang="en-US"/>
           </a:p>
@@ -776,7 +776,7 @@
           <a:p>
             <a:fld id="{0AB158F5-A420-42E5-A89A-E1DF478DA356}" type="datetimeFigureOut">
               <a:rPr lang="en-US" smtClean="0"/>
-              <a:t>3/9/2016</a:t>
+              <a:t>3/13/2016</a:t>
             </a:fld>
             <a:endParaRPr lang="en-US"/>
           </a:p>
@@ -1029,7 +1029,7 @@
           <a:p>
             <a:fld id="{0AB158F5-A420-42E5-A89A-E1DF478DA356}" type="datetimeFigureOut">
               <a:rPr lang="en-US" smtClean="0"/>
-              <a:t>3/9/2016</a:t>
+              <a:t>3/13/2016</a:t>
             </a:fld>
             <a:endParaRPr lang="en-US"/>
           </a:p>
@@ -1261,7 +1261,7 @@
           <a:p>
             <a:fld id="{0AB158F5-A420-42E5-A89A-E1DF478DA356}" type="datetimeFigureOut">
               <a:rPr lang="en-US" smtClean="0"/>
-              <a:t>3/9/2016</a:t>
+              <a:t>3/13/2016</a:t>
             </a:fld>
             <a:endParaRPr lang="en-US"/>
           </a:p>
@@ -1628,7 +1628,7 @@
           <a:p>
             <a:fld id="{0AB158F5-A420-42E5-A89A-E1DF478DA356}" type="datetimeFigureOut">
               <a:rPr lang="en-US" smtClean="0"/>
-              <a:t>3/9/2016</a:t>
+              <a:t>3/13/2016</a:t>
             </a:fld>
             <a:endParaRPr lang="en-US"/>
           </a:p>
@@ -1746,7 +1746,7 @@
           <a:p>
             <a:fld id="{0AB158F5-A420-42E5-A89A-E1DF478DA356}" type="datetimeFigureOut">
               <a:rPr lang="en-US" smtClean="0"/>
-              <a:t>3/9/2016</a:t>
+              <a:t>3/13/2016</a:t>
             </a:fld>
             <a:endParaRPr lang="en-US"/>
           </a:p>
@@ -1841,7 +1841,7 @@
           <a:p>
             <a:fld id="{0AB158F5-A420-42E5-A89A-E1DF478DA356}" type="datetimeFigureOut">
               <a:rPr lang="en-US" smtClean="0"/>
-              <a:t>3/9/2016</a:t>
+              <a:t>3/13/2016</a:t>
             </a:fld>
             <a:endParaRPr lang="en-US"/>
           </a:p>
@@ -2118,7 +2118,7 @@
           <a:p>
             <a:fld id="{0AB158F5-A420-42E5-A89A-E1DF478DA356}" type="datetimeFigureOut">
               <a:rPr lang="en-US" smtClean="0"/>
-              <a:t>3/9/2016</a:t>
+              <a:t>3/13/2016</a:t>
             </a:fld>
             <a:endParaRPr lang="en-US"/>
           </a:p>
@@ -2371,7 +2371,7 @@
           <a:p>
             <a:fld id="{0AB158F5-A420-42E5-A89A-E1DF478DA356}" type="datetimeFigureOut">
               <a:rPr lang="en-US" smtClean="0"/>
-              <a:t>3/9/2016</a:t>
+              <a:t>3/13/2016</a:t>
             </a:fld>
             <a:endParaRPr lang="en-US"/>
           </a:p>
@@ -2584,7 +2584,7 @@
           <a:p>
             <a:fld id="{0AB158F5-A420-42E5-A89A-E1DF478DA356}" type="datetimeFigureOut">
               <a:rPr lang="en-US" smtClean="0"/>
-              <a:t>3/9/2016</a:t>
+              <a:t>3/13/2016</a:t>
             </a:fld>
             <a:endParaRPr lang="en-US"/>
           </a:p>
@@ -7220,7 +7220,7 @@
       </p:grpSpPr>
       <p:grpSp>
         <p:nvGrpSpPr>
-          <p:cNvPr id="2" name="Group 1"/>
+          <p:cNvPr id="5" name="Group 4"/>
           <p:cNvGrpSpPr/>
           <p:nvPr/>
         </p:nvGrpSpPr>
@@ -7232,9 +7232,58 @@
             <a:chExt cx="7639876" cy="4709010"/>
           </a:xfrm>
         </p:grpSpPr>
+        <p:sp>
+          <p:nvSpPr>
+            <p:cNvPr id="3" name="Rectangle 2"/>
+            <p:cNvSpPr/>
+            <p:nvPr/>
+          </p:nvSpPr>
+          <p:spPr>
+            <a:xfrm>
+              <a:off x="1983014" y="1053871"/>
+              <a:ext cx="3856355" cy="2263324"/>
+            </a:xfrm>
+            <a:prstGeom prst="rect">
+              <a:avLst/>
+            </a:prstGeom>
+            <a:solidFill>
+              <a:schemeClr val="accent1">
+                <a:lumMod val="40000"/>
+                <a:lumOff val="60000"/>
+              </a:schemeClr>
+            </a:solidFill>
+            <a:ln>
+              <a:noFill/>
+            </a:ln>
+          </p:spPr>
+          <p:style>
+            <a:lnRef idx="2">
+              <a:schemeClr val="accent1">
+                <a:shade val="50000"/>
+              </a:schemeClr>
+            </a:lnRef>
+            <a:fillRef idx="1">
+              <a:schemeClr val="accent1"/>
+            </a:fillRef>
+            <a:effectRef idx="0">
+              <a:schemeClr val="accent1"/>
+            </a:effectRef>
+            <a:fontRef idx="minor">
+              <a:schemeClr val="lt1"/>
+            </a:fontRef>
+          </p:style>
+          <p:txBody>
+            <a:bodyPr rtlCol="0" anchor="ctr"/>
+            <a:lstStyle/>
+            <a:p>
+              <a:pPr algn="ctr"/>
+              <a:endParaRPr lang="en-US" dirty="0"/>
+            </a:p>
+          </p:txBody>
+        </p:sp>
         <p:grpSp>
           <p:nvGrpSpPr>
-            <p:cNvPr id="77" name="Group 76"/>
+            <p:cNvPr id="2" name="Group 1"/>
             <p:cNvGrpSpPr/>
             <p:nvPr/>
           </p:nvGrpSpPr>
@@ -7248,471 +7297,1001 @@
           </p:grpSpPr>
           <p:grpSp>
             <p:nvGrpSpPr>
-              <p:cNvPr id="73" name="Group 72"/>
+              <p:cNvPr id="77" name="Group 76"/>
               <p:cNvGrpSpPr/>
               <p:nvPr/>
             </p:nvGrpSpPr>
             <p:grpSpPr>
               <a:xfrm>
-                <a:off x="1983014" y="751114"/>
-                <a:ext cx="3856355" cy="4629556"/>
-                <a:chOff x="2853872" y="963068"/>
-                <a:chExt cx="3856355" cy="4629556"/>
+                <a:off x="1983014" y="671660"/>
+                <a:ext cx="7639876" cy="4709010"/>
+                <a:chOff x="1983014" y="671660"/>
+                <a:chExt cx="7639876" cy="4709010"/>
               </a:xfrm>
             </p:grpSpPr>
             <p:grpSp>
               <p:nvGrpSpPr>
-                <p:cNvPr id="69" name="Group 68"/>
+                <p:cNvPr id="73" name="Group 72"/>
                 <p:cNvGrpSpPr/>
                 <p:nvPr/>
               </p:nvGrpSpPr>
               <p:grpSpPr>
                 <a:xfrm>
-                  <a:off x="2853872" y="963068"/>
+                  <a:off x="1983014" y="751114"/>
                   <a:ext cx="3856355" cy="4629556"/>
-                  <a:chOff x="2755900" y="647382"/>
+                  <a:chOff x="2853872" y="963068"/>
                   <a:chExt cx="3856355" cy="4629556"/>
                 </a:xfrm>
               </p:grpSpPr>
               <p:grpSp>
                 <p:nvGrpSpPr>
-                  <p:cNvPr id="65" name="Group 64"/>
+                  <p:cNvPr id="69" name="Group 68"/>
                   <p:cNvGrpSpPr/>
                   <p:nvPr/>
                 </p:nvGrpSpPr>
                 <p:grpSpPr>
                   <a:xfrm>
-                    <a:off x="2755900" y="647382"/>
+                    <a:off x="2853872" y="963068"/>
                     <a:ext cx="3856355" cy="4629556"/>
-                    <a:chOff x="3146425" y="933132"/>
+                    <a:chOff x="2755900" y="647382"/>
                     <a:chExt cx="3856355" cy="4629556"/>
                   </a:xfrm>
                 </p:grpSpPr>
-                <p:sp>
-                  <p:nvSpPr>
-                    <p:cNvPr id="22" name="Rectangle 21"/>
-                    <p:cNvSpPr/>
-                    <p:nvPr/>
-                  </p:nvSpPr>
-                  <p:spPr>
-                    <a:xfrm>
-                      <a:off x="3146425" y="3009901"/>
-                      <a:ext cx="3856355" cy="156211"/>
-                    </a:xfrm>
-                    <a:prstGeom prst="rect">
-                      <a:avLst/>
-                    </a:prstGeom>
-                    <a:solidFill>
-                      <a:schemeClr val="accent4">
-                        <a:lumMod val="50000"/>
-                      </a:schemeClr>
-                    </a:solidFill>
-                    <a:ln>
-                      <a:noFill/>
-                    </a:ln>
-                  </p:spPr>
-                  <p:style>
-                    <a:lnRef idx="2">
-                      <a:schemeClr val="accent1">
-                        <a:shade val="50000"/>
-                      </a:schemeClr>
-                    </a:lnRef>
-                    <a:fillRef idx="1">
-                      <a:schemeClr val="accent1"/>
-                    </a:fillRef>
-                    <a:effectRef idx="0">
-                      <a:schemeClr val="accent1"/>
-                    </a:effectRef>
-                    <a:fontRef idx="minor">
-                      <a:schemeClr val="lt1"/>
-                    </a:fontRef>
-                  </p:style>
-                  <p:txBody>
-                    <a:bodyPr rtlCol="0" anchor="ctr"/>
-                    <a:lstStyle/>
-                    <a:p>
-                      <a:pPr algn="ctr"/>
-                      <a:r>
-                        <a:rPr lang="en-US" sz="1100" dirty="0"/>
-                        <a:t>n</a:t>
-                      </a:r>
-                      <a:r>
-                        <a:rPr lang="en-US" sz="1100" dirty="0" smtClean="0"/>
-                        <a:t>-</a:t>
-                      </a:r>
-                      <a:r>
-                        <a:rPr lang="en-US" sz="1100" dirty="0" err="1" smtClean="0"/>
-                        <a:t>InP</a:t>
-                      </a:r>
-                      <a:endParaRPr lang="en-US" sz="1100" dirty="0"/>
-                    </a:p>
-                  </p:txBody>
-                </p:sp>
-                <p:cxnSp>
-                  <p:nvCxnSpPr>
-                    <p:cNvPr id="6" name="Straight Arrow Connector 5"/>
-                    <p:cNvCxnSpPr/>
-                    <p:nvPr/>
-                  </p:nvCxnSpPr>
-                  <p:spPr>
-                    <a:xfrm>
-                      <a:off x="5425896" y="1263308"/>
-                      <a:ext cx="366890" cy="0"/>
-                    </a:xfrm>
-                    <a:prstGeom prst="straightConnector1">
-                      <a:avLst/>
-                    </a:prstGeom>
-                    <a:ln>
-                      <a:solidFill>
-                        <a:schemeClr val="tx1"/>
-                      </a:solidFill>
-                      <a:tailEnd type="triangle"/>
-                    </a:ln>
-                  </p:spPr>
-                  <p:style>
-                    <a:lnRef idx="1">
-                      <a:schemeClr val="accent1"/>
-                    </a:lnRef>
-                    <a:fillRef idx="0">
-                      <a:schemeClr val="accent1"/>
-                    </a:fillRef>
-                    <a:effectRef idx="0">
-                      <a:schemeClr val="accent1"/>
-                    </a:effectRef>
-                    <a:fontRef idx="minor">
-                      <a:schemeClr val="tx1"/>
-                    </a:fontRef>
-                  </p:style>
-                </p:cxnSp>
-                <p:sp>
-                  <p:nvSpPr>
-                    <p:cNvPr id="7" name="TextBox 6"/>
-                    <p:cNvSpPr txBox="1"/>
-                    <p:nvPr/>
-                  </p:nvSpPr>
-                  <p:spPr>
-                    <a:xfrm>
-                      <a:off x="5792786" y="1132503"/>
-                      <a:ext cx="673100" cy="276999"/>
-                    </a:xfrm>
-                    <a:prstGeom prst="rect">
-                      <a:avLst/>
-                    </a:prstGeom>
-                    <a:noFill/>
-                  </p:spPr>
-                  <p:txBody>
-                    <a:bodyPr wrap="square" rtlCol="0">
-                      <a:spAutoFit/>
-                    </a:bodyPr>
-                    <a:lstStyle/>
-                    <a:p>
-                      <a:r>
-                        <a:rPr lang="en-US" altLang="zh-CN" sz="1200" dirty="0" err="1" smtClean="0"/>
-                        <a:t>InGaAs</a:t>
-                      </a:r>
-                      <a:endParaRPr lang="en-US" sz="1200" dirty="0"/>
-                    </a:p>
-                  </p:txBody>
-                </p:sp>
-                <p:sp>
-                  <p:nvSpPr>
-                    <p:cNvPr id="8" name="TextBox 7"/>
-                    <p:cNvSpPr txBox="1"/>
-                    <p:nvPr/>
-                  </p:nvSpPr>
-                  <p:spPr>
-                    <a:xfrm>
-                      <a:off x="5792786" y="1589703"/>
-                      <a:ext cx="673100" cy="276999"/>
-                    </a:xfrm>
-                    <a:prstGeom prst="rect">
-                      <a:avLst/>
-                    </a:prstGeom>
-                    <a:noFill/>
-                  </p:spPr>
-                  <p:txBody>
-                    <a:bodyPr wrap="square" rtlCol="0">
-                      <a:spAutoFit/>
-                    </a:bodyPr>
-                    <a:lstStyle/>
-                    <a:p>
-                      <a:r>
-                        <a:rPr lang="en-US" altLang="zh-CN" sz="1200" dirty="0" smtClean="0"/>
-                        <a:t>p-</a:t>
-                      </a:r>
-                      <a:r>
-                        <a:rPr lang="en-US" altLang="zh-CN" sz="1200" dirty="0" err="1" smtClean="0"/>
-                        <a:t>InP</a:t>
-                      </a:r>
-                      <a:endParaRPr lang="en-US" sz="1200" dirty="0"/>
-                    </a:p>
-                  </p:txBody>
-                </p:sp>
-                <p:cxnSp>
-                  <p:nvCxnSpPr>
-                    <p:cNvPr id="9" name="Straight Arrow Connector 8"/>
-                    <p:cNvCxnSpPr/>
-                    <p:nvPr/>
-                  </p:nvCxnSpPr>
-                  <p:spPr>
-                    <a:xfrm>
-                      <a:off x="5425896" y="1720508"/>
-                      <a:ext cx="366890" cy="0"/>
-                    </a:xfrm>
-                    <a:prstGeom prst="straightConnector1">
-                      <a:avLst/>
-                    </a:prstGeom>
-                    <a:ln>
-                      <a:solidFill>
-                        <a:schemeClr val="tx1"/>
-                      </a:solidFill>
-                      <a:tailEnd type="triangle"/>
-                    </a:ln>
-                  </p:spPr>
-                  <p:style>
-                    <a:lnRef idx="1">
-                      <a:schemeClr val="accent1"/>
-                    </a:lnRef>
-                    <a:fillRef idx="0">
-                      <a:schemeClr val="accent1"/>
-                    </a:fillRef>
-                    <a:effectRef idx="0">
-                      <a:schemeClr val="accent1"/>
-                    </a:effectRef>
-                    <a:fontRef idx="minor">
-                      <a:schemeClr val="tx1"/>
-                    </a:fontRef>
-                  </p:style>
-                </p:cxnSp>
-                <p:cxnSp>
-                  <p:nvCxnSpPr>
-                    <p:cNvPr id="10" name="Straight Arrow Connector 9"/>
-                    <p:cNvCxnSpPr/>
-                    <p:nvPr/>
-                  </p:nvCxnSpPr>
-                  <p:spPr>
-                    <a:xfrm>
-                      <a:off x="5425896" y="2634908"/>
-                      <a:ext cx="366890" cy="0"/>
-                    </a:xfrm>
-                    <a:prstGeom prst="straightConnector1">
-                      <a:avLst/>
-                    </a:prstGeom>
-                    <a:ln>
-                      <a:solidFill>
-                        <a:schemeClr val="tx1"/>
-                      </a:solidFill>
-                      <a:tailEnd type="triangle"/>
-                    </a:ln>
-                  </p:spPr>
-                  <p:style>
-                    <a:lnRef idx="1">
-                      <a:schemeClr val="accent1"/>
-                    </a:lnRef>
-                    <a:fillRef idx="0">
-                      <a:schemeClr val="accent1"/>
-                    </a:fillRef>
-                    <a:effectRef idx="0">
-                      <a:schemeClr val="accent1"/>
-                    </a:effectRef>
-                    <a:fontRef idx="minor">
-                      <a:schemeClr val="tx1"/>
-                    </a:fontRef>
-                  </p:style>
-                </p:cxnSp>
-                <p:cxnSp>
-                  <p:nvCxnSpPr>
-                    <p:cNvPr id="11" name="Straight Arrow Connector 10"/>
-                    <p:cNvCxnSpPr/>
-                    <p:nvPr/>
-                  </p:nvCxnSpPr>
-                  <p:spPr>
-                    <a:xfrm>
-                      <a:off x="5425896" y="2961842"/>
-                      <a:ext cx="366890" cy="0"/>
-                    </a:xfrm>
-                    <a:prstGeom prst="straightConnector1">
-                      <a:avLst/>
-                    </a:prstGeom>
-                    <a:ln>
-                      <a:solidFill>
-                        <a:schemeClr val="tx1"/>
-                      </a:solidFill>
-                      <a:tailEnd type="triangle"/>
-                    </a:ln>
-                  </p:spPr>
-                  <p:style>
-                    <a:lnRef idx="1">
-                      <a:schemeClr val="accent1"/>
-                    </a:lnRef>
-                    <a:fillRef idx="0">
-                      <a:schemeClr val="accent1"/>
-                    </a:fillRef>
-                    <a:effectRef idx="0">
-                      <a:schemeClr val="accent1"/>
-                    </a:effectRef>
-                    <a:fontRef idx="minor">
-                      <a:schemeClr val="tx1"/>
-                    </a:fontRef>
-                  </p:style>
-                </p:cxnSp>
-                <p:sp>
-                  <p:nvSpPr>
-                    <p:cNvPr id="12" name="TextBox 11"/>
-                    <p:cNvSpPr txBox="1"/>
-                    <p:nvPr/>
-                  </p:nvSpPr>
-                  <p:spPr>
-                    <a:xfrm>
-                      <a:off x="5792786" y="2468319"/>
-                      <a:ext cx="673100" cy="276999"/>
-                    </a:xfrm>
-                    <a:prstGeom prst="rect">
-                      <a:avLst/>
-                    </a:prstGeom>
-                    <a:noFill/>
-                  </p:spPr>
-                  <p:txBody>
-                    <a:bodyPr wrap="square" rtlCol="0">
-                      <a:spAutoFit/>
-                    </a:bodyPr>
-                    <a:lstStyle/>
-                    <a:p>
-                      <a:r>
-                        <a:rPr lang="en-US" altLang="zh-CN" sz="1200" dirty="0" smtClean="0"/>
-                        <a:t>SCH</a:t>
-                      </a:r>
-                      <a:endParaRPr lang="en-US" sz="1200" dirty="0"/>
-                    </a:p>
-                  </p:txBody>
-                </p:sp>
-                <p:sp>
-                  <p:nvSpPr>
-                    <p:cNvPr id="13" name="TextBox 12"/>
-                    <p:cNvSpPr txBox="1"/>
-                    <p:nvPr/>
-                  </p:nvSpPr>
-                  <p:spPr>
-                    <a:xfrm>
-                      <a:off x="5792786" y="2823343"/>
-                      <a:ext cx="673100" cy="276999"/>
-                    </a:xfrm>
-                    <a:prstGeom prst="rect">
-                      <a:avLst/>
-                    </a:prstGeom>
-                    <a:noFill/>
-                  </p:spPr>
-                  <p:txBody>
-                    <a:bodyPr wrap="square" rtlCol="0">
-                      <a:spAutoFit/>
-                    </a:bodyPr>
-                    <a:lstStyle/>
-                    <a:p>
-                      <a:r>
-                        <a:rPr lang="en-US" altLang="zh-CN" sz="1200" dirty="0" smtClean="0"/>
-                        <a:t>SCH</a:t>
-                      </a:r>
-                      <a:endParaRPr lang="en-US" sz="1200" dirty="0"/>
-                    </a:p>
-                  </p:txBody>
-                </p:sp>
-                <p:cxnSp>
-                  <p:nvCxnSpPr>
-                    <p:cNvPr id="14" name="Straight Arrow Connector 13"/>
-                    <p:cNvCxnSpPr/>
-                    <p:nvPr/>
-                  </p:nvCxnSpPr>
-                  <p:spPr>
-                    <a:xfrm>
-                      <a:off x="5425896" y="2780254"/>
-                      <a:ext cx="366890" cy="0"/>
-                    </a:xfrm>
-                    <a:prstGeom prst="straightConnector1">
-                      <a:avLst/>
-                    </a:prstGeom>
-                    <a:ln>
-                      <a:solidFill>
-                        <a:schemeClr val="tx1"/>
-                      </a:solidFill>
-                      <a:tailEnd type="triangle"/>
-                    </a:ln>
-                  </p:spPr>
-                  <p:style>
-                    <a:lnRef idx="1">
-                      <a:schemeClr val="accent1"/>
-                    </a:lnRef>
-                    <a:fillRef idx="0">
-                      <a:schemeClr val="accent1"/>
-                    </a:fillRef>
-                    <a:effectRef idx="0">
-                      <a:schemeClr val="accent1"/>
-                    </a:effectRef>
-                    <a:fontRef idx="minor">
-                      <a:schemeClr val="tx1"/>
-                    </a:fontRef>
-                  </p:style>
-                </p:cxnSp>
-                <p:sp>
-                  <p:nvSpPr>
-                    <p:cNvPr id="15" name="TextBox 14"/>
-                    <p:cNvSpPr txBox="1"/>
-                    <p:nvPr/>
-                  </p:nvSpPr>
-                  <p:spPr>
-                    <a:xfrm>
-                      <a:off x="5792786" y="2662998"/>
-                      <a:ext cx="673100" cy="276999"/>
-                    </a:xfrm>
-                    <a:prstGeom prst="rect">
-                      <a:avLst/>
-                    </a:prstGeom>
-                    <a:noFill/>
-                  </p:spPr>
-                  <p:txBody>
-                    <a:bodyPr wrap="square" rtlCol="0">
-                      <a:spAutoFit/>
-                    </a:bodyPr>
-                    <a:lstStyle/>
-                    <a:p>
-                      <a:r>
-                        <a:rPr lang="en-US" altLang="zh-CN" sz="1200" dirty="0" smtClean="0"/>
-                        <a:t>MQW</a:t>
-                      </a:r>
-                      <a:endParaRPr lang="en-US" sz="1200" dirty="0"/>
-                    </a:p>
-                  </p:txBody>
-                </p:sp>
                 <p:grpSp>
                   <p:nvGrpSpPr>
-                    <p:cNvPr id="26" name="Group 25"/>
+                    <p:cNvPr id="65" name="Group 64"/>
                     <p:cNvGrpSpPr/>
                     <p:nvPr/>
                   </p:nvGrpSpPr>
                   <p:grpSpPr>
                     <a:xfrm>
-                      <a:off x="4752975" y="1223010"/>
-                      <a:ext cx="643255" cy="1786891"/>
-                      <a:chOff x="3830955" y="1156335"/>
-                      <a:chExt cx="1828800" cy="1786891"/>
+                      <a:off x="2755900" y="647382"/>
+                      <a:ext cx="3856355" cy="4629556"/>
+                      <a:chOff x="3146425" y="933132"/>
+                      <a:chExt cx="3856355" cy="4629556"/>
                     </a:xfrm>
                   </p:grpSpPr>
                   <p:sp>
                     <p:nvSpPr>
-                      <p:cNvPr id="19" name="Rectangle 18"/>
+                      <p:cNvPr id="22" name="Rectangle 21"/>
                       <p:cNvSpPr/>
                       <p:nvPr/>
                     </p:nvSpPr>
                     <p:spPr>
                       <a:xfrm>
-                        <a:off x="3830955" y="1156335"/>
-                        <a:ext cx="1828800" cy="161290"/>
+                        <a:off x="3146425" y="3009901"/>
+                        <a:ext cx="3856355" cy="156211"/>
                       </a:xfrm>
                       <a:prstGeom prst="rect">
                         <a:avLst/>
                       </a:prstGeom>
                       <a:solidFill>
                         <a:schemeClr val="accent4">
-                          <a:lumMod val="75000"/>
+                          <a:lumMod val="50000"/>
+                        </a:schemeClr>
+                      </a:solidFill>
+                      <a:ln>
+                        <a:noFill/>
+                      </a:ln>
+                    </p:spPr>
+                    <p:style>
+                      <a:lnRef idx="2">
+                        <a:schemeClr val="accent1">
+                          <a:shade val="50000"/>
+                        </a:schemeClr>
+                      </a:lnRef>
+                      <a:fillRef idx="1">
+                        <a:schemeClr val="accent1"/>
+                      </a:fillRef>
+                      <a:effectRef idx="0">
+                        <a:schemeClr val="accent1"/>
+                      </a:effectRef>
+                      <a:fontRef idx="minor">
+                        <a:schemeClr val="lt1"/>
+                      </a:fontRef>
+                    </p:style>
+                    <p:txBody>
+                      <a:bodyPr rtlCol="0" anchor="ctr"/>
+                      <a:lstStyle/>
+                      <a:p>
+                        <a:pPr algn="ctr"/>
+                        <a:r>
+                          <a:rPr lang="en-US" sz="1100" dirty="0"/>
+                          <a:t>n</a:t>
+                        </a:r>
+                        <a:r>
+                          <a:rPr lang="en-US" sz="1100" dirty="0" smtClean="0"/>
+                          <a:t>-</a:t>
+                        </a:r>
+                        <a:r>
+                          <a:rPr lang="en-US" sz="1100" dirty="0" err="1" smtClean="0"/>
+                          <a:t>InP</a:t>
+                        </a:r>
+                        <a:endParaRPr lang="en-US" sz="1100" dirty="0"/>
+                      </a:p>
+                    </p:txBody>
+                  </p:sp>
+                  <p:cxnSp>
+                    <p:nvCxnSpPr>
+                      <p:cNvPr id="6" name="Straight Arrow Connector 5"/>
+                      <p:cNvCxnSpPr/>
+                      <p:nvPr/>
+                    </p:nvCxnSpPr>
+                    <p:spPr>
+                      <a:xfrm>
+                        <a:off x="5425896" y="1263308"/>
+                        <a:ext cx="366890" cy="0"/>
+                      </a:xfrm>
+                      <a:prstGeom prst="straightConnector1">
+                        <a:avLst/>
+                      </a:prstGeom>
+                      <a:ln>
+                        <a:solidFill>
+                          <a:schemeClr val="tx1"/>
+                        </a:solidFill>
+                        <a:tailEnd type="triangle"/>
+                      </a:ln>
+                    </p:spPr>
+                    <p:style>
+                      <a:lnRef idx="1">
+                        <a:schemeClr val="accent1"/>
+                      </a:lnRef>
+                      <a:fillRef idx="0">
+                        <a:schemeClr val="accent1"/>
+                      </a:fillRef>
+                      <a:effectRef idx="0">
+                        <a:schemeClr val="accent1"/>
+                      </a:effectRef>
+                      <a:fontRef idx="minor">
+                        <a:schemeClr val="tx1"/>
+                      </a:fontRef>
+                    </p:style>
+                  </p:cxnSp>
+                  <p:sp>
+                    <p:nvSpPr>
+                      <p:cNvPr id="7" name="TextBox 6"/>
+                      <p:cNvSpPr txBox="1"/>
+                      <p:nvPr/>
+                    </p:nvSpPr>
+                    <p:spPr>
+                      <a:xfrm>
+                        <a:off x="5792786" y="1132503"/>
+                        <a:ext cx="673100" cy="276999"/>
+                      </a:xfrm>
+                      <a:prstGeom prst="rect">
+                        <a:avLst/>
+                      </a:prstGeom>
+                      <a:noFill/>
+                    </p:spPr>
+                    <p:txBody>
+                      <a:bodyPr wrap="square" rtlCol="0">
+                        <a:spAutoFit/>
+                      </a:bodyPr>
+                      <a:lstStyle/>
+                      <a:p>
+                        <a:r>
+                          <a:rPr lang="en-US" altLang="zh-CN" sz="1200" dirty="0" err="1" smtClean="0"/>
+                          <a:t>InGaAs</a:t>
+                        </a:r>
+                        <a:endParaRPr lang="en-US" sz="1200" dirty="0"/>
+                      </a:p>
+                    </p:txBody>
+                  </p:sp>
+                  <p:sp>
+                    <p:nvSpPr>
+                      <p:cNvPr id="8" name="TextBox 7"/>
+                      <p:cNvSpPr txBox="1"/>
+                      <p:nvPr/>
+                    </p:nvSpPr>
+                    <p:spPr>
+                      <a:xfrm>
+                        <a:off x="5792786" y="1589703"/>
+                        <a:ext cx="673100" cy="276999"/>
+                      </a:xfrm>
+                      <a:prstGeom prst="rect">
+                        <a:avLst/>
+                      </a:prstGeom>
+                      <a:noFill/>
+                    </p:spPr>
+                    <p:txBody>
+                      <a:bodyPr wrap="square" rtlCol="0">
+                        <a:spAutoFit/>
+                      </a:bodyPr>
+                      <a:lstStyle/>
+                      <a:p>
+                        <a:r>
+                          <a:rPr lang="en-US" altLang="zh-CN" sz="1200" dirty="0" smtClean="0"/>
+                          <a:t>p-</a:t>
+                        </a:r>
+                        <a:r>
+                          <a:rPr lang="en-US" altLang="zh-CN" sz="1200" dirty="0" err="1" smtClean="0"/>
+                          <a:t>InP</a:t>
+                        </a:r>
+                        <a:endParaRPr lang="en-US" sz="1200" dirty="0"/>
+                      </a:p>
+                    </p:txBody>
+                  </p:sp>
+                  <p:cxnSp>
+                    <p:nvCxnSpPr>
+                      <p:cNvPr id="9" name="Straight Arrow Connector 8"/>
+                      <p:cNvCxnSpPr/>
+                      <p:nvPr/>
+                    </p:nvCxnSpPr>
+                    <p:spPr>
+                      <a:xfrm>
+                        <a:off x="5425896" y="1720508"/>
+                        <a:ext cx="366890" cy="0"/>
+                      </a:xfrm>
+                      <a:prstGeom prst="straightConnector1">
+                        <a:avLst/>
+                      </a:prstGeom>
+                      <a:ln>
+                        <a:solidFill>
+                          <a:schemeClr val="tx1"/>
+                        </a:solidFill>
+                        <a:tailEnd type="triangle"/>
+                      </a:ln>
+                    </p:spPr>
+                    <p:style>
+                      <a:lnRef idx="1">
+                        <a:schemeClr val="accent1"/>
+                      </a:lnRef>
+                      <a:fillRef idx="0">
+                        <a:schemeClr val="accent1"/>
+                      </a:fillRef>
+                      <a:effectRef idx="0">
+                        <a:schemeClr val="accent1"/>
+                      </a:effectRef>
+                      <a:fontRef idx="minor">
+                        <a:schemeClr val="tx1"/>
+                      </a:fontRef>
+                    </p:style>
+                  </p:cxnSp>
+                  <p:cxnSp>
+                    <p:nvCxnSpPr>
+                      <p:cNvPr id="10" name="Straight Arrow Connector 9"/>
+                      <p:cNvCxnSpPr/>
+                      <p:nvPr/>
+                    </p:nvCxnSpPr>
+                    <p:spPr>
+                      <a:xfrm>
+                        <a:off x="5425896" y="2634908"/>
+                        <a:ext cx="366890" cy="0"/>
+                      </a:xfrm>
+                      <a:prstGeom prst="straightConnector1">
+                        <a:avLst/>
+                      </a:prstGeom>
+                      <a:ln>
+                        <a:solidFill>
+                          <a:schemeClr val="tx1"/>
+                        </a:solidFill>
+                        <a:tailEnd type="triangle"/>
+                      </a:ln>
+                    </p:spPr>
+                    <p:style>
+                      <a:lnRef idx="1">
+                        <a:schemeClr val="accent1"/>
+                      </a:lnRef>
+                      <a:fillRef idx="0">
+                        <a:schemeClr val="accent1"/>
+                      </a:fillRef>
+                      <a:effectRef idx="0">
+                        <a:schemeClr val="accent1"/>
+                      </a:effectRef>
+                      <a:fontRef idx="minor">
+                        <a:schemeClr val="tx1"/>
+                      </a:fontRef>
+                    </p:style>
+                  </p:cxnSp>
+                  <p:cxnSp>
+                    <p:nvCxnSpPr>
+                      <p:cNvPr id="11" name="Straight Arrow Connector 10"/>
+                      <p:cNvCxnSpPr/>
+                      <p:nvPr/>
+                    </p:nvCxnSpPr>
+                    <p:spPr>
+                      <a:xfrm>
+                        <a:off x="5425896" y="2961842"/>
+                        <a:ext cx="366890" cy="0"/>
+                      </a:xfrm>
+                      <a:prstGeom prst="straightConnector1">
+                        <a:avLst/>
+                      </a:prstGeom>
+                      <a:ln>
+                        <a:solidFill>
+                          <a:schemeClr val="tx1"/>
+                        </a:solidFill>
+                        <a:tailEnd type="triangle"/>
+                      </a:ln>
+                    </p:spPr>
+                    <p:style>
+                      <a:lnRef idx="1">
+                        <a:schemeClr val="accent1"/>
+                      </a:lnRef>
+                      <a:fillRef idx="0">
+                        <a:schemeClr val="accent1"/>
+                      </a:fillRef>
+                      <a:effectRef idx="0">
+                        <a:schemeClr val="accent1"/>
+                      </a:effectRef>
+                      <a:fontRef idx="minor">
+                        <a:schemeClr val="tx1"/>
+                      </a:fontRef>
+                    </p:style>
+                  </p:cxnSp>
+                  <p:sp>
+                    <p:nvSpPr>
+                      <p:cNvPr id="12" name="TextBox 11"/>
+                      <p:cNvSpPr txBox="1"/>
+                      <p:nvPr/>
+                    </p:nvSpPr>
+                    <p:spPr>
+                      <a:xfrm>
+                        <a:off x="5792786" y="2468319"/>
+                        <a:ext cx="673100" cy="276999"/>
+                      </a:xfrm>
+                      <a:prstGeom prst="rect">
+                        <a:avLst/>
+                      </a:prstGeom>
+                      <a:noFill/>
+                    </p:spPr>
+                    <p:txBody>
+                      <a:bodyPr wrap="square" rtlCol="0">
+                        <a:spAutoFit/>
+                      </a:bodyPr>
+                      <a:lstStyle/>
+                      <a:p>
+                        <a:r>
+                          <a:rPr lang="en-US" altLang="zh-CN" sz="1200" dirty="0" smtClean="0"/>
+                          <a:t>SCH</a:t>
+                        </a:r>
+                        <a:endParaRPr lang="en-US" sz="1200" dirty="0"/>
+                      </a:p>
+                    </p:txBody>
+                  </p:sp>
+                  <p:sp>
+                    <p:nvSpPr>
+                      <p:cNvPr id="13" name="TextBox 12"/>
+                      <p:cNvSpPr txBox="1"/>
+                      <p:nvPr/>
+                    </p:nvSpPr>
+                    <p:spPr>
+                      <a:xfrm>
+                        <a:off x="5792786" y="2823343"/>
+                        <a:ext cx="673100" cy="276999"/>
+                      </a:xfrm>
+                      <a:prstGeom prst="rect">
+                        <a:avLst/>
+                      </a:prstGeom>
+                      <a:noFill/>
+                    </p:spPr>
+                    <p:txBody>
+                      <a:bodyPr wrap="square" rtlCol="0">
+                        <a:spAutoFit/>
+                      </a:bodyPr>
+                      <a:lstStyle/>
+                      <a:p>
+                        <a:r>
+                          <a:rPr lang="en-US" altLang="zh-CN" sz="1200" dirty="0" smtClean="0"/>
+                          <a:t>SCH</a:t>
+                        </a:r>
+                        <a:endParaRPr lang="en-US" sz="1200" dirty="0"/>
+                      </a:p>
+                    </p:txBody>
+                  </p:sp>
+                  <p:cxnSp>
+                    <p:nvCxnSpPr>
+                      <p:cNvPr id="14" name="Straight Arrow Connector 13"/>
+                      <p:cNvCxnSpPr/>
+                      <p:nvPr/>
+                    </p:nvCxnSpPr>
+                    <p:spPr>
+                      <a:xfrm>
+                        <a:off x="5425896" y="2780254"/>
+                        <a:ext cx="366890" cy="0"/>
+                      </a:xfrm>
+                      <a:prstGeom prst="straightConnector1">
+                        <a:avLst/>
+                      </a:prstGeom>
+                      <a:ln>
+                        <a:solidFill>
+                          <a:schemeClr val="tx1"/>
+                        </a:solidFill>
+                        <a:tailEnd type="triangle"/>
+                      </a:ln>
+                    </p:spPr>
+                    <p:style>
+                      <a:lnRef idx="1">
+                        <a:schemeClr val="accent1"/>
+                      </a:lnRef>
+                      <a:fillRef idx="0">
+                        <a:schemeClr val="accent1"/>
+                      </a:fillRef>
+                      <a:effectRef idx="0">
+                        <a:schemeClr val="accent1"/>
+                      </a:effectRef>
+                      <a:fontRef idx="minor">
+                        <a:schemeClr val="tx1"/>
+                      </a:fontRef>
+                    </p:style>
+                  </p:cxnSp>
+                  <p:sp>
+                    <p:nvSpPr>
+                      <p:cNvPr id="15" name="TextBox 14"/>
+                      <p:cNvSpPr txBox="1"/>
+                      <p:nvPr/>
+                    </p:nvSpPr>
+                    <p:spPr>
+                      <a:xfrm>
+                        <a:off x="5792786" y="2662998"/>
+                        <a:ext cx="673100" cy="276999"/>
+                      </a:xfrm>
+                      <a:prstGeom prst="rect">
+                        <a:avLst/>
+                      </a:prstGeom>
+                      <a:noFill/>
+                    </p:spPr>
+                    <p:txBody>
+                      <a:bodyPr wrap="square" rtlCol="0">
+                        <a:spAutoFit/>
+                      </a:bodyPr>
+                      <a:lstStyle/>
+                      <a:p>
+                        <a:r>
+                          <a:rPr lang="en-US" altLang="zh-CN" sz="1200" dirty="0" smtClean="0"/>
+                          <a:t>MQW</a:t>
+                        </a:r>
+                        <a:endParaRPr lang="en-US" sz="1200" dirty="0"/>
+                      </a:p>
+                    </p:txBody>
+                  </p:sp>
+                  <p:grpSp>
+                    <p:nvGrpSpPr>
+                      <p:cNvPr id="26" name="Group 25"/>
+                      <p:cNvGrpSpPr/>
+                      <p:nvPr/>
+                    </p:nvGrpSpPr>
+                    <p:grpSpPr>
+                      <a:xfrm>
+                        <a:off x="4752975" y="1223010"/>
+                        <a:ext cx="643255" cy="1786891"/>
+                        <a:chOff x="3830955" y="1156335"/>
+                        <a:chExt cx="1828800" cy="1786891"/>
+                      </a:xfrm>
+                    </p:grpSpPr>
+                    <p:sp>
+                      <p:nvSpPr>
+                        <p:cNvPr id="19" name="Rectangle 18"/>
+                        <p:cNvSpPr/>
+                        <p:nvPr/>
+                      </p:nvSpPr>
+                      <p:spPr>
+                        <a:xfrm>
+                          <a:off x="3830955" y="1156335"/>
+                          <a:ext cx="1828800" cy="161290"/>
+                        </a:xfrm>
+                        <a:prstGeom prst="rect">
+                          <a:avLst/>
+                        </a:prstGeom>
+                        <a:solidFill>
+                          <a:schemeClr val="accent4">
+                            <a:lumMod val="75000"/>
+                          </a:schemeClr>
+                        </a:solidFill>
+                        <a:ln>
+                          <a:noFill/>
+                        </a:ln>
+                      </p:spPr>
+                      <p:style>
+                        <a:lnRef idx="2">
+                          <a:schemeClr val="accent1">
+                            <a:shade val="50000"/>
+                          </a:schemeClr>
+                        </a:lnRef>
+                        <a:fillRef idx="1">
+                          <a:schemeClr val="accent1"/>
+                        </a:fillRef>
+                        <a:effectRef idx="0">
+                          <a:schemeClr val="accent1"/>
+                        </a:effectRef>
+                        <a:fontRef idx="minor">
+                          <a:schemeClr val="lt1"/>
+                        </a:fontRef>
+                      </p:style>
+                      <p:txBody>
+                        <a:bodyPr rtlCol="0" anchor="ctr"/>
+                        <a:lstStyle/>
+                        <a:p>
+                          <a:pPr algn="ctr"/>
+                          <a:endParaRPr lang="en-US"/>
+                        </a:p>
+                      </p:txBody>
+                    </p:sp>
+                    <p:sp>
+                      <p:nvSpPr>
+                        <p:cNvPr id="20" name="Rectangle 19"/>
+                        <p:cNvSpPr/>
+                        <p:nvPr/>
+                      </p:nvSpPr>
+                      <p:spPr>
+                        <a:xfrm>
+                          <a:off x="3830955" y="2489835"/>
+                          <a:ext cx="1828800" cy="160020"/>
+                        </a:xfrm>
+                        <a:prstGeom prst="rect">
+                          <a:avLst/>
+                        </a:prstGeom>
+                        <a:solidFill>
+                          <a:srgbClr val="FF0000"/>
+                        </a:solidFill>
+                        <a:ln>
+                          <a:noFill/>
+                        </a:ln>
+                      </p:spPr>
+                      <p:style>
+                        <a:lnRef idx="2">
+                          <a:schemeClr val="accent1">
+                            <a:shade val="50000"/>
+                          </a:schemeClr>
+                        </a:lnRef>
+                        <a:fillRef idx="1">
+                          <a:schemeClr val="accent1"/>
+                        </a:fillRef>
+                        <a:effectRef idx="0">
+                          <a:schemeClr val="accent1"/>
+                        </a:effectRef>
+                        <a:fontRef idx="minor">
+                          <a:schemeClr val="lt1"/>
+                        </a:fontRef>
+                      </p:style>
+                      <p:txBody>
+                        <a:bodyPr rtlCol="0" anchor="ctr"/>
+                        <a:lstStyle/>
+                        <a:p>
+                          <a:pPr algn="ctr"/>
+                          <a:endParaRPr lang="en-US"/>
+                        </a:p>
+                      </p:txBody>
+                    </p:sp>
+                    <p:sp>
+                      <p:nvSpPr>
+                        <p:cNvPr id="21" name="Rectangle 20"/>
+                        <p:cNvSpPr/>
+                        <p:nvPr/>
+                      </p:nvSpPr>
+                      <p:spPr>
+                        <a:xfrm>
+                          <a:off x="3830955" y="2806066"/>
+                          <a:ext cx="1828800" cy="137160"/>
+                        </a:xfrm>
+                        <a:prstGeom prst="rect">
+                          <a:avLst/>
+                        </a:prstGeom>
+                        <a:solidFill>
+                          <a:srgbClr val="FF0000"/>
+                        </a:solidFill>
+                        <a:ln>
+                          <a:noFill/>
+                        </a:ln>
+                      </p:spPr>
+                      <p:style>
+                        <a:lnRef idx="2">
+                          <a:schemeClr val="accent1">
+                            <a:shade val="50000"/>
+                          </a:schemeClr>
+                        </a:lnRef>
+                        <a:fillRef idx="1">
+                          <a:schemeClr val="accent1"/>
+                        </a:fillRef>
+                        <a:effectRef idx="0">
+                          <a:schemeClr val="accent1"/>
+                        </a:effectRef>
+                        <a:fontRef idx="minor">
+                          <a:schemeClr val="lt1"/>
+                        </a:fontRef>
+                      </p:style>
+                      <p:txBody>
+                        <a:bodyPr rtlCol="0" anchor="ctr"/>
+                        <a:lstStyle/>
+                        <a:p>
+                          <a:pPr algn="ctr"/>
+                          <a:endParaRPr lang="en-US"/>
+                        </a:p>
+                      </p:txBody>
+                    </p:sp>
+                    <p:sp>
+                      <p:nvSpPr>
+                        <p:cNvPr id="24" name="Rectangle 23"/>
+                        <p:cNvSpPr/>
+                        <p:nvPr/>
+                      </p:nvSpPr>
+                      <p:spPr>
+                        <a:xfrm>
+                          <a:off x="3830955" y="2649855"/>
+                          <a:ext cx="1828800" cy="156211"/>
+                        </a:xfrm>
+                        <a:prstGeom prst="rect">
+                          <a:avLst/>
+                        </a:prstGeom>
+                        <a:solidFill>
+                          <a:srgbClr val="FF7979"/>
+                        </a:solidFill>
+                        <a:ln>
+                          <a:noFill/>
+                        </a:ln>
+                      </p:spPr>
+                      <p:style>
+                        <a:lnRef idx="2">
+                          <a:schemeClr val="accent1">
+                            <a:shade val="50000"/>
+                          </a:schemeClr>
+                        </a:lnRef>
+                        <a:fillRef idx="1">
+                          <a:schemeClr val="accent1"/>
+                        </a:fillRef>
+                        <a:effectRef idx="0">
+                          <a:schemeClr val="accent1"/>
+                        </a:effectRef>
+                        <a:fontRef idx="minor">
+                          <a:schemeClr val="lt1"/>
+                        </a:fontRef>
+                      </p:style>
+                      <p:txBody>
+                        <a:bodyPr rtlCol="0" anchor="ctr"/>
+                        <a:lstStyle/>
+                        <a:p>
+                          <a:pPr algn="ctr"/>
+                          <a:endParaRPr lang="en-US"/>
+                        </a:p>
+                      </p:txBody>
+                    </p:sp>
+                    <p:sp>
+                      <p:nvSpPr>
+                        <p:cNvPr id="25" name="Rectangle 24"/>
+                        <p:cNvSpPr/>
+                        <p:nvPr/>
+                      </p:nvSpPr>
+                      <p:spPr>
+                        <a:xfrm>
+                          <a:off x="3830955" y="1263016"/>
+                          <a:ext cx="1828800" cy="1226820"/>
+                        </a:xfrm>
+                        <a:prstGeom prst="rect">
+                          <a:avLst/>
+                        </a:prstGeom>
+                        <a:solidFill>
+                          <a:srgbClr val="FFB200"/>
+                        </a:solidFill>
+                        <a:ln>
+                          <a:noFill/>
+                        </a:ln>
+                      </p:spPr>
+                      <p:style>
+                        <a:lnRef idx="2">
+                          <a:schemeClr val="accent1">
+                            <a:shade val="50000"/>
+                          </a:schemeClr>
+                        </a:lnRef>
+                        <a:fillRef idx="1">
+                          <a:schemeClr val="accent1"/>
+                        </a:fillRef>
+                        <a:effectRef idx="0">
+                          <a:schemeClr val="accent1"/>
+                        </a:effectRef>
+                        <a:fontRef idx="minor">
+                          <a:schemeClr val="lt1"/>
+                        </a:fontRef>
+                      </p:style>
+                      <p:txBody>
+                        <a:bodyPr rtlCol="0" anchor="ctr"/>
+                        <a:lstStyle/>
+                        <a:p>
+                          <a:pPr algn="ctr"/>
+                          <a:endParaRPr lang="en-US"/>
+                        </a:p>
+                      </p:txBody>
+                    </p:sp>
+                  </p:grpSp>
+                  <p:sp>
+                    <p:nvSpPr>
+                      <p:cNvPr id="27" name="Rectangle 26"/>
+                      <p:cNvSpPr/>
+                      <p:nvPr/>
+                    </p:nvSpPr>
+                    <p:spPr>
+                      <a:xfrm>
+                        <a:off x="4752975" y="962025"/>
+                        <a:ext cx="643255" cy="260985"/>
+                      </a:xfrm>
+                      <a:prstGeom prst="rect">
+                        <a:avLst/>
+                      </a:prstGeom>
+                      <a:solidFill>
+                        <a:srgbClr val="FFFF00"/>
+                      </a:solidFill>
+                      <a:ln>
+                        <a:noFill/>
+                      </a:ln>
+                    </p:spPr>
+                    <p:style>
+                      <a:lnRef idx="2">
+                        <a:schemeClr val="accent1">
+                          <a:shade val="50000"/>
+                        </a:schemeClr>
+                      </a:lnRef>
+                      <a:fillRef idx="1">
+                        <a:schemeClr val="accent1"/>
+                      </a:fillRef>
+                      <a:effectRef idx="0">
+                        <a:schemeClr val="accent1"/>
+                      </a:effectRef>
+                      <a:fontRef idx="minor">
+                        <a:schemeClr val="lt1"/>
+                      </a:fontRef>
+                    </p:style>
+                    <p:txBody>
+                      <a:bodyPr rtlCol="0" anchor="ctr"/>
+                      <a:lstStyle/>
+                      <a:p>
+                        <a:pPr algn="ctr"/>
+                        <a:endParaRPr lang="en-US"/>
+                      </a:p>
+                    </p:txBody>
+                  </p:sp>
+                  <p:sp>
+                    <p:nvSpPr>
+                      <p:cNvPr id="28" name="Rectangle 27"/>
+                      <p:cNvSpPr/>
+                      <p:nvPr/>
+                    </p:nvSpPr>
+                    <p:spPr>
+                      <a:xfrm>
+                        <a:off x="3146425" y="2823343"/>
+                        <a:ext cx="643255" cy="189108"/>
+                      </a:xfrm>
+                      <a:prstGeom prst="rect">
+                        <a:avLst/>
+                      </a:prstGeom>
+                      <a:solidFill>
+                        <a:srgbClr val="FFFF00"/>
+                      </a:solidFill>
+                      <a:ln>
+                        <a:noFill/>
+                      </a:ln>
+                    </p:spPr>
+                    <p:style>
+                      <a:lnRef idx="2">
+                        <a:schemeClr val="accent1">
+                          <a:shade val="50000"/>
+                        </a:schemeClr>
+                      </a:lnRef>
+                      <a:fillRef idx="1">
+                        <a:schemeClr val="accent1"/>
+                      </a:fillRef>
+                      <a:effectRef idx="0">
+                        <a:schemeClr val="accent1"/>
+                      </a:effectRef>
+                      <a:fontRef idx="minor">
+                        <a:schemeClr val="lt1"/>
+                      </a:fontRef>
+                    </p:style>
+                    <p:txBody>
+                      <a:bodyPr rtlCol="0" anchor="ctr"/>
+                      <a:lstStyle/>
+                      <a:p>
+                        <a:pPr algn="ctr"/>
+                        <a:endParaRPr lang="en-US"/>
+                      </a:p>
+                    </p:txBody>
+                  </p:sp>
+                  <p:sp>
+                    <p:nvSpPr>
+                      <p:cNvPr id="29" name="Rectangle 28"/>
+                      <p:cNvSpPr/>
+                      <p:nvPr/>
+                    </p:nvSpPr>
+                    <p:spPr>
+                      <a:xfrm>
+                        <a:off x="6359525" y="2823343"/>
+                        <a:ext cx="643255" cy="189108"/>
+                      </a:xfrm>
+                      <a:prstGeom prst="rect">
+                        <a:avLst/>
+                      </a:prstGeom>
+                      <a:solidFill>
+                        <a:srgbClr val="FFFF00"/>
+                      </a:solidFill>
+                      <a:ln>
+                        <a:noFill/>
+                      </a:ln>
+                    </p:spPr>
+                    <p:style>
+                      <a:lnRef idx="2">
+                        <a:schemeClr val="accent1">
+                          <a:shade val="50000"/>
+                        </a:schemeClr>
+                      </a:lnRef>
+                      <a:fillRef idx="1">
+                        <a:schemeClr val="accent1"/>
+                      </a:fillRef>
+                      <a:effectRef idx="0">
+                        <a:schemeClr val="accent1"/>
+                      </a:effectRef>
+                      <a:fontRef idx="minor">
+                        <a:schemeClr val="lt1"/>
+                      </a:fontRef>
+                    </p:style>
+                    <p:txBody>
+                      <a:bodyPr rtlCol="0" anchor="ctr"/>
+                      <a:lstStyle/>
+                      <a:p>
+                        <a:pPr algn="ctr"/>
+                        <a:endParaRPr lang="en-US"/>
+                      </a:p>
+                    </p:txBody>
+                  </p:sp>
+                  <p:sp>
+                    <p:nvSpPr>
+                      <p:cNvPr id="32" name="Rectangle 31"/>
+                      <p:cNvSpPr/>
+                      <p:nvPr/>
+                    </p:nvSpPr>
+                    <p:spPr>
+                      <a:xfrm>
+                        <a:off x="3146425" y="4498342"/>
+                        <a:ext cx="3856355" cy="1064346"/>
+                      </a:xfrm>
+                      <a:custGeom>
+                        <a:avLst/>
+                        <a:gdLst>
+                          <a:gd name="connsiteX0" fmla="*/ 0 w 3856355"/>
+                          <a:gd name="connsiteY0" fmla="*/ 0 h 936623"/>
+                          <a:gd name="connsiteX1" fmla="*/ 3856355 w 3856355"/>
+                          <a:gd name="connsiteY1" fmla="*/ 0 h 936623"/>
+                          <a:gd name="connsiteX2" fmla="*/ 3856355 w 3856355"/>
+                          <a:gd name="connsiteY2" fmla="*/ 936623 h 936623"/>
+                          <a:gd name="connsiteX3" fmla="*/ 0 w 3856355"/>
+                          <a:gd name="connsiteY3" fmla="*/ 936623 h 936623"/>
+                          <a:gd name="connsiteX4" fmla="*/ 0 w 3856355"/>
+                          <a:gd name="connsiteY4" fmla="*/ 0 h 936623"/>
+                          <a:gd name="connsiteX0" fmla="*/ 0 w 3856355"/>
+                          <a:gd name="connsiteY0" fmla="*/ 0 h 936623"/>
+                          <a:gd name="connsiteX1" fmla="*/ 3856355 w 3856355"/>
+                          <a:gd name="connsiteY1" fmla="*/ 0 h 936623"/>
+                          <a:gd name="connsiteX2" fmla="*/ 3856355 w 3856355"/>
+                          <a:gd name="connsiteY2" fmla="*/ 936623 h 936623"/>
+                          <a:gd name="connsiteX3" fmla="*/ 830944 w 3856355"/>
+                          <a:gd name="connsiteY3" fmla="*/ 776059 h 936623"/>
+                          <a:gd name="connsiteX4" fmla="*/ 0 w 3856355"/>
+                          <a:gd name="connsiteY4" fmla="*/ 936623 h 936623"/>
+                          <a:gd name="connsiteX5" fmla="*/ 0 w 3856355"/>
+                          <a:gd name="connsiteY5" fmla="*/ 0 h 936623"/>
+                          <a:gd name="connsiteX0" fmla="*/ 0 w 3856355"/>
+                          <a:gd name="connsiteY0" fmla="*/ 0 h 1064346"/>
+                          <a:gd name="connsiteX1" fmla="*/ 3856355 w 3856355"/>
+                          <a:gd name="connsiteY1" fmla="*/ 0 h 1064346"/>
+                          <a:gd name="connsiteX2" fmla="*/ 3856355 w 3856355"/>
+                          <a:gd name="connsiteY2" fmla="*/ 936623 h 1064346"/>
+                          <a:gd name="connsiteX3" fmla="*/ 2942772 w 3856355"/>
+                          <a:gd name="connsiteY3" fmla="*/ 1048202 h 1064346"/>
+                          <a:gd name="connsiteX4" fmla="*/ 830944 w 3856355"/>
+                          <a:gd name="connsiteY4" fmla="*/ 776059 h 1064346"/>
+                          <a:gd name="connsiteX5" fmla="*/ 0 w 3856355"/>
+                          <a:gd name="connsiteY5" fmla="*/ 936623 h 1064346"/>
+                          <a:gd name="connsiteX6" fmla="*/ 0 w 3856355"/>
+                          <a:gd name="connsiteY6" fmla="*/ 0 h 1064346"/>
+                        </a:gdLst>
+                        <a:ahLst/>
+                        <a:cxnLst>
+                          <a:cxn ang="0">
+                            <a:pos x="connsiteX0" y="connsiteY0"/>
+                          </a:cxn>
+                          <a:cxn ang="0">
+                            <a:pos x="connsiteX1" y="connsiteY1"/>
+                          </a:cxn>
+                          <a:cxn ang="0">
+                            <a:pos x="connsiteX2" y="connsiteY2"/>
+                          </a:cxn>
+                          <a:cxn ang="0">
+                            <a:pos x="connsiteX3" y="connsiteY3"/>
+                          </a:cxn>
+                          <a:cxn ang="0">
+                            <a:pos x="connsiteX4" y="connsiteY4"/>
+                          </a:cxn>
+                          <a:cxn ang="0">
+                            <a:pos x="connsiteX5" y="connsiteY5"/>
+                          </a:cxn>
+                          <a:cxn ang="0">
+                            <a:pos x="connsiteX6" y="connsiteY6"/>
+                          </a:cxn>
+                        </a:cxnLst>
+                        <a:rect l="l" t="t" r="r" b="b"/>
+                        <a:pathLst>
+                          <a:path w="3856355" h="1064346">
+                            <a:moveTo>
+                              <a:pt x="0" y="0"/>
+                            </a:moveTo>
+                            <a:lnTo>
+                              <a:pt x="3856355" y="0"/>
+                            </a:lnTo>
+                            <a:lnTo>
+                              <a:pt x="3856355" y="936623"/>
+                            </a:lnTo>
+                            <a:cubicBezTo>
+                              <a:pt x="3707720" y="1085923"/>
+                              <a:pt x="3447007" y="1074963"/>
+                              <a:pt x="2942772" y="1048202"/>
+                            </a:cubicBezTo>
+                            <a:cubicBezTo>
+                              <a:pt x="2438537" y="1021441"/>
+                              <a:pt x="1325035" y="769256"/>
+                              <a:pt x="830944" y="776059"/>
+                            </a:cubicBezTo>
+                            <a:lnTo>
+                              <a:pt x="0" y="936623"/>
+                            </a:lnTo>
+                            <a:lnTo>
+                              <a:pt x="0" y="0"/>
+                            </a:lnTo>
+                            <a:close/>
+                          </a:path>
+                        </a:pathLst>
+                      </a:custGeom>
+                      <a:solidFill>
+                        <a:schemeClr val="bg2">
+                          <a:lumMod val="25000"/>
+                        </a:schemeClr>
+                      </a:solidFill>
+                      <a:ln>
+                        <a:noFill/>
+                      </a:ln>
+                    </p:spPr>
+                    <p:style>
+                      <a:lnRef idx="2">
+                        <a:schemeClr val="accent1">
+                          <a:shade val="50000"/>
+                        </a:schemeClr>
+                      </a:lnRef>
+                      <a:fillRef idx="1">
+                        <a:schemeClr val="accent1"/>
+                      </a:fillRef>
+                      <a:effectRef idx="0">
+                        <a:schemeClr val="accent1"/>
+                      </a:effectRef>
+                      <a:fontRef idx="minor">
+                        <a:schemeClr val="lt1"/>
+                      </a:fontRef>
+                    </p:style>
+                    <p:txBody>
+                      <a:bodyPr rtlCol="0" anchor="ctr"/>
+                      <a:lstStyle/>
+                      <a:p>
+                        <a:pPr algn="ctr"/>
+                        <a:r>
+                          <a:rPr lang="en-US" altLang="zh-CN" dirty="0" smtClean="0"/>
+                          <a:t>Substrate</a:t>
+                        </a:r>
+                        <a:endParaRPr lang="en-US" dirty="0"/>
+                      </a:p>
+                    </p:txBody>
+                  </p:sp>
+                  <p:sp>
+                    <p:nvSpPr>
+                      <p:cNvPr id="33" name="Rectangle 32"/>
+                      <p:cNvSpPr/>
+                      <p:nvPr/>
+                    </p:nvSpPr>
+                    <p:spPr>
+                      <a:xfrm>
+                        <a:off x="4894157" y="3242940"/>
+                        <a:ext cx="360890" cy="216544"/>
+                      </a:xfrm>
+                      <a:prstGeom prst="rect">
+                        <a:avLst/>
+                      </a:prstGeom>
+                      <a:solidFill>
+                        <a:schemeClr val="bg2">
+                          <a:lumMod val="25000"/>
                         </a:schemeClr>
                       </a:solidFill>
                       <a:ln>
@@ -7746,20 +8325,20 @@
                   </p:sp>
                   <p:sp>
                     <p:nvSpPr>
-                      <p:cNvPr id="20" name="Rectangle 19"/>
+                      <p:cNvPr id="31" name="Rectangle 30"/>
                       <p:cNvSpPr/>
                       <p:nvPr/>
                     </p:nvSpPr>
                     <p:spPr>
                       <a:xfrm>
-                        <a:off x="3830955" y="2489835"/>
-                        <a:ext cx="1828800" cy="160020"/>
+                        <a:off x="3146425" y="3450028"/>
+                        <a:ext cx="3856355" cy="1053394"/>
                       </a:xfrm>
                       <a:prstGeom prst="rect">
                         <a:avLst/>
                       </a:prstGeom>
                       <a:solidFill>
-                        <a:srgbClr val="FF0000"/>
+                        <a:srgbClr val="00B0F0"/>
                       </a:solidFill>
                       <a:ln>
                         <a:noFill/>
@@ -7786,553 +8365,687 @@
                       <a:lstStyle/>
                       <a:p>
                         <a:pPr algn="ctr"/>
-                        <a:endParaRPr lang="en-US"/>
+                        <a:r>
+                          <a:rPr lang="en-US" altLang="zh-CN" dirty="0" smtClean="0"/>
+                          <a:t>SiO</a:t>
+                        </a:r>
+                        <a:r>
+                          <a:rPr lang="en-US" altLang="zh-CN" baseline="-25000" dirty="0" smtClean="0"/>
+                          <a:t>2</a:t>
+                        </a:r>
+                        <a:endParaRPr lang="en-US" baseline="-25000" dirty="0"/>
                       </a:p>
                     </p:txBody>
                   </p:sp>
-                  <p:sp>
-                    <p:nvSpPr>
-                      <p:cNvPr id="21" name="Rectangle 20"/>
-                      <p:cNvSpPr/>
+                  <p:cxnSp>
+                    <p:nvCxnSpPr>
+                      <p:cNvPr id="36" name="Straight Arrow Connector 35"/>
+                      <p:cNvCxnSpPr/>
                       <p:nvPr/>
-                    </p:nvSpPr>
+                    </p:nvCxnSpPr>
                     <p:spPr>
                       <a:xfrm>
-                        <a:off x="3830955" y="2806066"/>
-                        <a:ext cx="1828800" cy="137160"/>
+                        <a:off x="5425896" y="1063937"/>
+                        <a:ext cx="366890" cy="0"/>
                       </a:xfrm>
-                      <a:prstGeom prst="rect">
+                      <a:prstGeom prst="straightConnector1">
                         <a:avLst/>
                       </a:prstGeom>
-                      <a:solidFill>
-                        <a:srgbClr val="FF0000"/>
-                      </a:solidFill>
                       <a:ln>
-                        <a:noFill/>
+                        <a:solidFill>
+                          <a:schemeClr val="tx1"/>
+                        </a:solidFill>
+                        <a:tailEnd type="triangle"/>
                       </a:ln>
                     </p:spPr>
                     <p:style>
-                      <a:lnRef idx="2">
-                        <a:schemeClr val="accent1">
-                          <a:shade val="50000"/>
-                        </a:schemeClr>
+                      <a:lnRef idx="1">
+                        <a:schemeClr val="accent1"/>
                       </a:lnRef>
-                      <a:fillRef idx="1">
+                      <a:fillRef idx="0">
                         <a:schemeClr val="accent1"/>
                       </a:fillRef>
                       <a:effectRef idx="0">
                         <a:schemeClr val="accent1"/>
                       </a:effectRef>
                       <a:fontRef idx="minor">
-                        <a:schemeClr val="lt1"/>
+                        <a:schemeClr val="tx1"/>
                       </a:fontRef>
                     </p:style>
-                    <p:txBody>
-                      <a:bodyPr rtlCol="0" anchor="ctr"/>
-                      <a:lstStyle/>
-                      <a:p>
-                        <a:pPr algn="ctr"/>
-                        <a:endParaRPr lang="en-US"/>
-                      </a:p>
-                    </p:txBody>
-                  </p:sp>
+                  </p:cxnSp>
                   <p:sp>
                     <p:nvSpPr>
-                      <p:cNvPr id="24" name="Rectangle 23"/>
-                      <p:cNvSpPr/>
+                      <p:cNvPr id="37" name="TextBox 36"/>
+                      <p:cNvSpPr txBox="1"/>
                       <p:nvPr/>
                     </p:nvSpPr>
                     <p:spPr>
                       <a:xfrm>
-                        <a:off x="3830955" y="2649855"/>
-                        <a:ext cx="1828800" cy="156211"/>
+                        <a:off x="5792786" y="933132"/>
+                        <a:ext cx="1106489" cy="276999"/>
                       </a:xfrm>
                       <a:prstGeom prst="rect">
                         <a:avLst/>
                       </a:prstGeom>
-                      <a:solidFill>
-                        <a:srgbClr val="FF7979"/>
-                      </a:solidFill>
+                      <a:noFill/>
+                    </p:spPr>
+                    <p:txBody>
+                      <a:bodyPr wrap="square" rtlCol="0">
+                        <a:spAutoFit/>
+                      </a:bodyPr>
+                      <a:lstStyle/>
+                      <a:p>
+                        <a:r>
+                          <a:rPr lang="en-US" altLang="zh-CN" sz="1200" dirty="0" smtClean="0"/>
+                          <a:t>Source Metal</a:t>
+                        </a:r>
+                        <a:endParaRPr lang="en-US" sz="1200" dirty="0"/>
+                      </a:p>
+                    </p:txBody>
+                  </p:sp>
+                  <p:cxnSp>
+                    <p:nvCxnSpPr>
+                      <p:cNvPr id="38" name="Straight Arrow Connector 37"/>
+                      <p:cNvCxnSpPr/>
+                      <p:nvPr/>
+                    </p:nvCxnSpPr>
+                    <p:spPr>
+                      <a:xfrm>
+                        <a:off x="5242451" y="3315776"/>
+                        <a:ext cx="366890" cy="0"/>
+                      </a:xfrm>
+                      <a:prstGeom prst="straightConnector1">
+                        <a:avLst/>
+                      </a:prstGeom>
                       <a:ln>
-                        <a:noFill/>
+                        <a:solidFill>
+                          <a:schemeClr val="tx1"/>
+                        </a:solidFill>
+                        <a:tailEnd type="triangle"/>
                       </a:ln>
                     </p:spPr>
                     <p:style>
-                      <a:lnRef idx="2">
-                        <a:schemeClr val="accent1">
-                          <a:shade val="50000"/>
-                        </a:schemeClr>
+                      <a:lnRef idx="1">
+                        <a:schemeClr val="accent1"/>
                       </a:lnRef>
-                      <a:fillRef idx="1">
+                      <a:fillRef idx="0">
                         <a:schemeClr val="accent1"/>
                       </a:fillRef>
                       <a:effectRef idx="0">
                         <a:schemeClr val="accent1"/>
                       </a:effectRef>
                       <a:fontRef idx="minor">
-                        <a:schemeClr val="lt1"/>
+                        <a:schemeClr val="tx1"/>
                       </a:fontRef>
                     </p:style>
-                    <p:txBody>
-                      <a:bodyPr rtlCol="0" anchor="ctr"/>
-                      <a:lstStyle/>
-                      <a:p>
-                        <a:pPr algn="ctr"/>
-                        <a:endParaRPr lang="en-US"/>
-                      </a:p>
-                    </p:txBody>
-                  </p:sp>
+                  </p:cxnSp>
                   <p:sp>
                     <p:nvSpPr>
-                      <p:cNvPr id="25" name="Rectangle 24"/>
-                      <p:cNvSpPr/>
+                      <p:cNvPr id="39" name="TextBox 38"/>
+                      <p:cNvSpPr txBox="1"/>
                       <p:nvPr/>
                     </p:nvSpPr>
                     <p:spPr>
                       <a:xfrm>
-                        <a:off x="3830955" y="1263016"/>
-                        <a:ext cx="1828800" cy="1226820"/>
+                        <a:off x="5609341" y="3184971"/>
+                        <a:ext cx="673100" cy="276999"/>
                       </a:xfrm>
                       <a:prstGeom prst="rect">
                         <a:avLst/>
                       </a:prstGeom>
-                      <a:solidFill>
-                        <a:srgbClr val="FFB200"/>
-                      </a:solidFill>
+                      <a:noFill/>
+                    </p:spPr>
+                    <p:txBody>
+                      <a:bodyPr wrap="square" rtlCol="0">
+                        <a:spAutoFit/>
+                      </a:bodyPr>
+                      <a:lstStyle/>
+                      <a:p>
+                        <a:r>
+                          <a:rPr lang="en-US" altLang="zh-CN" sz="1200" dirty="0" smtClean="0"/>
+                          <a:t>Si</a:t>
+                        </a:r>
+                        <a:endParaRPr lang="en-US" sz="1200" dirty="0"/>
+                      </a:p>
+                    </p:txBody>
+                  </p:sp>
+                  <p:cxnSp>
+                    <p:nvCxnSpPr>
+                      <p:cNvPr id="41" name="Straight Arrow Connector 40"/>
+                      <p:cNvCxnSpPr/>
+                      <p:nvPr/>
+                    </p:nvCxnSpPr>
+                    <p:spPr>
+                      <a:xfrm>
+                        <a:off x="4752975" y="2219325"/>
+                        <a:ext cx="643255" cy="0"/>
+                      </a:xfrm>
+                      <a:prstGeom prst="straightConnector1">
+                        <a:avLst/>
+                      </a:prstGeom>
                       <a:ln>
-                        <a:noFill/>
+                        <a:headEnd type="triangle"/>
+                        <a:tailEnd type="triangle"/>
                       </a:ln>
                     </p:spPr>
                     <p:style>
-                      <a:lnRef idx="2">
-                        <a:schemeClr val="accent1">
-                          <a:shade val="50000"/>
-                        </a:schemeClr>
+                      <a:lnRef idx="1">
+                        <a:schemeClr val="accent1"/>
                       </a:lnRef>
-                      <a:fillRef idx="1">
+                      <a:fillRef idx="0">
                         <a:schemeClr val="accent1"/>
                       </a:fillRef>
                       <a:effectRef idx="0">
                         <a:schemeClr val="accent1"/>
                       </a:effectRef>
                       <a:fontRef idx="minor">
-                        <a:schemeClr val="lt1"/>
+                        <a:schemeClr val="tx1"/>
                       </a:fontRef>
                     </p:style>
+                  </p:cxnSp>
+                  <p:sp>
+                    <p:nvSpPr>
+                      <p:cNvPr id="42" name="TextBox 41"/>
+                      <p:cNvSpPr txBox="1"/>
+                      <p:nvPr/>
+                    </p:nvSpPr>
+                    <p:spPr>
+                      <a:xfrm>
+                        <a:off x="4796283" y="1786454"/>
+                        <a:ext cx="663907" cy="400110"/>
+                      </a:xfrm>
+                      <a:prstGeom prst="rect">
+                        <a:avLst/>
+                      </a:prstGeom>
+                      <a:noFill/>
+                    </p:spPr>
                     <p:txBody>
-                      <a:bodyPr rtlCol="0" anchor="ctr"/>
+                      <a:bodyPr wrap="square" rtlCol="0">
+                        <a:spAutoFit/>
+                      </a:bodyPr>
+                      <a:lstStyle/>
+                      <a:p>
+                        <a:r>
+                          <a:rPr lang="en-US" sz="2000" dirty="0" err="1" smtClean="0"/>
+                          <a:t>w</a:t>
+                        </a:r>
+                        <a:r>
+                          <a:rPr lang="en-US" sz="2000" baseline="-25000" dirty="0" err="1" smtClean="0"/>
+                          <a:t>wg</a:t>
+                        </a:r>
+                        <a:endParaRPr lang="en-US" sz="2000" baseline="-25000" dirty="0"/>
+                      </a:p>
+                    </p:txBody>
+                  </p:sp>
+                  <p:sp>
+                    <p:nvSpPr>
+                      <p:cNvPr id="46" name="TextBox 45"/>
+                      <p:cNvSpPr txBox="1"/>
+                      <p:nvPr/>
+                    </p:nvSpPr>
+                    <p:spPr>
+                      <a:xfrm>
+                        <a:off x="4747471" y="939919"/>
+                        <a:ext cx="494980" cy="297517"/>
+                      </a:xfrm>
+                      <a:prstGeom prst="rect">
+                        <a:avLst/>
+                      </a:prstGeom>
+                      <a:noFill/>
+                    </p:spPr>
+                    <p:txBody>
+                      <a:bodyPr wrap="square" rtlCol="0">
+                        <a:spAutoFit/>
+                      </a:bodyPr>
+                      <a:lstStyle/>
+                      <a:p>
+                        <a:r>
+                          <a:rPr lang="en-US" sz="2000" baseline="-25000" dirty="0" smtClean="0"/>
+                          <a:t>1</a:t>
+                        </a:r>
+                        <a:r>
+                          <a:rPr lang="el-GR" sz="2000" baseline="-25000" dirty="0" smtClean="0"/>
+                          <a:t>μ</a:t>
+                        </a:r>
+                        <a:r>
+                          <a:rPr lang="en-US" sz="2000" baseline="-25000" dirty="0" smtClean="0"/>
+                          <a:t>m</a:t>
+                        </a:r>
+                        <a:endParaRPr lang="en-US" sz="2000" baseline="-25000" dirty="0"/>
+                      </a:p>
+                    </p:txBody>
+                  </p:sp>
+                  <p:sp>
+                    <p:nvSpPr>
+                      <p:cNvPr id="47" name="TextBox 46"/>
+                      <p:cNvSpPr txBox="1"/>
+                      <p:nvPr/>
+                    </p:nvSpPr>
+                    <p:spPr>
+                      <a:xfrm>
+                        <a:off x="3395560" y="2711478"/>
+                        <a:ext cx="879844" cy="297517"/>
+                      </a:xfrm>
+                      <a:prstGeom prst="rect">
+                        <a:avLst/>
+                      </a:prstGeom>
+                      <a:noFill/>
+                    </p:spPr>
+                    <p:txBody>
+                      <a:bodyPr wrap="square" rtlCol="0">
+                        <a:spAutoFit/>
+                      </a:bodyPr>
+                      <a:lstStyle/>
+                      <a:p>
+                        <a:r>
+                          <a:rPr lang="en-US" sz="2000" baseline="-25000" dirty="0" smtClean="0"/>
+                          <a:t>0</a:t>
+                        </a:r>
+                        <a:r>
+                          <a:rPr lang="en-US" altLang="zh-CN" sz="2000" baseline="-25000" dirty="0" smtClean="0"/>
+                          <a:t>.1 </a:t>
+                        </a:r>
+                        <a:r>
+                          <a:rPr lang="el-GR" altLang="zh-CN" sz="2000" baseline="-25000" dirty="0" smtClean="0"/>
+                          <a:t>μ</a:t>
+                        </a:r>
+                        <a:r>
+                          <a:rPr lang="en-US" altLang="zh-CN" sz="2000" baseline="-25000" dirty="0" smtClean="0"/>
+                          <a:t>m</a:t>
+                        </a:r>
+                        <a:endParaRPr lang="en-US" sz="2000" baseline="-25000" dirty="0"/>
+                      </a:p>
+                    </p:txBody>
+                  </p:sp>
+                  <p:sp>
+                    <p:nvSpPr>
+                      <p:cNvPr id="55" name="TextBox 54"/>
+                      <p:cNvSpPr txBox="1"/>
+                      <p:nvPr/>
+                    </p:nvSpPr>
+                    <p:spPr>
+                      <a:xfrm>
+                        <a:off x="3972926" y="2434604"/>
+                        <a:ext cx="719528" cy="297517"/>
+                      </a:xfrm>
+                      <a:prstGeom prst="rect">
+                        <a:avLst/>
+                      </a:prstGeom>
+                      <a:noFill/>
+                    </p:spPr>
+                    <p:txBody>
+                      <a:bodyPr wrap="square" rtlCol="0">
+                        <a:spAutoFit/>
+                      </a:bodyPr>
+                      <a:lstStyle/>
+                      <a:p>
+                        <a:r>
+                          <a:rPr lang="en-US" sz="2000" baseline="-25000" dirty="0" smtClean="0"/>
+                          <a:t>3 </a:t>
+                        </a:r>
+                        <a:r>
+                          <a:rPr lang="el-GR" sz="2000" baseline="-25000" dirty="0" smtClean="0"/>
+                          <a:t>μ</a:t>
+                        </a:r>
+                        <a:r>
+                          <a:rPr lang="en-US" sz="2000" baseline="-25000" dirty="0" smtClean="0"/>
+                          <a:t>m</a:t>
+                        </a:r>
+                        <a:endParaRPr lang="en-US" sz="2000" baseline="-25000" dirty="0"/>
+                      </a:p>
+                    </p:txBody>
+                  </p:sp>
+                  <p:cxnSp>
+                    <p:nvCxnSpPr>
+                      <p:cNvPr id="45" name="Straight Arrow Connector 44"/>
+                      <p:cNvCxnSpPr/>
+                      <p:nvPr/>
+                    </p:nvCxnSpPr>
+                    <p:spPr>
+                      <a:xfrm>
+                        <a:off x="4752975" y="962025"/>
+                        <a:ext cx="0" cy="248106"/>
+                      </a:xfrm>
+                      <a:prstGeom prst="straightConnector1">
+                        <a:avLst/>
+                      </a:prstGeom>
+                      <a:ln>
+                        <a:headEnd type="triangle"/>
+                        <a:tailEnd type="triangle"/>
+                      </a:ln>
+                    </p:spPr>
+                    <p:style>
+                      <a:lnRef idx="1">
+                        <a:schemeClr val="accent1"/>
+                      </a:lnRef>
+                      <a:fillRef idx="0">
+                        <a:schemeClr val="accent1"/>
+                      </a:fillRef>
+                      <a:effectRef idx="0">
+                        <a:schemeClr val="accent1"/>
+                      </a:effectRef>
+                      <a:fontRef idx="minor">
+                        <a:schemeClr val="tx1"/>
+                      </a:fontRef>
+                    </p:style>
+                  </p:cxnSp>
+                  <p:cxnSp>
+                    <p:nvCxnSpPr>
+                      <p:cNvPr id="48" name="Straight Arrow Connector 47"/>
+                      <p:cNvCxnSpPr/>
+                      <p:nvPr/>
+                    </p:nvCxnSpPr>
+                    <p:spPr>
+                      <a:xfrm>
+                        <a:off x="3404235" y="2826587"/>
+                        <a:ext cx="0" cy="183314"/>
+                      </a:xfrm>
+                      <a:prstGeom prst="straightConnector1">
+                        <a:avLst/>
+                      </a:prstGeom>
+                      <a:ln>
+                        <a:headEnd type="triangle"/>
+                        <a:tailEnd type="triangle"/>
+                      </a:ln>
+                    </p:spPr>
+                    <p:style>
+                      <a:lnRef idx="1">
+                        <a:schemeClr val="accent1"/>
+                      </a:lnRef>
+                      <a:fillRef idx="0">
+                        <a:schemeClr val="accent1"/>
+                      </a:fillRef>
+                      <a:effectRef idx="0">
+                        <a:schemeClr val="accent1"/>
+                      </a:effectRef>
+                      <a:fontRef idx="minor">
+                        <a:schemeClr val="tx1"/>
+                      </a:fontRef>
+                    </p:style>
+                  </p:cxnSp>
+                  <p:cxnSp>
+                    <p:nvCxnSpPr>
+                      <p:cNvPr id="53" name="Straight Arrow Connector 52"/>
+                      <p:cNvCxnSpPr/>
+                      <p:nvPr/>
+                    </p:nvCxnSpPr>
+                    <p:spPr>
+                      <a:xfrm>
+                        <a:off x="3789680" y="2776577"/>
+                        <a:ext cx="957791" cy="0"/>
+                      </a:xfrm>
+                      <a:prstGeom prst="straightConnector1">
+                        <a:avLst/>
+                      </a:prstGeom>
+                      <a:ln>
+                        <a:headEnd type="triangle"/>
+                        <a:tailEnd type="triangle"/>
+                      </a:ln>
+                    </p:spPr>
+                    <p:style>
+                      <a:lnRef idx="1">
+                        <a:schemeClr val="accent1"/>
+                      </a:lnRef>
+                      <a:fillRef idx="0">
+                        <a:schemeClr val="accent1"/>
+                      </a:fillRef>
+                      <a:effectRef idx="0">
+                        <a:schemeClr val="accent1"/>
+                      </a:effectRef>
+                      <a:fontRef idx="minor">
+                        <a:schemeClr val="tx1"/>
+                      </a:fontRef>
+                    </p:style>
+                  </p:cxnSp>
+                  <p:cxnSp>
+                    <p:nvCxnSpPr>
+                      <p:cNvPr id="58" name="Straight Arrow Connector 57"/>
+                      <p:cNvCxnSpPr/>
+                      <p:nvPr/>
+                    </p:nvCxnSpPr>
+                    <p:spPr>
+                      <a:xfrm>
+                        <a:off x="4894157" y="3511550"/>
+                        <a:ext cx="348294" cy="0"/>
+                      </a:xfrm>
+                      <a:prstGeom prst="straightConnector1">
+                        <a:avLst/>
+                      </a:prstGeom>
+                      <a:ln>
+                        <a:solidFill>
+                          <a:schemeClr val="tx1"/>
+                        </a:solidFill>
+                        <a:headEnd type="triangle"/>
+                        <a:tailEnd type="triangle"/>
+                      </a:ln>
+                    </p:spPr>
+                    <p:style>
+                      <a:lnRef idx="1">
+                        <a:schemeClr val="accent1"/>
+                      </a:lnRef>
+                      <a:fillRef idx="0">
+                        <a:schemeClr val="accent1"/>
+                      </a:fillRef>
+                      <a:effectRef idx="0">
+                        <a:schemeClr val="accent1"/>
+                      </a:effectRef>
+                      <a:fontRef idx="minor">
+                        <a:schemeClr val="tx1"/>
+                      </a:fontRef>
+                    </p:style>
+                  </p:cxnSp>
+                  <p:sp>
+                    <p:nvSpPr>
+                      <p:cNvPr id="59" name="TextBox 58"/>
+                      <p:cNvSpPr txBox="1"/>
+                      <p:nvPr/>
+                    </p:nvSpPr>
+                    <p:spPr>
+                      <a:xfrm>
+                        <a:off x="4756854" y="3517885"/>
+                        <a:ext cx="639376" cy="276999"/>
+                      </a:xfrm>
+                      <a:prstGeom prst="rect">
+                        <a:avLst/>
+                      </a:prstGeom>
+                      <a:noFill/>
+                    </p:spPr>
+                    <p:txBody>
+                      <a:bodyPr wrap="square" rtlCol="0">
+                        <a:spAutoFit/>
+                      </a:bodyPr>
+                      <a:lstStyle/>
+                      <a:p>
+                        <a:r>
+                          <a:rPr lang="en-US" sz="1200" dirty="0" smtClean="0"/>
+                          <a:t>0</a:t>
+                        </a:r>
+                        <a:r>
+                          <a:rPr lang="en-US" altLang="zh-CN" sz="1200" dirty="0" smtClean="0"/>
+                          <a:t>.6</a:t>
+                        </a:r>
+                        <a:r>
+                          <a:rPr lang="en-US" sz="1200" dirty="0" smtClean="0"/>
+                          <a:t> </a:t>
+                        </a:r>
+                        <a:r>
+                          <a:rPr lang="el-GR" sz="1200" dirty="0" smtClean="0"/>
+                          <a:t>μ</a:t>
+                        </a:r>
+                        <a:r>
+                          <a:rPr lang="en-US" sz="1200" dirty="0" smtClean="0"/>
+                          <a:t>m</a:t>
+                        </a:r>
+                        <a:endParaRPr lang="en-US" sz="1200" dirty="0"/>
+                      </a:p>
+                    </p:txBody>
+                  </p:sp>
+                  <p:sp>
+                    <p:nvSpPr>
+                      <p:cNvPr id="62" name="TextBox 61"/>
+                      <p:cNvSpPr txBox="1"/>
+                      <p:nvPr/>
+                    </p:nvSpPr>
+                    <p:spPr>
+                      <a:xfrm>
+                        <a:off x="4185962" y="3222214"/>
+                        <a:ext cx="737615" cy="276999"/>
+                      </a:xfrm>
+                      <a:prstGeom prst="rect">
+                        <a:avLst/>
+                      </a:prstGeom>
+                      <a:noFill/>
+                    </p:spPr>
+                    <p:txBody>
+                      <a:bodyPr wrap="square" rtlCol="0">
+                        <a:spAutoFit/>
+                      </a:bodyPr>
+                      <a:lstStyle/>
+                      <a:p>
+                        <a:r>
+                          <a:rPr lang="en-US" sz="1200" dirty="0" smtClean="0"/>
+                          <a:t>0</a:t>
+                        </a:r>
+                        <a:r>
+                          <a:rPr lang="en-US" altLang="zh-CN" sz="1200" dirty="0" smtClean="0"/>
+                          <a:t>.22</a:t>
+                        </a:r>
+                        <a:r>
+                          <a:rPr lang="en-US" sz="1200" dirty="0" smtClean="0"/>
+                          <a:t> </a:t>
+                        </a:r>
+                        <a:r>
+                          <a:rPr lang="el-GR" sz="1200" dirty="0" smtClean="0"/>
+                          <a:t>μ</a:t>
+                        </a:r>
+                        <a:r>
+                          <a:rPr lang="en-US" sz="1200" dirty="0" smtClean="0"/>
+                          <a:t>m</a:t>
+                        </a:r>
+                        <a:endParaRPr lang="en-US" sz="1200" dirty="0"/>
+                      </a:p>
+                    </p:txBody>
+                  </p:sp>
+                  <p:cxnSp>
+                    <p:nvCxnSpPr>
+                      <p:cNvPr id="64" name="Straight Arrow Connector 63"/>
+                      <p:cNvCxnSpPr/>
+                      <p:nvPr/>
+                    </p:nvCxnSpPr>
+                    <p:spPr>
+                      <a:xfrm>
+                        <a:off x="4820814" y="3242940"/>
+                        <a:ext cx="0" cy="206357"/>
+                      </a:xfrm>
+                      <a:prstGeom prst="straightConnector1">
+                        <a:avLst/>
+                      </a:prstGeom>
+                      <a:ln>
+                        <a:solidFill>
+                          <a:schemeClr val="tx1"/>
+                        </a:solidFill>
+                        <a:headEnd type="triangle"/>
+                        <a:tailEnd type="triangle"/>
+                      </a:ln>
+                    </p:spPr>
+                    <p:style>
+                      <a:lnRef idx="1">
+                        <a:schemeClr val="accent1"/>
+                      </a:lnRef>
+                      <a:fillRef idx="0">
+                        <a:schemeClr val="accent1"/>
+                      </a:fillRef>
+                      <a:effectRef idx="0">
+                        <a:schemeClr val="accent1"/>
+                      </a:effectRef>
+                      <a:fontRef idx="minor">
+                        <a:schemeClr val="tx1"/>
+                      </a:fontRef>
+                    </p:style>
+                  </p:cxnSp>
+                  <p:sp>
+                    <p:nvSpPr>
+                      <p:cNvPr id="68" name="TextBox 67"/>
+                      <p:cNvSpPr txBox="1"/>
+                      <p:nvPr/>
+                    </p:nvSpPr>
+                    <p:spPr>
+                      <a:xfrm>
+                        <a:off x="4857307" y="2573584"/>
+                        <a:ext cx="721840" cy="400110"/>
+                      </a:xfrm>
+                      <a:prstGeom prst="rect">
+                        <a:avLst/>
+                      </a:prstGeom>
+                      <a:noFill/>
+                    </p:spPr>
+                    <p:txBody>
+                      <a:bodyPr wrap="square" rtlCol="0">
+                        <a:spAutoFit/>
+                      </a:bodyPr>
+                      <a:lstStyle/>
+                      <a:p>
+                        <a:r>
+                          <a:rPr lang="en-US" sz="2000" dirty="0" err="1" smtClean="0"/>
+                          <a:t>h</a:t>
+                        </a:r>
+                        <a:r>
+                          <a:rPr lang="en-US" sz="2000" baseline="-25000" dirty="0" err="1" smtClean="0"/>
+                          <a:t>mqw</a:t>
+                        </a:r>
+                        <a:endParaRPr lang="en-US" sz="2000" baseline="-25000" dirty="0"/>
+                      </a:p>
+                    </p:txBody>
+                  </p:sp>
+                  <p:sp>
+                    <p:nvSpPr>
+                      <p:cNvPr id="70" name="TextBox 69"/>
+                      <p:cNvSpPr txBox="1"/>
+                      <p:nvPr/>
+                    </p:nvSpPr>
+                    <p:spPr>
+                      <a:xfrm>
+                        <a:off x="5896291" y="2151681"/>
+                        <a:ext cx="1106489" cy="276999"/>
+                      </a:xfrm>
+                      <a:prstGeom prst="rect">
+                        <a:avLst/>
+                      </a:prstGeom>
+                      <a:noFill/>
+                    </p:spPr>
+                    <p:txBody>
+                      <a:bodyPr wrap="square" rtlCol="0">
+                        <a:spAutoFit/>
+                      </a:bodyPr>
                       <a:lstStyle/>
                       <a:p>
                         <a:pPr algn="ctr"/>
-                        <a:endParaRPr lang="en-US"/>
+                        <a:r>
+                          <a:rPr lang="en-US" altLang="zh-CN" sz="1200" dirty="0" smtClean="0"/>
+                          <a:t>Ground Metal</a:t>
+                        </a:r>
+                        <a:endParaRPr lang="en-US" sz="1200" dirty="0"/>
                       </a:p>
                     </p:txBody>
                   </p:sp>
                 </p:grpSp>
-                <p:sp>
-                  <p:nvSpPr>
-                    <p:cNvPr id="27" name="Rectangle 26"/>
-                    <p:cNvSpPr/>
-                    <p:nvPr/>
-                  </p:nvSpPr>
-                  <p:spPr>
-                    <a:xfrm>
-                      <a:off x="4752975" y="962025"/>
-                      <a:ext cx="643255" cy="260985"/>
-                    </a:xfrm>
-                    <a:prstGeom prst="rect">
-                      <a:avLst/>
-                    </a:prstGeom>
-                    <a:solidFill>
-                      <a:srgbClr val="FFFF00"/>
-                    </a:solidFill>
-                    <a:ln>
-                      <a:noFill/>
-                    </a:ln>
-                  </p:spPr>
-                  <p:style>
-                    <a:lnRef idx="2">
-                      <a:schemeClr val="accent1">
-                        <a:shade val="50000"/>
-                      </a:schemeClr>
-                    </a:lnRef>
-                    <a:fillRef idx="1">
-                      <a:schemeClr val="accent1"/>
-                    </a:fillRef>
-                    <a:effectRef idx="0">
-                      <a:schemeClr val="accent1"/>
-                    </a:effectRef>
-                    <a:fontRef idx="minor">
-                      <a:schemeClr val="lt1"/>
-                    </a:fontRef>
-                  </p:style>
-                  <p:txBody>
-                    <a:bodyPr rtlCol="0" anchor="ctr"/>
-                    <a:lstStyle/>
-                    <a:p>
-                      <a:pPr algn="ctr"/>
-                      <a:endParaRPr lang="en-US"/>
-                    </a:p>
-                  </p:txBody>
-                </p:sp>
-                <p:sp>
-                  <p:nvSpPr>
-                    <p:cNvPr id="28" name="Rectangle 27"/>
-                    <p:cNvSpPr/>
-                    <p:nvPr/>
-                  </p:nvSpPr>
-                  <p:spPr>
-                    <a:xfrm>
-                      <a:off x="3146425" y="2823343"/>
-                      <a:ext cx="643255" cy="189108"/>
-                    </a:xfrm>
-                    <a:prstGeom prst="rect">
-                      <a:avLst/>
-                    </a:prstGeom>
-                    <a:solidFill>
-                      <a:srgbClr val="FFFF00"/>
-                    </a:solidFill>
-                    <a:ln>
-                      <a:noFill/>
-                    </a:ln>
-                  </p:spPr>
-                  <p:style>
-                    <a:lnRef idx="2">
-                      <a:schemeClr val="accent1">
-                        <a:shade val="50000"/>
-                      </a:schemeClr>
-                    </a:lnRef>
-                    <a:fillRef idx="1">
-                      <a:schemeClr val="accent1"/>
-                    </a:fillRef>
-                    <a:effectRef idx="0">
-                      <a:schemeClr val="accent1"/>
-                    </a:effectRef>
-                    <a:fontRef idx="minor">
-                      <a:schemeClr val="lt1"/>
-                    </a:fontRef>
-                  </p:style>
-                  <p:txBody>
-                    <a:bodyPr rtlCol="0" anchor="ctr"/>
-                    <a:lstStyle/>
-                    <a:p>
-                      <a:pPr algn="ctr"/>
-                      <a:endParaRPr lang="en-US"/>
-                    </a:p>
-                  </p:txBody>
-                </p:sp>
-                <p:sp>
-                  <p:nvSpPr>
-                    <p:cNvPr id="29" name="Rectangle 28"/>
-                    <p:cNvSpPr/>
-                    <p:nvPr/>
-                  </p:nvSpPr>
-                  <p:spPr>
-                    <a:xfrm>
-                      <a:off x="6359525" y="2823343"/>
-                      <a:ext cx="643255" cy="189108"/>
-                    </a:xfrm>
-                    <a:prstGeom prst="rect">
-                      <a:avLst/>
-                    </a:prstGeom>
-                    <a:solidFill>
-                      <a:srgbClr val="FFFF00"/>
-                    </a:solidFill>
-                    <a:ln>
-                      <a:noFill/>
-                    </a:ln>
-                  </p:spPr>
-                  <p:style>
-                    <a:lnRef idx="2">
-                      <a:schemeClr val="accent1">
-                        <a:shade val="50000"/>
-                      </a:schemeClr>
-                    </a:lnRef>
-                    <a:fillRef idx="1">
-                      <a:schemeClr val="accent1"/>
-                    </a:fillRef>
-                    <a:effectRef idx="0">
-                      <a:schemeClr val="accent1"/>
-                    </a:effectRef>
-                    <a:fontRef idx="minor">
-                      <a:schemeClr val="lt1"/>
-                    </a:fontRef>
-                  </p:style>
-                  <p:txBody>
-                    <a:bodyPr rtlCol="0" anchor="ctr"/>
-                    <a:lstStyle/>
-                    <a:p>
-                      <a:pPr algn="ctr"/>
-                      <a:endParaRPr lang="en-US"/>
-                    </a:p>
-                  </p:txBody>
-                </p:sp>
-                <p:sp>
-                  <p:nvSpPr>
-                    <p:cNvPr id="32" name="Rectangle 31"/>
-                    <p:cNvSpPr/>
-                    <p:nvPr/>
-                  </p:nvSpPr>
-                  <p:spPr>
-                    <a:xfrm>
-                      <a:off x="3146425" y="4498342"/>
-                      <a:ext cx="3856355" cy="1064346"/>
-                    </a:xfrm>
-                    <a:custGeom>
-                      <a:avLst/>
-                      <a:gdLst>
-                        <a:gd name="connsiteX0" fmla="*/ 0 w 3856355"/>
-                        <a:gd name="connsiteY0" fmla="*/ 0 h 936623"/>
-                        <a:gd name="connsiteX1" fmla="*/ 3856355 w 3856355"/>
-                        <a:gd name="connsiteY1" fmla="*/ 0 h 936623"/>
-                        <a:gd name="connsiteX2" fmla="*/ 3856355 w 3856355"/>
-                        <a:gd name="connsiteY2" fmla="*/ 936623 h 936623"/>
-                        <a:gd name="connsiteX3" fmla="*/ 0 w 3856355"/>
-                        <a:gd name="connsiteY3" fmla="*/ 936623 h 936623"/>
-                        <a:gd name="connsiteX4" fmla="*/ 0 w 3856355"/>
-                        <a:gd name="connsiteY4" fmla="*/ 0 h 936623"/>
-                        <a:gd name="connsiteX0" fmla="*/ 0 w 3856355"/>
-                        <a:gd name="connsiteY0" fmla="*/ 0 h 936623"/>
-                        <a:gd name="connsiteX1" fmla="*/ 3856355 w 3856355"/>
-                        <a:gd name="connsiteY1" fmla="*/ 0 h 936623"/>
-                        <a:gd name="connsiteX2" fmla="*/ 3856355 w 3856355"/>
-                        <a:gd name="connsiteY2" fmla="*/ 936623 h 936623"/>
-                        <a:gd name="connsiteX3" fmla="*/ 830944 w 3856355"/>
-                        <a:gd name="connsiteY3" fmla="*/ 776059 h 936623"/>
-                        <a:gd name="connsiteX4" fmla="*/ 0 w 3856355"/>
-                        <a:gd name="connsiteY4" fmla="*/ 936623 h 936623"/>
-                        <a:gd name="connsiteX5" fmla="*/ 0 w 3856355"/>
-                        <a:gd name="connsiteY5" fmla="*/ 0 h 936623"/>
-                        <a:gd name="connsiteX0" fmla="*/ 0 w 3856355"/>
-                        <a:gd name="connsiteY0" fmla="*/ 0 h 1064346"/>
-                        <a:gd name="connsiteX1" fmla="*/ 3856355 w 3856355"/>
-                        <a:gd name="connsiteY1" fmla="*/ 0 h 1064346"/>
-                        <a:gd name="connsiteX2" fmla="*/ 3856355 w 3856355"/>
-                        <a:gd name="connsiteY2" fmla="*/ 936623 h 1064346"/>
-                        <a:gd name="connsiteX3" fmla="*/ 2942772 w 3856355"/>
-                        <a:gd name="connsiteY3" fmla="*/ 1048202 h 1064346"/>
-                        <a:gd name="connsiteX4" fmla="*/ 830944 w 3856355"/>
-                        <a:gd name="connsiteY4" fmla="*/ 776059 h 1064346"/>
-                        <a:gd name="connsiteX5" fmla="*/ 0 w 3856355"/>
-                        <a:gd name="connsiteY5" fmla="*/ 936623 h 1064346"/>
-                        <a:gd name="connsiteX6" fmla="*/ 0 w 3856355"/>
-                        <a:gd name="connsiteY6" fmla="*/ 0 h 1064346"/>
-                      </a:gdLst>
-                      <a:ahLst/>
-                      <a:cxnLst>
-                        <a:cxn ang="0">
-                          <a:pos x="connsiteX0" y="connsiteY0"/>
-                        </a:cxn>
-                        <a:cxn ang="0">
-                          <a:pos x="connsiteX1" y="connsiteY1"/>
-                        </a:cxn>
-                        <a:cxn ang="0">
-                          <a:pos x="connsiteX2" y="connsiteY2"/>
-                        </a:cxn>
-                        <a:cxn ang="0">
-                          <a:pos x="connsiteX3" y="connsiteY3"/>
-                        </a:cxn>
-                        <a:cxn ang="0">
-                          <a:pos x="connsiteX4" y="connsiteY4"/>
-                        </a:cxn>
-                        <a:cxn ang="0">
-                          <a:pos x="connsiteX5" y="connsiteY5"/>
-                        </a:cxn>
-                        <a:cxn ang="0">
-                          <a:pos x="connsiteX6" y="connsiteY6"/>
-                        </a:cxn>
-                      </a:cxnLst>
-                      <a:rect l="l" t="t" r="r" b="b"/>
-                      <a:pathLst>
-                        <a:path w="3856355" h="1064346">
-                          <a:moveTo>
-                            <a:pt x="0" y="0"/>
-                          </a:moveTo>
-                          <a:lnTo>
-                            <a:pt x="3856355" y="0"/>
-                          </a:lnTo>
-                          <a:lnTo>
-                            <a:pt x="3856355" y="936623"/>
-                          </a:lnTo>
-                          <a:cubicBezTo>
-                            <a:pt x="3707720" y="1085923"/>
-                            <a:pt x="3447007" y="1074963"/>
-                            <a:pt x="2942772" y="1048202"/>
-                          </a:cubicBezTo>
-                          <a:cubicBezTo>
-                            <a:pt x="2438537" y="1021441"/>
-                            <a:pt x="1325035" y="769256"/>
-                            <a:pt x="830944" y="776059"/>
-                          </a:cubicBezTo>
-                          <a:lnTo>
-                            <a:pt x="0" y="936623"/>
-                          </a:lnTo>
-                          <a:lnTo>
-                            <a:pt x="0" y="0"/>
-                          </a:lnTo>
-                          <a:close/>
-                        </a:path>
-                      </a:pathLst>
-                    </a:custGeom>
-                    <a:solidFill>
-                      <a:schemeClr val="bg2">
-                        <a:lumMod val="25000"/>
-                      </a:schemeClr>
-                    </a:solidFill>
-                    <a:ln>
-                      <a:noFill/>
-                    </a:ln>
-                  </p:spPr>
-                  <p:style>
-                    <a:lnRef idx="2">
-                      <a:schemeClr val="accent1">
-                        <a:shade val="50000"/>
-                      </a:schemeClr>
-                    </a:lnRef>
-                    <a:fillRef idx="1">
-                      <a:schemeClr val="accent1"/>
-                    </a:fillRef>
-                    <a:effectRef idx="0">
-                      <a:schemeClr val="accent1"/>
-                    </a:effectRef>
-                    <a:fontRef idx="minor">
-                      <a:schemeClr val="lt1"/>
-                    </a:fontRef>
-                  </p:style>
-                  <p:txBody>
-                    <a:bodyPr rtlCol="0" anchor="ctr"/>
-                    <a:lstStyle/>
-                    <a:p>
-                      <a:pPr algn="ctr"/>
-                      <a:r>
-                        <a:rPr lang="en-US" altLang="zh-CN" dirty="0" smtClean="0"/>
-                        <a:t>Substrate</a:t>
-                      </a:r>
-                      <a:endParaRPr lang="en-US" dirty="0"/>
-                    </a:p>
-                  </p:txBody>
-                </p:sp>
-                <p:sp>
-                  <p:nvSpPr>
-                    <p:cNvPr id="33" name="Rectangle 32"/>
-                    <p:cNvSpPr/>
-                    <p:nvPr/>
-                  </p:nvSpPr>
-                  <p:spPr>
-                    <a:xfrm>
-                      <a:off x="4894157" y="3242940"/>
-                      <a:ext cx="360890" cy="216544"/>
-                    </a:xfrm>
-                    <a:prstGeom prst="rect">
-                      <a:avLst/>
-                    </a:prstGeom>
-                    <a:solidFill>
-                      <a:schemeClr val="bg2">
-                        <a:lumMod val="25000"/>
-                      </a:schemeClr>
-                    </a:solidFill>
-                    <a:ln>
-                      <a:noFill/>
-                    </a:ln>
-                  </p:spPr>
-                  <p:style>
-                    <a:lnRef idx="2">
-                      <a:schemeClr val="accent1">
-                        <a:shade val="50000"/>
-                      </a:schemeClr>
-                    </a:lnRef>
-                    <a:fillRef idx="1">
-                      <a:schemeClr val="accent1"/>
-                    </a:fillRef>
-                    <a:effectRef idx="0">
-                      <a:schemeClr val="accent1"/>
-                    </a:effectRef>
-                    <a:fontRef idx="minor">
-                      <a:schemeClr val="lt1"/>
-                    </a:fontRef>
-                  </p:style>
-                  <p:txBody>
-                    <a:bodyPr rtlCol="0" anchor="ctr"/>
-                    <a:lstStyle/>
-                    <a:p>
-                      <a:pPr algn="ctr"/>
-                      <a:endParaRPr lang="en-US"/>
-                    </a:p>
-                  </p:txBody>
-                </p:sp>
-                <p:sp>
-                  <p:nvSpPr>
-                    <p:cNvPr id="31" name="Rectangle 30"/>
-                    <p:cNvSpPr/>
-                    <p:nvPr/>
-                  </p:nvSpPr>
-                  <p:spPr>
-                    <a:xfrm>
-                      <a:off x="3146425" y="3450028"/>
-                      <a:ext cx="3856355" cy="1053394"/>
-                    </a:xfrm>
-                    <a:prstGeom prst="rect">
-                      <a:avLst/>
-                    </a:prstGeom>
-                    <a:solidFill>
-                      <a:srgbClr val="00B0F0"/>
-                    </a:solidFill>
-                    <a:ln>
-                      <a:noFill/>
-                    </a:ln>
-                  </p:spPr>
-                  <p:style>
-                    <a:lnRef idx="2">
-                      <a:schemeClr val="accent1">
-                        <a:shade val="50000"/>
-                      </a:schemeClr>
-                    </a:lnRef>
-                    <a:fillRef idx="1">
-                      <a:schemeClr val="accent1"/>
-                    </a:fillRef>
-                    <a:effectRef idx="0">
-                      <a:schemeClr val="accent1"/>
-                    </a:effectRef>
-                    <a:fontRef idx="minor">
-                      <a:schemeClr val="lt1"/>
-                    </a:fontRef>
-                  </p:style>
-                  <p:txBody>
-                    <a:bodyPr rtlCol="0" anchor="ctr"/>
-                    <a:lstStyle/>
-                    <a:p>
-                      <a:pPr algn="ctr"/>
-                      <a:r>
-                        <a:rPr lang="en-US" altLang="zh-CN" dirty="0" smtClean="0"/>
-                        <a:t>SiO</a:t>
-                      </a:r>
-                      <a:r>
-                        <a:rPr lang="en-US" altLang="zh-CN" baseline="-25000" dirty="0" smtClean="0"/>
-                        <a:t>2</a:t>
-                      </a:r>
-                      <a:endParaRPr lang="en-US" baseline="-25000" dirty="0"/>
-                    </a:p>
-                  </p:txBody>
-                </p:sp>
                 <p:cxnSp>
                   <p:nvCxnSpPr>
-                    <p:cNvPr id="36" name="Straight Arrow Connector 35"/>
+                    <p:cNvPr id="67" name="Straight Arrow Connector 66"/>
                     <p:cNvCxnSpPr/>
                     <p:nvPr/>
                   </p:nvCxnSpPr>
                   <p:spPr>
                     <a:xfrm>
-                      <a:off x="5425896" y="1063937"/>
-                      <a:ext cx="366890" cy="0"/>
+                      <a:off x="4503632" y="2430780"/>
+                      <a:ext cx="0" cy="156211"/>
                     </a:xfrm>
                     <a:prstGeom prst="straightConnector1">
                       <a:avLst/>
                     </a:prstGeom>
                     <a:ln>
-                      <a:solidFill>
-                        <a:schemeClr val="tx1"/>
-                      </a:solidFill>
-                      <a:tailEnd type="triangle"/>
+                      <a:headEnd type="triangle" w="sm" len="sm"/>
+                      <a:tailEnd type="triangle" w="sm" len="sm"/>
                     </a:ln>
                   </p:spPr>
                   <p:style>
@@ -8350,639 +9063,28 @@
                     </a:fontRef>
                   </p:style>
                 </p:cxnSp>
-                <p:sp>
-                  <p:nvSpPr>
-                    <p:cNvPr id="37" name="TextBox 36"/>
-                    <p:cNvSpPr txBox="1"/>
-                    <p:nvPr/>
-                  </p:nvSpPr>
-                  <p:spPr>
-                    <a:xfrm>
-                      <a:off x="5792786" y="933132"/>
-                      <a:ext cx="1106489" cy="276999"/>
-                    </a:xfrm>
-                    <a:prstGeom prst="rect">
-                      <a:avLst/>
-                    </a:prstGeom>
-                    <a:noFill/>
-                  </p:spPr>
-                  <p:txBody>
-                    <a:bodyPr wrap="square" rtlCol="0">
-                      <a:spAutoFit/>
-                    </a:bodyPr>
-                    <a:lstStyle/>
-                    <a:p>
-                      <a:r>
-                        <a:rPr lang="en-US" altLang="zh-CN" sz="1200" dirty="0" smtClean="0"/>
-                        <a:t>Source Metal</a:t>
-                      </a:r>
-                      <a:endParaRPr lang="en-US" sz="1200" dirty="0"/>
-                    </a:p>
-                  </p:txBody>
-                </p:sp>
-                <p:cxnSp>
-                  <p:nvCxnSpPr>
-                    <p:cNvPr id="38" name="Straight Arrow Connector 37"/>
-                    <p:cNvCxnSpPr/>
-                    <p:nvPr/>
-                  </p:nvCxnSpPr>
-                  <p:spPr>
-                    <a:xfrm>
-                      <a:off x="5242451" y="3315776"/>
-                      <a:ext cx="366890" cy="0"/>
-                    </a:xfrm>
-                    <a:prstGeom prst="straightConnector1">
-                      <a:avLst/>
-                    </a:prstGeom>
-                    <a:ln>
-                      <a:solidFill>
-                        <a:schemeClr val="tx1"/>
-                      </a:solidFill>
-                      <a:tailEnd type="triangle"/>
-                    </a:ln>
-                  </p:spPr>
-                  <p:style>
-                    <a:lnRef idx="1">
-                      <a:schemeClr val="accent1"/>
-                    </a:lnRef>
-                    <a:fillRef idx="0">
-                      <a:schemeClr val="accent1"/>
-                    </a:fillRef>
-                    <a:effectRef idx="0">
-                      <a:schemeClr val="accent1"/>
-                    </a:effectRef>
-                    <a:fontRef idx="minor">
-                      <a:schemeClr val="tx1"/>
-                    </a:fontRef>
-                  </p:style>
-                </p:cxnSp>
-                <p:sp>
-                  <p:nvSpPr>
-                    <p:cNvPr id="39" name="TextBox 38"/>
-                    <p:cNvSpPr txBox="1"/>
-                    <p:nvPr/>
-                  </p:nvSpPr>
-                  <p:spPr>
-                    <a:xfrm>
-                      <a:off x="5609341" y="3184971"/>
-                      <a:ext cx="673100" cy="276999"/>
-                    </a:xfrm>
-                    <a:prstGeom prst="rect">
-                      <a:avLst/>
-                    </a:prstGeom>
-                    <a:noFill/>
-                  </p:spPr>
-                  <p:txBody>
-                    <a:bodyPr wrap="square" rtlCol="0">
-                      <a:spAutoFit/>
-                    </a:bodyPr>
-                    <a:lstStyle/>
-                    <a:p>
-                      <a:r>
-                        <a:rPr lang="en-US" altLang="zh-CN" sz="1200" dirty="0" smtClean="0"/>
-                        <a:t>Si</a:t>
-                      </a:r>
-                      <a:endParaRPr lang="en-US" sz="1200" dirty="0"/>
-                    </a:p>
-                  </p:txBody>
-                </p:sp>
-                <p:cxnSp>
-                  <p:nvCxnSpPr>
-                    <p:cNvPr id="41" name="Straight Arrow Connector 40"/>
-                    <p:cNvCxnSpPr/>
-                    <p:nvPr/>
-                  </p:nvCxnSpPr>
-                  <p:spPr>
-                    <a:xfrm>
-                      <a:off x="4752975" y="2219325"/>
-                      <a:ext cx="643255" cy="0"/>
-                    </a:xfrm>
-                    <a:prstGeom prst="straightConnector1">
-                      <a:avLst/>
-                    </a:prstGeom>
-                    <a:ln>
-                      <a:headEnd type="triangle"/>
-                      <a:tailEnd type="triangle"/>
-                    </a:ln>
-                  </p:spPr>
-                  <p:style>
-                    <a:lnRef idx="1">
-                      <a:schemeClr val="accent1"/>
-                    </a:lnRef>
-                    <a:fillRef idx="0">
-                      <a:schemeClr val="accent1"/>
-                    </a:fillRef>
-                    <a:effectRef idx="0">
-                      <a:schemeClr val="accent1"/>
-                    </a:effectRef>
-                    <a:fontRef idx="minor">
-                      <a:schemeClr val="tx1"/>
-                    </a:fontRef>
-                  </p:style>
-                </p:cxnSp>
-                <p:sp>
-                  <p:nvSpPr>
-                    <p:cNvPr id="42" name="TextBox 41"/>
-                    <p:cNvSpPr txBox="1"/>
-                    <p:nvPr/>
-                  </p:nvSpPr>
-                  <p:spPr>
-                    <a:xfrm>
-                      <a:off x="4796283" y="1786454"/>
-                      <a:ext cx="663907" cy="400110"/>
-                    </a:xfrm>
-                    <a:prstGeom prst="rect">
-                      <a:avLst/>
-                    </a:prstGeom>
-                    <a:noFill/>
-                  </p:spPr>
-                  <p:txBody>
-                    <a:bodyPr wrap="square" rtlCol="0">
-                      <a:spAutoFit/>
-                    </a:bodyPr>
-                    <a:lstStyle/>
-                    <a:p>
-                      <a:r>
-                        <a:rPr lang="en-US" sz="2000" dirty="0" err="1" smtClean="0"/>
-                        <a:t>w</a:t>
-                      </a:r>
-                      <a:r>
-                        <a:rPr lang="en-US" sz="2000" baseline="-25000" dirty="0" err="1" smtClean="0"/>
-                        <a:t>wg</a:t>
-                      </a:r>
-                      <a:endParaRPr lang="en-US" sz="2000" baseline="-25000" dirty="0"/>
-                    </a:p>
-                  </p:txBody>
-                </p:sp>
-                <p:sp>
-                  <p:nvSpPr>
-                    <p:cNvPr id="46" name="TextBox 45"/>
-                    <p:cNvSpPr txBox="1"/>
-                    <p:nvPr/>
-                  </p:nvSpPr>
-                  <p:spPr>
-                    <a:xfrm>
-                      <a:off x="4747471" y="939919"/>
-                      <a:ext cx="494980" cy="297517"/>
-                    </a:xfrm>
-                    <a:prstGeom prst="rect">
-                      <a:avLst/>
-                    </a:prstGeom>
-                    <a:noFill/>
-                  </p:spPr>
-                  <p:txBody>
-                    <a:bodyPr wrap="square" rtlCol="0">
-                      <a:spAutoFit/>
-                    </a:bodyPr>
-                    <a:lstStyle/>
-                    <a:p>
-                      <a:r>
-                        <a:rPr lang="en-US" sz="2000" baseline="-25000" dirty="0" smtClean="0"/>
-                        <a:t>1</a:t>
-                      </a:r>
-                      <a:r>
-                        <a:rPr lang="el-GR" sz="2000" baseline="-25000" dirty="0" smtClean="0"/>
-                        <a:t>μ</a:t>
-                      </a:r>
-                      <a:r>
-                        <a:rPr lang="en-US" sz="2000" baseline="-25000" dirty="0" smtClean="0"/>
-                        <a:t>m</a:t>
-                      </a:r>
-                      <a:endParaRPr lang="en-US" sz="2000" baseline="-25000" dirty="0"/>
-                    </a:p>
-                  </p:txBody>
-                </p:sp>
-                <p:sp>
-                  <p:nvSpPr>
-                    <p:cNvPr id="47" name="TextBox 46"/>
-                    <p:cNvSpPr txBox="1"/>
-                    <p:nvPr/>
-                  </p:nvSpPr>
-                  <p:spPr>
-                    <a:xfrm>
-                      <a:off x="3395560" y="2711478"/>
-                      <a:ext cx="879844" cy="297517"/>
-                    </a:xfrm>
-                    <a:prstGeom prst="rect">
-                      <a:avLst/>
-                    </a:prstGeom>
-                    <a:noFill/>
-                  </p:spPr>
-                  <p:txBody>
-                    <a:bodyPr wrap="square" rtlCol="0">
-                      <a:spAutoFit/>
-                    </a:bodyPr>
-                    <a:lstStyle/>
-                    <a:p>
-                      <a:r>
-                        <a:rPr lang="en-US" sz="2000" baseline="-25000" dirty="0" smtClean="0"/>
-                        <a:t>0</a:t>
-                      </a:r>
-                      <a:r>
-                        <a:rPr lang="en-US" altLang="zh-CN" sz="2000" baseline="-25000" dirty="0" smtClean="0"/>
-                        <a:t>.1 </a:t>
-                      </a:r>
-                      <a:r>
-                        <a:rPr lang="el-GR" altLang="zh-CN" sz="2000" baseline="-25000" dirty="0" smtClean="0"/>
-                        <a:t>μ</a:t>
-                      </a:r>
-                      <a:r>
-                        <a:rPr lang="en-US" altLang="zh-CN" sz="2000" baseline="-25000" dirty="0" smtClean="0"/>
-                        <a:t>m</a:t>
-                      </a:r>
-                      <a:endParaRPr lang="en-US" sz="2000" baseline="-25000" dirty="0"/>
-                    </a:p>
-                  </p:txBody>
-                </p:sp>
-                <p:sp>
-                  <p:nvSpPr>
-                    <p:cNvPr id="55" name="TextBox 54"/>
-                    <p:cNvSpPr txBox="1"/>
-                    <p:nvPr/>
-                  </p:nvSpPr>
-                  <p:spPr>
-                    <a:xfrm>
-                      <a:off x="3972926" y="2434604"/>
-                      <a:ext cx="719528" cy="297517"/>
-                    </a:xfrm>
-                    <a:prstGeom prst="rect">
-                      <a:avLst/>
-                    </a:prstGeom>
-                    <a:noFill/>
-                  </p:spPr>
-                  <p:txBody>
-                    <a:bodyPr wrap="square" rtlCol="0">
-                      <a:spAutoFit/>
-                    </a:bodyPr>
-                    <a:lstStyle/>
-                    <a:p>
-                      <a:r>
-                        <a:rPr lang="en-US" sz="2000" baseline="-25000" dirty="0" smtClean="0"/>
-                        <a:t>3 </a:t>
-                      </a:r>
-                      <a:r>
-                        <a:rPr lang="el-GR" sz="2000" baseline="-25000" dirty="0" smtClean="0"/>
-                        <a:t>μ</a:t>
-                      </a:r>
-                      <a:r>
-                        <a:rPr lang="en-US" sz="2000" baseline="-25000" dirty="0" smtClean="0"/>
-                        <a:t>m</a:t>
-                      </a:r>
-                      <a:endParaRPr lang="en-US" sz="2000" baseline="-25000" dirty="0"/>
-                    </a:p>
-                  </p:txBody>
-                </p:sp>
-                <p:cxnSp>
-                  <p:nvCxnSpPr>
-                    <p:cNvPr id="45" name="Straight Arrow Connector 44"/>
-                    <p:cNvCxnSpPr/>
-                    <p:nvPr/>
-                  </p:nvCxnSpPr>
-                  <p:spPr>
-                    <a:xfrm>
-                      <a:off x="4752975" y="962025"/>
-                      <a:ext cx="0" cy="248106"/>
-                    </a:xfrm>
-                    <a:prstGeom prst="straightConnector1">
-                      <a:avLst/>
-                    </a:prstGeom>
-                    <a:ln>
-                      <a:headEnd type="triangle"/>
-                      <a:tailEnd type="triangle"/>
-                    </a:ln>
-                  </p:spPr>
-                  <p:style>
-                    <a:lnRef idx="1">
-                      <a:schemeClr val="accent1"/>
-                    </a:lnRef>
-                    <a:fillRef idx="0">
-                      <a:schemeClr val="accent1"/>
-                    </a:fillRef>
-                    <a:effectRef idx="0">
-                      <a:schemeClr val="accent1"/>
-                    </a:effectRef>
-                    <a:fontRef idx="minor">
-                      <a:schemeClr val="tx1"/>
-                    </a:fontRef>
-                  </p:style>
-                </p:cxnSp>
-                <p:cxnSp>
-                  <p:nvCxnSpPr>
-                    <p:cNvPr id="48" name="Straight Arrow Connector 47"/>
-                    <p:cNvCxnSpPr/>
-                    <p:nvPr/>
-                  </p:nvCxnSpPr>
-                  <p:spPr>
-                    <a:xfrm>
-                      <a:off x="3404235" y="2826587"/>
-                      <a:ext cx="0" cy="183314"/>
-                    </a:xfrm>
-                    <a:prstGeom prst="straightConnector1">
-                      <a:avLst/>
-                    </a:prstGeom>
-                    <a:ln>
-                      <a:headEnd type="triangle"/>
-                      <a:tailEnd type="triangle"/>
-                    </a:ln>
-                  </p:spPr>
-                  <p:style>
-                    <a:lnRef idx="1">
-                      <a:schemeClr val="accent1"/>
-                    </a:lnRef>
-                    <a:fillRef idx="0">
-                      <a:schemeClr val="accent1"/>
-                    </a:fillRef>
-                    <a:effectRef idx="0">
-                      <a:schemeClr val="accent1"/>
-                    </a:effectRef>
-                    <a:fontRef idx="minor">
-                      <a:schemeClr val="tx1"/>
-                    </a:fontRef>
-                  </p:style>
-                </p:cxnSp>
-                <p:cxnSp>
-                  <p:nvCxnSpPr>
-                    <p:cNvPr id="53" name="Straight Arrow Connector 52"/>
-                    <p:cNvCxnSpPr/>
-                    <p:nvPr/>
-                  </p:nvCxnSpPr>
-                  <p:spPr>
-                    <a:xfrm>
-                      <a:off x="3789680" y="2776577"/>
-                      <a:ext cx="957791" cy="0"/>
-                    </a:xfrm>
-                    <a:prstGeom prst="straightConnector1">
-                      <a:avLst/>
-                    </a:prstGeom>
-                    <a:ln>
-                      <a:headEnd type="triangle"/>
-                      <a:tailEnd type="triangle"/>
-                    </a:ln>
-                  </p:spPr>
-                  <p:style>
-                    <a:lnRef idx="1">
-                      <a:schemeClr val="accent1"/>
-                    </a:lnRef>
-                    <a:fillRef idx="0">
-                      <a:schemeClr val="accent1"/>
-                    </a:fillRef>
-                    <a:effectRef idx="0">
-                      <a:schemeClr val="accent1"/>
-                    </a:effectRef>
-                    <a:fontRef idx="minor">
-                      <a:schemeClr val="tx1"/>
-                    </a:fontRef>
-                  </p:style>
-                </p:cxnSp>
-                <p:cxnSp>
-                  <p:nvCxnSpPr>
-                    <p:cNvPr id="58" name="Straight Arrow Connector 57"/>
-                    <p:cNvCxnSpPr/>
-                    <p:nvPr/>
-                  </p:nvCxnSpPr>
-                  <p:spPr>
-                    <a:xfrm>
-                      <a:off x="4894157" y="3511550"/>
-                      <a:ext cx="348294" cy="0"/>
-                    </a:xfrm>
-                    <a:prstGeom prst="straightConnector1">
-                      <a:avLst/>
-                    </a:prstGeom>
-                    <a:ln>
-                      <a:solidFill>
-                        <a:schemeClr val="tx1"/>
-                      </a:solidFill>
-                      <a:headEnd type="triangle"/>
-                      <a:tailEnd type="triangle"/>
-                    </a:ln>
-                  </p:spPr>
-                  <p:style>
-                    <a:lnRef idx="1">
-                      <a:schemeClr val="accent1"/>
-                    </a:lnRef>
-                    <a:fillRef idx="0">
-                      <a:schemeClr val="accent1"/>
-                    </a:fillRef>
-                    <a:effectRef idx="0">
-                      <a:schemeClr val="accent1"/>
-                    </a:effectRef>
-                    <a:fontRef idx="minor">
-                      <a:schemeClr val="tx1"/>
-                    </a:fontRef>
-                  </p:style>
-                </p:cxnSp>
-                <p:sp>
-                  <p:nvSpPr>
-                    <p:cNvPr id="59" name="TextBox 58"/>
-                    <p:cNvSpPr txBox="1"/>
-                    <p:nvPr/>
-                  </p:nvSpPr>
-                  <p:spPr>
-                    <a:xfrm>
-                      <a:off x="4756854" y="3517885"/>
-                      <a:ext cx="639376" cy="276999"/>
-                    </a:xfrm>
-                    <a:prstGeom prst="rect">
-                      <a:avLst/>
-                    </a:prstGeom>
-                    <a:noFill/>
-                  </p:spPr>
-                  <p:txBody>
-                    <a:bodyPr wrap="square" rtlCol="0">
-                      <a:spAutoFit/>
-                    </a:bodyPr>
-                    <a:lstStyle/>
-                    <a:p>
-                      <a:r>
-                        <a:rPr lang="en-US" sz="1200" dirty="0" smtClean="0"/>
-                        <a:t>0</a:t>
-                      </a:r>
-                      <a:r>
-                        <a:rPr lang="en-US" altLang="zh-CN" sz="1200" dirty="0" smtClean="0"/>
-                        <a:t>.6</a:t>
-                      </a:r>
-                      <a:r>
-                        <a:rPr lang="en-US" sz="1200" dirty="0" smtClean="0"/>
-                        <a:t> </a:t>
-                      </a:r>
-                      <a:r>
-                        <a:rPr lang="el-GR" sz="1200" dirty="0" smtClean="0"/>
-                        <a:t>μ</a:t>
-                      </a:r>
-                      <a:r>
-                        <a:rPr lang="en-US" sz="1200" dirty="0" smtClean="0"/>
-                        <a:t>m</a:t>
-                      </a:r>
-                      <a:endParaRPr lang="en-US" sz="1200" dirty="0"/>
-                    </a:p>
-                  </p:txBody>
-                </p:sp>
-                <p:sp>
-                  <p:nvSpPr>
-                    <p:cNvPr id="62" name="TextBox 61"/>
-                    <p:cNvSpPr txBox="1"/>
-                    <p:nvPr/>
-                  </p:nvSpPr>
-                  <p:spPr>
-                    <a:xfrm>
-                      <a:off x="4185962" y="3222214"/>
-                      <a:ext cx="737615" cy="276999"/>
-                    </a:xfrm>
-                    <a:prstGeom prst="rect">
-                      <a:avLst/>
-                    </a:prstGeom>
-                    <a:noFill/>
-                  </p:spPr>
-                  <p:txBody>
-                    <a:bodyPr wrap="square" rtlCol="0">
-                      <a:spAutoFit/>
-                    </a:bodyPr>
-                    <a:lstStyle/>
-                    <a:p>
-                      <a:r>
-                        <a:rPr lang="en-US" sz="1200" dirty="0" smtClean="0"/>
-                        <a:t>0</a:t>
-                      </a:r>
-                      <a:r>
-                        <a:rPr lang="en-US" altLang="zh-CN" sz="1200" dirty="0" smtClean="0"/>
-                        <a:t>.22</a:t>
-                      </a:r>
-                      <a:r>
-                        <a:rPr lang="en-US" sz="1200" dirty="0" smtClean="0"/>
-                        <a:t> </a:t>
-                      </a:r>
-                      <a:r>
-                        <a:rPr lang="el-GR" sz="1200" dirty="0" smtClean="0"/>
-                        <a:t>μ</a:t>
-                      </a:r>
-                      <a:r>
-                        <a:rPr lang="en-US" sz="1200" dirty="0" smtClean="0"/>
-                        <a:t>m</a:t>
-                      </a:r>
-                      <a:endParaRPr lang="en-US" sz="1200" dirty="0"/>
-                    </a:p>
-                  </p:txBody>
-                </p:sp>
-                <p:cxnSp>
-                  <p:nvCxnSpPr>
-                    <p:cNvPr id="64" name="Straight Arrow Connector 63"/>
-                    <p:cNvCxnSpPr/>
-                    <p:nvPr/>
-                  </p:nvCxnSpPr>
-                  <p:spPr>
-                    <a:xfrm>
-                      <a:off x="4820814" y="3242940"/>
-                      <a:ext cx="0" cy="206357"/>
-                    </a:xfrm>
-                    <a:prstGeom prst="straightConnector1">
-                      <a:avLst/>
-                    </a:prstGeom>
-                    <a:ln>
-                      <a:solidFill>
-                        <a:schemeClr val="tx1"/>
-                      </a:solidFill>
-                      <a:headEnd type="triangle"/>
-                      <a:tailEnd type="triangle"/>
-                    </a:ln>
-                  </p:spPr>
-                  <p:style>
-                    <a:lnRef idx="1">
-                      <a:schemeClr val="accent1"/>
-                    </a:lnRef>
-                    <a:fillRef idx="0">
-                      <a:schemeClr val="accent1"/>
-                    </a:fillRef>
-                    <a:effectRef idx="0">
-                      <a:schemeClr val="accent1"/>
-                    </a:effectRef>
-                    <a:fontRef idx="minor">
-                      <a:schemeClr val="tx1"/>
-                    </a:fontRef>
-                  </p:style>
-                </p:cxnSp>
-                <p:sp>
-                  <p:nvSpPr>
-                    <p:cNvPr id="68" name="TextBox 67"/>
-                    <p:cNvSpPr txBox="1"/>
-                    <p:nvPr/>
-                  </p:nvSpPr>
-                  <p:spPr>
-                    <a:xfrm>
-                      <a:off x="4857307" y="2573584"/>
-                      <a:ext cx="721840" cy="400110"/>
-                    </a:xfrm>
-                    <a:prstGeom prst="rect">
-                      <a:avLst/>
-                    </a:prstGeom>
-                    <a:noFill/>
-                  </p:spPr>
-                  <p:txBody>
-                    <a:bodyPr wrap="square" rtlCol="0">
-                      <a:spAutoFit/>
-                    </a:bodyPr>
-                    <a:lstStyle/>
-                    <a:p>
-                      <a:r>
-                        <a:rPr lang="en-US" sz="2000" dirty="0" err="1" smtClean="0"/>
-                        <a:t>h</a:t>
-                      </a:r>
-                      <a:r>
-                        <a:rPr lang="en-US" sz="2000" baseline="-25000" dirty="0" err="1" smtClean="0"/>
-                        <a:t>mqw</a:t>
-                      </a:r>
-                      <a:endParaRPr lang="en-US" sz="2000" baseline="-25000" dirty="0"/>
-                    </a:p>
-                  </p:txBody>
-                </p:sp>
-                <p:sp>
-                  <p:nvSpPr>
-                    <p:cNvPr id="70" name="TextBox 69"/>
-                    <p:cNvSpPr txBox="1"/>
-                    <p:nvPr/>
-                  </p:nvSpPr>
-                  <p:spPr>
-                    <a:xfrm>
-                      <a:off x="5896291" y="2151681"/>
-                      <a:ext cx="1106489" cy="276999"/>
-                    </a:xfrm>
-                    <a:prstGeom prst="rect">
-                      <a:avLst/>
-                    </a:prstGeom>
-                    <a:noFill/>
-                  </p:spPr>
-                  <p:txBody>
-                    <a:bodyPr wrap="square" rtlCol="0">
-                      <a:spAutoFit/>
-                    </a:bodyPr>
-                    <a:lstStyle/>
-                    <a:p>
-                      <a:pPr algn="ctr"/>
-                      <a:r>
-                        <a:rPr lang="en-US" altLang="zh-CN" sz="1200" dirty="0" smtClean="0"/>
-                        <a:t>Ground Metal</a:t>
-                      </a:r>
-                      <a:endParaRPr lang="en-US" sz="1200" dirty="0"/>
-                    </a:p>
-                  </p:txBody>
-                </p:sp>
               </p:grpSp>
               <p:cxnSp>
                 <p:nvCxnSpPr>
-                  <p:cNvPr id="67" name="Straight Arrow Connector 66"/>
-                  <p:cNvCxnSpPr/>
+                  <p:cNvPr id="72" name="Straight Arrow Connector 71"/>
+                  <p:cNvCxnSpPr>
+                    <a:stCxn id="29" idx="0"/>
+                  </p:cNvCxnSpPr>
                   <p:nvPr/>
                 </p:nvCxnSpPr>
                 <p:spPr>
-                  <a:xfrm>
-                    <a:off x="4503632" y="2430780"/>
-                    <a:ext cx="0" cy="156211"/>
+                  <a:xfrm flipH="1" flipV="1">
+                    <a:off x="6333672" y="2458616"/>
+                    <a:ext cx="54928" cy="394663"/>
                   </a:xfrm>
                   <a:prstGeom prst="straightConnector1">
                     <a:avLst/>
                   </a:prstGeom>
                   <a:ln>
-                    <a:headEnd type="triangle" w="sm" len="sm"/>
-                    <a:tailEnd type="triangle" w="sm" len="sm"/>
+                    <a:solidFill>
+                      <a:schemeClr val="tx1"/>
+                    </a:solidFill>
+                    <a:tailEnd type="triangle"/>
                   </a:ln>
                 </p:spPr>
                 <p:style>
@@ -9001,85 +9103,140 @@
                 </p:style>
               </p:cxnSp>
             </p:grpSp>
-            <p:cxnSp>
-              <p:nvCxnSpPr>
-                <p:cNvPr id="72" name="Straight Arrow Connector 71"/>
-                <p:cNvCxnSpPr>
-                  <a:stCxn id="29" idx="0"/>
-                </p:cNvCxnSpPr>
+            <p:pic>
+              <p:nvPicPr>
+                <p:cNvPr id="74" name="Picture 73"/>
+                <p:cNvPicPr>
+                  <a:picLocks noChangeAspect="1"/>
+                </p:cNvPicPr>
                 <p:nvPr/>
-              </p:nvCxnSpPr>
+              </p:nvPicPr>
+              <p:blipFill>
+                <a:blip r:embed="rId2">
+                  <a:extLst>
+                    <a:ext uri="{28A0092B-C50C-407E-A947-70E740481C1C}">
+                      <a14:useLocalDpi xmlns:a14="http://schemas.microsoft.com/office/drawing/2010/main" val="0"/>
+                    </a:ext>
+                  </a:extLst>
+                </a:blip>
+                <a:stretch>
+                  <a:fillRect/>
+                </a:stretch>
+              </p:blipFill>
               <p:spPr>
-                <a:xfrm flipH="1" flipV="1">
-                  <a:off x="6333672" y="2458616"/>
-                  <a:ext cx="54928" cy="394663"/>
+                <a:xfrm>
+                  <a:off x="6155489" y="751114"/>
+                  <a:ext cx="3467401" cy="4588527"/>
                 </a:xfrm>
-                <a:prstGeom prst="straightConnector1">
+                <a:prstGeom prst="rect">
                   <a:avLst/>
                 </a:prstGeom>
-                <a:ln>
-                  <a:solidFill>
-                    <a:schemeClr val="tx1"/>
-                  </a:solidFill>
-                  <a:tailEnd type="triangle"/>
-                </a:ln>
               </p:spPr>
-              <p:style>
-                <a:lnRef idx="1">
-                  <a:schemeClr val="accent1"/>
-                </a:lnRef>
-                <a:fillRef idx="0">
-                  <a:schemeClr val="accent1"/>
-                </a:fillRef>
-                <a:effectRef idx="0">
-                  <a:schemeClr val="accent1"/>
-                </a:effectRef>
-                <a:fontRef idx="minor">
-                  <a:schemeClr val="tx1"/>
-                </a:fontRef>
-              </p:style>
-            </p:cxnSp>
+            </p:pic>
+            <p:sp>
+              <p:nvSpPr>
+                <p:cNvPr id="75" name="TextBox 74"/>
+                <p:cNvSpPr txBox="1"/>
+                <p:nvPr/>
+              </p:nvSpPr>
+              <p:spPr>
+                <a:xfrm>
+                  <a:off x="1983014" y="671660"/>
+                  <a:ext cx="455386" cy="369332"/>
+                </a:xfrm>
+                <a:prstGeom prst="rect">
+                  <a:avLst/>
+                </a:prstGeom>
+                <a:noFill/>
+              </p:spPr>
+              <p:txBody>
+                <a:bodyPr wrap="square" rtlCol="0">
+                  <a:spAutoFit/>
+                </a:bodyPr>
+                <a:lstStyle/>
+                <a:p>
+                  <a:r>
+                    <a:rPr lang="en-US" dirty="0" smtClean="0"/>
+                    <a:t>(a)</a:t>
+                  </a:r>
+                  <a:endParaRPr lang="en-US" dirty="0"/>
+                </a:p>
+              </p:txBody>
+            </p:sp>
+            <p:sp>
+              <p:nvSpPr>
+                <p:cNvPr id="76" name="TextBox 75"/>
+                <p:cNvSpPr txBox="1"/>
+                <p:nvPr/>
+              </p:nvSpPr>
+              <p:spPr>
+                <a:xfrm>
+                  <a:off x="5710057" y="671660"/>
+                  <a:ext cx="455386" cy="369332"/>
+                </a:xfrm>
+                <a:prstGeom prst="rect">
+                  <a:avLst/>
+                </a:prstGeom>
+                <a:noFill/>
+              </p:spPr>
+              <p:txBody>
+                <a:bodyPr wrap="square" rtlCol="0">
+                  <a:spAutoFit/>
+                </a:bodyPr>
+                <a:lstStyle/>
+                <a:p>
+                  <a:r>
+                    <a:rPr lang="en-US" dirty="0" smtClean="0"/>
+                    <a:t>(b)</a:t>
+                  </a:r>
+                  <a:endParaRPr lang="en-US" dirty="0"/>
+                </a:p>
+              </p:txBody>
+            </p:sp>
           </p:grpSp>
-          <p:pic>
-            <p:nvPicPr>
-              <p:cNvPr id="74" name="Picture 73"/>
-              <p:cNvPicPr>
-                <a:picLocks noChangeAspect="1"/>
-              </p:cNvPicPr>
+          <p:cxnSp>
+            <p:nvCxnSpPr>
+              <p:cNvPr id="52" name="Straight Arrow Connector 51"/>
+              <p:cNvCxnSpPr/>
               <p:nvPr/>
-            </p:nvPicPr>
-            <p:blipFill>
-              <a:blip r:embed="rId2">
-                <a:extLst>
-                  <a:ext uri="{28A0092B-C50C-407E-A947-70E740481C1C}">
-                    <a14:useLocalDpi xmlns:a14="http://schemas.microsoft.com/office/drawing/2010/main" val="0"/>
-                  </a:ext>
-                </a:extLst>
-              </a:blip>
-              <a:stretch>
-                <a:fillRect/>
-              </a:stretch>
-            </p:blipFill>
+            </p:nvCxnSpPr>
             <p:spPr>
-              <a:xfrm>
-                <a:off x="6155489" y="751114"/>
-                <a:ext cx="3467401" cy="4588527"/>
+              <a:xfrm flipH="1">
+                <a:off x="3357497" y="3035811"/>
+                <a:ext cx="390525" cy="0"/>
               </a:xfrm>
-              <a:prstGeom prst="rect">
+              <a:prstGeom prst="straightConnector1">
                 <a:avLst/>
               </a:prstGeom>
+              <a:ln>
+                <a:tailEnd type="triangle"/>
+              </a:ln>
             </p:spPr>
-          </p:pic>
+            <p:style>
+              <a:lnRef idx="1">
+                <a:schemeClr val="accent1"/>
+              </a:lnRef>
+              <a:fillRef idx="0">
+                <a:schemeClr val="accent1"/>
+              </a:fillRef>
+              <a:effectRef idx="0">
+                <a:schemeClr val="accent1"/>
+              </a:effectRef>
+              <a:fontRef idx="minor">
+                <a:schemeClr val="tx1"/>
+              </a:fontRef>
+            </p:style>
+          </p:cxnSp>
           <p:sp>
             <p:nvSpPr>
-              <p:cNvPr id="75" name="TextBox 74"/>
+              <p:cNvPr id="54" name="TextBox 53"/>
               <p:cNvSpPr txBox="1"/>
               <p:nvPr/>
             </p:nvSpPr>
             <p:spPr>
               <a:xfrm>
-                <a:off x="1983014" y="671660"/>
-                <a:ext cx="455386" cy="369332"/>
+                <a:off x="2830997" y="2913335"/>
+                <a:ext cx="669988" cy="276999"/>
               </a:xfrm>
               <a:prstGeom prst="rect">
                 <a:avLst/>
@@ -9093,87 +9250,32 @@
               <a:lstStyle/>
               <a:p>
                 <a:r>
-                  <a:rPr lang="en-US" dirty="0" smtClean="0"/>
-                  <a:t>(a)</a:t>
+                  <a:rPr lang="en-US" sz="1200" dirty="0" smtClean="0"/>
+                  <a:t>50</a:t>
                 </a:r>
-                <a:endParaRPr lang="en-US" dirty="0"/>
-              </a:p>
-            </p:txBody>
-          </p:sp>
-          <p:sp>
-            <p:nvSpPr>
-              <p:cNvPr id="76" name="TextBox 75"/>
-              <p:cNvSpPr txBox="1"/>
-              <p:nvPr/>
-            </p:nvSpPr>
-            <p:spPr>
-              <a:xfrm>
-                <a:off x="5710057" y="671660"/>
-                <a:ext cx="455386" cy="369332"/>
-              </a:xfrm>
-              <a:prstGeom prst="rect">
-                <a:avLst/>
-              </a:prstGeom>
-              <a:noFill/>
-            </p:spPr>
-            <p:txBody>
-              <a:bodyPr wrap="square" rtlCol="0">
-                <a:spAutoFit/>
-              </a:bodyPr>
-              <a:lstStyle/>
-              <a:p>
                 <a:r>
-                  <a:rPr lang="en-US" dirty="0" smtClean="0"/>
-                  <a:t>(b)</a:t>
+                  <a:rPr lang="en-US" sz="1200" dirty="0"/>
+                  <a:t> </a:t>
                 </a:r>
-                <a:endParaRPr lang="en-US" dirty="0"/>
+                <a:r>
+                  <a:rPr lang="en-US" sz="1200" dirty="0" smtClean="0"/>
+                  <a:t>nm</a:t>
+                </a:r>
+                <a:endParaRPr lang="en-US" sz="1200" baseline="-25000" dirty="0"/>
               </a:p>
             </p:txBody>
           </p:sp>
         </p:grpSp>
-        <p:cxnSp>
-          <p:nvCxnSpPr>
-            <p:cNvPr id="52" name="Straight Arrow Connector 51"/>
-            <p:cNvCxnSpPr/>
-            <p:nvPr/>
-          </p:nvCxnSpPr>
-          <p:spPr>
-            <a:xfrm flipH="1">
-              <a:off x="3357497" y="3035811"/>
-              <a:ext cx="390525" cy="0"/>
-            </a:xfrm>
-            <a:prstGeom prst="straightConnector1">
-              <a:avLst/>
-            </a:prstGeom>
-            <a:ln>
-              <a:tailEnd type="triangle"/>
-            </a:ln>
-          </p:spPr>
-          <p:style>
-            <a:lnRef idx="1">
-              <a:schemeClr val="accent1"/>
-            </a:lnRef>
-            <a:fillRef idx="0">
-              <a:schemeClr val="accent1"/>
-            </a:fillRef>
-            <a:effectRef idx="0">
-              <a:schemeClr val="accent1"/>
-            </a:effectRef>
-            <a:fontRef idx="minor">
-              <a:schemeClr val="tx1"/>
-            </a:fontRef>
-          </p:style>
-        </p:cxnSp>
         <p:sp>
           <p:nvSpPr>
-            <p:cNvPr id="54" name="TextBox 53"/>
+            <p:cNvPr id="4" name="TextBox 3"/>
             <p:cNvSpPr txBox="1"/>
             <p:nvPr/>
           </p:nvSpPr>
           <p:spPr>
             <a:xfrm>
-              <a:off x="2830997" y="2913335"/>
-              <a:ext cx="669988" cy="276999"/>
+              <a:off x="1983014" y="1202282"/>
+              <a:ext cx="1069656" cy="276999"/>
             </a:xfrm>
             <a:prstGeom prst="rect">
               <a:avLst/>
@@ -9188,17 +9290,9 @@
             <a:p>
               <a:r>
                 <a:rPr lang="en-US" sz="1200" dirty="0" smtClean="0"/>
-                <a:t>50</a:t>
+                <a:t>DVS-BCB</a:t>
               </a:r>
-              <a:r>
-                <a:rPr lang="en-US" sz="1200" dirty="0"/>
-                <a:t> </a:t>
-              </a:r>
-              <a:r>
-                <a:rPr lang="en-US" sz="1200" dirty="0" smtClean="0"/>
-                <a:t>nm</a:t>
-              </a:r>
-              <a:endParaRPr lang="en-US" sz="1200" baseline="-25000" dirty="0"/>
+              <a:endParaRPr lang="en-US" sz="1200" dirty="0"/>
             </a:p>
           </p:txBody>
         </p:sp>
@@ -9471,7 +9565,7 @@
       </p:grpSpPr>
       <p:grpSp>
         <p:nvGrpSpPr>
-          <p:cNvPr id="3" name="Group 2"/>
+          <p:cNvPr id="4" name="Group 3"/>
           <p:cNvGrpSpPr/>
           <p:nvPr/>
         </p:nvGrpSpPr>
@@ -9485,14 +9579,63 @@
         </p:grpSpPr>
         <p:sp>
           <p:nvSpPr>
-            <p:cNvPr id="76" name="TextBox 75"/>
+            <p:cNvPr id="65" name="Rectangle 64"/>
+            <p:cNvSpPr/>
+            <p:nvPr/>
+          </p:nvSpPr>
+          <p:spPr>
+            <a:xfrm>
+              <a:off x="676728" y="1075433"/>
+              <a:ext cx="3856355" cy="2263324"/>
+            </a:xfrm>
+            <a:prstGeom prst="rect">
+              <a:avLst/>
+            </a:prstGeom>
+            <a:solidFill>
+              <a:schemeClr val="accent1">
+                <a:lumMod val="40000"/>
+                <a:lumOff val="60000"/>
+              </a:schemeClr>
+            </a:solidFill>
+            <a:ln>
+              <a:noFill/>
+            </a:ln>
+          </p:spPr>
+          <p:style>
+            <a:lnRef idx="2">
+              <a:schemeClr val="accent1">
+                <a:shade val="50000"/>
+              </a:schemeClr>
+            </a:lnRef>
+            <a:fillRef idx="1">
+              <a:schemeClr val="accent1"/>
+            </a:fillRef>
+            <a:effectRef idx="0">
+              <a:schemeClr val="accent1"/>
+            </a:effectRef>
+            <a:fontRef idx="minor">
+              <a:schemeClr val="lt1"/>
+            </a:fontRef>
+          </p:style>
+          <p:txBody>
+            <a:bodyPr rtlCol="0" anchor="ctr"/>
+            <a:lstStyle/>
+            <a:p>
+              <a:pPr algn="ctr"/>
+              <a:endParaRPr lang="en-US" dirty="0"/>
+            </a:p>
+          </p:txBody>
+        </p:sp>
+        <p:sp>
+          <p:nvSpPr>
+            <p:cNvPr id="69" name="TextBox 68"/>
             <p:cNvSpPr txBox="1"/>
             <p:nvPr/>
           </p:nvSpPr>
           <p:spPr>
             <a:xfrm>
-              <a:off x="4403771" y="704317"/>
-              <a:ext cx="455386" cy="369332"/>
+              <a:off x="676728" y="1223844"/>
+              <a:ext cx="1069656" cy="276999"/>
             </a:xfrm>
             <a:prstGeom prst="rect">
               <a:avLst/>
@@ -9506,1859 +9649,36 @@
             <a:lstStyle/>
             <a:p>
               <a:r>
-                <a:rPr lang="en-US" dirty="0" smtClean="0"/>
-                <a:t>(b)</a:t>
+                <a:rPr lang="en-US" sz="1200" dirty="0" smtClean="0"/>
+                <a:t>DVS-BCB</a:t>
               </a:r>
-              <a:endParaRPr lang="en-US" dirty="0"/>
+              <a:endParaRPr lang="en-US" sz="1200" dirty="0"/>
             </a:p>
           </p:txBody>
         </p:sp>
         <p:grpSp>
           <p:nvGrpSpPr>
-            <p:cNvPr id="66" name="Group 65"/>
+            <p:cNvPr id="3" name="Group 2"/>
             <p:cNvGrpSpPr/>
             <p:nvPr/>
           </p:nvGrpSpPr>
           <p:grpSpPr>
             <a:xfrm>
               <a:off x="676728" y="704317"/>
-              <a:ext cx="3856355" cy="4709010"/>
-              <a:chOff x="1983014" y="671660"/>
-              <a:chExt cx="3856355" cy="4709010"/>
+              <a:ext cx="10943872" cy="4709011"/>
+              <a:chOff x="676728" y="704317"/>
+              <a:chExt cx="10943872" cy="4709011"/>
             </a:xfrm>
           </p:grpSpPr>
           <p:sp>
             <p:nvSpPr>
-              <p:cNvPr id="52" name="Rectangle 51"/>
-              <p:cNvSpPr/>
-              <p:nvPr/>
-            </p:nvSpPr>
-            <p:spPr>
-              <a:xfrm>
-                <a:off x="1983014" y="3114876"/>
-                <a:ext cx="3856355" cy="156211"/>
-              </a:xfrm>
-              <a:prstGeom prst="rect">
-                <a:avLst/>
-              </a:prstGeom>
-              <a:solidFill>
-                <a:srgbClr val="3B3838"/>
-              </a:solidFill>
-              <a:ln>
-                <a:noFill/>
-              </a:ln>
-            </p:spPr>
-            <p:style>
-              <a:lnRef idx="2">
-                <a:schemeClr val="accent1">
-                  <a:shade val="50000"/>
-                </a:schemeClr>
-              </a:lnRef>
-              <a:fillRef idx="1">
-                <a:schemeClr val="accent1"/>
-              </a:fillRef>
-              <a:effectRef idx="0">
-                <a:schemeClr val="accent1"/>
-              </a:effectRef>
-              <a:fontRef idx="minor">
-                <a:schemeClr val="lt1"/>
-              </a:fontRef>
-            </p:style>
-            <p:txBody>
-              <a:bodyPr rtlCol="0" anchor="ctr"/>
-              <a:lstStyle/>
-              <a:p>
-                <a:pPr algn="ctr"/>
-                <a:r>
-                  <a:rPr lang="en-US" sz="1100" dirty="0"/>
-                  <a:t>n</a:t>
-                </a:r>
-                <a:r>
-                  <a:rPr lang="en-US" sz="1100" dirty="0" smtClean="0"/>
-                  <a:t>-</a:t>
-                </a:r>
-                <a:r>
-                  <a:rPr lang="en-US" sz="1100" dirty="0" err="1" smtClean="0"/>
-                  <a:t>InP</a:t>
-                </a:r>
-                <a:endParaRPr lang="en-US" sz="1100" dirty="0"/>
-              </a:p>
-            </p:txBody>
-          </p:sp>
-          <p:sp>
-            <p:nvSpPr>
-              <p:cNvPr id="22" name="Rectangle 21"/>
-              <p:cNvSpPr/>
-              <p:nvPr/>
-            </p:nvSpPr>
-            <p:spPr>
-              <a:xfrm>
-                <a:off x="1983014" y="2827883"/>
-                <a:ext cx="3856355" cy="156211"/>
-              </a:xfrm>
-              <a:prstGeom prst="rect">
-                <a:avLst/>
-              </a:prstGeom>
-              <a:solidFill>
-                <a:schemeClr val="accent4">
-                  <a:lumMod val="50000"/>
-                </a:schemeClr>
-              </a:solidFill>
-              <a:ln>
-                <a:noFill/>
-              </a:ln>
-            </p:spPr>
-            <p:style>
-              <a:lnRef idx="2">
-                <a:schemeClr val="accent1">
-                  <a:shade val="50000"/>
-                </a:schemeClr>
-              </a:lnRef>
-              <a:fillRef idx="1">
-                <a:schemeClr val="accent1"/>
-              </a:fillRef>
-              <a:effectRef idx="0">
-                <a:schemeClr val="accent1"/>
-              </a:effectRef>
-              <a:fontRef idx="minor">
-                <a:schemeClr val="lt1"/>
-              </a:fontRef>
-            </p:style>
-            <p:txBody>
-              <a:bodyPr rtlCol="0" anchor="ctr"/>
-              <a:lstStyle/>
-              <a:p>
-                <a:pPr algn="ctr"/>
-                <a:r>
-                  <a:rPr lang="en-US" sz="1100" dirty="0"/>
-                  <a:t>n</a:t>
-                </a:r>
-                <a:r>
-                  <a:rPr lang="en-US" sz="1100" dirty="0" smtClean="0"/>
-                  <a:t>-</a:t>
-                </a:r>
-                <a:r>
-                  <a:rPr lang="en-US" sz="1100" dirty="0" err="1" smtClean="0"/>
-                  <a:t>InP</a:t>
-                </a:r>
-                <a:endParaRPr lang="en-US" sz="1100" dirty="0"/>
-              </a:p>
-            </p:txBody>
-          </p:sp>
-          <p:cxnSp>
-            <p:nvCxnSpPr>
-              <p:cNvPr id="6" name="Straight Arrow Connector 5"/>
-              <p:cNvCxnSpPr/>
-              <p:nvPr/>
-            </p:nvCxnSpPr>
-            <p:spPr>
-              <a:xfrm>
-                <a:off x="4262485" y="1081290"/>
-                <a:ext cx="366890" cy="0"/>
-              </a:xfrm>
-              <a:prstGeom prst="straightConnector1">
-                <a:avLst/>
-              </a:prstGeom>
-              <a:ln>
-                <a:solidFill>
-                  <a:schemeClr val="tx1"/>
-                </a:solidFill>
-                <a:tailEnd type="triangle"/>
-              </a:ln>
-            </p:spPr>
-            <p:style>
-              <a:lnRef idx="1">
-                <a:schemeClr val="accent1"/>
-              </a:lnRef>
-              <a:fillRef idx="0">
-                <a:schemeClr val="accent1"/>
-              </a:fillRef>
-              <a:effectRef idx="0">
-                <a:schemeClr val="accent1"/>
-              </a:effectRef>
-              <a:fontRef idx="minor">
-                <a:schemeClr val="tx1"/>
-              </a:fontRef>
-            </p:style>
-          </p:cxnSp>
-          <p:sp>
-            <p:nvSpPr>
-              <p:cNvPr id="7" name="TextBox 6"/>
+              <p:cNvPr id="76" name="TextBox 75"/>
               <p:cNvSpPr txBox="1"/>
               <p:nvPr/>
             </p:nvSpPr>
             <p:spPr>
               <a:xfrm>
-                <a:off x="4629375" y="950485"/>
-                <a:ext cx="673100" cy="276999"/>
-              </a:xfrm>
-              <a:prstGeom prst="rect">
-                <a:avLst/>
-              </a:prstGeom>
-              <a:noFill/>
-            </p:spPr>
-            <p:txBody>
-              <a:bodyPr wrap="square" rtlCol="0">
-                <a:spAutoFit/>
-              </a:bodyPr>
-              <a:lstStyle/>
-              <a:p>
-                <a:r>
-                  <a:rPr lang="en-US" altLang="zh-CN" sz="1200" dirty="0" err="1" smtClean="0"/>
-                  <a:t>InGaAs</a:t>
-                </a:r>
-                <a:endParaRPr lang="en-US" sz="1200" dirty="0"/>
-              </a:p>
-            </p:txBody>
-          </p:sp>
-          <p:sp>
-            <p:nvSpPr>
-              <p:cNvPr id="8" name="TextBox 7"/>
-              <p:cNvSpPr txBox="1"/>
-              <p:nvPr/>
-            </p:nvSpPr>
-            <p:spPr>
-              <a:xfrm>
-                <a:off x="4629375" y="1407685"/>
-                <a:ext cx="673100" cy="276999"/>
-              </a:xfrm>
-              <a:prstGeom prst="rect">
-                <a:avLst/>
-              </a:prstGeom>
-              <a:noFill/>
-            </p:spPr>
-            <p:txBody>
-              <a:bodyPr wrap="square" rtlCol="0">
-                <a:spAutoFit/>
-              </a:bodyPr>
-              <a:lstStyle/>
-              <a:p>
-                <a:r>
-                  <a:rPr lang="en-US" altLang="zh-CN" sz="1200" dirty="0" smtClean="0"/>
-                  <a:t>p-</a:t>
-                </a:r>
-                <a:r>
-                  <a:rPr lang="en-US" altLang="zh-CN" sz="1200" dirty="0" err="1" smtClean="0"/>
-                  <a:t>InP</a:t>
-                </a:r>
-                <a:endParaRPr lang="en-US" sz="1200" dirty="0"/>
-              </a:p>
-            </p:txBody>
-          </p:sp>
-          <p:cxnSp>
-            <p:nvCxnSpPr>
-              <p:cNvPr id="9" name="Straight Arrow Connector 8"/>
-              <p:cNvCxnSpPr/>
-              <p:nvPr/>
-            </p:nvCxnSpPr>
-            <p:spPr>
-              <a:xfrm>
-                <a:off x="4262485" y="1538490"/>
-                <a:ext cx="366890" cy="0"/>
-              </a:xfrm>
-              <a:prstGeom prst="straightConnector1">
-                <a:avLst/>
-              </a:prstGeom>
-              <a:ln>
-                <a:solidFill>
-                  <a:schemeClr val="tx1"/>
-                </a:solidFill>
-                <a:tailEnd type="triangle"/>
-              </a:ln>
-            </p:spPr>
-            <p:style>
-              <a:lnRef idx="1">
-                <a:schemeClr val="accent1"/>
-              </a:lnRef>
-              <a:fillRef idx="0">
-                <a:schemeClr val="accent1"/>
-              </a:fillRef>
-              <a:effectRef idx="0">
-                <a:schemeClr val="accent1"/>
-              </a:effectRef>
-              <a:fontRef idx="minor">
-                <a:schemeClr val="tx1"/>
-              </a:fontRef>
-            </p:style>
-          </p:cxnSp>
-          <p:cxnSp>
-            <p:nvCxnSpPr>
-              <p:cNvPr id="10" name="Straight Arrow Connector 9"/>
-              <p:cNvCxnSpPr/>
-              <p:nvPr/>
-            </p:nvCxnSpPr>
-            <p:spPr>
-              <a:xfrm>
-                <a:off x="4262485" y="2452890"/>
-                <a:ext cx="366890" cy="0"/>
-              </a:xfrm>
-              <a:prstGeom prst="straightConnector1">
-                <a:avLst/>
-              </a:prstGeom>
-              <a:ln>
-                <a:solidFill>
-                  <a:schemeClr val="tx1"/>
-                </a:solidFill>
-                <a:tailEnd type="triangle"/>
-              </a:ln>
-            </p:spPr>
-            <p:style>
-              <a:lnRef idx="1">
-                <a:schemeClr val="accent1"/>
-              </a:lnRef>
-              <a:fillRef idx="0">
-                <a:schemeClr val="accent1"/>
-              </a:fillRef>
-              <a:effectRef idx="0">
-                <a:schemeClr val="accent1"/>
-              </a:effectRef>
-              <a:fontRef idx="minor">
-                <a:schemeClr val="tx1"/>
-              </a:fontRef>
-            </p:style>
-          </p:cxnSp>
-          <p:cxnSp>
-            <p:nvCxnSpPr>
-              <p:cNvPr id="11" name="Straight Arrow Connector 10"/>
-              <p:cNvCxnSpPr/>
-              <p:nvPr/>
-            </p:nvCxnSpPr>
-            <p:spPr>
-              <a:xfrm>
-                <a:off x="4262485" y="2779824"/>
-                <a:ext cx="366890" cy="0"/>
-              </a:xfrm>
-              <a:prstGeom prst="straightConnector1">
-                <a:avLst/>
-              </a:prstGeom>
-              <a:ln>
-                <a:solidFill>
-                  <a:schemeClr val="tx1"/>
-                </a:solidFill>
-                <a:tailEnd type="triangle"/>
-              </a:ln>
-            </p:spPr>
-            <p:style>
-              <a:lnRef idx="1">
-                <a:schemeClr val="accent1"/>
-              </a:lnRef>
-              <a:fillRef idx="0">
-                <a:schemeClr val="accent1"/>
-              </a:fillRef>
-              <a:effectRef idx="0">
-                <a:schemeClr val="accent1"/>
-              </a:effectRef>
-              <a:fontRef idx="minor">
-                <a:schemeClr val="tx1"/>
-              </a:fontRef>
-            </p:style>
-          </p:cxnSp>
-          <p:sp>
-            <p:nvSpPr>
-              <p:cNvPr id="12" name="TextBox 11"/>
-              <p:cNvSpPr txBox="1"/>
-              <p:nvPr/>
-            </p:nvSpPr>
-            <p:spPr>
-              <a:xfrm>
-                <a:off x="4629375" y="2286301"/>
-                <a:ext cx="673100" cy="276999"/>
-              </a:xfrm>
-              <a:prstGeom prst="rect">
-                <a:avLst/>
-              </a:prstGeom>
-              <a:noFill/>
-            </p:spPr>
-            <p:txBody>
-              <a:bodyPr wrap="square" rtlCol="0">
-                <a:spAutoFit/>
-              </a:bodyPr>
-              <a:lstStyle/>
-              <a:p>
-                <a:r>
-                  <a:rPr lang="en-US" altLang="zh-CN" sz="1200" dirty="0" smtClean="0"/>
-                  <a:t>SCH</a:t>
-                </a:r>
-                <a:endParaRPr lang="en-US" sz="1200" dirty="0"/>
-              </a:p>
-            </p:txBody>
-          </p:sp>
-          <p:sp>
-            <p:nvSpPr>
-              <p:cNvPr id="13" name="TextBox 12"/>
-              <p:cNvSpPr txBox="1"/>
-              <p:nvPr/>
-            </p:nvSpPr>
-            <p:spPr>
-              <a:xfrm>
-                <a:off x="4629375" y="2641325"/>
-                <a:ext cx="673100" cy="276999"/>
-              </a:xfrm>
-              <a:prstGeom prst="rect">
-                <a:avLst/>
-              </a:prstGeom>
-              <a:noFill/>
-            </p:spPr>
-            <p:txBody>
-              <a:bodyPr wrap="square" rtlCol="0">
-                <a:spAutoFit/>
-              </a:bodyPr>
-              <a:lstStyle/>
-              <a:p>
-                <a:r>
-                  <a:rPr lang="en-US" altLang="zh-CN" sz="1200" dirty="0" smtClean="0"/>
-                  <a:t>SCH</a:t>
-                </a:r>
-                <a:endParaRPr lang="en-US" sz="1200" dirty="0"/>
-              </a:p>
-            </p:txBody>
-          </p:sp>
-          <p:cxnSp>
-            <p:nvCxnSpPr>
-              <p:cNvPr id="14" name="Straight Arrow Connector 13"/>
-              <p:cNvCxnSpPr/>
-              <p:nvPr/>
-            </p:nvCxnSpPr>
-            <p:spPr>
-              <a:xfrm>
-                <a:off x="4262485" y="2598236"/>
-                <a:ext cx="366890" cy="0"/>
-              </a:xfrm>
-              <a:prstGeom prst="straightConnector1">
-                <a:avLst/>
-              </a:prstGeom>
-              <a:ln>
-                <a:solidFill>
-                  <a:schemeClr val="tx1"/>
-                </a:solidFill>
-                <a:tailEnd type="triangle"/>
-              </a:ln>
-            </p:spPr>
-            <p:style>
-              <a:lnRef idx="1">
-                <a:schemeClr val="accent1"/>
-              </a:lnRef>
-              <a:fillRef idx="0">
-                <a:schemeClr val="accent1"/>
-              </a:fillRef>
-              <a:effectRef idx="0">
-                <a:schemeClr val="accent1"/>
-              </a:effectRef>
-              <a:fontRef idx="minor">
-                <a:schemeClr val="tx1"/>
-              </a:fontRef>
-            </p:style>
-          </p:cxnSp>
-          <p:sp>
-            <p:nvSpPr>
-              <p:cNvPr id="15" name="TextBox 14"/>
-              <p:cNvSpPr txBox="1"/>
-              <p:nvPr/>
-            </p:nvSpPr>
-            <p:spPr>
-              <a:xfrm>
-                <a:off x="4629375" y="2480980"/>
-                <a:ext cx="673100" cy="276999"/>
-              </a:xfrm>
-              <a:prstGeom prst="rect">
-                <a:avLst/>
-              </a:prstGeom>
-              <a:noFill/>
-            </p:spPr>
-            <p:txBody>
-              <a:bodyPr wrap="square" rtlCol="0">
-                <a:spAutoFit/>
-              </a:bodyPr>
-              <a:lstStyle/>
-              <a:p>
-                <a:r>
-                  <a:rPr lang="en-US" altLang="zh-CN" sz="1200" dirty="0" smtClean="0"/>
-                  <a:t>MQW</a:t>
-                </a:r>
-                <a:endParaRPr lang="en-US" sz="1200" dirty="0"/>
-              </a:p>
-            </p:txBody>
-          </p:sp>
-          <p:sp>
-            <p:nvSpPr>
-              <p:cNvPr id="19" name="Rectangle 18"/>
-              <p:cNvSpPr/>
-              <p:nvPr/>
-            </p:nvSpPr>
-            <p:spPr>
-              <a:xfrm>
-                <a:off x="3500347" y="1040992"/>
-                <a:ext cx="821689" cy="161290"/>
-              </a:xfrm>
-              <a:prstGeom prst="rect">
-                <a:avLst/>
-              </a:prstGeom>
-              <a:solidFill>
-                <a:schemeClr val="accent4">
-                  <a:lumMod val="75000"/>
-                </a:schemeClr>
-              </a:solidFill>
-              <a:ln>
-                <a:noFill/>
-              </a:ln>
-            </p:spPr>
-            <p:style>
-              <a:lnRef idx="2">
-                <a:schemeClr val="accent1">
-                  <a:shade val="50000"/>
-                </a:schemeClr>
-              </a:lnRef>
-              <a:fillRef idx="1">
-                <a:schemeClr val="accent1"/>
-              </a:fillRef>
-              <a:effectRef idx="0">
-                <a:schemeClr val="accent1"/>
-              </a:effectRef>
-              <a:fontRef idx="minor">
-                <a:schemeClr val="lt1"/>
-              </a:fontRef>
-            </p:style>
-            <p:txBody>
-              <a:bodyPr rtlCol="0" anchor="ctr"/>
-              <a:lstStyle/>
-              <a:p>
-                <a:pPr algn="ctr"/>
-                <a:endParaRPr lang="en-US"/>
-              </a:p>
-            </p:txBody>
-          </p:sp>
-          <p:sp>
-            <p:nvSpPr>
-              <p:cNvPr id="20" name="Rectangle 19"/>
-              <p:cNvSpPr/>
-              <p:nvPr/>
-            </p:nvSpPr>
-            <p:spPr>
-              <a:xfrm>
-                <a:off x="3589564" y="2374492"/>
-                <a:ext cx="643255" cy="160020"/>
-              </a:xfrm>
-              <a:prstGeom prst="rect">
-                <a:avLst/>
-              </a:prstGeom>
-              <a:solidFill>
-                <a:srgbClr val="FF0000"/>
-              </a:solidFill>
-              <a:ln>
-                <a:noFill/>
-              </a:ln>
-            </p:spPr>
-            <p:style>
-              <a:lnRef idx="2">
-                <a:schemeClr val="accent1">
-                  <a:shade val="50000"/>
-                </a:schemeClr>
-              </a:lnRef>
-              <a:fillRef idx="1">
-                <a:schemeClr val="accent1"/>
-              </a:fillRef>
-              <a:effectRef idx="0">
-                <a:schemeClr val="accent1"/>
-              </a:effectRef>
-              <a:fontRef idx="minor">
-                <a:schemeClr val="lt1"/>
-              </a:fontRef>
-            </p:style>
-            <p:txBody>
-              <a:bodyPr rtlCol="0" anchor="ctr"/>
-              <a:lstStyle/>
-              <a:p>
-                <a:pPr algn="ctr"/>
-                <a:endParaRPr lang="en-US"/>
-              </a:p>
-            </p:txBody>
-          </p:sp>
-          <p:sp>
-            <p:nvSpPr>
-              <p:cNvPr id="21" name="Rectangle 20"/>
-              <p:cNvSpPr/>
-              <p:nvPr/>
-            </p:nvSpPr>
-            <p:spPr>
-              <a:xfrm>
-                <a:off x="3589564" y="2690723"/>
-                <a:ext cx="643255" cy="137160"/>
-              </a:xfrm>
-              <a:prstGeom prst="rect">
-                <a:avLst/>
-              </a:prstGeom>
-              <a:solidFill>
-                <a:srgbClr val="FF0000"/>
-              </a:solidFill>
-              <a:ln>
-                <a:noFill/>
-              </a:ln>
-            </p:spPr>
-            <p:style>
-              <a:lnRef idx="2">
-                <a:schemeClr val="accent1">
-                  <a:shade val="50000"/>
-                </a:schemeClr>
-              </a:lnRef>
-              <a:fillRef idx="1">
-                <a:schemeClr val="accent1"/>
-              </a:fillRef>
-              <a:effectRef idx="0">
-                <a:schemeClr val="accent1"/>
-              </a:effectRef>
-              <a:fontRef idx="minor">
-                <a:schemeClr val="lt1"/>
-              </a:fontRef>
-            </p:style>
-            <p:txBody>
-              <a:bodyPr rtlCol="0" anchor="ctr"/>
-              <a:lstStyle/>
-              <a:p>
-                <a:pPr algn="ctr"/>
-                <a:endParaRPr lang="en-US"/>
-              </a:p>
-            </p:txBody>
-          </p:sp>
-          <p:sp>
-            <p:nvSpPr>
-              <p:cNvPr id="24" name="Rectangle 23"/>
-              <p:cNvSpPr/>
-              <p:nvPr/>
-            </p:nvSpPr>
-            <p:spPr>
-              <a:xfrm>
-                <a:off x="3589564" y="2534512"/>
-                <a:ext cx="643255" cy="156211"/>
-              </a:xfrm>
-              <a:prstGeom prst="rect">
-                <a:avLst/>
-              </a:prstGeom>
-              <a:solidFill>
-                <a:srgbClr val="FF7979"/>
-              </a:solidFill>
-              <a:ln>
-                <a:noFill/>
-              </a:ln>
-            </p:spPr>
-            <p:style>
-              <a:lnRef idx="2">
-                <a:schemeClr val="accent1">
-                  <a:shade val="50000"/>
-                </a:schemeClr>
-              </a:lnRef>
-              <a:fillRef idx="1">
-                <a:schemeClr val="accent1"/>
-              </a:fillRef>
-              <a:effectRef idx="0">
-                <a:schemeClr val="accent1"/>
-              </a:effectRef>
-              <a:fontRef idx="minor">
-                <a:schemeClr val="lt1"/>
-              </a:fontRef>
-            </p:style>
-            <p:txBody>
-              <a:bodyPr rtlCol="0" anchor="ctr"/>
-              <a:lstStyle/>
-              <a:p>
-                <a:pPr algn="ctr"/>
-                <a:endParaRPr lang="en-US"/>
-              </a:p>
-            </p:txBody>
-          </p:sp>
-          <p:sp>
-            <p:nvSpPr>
-              <p:cNvPr id="25" name="Rectangle 24"/>
-              <p:cNvSpPr/>
-              <p:nvPr/>
-            </p:nvSpPr>
-            <p:spPr>
-              <a:xfrm>
-                <a:off x="3500347" y="1147673"/>
-                <a:ext cx="821689" cy="1226820"/>
-              </a:xfrm>
-              <a:prstGeom prst="rect">
-                <a:avLst/>
-              </a:prstGeom>
-              <a:solidFill>
-                <a:srgbClr val="FFB200"/>
-              </a:solidFill>
-              <a:ln>
-                <a:noFill/>
-              </a:ln>
-            </p:spPr>
-            <p:style>
-              <a:lnRef idx="2">
-                <a:schemeClr val="accent1">
-                  <a:shade val="50000"/>
-                </a:schemeClr>
-              </a:lnRef>
-              <a:fillRef idx="1">
-                <a:schemeClr val="accent1"/>
-              </a:fillRef>
-              <a:effectRef idx="0">
-                <a:schemeClr val="accent1"/>
-              </a:effectRef>
-              <a:fontRef idx="minor">
-                <a:schemeClr val="lt1"/>
-              </a:fontRef>
-            </p:style>
-            <p:txBody>
-              <a:bodyPr rtlCol="0" anchor="ctr"/>
-              <a:lstStyle/>
-              <a:p>
-                <a:pPr algn="ctr"/>
-                <a:endParaRPr lang="en-US"/>
-              </a:p>
-            </p:txBody>
-          </p:sp>
-          <p:sp>
-            <p:nvSpPr>
-              <p:cNvPr id="27" name="Rectangle 26"/>
-              <p:cNvSpPr/>
-              <p:nvPr/>
-            </p:nvSpPr>
-            <p:spPr>
-              <a:xfrm>
-                <a:off x="3500347" y="780007"/>
-                <a:ext cx="821689" cy="260985"/>
-              </a:xfrm>
-              <a:prstGeom prst="rect">
-                <a:avLst/>
-              </a:prstGeom>
-              <a:solidFill>
-                <a:srgbClr val="FFFF00"/>
-              </a:solidFill>
-              <a:ln>
-                <a:noFill/>
-              </a:ln>
-            </p:spPr>
-            <p:style>
-              <a:lnRef idx="2">
-                <a:schemeClr val="accent1">
-                  <a:shade val="50000"/>
-                </a:schemeClr>
-              </a:lnRef>
-              <a:fillRef idx="1">
-                <a:schemeClr val="accent1"/>
-              </a:fillRef>
-              <a:effectRef idx="0">
-                <a:schemeClr val="accent1"/>
-              </a:effectRef>
-              <a:fontRef idx="minor">
-                <a:schemeClr val="lt1"/>
-              </a:fontRef>
-            </p:style>
-            <p:txBody>
-              <a:bodyPr rtlCol="0" anchor="ctr"/>
-              <a:lstStyle/>
-              <a:p>
-                <a:pPr algn="ctr"/>
-                <a:endParaRPr lang="en-US"/>
-              </a:p>
-            </p:txBody>
-          </p:sp>
-          <p:sp>
-            <p:nvSpPr>
-              <p:cNvPr id="28" name="Rectangle 27"/>
-              <p:cNvSpPr/>
-              <p:nvPr/>
-            </p:nvSpPr>
-            <p:spPr>
-              <a:xfrm>
-                <a:off x="1983014" y="2641325"/>
-                <a:ext cx="643255" cy="189108"/>
-              </a:xfrm>
-              <a:prstGeom prst="rect">
-                <a:avLst/>
-              </a:prstGeom>
-              <a:solidFill>
-                <a:srgbClr val="FFFF00"/>
-              </a:solidFill>
-              <a:ln>
-                <a:noFill/>
-              </a:ln>
-            </p:spPr>
-            <p:style>
-              <a:lnRef idx="2">
-                <a:schemeClr val="accent1">
-                  <a:shade val="50000"/>
-                </a:schemeClr>
-              </a:lnRef>
-              <a:fillRef idx="1">
-                <a:schemeClr val="accent1"/>
-              </a:fillRef>
-              <a:effectRef idx="0">
-                <a:schemeClr val="accent1"/>
-              </a:effectRef>
-              <a:fontRef idx="minor">
-                <a:schemeClr val="lt1"/>
-              </a:fontRef>
-            </p:style>
-            <p:txBody>
-              <a:bodyPr rtlCol="0" anchor="ctr"/>
-              <a:lstStyle/>
-              <a:p>
-                <a:pPr algn="ctr"/>
-                <a:endParaRPr lang="en-US"/>
-              </a:p>
-            </p:txBody>
-          </p:sp>
-          <p:sp>
-            <p:nvSpPr>
-              <p:cNvPr id="29" name="Rectangle 28"/>
-              <p:cNvSpPr/>
-              <p:nvPr/>
-            </p:nvSpPr>
-            <p:spPr>
-              <a:xfrm>
-                <a:off x="5196114" y="2641325"/>
-                <a:ext cx="643255" cy="189108"/>
-              </a:xfrm>
-              <a:prstGeom prst="rect">
-                <a:avLst/>
-              </a:prstGeom>
-              <a:solidFill>
-                <a:srgbClr val="FFFF00"/>
-              </a:solidFill>
-              <a:ln>
-                <a:noFill/>
-              </a:ln>
-            </p:spPr>
-            <p:style>
-              <a:lnRef idx="2">
-                <a:schemeClr val="accent1">
-                  <a:shade val="50000"/>
-                </a:schemeClr>
-              </a:lnRef>
-              <a:fillRef idx="1">
-                <a:schemeClr val="accent1"/>
-              </a:fillRef>
-              <a:effectRef idx="0">
-                <a:schemeClr val="accent1"/>
-              </a:effectRef>
-              <a:fontRef idx="minor">
-                <a:schemeClr val="lt1"/>
-              </a:fontRef>
-            </p:style>
-            <p:txBody>
-              <a:bodyPr rtlCol="0" anchor="ctr"/>
-              <a:lstStyle/>
-              <a:p>
-                <a:pPr algn="ctr"/>
-                <a:endParaRPr lang="en-US"/>
-              </a:p>
-            </p:txBody>
-          </p:sp>
-          <p:sp>
-            <p:nvSpPr>
-              <p:cNvPr id="32" name="Rectangle 31"/>
-              <p:cNvSpPr/>
-              <p:nvPr/>
-            </p:nvSpPr>
-            <p:spPr>
-              <a:xfrm>
-                <a:off x="1983014" y="4316324"/>
-                <a:ext cx="3856355" cy="1064346"/>
-              </a:xfrm>
-              <a:custGeom>
-                <a:avLst/>
-                <a:gdLst>
-                  <a:gd name="connsiteX0" fmla="*/ 0 w 3856355"/>
-                  <a:gd name="connsiteY0" fmla="*/ 0 h 936623"/>
-                  <a:gd name="connsiteX1" fmla="*/ 3856355 w 3856355"/>
-                  <a:gd name="connsiteY1" fmla="*/ 0 h 936623"/>
-                  <a:gd name="connsiteX2" fmla="*/ 3856355 w 3856355"/>
-                  <a:gd name="connsiteY2" fmla="*/ 936623 h 936623"/>
-                  <a:gd name="connsiteX3" fmla="*/ 0 w 3856355"/>
-                  <a:gd name="connsiteY3" fmla="*/ 936623 h 936623"/>
-                  <a:gd name="connsiteX4" fmla="*/ 0 w 3856355"/>
-                  <a:gd name="connsiteY4" fmla="*/ 0 h 936623"/>
-                  <a:gd name="connsiteX0" fmla="*/ 0 w 3856355"/>
-                  <a:gd name="connsiteY0" fmla="*/ 0 h 936623"/>
-                  <a:gd name="connsiteX1" fmla="*/ 3856355 w 3856355"/>
-                  <a:gd name="connsiteY1" fmla="*/ 0 h 936623"/>
-                  <a:gd name="connsiteX2" fmla="*/ 3856355 w 3856355"/>
-                  <a:gd name="connsiteY2" fmla="*/ 936623 h 936623"/>
-                  <a:gd name="connsiteX3" fmla="*/ 830944 w 3856355"/>
-                  <a:gd name="connsiteY3" fmla="*/ 776059 h 936623"/>
-                  <a:gd name="connsiteX4" fmla="*/ 0 w 3856355"/>
-                  <a:gd name="connsiteY4" fmla="*/ 936623 h 936623"/>
-                  <a:gd name="connsiteX5" fmla="*/ 0 w 3856355"/>
-                  <a:gd name="connsiteY5" fmla="*/ 0 h 936623"/>
-                  <a:gd name="connsiteX0" fmla="*/ 0 w 3856355"/>
-                  <a:gd name="connsiteY0" fmla="*/ 0 h 1064346"/>
-                  <a:gd name="connsiteX1" fmla="*/ 3856355 w 3856355"/>
-                  <a:gd name="connsiteY1" fmla="*/ 0 h 1064346"/>
-                  <a:gd name="connsiteX2" fmla="*/ 3856355 w 3856355"/>
-                  <a:gd name="connsiteY2" fmla="*/ 936623 h 1064346"/>
-                  <a:gd name="connsiteX3" fmla="*/ 2942772 w 3856355"/>
-                  <a:gd name="connsiteY3" fmla="*/ 1048202 h 1064346"/>
-                  <a:gd name="connsiteX4" fmla="*/ 830944 w 3856355"/>
-                  <a:gd name="connsiteY4" fmla="*/ 776059 h 1064346"/>
-                  <a:gd name="connsiteX5" fmla="*/ 0 w 3856355"/>
-                  <a:gd name="connsiteY5" fmla="*/ 936623 h 1064346"/>
-                  <a:gd name="connsiteX6" fmla="*/ 0 w 3856355"/>
-                  <a:gd name="connsiteY6" fmla="*/ 0 h 1064346"/>
-                </a:gdLst>
-                <a:ahLst/>
-                <a:cxnLst>
-                  <a:cxn ang="0">
-                    <a:pos x="connsiteX0" y="connsiteY0"/>
-                  </a:cxn>
-                  <a:cxn ang="0">
-                    <a:pos x="connsiteX1" y="connsiteY1"/>
-                  </a:cxn>
-                  <a:cxn ang="0">
-                    <a:pos x="connsiteX2" y="connsiteY2"/>
-                  </a:cxn>
-                  <a:cxn ang="0">
-                    <a:pos x="connsiteX3" y="connsiteY3"/>
-                  </a:cxn>
-                  <a:cxn ang="0">
-                    <a:pos x="connsiteX4" y="connsiteY4"/>
-                  </a:cxn>
-                  <a:cxn ang="0">
-                    <a:pos x="connsiteX5" y="connsiteY5"/>
-                  </a:cxn>
-                  <a:cxn ang="0">
-                    <a:pos x="connsiteX6" y="connsiteY6"/>
-                  </a:cxn>
-                </a:cxnLst>
-                <a:rect l="l" t="t" r="r" b="b"/>
-                <a:pathLst>
-                  <a:path w="3856355" h="1064346">
-                    <a:moveTo>
-                      <a:pt x="0" y="0"/>
-                    </a:moveTo>
-                    <a:lnTo>
-                      <a:pt x="3856355" y="0"/>
-                    </a:lnTo>
-                    <a:lnTo>
-                      <a:pt x="3856355" y="936623"/>
-                    </a:lnTo>
-                    <a:cubicBezTo>
-                      <a:pt x="3707720" y="1085923"/>
-                      <a:pt x="3447007" y="1074963"/>
-                      <a:pt x="2942772" y="1048202"/>
-                    </a:cubicBezTo>
-                    <a:cubicBezTo>
-                      <a:pt x="2438537" y="1021441"/>
-                      <a:pt x="1325035" y="769256"/>
-                      <a:pt x="830944" y="776059"/>
-                    </a:cubicBezTo>
-                    <a:lnTo>
-                      <a:pt x="0" y="936623"/>
-                    </a:lnTo>
-                    <a:lnTo>
-                      <a:pt x="0" y="0"/>
-                    </a:lnTo>
-                    <a:close/>
-                  </a:path>
-                </a:pathLst>
-              </a:custGeom>
-              <a:solidFill>
-                <a:schemeClr val="bg2">
-                  <a:lumMod val="25000"/>
-                </a:schemeClr>
-              </a:solidFill>
-              <a:ln>
-                <a:noFill/>
-              </a:ln>
-            </p:spPr>
-            <p:style>
-              <a:lnRef idx="2">
-                <a:schemeClr val="accent1">
-                  <a:shade val="50000"/>
-                </a:schemeClr>
-              </a:lnRef>
-              <a:fillRef idx="1">
-                <a:schemeClr val="accent1"/>
-              </a:fillRef>
-              <a:effectRef idx="0">
-                <a:schemeClr val="accent1"/>
-              </a:effectRef>
-              <a:fontRef idx="minor">
-                <a:schemeClr val="lt1"/>
-              </a:fontRef>
-            </p:style>
-            <p:txBody>
-              <a:bodyPr rtlCol="0" anchor="ctr"/>
-              <a:lstStyle/>
-              <a:p>
-                <a:pPr algn="ctr"/>
-                <a:r>
-                  <a:rPr lang="en-US" altLang="zh-CN" dirty="0" smtClean="0"/>
-                  <a:t>Substrate</a:t>
-                </a:r>
-                <a:endParaRPr lang="en-US" dirty="0"/>
-              </a:p>
-            </p:txBody>
-          </p:sp>
-          <p:sp>
-            <p:nvSpPr>
-              <p:cNvPr id="33" name="Rectangle 32"/>
-              <p:cNvSpPr/>
-              <p:nvPr/>
-            </p:nvSpPr>
-            <p:spPr>
-              <a:xfrm>
-                <a:off x="3730746" y="3060922"/>
-                <a:ext cx="360890" cy="216544"/>
-              </a:xfrm>
-              <a:prstGeom prst="rect">
-                <a:avLst/>
-              </a:prstGeom>
-              <a:solidFill>
-                <a:schemeClr val="bg2">
-                  <a:lumMod val="25000"/>
-                </a:schemeClr>
-              </a:solidFill>
-              <a:ln>
-                <a:noFill/>
-              </a:ln>
-            </p:spPr>
-            <p:style>
-              <a:lnRef idx="2">
-                <a:schemeClr val="accent1">
-                  <a:shade val="50000"/>
-                </a:schemeClr>
-              </a:lnRef>
-              <a:fillRef idx="1">
-                <a:schemeClr val="accent1"/>
-              </a:fillRef>
-              <a:effectRef idx="0">
-                <a:schemeClr val="accent1"/>
-              </a:effectRef>
-              <a:fontRef idx="minor">
-                <a:schemeClr val="lt1"/>
-              </a:fontRef>
-            </p:style>
-            <p:txBody>
-              <a:bodyPr rtlCol="0" anchor="ctr"/>
-              <a:lstStyle/>
-              <a:p>
-                <a:pPr algn="ctr"/>
-                <a:endParaRPr lang="en-US"/>
-              </a:p>
-            </p:txBody>
-          </p:sp>
-          <p:sp>
-            <p:nvSpPr>
-              <p:cNvPr id="31" name="Rectangle 30"/>
-              <p:cNvSpPr/>
-              <p:nvPr/>
-            </p:nvSpPr>
-            <p:spPr>
-              <a:xfrm>
-                <a:off x="1983014" y="3268010"/>
-                <a:ext cx="3856355" cy="1053394"/>
-              </a:xfrm>
-              <a:prstGeom prst="rect">
-                <a:avLst/>
-              </a:prstGeom>
-              <a:solidFill>
-                <a:srgbClr val="00B0F0"/>
-              </a:solidFill>
-              <a:ln>
-                <a:noFill/>
-              </a:ln>
-            </p:spPr>
-            <p:style>
-              <a:lnRef idx="2">
-                <a:schemeClr val="accent1">
-                  <a:shade val="50000"/>
-                </a:schemeClr>
-              </a:lnRef>
-              <a:fillRef idx="1">
-                <a:schemeClr val="accent1"/>
-              </a:fillRef>
-              <a:effectRef idx="0">
-                <a:schemeClr val="accent1"/>
-              </a:effectRef>
-              <a:fontRef idx="minor">
-                <a:schemeClr val="lt1"/>
-              </a:fontRef>
-            </p:style>
-            <p:txBody>
-              <a:bodyPr rtlCol="0" anchor="ctr"/>
-              <a:lstStyle/>
-              <a:p>
-                <a:pPr algn="ctr"/>
-                <a:r>
-                  <a:rPr lang="en-US" altLang="zh-CN" dirty="0" smtClean="0"/>
-                  <a:t>SiO</a:t>
-                </a:r>
-                <a:r>
-                  <a:rPr lang="en-US" altLang="zh-CN" baseline="-25000" dirty="0" smtClean="0"/>
-                  <a:t>2</a:t>
-                </a:r>
-                <a:endParaRPr lang="en-US" baseline="-25000" dirty="0"/>
-              </a:p>
-            </p:txBody>
-          </p:sp>
-          <p:cxnSp>
-            <p:nvCxnSpPr>
-              <p:cNvPr id="36" name="Straight Arrow Connector 35"/>
-              <p:cNvCxnSpPr/>
-              <p:nvPr/>
-            </p:nvCxnSpPr>
-            <p:spPr>
-              <a:xfrm>
-                <a:off x="4262485" y="881919"/>
-                <a:ext cx="366890" cy="0"/>
-              </a:xfrm>
-              <a:prstGeom prst="straightConnector1">
-                <a:avLst/>
-              </a:prstGeom>
-              <a:ln>
-                <a:solidFill>
-                  <a:schemeClr val="tx1"/>
-                </a:solidFill>
-                <a:tailEnd type="triangle"/>
-              </a:ln>
-            </p:spPr>
-            <p:style>
-              <a:lnRef idx="1">
-                <a:schemeClr val="accent1"/>
-              </a:lnRef>
-              <a:fillRef idx="0">
-                <a:schemeClr val="accent1"/>
-              </a:fillRef>
-              <a:effectRef idx="0">
-                <a:schemeClr val="accent1"/>
-              </a:effectRef>
-              <a:fontRef idx="minor">
-                <a:schemeClr val="tx1"/>
-              </a:fontRef>
-            </p:style>
-          </p:cxnSp>
-          <p:sp>
-            <p:nvSpPr>
-              <p:cNvPr id="37" name="TextBox 36"/>
-              <p:cNvSpPr txBox="1"/>
-              <p:nvPr/>
-            </p:nvSpPr>
-            <p:spPr>
-              <a:xfrm>
-                <a:off x="4629375" y="751114"/>
-                <a:ext cx="1106489" cy="276999"/>
-              </a:xfrm>
-              <a:prstGeom prst="rect">
-                <a:avLst/>
-              </a:prstGeom>
-              <a:noFill/>
-            </p:spPr>
-            <p:txBody>
-              <a:bodyPr wrap="square" rtlCol="0">
-                <a:spAutoFit/>
-              </a:bodyPr>
-              <a:lstStyle/>
-              <a:p>
-                <a:r>
-                  <a:rPr lang="en-US" altLang="zh-CN" sz="1200" dirty="0" smtClean="0"/>
-                  <a:t>Source Metal</a:t>
-                </a:r>
-                <a:endParaRPr lang="en-US" sz="1200" dirty="0"/>
-              </a:p>
-            </p:txBody>
-          </p:sp>
-          <p:cxnSp>
-            <p:nvCxnSpPr>
-              <p:cNvPr id="38" name="Straight Arrow Connector 37"/>
-              <p:cNvCxnSpPr/>
-              <p:nvPr/>
-            </p:nvCxnSpPr>
-            <p:spPr>
-              <a:xfrm flipV="1">
-                <a:off x="4152383" y="3060922"/>
-                <a:ext cx="327841" cy="53954"/>
-              </a:xfrm>
-              <a:prstGeom prst="straightConnector1">
-                <a:avLst/>
-              </a:prstGeom>
-              <a:ln>
-                <a:solidFill>
-                  <a:schemeClr val="tx1"/>
-                </a:solidFill>
-                <a:tailEnd type="triangle"/>
-              </a:ln>
-            </p:spPr>
-            <p:style>
-              <a:lnRef idx="1">
-                <a:schemeClr val="accent1"/>
-              </a:lnRef>
-              <a:fillRef idx="0">
-                <a:schemeClr val="accent1"/>
-              </a:fillRef>
-              <a:effectRef idx="0">
-                <a:schemeClr val="accent1"/>
-              </a:effectRef>
-              <a:fontRef idx="minor">
-                <a:schemeClr val="tx1"/>
-              </a:fontRef>
-            </p:style>
-          </p:cxnSp>
-          <p:sp>
-            <p:nvSpPr>
-              <p:cNvPr id="39" name="TextBox 38"/>
-              <p:cNvSpPr txBox="1"/>
-              <p:nvPr/>
-            </p:nvSpPr>
-            <p:spPr>
-              <a:xfrm>
-                <a:off x="4435999" y="2899723"/>
-                <a:ext cx="673100" cy="276999"/>
-              </a:xfrm>
-              <a:prstGeom prst="rect">
-                <a:avLst/>
-              </a:prstGeom>
-              <a:noFill/>
-            </p:spPr>
-            <p:txBody>
-              <a:bodyPr wrap="square" rtlCol="0">
-                <a:spAutoFit/>
-              </a:bodyPr>
-              <a:lstStyle/>
-              <a:p>
-                <a:r>
-                  <a:rPr lang="en-US" altLang="zh-CN" sz="1200" dirty="0" smtClean="0"/>
-                  <a:t>Si</a:t>
-                </a:r>
-                <a:endParaRPr lang="en-US" sz="1200" dirty="0"/>
-              </a:p>
-            </p:txBody>
-          </p:sp>
-          <p:cxnSp>
-            <p:nvCxnSpPr>
-              <p:cNvPr id="41" name="Straight Arrow Connector 40"/>
-              <p:cNvCxnSpPr/>
-              <p:nvPr/>
-            </p:nvCxnSpPr>
-            <p:spPr>
-              <a:xfrm>
-                <a:off x="3500347" y="1801090"/>
-                <a:ext cx="796432" cy="0"/>
-              </a:xfrm>
-              <a:prstGeom prst="straightConnector1">
-                <a:avLst/>
-              </a:prstGeom>
-              <a:ln>
-                <a:headEnd type="triangle"/>
-                <a:tailEnd type="triangle"/>
-              </a:ln>
-            </p:spPr>
-            <p:style>
-              <a:lnRef idx="1">
-                <a:schemeClr val="accent1"/>
-              </a:lnRef>
-              <a:fillRef idx="0">
-                <a:schemeClr val="accent1"/>
-              </a:fillRef>
-              <a:effectRef idx="0">
-                <a:schemeClr val="accent1"/>
-              </a:effectRef>
-              <a:fontRef idx="minor">
-                <a:schemeClr val="tx1"/>
-              </a:fontRef>
-            </p:style>
-          </p:cxnSp>
-          <p:sp>
-            <p:nvSpPr>
-              <p:cNvPr id="42" name="TextBox 41"/>
-              <p:cNvSpPr txBox="1"/>
-              <p:nvPr/>
-            </p:nvSpPr>
-            <p:spPr>
-              <a:xfrm>
-                <a:off x="3482025" y="1368569"/>
-                <a:ext cx="980027" cy="400110"/>
-              </a:xfrm>
-              <a:prstGeom prst="rect">
-                <a:avLst/>
-              </a:prstGeom>
-              <a:noFill/>
-            </p:spPr>
-            <p:txBody>
-              <a:bodyPr wrap="square" rtlCol="0">
-                <a:spAutoFit/>
-              </a:bodyPr>
-              <a:lstStyle/>
-              <a:p>
-                <a:r>
-                  <a:rPr lang="en-US" sz="2000" dirty="0" smtClean="0"/>
-                  <a:t>2.5 </a:t>
-                </a:r>
-                <a:r>
-                  <a:rPr lang="el-GR" sz="2000" dirty="0"/>
-                  <a:t>μ</a:t>
-                </a:r>
-                <a:r>
-                  <a:rPr lang="en-US" sz="2000" dirty="0"/>
-                  <a:t>m </a:t>
-                </a:r>
-                <a:endParaRPr lang="en-US" sz="2000" baseline="-25000" dirty="0"/>
-              </a:p>
-            </p:txBody>
-          </p:sp>
-          <p:sp>
-            <p:nvSpPr>
-              <p:cNvPr id="46" name="TextBox 45"/>
-              <p:cNvSpPr txBox="1"/>
-              <p:nvPr/>
-            </p:nvSpPr>
-            <p:spPr>
-              <a:xfrm>
-                <a:off x="3584060" y="757901"/>
-                <a:ext cx="494980" cy="297517"/>
-              </a:xfrm>
-              <a:prstGeom prst="rect">
-                <a:avLst/>
-              </a:prstGeom>
-              <a:noFill/>
-            </p:spPr>
-            <p:txBody>
-              <a:bodyPr wrap="square" rtlCol="0">
-                <a:spAutoFit/>
-              </a:bodyPr>
-              <a:lstStyle/>
-              <a:p>
-                <a:r>
-                  <a:rPr lang="en-US" sz="2000" baseline="-25000" dirty="0" smtClean="0"/>
-                  <a:t>1</a:t>
-                </a:r>
-                <a:r>
-                  <a:rPr lang="el-GR" sz="2000" baseline="-25000" dirty="0" smtClean="0"/>
-                  <a:t>μ</a:t>
-                </a:r>
-                <a:r>
-                  <a:rPr lang="en-US" sz="2000" baseline="-25000" dirty="0" smtClean="0"/>
-                  <a:t>m</a:t>
-                </a:r>
-                <a:endParaRPr lang="en-US" sz="2000" baseline="-25000" dirty="0"/>
-              </a:p>
-            </p:txBody>
-          </p:sp>
-          <p:sp>
-            <p:nvSpPr>
-              <p:cNvPr id="47" name="TextBox 46"/>
-              <p:cNvSpPr txBox="1"/>
-              <p:nvPr/>
-            </p:nvSpPr>
-            <p:spPr>
-              <a:xfrm>
-                <a:off x="2232149" y="2529460"/>
-                <a:ext cx="879844" cy="297517"/>
-              </a:xfrm>
-              <a:prstGeom prst="rect">
-                <a:avLst/>
-              </a:prstGeom>
-              <a:noFill/>
-            </p:spPr>
-            <p:txBody>
-              <a:bodyPr wrap="square" rtlCol="0">
-                <a:spAutoFit/>
-              </a:bodyPr>
-              <a:lstStyle/>
-              <a:p>
-                <a:r>
-                  <a:rPr lang="en-US" sz="2000" baseline="-25000" dirty="0" smtClean="0"/>
-                  <a:t>0</a:t>
-                </a:r>
-                <a:r>
-                  <a:rPr lang="en-US" altLang="zh-CN" sz="2000" baseline="-25000" dirty="0" smtClean="0"/>
-                  <a:t>.1 </a:t>
-                </a:r>
-                <a:r>
-                  <a:rPr lang="el-GR" altLang="zh-CN" sz="2000" baseline="-25000" dirty="0" smtClean="0"/>
-                  <a:t>μ</a:t>
-                </a:r>
-                <a:r>
-                  <a:rPr lang="en-US" altLang="zh-CN" sz="2000" baseline="-25000" dirty="0" smtClean="0"/>
-                  <a:t>m</a:t>
-                </a:r>
-                <a:endParaRPr lang="en-US" sz="2000" baseline="-25000" dirty="0"/>
-              </a:p>
-            </p:txBody>
-          </p:sp>
-          <p:sp>
-            <p:nvSpPr>
-              <p:cNvPr id="55" name="TextBox 54"/>
-              <p:cNvSpPr txBox="1"/>
-              <p:nvPr/>
-            </p:nvSpPr>
-            <p:spPr>
-              <a:xfrm>
-                <a:off x="2809515" y="2252586"/>
-                <a:ext cx="719528" cy="297517"/>
-              </a:xfrm>
-              <a:prstGeom prst="rect">
-                <a:avLst/>
-              </a:prstGeom>
-              <a:noFill/>
-            </p:spPr>
-            <p:txBody>
-              <a:bodyPr wrap="square" rtlCol="0">
-                <a:spAutoFit/>
-              </a:bodyPr>
-              <a:lstStyle/>
-              <a:p>
-                <a:r>
-                  <a:rPr lang="en-US" sz="2000" baseline="-25000" dirty="0" smtClean="0"/>
-                  <a:t>3 </a:t>
-                </a:r>
-                <a:r>
-                  <a:rPr lang="el-GR" sz="2000" baseline="-25000" dirty="0" smtClean="0"/>
-                  <a:t>μ</a:t>
-                </a:r>
-                <a:r>
-                  <a:rPr lang="en-US" sz="2000" baseline="-25000" dirty="0" smtClean="0"/>
-                  <a:t>m</a:t>
-                </a:r>
-                <a:endParaRPr lang="en-US" sz="2000" baseline="-25000" dirty="0"/>
-              </a:p>
-            </p:txBody>
-          </p:sp>
-          <p:cxnSp>
-            <p:nvCxnSpPr>
-              <p:cNvPr id="45" name="Straight Arrow Connector 44"/>
-              <p:cNvCxnSpPr/>
-              <p:nvPr/>
-            </p:nvCxnSpPr>
-            <p:spPr>
-              <a:xfrm>
-                <a:off x="3589564" y="780007"/>
-                <a:ext cx="0" cy="248106"/>
-              </a:xfrm>
-              <a:prstGeom prst="straightConnector1">
-                <a:avLst/>
-              </a:prstGeom>
-              <a:ln>
-                <a:headEnd type="triangle"/>
-                <a:tailEnd type="triangle"/>
-              </a:ln>
-            </p:spPr>
-            <p:style>
-              <a:lnRef idx="1">
-                <a:schemeClr val="accent1"/>
-              </a:lnRef>
-              <a:fillRef idx="0">
-                <a:schemeClr val="accent1"/>
-              </a:fillRef>
-              <a:effectRef idx="0">
-                <a:schemeClr val="accent1"/>
-              </a:effectRef>
-              <a:fontRef idx="minor">
-                <a:schemeClr val="tx1"/>
-              </a:fontRef>
-            </p:style>
-          </p:cxnSp>
-          <p:cxnSp>
-            <p:nvCxnSpPr>
-              <p:cNvPr id="48" name="Straight Arrow Connector 47"/>
-              <p:cNvCxnSpPr/>
-              <p:nvPr/>
-            </p:nvCxnSpPr>
-            <p:spPr>
-              <a:xfrm>
-                <a:off x="2240824" y="2644569"/>
-                <a:ext cx="0" cy="183314"/>
-              </a:xfrm>
-              <a:prstGeom prst="straightConnector1">
-                <a:avLst/>
-              </a:prstGeom>
-              <a:ln>
-                <a:headEnd type="triangle"/>
-                <a:tailEnd type="triangle"/>
-              </a:ln>
-            </p:spPr>
-            <p:style>
-              <a:lnRef idx="1">
-                <a:schemeClr val="accent1"/>
-              </a:lnRef>
-              <a:fillRef idx="0">
-                <a:schemeClr val="accent1"/>
-              </a:fillRef>
-              <a:effectRef idx="0">
-                <a:schemeClr val="accent1"/>
-              </a:effectRef>
-              <a:fontRef idx="minor">
-                <a:schemeClr val="tx1"/>
-              </a:fontRef>
-            </p:style>
-          </p:cxnSp>
-          <p:cxnSp>
-            <p:nvCxnSpPr>
-              <p:cNvPr id="53" name="Straight Arrow Connector 52"/>
-              <p:cNvCxnSpPr/>
-              <p:nvPr/>
-            </p:nvCxnSpPr>
-            <p:spPr>
-              <a:xfrm>
-                <a:off x="2626269" y="2594559"/>
-                <a:ext cx="957791" cy="0"/>
-              </a:xfrm>
-              <a:prstGeom prst="straightConnector1">
-                <a:avLst/>
-              </a:prstGeom>
-              <a:ln>
-                <a:headEnd type="triangle"/>
-                <a:tailEnd type="triangle"/>
-              </a:ln>
-            </p:spPr>
-            <p:style>
-              <a:lnRef idx="1">
-                <a:schemeClr val="accent1"/>
-              </a:lnRef>
-              <a:fillRef idx="0">
-                <a:schemeClr val="accent1"/>
-              </a:fillRef>
-              <a:effectRef idx="0">
-                <a:schemeClr val="accent1"/>
-              </a:effectRef>
-              <a:fontRef idx="minor">
-                <a:schemeClr val="tx1"/>
-              </a:fontRef>
-            </p:style>
-          </p:cxnSp>
-          <p:cxnSp>
-            <p:nvCxnSpPr>
-              <p:cNvPr id="58" name="Straight Arrow Connector 57"/>
-              <p:cNvCxnSpPr/>
-              <p:nvPr/>
-            </p:nvCxnSpPr>
-            <p:spPr>
-              <a:xfrm>
-                <a:off x="3730746" y="3329532"/>
-                <a:ext cx="348294" cy="0"/>
-              </a:xfrm>
-              <a:prstGeom prst="straightConnector1">
-                <a:avLst/>
-              </a:prstGeom>
-              <a:ln>
-                <a:solidFill>
-                  <a:schemeClr val="tx1"/>
-                </a:solidFill>
-                <a:headEnd type="triangle"/>
-                <a:tailEnd type="triangle"/>
-              </a:ln>
-            </p:spPr>
-            <p:style>
-              <a:lnRef idx="1">
-                <a:schemeClr val="accent1"/>
-              </a:lnRef>
-              <a:fillRef idx="0">
-                <a:schemeClr val="accent1"/>
-              </a:fillRef>
-              <a:effectRef idx="0">
-                <a:schemeClr val="accent1"/>
-              </a:effectRef>
-              <a:fontRef idx="minor">
-                <a:schemeClr val="tx1"/>
-              </a:fontRef>
-            </p:style>
-          </p:cxnSp>
-          <p:sp>
-            <p:nvSpPr>
-              <p:cNvPr id="59" name="TextBox 58"/>
-              <p:cNvSpPr txBox="1"/>
-              <p:nvPr/>
-            </p:nvSpPr>
-            <p:spPr>
-              <a:xfrm>
-                <a:off x="3612575" y="3338990"/>
-                <a:ext cx="664633" cy="276999"/>
-              </a:xfrm>
-              <a:prstGeom prst="rect">
-                <a:avLst/>
-              </a:prstGeom>
-              <a:noFill/>
-            </p:spPr>
-            <p:txBody>
-              <a:bodyPr wrap="square" rtlCol="0">
-                <a:spAutoFit/>
-              </a:bodyPr>
-              <a:lstStyle/>
-              <a:p>
-                <a:r>
-                  <a:rPr lang="en-US" sz="1200" dirty="0" smtClean="0"/>
-                  <a:t>1</a:t>
-                </a:r>
-                <a:r>
-                  <a:rPr lang="en-US" altLang="zh-CN" sz="1200" dirty="0" smtClean="0"/>
-                  <a:t>.5</a:t>
-                </a:r>
-                <a:r>
-                  <a:rPr lang="en-US" sz="1200" dirty="0" smtClean="0"/>
-                  <a:t> </a:t>
-                </a:r>
-                <a:r>
-                  <a:rPr lang="el-GR" sz="1200" dirty="0" smtClean="0"/>
-                  <a:t>μ</a:t>
-                </a:r>
-                <a:r>
-                  <a:rPr lang="en-US" sz="1200" dirty="0" smtClean="0"/>
-                  <a:t>m</a:t>
-                </a:r>
-                <a:endParaRPr lang="en-US" sz="1200" dirty="0"/>
-              </a:p>
-            </p:txBody>
-          </p:sp>
-          <p:sp>
-            <p:nvSpPr>
-              <p:cNvPr id="62" name="TextBox 61"/>
-              <p:cNvSpPr txBox="1"/>
-              <p:nvPr/>
-            </p:nvSpPr>
-            <p:spPr>
-              <a:xfrm>
-                <a:off x="3000476" y="3051835"/>
-                <a:ext cx="747546" cy="276999"/>
-              </a:xfrm>
-              <a:prstGeom prst="rect">
-                <a:avLst/>
-              </a:prstGeom>
-              <a:noFill/>
-            </p:spPr>
-            <p:txBody>
-              <a:bodyPr wrap="square" rtlCol="0">
-                <a:spAutoFit/>
-              </a:bodyPr>
-              <a:lstStyle/>
-              <a:p>
-                <a:r>
-                  <a:rPr lang="en-US" sz="1200" dirty="0" smtClean="0">
-                    <a:solidFill>
-                      <a:schemeClr val="bg1"/>
-                    </a:solidFill>
-                  </a:rPr>
-                  <a:t>0</a:t>
-                </a:r>
-                <a:r>
-                  <a:rPr lang="en-US" altLang="zh-CN" sz="1200" dirty="0" smtClean="0">
-                    <a:solidFill>
-                      <a:schemeClr val="bg1"/>
-                    </a:solidFill>
-                  </a:rPr>
-                  <a:t>.38</a:t>
-                </a:r>
-                <a:r>
-                  <a:rPr lang="en-US" sz="1200" dirty="0" smtClean="0">
-                    <a:solidFill>
-                      <a:schemeClr val="bg1"/>
-                    </a:solidFill>
-                  </a:rPr>
-                  <a:t> </a:t>
-                </a:r>
-                <a:r>
-                  <a:rPr lang="el-GR" sz="1200" dirty="0" smtClean="0">
-                    <a:solidFill>
-                      <a:schemeClr val="bg1"/>
-                    </a:solidFill>
-                  </a:rPr>
-                  <a:t>μ</a:t>
-                </a:r>
-                <a:r>
-                  <a:rPr lang="en-US" sz="1200" dirty="0" smtClean="0">
-                    <a:solidFill>
-                      <a:schemeClr val="bg1"/>
-                    </a:solidFill>
-                  </a:rPr>
-                  <a:t>m</a:t>
-                </a:r>
-                <a:endParaRPr lang="en-US" sz="1200" dirty="0">
-                  <a:solidFill>
-                    <a:schemeClr val="bg1"/>
-                  </a:solidFill>
-                </a:endParaRPr>
-              </a:p>
-            </p:txBody>
-          </p:sp>
-          <p:cxnSp>
-            <p:nvCxnSpPr>
-              <p:cNvPr id="64" name="Straight Arrow Connector 63"/>
-              <p:cNvCxnSpPr/>
-              <p:nvPr/>
-            </p:nvCxnSpPr>
-            <p:spPr>
-              <a:xfrm>
-                <a:off x="3657403" y="3060922"/>
-                <a:ext cx="0" cy="206357"/>
-              </a:xfrm>
-              <a:prstGeom prst="straightConnector1">
-                <a:avLst/>
-              </a:prstGeom>
-              <a:ln>
-                <a:solidFill>
-                  <a:schemeClr val="tx1">
-                    <a:lumMod val="95000"/>
-                    <a:lumOff val="5000"/>
-                  </a:schemeClr>
-                </a:solidFill>
-                <a:headEnd type="triangle"/>
-                <a:tailEnd type="triangle"/>
-              </a:ln>
-            </p:spPr>
-            <p:style>
-              <a:lnRef idx="1">
-                <a:schemeClr val="accent1"/>
-              </a:lnRef>
-              <a:fillRef idx="0">
-                <a:schemeClr val="accent1"/>
-              </a:fillRef>
-              <a:effectRef idx="0">
-                <a:schemeClr val="accent1"/>
-              </a:effectRef>
-              <a:fontRef idx="minor">
-                <a:schemeClr val="tx1"/>
-              </a:fontRef>
-            </p:style>
-          </p:cxnSp>
-          <p:sp>
-            <p:nvSpPr>
-              <p:cNvPr id="68" name="TextBox 67"/>
-              <p:cNvSpPr txBox="1"/>
-              <p:nvPr/>
-            </p:nvSpPr>
-            <p:spPr>
-              <a:xfrm>
-                <a:off x="3693896" y="2391566"/>
-                <a:ext cx="721840" cy="400110"/>
-              </a:xfrm>
-              <a:prstGeom prst="rect">
-                <a:avLst/>
-              </a:prstGeom>
-              <a:noFill/>
-            </p:spPr>
-            <p:txBody>
-              <a:bodyPr wrap="square" rtlCol="0">
-                <a:spAutoFit/>
-              </a:bodyPr>
-              <a:lstStyle/>
-              <a:p>
-                <a:r>
-                  <a:rPr lang="en-US" sz="2000" dirty="0" err="1" smtClean="0"/>
-                  <a:t>h</a:t>
-                </a:r>
-                <a:r>
-                  <a:rPr lang="en-US" sz="2000" baseline="-25000" dirty="0" err="1" smtClean="0"/>
-                  <a:t>mqw</a:t>
-                </a:r>
-                <a:endParaRPr lang="en-US" sz="2000" baseline="-25000" dirty="0"/>
-              </a:p>
-            </p:txBody>
-          </p:sp>
-          <p:sp>
-            <p:nvSpPr>
-              <p:cNvPr id="70" name="TextBox 69"/>
-              <p:cNvSpPr txBox="1"/>
-              <p:nvPr/>
-            </p:nvSpPr>
-            <p:spPr>
-              <a:xfrm>
-                <a:off x="4732880" y="1969663"/>
-                <a:ext cx="1106489" cy="276999"/>
-              </a:xfrm>
-              <a:prstGeom prst="rect">
-                <a:avLst/>
-              </a:prstGeom>
-              <a:noFill/>
-            </p:spPr>
-            <p:txBody>
-              <a:bodyPr wrap="square" rtlCol="0">
-                <a:spAutoFit/>
-              </a:bodyPr>
-              <a:lstStyle/>
-              <a:p>
-                <a:pPr algn="ctr"/>
-                <a:r>
-                  <a:rPr lang="en-US" altLang="zh-CN" sz="1200" dirty="0" smtClean="0"/>
-                  <a:t>Ground Metal</a:t>
-                </a:r>
-                <a:endParaRPr lang="en-US" sz="1200" dirty="0"/>
-              </a:p>
-            </p:txBody>
-          </p:sp>
-          <p:cxnSp>
-            <p:nvCxnSpPr>
-              <p:cNvPr id="67" name="Straight Arrow Connector 66"/>
-              <p:cNvCxnSpPr/>
-              <p:nvPr/>
-            </p:nvCxnSpPr>
-            <p:spPr>
-              <a:xfrm>
-                <a:off x="3730746" y="2534512"/>
-                <a:ext cx="0" cy="156211"/>
-              </a:xfrm>
-              <a:prstGeom prst="straightConnector1">
-                <a:avLst/>
-              </a:prstGeom>
-              <a:ln>
-                <a:headEnd type="triangle" w="sm" len="sm"/>
-                <a:tailEnd type="triangle" w="sm" len="sm"/>
-              </a:ln>
-            </p:spPr>
-            <p:style>
-              <a:lnRef idx="1">
-                <a:schemeClr val="accent1"/>
-              </a:lnRef>
-              <a:fillRef idx="0">
-                <a:schemeClr val="accent1"/>
-              </a:fillRef>
-              <a:effectRef idx="0">
-                <a:schemeClr val="accent1"/>
-              </a:effectRef>
-              <a:fontRef idx="minor">
-                <a:schemeClr val="tx1"/>
-              </a:fontRef>
-            </p:style>
-          </p:cxnSp>
-          <p:cxnSp>
-            <p:nvCxnSpPr>
-              <p:cNvPr id="72" name="Straight Arrow Connector 71"/>
-              <p:cNvCxnSpPr>
-                <a:stCxn id="29" idx="0"/>
-              </p:cNvCxnSpPr>
-              <p:nvPr/>
-            </p:nvCxnSpPr>
-            <p:spPr>
-              <a:xfrm flipH="1" flipV="1">
-                <a:off x="5462814" y="2246662"/>
-                <a:ext cx="54928" cy="394663"/>
-              </a:xfrm>
-              <a:prstGeom prst="straightConnector1">
-                <a:avLst/>
-              </a:prstGeom>
-              <a:ln>
-                <a:solidFill>
-                  <a:schemeClr val="tx1"/>
-                </a:solidFill>
-                <a:tailEnd type="triangle"/>
-              </a:ln>
-            </p:spPr>
-            <p:style>
-              <a:lnRef idx="1">
-                <a:schemeClr val="accent1"/>
-              </a:lnRef>
-              <a:fillRef idx="0">
-                <a:schemeClr val="accent1"/>
-              </a:fillRef>
-              <a:effectRef idx="0">
-                <a:schemeClr val="accent1"/>
-              </a:effectRef>
-              <a:fontRef idx="minor">
-                <a:schemeClr val="tx1"/>
-              </a:fontRef>
-            </p:style>
-          </p:cxnSp>
-          <p:sp>
-            <p:nvSpPr>
-              <p:cNvPr id="75" name="TextBox 74"/>
-              <p:cNvSpPr txBox="1"/>
-              <p:nvPr/>
-            </p:nvSpPr>
-            <p:spPr>
-              <a:xfrm>
-                <a:off x="1983014" y="671660"/>
+                <a:off x="4403771" y="704317"/>
                 <a:ext cx="455386" cy="369332"/>
               </a:xfrm>
               <a:prstGeom prst="rect">
@@ -11374,22 +9694,2197 @@
               <a:p>
                 <a:r>
                   <a:rPr lang="en-US" dirty="0" smtClean="0"/>
-                  <a:t>(a)</a:t>
+                  <a:t>(b)</a:t>
                 </a:r>
                 <a:endParaRPr lang="en-US" dirty="0"/>
               </a:p>
             </p:txBody>
           </p:sp>
+          <p:grpSp>
+            <p:nvGrpSpPr>
+              <p:cNvPr id="66" name="Group 65"/>
+              <p:cNvGrpSpPr/>
+              <p:nvPr/>
+            </p:nvGrpSpPr>
+            <p:grpSpPr>
+              <a:xfrm>
+                <a:off x="676728" y="704317"/>
+                <a:ext cx="3856355" cy="4709010"/>
+                <a:chOff x="1983014" y="671660"/>
+                <a:chExt cx="3856355" cy="4709010"/>
+              </a:xfrm>
+            </p:grpSpPr>
+            <p:sp>
+              <p:nvSpPr>
+                <p:cNvPr id="52" name="Rectangle 51"/>
+                <p:cNvSpPr/>
+                <p:nvPr/>
+              </p:nvSpPr>
+              <p:spPr>
+                <a:xfrm>
+                  <a:off x="1983014" y="3114876"/>
+                  <a:ext cx="3856355" cy="156211"/>
+                </a:xfrm>
+                <a:prstGeom prst="rect">
+                  <a:avLst/>
+                </a:prstGeom>
+                <a:solidFill>
+                  <a:srgbClr val="3B3838"/>
+                </a:solidFill>
+                <a:ln>
+                  <a:noFill/>
+                </a:ln>
+              </p:spPr>
+              <p:style>
+                <a:lnRef idx="2">
+                  <a:schemeClr val="accent1">
+                    <a:shade val="50000"/>
+                  </a:schemeClr>
+                </a:lnRef>
+                <a:fillRef idx="1">
+                  <a:schemeClr val="accent1"/>
+                </a:fillRef>
+                <a:effectRef idx="0">
+                  <a:schemeClr val="accent1"/>
+                </a:effectRef>
+                <a:fontRef idx="minor">
+                  <a:schemeClr val="lt1"/>
+                </a:fontRef>
+              </p:style>
+              <p:txBody>
+                <a:bodyPr rtlCol="0" anchor="ctr"/>
+                <a:lstStyle/>
+                <a:p>
+                  <a:pPr algn="ctr"/>
+                  <a:r>
+                    <a:rPr lang="en-US" sz="1100" dirty="0"/>
+                    <a:t>n</a:t>
+                  </a:r>
+                  <a:r>
+                    <a:rPr lang="en-US" sz="1100" dirty="0" smtClean="0"/>
+                    <a:t>-</a:t>
+                  </a:r>
+                  <a:r>
+                    <a:rPr lang="en-US" sz="1100" dirty="0" err="1" smtClean="0"/>
+                    <a:t>InP</a:t>
+                  </a:r>
+                  <a:endParaRPr lang="en-US" sz="1100" dirty="0"/>
+                </a:p>
+              </p:txBody>
+            </p:sp>
+            <p:sp>
+              <p:nvSpPr>
+                <p:cNvPr id="22" name="Rectangle 21"/>
+                <p:cNvSpPr/>
+                <p:nvPr/>
+              </p:nvSpPr>
+              <p:spPr>
+                <a:xfrm>
+                  <a:off x="1983014" y="2827883"/>
+                  <a:ext cx="3856355" cy="156211"/>
+                </a:xfrm>
+                <a:prstGeom prst="rect">
+                  <a:avLst/>
+                </a:prstGeom>
+                <a:solidFill>
+                  <a:schemeClr val="accent4">
+                    <a:lumMod val="50000"/>
+                  </a:schemeClr>
+                </a:solidFill>
+                <a:ln>
+                  <a:noFill/>
+                </a:ln>
+              </p:spPr>
+              <p:style>
+                <a:lnRef idx="2">
+                  <a:schemeClr val="accent1">
+                    <a:shade val="50000"/>
+                  </a:schemeClr>
+                </a:lnRef>
+                <a:fillRef idx="1">
+                  <a:schemeClr val="accent1"/>
+                </a:fillRef>
+                <a:effectRef idx="0">
+                  <a:schemeClr val="accent1"/>
+                </a:effectRef>
+                <a:fontRef idx="minor">
+                  <a:schemeClr val="lt1"/>
+                </a:fontRef>
+              </p:style>
+              <p:txBody>
+                <a:bodyPr rtlCol="0" anchor="ctr"/>
+                <a:lstStyle/>
+                <a:p>
+                  <a:pPr algn="ctr"/>
+                  <a:r>
+                    <a:rPr lang="en-US" sz="1100" dirty="0"/>
+                    <a:t>n</a:t>
+                  </a:r>
+                  <a:r>
+                    <a:rPr lang="en-US" sz="1100" dirty="0" smtClean="0"/>
+                    <a:t>-</a:t>
+                  </a:r>
+                  <a:r>
+                    <a:rPr lang="en-US" sz="1100" dirty="0" err="1" smtClean="0"/>
+                    <a:t>InP</a:t>
+                  </a:r>
+                  <a:endParaRPr lang="en-US" sz="1100" dirty="0"/>
+                </a:p>
+              </p:txBody>
+            </p:sp>
+            <p:cxnSp>
+              <p:nvCxnSpPr>
+                <p:cNvPr id="6" name="Straight Arrow Connector 5"/>
+                <p:cNvCxnSpPr/>
+                <p:nvPr/>
+              </p:nvCxnSpPr>
+              <p:spPr>
+                <a:xfrm>
+                  <a:off x="4262485" y="1081290"/>
+                  <a:ext cx="366890" cy="0"/>
+                </a:xfrm>
+                <a:prstGeom prst="straightConnector1">
+                  <a:avLst/>
+                </a:prstGeom>
+                <a:ln>
+                  <a:solidFill>
+                    <a:schemeClr val="tx1"/>
+                  </a:solidFill>
+                  <a:tailEnd type="triangle"/>
+                </a:ln>
+              </p:spPr>
+              <p:style>
+                <a:lnRef idx="1">
+                  <a:schemeClr val="accent1"/>
+                </a:lnRef>
+                <a:fillRef idx="0">
+                  <a:schemeClr val="accent1"/>
+                </a:fillRef>
+                <a:effectRef idx="0">
+                  <a:schemeClr val="accent1"/>
+                </a:effectRef>
+                <a:fontRef idx="minor">
+                  <a:schemeClr val="tx1"/>
+                </a:fontRef>
+              </p:style>
+            </p:cxnSp>
+            <p:sp>
+              <p:nvSpPr>
+                <p:cNvPr id="7" name="TextBox 6"/>
+                <p:cNvSpPr txBox="1"/>
+                <p:nvPr/>
+              </p:nvSpPr>
+              <p:spPr>
+                <a:xfrm>
+                  <a:off x="4629375" y="950485"/>
+                  <a:ext cx="673100" cy="276999"/>
+                </a:xfrm>
+                <a:prstGeom prst="rect">
+                  <a:avLst/>
+                </a:prstGeom>
+                <a:noFill/>
+              </p:spPr>
+              <p:txBody>
+                <a:bodyPr wrap="square" rtlCol="0">
+                  <a:spAutoFit/>
+                </a:bodyPr>
+                <a:lstStyle/>
+                <a:p>
+                  <a:r>
+                    <a:rPr lang="en-US" altLang="zh-CN" sz="1200" dirty="0" err="1" smtClean="0"/>
+                    <a:t>InGaAs</a:t>
+                  </a:r>
+                  <a:endParaRPr lang="en-US" sz="1200" dirty="0"/>
+                </a:p>
+              </p:txBody>
+            </p:sp>
+            <p:sp>
+              <p:nvSpPr>
+                <p:cNvPr id="8" name="TextBox 7"/>
+                <p:cNvSpPr txBox="1"/>
+                <p:nvPr/>
+              </p:nvSpPr>
+              <p:spPr>
+                <a:xfrm>
+                  <a:off x="4629375" y="1407685"/>
+                  <a:ext cx="673100" cy="276999"/>
+                </a:xfrm>
+                <a:prstGeom prst="rect">
+                  <a:avLst/>
+                </a:prstGeom>
+                <a:noFill/>
+              </p:spPr>
+              <p:txBody>
+                <a:bodyPr wrap="square" rtlCol="0">
+                  <a:spAutoFit/>
+                </a:bodyPr>
+                <a:lstStyle/>
+                <a:p>
+                  <a:r>
+                    <a:rPr lang="en-US" altLang="zh-CN" sz="1200" dirty="0" smtClean="0"/>
+                    <a:t>p-</a:t>
+                  </a:r>
+                  <a:r>
+                    <a:rPr lang="en-US" altLang="zh-CN" sz="1200" dirty="0" err="1" smtClean="0"/>
+                    <a:t>InP</a:t>
+                  </a:r>
+                  <a:endParaRPr lang="en-US" sz="1200" dirty="0"/>
+                </a:p>
+              </p:txBody>
+            </p:sp>
+            <p:cxnSp>
+              <p:nvCxnSpPr>
+                <p:cNvPr id="9" name="Straight Arrow Connector 8"/>
+                <p:cNvCxnSpPr/>
+                <p:nvPr/>
+              </p:nvCxnSpPr>
+              <p:spPr>
+                <a:xfrm>
+                  <a:off x="4262485" y="1538490"/>
+                  <a:ext cx="366890" cy="0"/>
+                </a:xfrm>
+                <a:prstGeom prst="straightConnector1">
+                  <a:avLst/>
+                </a:prstGeom>
+                <a:ln>
+                  <a:solidFill>
+                    <a:schemeClr val="tx1"/>
+                  </a:solidFill>
+                  <a:tailEnd type="triangle"/>
+                </a:ln>
+              </p:spPr>
+              <p:style>
+                <a:lnRef idx="1">
+                  <a:schemeClr val="accent1"/>
+                </a:lnRef>
+                <a:fillRef idx="0">
+                  <a:schemeClr val="accent1"/>
+                </a:fillRef>
+                <a:effectRef idx="0">
+                  <a:schemeClr val="accent1"/>
+                </a:effectRef>
+                <a:fontRef idx="minor">
+                  <a:schemeClr val="tx1"/>
+                </a:fontRef>
+              </p:style>
+            </p:cxnSp>
+            <p:cxnSp>
+              <p:nvCxnSpPr>
+                <p:cNvPr id="10" name="Straight Arrow Connector 9"/>
+                <p:cNvCxnSpPr/>
+                <p:nvPr/>
+              </p:nvCxnSpPr>
+              <p:spPr>
+                <a:xfrm>
+                  <a:off x="4262485" y="2452890"/>
+                  <a:ext cx="366890" cy="0"/>
+                </a:xfrm>
+                <a:prstGeom prst="straightConnector1">
+                  <a:avLst/>
+                </a:prstGeom>
+                <a:ln>
+                  <a:solidFill>
+                    <a:schemeClr val="tx1"/>
+                  </a:solidFill>
+                  <a:tailEnd type="triangle"/>
+                </a:ln>
+              </p:spPr>
+              <p:style>
+                <a:lnRef idx="1">
+                  <a:schemeClr val="accent1"/>
+                </a:lnRef>
+                <a:fillRef idx="0">
+                  <a:schemeClr val="accent1"/>
+                </a:fillRef>
+                <a:effectRef idx="0">
+                  <a:schemeClr val="accent1"/>
+                </a:effectRef>
+                <a:fontRef idx="minor">
+                  <a:schemeClr val="tx1"/>
+                </a:fontRef>
+              </p:style>
+            </p:cxnSp>
+            <p:cxnSp>
+              <p:nvCxnSpPr>
+                <p:cNvPr id="11" name="Straight Arrow Connector 10"/>
+                <p:cNvCxnSpPr/>
+                <p:nvPr/>
+              </p:nvCxnSpPr>
+              <p:spPr>
+                <a:xfrm>
+                  <a:off x="4262485" y="2779824"/>
+                  <a:ext cx="366890" cy="0"/>
+                </a:xfrm>
+                <a:prstGeom prst="straightConnector1">
+                  <a:avLst/>
+                </a:prstGeom>
+                <a:ln>
+                  <a:solidFill>
+                    <a:schemeClr val="tx1"/>
+                  </a:solidFill>
+                  <a:tailEnd type="triangle"/>
+                </a:ln>
+              </p:spPr>
+              <p:style>
+                <a:lnRef idx="1">
+                  <a:schemeClr val="accent1"/>
+                </a:lnRef>
+                <a:fillRef idx="0">
+                  <a:schemeClr val="accent1"/>
+                </a:fillRef>
+                <a:effectRef idx="0">
+                  <a:schemeClr val="accent1"/>
+                </a:effectRef>
+                <a:fontRef idx="minor">
+                  <a:schemeClr val="tx1"/>
+                </a:fontRef>
+              </p:style>
+            </p:cxnSp>
+            <p:sp>
+              <p:nvSpPr>
+                <p:cNvPr id="12" name="TextBox 11"/>
+                <p:cNvSpPr txBox="1"/>
+                <p:nvPr/>
+              </p:nvSpPr>
+              <p:spPr>
+                <a:xfrm>
+                  <a:off x="4629375" y="2286301"/>
+                  <a:ext cx="673100" cy="276999"/>
+                </a:xfrm>
+                <a:prstGeom prst="rect">
+                  <a:avLst/>
+                </a:prstGeom>
+                <a:noFill/>
+              </p:spPr>
+              <p:txBody>
+                <a:bodyPr wrap="square" rtlCol="0">
+                  <a:spAutoFit/>
+                </a:bodyPr>
+                <a:lstStyle/>
+                <a:p>
+                  <a:r>
+                    <a:rPr lang="en-US" altLang="zh-CN" sz="1200" dirty="0" smtClean="0"/>
+                    <a:t>SCH</a:t>
+                  </a:r>
+                  <a:endParaRPr lang="en-US" sz="1200" dirty="0"/>
+                </a:p>
+              </p:txBody>
+            </p:sp>
+            <p:sp>
+              <p:nvSpPr>
+                <p:cNvPr id="13" name="TextBox 12"/>
+                <p:cNvSpPr txBox="1"/>
+                <p:nvPr/>
+              </p:nvSpPr>
+              <p:spPr>
+                <a:xfrm>
+                  <a:off x="4629375" y="2641325"/>
+                  <a:ext cx="673100" cy="276999"/>
+                </a:xfrm>
+                <a:prstGeom prst="rect">
+                  <a:avLst/>
+                </a:prstGeom>
+                <a:noFill/>
+              </p:spPr>
+              <p:txBody>
+                <a:bodyPr wrap="square" rtlCol="0">
+                  <a:spAutoFit/>
+                </a:bodyPr>
+                <a:lstStyle/>
+                <a:p>
+                  <a:r>
+                    <a:rPr lang="en-US" altLang="zh-CN" sz="1200" dirty="0" smtClean="0"/>
+                    <a:t>SCH</a:t>
+                  </a:r>
+                  <a:endParaRPr lang="en-US" sz="1200" dirty="0"/>
+                </a:p>
+              </p:txBody>
+            </p:sp>
+            <p:cxnSp>
+              <p:nvCxnSpPr>
+                <p:cNvPr id="14" name="Straight Arrow Connector 13"/>
+                <p:cNvCxnSpPr/>
+                <p:nvPr/>
+              </p:nvCxnSpPr>
+              <p:spPr>
+                <a:xfrm>
+                  <a:off x="4262485" y="2598236"/>
+                  <a:ext cx="366890" cy="0"/>
+                </a:xfrm>
+                <a:prstGeom prst="straightConnector1">
+                  <a:avLst/>
+                </a:prstGeom>
+                <a:ln>
+                  <a:solidFill>
+                    <a:schemeClr val="tx1"/>
+                  </a:solidFill>
+                  <a:tailEnd type="triangle"/>
+                </a:ln>
+              </p:spPr>
+              <p:style>
+                <a:lnRef idx="1">
+                  <a:schemeClr val="accent1"/>
+                </a:lnRef>
+                <a:fillRef idx="0">
+                  <a:schemeClr val="accent1"/>
+                </a:fillRef>
+                <a:effectRef idx="0">
+                  <a:schemeClr val="accent1"/>
+                </a:effectRef>
+                <a:fontRef idx="minor">
+                  <a:schemeClr val="tx1"/>
+                </a:fontRef>
+              </p:style>
+            </p:cxnSp>
+            <p:sp>
+              <p:nvSpPr>
+                <p:cNvPr id="15" name="TextBox 14"/>
+                <p:cNvSpPr txBox="1"/>
+                <p:nvPr/>
+              </p:nvSpPr>
+              <p:spPr>
+                <a:xfrm>
+                  <a:off x="4629375" y="2480980"/>
+                  <a:ext cx="673100" cy="276999"/>
+                </a:xfrm>
+                <a:prstGeom prst="rect">
+                  <a:avLst/>
+                </a:prstGeom>
+                <a:noFill/>
+              </p:spPr>
+              <p:txBody>
+                <a:bodyPr wrap="square" rtlCol="0">
+                  <a:spAutoFit/>
+                </a:bodyPr>
+                <a:lstStyle/>
+                <a:p>
+                  <a:r>
+                    <a:rPr lang="en-US" altLang="zh-CN" sz="1200" dirty="0" smtClean="0"/>
+                    <a:t>MQW</a:t>
+                  </a:r>
+                  <a:endParaRPr lang="en-US" sz="1200" dirty="0"/>
+                </a:p>
+              </p:txBody>
+            </p:sp>
+            <p:sp>
+              <p:nvSpPr>
+                <p:cNvPr id="19" name="Rectangle 18"/>
+                <p:cNvSpPr/>
+                <p:nvPr/>
+              </p:nvSpPr>
+              <p:spPr>
+                <a:xfrm>
+                  <a:off x="3500347" y="1040992"/>
+                  <a:ext cx="821689" cy="161290"/>
+                </a:xfrm>
+                <a:prstGeom prst="rect">
+                  <a:avLst/>
+                </a:prstGeom>
+                <a:solidFill>
+                  <a:schemeClr val="accent4">
+                    <a:lumMod val="75000"/>
+                  </a:schemeClr>
+                </a:solidFill>
+                <a:ln>
+                  <a:noFill/>
+                </a:ln>
+              </p:spPr>
+              <p:style>
+                <a:lnRef idx="2">
+                  <a:schemeClr val="accent1">
+                    <a:shade val="50000"/>
+                  </a:schemeClr>
+                </a:lnRef>
+                <a:fillRef idx="1">
+                  <a:schemeClr val="accent1"/>
+                </a:fillRef>
+                <a:effectRef idx="0">
+                  <a:schemeClr val="accent1"/>
+                </a:effectRef>
+                <a:fontRef idx="minor">
+                  <a:schemeClr val="lt1"/>
+                </a:fontRef>
+              </p:style>
+              <p:txBody>
+                <a:bodyPr rtlCol="0" anchor="ctr"/>
+                <a:lstStyle/>
+                <a:p>
+                  <a:pPr algn="ctr"/>
+                  <a:endParaRPr lang="en-US"/>
+                </a:p>
+              </p:txBody>
+            </p:sp>
+            <p:sp>
+              <p:nvSpPr>
+                <p:cNvPr id="20" name="Rectangle 19"/>
+                <p:cNvSpPr/>
+                <p:nvPr/>
+              </p:nvSpPr>
+              <p:spPr>
+                <a:xfrm>
+                  <a:off x="3589564" y="2374492"/>
+                  <a:ext cx="643255" cy="160020"/>
+                </a:xfrm>
+                <a:prstGeom prst="rect">
+                  <a:avLst/>
+                </a:prstGeom>
+                <a:solidFill>
+                  <a:srgbClr val="FF0000"/>
+                </a:solidFill>
+                <a:ln>
+                  <a:noFill/>
+                </a:ln>
+              </p:spPr>
+              <p:style>
+                <a:lnRef idx="2">
+                  <a:schemeClr val="accent1">
+                    <a:shade val="50000"/>
+                  </a:schemeClr>
+                </a:lnRef>
+                <a:fillRef idx="1">
+                  <a:schemeClr val="accent1"/>
+                </a:fillRef>
+                <a:effectRef idx="0">
+                  <a:schemeClr val="accent1"/>
+                </a:effectRef>
+                <a:fontRef idx="minor">
+                  <a:schemeClr val="lt1"/>
+                </a:fontRef>
+              </p:style>
+              <p:txBody>
+                <a:bodyPr rtlCol="0" anchor="ctr"/>
+                <a:lstStyle/>
+                <a:p>
+                  <a:pPr algn="ctr"/>
+                  <a:endParaRPr lang="en-US"/>
+                </a:p>
+              </p:txBody>
+            </p:sp>
+            <p:sp>
+              <p:nvSpPr>
+                <p:cNvPr id="21" name="Rectangle 20"/>
+                <p:cNvSpPr/>
+                <p:nvPr/>
+              </p:nvSpPr>
+              <p:spPr>
+                <a:xfrm>
+                  <a:off x="3589564" y="2690723"/>
+                  <a:ext cx="643255" cy="137160"/>
+                </a:xfrm>
+                <a:prstGeom prst="rect">
+                  <a:avLst/>
+                </a:prstGeom>
+                <a:solidFill>
+                  <a:srgbClr val="FF0000"/>
+                </a:solidFill>
+                <a:ln>
+                  <a:noFill/>
+                </a:ln>
+              </p:spPr>
+              <p:style>
+                <a:lnRef idx="2">
+                  <a:schemeClr val="accent1">
+                    <a:shade val="50000"/>
+                  </a:schemeClr>
+                </a:lnRef>
+                <a:fillRef idx="1">
+                  <a:schemeClr val="accent1"/>
+                </a:fillRef>
+                <a:effectRef idx="0">
+                  <a:schemeClr val="accent1"/>
+                </a:effectRef>
+                <a:fontRef idx="minor">
+                  <a:schemeClr val="lt1"/>
+                </a:fontRef>
+              </p:style>
+              <p:txBody>
+                <a:bodyPr rtlCol="0" anchor="ctr"/>
+                <a:lstStyle/>
+                <a:p>
+                  <a:pPr algn="ctr"/>
+                  <a:endParaRPr lang="en-US"/>
+                </a:p>
+              </p:txBody>
+            </p:sp>
+            <p:sp>
+              <p:nvSpPr>
+                <p:cNvPr id="24" name="Rectangle 23"/>
+                <p:cNvSpPr/>
+                <p:nvPr/>
+              </p:nvSpPr>
+              <p:spPr>
+                <a:xfrm>
+                  <a:off x="3589564" y="2534512"/>
+                  <a:ext cx="643255" cy="156211"/>
+                </a:xfrm>
+                <a:prstGeom prst="rect">
+                  <a:avLst/>
+                </a:prstGeom>
+                <a:solidFill>
+                  <a:srgbClr val="FF7979"/>
+                </a:solidFill>
+                <a:ln>
+                  <a:noFill/>
+                </a:ln>
+              </p:spPr>
+              <p:style>
+                <a:lnRef idx="2">
+                  <a:schemeClr val="accent1">
+                    <a:shade val="50000"/>
+                  </a:schemeClr>
+                </a:lnRef>
+                <a:fillRef idx="1">
+                  <a:schemeClr val="accent1"/>
+                </a:fillRef>
+                <a:effectRef idx="0">
+                  <a:schemeClr val="accent1"/>
+                </a:effectRef>
+                <a:fontRef idx="minor">
+                  <a:schemeClr val="lt1"/>
+                </a:fontRef>
+              </p:style>
+              <p:txBody>
+                <a:bodyPr rtlCol="0" anchor="ctr"/>
+                <a:lstStyle/>
+                <a:p>
+                  <a:pPr algn="ctr"/>
+                  <a:endParaRPr lang="en-US"/>
+                </a:p>
+              </p:txBody>
+            </p:sp>
+            <p:sp>
+              <p:nvSpPr>
+                <p:cNvPr id="25" name="Rectangle 24"/>
+                <p:cNvSpPr/>
+                <p:nvPr/>
+              </p:nvSpPr>
+              <p:spPr>
+                <a:xfrm>
+                  <a:off x="3500347" y="1147673"/>
+                  <a:ext cx="821689" cy="1226820"/>
+                </a:xfrm>
+                <a:prstGeom prst="rect">
+                  <a:avLst/>
+                </a:prstGeom>
+                <a:solidFill>
+                  <a:srgbClr val="FFB200"/>
+                </a:solidFill>
+                <a:ln>
+                  <a:noFill/>
+                </a:ln>
+              </p:spPr>
+              <p:style>
+                <a:lnRef idx="2">
+                  <a:schemeClr val="accent1">
+                    <a:shade val="50000"/>
+                  </a:schemeClr>
+                </a:lnRef>
+                <a:fillRef idx="1">
+                  <a:schemeClr val="accent1"/>
+                </a:fillRef>
+                <a:effectRef idx="0">
+                  <a:schemeClr val="accent1"/>
+                </a:effectRef>
+                <a:fontRef idx="minor">
+                  <a:schemeClr val="lt1"/>
+                </a:fontRef>
+              </p:style>
+              <p:txBody>
+                <a:bodyPr rtlCol="0" anchor="ctr"/>
+                <a:lstStyle/>
+                <a:p>
+                  <a:pPr algn="ctr"/>
+                  <a:endParaRPr lang="en-US"/>
+                </a:p>
+              </p:txBody>
+            </p:sp>
+            <p:sp>
+              <p:nvSpPr>
+                <p:cNvPr id="27" name="Rectangle 26"/>
+                <p:cNvSpPr/>
+                <p:nvPr/>
+              </p:nvSpPr>
+              <p:spPr>
+                <a:xfrm>
+                  <a:off x="3500347" y="780007"/>
+                  <a:ext cx="821689" cy="260985"/>
+                </a:xfrm>
+                <a:prstGeom prst="rect">
+                  <a:avLst/>
+                </a:prstGeom>
+                <a:solidFill>
+                  <a:srgbClr val="FFFF00"/>
+                </a:solidFill>
+                <a:ln>
+                  <a:noFill/>
+                </a:ln>
+              </p:spPr>
+              <p:style>
+                <a:lnRef idx="2">
+                  <a:schemeClr val="accent1">
+                    <a:shade val="50000"/>
+                  </a:schemeClr>
+                </a:lnRef>
+                <a:fillRef idx="1">
+                  <a:schemeClr val="accent1"/>
+                </a:fillRef>
+                <a:effectRef idx="0">
+                  <a:schemeClr val="accent1"/>
+                </a:effectRef>
+                <a:fontRef idx="minor">
+                  <a:schemeClr val="lt1"/>
+                </a:fontRef>
+              </p:style>
+              <p:txBody>
+                <a:bodyPr rtlCol="0" anchor="ctr"/>
+                <a:lstStyle/>
+                <a:p>
+                  <a:pPr algn="ctr"/>
+                  <a:endParaRPr lang="en-US"/>
+                </a:p>
+              </p:txBody>
+            </p:sp>
+            <p:sp>
+              <p:nvSpPr>
+                <p:cNvPr id="28" name="Rectangle 27"/>
+                <p:cNvSpPr/>
+                <p:nvPr/>
+              </p:nvSpPr>
+              <p:spPr>
+                <a:xfrm>
+                  <a:off x="1983014" y="2641325"/>
+                  <a:ext cx="643255" cy="189108"/>
+                </a:xfrm>
+                <a:prstGeom prst="rect">
+                  <a:avLst/>
+                </a:prstGeom>
+                <a:solidFill>
+                  <a:srgbClr val="FFFF00"/>
+                </a:solidFill>
+                <a:ln>
+                  <a:noFill/>
+                </a:ln>
+              </p:spPr>
+              <p:style>
+                <a:lnRef idx="2">
+                  <a:schemeClr val="accent1">
+                    <a:shade val="50000"/>
+                  </a:schemeClr>
+                </a:lnRef>
+                <a:fillRef idx="1">
+                  <a:schemeClr val="accent1"/>
+                </a:fillRef>
+                <a:effectRef idx="0">
+                  <a:schemeClr val="accent1"/>
+                </a:effectRef>
+                <a:fontRef idx="minor">
+                  <a:schemeClr val="lt1"/>
+                </a:fontRef>
+              </p:style>
+              <p:txBody>
+                <a:bodyPr rtlCol="0" anchor="ctr"/>
+                <a:lstStyle/>
+                <a:p>
+                  <a:pPr algn="ctr"/>
+                  <a:endParaRPr lang="en-US"/>
+                </a:p>
+              </p:txBody>
+            </p:sp>
+            <p:sp>
+              <p:nvSpPr>
+                <p:cNvPr id="29" name="Rectangle 28"/>
+                <p:cNvSpPr/>
+                <p:nvPr/>
+              </p:nvSpPr>
+              <p:spPr>
+                <a:xfrm>
+                  <a:off x="5196114" y="2641325"/>
+                  <a:ext cx="643255" cy="189108"/>
+                </a:xfrm>
+                <a:prstGeom prst="rect">
+                  <a:avLst/>
+                </a:prstGeom>
+                <a:solidFill>
+                  <a:srgbClr val="FFFF00"/>
+                </a:solidFill>
+                <a:ln>
+                  <a:noFill/>
+                </a:ln>
+              </p:spPr>
+              <p:style>
+                <a:lnRef idx="2">
+                  <a:schemeClr val="accent1">
+                    <a:shade val="50000"/>
+                  </a:schemeClr>
+                </a:lnRef>
+                <a:fillRef idx="1">
+                  <a:schemeClr val="accent1"/>
+                </a:fillRef>
+                <a:effectRef idx="0">
+                  <a:schemeClr val="accent1"/>
+                </a:effectRef>
+                <a:fontRef idx="minor">
+                  <a:schemeClr val="lt1"/>
+                </a:fontRef>
+              </p:style>
+              <p:txBody>
+                <a:bodyPr rtlCol="0" anchor="ctr"/>
+                <a:lstStyle/>
+                <a:p>
+                  <a:pPr algn="ctr"/>
+                  <a:endParaRPr lang="en-US"/>
+                </a:p>
+              </p:txBody>
+            </p:sp>
+            <p:sp>
+              <p:nvSpPr>
+                <p:cNvPr id="32" name="Rectangle 31"/>
+                <p:cNvSpPr/>
+                <p:nvPr/>
+              </p:nvSpPr>
+              <p:spPr>
+                <a:xfrm>
+                  <a:off x="1983014" y="4316324"/>
+                  <a:ext cx="3856355" cy="1064346"/>
+                </a:xfrm>
+                <a:custGeom>
+                  <a:avLst/>
+                  <a:gdLst>
+                    <a:gd name="connsiteX0" fmla="*/ 0 w 3856355"/>
+                    <a:gd name="connsiteY0" fmla="*/ 0 h 936623"/>
+                    <a:gd name="connsiteX1" fmla="*/ 3856355 w 3856355"/>
+                    <a:gd name="connsiteY1" fmla="*/ 0 h 936623"/>
+                    <a:gd name="connsiteX2" fmla="*/ 3856355 w 3856355"/>
+                    <a:gd name="connsiteY2" fmla="*/ 936623 h 936623"/>
+                    <a:gd name="connsiteX3" fmla="*/ 0 w 3856355"/>
+                    <a:gd name="connsiteY3" fmla="*/ 936623 h 936623"/>
+                    <a:gd name="connsiteX4" fmla="*/ 0 w 3856355"/>
+                    <a:gd name="connsiteY4" fmla="*/ 0 h 936623"/>
+                    <a:gd name="connsiteX0" fmla="*/ 0 w 3856355"/>
+                    <a:gd name="connsiteY0" fmla="*/ 0 h 936623"/>
+                    <a:gd name="connsiteX1" fmla="*/ 3856355 w 3856355"/>
+                    <a:gd name="connsiteY1" fmla="*/ 0 h 936623"/>
+                    <a:gd name="connsiteX2" fmla="*/ 3856355 w 3856355"/>
+                    <a:gd name="connsiteY2" fmla="*/ 936623 h 936623"/>
+                    <a:gd name="connsiteX3" fmla="*/ 830944 w 3856355"/>
+                    <a:gd name="connsiteY3" fmla="*/ 776059 h 936623"/>
+                    <a:gd name="connsiteX4" fmla="*/ 0 w 3856355"/>
+                    <a:gd name="connsiteY4" fmla="*/ 936623 h 936623"/>
+                    <a:gd name="connsiteX5" fmla="*/ 0 w 3856355"/>
+                    <a:gd name="connsiteY5" fmla="*/ 0 h 936623"/>
+                    <a:gd name="connsiteX0" fmla="*/ 0 w 3856355"/>
+                    <a:gd name="connsiteY0" fmla="*/ 0 h 1064346"/>
+                    <a:gd name="connsiteX1" fmla="*/ 3856355 w 3856355"/>
+                    <a:gd name="connsiteY1" fmla="*/ 0 h 1064346"/>
+                    <a:gd name="connsiteX2" fmla="*/ 3856355 w 3856355"/>
+                    <a:gd name="connsiteY2" fmla="*/ 936623 h 1064346"/>
+                    <a:gd name="connsiteX3" fmla="*/ 2942772 w 3856355"/>
+                    <a:gd name="connsiteY3" fmla="*/ 1048202 h 1064346"/>
+                    <a:gd name="connsiteX4" fmla="*/ 830944 w 3856355"/>
+                    <a:gd name="connsiteY4" fmla="*/ 776059 h 1064346"/>
+                    <a:gd name="connsiteX5" fmla="*/ 0 w 3856355"/>
+                    <a:gd name="connsiteY5" fmla="*/ 936623 h 1064346"/>
+                    <a:gd name="connsiteX6" fmla="*/ 0 w 3856355"/>
+                    <a:gd name="connsiteY6" fmla="*/ 0 h 1064346"/>
+                  </a:gdLst>
+                  <a:ahLst/>
+                  <a:cxnLst>
+                    <a:cxn ang="0">
+                      <a:pos x="connsiteX0" y="connsiteY0"/>
+                    </a:cxn>
+                    <a:cxn ang="0">
+                      <a:pos x="connsiteX1" y="connsiteY1"/>
+                    </a:cxn>
+                    <a:cxn ang="0">
+                      <a:pos x="connsiteX2" y="connsiteY2"/>
+                    </a:cxn>
+                    <a:cxn ang="0">
+                      <a:pos x="connsiteX3" y="connsiteY3"/>
+                    </a:cxn>
+                    <a:cxn ang="0">
+                      <a:pos x="connsiteX4" y="connsiteY4"/>
+                    </a:cxn>
+                    <a:cxn ang="0">
+                      <a:pos x="connsiteX5" y="connsiteY5"/>
+                    </a:cxn>
+                    <a:cxn ang="0">
+                      <a:pos x="connsiteX6" y="connsiteY6"/>
+                    </a:cxn>
+                  </a:cxnLst>
+                  <a:rect l="l" t="t" r="r" b="b"/>
+                  <a:pathLst>
+                    <a:path w="3856355" h="1064346">
+                      <a:moveTo>
+                        <a:pt x="0" y="0"/>
+                      </a:moveTo>
+                      <a:lnTo>
+                        <a:pt x="3856355" y="0"/>
+                      </a:lnTo>
+                      <a:lnTo>
+                        <a:pt x="3856355" y="936623"/>
+                      </a:lnTo>
+                      <a:cubicBezTo>
+                        <a:pt x="3707720" y="1085923"/>
+                        <a:pt x="3447007" y="1074963"/>
+                        <a:pt x="2942772" y="1048202"/>
+                      </a:cubicBezTo>
+                      <a:cubicBezTo>
+                        <a:pt x="2438537" y="1021441"/>
+                        <a:pt x="1325035" y="769256"/>
+                        <a:pt x="830944" y="776059"/>
+                      </a:cubicBezTo>
+                      <a:lnTo>
+                        <a:pt x="0" y="936623"/>
+                      </a:lnTo>
+                      <a:lnTo>
+                        <a:pt x="0" y="0"/>
+                      </a:lnTo>
+                      <a:close/>
+                    </a:path>
+                  </a:pathLst>
+                </a:custGeom>
+                <a:solidFill>
+                  <a:schemeClr val="bg2">
+                    <a:lumMod val="25000"/>
+                  </a:schemeClr>
+                </a:solidFill>
+                <a:ln>
+                  <a:noFill/>
+                </a:ln>
+              </p:spPr>
+              <p:style>
+                <a:lnRef idx="2">
+                  <a:schemeClr val="accent1">
+                    <a:shade val="50000"/>
+                  </a:schemeClr>
+                </a:lnRef>
+                <a:fillRef idx="1">
+                  <a:schemeClr val="accent1"/>
+                </a:fillRef>
+                <a:effectRef idx="0">
+                  <a:schemeClr val="accent1"/>
+                </a:effectRef>
+                <a:fontRef idx="minor">
+                  <a:schemeClr val="lt1"/>
+                </a:fontRef>
+              </p:style>
+              <p:txBody>
+                <a:bodyPr rtlCol="0" anchor="ctr"/>
+                <a:lstStyle/>
+                <a:p>
+                  <a:pPr algn="ctr"/>
+                  <a:r>
+                    <a:rPr lang="en-US" altLang="zh-CN" dirty="0" smtClean="0"/>
+                    <a:t>Substrate</a:t>
+                  </a:r>
+                  <a:endParaRPr lang="en-US" dirty="0"/>
+                </a:p>
+              </p:txBody>
+            </p:sp>
+            <p:sp>
+              <p:nvSpPr>
+                <p:cNvPr id="33" name="Rectangle 32"/>
+                <p:cNvSpPr/>
+                <p:nvPr/>
+              </p:nvSpPr>
+              <p:spPr>
+                <a:xfrm>
+                  <a:off x="3730746" y="3060922"/>
+                  <a:ext cx="360890" cy="216544"/>
+                </a:xfrm>
+                <a:prstGeom prst="rect">
+                  <a:avLst/>
+                </a:prstGeom>
+                <a:solidFill>
+                  <a:schemeClr val="bg2">
+                    <a:lumMod val="25000"/>
+                  </a:schemeClr>
+                </a:solidFill>
+                <a:ln>
+                  <a:noFill/>
+                </a:ln>
+              </p:spPr>
+              <p:style>
+                <a:lnRef idx="2">
+                  <a:schemeClr val="accent1">
+                    <a:shade val="50000"/>
+                  </a:schemeClr>
+                </a:lnRef>
+                <a:fillRef idx="1">
+                  <a:schemeClr val="accent1"/>
+                </a:fillRef>
+                <a:effectRef idx="0">
+                  <a:schemeClr val="accent1"/>
+                </a:effectRef>
+                <a:fontRef idx="minor">
+                  <a:schemeClr val="lt1"/>
+                </a:fontRef>
+              </p:style>
+              <p:txBody>
+                <a:bodyPr rtlCol="0" anchor="ctr"/>
+                <a:lstStyle/>
+                <a:p>
+                  <a:pPr algn="ctr"/>
+                  <a:endParaRPr lang="en-US"/>
+                </a:p>
+              </p:txBody>
+            </p:sp>
+            <p:sp>
+              <p:nvSpPr>
+                <p:cNvPr id="31" name="Rectangle 30"/>
+                <p:cNvSpPr/>
+                <p:nvPr/>
+              </p:nvSpPr>
+              <p:spPr>
+                <a:xfrm>
+                  <a:off x="1983014" y="3268010"/>
+                  <a:ext cx="3856355" cy="1053394"/>
+                </a:xfrm>
+                <a:prstGeom prst="rect">
+                  <a:avLst/>
+                </a:prstGeom>
+                <a:solidFill>
+                  <a:srgbClr val="00B0F0"/>
+                </a:solidFill>
+                <a:ln>
+                  <a:noFill/>
+                </a:ln>
+              </p:spPr>
+              <p:style>
+                <a:lnRef idx="2">
+                  <a:schemeClr val="accent1">
+                    <a:shade val="50000"/>
+                  </a:schemeClr>
+                </a:lnRef>
+                <a:fillRef idx="1">
+                  <a:schemeClr val="accent1"/>
+                </a:fillRef>
+                <a:effectRef idx="0">
+                  <a:schemeClr val="accent1"/>
+                </a:effectRef>
+                <a:fontRef idx="minor">
+                  <a:schemeClr val="lt1"/>
+                </a:fontRef>
+              </p:style>
+              <p:txBody>
+                <a:bodyPr rtlCol="0" anchor="ctr"/>
+                <a:lstStyle/>
+                <a:p>
+                  <a:pPr algn="ctr"/>
+                  <a:r>
+                    <a:rPr lang="en-US" altLang="zh-CN" dirty="0" smtClean="0"/>
+                    <a:t>SiO</a:t>
+                  </a:r>
+                  <a:r>
+                    <a:rPr lang="en-US" altLang="zh-CN" baseline="-25000" dirty="0" smtClean="0"/>
+                    <a:t>2</a:t>
+                  </a:r>
+                  <a:endParaRPr lang="en-US" baseline="-25000" dirty="0"/>
+                </a:p>
+              </p:txBody>
+            </p:sp>
+            <p:cxnSp>
+              <p:nvCxnSpPr>
+                <p:cNvPr id="36" name="Straight Arrow Connector 35"/>
+                <p:cNvCxnSpPr/>
+                <p:nvPr/>
+              </p:nvCxnSpPr>
+              <p:spPr>
+                <a:xfrm>
+                  <a:off x="4262485" y="881919"/>
+                  <a:ext cx="366890" cy="0"/>
+                </a:xfrm>
+                <a:prstGeom prst="straightConnector1">
+                  <a:avLst/>
+                </a:prstGeom>
+                <a:ln>
+                  <a:solidFill>
+                    <a:schemeClr val="tx1"/>
+                  </a:solidFill>
+                  <a:tailEnd type="triangle"/>
+                </a:ln>
+              </p:spPr>
+              <p:style>
+                <a:lnRef idx="1">
+                  <a:schemeClr val="accent1"/>
+                </a:lnRef>
+                <a:fillRef idx="0">
+                  <a:schemeClr val="accent1"/>
+                </a:fillRef>
+                <a:effectRef idx="0">
+                  <a:schemeClr val="accent1"/>
+                </a:effectRef>
+                <a:fontRef idx="minor">
+                  <a:schemeClr val="tx1"/>
+                </a:fontRef>
+              </p:style>
+            </p:cxnSp>
+            <p:sp>
+              <p:nvSpPr>
+                <p:cNvPr id="37" name="TextBox 36"/>
+                <p:cNvSpPr txBox="1"/>
+                <p:nvPr/>
+              </p:nvSpPr>
+              <p:spPr>
+                <a:xfrm>
+                  <a:off x="4629375" y="751114"/>
+                  <a:ext cx="1106489" cy="276999"/>
+                </a:xfrm>
+                <a:prstGeom prst="rect">
+                  <a:avLst/>
+                </a:prstGeom>
+                <a:noFill/>
+              </p:spPr>
+              <p:txBody>
+                <a:bodyPr wrap="square" rtlCol="0">
+                  <a:spAutoFit/>
+                </a:bodyPr>
+                <a:lstStyle/>
+                <a:p>
+                  <a:r>
+                    <a:rPr lang="en-US" altLang="zh-CN" sz="1200" dirty="0" smtClean="0"/>
+                    <a:t>Source Metal</a:t>
+                  </a:r>
+                  <a:endParaRPr lang="en-US" sz="1200" dirty="0"/>
+                </a:p>
+              </p:txBody>
+            </p:sp>
+            <p:cxnSp>
+              <p:nvCxnSpPr>
+                <p:cNvPr id="38" name="Straight Arrow Connector 37"/>
+                <p:cNvCxnSpPr/>
+                <p:nvPr/>
+              </p:nvCxnSpPr>
+              <p:spPr>
+                <a:xfrm flipV="1">
+                  <a:off x="4152383" y="3060922"/>
+                  <a:ext cx="327841" cy="53954"/>
+                </a:xfrm>
+                <a:prstGeom prst="straightConnector1">
+                  <a:avLst/>
+                </a:prstGeom>
+                <a:ln>
+                  <a:solidFill>
+                    <a:schemeClr val="tx1"/>
+                  </a:solidFill>
+                  <a:tailEnd type="triangle"/>
+                </a:ln>
+              </p:spPr>
+              <p:style>
+                <a:lnRef idx="1">
+                  <a:schemeClr val="accent1"/>
+                </a:lnRef>
+                <a:fillRef idx="0">
+                  <a:schemeClr val="accent1"/>
+                </a:fillRef>
+                <a:effectRef idx="0">
+                  <a:schemeClr val="accent1"/>
+                </a:effectRef>
+                <a:fontRef idx="minor">
+                  <a:schemeClr val="tx1"/>
+                </a:fontRef>
+              </p:style>
+            </p:cxnSp>
+            <p:sp>
+              <p:nvSpPr>
+                <p:cNvPr id="39" name="TextBox 38"/>
+                <p:cNvSpPr txBox="1"/>
+                <p:nvPr/>
+              </p:nvSpPr>
+              <p:spPr>
+                <a:xfrm>
+                  <a:off x="4435999" y="2899723"/>
+                  <a:ext cx="673100" cy="276999"/>
+                </a:xfrm>
+                <a:prstGeom prst="rect">
+                  <a:avLst/>
+                </a:prstGeom>
+                <a:noFill/>
+              </p:spPr>
+              <p:txBody>
+                <a:bodyPr wrap="square" rtlCol="0">
+                  <a:spAutoFit/>
+                </a:bodyPr>
+                <a:lstStyle/>
+                <a:p>
+                  <a:r>
+                    <a:rPr lang="en-US" altLang="zh-CN" sz="1200" dirty="0" smtClean="0"/>
+                    <a:t>Si</a:t>
+                  </a:r>
+                  <a:endParaRPr lang="en-US" sz="1200" dirty="0"/>
+                </a:p>
+              </p:txBody>
+            </p:sp>
+            <p:cxnSp>
+              <p:nvCxnSpPr>
+                <p:cNvPr id="41" name="Straight Arrow Connector 40"/>
+                <p:cNvCxnSpPr/>
+                <p:nvPr/>
+              </p:nvCxnSpPr>
+              <p:spPr>
+                <a:xfrm>
+                  <a:off x="3500347" y="1801090"/>
+                  <a:ext cx="796432" cy="0"/>
+                </a:xfrm>
+                <a:prstGeom prst="straightConnector1">
+                  <a:avLst/>
+                </a:prstGeom>
+                <a:ln>
+                  <a:headEnd type="triangle"/>
+                  <a:tailEnd type="triangle"/>
+                </a:ln>
+              </p:spPr>
+              <p:style>
+                <a:lnRef idx="1">
+                  <a:schemeClr val="accent1"/>
+                </a:lnRef>
+                <a:fillRef idx="0">
+                  <a:schemeClr val="accent1"/>
+                </a:fillRef>
+                <a:effectRef idx="0">
+                  <a:schemeClr val="accent1"/>
+                </a:effectRef>
+                <a:fontRef idx="minor">
+                  <a:schemeClr val="tx1"/>
+                </a:fontRef>
+              </p:style>
+            </p:cxnSp>
+            <p:sp>
+              <p:nvSpPr>
+                <p:cNvPr id="42" name="TextBox 41"/>
+                <p:cNvSpPr txBox="1"/>
+                <p:nvPr/>
+              </p:nvSpPr>
+              <p:spPr>
+                <a:xfrm>
+                  <a:off x="3482025" y="1368569"/>
+                  <a:ext cx="980027" cy="400110"/>
+                </a:xfrm>
+                <a:prstGeom prst="rect">
+                  <a:avLst/>
+                </a:prstGeom>
+                <a:noFill/>
+              </p:spPr>
+              <p:txBody>
+                <a:bodyPr wrap="square" rtlCol="0">
+                  <a:spAutoFit/>
+                </a:bodyPr>
+                <a:lstStyle/>
+                <a:p>
+                  <a:r>
+                    <a:rPr lang="en-US" sz="2000" dirty="0" smtClean="0"/>
+                    <a:t>2.5 </a:t>
+                  </a:r>
+                  <a:r>
+                    <a:rPr lang="el-GR" sz="2000" dirty="0"/>
+                    <a:t>μ</a:t>
+                  </a:r>
+                  <a:r>
+                    <a:rPr lang="en-US" sz="2000" dirty="0"/>
+                    <a:t>m </a:t>
+                  </a:r>
+                  <a:endParaRPr lang="en-US" sz="2000" baseline="-25000" dirty="0"/>
+                </a:p>
+              </p:txBody>
+            </p:sp>
+            <p:sp>
+              <p:nvSpPr>
+                <p:cNvPr id="46" name="TextBox 45"/>
+                <p:cNvSpPr txBox="1"/>
+                <p:nvPr/>
+              </p:nvSpPr>
+              <p:spPr>
+                <a:xfrm>
+                  <a:off x="3584060" y="757901"/>
+                  <a:ext cx="494980" cy="297517"/>
+                </a:xfrm>
+                <a:prstGeom prst="rect">
+                  <a:avLst/>
+                </a:prstGeom>
+                <a:noFill/>
+              </p:spPr>
+              <p:txBody>
+                <a:bodyPr wrap="square" rtlCol="0">
+                  <a:spAutoFit/>
+                </a:bodyPr>
+                <a:lstStyle/>
+                <a:p>
+                  <a:r>
+                    <a:rPr lang="en-US" sz="2000" baseline="-25000" dirty="0" smtClean="0"/>
+                    <a:t>1</a:t>
+                  </a:r>
+                  <a:r>
+                    <a:rPr lang="el-GR" sz="2000" baseline="-25000" dirty="0" smtClean="0"/>
+                    <a:t>μ</a:t>
+                  </a:r>
+                  <a:r>
+                    <a:rPr lang="en-US" sz="2000" baseline="-25000" dirty="0" smtClean="0"/>
+                    <a:t>m</a:t>
+                  </a:r>
+                  <a:endParaRPr lang="en-US" sz="2000" baseline="-25000" dirty="0"/>
+                </a:p>
+              </p:txBody>
+            </p:sp>
+            <p:sp>
+              <p:nvSpPr>
+                <p:cNvPr id="47" name="TextBox 46"/>
+                <p:cNvSpPr txBox="1"/>
+                <p:nvPr/>
+              </p:nvSpPr>
+              <p:spPr>
+                <a:xfrm>
+                  <a:off x="2232149" y="2529460"/>
+                  <a:ext cx="879844" cy="297517"/>
+                </a:xfrm>
+                <a:prstGeom prst="rect">
+                  <a:avLst/>
+                </a:prstGeom>
+                <a:noFill/>
+              </p:spPr>
+              <p:txBody>
+                <a:bodyPr wrap="square" rtlCol="0">
+                  <a:spAutoFit/>
+                </a:bodyPr>
+                <a:lstStyle/>
+                <a:p>
+                  <a:r>
+                    <a:rPr lang="en-US" sz="2000" baseline="-25000" dirty="0" smtClean="0"/>
+                    <a:t>0</a:t>
+                  </a:r>
+                  <a:r>
+                    <a:rPr lang="en-US" altLang="zh-CN" sz="2000" baseline="-25000" dirty="0" smtClean="0"/>
+                    <a:t>.1 </a:t>
+                  </a:r>
+                  <a:r>
+                    <a:rPr lang="el-GR" altLang="zh-CN" sz="2000" baseline="-25000" dirty="0" smtClean="0"/>
+                    <a:t>μ</a:t>
+                  </a:r>
+                  <a:r>
+                    <a:rPr lang="en-US" altLang="zh-CN" sz="2000" baseline="-25000" dirty="0" smtClean="0"/>
+                    <a:t>m</a:t>
+                  </a:r>
+                  <a:endParaRPr lang="en-US" sz="2000" baseline="-25000" dirty="0"/>
+                </a:p>
+              </p:txBody>
+            </p:sp>
+            <p:sp>
+              <p:nvSpPr>
+                <p:cNvPr id="55" name="TextBox 54"/>
+                <p:cNvSpPr txBox="1"/>
+                <p:nvPr/>
+              </p:nvSpPr>
+              <p:spPr>
+                <a:xfrm>
+                  <a:off x="2809515" y="2252586"/>
+                  <a:ext cx="719528" cy="297517"/>
+                </a:xfrm>
+                <a:prstGeom prst="rect">
+                  <a:avLst/>
+                </a:prstGeom>
+                <a:noFill/>
+              </p:spPr>
+              <p:txBody>
+                <a:bodyPr wrap="square" rtlCol="0">
+                  <a:spAutoFit/>
+                </a:bodyPr>
+                <a:lstStyle/>
+                <a:p>
+                  <a:r>
+                    <a:rPr lang="en-US" sz="2000" baseline="-25000" dirty="0" smtClean="0"/>
+                    <a:t>3 </a:t>
+                  </a:r>
+                  <a:r>
+                    <a:rPr lang="el-GR" sz="2000" baseline="-25000" dirty="0" smtClean="0"/>
+                    <a:t>μ</a:t>
+                  </a:r>
+                  <a:r>
+                    <a:rPr lang="en-US" sz="2000" baseline="-25000" dirty="0" smtClean="0"/>
+                    <a:t>m</a:t>
+                  </a:r>
+                  <a:endParaRPr lang="en-US" sz="2000" baseline="-25000" dirty="0"/>
+                </a:p>
+              </p:txBody>
+            </p:sp>
+            <p:cxnSp>
+              <p:nvCxnSpPr>
+                <p:cNvPr id="45" name="Straight Arrow Connector 44"/>
+                <p:cNvCxnSpPr/>
+                <p:nvPr/>
+              </p:nvCxnSpPr>
+              <p:spPr>
+                <a:xfrm>
+                  <a:off x="3589564" y="780007"/>
+                  <a:ext cx="0" cy="248106"/>
+                </a:xfrm>
+                <a:prstGeom prst="straightConnector1">
+                  <a:avLst/>
+                </a:prstGeom>
+                <a:ln>
+                  <a:headEnd type="triangle"/>
+                  <a:tailEnd type="triangle"/>
+                </a:ln>
+              </p:spPr>
+              <p:style>
+                <a:lnRef idx="1">
+                  <a:schemeClr val="accent1"/>
+                </a:lnRef>
+                <a:fillRef idx="0">
+                  <a:schemeClr val="accent1"/>
+                </a:fillRef>
+                <a:effectRef idx="0">
+                  <a:schemeClr val="accent1"/>
+                </a:effectRef>
+                <a:fontRef idx="minor">
+                  <a:schemeClr val="tx1"/>
+                </a:fontRef>
+              </p:style>
+            </p:cxnSp>
+            <p:cxnSp>
+              <p:nvCxnSpPr>
+                <p:cNvPr id="48" name="Straight Arrow Connector 47"/>
+                <p:cNvCxnSpPr/>
+                <p:nvPr/>
+              </p:nvCxnSpPr>
+              <p:spPr>
+                <a:xfrm>
+                  <a:off x="2240824" y="2644569"/>
+                  <a:ext cx="0" cy="183314"/>
+                </a:xfrm>
+                <a:prstGeom prst="straightConnector1">
+                  <a:avLst/>
+                </a:prstGeom>
+                <a:ln>
+                  <a:headEnd type="triangle"/>
+                  <a:tailEnd type="triangle"/>
+                </a:ln>
+              </p:spPr>
+              <p:style>
+                <a:lnRef idx="1">
+                  <a:schemeClr val="accent1"/>
+                </a:lnRef>
+                <a:fillRef idx="0">
+                  <a:schemeClr val="accent1"/>
+                </a:fillRef>
+                <a:effectRef idx="0">
+                  <a:schemeClr val="accent1"/>
+                </a:effectRef>
+                <a:fontRef idx="minor">
+                  <a:schemeClr val="tx1"/>
+                </a:fontRef>
+              </p:style>
+            </p:cxnSp>
+            <p:cxnSp>
+              <p:nvCxnSpPr>
+                <p:cNvPr id="53" name="Straight Arrow Connector 52"/>
+                <p:cNvCxnSpPr/>
+                <p:nvPr/>
+              </p:nvCxnSpPr>
+              <p:spPr>
+                <a:xfrm>
+                  <a:off x="2626269" y="2594559"/>
+                  <a:ext cx="957791" cy="0"/>
+                </a:xfrm>
+                <a:prstGeom prst="straightConnector1">
+                  <a:avLst/>
+                </a:prstGeom>
+                <a:ln>
+                  <a:headEnd type="triangle"/>
+                  <a:tailEnd type="triangle"/>
+                </a:ln>
+              </p:spPr>
+              <p:style>
+                <a:lnRef idx="1">
+                  <a:schemeClr val="accent1"/>
+                </a:lnRef>
+                <a:fillRef idx="0">
+                  <a:schemeClr val="accent1"/>
+                </a:fillRef>
+                <a:effectRef idx="0">
+                  <a:schemeClr val="accent1"/>
+                </a:effectRef>
+                <a:fontRef idx="minor">
+                  <a:schemeClr val="tx1"/>
+                </a:fontRef>
+              </p:style>
+            </p:cxnSp>
+            <p:cxnSp>
+              <p:nvCxnSpPr>
+                <p:cNvPr id="58" name="Straight Arrow Connector 57"/>
+                <p:cNvCxnSpPr/>
+                <p:nvPr/>
+              </p:nvCxnSpPr>
+              <p:spPr>
+                <a:xfrm>
+                  <a:off x="3730746" y="3329532"/>
+                  <a:ext cx="348294" cy="0"/>
+                </a:xfrm>
+                <a:prstGeom prst="straightConnector1">
+                  <a:avLst/>
+                </a:prstGeom>
+                <a:ln>
+                  <a:solidFill>
+                    <a:schemeClr val="tx1"/>
+                  </a:solidFill>
+                  <a:headEnd type="triangle"/>
+                  <a:tailEnd type="triangle"/>
+                </a:ln>
+              </p:spPr>
+              <p:style>
+                <a:lnRef idx="1">
+                  <a:schemeClr val="accent1"/>
+                </a:lnRef>
+                <a:fillRef idx="0">
+                  <a:schemeClr val="accent1"/>
+                </a:fillRef>
+                <a:effectRef idx="0">
+                  <a:schemeClr val="accent1"/>
+                </a:effectRef>
+                <a:fontRef idx="minor">
+                  <a:schemeClr val="tx1"/>
+                </a:fontRef>
+              </p:style>
+            </p:cxnSp>
+            <p:sp>
+              <p:nvSpPr>
+                <p:cNvPr id="59" name="TextBox 58"/>
+                <p:cNvSpPr txBox="1"/>
+                <p:nvPr/>
+              </p:nvSpPr>
+              <p:spPr>
+                <a:xfrm>
+                  <a:off x="3612575" y="3338990"/>
+                  <a:ext cx="664633" cy="276999"/>
+                </a:xfrm>
+                <a:prstGeom prst="rect">
+                  <a:avLst/>
+                </a:prstGeom>
+                <a:noFill/>
+              </p:spPr>
+              <p:txBody>
+                <a:bodyPr wrap="square" rtlCol="0">
+                  <a:spAutoFit/>
+                </a:bodyPr>
+                <a:lstStyle/>
+                <a:p>
+                  <a:r>
+                    <a:rPr lang="en-US" sz="1200" dirty="0" smtClean="0"/>
+                    <a:t>1</a:t>
+                  </a:r>
+                  <a:r>
+                    <a:rPr lang="en-US" altLang="zh-CN" sz="1200" dirty="0" smtClean="0"/>
+                    <a:t>.5</a:t>
+                  </a:r>
+                  <a:r>
+                    <a:rPr lang="en-US" sz="1200" dirty="0" smtClean="0"/>
+                    <a:t> </a:t>
+                  </a:r>
+                  <a:r>
+                    <a:rPr lang="el-GR" sz="1200" dirty="0" smtClean="0"/>
+                    <a:t>μ</a:t>
+                  </a:r>
+                  <a:r>
+                    <a:rPr lang="en-US" sz="1200" dirty="0" smtClean="0"/>
+                    <a:t>m</a:t>
+                  </a:r>
+                  <a:endParaRPr lang="en-US" sz="1200" dirty="0"/>
+                </a:p>
+              </p:txBody>
+            </p:sp>
+            <p:sp>
+              <p:nvSpPr>
+                <p:cNvPr id="62" name="TextBox 61"/>
+                <p:cNvSpPr txBox="1"/>
+                <p:nvPr/>
+              </p:nvSpPr>
+              <p:spPr>
+                <a:xfrm>
+                  <a:off x="3000476" y="3051835"/>
+                  <a:ext cx="747546" cy="276999"/>
+                </a:xfrm>
+                <a:prstGeom prst="rect">
+                  <a:avLst/>
+                </a:prstGeom>
+                <a:noFill/>
+              </p:spPr>
+              <p:txBody>
+                <a:bodyPr wrap="square" rtlCol="0">
+                  <a:spAutoFit/>
+                </a:bodyPr>
+                <a:lstStyle/>
+                <a:p>
+                  <a:r>
+                    <a:rPr lang="en-US" sz="1200" dirty="0" smtClean="0">
+                      <a:solidFill>
+                        <a:schemeClr val="bg1"/>
+                      </a:solidFill>
+                    </a:rPr>
+                    <a:t>0</a:t>
+                  </a:r>
+                  <a:r>
+                    <a:rPr lang="en-US" altLang="zh-CN" sz="1200" dirty="0" smtClean="0">
+                      <a:solidFill>
+                        <a:schemeClr val="bg1"/>
+                      </a:solidFill>
+                    </a:rPr>
+                    <a:t>.38</a:t>
+                  </a:r>
+                  <a:r>
+                    <a:rPr lang="en-US" sz="1200" dirty="0" smtClean="0">
+                      <a:solidFill>
+                        <a:schemeClr val="bg1"/>
+                      </a:solidFill>
+                    </a:rPr>
+                    <a:t> </a:t>
+                  </a:r>
+                  <a:r>
+                    <a:rPr lang="el-GR" sz="1200" dirty="0" smtClean="0">
+                      <a:solidFill>
+                        <a:schemeClr val="bg1"/>
+                      </a:solidFill>
+                    </a:rPr>
+                    <a:t>μ</a:t>
+                  </a:r>
+                  <a:r>
+                    <a:rPr lang="en-US" sz="1200" dirty="0" smtClean="0">
+                      <a:solidFill>
+                        <a:schemeClr val="bg1"/>
+                      </a:solidFill>
+                    </a:rPr>
+                    <a:t>m</a:t>
+                  </a:r>
+                  <a:endParaRPr lang="en-US" sz="1200" dirty="0">
+                    <a:solidFill>
+                      <a:schemeClr val="bg1"/>
+                    </a:solidFill>
+                  </a:endParaRPr>
+                </a:p>
+              </p:txBody>
+            </p:sp>
+            <p:cxnSp>
+              <p:nvCxnSpPr>
+                <p:cNvPr id="64" name="Straight Arrow Connector 63"/>
+                <p:cNvCxnSpPr/>
+                <p:nvPr/>
+              </p:nvCxnSpPr>
+              <p:spPr>
+                <a:xfrm>
+                  <a:off x="3657403" y="3060922"/>
+                  <a:ext cx="0" cy="206357"/>
+                </a:xfrm>
+                <a:prstGeom prst="straightConnector1">
+                  <a:avLst/>
+                </a:prstGeom>
+                <a:ln>
+                  <a:solidFill>
+                    <a:schemeClr val="tx1">
+                      <a:lumMod val="95000"/>
+                      <a:lumOff val="5000"/>
+                    </a:schemeClr>
+                  </a:solidFill>
+                  <a:headEnd type="triangle"/>
+                  <a:tailEnd type="triangle"/>
+                </a:ln>
+              </p:spPr>
+              <p:style>
+                <a:lnRef idx="1">
+                  <a:schemeClr val="accent1"/>
+                </a:lnRef>
+                <a:fillRef idx="0">
+                  <a:schemeClr val="accent1"/>
+                </a:fillRef>
+                <a:effectRef idx="0">
+                  <a:schemeClr val="accent1"/>
+                </a:effectRef>
+                <a:fontRef idx="minor">
+                  <a:schemeClr val="tx1"/>
+                </a:fontRef>
+              </p:style>
+            </p:cxnSp>
+            <p:sp>
+              <p:nvSpPr>
+                <p:cNvPr id="68" name="TextBox 67"/>
+                <p:cNvSpPr txBox="1"/>
+                <p:nvPr/>
+              </p:nvSpPr>
+              <p:spPr>
+                <a:xfrm>
+                  <a:off x="3693896" y="2391566"/>
+                  <a:ext cx="721840" cy="400110"/>
+                </a:xfrm>
+                <a:prstGeom prst="rect">
+                  <a:avLst/>
+                </a:prstGeom>
+                <a:noFill/>
+              </p:spPr>
+              <p:txBody>
+                <a:bodyPr wrap="square" rtlCol="0">
+                  <a:spAutoFit/>
+                </a:bodyPr>
+                <a:lstStyle/>
+                <a:p>
+                  <a:r>
+                    <a:rPr lang="en-US" sz="2000" dirty="0" err="1" smtClean="0"/>
+                    <a:t>h</a:t>
+                  </a:r>
+                  <a:r>
+                    <a:rPr lang="en-US" sz="2000" baseline="-25000" dirty="0" err="1" smtClean="0"/>
+                    <a:t>mqw</a:t>
+                  </a:r>
+                  <a:endParaRPr lang="en-US" sz="2000" baseline="-25000" dirty="0"/>
+                </a:p>
+              </p:txBody>
+            </p:sp>
+            <p:sp>
+              <p:nvSpPr>
+                <p:cNvPr id="70" name="TextBox 69"/>
+                <p:cNvSpPr txBox="1"/>
+                <p:nvPr/>
+              </p:nvSpPr>
+              <p:spPr>
+                <a:xfrm>
+                  <a:off x="4732880" y="1969663"/>
+                  <a:ext cx="1106489" cy="276999"/>
+                </a:xfrm>
+                <a:prstGeom prst="rect">
+                  <a:avLst/>
+                </a:prstGeom>
+                <a:noFill/>
+              </p:spPr>
+              <p:txBody>
+                <a:bodyPr wrap="square" rtlCol="0">
+                  <a:spAutoFit/>
+                </a:bodyPr>
+                <a:lstStyle/>
+                <a:p>
+                  <a:pPr algn="ctr"/>
+                  <a:r>
+                    <a:rPr lang="en-US" altLang="zh-CN" sz="1200" dirty="0" smtClean="0"/>
+                    <a:t>Ground Metal</a:t>
+                  </a:r>
+                  <a:endParaRPr lang="en-US" sz="1200" dirty="0"/>
+                </a:p>
+              </p:txBody>
+            </p:sp>
+            <p:cxnSp>
+              <p:nvCxnSpPr>
+                <p:cNvPr id="67" name="Straight Arrow Connector 66"/>
+                <p:cNvCxnSpPr/>
+                <p:nvPr/>
+              </p:nvCxnSpPr>
+              <p:spPr>
+                <a:xfrm>
+                  <a:off x="3730746" y="2534512"/>
+                  <a:ext cx="0" cy="156211"/>
+                </a:xfrm>
+                <a:prstGeom prst="straightConnector1">
+                  <a:avLst/>
+                </a:prstGeom>
+                <a:ln>
+                  <a:headEnd type="triangle" w="sm" len="sm"/>
+                  <a:tailEnd type="triangle" w="sm" len="sm"/>
+                </a:ln>
+              </p:spPr>
+              <p:style>
+                <a:lnRef idx="1">
+                  <a:schemeClr val="accent1"/>
+                </a:lnRef>
+                <a:fillRef idx="0">
+                  <a:schemeClr val="accent1"/>
+                </a:fillRef>
+                <a:effectRef idx="0">
+                  <a:schemeClr val="accent1"/>
+                </a:effectRef>
+                <a:fontRef idx="minor">
+                  <a:schemeClr val="tx1"/>
+                </a:fontRef>
+              </p:style>
+            </p:cxnSp>
+            <p:cxnSp>
+              <p:nvCxnSpPr>
+                <p:cNvPr id="72" name="Straight Arrow Connector 71"/>
+                <p:cNvCxnSpPr>
+                  <a:stCxn id="29" idx="0"/>
+                </p:cNvCxnSpPr>
+                <p:nvPr/>
+              </p:nvCxnSpPr>
+              <p:spPr>
+                <a:xfrm flipH="1" flipV="1">
+                  <a:off x="5462814" y="2246662"/>
+                  <a:ext cx="54928" cy="394663"/>
+                </a:xfrm>
+                <a:prstGeom prst="straightConnector1">
+                  <a:avLst/>
+                </a:prstGeom>
+                <a:ln>
+                  <a:solidFill>
+                    <a:schemeClr val="tx1"/>
+                  </a:solidFill>
+                  <a:tailEnd type="triangle"/>
+                </a:ln>
+              </p:spPr>
+              <p:style>
+                <a:lnRef idx="1">
+                  <a:schemeClr val="accent1"/>
+                </a:lnRef>
+                <a:fillRef idx="0">
+                  <a:schemeClr val="accent1"/>
+                </a:fillRef>
+                <a:effectRef idx="0">
+                  <a:schemeClr val="accent1"/>
+                </a:effectRef>
+                <a:fontRef idx="minor">
+                  <a:schemeClr val="tx1"/>
+                </a:fontRef>
+              </p:style>
+            </p:cxnSp>
+            <p:sp>
+              <p:nvSpPr>
+                <p:cNvPr id="75" name="TextBox 74"/>
+                <p:cNvSpPr txBox="1"/>
+                <p:nvPr/>
+              </p:nvSpPr>
+              <p:spPr>
+                <a:xfrm>
+                  <a:off x="1983014" y="671660"/>
+                  <a:ext cx="455386" cy="369332"/>
+                </a:xfrm>
+                <a:prstGeom prst="rect">
+                  <a:avLst/>
+                </a:prstGeom>
+                <a:noFill/>
+              </p:spPr>
+              <p:txBody>
+                <a:bodyPr wrap="square" rtlCol="0">
+                  <a:spAutoFit/>
+                </a:bodyPr>
+                <a:lstStyle/>
+                <a:p>
+                  <a:r>
+                    <a:rPr lang="en-US" dirty="0" smtClean="0"/>
+                    <a:t>(a)</a:t>
+                  </a:r>
+                  <a:endParaRPr lang="en-US" dirty="0"/>
+                </a:p>
+              </p:txBody>
+            </p:sp>
+            <p:sp>
+              <p:nvSpPr>
+                <p:cNvPr id="60" name="TextBox 59"/>
+                <p:cNvSpPr txBox="1"/>
+                <p:nvPr/>
+              </p:nvSpPr>
+              <p:spPr>
+                <a:xfrm>
+                  <a:off x="4462052" y="3052533"/>
+                  <a:ext cx="743735" cy="276999"/>
+                </a:xfrm>
+                <a:prstGeom prst="rect">
+                  <a:avLst/>
+                </a:prstGeom>
+                <a:noFill/>
+              </p:spPr>
+              <p:txBody>
+                <a:bodyPr wrap="square" rtlCol="0">
+                  <a:spAutoFit/>
+                </a:bodyPr>
+                <a:lstStyle/>
+                <a:p>
+                  <a:r>
+                    <a:rPr lang="en-US" sz="1200" dirty="0" smtClean="0">
+                      <a:solidFill>
+                        <a:schemeClr val="bg1"/>
+                      </a:solidFill>
+                    </a:rPr>
+                    <a:t>0</a:t>
+                  </a:r>
+                  <a:r>
+                    <a:rPr lang="en-US" altLang="zh-CN" sz="1200" dirty="0" smtClean="0">
+                      <a:solidFill>
+                        <a:schemeClr val="bg1"/>
+                      </a:solidFill>
+                    </a:rPr>
+                    <a:t>.22</a:t>
+                  </a:r>
+                  <a:r>
+                    <a:rPr lang="en-US" sz="1200" dirty="0" smtClean="0">
+                      <a:solidFill>
+                        <a:schemeClr val="bg1"/>
+                      </a:solidFill>
+                    </a:rPr>
+                    <a:t> </a:t>
+                  </a:r>
+                  <a:r>
+                    <a:rPr lang="el-GR" sz="1200" dirty="0" smtClean="0">
+                      <a:solidFill>
+                        <a:schemeClr val="bg1"/>
+                      </a:solidFill>
+                    </a:rPr>
+                    <a:t>μ</a:t>
+                  </a:r>
+                  <a:r>
+                    <a:rPr lang="en-US" sz="1200" dirty="0" smtClean="0">
+                      <a:solidFill>
+                        <a:schemeClr val="bg1"/>
+                      </a:solidFill>
+                    </a:rPr>
+                    <a:t>m</a:t>
+                  </a:r>
+                  <a:endParaRPr lang="en-US" sz="1200" dirty="0">
+                    <a:solidFill>
+                      <a:schemeClr val="bg1"/>
+                    </a:solidFill>
+                  </a:endParaRPr>
+                </a:p>
+              </p:txBody>
+            </p:sp>
+            <p:cxnSp>
+              <p:nvCxnSpPr>
+                <p:cNvPr id="54" name="Straight Arrow Connector 53"/>
+                <p:cNvCxnSpPr/>
+                <p:nvPr/>
+              </p:nvCxnSpPr>
+              <p:spPr>
+                <a:xfrm>
+                  <a:off x="4480224" y="3123175"/>
+                  <a:ext cx="0" cy="144104"/>
+                </a:xfrm>
+                <a:prstGeom prst="straightConnector1">
+                  <a:avLst/>
+                </a:prstGeom>
+                <a:ln>
+                  <a:solidFill>
+                    <a:schemeClr val="bg1"/>
+                  </a:solidFill>
+                  <a:round/>
+                  <a:headEnd type="triangle" w="sm" len="sm"/>
+                  <a:tailEnd type="triangle" w="sm" len="sm"/>
+                </a:ln>
+              </p:spPr>
+              <p:style>
+                <a:lnRef idx="1">
+                  <a:schemeClr val="accent1"/>
+                </a:lnRef>
+                <a:fillRef idx="0">
+                  <a:schemeClr val="accent1"/>
+                </a:fillRef>
+                <a:effectRef idx="0">
+                  <a:schemeClr val="accent1"/>
+                </a:effectRef>
+                <a:fontRef idx="minor">
+                  <a:schemeClr val="tx1"/>
+                </a:fontRef>
+              </p:style>
+            </p:cxnSp>
+            <p:cxnSp>
+              <p:nvCxnSpPr>
+                <p:cNvPr id="43" name="Straight Arrow Connector 42"/>
+                <p:cNvCxnSpPr/>
+                <p:nvPr/>
+              </p:nvCxnSpPr>
+              <p:spPr>
+                <a:xfrm flipH="1">
+                  <a:off x="3357497" y="3035811"/>
+                  <a:ext cx="390525" cy="0"/>
+                </a:xfrm>
+                <a:prstGeom prst="straightConnector1">
+                  <a:avLst/>
+                </a:prstGeom>
+                <a:ln>
+                  <a:tailEnd type="triangle"/>
+                </a:ln>
+              </p:spPr>
+              <p:style>
+                <a:lnRef idx="1">
+                  <a:schemeClr val="accent1"/>
+                </a:lnRef>
+                <a:fillRef idx="0">
+                  <a:schemeClr val="accent1"/>
+                </a:fillRef>
+                <a:effectRef idx="0">
+                  <a:schemeClr val="accent1"/>
+                </a:effectRef>
+                <a:fontRef idx="minor">
+                  <a:schemeClr val="tx1"/>
+                </a:fontRef>
+              </p:style>
+            </p:cxnSp>
+            <p:sp>
+              <p:nvSpPr>
+                <p:cNvPr id="71" name="TextBox 70"/>
+                <p:cNvSpPr txBox="1"/>
+                <p:nvPr/>
+              </p:nvSpPr>
+              <p:spPr>
+                <a:xfrm>
+                  <a:off x="2830997" y="2913335"/>
+                  <a:ext cx="669988" cy="276999"/>
+                </a:xfrm>
+                <a:prstGeom prst="rect">
+                  <a:avLst/>
+                </a:prstGeom>
+                <a:noFill/>
+              </p:spPr>
+              <p:txBody>
+                <a:bodyPr wrap="square" rtlCol="0">
+                  <a:spAutoFit/>
+                </a:bodyPr>
+                <a:lstStyle/>
+                <a:p>
+                  <a:r>
+                    <a:rPr lang="en-US" sz="1200" dirty="0" smtClean="0"/>
+                    <a:t>50</a:t>
+                  </a:r>
+                  <a:r>
+                    <a:rPr lang="en-US" sz="1200" dirty="0"/>
+                    <a:t> </a:t>
+                  </a:r>
+                  <a:r>
+                    <a:rPr lang="en-US" sz="1200" dirty="0" smtClean="0"/>
+                    <a:t>nm</a:t>
+                  </a:r>
+                  <a:endParaRPr lang="en-US" sz="1200" baseline="-25000" dirty="0"/>
+                </a:p>
+              </p:txBody>
+            </p:sp>
+            <p:sp>
+              <p:nvSpPr>
+                <p:cNvPr id="78" name="TextBox 77"/>
+                <p:cNvSpPr txBox="1"/>
+                <p:nvPr/>
+              </p:nvSpPr>
+              <p:spPr>
+                <a:xfrm>
+                  <a:off x="3633375" y="2028751"/>
+                  <a:ext cx="663907" cy="400110"/>
+                </a:xfrm>
+                <a:prstGeom prst="rect">
+                  <a:avLst/>
+                </a:prstGeom>
+                <a:noFill/>
+              </p:spPr>
+              <p:txBody>
+                <a:bodyPr wrap="square" rtlCol="0">
+                  <a:spAutoFit/>
+                </a:bodyPr>
+                <a:lstStyle/>
+                <a:p>
+                  <a:r>
+                    <a:rPr lang="en-US" sz="2000" dirty="0" err="1" smtClean="0"/>
+                    <a:t>w</a:t>
+                  </a:r>
+                  <a:r>
+                    <a:rPr lang="en-US" sz="2000" baseline="-25000" dirty="0" err="1" smtClean="0"/>
+                    <a:t>wg</a:t>
+                  </a:r>
+                  <a:endParaRPr lang="en-US" sz="2000" baseline="-25000" dirty="0"/>
+                </a:p>
+              </p:txBody>
+            </p:sp>
+            <p:cxnSp>
+              <p:nvCxnSpPr>
+                <p:cNvPr id="79" name="Straight Arrow Connector 78"/>
+                <p:cNvCxnSpPr/>
+                <p:nvPr/>
+              </p:nvCxnSpPr>
+              <p:spPr>
+                <a:xfrm>
+                  <a:off x="3573069" y="2408095"/>
+                  <a:ext cx="634380" cy="3702"/>
+                </a:xfrm>
+                <a:prstGeom prst="straightConnector1">
+                  <a:avLst/>
+                </a:prstGeom>
+                <a:ln>
+                  <a:headEnd type="triangle"/>
+                  <a:tailEnd type="triangle"/>
+                </a:ln>
+              </p:spPr>
+              <p:style>
+                <a:lnRef idx="1">
+                  <a:schemeClr val="accent1"/>
+                </a:lnRef>
+                <a:fillRef idx="0">
+                  <a:schemeClr val="accent1"/>
+                </a:fillRef>
+                <a:effectRef idx="0">
+                  <a:schemeClr val="accent1"/>
+                </a:effectRef>
+                <a:fontRef idx="minor">
+                  <a:schemeClr val="tx1"/>
+                </a:fontRef>
+              </p:style>
+            </p:cxnSp>
+          </p:grpSp>
+          <p:pic>
+            <p:nvPicPr>
+              <p:cNvPr id="63" name="Picture 62"/>
+              <p:cNvPicPr>
+                <a:picLocks noChangeAspect="1"/>
+              </p:cNvPicPr>
+              <p:nvPr/>
+            </p:nvPicPr>
+            <p:blipFill>
+              <a:blip r:embed="rId2">
+                <a:extLst>
+                  <a:ext uri="{28A0092B-C50C-407E-A947-70E740481C1C}">
+                    <a14:useLocalDpi xmlns:a14="http://schemas.microsoft.com/office/drawing/2010/main" val="0"/>
+                  </a:ext>
+                </a:extLst>
+              </a:blip>
+              <a:stretch>
+                <a:fillRect/>
+              </a:stretch>
+            </p:blipFill>
+            <p:spPr>
+              <a:xfrm>
+                <a:off x="4916095" y="798622"/>
+                <a:ext cx="3442971" cy="4614705"/>
+              </a:xfrm>
+              <a:prstGeom prst="rect">
+                <a:avLst/>
+              </a:prstGeom>
+            </p:spPr>
+          </p:pic>
+          <p:pic>
+            <p:nvPicPr>
+              <p:cNvPr id="2" name="Picture 1"/>
+              <p:cNvPicPr>
+                <a:picLocks noChangeAspect="1"/>
+              </p:cNvPicPr>
+              <p:nvPr/>
+            </p:nvPicPr>
+            <p:blipFill>
+              <a:blip r:embed="rId3">
+                <a:extLst>
+                  <a:ext uri="{28A0092B-C50C-407E-A947-70E740481C1C}">
+                    <a14:useLocalDpi xmlns:a14="http://schemas.microsoft.com/office/drawing/2010/main" val="0"/>
+                  </a:ext>
+                </a:extLst>
+              </a:blip>
+              <a:stretch>
+                <a:fillRect/>
+              </a:stretch>
+            </p:blipFill>
+            <p:spPr>
+              <a:xfrm>
+                <a:off x="8706587" y="812664"/>
+                <a:ext cx="2914013" cy="4600664"/>
+              </a:xfrm>
+              <a:prstGeom prst="rect">
+                <a:avLst/>
+              </a:prstGeom>
+            </p:spPr>
+          </p:pic>
           <p:sp>
             <p:nvSpPr>
-              <p:cNvPr id="60" name="TextBox 59"/>
+              <p:cNvPr id="61" name="TextBox 60"/>
               <p:cNvSpPr txBox="1"/>
               <p:nvPr/>
             </p:nvSpPr>
             <p:spPr>
               <a:xfrm>
-                <a:off x="4462052" y="3052533"/>
-                <a:ext cx="743735" cy="276999"/>
+                <a:off x="8260684" y="704317"/>
+                <a:ext cx="455386" cy="369332"/>
               </a:xfrm>
               <a:prstGeom prst="rect">
                 <a:avLst/>
@@ -11403,329 +11898,22 @@
               <a:lstStyle/>
               <a:p>
                 <a:r>
-                  <a:rPr lang="en-US" sz="1200" dirty="0" smtClean="0">
-                    <a:solidFill>
-                      <a:schemeClr val="bg1"/>
-                    </a:solidFill>
-                  </a:rPr>
-                  <a:t>0</a:t>
+                  <a:rPr lang="en-US" dirty="0" smtClean="0"/>
+                  <a:t>(</a:t>
                 </a:r>
                 <a:r>
-                  <a:rPr lang="en-US" altLang="zh-CN" sz="1200" dirty="0" smtClean="0">
-                    <a:solidFill>
-                      <a:schemeClr val="bg1"/>
-                    </a:solidFill>
-                  </a:rPr>
-                  <a:t>.22</a:t>
+                  <a:rPr lang="en-US" altLang="zh-CN" dirty="0" smtClean="0"/>
+                  <a:t>c</a:t>
                 </a:r>
                 <a:r>
-                  <a:rPr lang="en-US" sz="1200" dirty="0" smtClean="0">
-                    <a:solidFill>
-                      <a:schemeClr val="bg1"/>
-                    </a:solidFill>
-                  </a:rPr>
-                  <a:t> </a:t>
+                  <a:rPr lang="en-US" dirty="0" smtClean="0"/>
+                  <a:t>)</a:t>
                 </a:r>
-                <a:r>
-                  <a:rPr lang="el-GR" sz="1200" dirty="0" smtClean="0">
-                    <a:solidFill>
-                      <a:schemeClr val="bg1"/>
-                    </a:solidFill>
-                  </a:rPr>
-                  <a:t>μ</a:t>
-                </a:r>
-                <a:r>
-                  <a:rPr lang="en-US" sz="1200" dirty="0" smtClean="0">
-                    <a:solidFill>
-                      <a:schemeClr val="bg1"/>
-                    </a:solidFill>
-                  </a:rPr>
-                  <a:t>m</a:t>
-                </a:r>
-                <a:endParaRPr lang="en-US" sz="1200" dirty="0">
-                  <a:solidFill>
-                    <a:schemeClr val="bg1"/>
-                  </a:solidFill>
-                </a:endParaRPr>
+                <a:endParaRPr lang="en-US" dirty="0"/>
               </a:p>
             </p:txBody>
           </p:sp>
-          <p:cxnSp>
-            <p:nvCxnSpPr>
-              <p:cNvPr id="54" name="Straight Arrow Connector 53"/>
-              <p:cNvCxnSpPr/>
-              <p:nvPr/>
-            </p:nvCxnSpPr>
-            <p:spPr>
-              <a:xfrm>
-                <a:off x="4480224" y="3123175"/>
-                <a:ext cx="0" cy="144104"/>
-              </a:xfrm>
-              <a:prstGeom prst="straightConnector1">
-                <a:avLst/>
-              </a:prstGeom>
-              <a:ln>
-                <a:solidFill>
-                  <a:schemeClr val="bg1"/>
-                </a:solidFill>
-                <a:round/>
-                <a:headEnd type="triangle" w="sm" len="sm"/>
-                <a:tailEnd type="triangle" w="sm" len="sm"/>
-              </a:ln>
-            </p:spPr>
-            <p:style>
-              <a:lnRef idx="1">
-                <a:schemeClr val="accent1"/>
-              </a:lnRef>
-              <a:fillRef idx="0">
-                <a:schemeClr val="accent1"/>
-              </a:fillRef>
-              <a:effectRef idx="0">
-                <a:schemeClr val="accent1"/>
-              </a:effectRef>
-              <a:fontRef idx="minor">
-                <a:schemeClr val="tx1"/>
-              </a:fontRef>
-            </p:style>
-          </p:cxnSp>
-          <p:cxnSp>
-            <p:nvCxnSpPr>
-              <p:cNvPr id="43" name="Straight Arrow Connector 42"/>
-              <p:cNvCxnSpPr/>
-              <p:nvPr/>
-            </p:nvCxnSpPr>
-            <p:spPr>
-              <a:xfrm flipH="1">
-                <a:off x="3357497" y="3035811"/>
-                <a:ext cx="390525" cy="0"/>
-              </a:xfrm>
-              <a:prstGeom prst="straightConnector1">
-                <a:avLst/>
-              </a:prstGeom>
-              <a:ln>
-                <a:tailEnd type="triangle"/>
-              </a:ln>
-            </p:spPr>
-            <p:style>
-              <a:lnRef idx="1">
-                <a:schemeClr val="accent1"/>
-              </a:lnRef>
-              <a:fillRef idx="0">
-                <a:schemeClr val="accent1"/>
-              </a:fillRef>
-              <a:effectRef idx="0">
-                <a:schemeClr val="accent1"/>
-              </a:effectRef>
-              <a:fontRef idx="minor">
-                <a:schemeClr val="tx1"/>
-              </a:fontRef>
-            </p:style>
-          </p:cxnSp>
-          <p:sp>
-            <p:nvSpPr>
-              <p:cNvPr id="71" name="TextBox 70"/>
-              <p:cNvSpPr txBox="1"/>
-              <p:nvPr/>
-            </p:nvSpPr>
-            <p:spPr>
-              <a:xfrm>
-                <a:off x="2830997" y="2913335"/>
-                <a:ext cx="669988" cy="276999"/>
-              </a:xfrm>
-              <a:prstGeom prst="rect">
-                <a:avLst/>
-              </a:prstGeom>
-              <a:noFill/>
-            </p:spPr>
-            <p:txBody>
-              <a:bodyPr wrap="square" rtlCol="0">
-                <a:spAutoFit/>
-              </a:bodyPr>
-              <a:lstStyle/>
-              <a:p>
-                <a:r>
-                  <a:rPr lang="en-US" sz="1200" dirty="0" smtClean="0"/>
-                  <a:t>50</a:t>
-                </a:r>
-                <a:r>
-                  <a:rPr lang="en-US" sz="1200" dirty="0"/>
-                  <a:t> </a:t>
-                </a:r>
-                <a:r>
-                  <a:rPr lang="en-US" sz="1200" dirty="0" smtClean="0"/>
-                  <a:t>nm</a:t>
-                </a:r>
-                <a:endParaRPr lang="en-US" sz="1200" baseline="-25000" dirty="0"/>
-              </a:p>
-            </p:txBody>
-          </p:sp>
-          <p:sp>
-            <p:nvSpPr>
-              <p:cNvPr id="78" name="TextBox 77"/>
-              <p:cNvSpPr txBox="1"/>
-              <p:nvPr/>
-            </p:nvSpPr>
-            <p:spPr>
-              <a:xfrm>
-                <a:off x="3633375" y="2028751"/>
-                <a:ext cx="663907" cy="400110"/>
-              </a:xfrm>
-              <a:prstGeom prst="rect">
-                <a:avLst/>
-              </a:prstGeom>
-              <a:noFill/>
-            </p:spPr>
-            <p:txBody>
-              <a:bodyPr wrap="square" rtlCol="0">
-                <a:spAutoFit/>
-              </a:bodyPr>
-              <a:lstStyle/>
-              <a:p>
-                <a:r>
-                  <a:rPr lang="en-US" sz="2000" dirty="0" err="1" smtClean="0"/>
-                  <a:t>w</a:t>
-                </a:r>
-                <a:r>
-                  <a:rPr lang="en-US" sz="2000" baseline="-25000" dirty="0" err="1" smtClean="0"/>
-                  <a:t>wg</a:t>
-                </a:r>
-                <a:endParaRPr lang="en-US" sz="2000" baseline="-25000" dirty="0"/>
-              </a:p>
-            </p:txBody>
-          </p:sp>
-          <p:cxnSp>
-            <p:nvCxnSpPr>
-              <p:cNvPr id="79" name="Straight Arrow Connector 78"/>
-              <p:cNvCxnSpPr/>
-              <p:nvPr/>
-            </p:nvCxnSpPr>
-            <p:spPr>
-              <a:xfrm>
-                <a:off x="3573069" y="2408095"/>
-                <a:ext cx="634380" cy="3702"/>
-              </a:xfrm>
-              <a:prstGeom prst="straightConnector1">
-                <a:avLst/>
-              </a:prstGeom>
-              <a:ln>
-                <a:headEnd type="triangle"/>
-                <a:tailEnd type="triangle"/>
-              </a:ln>
-            </p:spPr>
-            <p:style>
-              <a:lnRef idx="1">
-                <a:schemeClr val="accent1"/>
-              </a:lnRef>
-              <a:fillRef idx="0">
-                <a:schemeClr val="accent1"/>
-              </a:fillRef>
-              <a:effectRef idx="0">
-                <a:schemeClr val="accent1"/>
-              </a:effectRef>
-              <a:fontRef idx="minor">
-                <a:schemeClr val="tx1"/>
-              </a:fontRef>
-            </p:style>
-          </p:cxnSp>
         </p:grpSp>
-        <p:pic>
-          <p:nvPicPr>
-            <p:cNvPr id="63" name="Picture 62"/>
-            <p:cNvPicPr>
-              <a:picLocks noChangeAspect="1"/>
-            </p:cNvPicPr>
-            <p:nvPr/>
-          </p:nvPicPr>
-          <p:blipFill>
-            <a:blip r:embed="rId2">
-              <a:extLst>
-                <a:ext uri="{28A0092B-C50C-407E-A947-70E740481C1C}">
-                  <a14:useLocalDpi xmlns:a14="http://schemas.microsoft.com/office/drawing/2010/main" val="0"/>
-                </a:ext>
-              </a:extLst>
-            </a:blip>
-            <a:stretch>
-              <a:fillRect/>
-            </a:stretch>
-          </p:blipFill>
-          <p:spPr>
-            <a:xfrm>
-              <a:off x="4916095" y="798622"/>
-              <a:ext cx="3442971" cy="4614705"/>
-            </a:xfrm>
-            <a:prstGeom prst="rect">
-              <a:avLst/>
-            </a:prstGeom>
-          </p:spPr>
-        </p:pic>
-        <p:pic>
-          <p:nvPicPr>
-            <p:cNvPr id="2" name="Picture 1"/>
-            <p:cNvPicPr>
-              <a:picLocks noChangeAspect="1"/>
-            </p:cNvPicPr>
-            <p:nvPr/>
-          </p:nvPicPr>
-          <p:blipFill>
-            <a:blip r:embed="rId3">
-              <a:extLst>
-                <a:ext uri="{28A0092B-C50C-407E-A947-70E740481C1C}">
-                  <a14:useLocalDpi xmlns:a14="http://schemas.microsoft.com/office/drawing/2010/main" val="0"/>
-                </a:ext>
-              </a:extLst>
-            </a:blip>
-            <a:stretch>
-              <a:fillRect/>
-            </a:stretch>
-          </p:blipFill>
-          <p:spPr>
-            <a:xfrm>
-              <a:off x="8706587" y="812664"/>
-              <a:ext cx="2914013" cy="4600664"/>
-            </a:xfrm>
-            <a:prstGeom prst="rect">
-              <a:avLst/>
-            </a:prstGeom>
-          </p:spPr>
-        </p:pic>
-        <p:sp>
-          <p:nvSpPr>
-            <p:cNvPr id="61" name="TextBox 60"/>
-            <p:cNvSpPr txBox="1"/>
-            <p:nvPr/>
-          </p:nvSpPr>
-          <p:spPr>
-            <a:xfrm>
-              <a:off x="8260684" y="704317"/>
-              <a:ext cx="455386" cy="369332"/>
-            </a:xfrm>
-            <a:prstGeom prst="rect">
-              <a:avLst/>
-            </a:prstGeom>
-            <a:noFill/>
-          </p:spPr>
-          <p:txBody>
-            <a:bodyPr wrap="square" rtlCol="0">
-              <a:spAutoFit/>
-            </a:bodyPr>
-            <a:lstStyle/>
-            <a:p>
-              <a:r>
-                <a:rPr lang="en-US" dirty="0" smtClean="0"/>
-                <a:t>(</a:t>
-              </a:r>
-              <a:r>
-                <a:rPr lang="en-US" altLang="zh-CN" dirty="0" smtClean="0"/>
-                <a:t>c</a:t>
-              </a:r>
-              <a:r>
-                <a:rPr lang="en-US" dirty="0" smtClean="0"/>
-                <a:t>)</a:t>
-              </a:r>
-              <a:endParaRPr lang="en-US" dirty="0"/>
-            </a:p>
-          </p:txBody>
-        </p:sp>
       </p:grpSp>
     </p:spTree>
     <p:extLst>

--- a/thesis_v1/Pictures/figure_chapter2.pptx
+++ b/thesis_v1/Pictures/figure_chapter2.pptx
@@ -256,7 +256,7 @@
           <a:p>
             <a:fld id="{0AB158F5-A420-42E5-A89A-E1DF478DA356}" type="datetimeFigureOut">
               <a:rPr lang="en-US" smtClean="0"/>
-              <a:t>3/13/2016</a:t>
+              <a:t>4/18/2016</a:t>
             </a:fld>
             <a:endParaRPr lang="en-US"/>
           </a:p>
@@ -426,7 +426,7 @@
           <a:p>
             <a:fld id="{0AB158F5-A420-42E5-A89A-E1DF478DA356}" type="datetimeFigureOut">
               <a:rPr lang="en-US" smtClean="0"/>
-              <a:t>3/13/2016</a:t>
+              <a:t>4/18/2016</a:t>
             </a:fld>
             <a:endParaRPr lang="en-US"/>
           </a:p>
@@ -606,7 +606,7 @@
           <a:p>
             <a:fld id="{0AB158F5-A420-42E5-A89A-E1DF478DA356}" type="datetimeFigureOut">
               <a:rPr lang="en-US" smtClean="0"/>
-              <a:t>3/13/2016</a:t>
+              <a:t>4/18/2016</a:t>
             </a:fld>
             <a:endParaRPr lang="en-US"/>
           </a:p>
@@ -776,7 +776,7 @@
           <a:p>
             <a:fld id="{0AB158F5-A420-42E5-A89A-E1DF478DA356}" type="datetimeFigureOut">
               <a:rPr lang="en-US" smtClean="0"/>
-              <a:t>3/13/2016</a:t>
+              <a:t>4/18/2016</a:t>
             </a:fld>
             <a:endParaRPr lang="en-US"/>
           </a:p>
@@ -1029,7 +1029,7 @@
           <a:p>
             <a:fld id="{0AB158F5-A420-42E5-A89A-E1DF478DA356}" type="datetimeFigureOut">
               <a:rPr lang="en-US" smtClean="0"/>
-              <a:t>3/13/2016</a:t>
+              <a:t>4/18/2016</a:t>
             </a:fld>
             <a:endParaRPr lang="en-US"/>
           </a:p>
@@ -1261,7 +1261,7 @@
           <a:p>
             <a:fld id="{0AB158F5-A420-42E5-A89A-E1DF478DA356}" type="datetimeFigureOut">
               <a:rPr lang="en-US" smtClean="0"/>
-              <a:t>3/13/2016</a:t>
+              <a:t>4/18/2016</a:t>
             </a:fld>
             <a:endParaRPr lang="en-US"/>
           </a:p>
@@ -1628,7 +1628,7 @@
           <a:p>
             <a:fld id="{0AB158F5-A420-42E5-A89A-E1DF478DA356}" type="datetimeFigureOut">
               <a:rPr lang="en-US" smtClean="0"/>
-              <a:t>3/13/2016</a:t>
+              <a:t>4/18/2016</a:t>
             </a:fld>
             <a:endParaRPr lang="en-US"/>
           </a:p>
@@ -1746,7 +1746,7 @@
           <a:p>
             <a:fld id="{0AB158F5-A420-42E5-A89A-E1DF478DA356}" type="datetimeFigureOut">
               <a:rPr lang="en-US" smtClean="0"/>
-              <a:t>3/13/2016</a:t>
+              <a:t>4/18/2016</a:t>
             </a:fld>
             <a:endParaRPr lang="en-US"/>
           </a:p>
@@ -1841,7 +1841,7 @@
           <a:p>
             <a:fld id="{0AB158F5-A420-42E5-A89A-E1DF478DA356}" type="datetimeFigureOut">
               <a:rPr lang="en-US" smtClean="0"/>
-              <a:t>3/13/2016</a:t>
+              <a:t>4/18/2016</a:t>
             </a:fld>
             <a:endParaRPr lang="en-US"/>
           </a:p>
@@ -2118,7 +2118,7 @@
           <a:p>
             <a:fld id="{0AB158F5-A420-42E5-A89A-E1DF478DA356}" type="datetimeFigureOut">
               <a:rPr lang="en-US" smtClean="0"/>
-              <a:t>3/13/2016</a:t>
+              <a:t>4/18/2016</a:t>
             </a:fld>
             <a:endParaRPr lang="en-US"/>
           </a:p>
@@ -2371,7 +2371,7 @@
           <a:p>
             <a:fld id="{0AB158F5-A420-42E5-A89A-E1DF478DA356}" type="datetimeFigureOut">
               <a:rPr lang="en-US" smtClean="0"/>
-              <a:t>3/13/2016</a:t>
+              <a:t>4/18/2016</a:t>
             </a:fld>
             <a:endParaRPr lang="en-US"/>
           </a:p>
@@ -2584,7 +2584,7 @@
           <a:p>
             <a:fld id="{0AB158F5-A420-42E5-A89A-E1DF478DA356}" type="datetimeFigureOut">
               <a:rPr lang="en-US" smtClean="0"/>
-              <a:t>3/13/2016</a:t>
+              <a:t>4/18/2016</a:t>
             </a:fld>
             <a:endParaRPr lang="en-US"/>
           </a:p>
@@ -3043,7 +3043,7 @@
         </p:nvGrpSpPr>
         <p:grpSpPr>
           <a:xfrm>
-            <a:off x="2671456" y="1527881"/>
+            <a:off x="2446845" y="1691166"/>
             <a:ext cx="6580233" cy="3083300"/>
             <a:chOff x="2671456" y="1527881"/>
             <a:chExt cx="6580233" cy="3083300"/>
@@ -4385,10 +4385,14 @@
                       <a:t>E</a:t>
                     </a:r>
                     <a:r>
-                      <a:rPr lang="en-US" altLang="zh-CN" i="1" baseline="-25000" dirty="0" err="1" smtClean="0"/>
+                      <a:rPr lang="en-US" altLang="zh-CN" i="1" baseline="-25000" dirty="0" err="1" smtClean="0">
+                        <a:latin typeface="Cambria" panose="02040503050406030204" pitchFamily="18" charset="0"/>
+                      </a:rPr>
                       <a:t>g</a:t>
                     </a:r>
-                    <a:endParaRPr lang="en-US" i="1" baseline="-25000" dirty="0"/>
+                    <a:endParaRPr lang="en-US" i="1" baseline="-25000" dirty="0">
+                      <a:latin typeface="Cambria" panose="02040503050406030204" pitchFamily="18" charset="0"/>
+                    </a:endParaRPr>
                   </a:p>
                 </p:txBody>
               </p:sp>
@@ -5563,10 +5567,14 @@
                       <a:t>E</a:t>
                     </a:r>
                     <a:r>
-                      <a:rPr lang="en-US" altLang="zh-CN" i="1" baseline="-25000" dirty="0" err="1" smtClean="0"/>
+                      <a:rPr lang="en-US" altLang="zh-CN" i="1" baseline="-25000" dirty="0" err="1" smtClean="0">
+                        <a:latin typeface="Cambria" panose="02040503050406030204" pitchFamily="18" charset="0"/>
+                      </a:rPr>
                       <a:t>g</a:t>
                     </a:r>
-                    <a:endParaRPr lang="en-US" i="1" baseline="-25000" dirty="0"/>
+                    <a:endParaRPr lang="en-US" i="1" baseline="-25000" dirty="0">
+                      <a:latin typeface="Cambria" panose="02040503050406030204" pitchFamily="18" charset="0"/>
+                    </a:endParaRPr>
                   </a:p>
                 </p:txBody>
               </p:sp>
@@ -13205,7 +13213,7 @@
         </p:nvGrpSpPr>
         <p:grpSpPr>
           <a:xfrm>
-            <a:off x="1258400" y="421105"/>
+            <a:off x="1399915" y="595277"/>
             <a:ext cx="7633508" cy="4009394"/>
             <a:chOff x="1258400" y="421105"/>
             <a:chExt cx="7633508" cy="4009394"/>
@@ -13724,7 +13732,13 @@
                       <a:rPr lang="en-US" altLang="zh-CN" i="1" dirty="0" err="1" smtClean="0">
                         <a:latin typeface="+mj-lt"/>
                       </a:rPr>
-                      <a:t>Eg</a:t>
+                      <a:t>E</a:t>
+                    </a:r>
+                    <a:r>
+                      <a:rPr lang="en-US" altLang="zh-CN" i="1" baseline="-25000" dirty="0" err="1" smtClean="0">
+                        <a:latin typeface="Cambria" panose="02040503050406030204" pitchFamily="18" charset="0"/>
+                      </a:rPr>
+                      <a:t>g</a:t>
                     </a:r>
                     <a:r>
                       <a:rPr lang="en-US" altLang="zh-CN" i="1" dirty="0" smtClean="0">
@@ -14469,7 +14483,13 @@
                     <a:rPr lang="en-US" altLang="zh-CN" i="1" dirty="0" err="1" smtClean="0">
                       <a:latin typeface="+mj-lt"/>
                     </a:rPr>
-                    <a:t>Eg</a:t>
+                    <a:t>E</a:t>
+                  </a:r>
+                  <a:r>
+                    <a:rPr lang="en-US" altLang="zh-CN" i="1" baseline="-25000" dirty="0" err="1" smtClean="0">
+                      <a:latin typeface="Cambria" panose="02040503050406030204" pitchFamily="18" charset="0"/>
+                    </a:rPr>
+                    <a:t>g</a:t>
                   </a:r>
                   <a:r>
                     <a:rPr lang="en-US" altLang="zh-CN" i="1" dirty="0" smtClean="0">
